--- a/help/data-sheets/assets/OnlineSupportDatasheet.pptx
+++ b/help/data-sheets/assets/OnlineSupportDatasheet.pptx
@@ -255,7 +255,7 @@
           <a:p>
             <a:fld id="{A438815C-EDE5-F947-A55F-7634403F36C4}" type="datetimeFigureOut">
               <a:rPr lang="en-US" smtClean="0"/>
-              <a:t>9/22/2021</a:t>
+              <a:t>10/1/2021</a:t>
             </a:fld>
             <a:endParaRPr lang="en-US"/>
           </a:p>
@@ -878,7 +878,7 @@
           <a:p>
             <a:fld id="{1D8BD707-D9CF-40AE-B4C6-C98DA3205C09}" type="datetimeFigureOut">
               <a:rPr lang="en-US"/>
-              <a:t>9/22/2021</a:t>
+              <a:t>10/1/2021</a:t>
             </a:fld>
             <a:endParaRPr lang="en-US"/>
           </a:p>
@@ -1062,7 +1062,7 @@
           <a:p>
             <a:fld id="{1D8BD707-D9CF-40AE-B4C6-C98DA3205C09}" type="datetimeFigureOut">
               <a:rPr lang="en-US"/>
-              <a:t>9/22/2021</a:t>
+              <a:t>10/1/2021</a:t>
             </a:fld>
             <a:endParaRPr lang="en-US"/>
           </a:p>
@@ -1364,7 +1364,7 @@
           <a:p>
             <a:fld id="{1D8BD707-D9CF-40AE-B4C6-C98DA3205C09}" type="datetimeFigureOut">
               <a:rPr lang="en-US"/>
-              <a:t>9/22/2021</a:t>
+              <a:t>10/1/2021</a:t>
             </a:fld>
             <a:endParaRPr lang="en-US"/>
           </a:p>
@@ -1640,7 +1640,7 @@
               </a:spcBef>
             </a:pPr>
             <a:r>
-              <a:rPr sz="1400" b="1" u="heavy" spc="10" dirty="0">
+              <a:rPr lang="it-IT" sz="1400" b="1" u="heavy">
                 <a:solidFill>
                   <a:srgbClr val="020302"/>
                 </a:solidFill>
@@ -1652,87 +1652,8 @@
                 <a:latin typeface="Adobe Clean"/>
                 <a:cs typeface="Adobe Clean"/>
               </a:rPr>
-              <a:t>Service </a:t>
+              <a:t>Obiettivi del livello di servizio: risposta iniziale</a:t>
             </a:r>
-            <a:r>
-              <a:rPr sz="1400" b="1" u="heavy" spc="-10" dirty="0">
-                <a:solidFill>
-                  <a:srgbClr val="020302"/>
-                </a:solidFill>
-                <a:uFill>
-                  <a:solidFill>
-                    <a:srgbClr val="020302"/>
-                  </a:solidFill>
-                </a:uFill>
-                <a:latin typeface="Adobe Clean"/>
-                <a:cs typeface="Adobe Clean"/>
-              </a:rPr>
-              <a:t>Level </a:t>
-            </a:r>
-            <a:r>
-              <a:rPr sz="1400" b="1" u="heavy" spc="-45" dirty="0">
-                <a:solidFill>
-                  <a:srgbClr val="020302"/>
-                </a:solidFill>
-                <a:uFill>
-                  <a:solidFill>
-                    <a:srgbClr val="020302"/>
-                  </a:solidFill>
-                </a:uFill>
-                <a:latin typeface="Adobe Clean"/>
-                <a:cs typeface="Adobe Clean"/>
-              </a:rPr>
-              <a:t>Targets: </a:t>
-            </a:r>
-            <a:r>
-              <a:rPr sz="1400" b="1" u="heavy" spc="-10" dirty="0">
-                <a:solidFill>
-                  <a:srgbClr val="020302"/>
-                </a:solidFill>
-                <a:uFill>
-                  <a:solidFill>
-                    <a:srgbClr val="020302"/>
-                  </a:solidFill>
-                </a:uFill>
-                <a:latin typeface="Adobe Clean"/>
-                <a:cs typeface="Adobe Clean"/>
-              </a:rPr>
-              <a:t>Initial</a:t>
-            </a:r>
-            <a:r>
-              <a:rPr sz="1400" b="1" u="heavy" spc="-140" dirty="0">
-                <a:solidFill>
-                  <a:srgbClr val="020302"/>
-                </a:solidFill>
-                <a:uFill>
-                  <a:solidFill>
-                    <a:srgbClr val="020302"/>
-                  </a:solidFill>
-                </a:uFill>
-                <a:latin typeface="Adobe Clean"/>
-                <a:cs typeface="Adobe Clean"/>
-              </a:rPr>
-              <a:t> </a:t>
-            </a:r>
-            <a:r>
-              <a:rPr sz="1400" b="1" u="heavy" spc="-15" dirty="0">
-                <a:solidFill>
-                  <a:srgbClr val="020302"/>
-                </a:solidFill>
-                <a:uFill>
-                  <a:solidFill>
-                    <a:srgbClr val="020302"/>
-                  </a:solidFill>
-                </a:uFill>
-                <a:latin typeface="Adobe Clean"/>
-                <a:cs typeface="Adobe Clean"/>
-              </a:rPr>
-              <a:t>Response</a:t>
-            </a:r>
-            <a:endParaRPr sz="1400" dirty="0">
-              <a:latin typeface="Adobe Clean"/>
-              <a:cs typeface="Adobe Clean"/>
-            </a:endParaRPr>
           </a:p>
         </p:txBody>
       </p:sp>
@@ -1795,7 +1716,7 @@
               </a:spcBef>
             </a:pPr>
             <a:r>
-              <a:rPr lang="en-US" sz="1200" b="1" dirty="0">
+              <a:rPr lang="it-IT" sz="1200" b="1" dirty="0">
                 <a:solidFill>
                   <a:schemeClr val="bg1"/>
                 </a:solidFill>
@@ -1803,7 +1724,7 @@
               <a:t>Online</a:t>
             </a:r>
             <a:r>
-              <a:rPr lang="en-US" sz="1200" dirty="0">
+              <a:rPr lang="it-IT" sz="1200" dirty="0">
                 <a:solidFill>
                   <a:schemeClr val="bg1"/>
                 </a:solidFill>
@@ -1812,7 +1733,7 @@
               <a:t> | Business | Enterprise | Elite</a:t>
             </a:r>
             <a:br>
-              <a:rPr lang="en-US" sz="900" dirty="0">
+              <a:rPr lang="it-IT" sz="900" dirty="0">
                 <a:solidFill>
                   <a:schemeClr val="bg1"/>
                 </a:solidFill>
@@ -1820,16 +1741,33 @@
               </a:rPr>
             </a:br>
             <a:r>
-              <a:rPr lang="en-US" sz="900" dirty="0">
+              <a:rPr lang="it-IT" sz="900" dirty="0">
                 <a:solidFill>
                   <a:schemeClr val="bg1"/>
                 </a:solidFill>
                 <a:latin typeface="Adobe Clean SemiLight" panose="020B0403020404020204" pitchFamily="34" charset="0"/>
               </a:rPr>
-              <a:t>Adobe provides a comprehensive range of technical resources to help support your business included as part of your Experience Cloud license subscription. Online support includes access to personalized learning paths and monitored community forums via the Adobe Experience League. You can take advantage of our detailed and in-depth technical product documentation and current release notes published on </a:t>
+              <a:t>Adobe offre una gamma completa di risorse tecniche per assistere la tua azienda, incluse nell’abbonamento Experience Cloud. </a:t>
+            </a:r>
+            <a:br>
+              <a:rPr lang="sk-SK" sz="900" dirty="0">
+                <a:solidFill>
+                  <a:schemeClr val="bg1"/>
+                </a:solidFill>
+                <a:latin typeface="Adobe Clean SemiLight" panose="020B0403020404020204" pitchFamily="34" charset="0"/>
+              </a:rPr>
+            </a:br>
+            <a:r>
+              <a:rPr lang="it-IT" sz="900" dirty="0">
+                <a:solidFill>
+                  <a:schemeClr val="bg1"/>
+                </a:solidFill>
+                <a:latin typeface="Adobe Clean SemiLight" panose="020B0403020404020204" pitchFamily="34" charset="0"/>
+              </a:rPr>
+              <a:t>Il supporto Online include l’accesso a percorsi di apprendimento personalizzati e forum della community monitorati tramite Adobe Experience League. Puoi inoltre usufruire di documentazione tecnica dettagliata e note sulla versione sempre aggiornate pubblicate su </a:t>
             </a:r>
             <a:r>
-              <a:rPr lang="en-US" sz="900" u="sng" dirty="0">
+              <a:rPr lang="it-IT" sz="900" u="sng" dirty="0">
                 <a:solidFill>
                   <a:schemeClr val="bg1"/>
                 </a:solidFill>
@@ -1845,21 +1783,31 @@
               <a:t>http://www.adobe.com</a:t>
             </a:r>
             <a:r>
-              <a:rPr lang="en-US" sz="900" dirty="0">
+              <a:rPr lang="it-IT" sz="900" dirty="0">
                 <a:solidFill>
                   <a:schemeClr val="bg1"/>
                 </a:solidFill>
                 <a:latin typeface="Adobe Clean SemiLight" panose="020B0403020404020204" pitchFamily="34" charset="0"/>
               </a:rPr>
-              <a:t> Our Online package also includes access to our technical support teams for any critical P1 product issues via telephone to help protect your business at the most critical times as well as providing the ability to log lower priority requests for assistance via support web portal.</a:t>
+              <a:t> Il pacchetto Online include inoltre l’accesso telefonico ai team addetti al supporto tecnico per eventuali problemi di livello P1, per ricevere assistenza nei momenti più critici. Per problemi di minore criticità, è possibile inviare richieste </a:t>
             </a:r>
-            <a:endParaRPr lang="en-US" sz="900" dirty="0">
-              <a:solidFill>
-                <a:schemeClr val="bg1"/>
-              </a:solidFill>
-              <a:latin typeface="Adobe Clean Light" panose="020B0303020404020204" pitchFamily="34" charset="0"/>
-              <a:cs typeface="AdobeClean-Light"/>
-            </a:endParaRPr>
+            <a:br>
+              <a:rPr lang="sk-SK" sz="900" dirty="0">
+                <a:solidFill>
+                  <a:schemeClr val="bg1"/>
+                </a:solidFill>
+                <a:latin typeface="Adobe Clean SemiLight" panose="020B0403020404020204" pitchFamily="34" charset="0"/>
+              </a:rPr>
+            </a:br>
+            <a:r>
+              <a:rPr lang="it-IT" sz="900" dirty="0">
+                <a:solidFill>
+                  <a:schemeClr val="bg1"/>
+                </a:solidFill>
+                <a:latin typeface="Adobe Clean SemiLight" panose="020B0403020404020204" pitchFamily="34" charset="0"/>
+              </a:rPr>
+              <a:t>di supporto tramite il portale web.</a:t>
+            </a:r>
           </a:p>
         </p:txBody>
       </p:sp>
@@ -1901,14 +1849,14 @@
           <p:nvPr>
             <p:extLst>
               <p:ext uri="{D42A27DB-BD31-4B8C-83A1-F6EECF244321}">
-                <p14:modId xmlns:p14="http://schemas.microsoft.com/office/powerpoint/2010/main" val="1019627915"/>
+                <p14:modId xmlns:p14="http://schemas.microsoft.com/office/powerpoint/2010/main" val="3836167592"/>
               </p:ext>
             </p:extLst>
           </p:nvPr>
         </p:nvGraphicFramePr>
         <p:xfrm>
           <a:off x="0" y="1938946"/>
-          <a:ext cx="7705343" cy="5227197"/>
+          <a:ext cx="7705343" cy="5300593"/>
         </p:xfrm>
         <a:graphic>
           <a:graphicData uri="http://schemas.openxmlformats.org/drawingml/2006/table">
@@ -2002,39 +1950,15 @@
                         </a:spcBef>
                       </a:pPr>
                       <a:r>
-                        <a:rPr sz="900" spc="0" dirty="0">
+                        <a:rPr lang="it-IT" sz="900">
                           <a:solidFill>
                             <a:srgbClr val="404040"/>
                           </a:solidFill>
                           <a:latin typeface="Adobe Clean"/>
                           <a:cs typeface="Adobe Clean"/>
                         </a:rPr>
-                        <a:t>Online</a:t>
+                        <a:t>Supporto Online</a:t>
                       </a:r>
-                      <a:r>
-                        <a:rPr lang="en-US" sz="900" spc="0" dirty="0">
-                          <a:solidFill>
-                            <a:srgbClr val="404040"/>
-                          </a:solidFill>
-                          <a:latin typeface="Adobe Clean"/>
-                          <a:cs typeface="Adobe Clean"/>
-                        </a:rPr>
-                        <a:t> </a:t>
-                      </a:r>
-                      <a:r>
-                        <a:rPr sz="900" spc="0" dirty="0">
-                          <a:solidFill>
-                            <a:srgbClr val="404040"/>
-                          </a:solidFill>
-                          <a:latin typeface="Adobe Clean"/>
-                          <a:cs typeface="Adobe Clean"/>
-                        </a:rPr>
-                        <a:t>Support</a:t>
-                      </a:r>
-                      <a:endParaRPr sz="900" spc="0" dirty="0">
-                        <a:latin typeface="Adobe Clean"/>
-                        <a:cs typeface="Adobe Clean"/>
-                      </a:endParaRPr>
                     </a:p>
                   </a:txBody>
                   <a:tcPr marL="0" marR="0" marT="7620" marB="0" anchor="ctr">
@@ -2069,39 +1993,113 @@
                         </a:spcBef>
                       </a:pPr>
                       <a:r>
-                        <a:rPr sz="900" spc="0" dirty="0">
+                        <a:rPr lang="it-IT" sz="900">
                           <a:solidFill>
                             <a:srgbClr val="FFFFFF"/>
                           </a:solidFill>
                           <a:latin typeface="Adobe Clean"/>
                           <a:cs typeface="Adobe Clean"/>
                         </a:rPr>
-                        <a:t>Business</a:t>
+                        <a:t>Supporto Business</a:t>
                       </a:r>
+                    </a:p>
+                  </a:txBody>
+                  <a:tcPr marL="0" marR="0" marT="7620" marB="0" anchor="ctr">
+                    <a:lnL w="3175">
+                      <a:solidFill>
+                        <a:srgbClr val="B7B8B8"/>
+                      </a:solidFill>
+                      <a:prstDash val="solid"/>
+                    </a:lnL>
+                    <a:lnR w="3175">
+                      <a:solidFill>
+                        <a:srgbClr val="B7B8B8"/>
+                      </a:solidFill>
+                      <a:prstDash val="solid"/>
+                    </a:lnR>
+                    <a:lnB w="76200">
+                      <a:solidFill>
+                        <a:srgbClr val="ACD2FF"/>
+                      </a:solidFill>
+                      <a:prstDash val="solid"/>
+                    </a:lnB>
+                    <a:solidFill>
+                      <a:srgbClr val="7D7D7D"/>
+                    </a:solidFill>
+                  </a:tcPr>
+                </a:tc>
+                <a:tc gridSpan="2">
+                  <a:txBody>
+                    <a:bodyPr/>
+                    <a:lstStyle/>
+                    <a:p>
+                      <a:pPr marL="2540" algn="ctr">
+                        <a:lnSpc>
+                          <a:spcPct val="100000"/>
+                        </a:lnSpc>
+                        <a:spcBef>
+                          <a:spcPts val="60"/>
+                        </a:spcBef>
+                      </a:pPr>
                       <a:r>
-                        <a:rPr lang="en-US" sz="900" spc="0" dirty="0">
+                        <a:rPr lang="it-IT" sz="900">
                           <a:solidFill>
                             <a:srgbClr val="FFFFFF"/>
                           </a:solidFill>
                           <a:latin typeface="Adobe Clean"/>
                           <a:cs typeface="Adobe Clean"/>
                         </a:rPr>
-                        <a:t> </a:t>
+                        <a:t>Supporto Enterprise</a:t>
                       </a:r>
+                    </a:p>
+                  </a:txBody>
+                  <a:tcPr marL="0" marR="0" marT="7620" marB="0" anchor="ctr">
+                    <a:lnL w="3175">
+                      <a:solidFill>
+                        <a:srgbClr val="B7B8B8"/>
+                      </a:solidFill>
+                      <a:prstDash val="solid"/>
+                    </a:lnL>
+                    <a:lnR w="3175">
+                      <a:solidFill>
+                        <a:srgbClr val="B7B8B8"/>
+                      </a:solidFill>
+                      <a:prstDash val="solid"/>
+                    </a:lnR>
+                    <a:lnB w="76200">
+                      <a:solidFill>
+                        <a:srgbClr val="2E8FFF"/>
+                      </a:solidFill>
+                      <a:prstDash val="solid"/>
+                    </a:lnB>
+                    <a:solidFill>
+                      <a:srgbClr val="404040"/>
+                    </a:solidFill>
+                  </a:tcPr>
+                </a:tc>
+                <a:tc hMerge="1">
+                  <a:txBody>
+                    <a:bodyPr/>
+                    <a:lstStyle/>
+                    <a:p>
+                      <a:pPr marL="635" algn="ctr">
+                        <a:lnSpc>
+                          <a:spcPct val="100000"/>
+                        </a:lnSpc>
+                        <a:spcBef>
+                          <a:spcPts val="60"/>
+                        </a:spcBef>
+                      </a:pPr>
                       <a:r>
-                        <a:rPr sz="900" spc="0" dirty="0">
+                        <a:rPr lang="it-IT" sz="900">
                           <a:solidFill>
                             <a:srgbClr val="FFFFFF"/>
                           </a:solidFill>
                           <a:latin typeface="Adobe Clean"/>
                           <a:cs typeface="Adobe Clean"/>
                         </a:rPr>
-                        <a:t>Support</a:t>
+                        <a:t>Supporto Enterprise</a:t>
                       </a:r>
-                      <a:endParaRPr sz="900" spc="0" dirty="0">
-                        <a:latin typeface="Adobe Clean"/>
-                        <a:cs typeface="Adobe Clean"/>
-                      </a:endParaRPr>
                     </a:p>
                   </a:txBody>
                   <a:tcPr marL="0" marR="0" marT="7620" marB="0" anchor="ctr">
@@ -2119,21 +2117,21 @@
                     </a:lnR>
                     <a:lnB w="76200">
                       <a:solidFill>
-                        <a:srgbClr val="ACD2FF"/>
+                        <a:srgbClr val="2E8FFF"/>
                       </a:solidFill>
                       <a:prstDash val="solid"/>
                     </a:lnB>
                     <a:solidFill>
-                      <a:srgbClr val="7D7D7D"/>
+                      <a:srgbClr val="404040"/>
                     </a:solidFill>
                   </a:tcPr>
                 </a:tc>
-                <a:tc gridSpan="2">
-                  <a:txBody>
-                    <a:bodyPr/>
-                    <a:lstStyle/>
-                    <a:p>
-                      <a:pPr marL="2540" algn="ctr">
+                <a:tc>
+                  <a:txBody>
+                    <a:bodyPr/>
+                    <a:lstStyle/>
+                    <a:p>
+                      <a:pPr marL="635" algn="ctr">
                         <a:lnSpc>
                           <a:spcPct val="100000"/>
                         </a:lnSpc>
@@ -2142,165 +2140,15 @@
                         </a:spcBef>
                       </a:pPr>
                       <a:r>
-                        <a:rPr lang="en-US" sz="900" spc="0" dirty="0">
+                        <a:rPr lang="it-IT" sz="900">
                           <a:solidFill>
                             <a:srgbClr val="FFFFFF"/>
                           </a:solidFill>
                           <a:latin typeface="Adobe Clean"/>
                           <a:cs typeface="Adobe Clean"/>
                         </a:rPr>
-                        <a:t>Enterprise Support</a:t>
+                        <a:t>Supporto Elite</a:t>
                       </a:r>
-                      <a:endParaRPr sz="900" spc="0" dirty="0">
-                        <a:latin typeface="Adobe Clean"/>
-                        <a:cs typeface="Adobe Clean"/>
-                      </a:endParaRPr>
-                    </a:p>
-                  </a:txBody>
-                  <a:tcPr marL="0" marR="0" marT="7620" marB="0" anchor="ctr">
-                    <a:lnL w="3175">
-                      <a:solidFill>
-                        <a:srgbClr val="B7B8B8"/>
-                      </a:solidFill>
-                      <a:prstDash val="solid"/>
-                    </a:lnL>
-                    <a:lnR w="3175">
-                      <a:solidFill>
-                        <a:srgbClr val="B7B8B8"/>
-                      </a:solidFill>
-                      <a:prstDash val="solid"/>
-                    </a:lnR>
-                    <a:lnB w="76200">
-                      <a:solidFill>
-                        <a:srgbClr val="2E8FFF"/>
-                      </a:solidFill>
-                      <a:prstDash val="solid"/>
-                    </a:lnB>
-                    <a:solidFill>
-                      <a:srgbClr val="404040"/>
-                    </a:solidFill>
-                  </a:tcPr>
-                </a:tc>
-                <a:tc hMerge="1">
-                  <a:txBody>
-                    <a:bodyPr/>
-                    <a:lstStyle/>
-                    <a:p>
-                      <a:pPr marL="635" algn="ctr">
-                        <a:lnSpc>
-                          <a:spcPct val="100000"/>
-                        </a:lnSpc>
-                        <a:spcBef>
-                          <a:spcPts val="60"/>
-                        </a:spcBef>
-                      </a:pPr>
-                      <a:r>
-                        <a:rPr sz="900" spc="-20" dirty="0">
-                          <a:solidFill>
-                            <a:srgbClr val="FFFFFF"/>
-                          </a:solidFill>
-                          <a:latin typeface="Adobe Clean"/>
-                          <a:cs typeface="Adobe Clean"/>
-                        </a:rPr>
-                        <a:t>Enterprise</a:t>
-                      </a:r>
-                      <a:r>
-                        <a:rPr lang="en-US" sz="900" spc="-20" dirty="0">
-                          <a:solidFill>
-                            <a:srgbClr val="FFFFFF"/>
-                          </a:solidFill>
-                          <a:latin typeface="Adobe Clean"/>
-                          <a:cs typeface="Adobe Clean"/>
-                        </a:rPr>
-                        <a:t> </a:t>
-                      </a:r>
-                      <a:r>
-                        <a:rPr sz="900" spc="-20" dirty="0">
-                          <a:solidFill>
-                            <a:srgbClr val="FFFFFF"/>
-                          </a:solidFill>
-                          <a:latin typeface="Adobe Clean"/>
-                          <a:cs typeface="Adobe Clean"/>
-                        </a:rPr>
-                        <a:t>Support</a:t>
-                      </a:r>
-                      <a:endParaRPr sz="900" dirty="0">
-                        <a:latin typeface="Adobe Clean"/>
-                        <a:cs typeface="Adobe Clean"/>
-                      </a:endParaRPr>
-                    </a:p>
-                  </a:txBody>
-                  <a:tcPr marL="0" marR="0" marT="7620" marB="0" anchor="ctr">
-                    <a:lnL w="3175">
-                      <a:solidFill>
-                        <a:srgbClr val="B7B8B8"/>
-                      </a:solidFill>
-                      <a:prstDash val="solid"/>
-                    </a:lnL>
-                    <a:lnR w="3175">
-                      <a:solidFill>
-                        <a:srgbClr val="B7B8B8"/>
-                      </a:solidFill>
-                      <a:prstDash val="solid"/>
-                    </a:lnR>
-                    <a:lnB w="76200">
-                      <a:solidFill>
-                        <a:srgbClr val="2E8FFF"/>
-                      </a:solidFill>
-                      <a:prstDash val="solid"/>
-                    </a:lnB>
-                    <a:solidFill>
-                      <a:srgbClr val="404040"/>
-                    </a:solidFill>
-                  </a:tcPr>
-                </a:tc>
-                <a:tc>
-                  <a:txBody>
-                    <a:bodyPr/>
-                    <a:lstStyle/>
-                    <a:p>
-                      <a:pPr marL="635" algn="ctr">
-                        <a:lnSpc>
-                          <a:spcPct val="100000"/>
-                        </a:lnSpc>
-                        <a:spcBef>
-                          <a:spcPts val="60"/>
-                        </a:spcBef>
-                      </a:pPr>
-                      <a:r>
-                        <a:rPr sz="900" spc="0" dirty="0">
-                          <a:solidFill>
-                            <a:srgbClr val="FFFFFF"/>
-                          </a:solidFill>
-                          <a:latin typeface="Adobe Clean"/>
-                          <a:cs typeface="Adobe Clean"/>
-                        </a:rPr>
-                        <a:t>Elite</a:t>
-                      </a:r>
-                      <a:r>
-                        <a:rPr lang="en-US" sz="900" spc="0" dirty="0">
-                          <a:solidFill>
-                            <a:srgbClr val="FFFFFF"/>
-                          </a:solidFill>
-                          <a:latin typeface="Adobe Clean"/>
-                          <a:cs typeface="Adobe Clean"/>
-                        </a:rPr>
-                        <a:t> </a:t>
-                      </a:r>
-                      <a:r>
-                        <a:rPr sz="900" spc="0" dirty="0">
-                          <a:solidFill>
-                            <a:srgbClr val="FFFFFF"/>
-                          </a:solidFill>
-                          <a:latin typeface="Adobe Clean"/>
-                          <a:cs typeface="Adobe Clean"/>
-                        </a:rPr>
-                        <a:t>Support</a:t>
-                      </a:r>
-                      <a:endParaRPr sz="900" spc="0" dirty="0">
-                        <a:latin typeface="Adobe Clean"/>
-                        <a:cs typeface="Adobe Clean"/>
-                      </a:endParaRPr>
                     </a:p>
                   </a:txBody>
                   <a:tcPr marL="0" marR="0" marT="7620" marB="0" anchor="ctr">
@@ -2353,7 +2201,7 @@
                     <a:bodyPr/>
                     <a:lstStyle/>
                     <a:p>
-                      <a:pPr marL="255904" marR="248920" indent="-25400">
+                      <a:pPr marL="255904" marR="248920" indent="-25400" algn="l" rtl="0">
                         <a:lnSpc>
                           <a:spcPct val="100000"/>
                         </a:lnSpc>
@@ -2407,29 +2255,15 @@
                         </a:spcBef>
                       </a:pPr>
                       <a:r>
-                        <a:rPr lang="en-US" sz="800" i="1" spc="0" dirty="0">
+                        <a:rPr lang="it-IT" sz="800" i="1">
                           <a:solidFill>
                             <a:srgbClr val="FFFFFF"/>
                           </a:solidFill>
                           <a:latin typeface="Adobe Clean"/>
                           <a:cs typeface="Adobe Clean"/>
                         </a:rPr>
-                        <a:t>Paid</a:t>
+                        <a:t>Livelli di supporto a pagamento ($)</a:t>
                       </a:r>
-                      <a:r>
-                        <a:rPr sz="800" i="1" spc="0" dirty="0">
-                          <a:solidFill>
-                            <a:srgbClr val="FFFFFF"/>
-                          </a:solidFill>
-                          <a:latin typeface="Adobe Clean"/>
-                          <a:cs typeface="Adobe Clean"/>
-                        </a:rPr>
-                        <a:t> Support Levels($)</a:t>
-                      </a:r>
-                      <a:endParaRPr sz="800" spc="0" dirty="0">
-                        <a:latin typeface="Adobe Clean"/>
-                        <a:cs typeface="Adobe Clean"/>
-                      </a:endParaRPr>
                     </a:p>
                   </a:txBody>
                   <a:tcPr marL="0" marR="0" marT="82550" marB="0" anchor="ctr">
@@ -2516,22 +2350,15 @@
                         </a:spcBef>
                       </a:pPr>
                       <a:r>
-                        <a:rPr lang="en-US" sz="1000" b="1" i="0" spc="0" dirty="0">
+                        <a:rPr lang="it-IT" sz="1000" b="1" i="0">
                           <a:solidFill>
                             <a:schemeClr val="bg1"/>
                           </a:solidFill>
                           <a:latin typeface="Adobe Clean" panose="020B0503020404020204" pitchFamily="34" charset="0"/>
                           <a:cs typeface="AdobeClean-Light"/>
                         </a:rPr>
-                        <a:t>Assigned Experts</a:t>
+                        <a:t>Esperti assegnati</a:t>
                       </a:r>
-                      <a:endParaRPr sz="1000" b="1" i="0" spc="0" dirty="0">
-                        <a:solidFill>
-                          <a:schemeClr val="bg1"/>
-                        </a:solidFill>
-                        <a:latin typeface="Adobe Clean" panose="020B0503020404020204" pitchFamily="34" charset="0"/>
-                        <a:cs typeface="AdobeClean-Light"/>
-                      </a:endParaRPr>
                     </a:p>
                   </a:txBody>
                   <a:tcPr marL="0" marR="0" marT="58419" marB="0" anchor="ctr">
@@ -2578,7 +2405,7 @@
                         </a:spcBef>
                       </a:pPr>
                       <a:r>
-                        <a:rPr sz="900" spc="0" dirty="0">
+                        <a:rPr lang="it-IT" sz="900">
                           <a:solidFill>
                             <a:srgbClr val="020302"/>
                           </a:solidFill>
@@ -2587,10 +2414,6 @@
                         </a:rPr>
                         <a:t>Account Support Lead</a:t>
                       </a:r>
-                      <a:endParaRPr sz="900" spc="0" dirty="0">
-                        <a:latin typeface="AdobeClean-Light"/>
-                        <a:cs typeface="AdobeClean-Light"/>
-                      </a:endParaRPr>
                     </a:p>
                   </a:txBody>
                   <a:tcPr marL="0" marR="0" marT="58419" marB="0">
@@ -2619,7 +2442,7 @@
                     <a:bodyPr/>
                     <a:lstStyle/>
                     <a:p>
-                      <a:pPr>
+                      <a:pPr algn="l" rtl="0">
                         <a:lnSpc>
                           <a:spcPct val="100000"/>
                         </a:lnSpc>
@@ -2664,7 +2487,7 @@
                         </a:spcBef>
                       </a:pPr>
                       <a:r>
-                        <a:rPr sz="900" spc="0" dirty="0">
+                        <a:rPr lang="it-IT" sz="900">
                           <a:solidFill>
                             <a:srgbClr val="020302"/>
                           </a:solidFill>
@@ -2673,10 +2496,6 @@
                         </a:rPr>
                         <a:t></a:t>
                       </a:r>
-                      <a:endParaRPr sz="900" spc="0" dirty="0">
-                        <a:latin typeface="Wingdings"/>
-                        <a:cs typeface="Wingdings"/>
-                      </a:endParaRPr>
                     </a:p>
                   </a:txBody>
                   <a:tcPr marL="0" marR="0" marT="59690" marB="0">
@@ -2693,7 +2512,7 @@
                     <a:bodyPr/>
                     <a:lstStyle/>
                     <a:p>
-                      <a:pPr algn="ctr">
+                      <a:pPr algn="l" rtl="0">
                         <a:lnSpc>
                           <a:spcPct val="100000"/>
                         </a:lnSpc>
@@ -2724,7 +2543,7 @@
                     <a:bodyPr/>
                     <a:lstStyle/>
                     <a:p>
-                      <a:pPr>
+                      <a:pPr algn="l" rtl="0">
                         <a:lnSpc>
                           <a:spcPct val="100000"/>
                         </a:lnSpc>
@@ -2749,7 +2568,7 @@
                     <a:bodyPr/>
                     <a:lstStyle/>
                     <a:p>
-                      <a:pPr>
+                      <a:pPr algn="l" rtl="0">
                         <a:lnSpc>
                           <a:spcPct val="100000"/>
                         </a:lnSpc>
@@ -2787,7 +2606,7 @@
                     <a:bodyPr/>
                     <a:lstStyle/>
                     <a:p>
-                      <a:pPr marL="50800">
+                      <a:pPr marL="50800" algn="l" rtl="0">
                         <a:lnSpc>
                           <a:spcPct val="100000"/>
                         </a:lnSpc>
@@ -2833,7 +2652,7 @@
                         </a:spcBef>
                       </a:pPr>
                       <a:r>
-                        <a:rPr sz="900" spc="0" dirty="0">
+                        <a:rPr lang="it-IT" sz="900">
                           <a:solidFill>
                             <a:srgbClr val="020302"/>
                           </a:solidFill>
@@ -2842,10 +2661,6 @@
                         </a:rPr>
                         <a:t>Named Support Engineer</a:t>
                       </a:r>
-                      <a:endParaRPr sz="900" spc="0" dirty="0">
-                        <a:latin typeface="AdobeClean-Light"/>
-                        <a:cs typeface="AdobeClean-Light"/>
-                      </a:endParaRPr>
                     </a:p>
                   </a:txBody>
                   <a:tcPr marL="0" marR="0" marT="58419" marB="0">
@@ -2868,7 +2683,7 @@
                     <a:bodyPr/>
                     <a:lstStyle/>
                     <a:p>
-                      <a:pPr>
+                      <a:pPr algn="l" rtl="0">
                         <a:lnSpc>
                           <a:spcPct val="100000"/>
                         </a:lnSpc>
@@ -2898,7 +2713,7 @@
                     <a:bodyPr/>
                     <a:lstStyle/>
                     <a:p>
-                      <a:pPr>
+                      <a:pPr algn="l" rtl="0">
                         <a:lnSpc>
                           <a:spcPct val="100000"/>
                         </a:lnSpc>
@@ -2916,7 +2731,7 @@
                     <a:bodyPr/>
                     <a:lstStyle/>
                     <a:p>
-                      <a:pPr>
+                      <a:pPr algn="l" rtl="0">
                         <a:lnSpc>
                           <a:spcPct val="100000"/>
                         </a:lnSpc>
@@ -2943,7 +2758,7 @@
                         </a:spcBef>
                       </a:pPr>
                       <a:r>
-                        <a:rPr sz="900" spc="0" dirty="0">
+                        <a:rPr lang="it-IT" sz="900">
                           <a:solidFill>
                             <a:srgbClr val="020302"/>
                           </a:solidFill>
@@ -2952,10 +2767,6 @@
                         </a:rPr>
                         <a:t></a:t>
                       </a:r>
-                      <a:endParaRPr sz="900" spc="0" dirty="0">
-                        <a:latin typeface="Wingdings"/>
-                        <a:cs typeface="Wingdings"/>
-                      </a:endParaRPr>
                     </a:p>
                   </a:txBody>
                   <a:tcPr marL="0" marR="0" marT="59055" marB="0"/>
@@ -2974,7 +2785,7 @@
                         </a:spcBef>
                       </a:pPr>
                       <a:r>
-                        <a:rPr sz="900" spc="0" dirty="0">
+                        <a:rPr lang="it-IT" sz="900">
                           <a:solidFill>
                             <a:srgbClr val="020302"/>
                           </a:solidFill>
@@ -2983,10 +2794,6 @@
                         </a:rPr>
                         <a:t></a:t>
                       </a:r>
-                      <a:endParaRPr sz="900" spc="0" dirty="0">
-                        <a:latin typeface="Wingdings"/>
-                        <a:cs typeface="Wingdings"/>
-                      </a:endParaRPr>
                     </a:p>
                   </a:txBody>
                   <a:tcPr marL="0" marR="0" marT="59055" marB="0">
@@ -3010,7 +2817,7 @@
                     <a:bodyPr/>
                     <a:lstStyle/>
                     <a:p>
-                      <a:pPr marL="50800">
+                      <a:pPr marL="50800" algn="l" rtl="0">
                         <a:lnSpc>
                           <a:spcPct val="100000"/>
                         </a:lnSpc>
@@ -3068,7 +2875,7 @@
                         </a:spcBef>
                       </a:pPr>
                       <a:r>
-                        <a:rPr sz="900" spc="0" dirty="0">
+                        <a:rPr lang="it-IT" sz="900">
                           <a:solidFill>
                             <a:srgbClr val="020302"/>
                           </a:solidFill>
@@ -3077,10 +2884,6 @@
                         </a:rPr>
                         <a:t>Technical Account Manager</a:t>
                       </a:r>
-                      <a:endParaRPr sz="900" spc="0" dirty="0">
-                        <a:latin typeface="AdobeClean-Light"/>
-                        <a:cs typeface="AdobeClean-Light"/>
-                      </a:endParaRPr>
                     </a:p>
                   </a:txBody>
                   <a:tcPr marL="0" marR="0" marT="63500" marB="0">
@@ -3109,7 +2912,7 @@
                     <a:bodyPr/>
                     <a:lstStyle/>
                     <a:p>
-                      <a:pPr>
+                      <a:pPr algn="l" rtl="0">
                         <a:lnSpc>
                           <a:spcPct val="100000"/>
                         </a:lnSpc>
@@ -3145,7 +2948,7 @@
                     <a:bodyPr/>
                     <a:lstStyle/>
                     <a:p>
-                      <a:pPr>
+                      <a:pPr algn="l" rtl="0">
                         <a:lnSpc>
                           <a:spcPct val="100000"/>
                         </a:lnSpc>
@@ -3170,7 +2973,7 @@
                     <a:bodyPr/>
                     <a:lstStyle/>
                     <a:p>
-                      <a:pPr>
+                      <a:pPr algn="l" rtl="0">
                         <a:lnSpc>
                           <a:spcPct val="100000"/>
                         </a:lnSpc>
@@ -3198,7 +3001,7 @@
                     <a:bodyPr/>
                     <a:lstStyle/>
                     <a:p>
-                      <a:pPr>
+                      <a:pPr algn="l" rtl="0">
                         <a:lnSpc>
                           <a:spcPct val="100000"/>
                         </a:lnSpc>
@@ -3232,7 +3035,7 @@
                         </a:spcBef>
                       </a:pPr>
                       <a:r>
-                        <a:rPr sz="900" spc="0" dirty="0">
+                        <a:rPr lang="it-IT" sz="900">
                           <a:solidFill>
                             <a:srgbClr val="020302"/>
                           </a:solidFill>
@@ -3241,10 +3044,6 @@
                         </a:rPr>
                         <a:t></a:t>
                       </a:r>
-                      <a:endParaRPr sz="900" spc="0">
-                        <a:latin typeface="Wingdings"/>
-                        <a:cs typeface="Wingdings"/>
-                      </a:endParaRPr>
                     </a:p>
                   </a:txBody>
                   <a:tcPr marL="0" marR="0" marT="64135" marB="0">
@@ -3283,22 +3082,15 @@
                         </a:spcBef>
                       </a:pPr>
                       <a:r>
-                        <a:rPr lang="en-US" sz="1000" b="1" i="0" spc="0" dirty="0">
+                        <a:rPr lang="it-IT" sz="1000" b="1" i="0">
                           <a:solidFill>
                             <a:schemeClr val="bg1"/>
                           </a:solidFill>
                           <a:latin typeface="Adobe Clean" panose="020B0503020404020204" pitchFamily="34" charset="0"/>
                           <a:cs typeface="AdobeClean-Light"/>
                         </a:rPr>
-                        <a:t>Support Services</a:t>
+                        <a:t>Servizi di assistenza</a:t>
                       </a:r>
-                      <a:endParaRPr sz="1000" b="1" i="0" spc="0" dirty="0">
-                        <a:solidFill>
-                          <a:schemeClr val="bg1"/>
-                        </a:solidFill>
-                        <a:latin typeface="Adobe Clean" panose="020B0503020404020204" pitchFamily="34" charset="0"/>
-                        <a:cs typeface="AdobeClean-Light"/>
-                      </a:endParaRPr>
                     </a:p>
                   </a:txBody>
                   <a:tcPr marL="0" marR="0" marT="57150" marB="0" anchor="ctr">
@@ -3354,79 +3146,61 @@
                         </a:spcBef>
                       </a:pPr>
                       <a:r>
-                        <a:rPr lang="en-US" sz="900" spc="0" dirty="0">
+                        <a:rPr lang="it-IT" sz="900">
                           <a:solidFill>
                             <a:srgbClr val="020302"/>
                           </a:solidFill>
                           <a:latin typeface="AdobeClean-Light"/>
                           <a:cs typeface="AdobeClean-Light"/>
                         </a:rPr>
-                        <a:t>Online </a:t>
+                        <a:t>Supporto Online</a:t>
                       </a:r>
+                    </a:p>
+                  </a:txBody>
+                  <a:tcPr marL="0" marR="0" marT="57150" marB="0">
+                    <a:lnL w="12700">
+                      <a:solidFill>
+                        <a:srgbClr val="F0F0F0"/>
+                      </a:solidFill>
+                      <a:prstDash val="solid"/>
+                    </a:lnL>
+                    <a:lnR w="12700">
+                      <a:solidFill>
+                        <a:srgbClr val="F0F0F0"/>
+                      </a:solidFill>
+                      <a:prstDash val="solid"/>
+                    </a:lnR>
+                    <a:lnT w="12700">
+                      <a:solidFill>
+                        <a:srgbClr val="F0F0F0"/>
+                      </a:solidFill>
+                      <a:prstDash val="solid"/>
+                    </a:lnT>
+                  </a:tcPr>
+                </a:tc>
+                <a:tc>
+                  <a:txBody>
+                    <a:bodyPr/>
+                    <a:lstStyle/>
+                    <a:p>
+                      <a:pPr algn="ctr">
+                        <a:lnSpc>
+                          <a:spcPct val="100000"/>
+                        </a:lnSpc>
+                        <a:spcBef>
+                          <a:spcPts val="535"/>
+                        </a:spcBef>
+                      </a:pPr>
                       <a:r>
-                        <a:rPr sz="900" spc="0" dirty="0">
+                        <a:rPr lang="it-IT" sz="800">
                           <a:solidFill>
                             <a:srgbClr val="020302"/>
                           </a:solidFill>
                           <a:latin typeface="AdobeClean-Light"/>
                           <a:cs typeface="AdobeClean-Light"/>
                         </a:rPr>
-                        <a:t> Support</a:t>
+                        <a:t>Orario operativo</a:t>
                       </a:r>
-                      <a:endParaRPr sz="900" spc="0" dirty="0">
-                        <a:latin typeface="AdobeClean-Light"/>
-                        <a:cs typeface="AdobeClean-Light"/>
-                      </a:endParaRPr>
-                    </a:p>
-                  </a:txBody>
-                  <a:tcPr marL="0" marR="0" marT="57150" marB="0">
-                    <a:lnL w="12700">
-                      <a:solidFill>
-                        <a:srgbClr val="F0F0F0"/>
-                      </a:solidFill>
-                      <a:prstDash val="solid"/>
-                    </a:lnL>
-                    <a:lnR w="12700">
-                      <a:solidFill>
-                        <a:srgbClr val="F0F0F0"/>
-                      </a:solidFill>
-                      <a:prstDash val="solid"/>
-                    </a:lnR>
-                    <a:lnT w="12700">
-                      <a:solidFill>
-                        <a:srgbClr val="F0F0F0"/>
-                      </a:solidFill>
-                      <a:prstDash val="solid"/>
-                    </a:lnT>
-                  </a:tcPr>
-                </a:tc>
-                <a:tc>
-                  <a:txBody>
-                    <a:bodyPr/>
-                    <a:lstStyle/>
-                    <a:p>
-                      <a:pPr algn="ctr">
-                        <a:lnSpc>
-                          <a:spcPct val="100000"/>
-                        </a:lnSpc>
-                        <a:spcBef>
-                          <a:spcPts val="535"/>
-                        </a:spcBef>
-                      </a:pPr>
-                      <a:r>
-                        <a:rPr sz="800" spc="0" dirty="0">
-                          <a:solidFill>
-                            <a:srgbClr val="020302"/>
-                          </a:solidFill>
-                          <a:latin typeface="AdobeClean-Light"/>
-                          <a:cs typeface="AdobeClean-Light"/>
-                        </a:rPr>
-                        <a:t>Business hours</a:t>
-                      </a:r>
-                      <a:endParaRPr sz="800" spc="0" dirty="0">
-                        <a:latin typeface="AdobeClean-Light"/>
-                        <a:cs typeface="AdobeClean-Light"/>
-                      </a:endParaRPr>
                     </a:p>
                   </a:txBody>
                   <a:tcPr marL="0" marR="0" marT="67945" marB="0">
@@ -3463,19 +3237,15 @@
                         </a:spcBef>
                       </a:pPr>
                       <a:r>
-                        <a:rPr sz="800" spc="0" dirty="0">
+                        <a:rPr lang="it-IT" sz="800">
                           <a:solidFill>
                             <a:srgbClr val="020302"/>
                           </a:solidFill>
                           <a:latin typeface="AdobeClean-Light"/>
                           <a:cs typeface="AdobeClean-Light"/>
                         </a:rPr>
-                        <a:t>Business hours</a:t>
+                        <a:t>Orario operativo</a:t>
                       </a:r>
-                      <a:endParaRPr sz="800" spc="0" dirty="0">
-                        <a:latin typeface="AdobeClean-Light"/>
-                        <a:cs typeface="AdobeClean-Light"/>
-                      </a:endParaRPr>
                     </a:p>
                   </a:txBody>
                   <a:tcPr marL="0" marR="0" marT="67945" marB="0">
@@ -3492,7 +3262,7 @@
                     <a:bodyPr/>
                     <a:lstStyle/>
                     <a:p>
-                      <a:pPr algn="ctr">
+                      <a:pPr algn="l" rtl="0">
                         <a:lnSpc>
                           <a:spcPct val="100000"/>
                         </a:lnSpc>
@@ -3532,19 +3302,15 @@
                         </a:spcBef>
                       </a:pPr>
                       <a:r>
-                        <a:rPr sz="800" spc="0" dirty="0">
+                        <a:rPr lang="it-IT" sz="800">
                           <a:solidFill>
                             <a:srgbClr val="020302"/>
                           </a:solidFill>
                           <a:latin typeface="AdobeClean-Light"/>
                           <a:cs typeface="AdobeClean-Light"/>
                         </a:rPr>
-                        <a:t>24X5</a:t>
+                        <a:t>24x5</a:t>
                       </a:r>
-                      <a:endParaRPr sz="800" spc="0">
-                        <a:latin typeface="AdobeClean-Light"/>
-                        <a:cs typeface="AdobeClean-Light"/>
-                      </a:endParaRPr>
                     </a:p>
                   </a:txBody>
                   <a:tcPr marL="0" marR="0" marT="67945" marB="0">
@@ -3570,19 +3336,15 @@
                         </a:spcBef>
                       </a:pPr>
                       <a:r>
-                        <a:rPr sz="800" spc="0" dirty="0">
+                        <a:rPr lang="it-IT" sz="800">
                           <a:solidFill>
                             <a:srgbClr val="020302"/>
                           </a:solidFill>
                           <a:latin typeface="AdobeClean-Light"/>
                           <a:cs typeface="AdobeClean-Light"/>
                         </a:rPr>
-                        <a:t>24X5</a:t>
+                        <a:t>24x5</a:t>
                       </a:r>
-                      <a:endParaRPr sz="800" spc="0" dirty="0">
-                        <a:latin typeface="AdobeClean-Light"/>
-                        <a:cs typeface="AdobeClean-Light"/>
-                      </a:endParaRPr>
                     </a:p>
                   </a:txBody>
                   <a:tcPr marL="0" marR="0" marT="67945" marB="0">
@@ -3612,7 +3374,7 @@
                     <a:bodyPr/>
                     <a:lstStyle/>
                     <a:p>
-                      <a:pPr marL="50800">
+                      <a:pPr marL="50800" algn="l" rtl="0">
                         <a:lnSpc>
                           <a:spcPct val="100000"/>
                         </a:lnSpc>
@@ -3661,39 +3423,15 @@
                         </a:spcBef>
                       </a:pPr>
                       <a:r>
-                        <a:rPr sz="900" spc="0" dirty="0">
+                        <a:rPr lang="it-IT" sz="900">
                           <a:solidFill>
                             <a:srgbClr val="020302"/>
                           </a:solidFill>
                           <a:latin typeface="AdobeClean-Light"/>
                           <a:cs typeface="AdobeClean-Light"/>
                         </a:rPr>
-                        <a:t>24x7</a:t>
+                        <a:t>Supporto per problemi P1 24x7x365</a:t>
                       </a:r>
-                      <a:r>
-                        <a:rPr lang="en-US" sz="900" spc="0" dirty="0">
-                          <a:solidFill>
-                            <a:srgbClr val="020302"/>
-                          </a:solidFill>
-                          <a:latin typeface="AdobeClean-Light"/>
-                          <a:cs typeface="AdobeClean-Light"/>
-                        </a:rPr>
-                        <a:t>x365</a:t>
-                      </a:r>
-                      <a:r>
-                        <a:rPr sz="900" spc="0" dirty="0">
-                          <a:solidFill>
-                            <a:srgbClr val="020302"/>
-                          </a:solidFill>
-                          <a:latin typeface="AdobeClean-Light"/>
-                          <a:cs typeface="AdobeClean-Light"/>
-                        </a:rPr>
-                        <a:t> P1 Issue Support</a:t>
-                      </a:r>
-                      <a:endParaRPr sz="900" spc="0" dirty="0">
-                        <a:latin typeface="AdobeClean-Light"/>
-                        <a:cs typeface="AdobeClean-Light"/>
-                      </a:endParaRPr>
                     </a:p>
                   </a:txBody>
                   <a:tcPr marL="0" marR="0" marT="57785" marB="0">
@@ -3725,7 +3463,7 @@
                         </a:spcBef>
                       </a:pPr>
                       <a:r>
-                        <a:rPr sz="900" spc="0" dirty="0">
+                        <a:rPr lang="it-IT" sz="900">
                           <a:solidFill>
                             <a:srgbClr val="020302"/>
                           </a:solidFill>
@@ -3734,10 +3472,6 @@
                         </a:rPr>
                         <a:t></a:t>
                       </a:r>
-                      <a:endParaRPr sz="900" spc="0">
-                        <a:latin typeface="Wingdings"/>
-                        <a:cs typeface="Wingdings"/>
-                      </a:endParaRPr>
                     </a:p>
                   </a:txBody>
                   <a:tcPr marL="0" marR="0" marT="58419" marB="0">
@@ -3768,7 +3502,7 @@
                         </a:spcBef>
                       </a:pPr>
                       <a:r>
-                        <a:rPr sz="900" spc="0" dirty="0">
+                        <a:rPr lang="it-IT" sz="900">
                           <a:solidFill>
                             <a:srgbClr val="020302"/>
                           </a:solidFill>
@@ -3777,10 +3511,6 @@
                         </a:rPr>
                         <a:t></a:t>
                       </a:r>
-                      <a:endParaRPr sz="900" spc="0">
-                        <a:latin typeface="Wingdings"/>
-                        <a:cs typeface="Wingdings"/>
-                      </a:endParaRPr>
                     </a:p>
                   </a:txBody>
                   <a:tcPr marL="0" marR="0" marT="58419" marB="0"/>
@@ -3790,7 +3520,7 @@
                     <a:bodyPr/>
                     <a:lstStyle/>
                     <a:p>
-                      <a:pPr algn="ctr">
+                      <a:pPr algn="l" rtl="0">
                         <a:lnSpc>
                           <a:spcPct val="100000"/>
                         </a:lnSpc>
@@ -3820,7 +3550,7 @@
                         </a:spcBef>
                       </a:pPr>
                       <a:r>
-                        <a:rPr sz="900" spc="0" dirty="0">
+                        <a:rPr lang="it-IT" sz="900">
                           <a:solidFill>
                             <a:srgbClr val="020302"/>
                           </a:solidFill>
@@ -3829,10 +3559,6 @@
                         </a:rPr>
                         <a:t></a:t>
                       </a:r>
-                      <a:endParaRPr sz="900" spc="0">
-                        <a:latin typeface="Wingdings"/>
-                        <a:cs typeface="Wingdings"/>
-                      </a:endParaRPr>
                     </a:p>
                   </a:txBody>
                   <a:tcPr marL="0" marR="0" marT="58419" marB="0"/>
@@ -3851,7 +3577,7 @@
                         </a:spcBef>
                       </a:pPr>
                       <a:r>
-                        <a:rPr sz="900" spc="0" dirty="0">
+                        <a:rPr lang="it-IT" sz="900">
                           <a:solidFill>
                             <a:srgbClr val="020302"/>
                           </a:solidFill>
@@ -3860,10 +3586,6 @@
                         </a:rPr>
                         <a:t></a:t>
                       </a:r>
-                      <a:endParaRPr sz="900" spc="0">
-                        <a:latin typeface="Wingdings"/>
-                        <a:cs typeface="Wingdings"/>
-                      </a:endParaRPr>
                     </a:p>
                   </a:txBody>
                   <a:tcPr marL="0" marR="0" marT="58419" marB="0">
@@ -3887,7 +3609,7 @@
                     <a:bodyPr/>
                     <a:lstStyle/>
                     <a:p>
-                      <a:pPr marL="50800">
+                      <a:pPr marL="50800" algn="l" rtl="0">
                         <a:lnSpc>
                           <a:spcPct val="100000"/>
                         </a:lnSpc>
@@ -3936,19 +3658,15 @@
                         </a:spcBef>
                       </a:pPr>
                       <a:r>
-                        <a:rPr lang="en-US" sz="900" spc="0" dirty="0">
+                        <a:rPr lang="it-IT" sz="900">
                           <a:solidFill>
                             <a:srgbClr val="020302"/>
                           </a:solidFill>
                           <a:latin typeface="AdobeClean-Light"/>
                           <a:cs typeface="AdobeClean-Light"/>
                         </a:rPr>
-                        <a:t>Named Support Contacts (per product)</a:t>
+                        <a:t>Contatti interni per il supporto (per prodotto)</a:t>
                       </a:r>
-                      <a:endParaRPr sz="900" spc="0" dirty="0">
-                        <a:latin typeface="AdobeClean-Light"/>
-                        <a:cs typeface="AdobeClean-Light"/>
-                      </a:endParaRPr>
                     </a:p>
                   </a:txBody>
                   <a:tcPr marL="0" marR="0" marT="57785" marB="0">
@@ -3980,7 +3698,7 @@
                         </a:spcBef>
                       </a:pPr>
                       <a:r>
-                        <a:rPr sz="900" spc="0" dirty="0">
+                        <a:rPr lang="it-IT" sz="900">
                           <a:solidFill>
                             <a:srgbClr val="020302"/>
                           </a:solidFill>
@@ -3989,10 +3707,6 @@
                         </a:rPr>
                         <a:t>4</a:t>
                       </a:r>
-                      <a:endParaRPr sz="900" spc="0" dirty="0">
-                        <a:latin typeface="AdobeClean-Light"/>
-                        <a:cs typeface="AdobeClean-Light"/>
-                      </a:endParaRPr>
                     </a:p>
                   </a:txBody>
                   <a:tcPr marL="0" marR="0" marT="57785" marB="0">
@@ -4023,7 +3737,7 @@
                         </a:spcBef>
                       </a:pPr>
                       <a:r>
-                        <a:rPr sz="900" spc="0" dirty="0">
+                        <a:rPr lang="it-IT" sz="900">
                           <a:solidFill>
                             <a:srgbClr val="020302"/>
                           </a:solidFill>
@@ -4032,10 +3746,6 @@
                         </a:rPr>
                         <a:t>6</a:t>
                       </a:r>
-                      <a:endParaRPr sz="900" spc="0">
-                        <a:latin typeface="AdobeClean-Light"/>
-                        <a:cs typeface="AdobeClean-Light"/>
-                      </a:endParaRPr>
                     </a:p>
                   </a:txBody>
                   <a:tcPr marL="0" marR="0" marT="57785" marB="0"/>
@@ -4045,7 +3755,7 @@
                     <a:bodyPr/>
                     <a:lstStyle/>
                     <a:p>
-                      <a:pPr algn="ctr">
+                      <a:pPr algn="l" rtl="0">
                         <a:lnSpc>
                           <a:spcPct val="100000"/>
                         </a:lnSpc>
@@ -4075,7 +3785,7 @@
                         </a:spcBef>
                       </a:pPr>
                       <a:r>
-                        <a:rPr sz="900" spc="0" dirty="0">
+                        <a:rPr lang="it-IT" sz="900">
                           <a:solidFill>
                             <a:srgbClr val="020302"/>
                           </a:solidFill>
@@ -4084,10 +3794,6 @@
                         </a:rPr>
                         <a:t>10</a:t>
                       </a:r>
-                      <a:endParaRPr sz="900" spc="0">
-                        <a:latin typeface="AdobeClean-Light"/>
-                        <a:cs typeface="AdobeClean-Light"/>
-                      </a:endParaRPr>
                     </a:p>
                   </a:txBody>
                   <a:tcPr marL="0" marR="0" marT="57785" marB="0"/>
@@ -4106,7 +3812,7 @@
                         </a:spcBef>
                       </a:pPr>
                       <a:r>
-                        <a:rPr sz="900" spc="0" dirty="0">
+                        <a:rPr lang="it-IT" sz="900">
                           <a:solidFill>
                             <a:srgbClr val="020302"/>
                           </a:solidFill>
@@ -4115,10 +3821,6 @@
                         </a:rPr>
                         <a:t>15</a:t>
                       </a:r>
-                      <a:endParaRPr sz="900" spc="0">
-                        <a:latin typeface="AdobeClean-Light"/>
-                        <a:cs typeface="AdobeClean-Light"/>
-                      </a:endParaRPr>
                     </a:p>
                   </a:txBody>
                   <a:tcPr marL="0" marR="0" marT="57785" marB="0">
@@ -4142,7 +3844,7 @@
                     <a:bodyPr/>
                     <a:lstStyle/>
                     <a:p>
-                      <a:pPr marL="50800">
+                      <a:pPr marL="50800" algn="l" rtl="0">
                         <a:lnSpc>
                           <a:spcPct val="100000"/>
                         </a:lnSpc>
@@ -4191,19 +3893,15 @@
                         </a:spcBef>
                       </a:pPr>
                       <a:r>
-                        <a:rPr lang="en-US" sz="900" spc="0" dirty="0">
+                        <a:rPr lang="it-IT" sz="900">
                           <a:solidFill>
                             <a:srgbClr val="020302"/>
                           </a:solidFill>
                           <a:latin typeface="AdobeClean-Light"/>
                           <a:cs typeface="AdobeClean-Light"/>
                         </a:rPr>
-                        <a:t>Live Telephone Support</a:t>
+                        <a:t>Supporto telefonico in diretta</a:t>
                       </a:r>
-                      <a:endParaRPr sz="900" spc="0" dirty="0">
-                        <a:latin typeface="AdobeClean-Light"/>
-                        <a:cs typeface="AdobeClean-Light"/>
-                      </a:endParaRPr>
                     </a:p>
                   </a:txBody>
                   <a:tcPr marL="0" marR="0" marT="57785" marB="0">
@@ -4226,7 +3924,7 @@
                     <a:bodyPr/>
                     <a:lstStyle/>
                     <a:p>
-                      <a:pPr>
+                      <a:pPr algn="l" rtl="0">
                         <a:lnSpc>
                           <a:spcPct val="100000"/>
                         </a:lnSpc>
@@ -4265,7 +3963,7 @@
                         </a:spcBef>
                       </a:pPr>
                       <a:r>
-                        <a:rPr sz="900" spc="0" dirty="0">
+                        <a:rPr lang="it-IT" sz="900">
                           <a:solidFill>
                             <a:srgbClr val="020302"/>
                           </a:solidFill>
@@ -4274,10 +3972,6 @@
                         </a:rPr>
                         <a:t></a:t>
                       </a:r>
-                      <a:endParaRPr sz="900" spc="0">
-                        <a:latin typeface="Wingdings"/>
-                        <a:cs typeface="Wingdings"/>
-                      </a:endParaRPr>
                     </a:p>
                   </a:txBody>
                   <a:tcPr marL="0" marR="0" marT="59054" marB="0"/>
@@ -4287,7 +3981,7 @@
                     <a:bodyPr/>
                     <a:lstStyle/>
                     <a:p>
-                      <a:pPr algn="ctr">
+                      <a:pPr algn="l" rtl="0">
                         <a:lnSpc>
                           <a:spcPct val="100000"/>
                         </a:lnSpc>
@@ -4317,7 +4011,7 @@
                         </a:spcBef>
                       </a:pPr>
                       <a:r>
-                        <a:rPr sz="900" spc="0" dirty="0">
+                        <a:rPr lang="it-IT" sz="900">
                           <a:solidFill>
                             <a:srgbClr val="020302"/>
                           </a:solidFill>
@@ -4326,10 +4020,6 @@
                         </a:rPr>
                         <a:t></a:t>
                       </a:r>
-                      <a:endParaRPr sz="900" spc="0">
-                        <a:latin typeface="Wingdings"/>
-                        <a:cs typeface="Wingdings"/>
-                      </a:endParaRPr>
                     </a:p>
                   </a:txBody>
                   <a:tcPr marL="0" marR="0" marT="59054" marB="0"/>
@@ -4348,7 +4038,7 @@
                         </a:spcBef>
                       </a:pPr>
                       <a:r>
-                        <a:rPr sz="900" spc="0" dirty="0">
+                        <a:rPr lang="it-IT" sz="900">
                           <a:solidFill>
                             <a:srgbClr val="020302"/>
                           </a:solidFill>
@@ -4357,10 +4047,6 @@
                         </a:rPr>
                         <a:t></a:t>
                       </a:r>
-                      <a:endParaRPr sz="900" spc="0">
-                        <a:latin typeface="Wingdings"/>
-                        <a:cs typeface="Wingdings"/>
-                      </a:endParaRPr>
                     </a:p>
                   </a:txBody>
                   <a:tcPr marL="0" marR="0" marT="59054" marB="0">
@@ -4384,7 +4070,7 @@
                     <a:bodyPr/>
                     <a:lstStyle/>
                     <a:p>
-                      <a:pPr marL="50800">
+                      <a:pPr marL="50800" algn="l" rtl="0">
                         <a:lnSpc>
                           <a:spcPct val="100000"/>
                         </a:lnSpc>
@@ -4433,19 +4119,15 @@
                         </a:spcBef>
                       </a:pPr>
                       <a:r>
-                        <a:rPr sz="900" spc="0" dirty="0">
+                        <a:rPr lang="it-IT" sz="900">
                           <a:solidFill>
                             <a:srgbClr val="020302"/>
                           </a:solidFill>
                           <a:latin typeface="AdobeClean-Light"/>
                           <a:cs typeface="AdobeClean-Light"/>
                         </a:rPr>
-                        <a:t>Escalation Management</a:t>
+                        <a:t>Gestione delle escalation</a:t>
                       </a:r>
-                      <a:endParaRPr sz="900" spc="0" dirty="0">
-                        <a:latin typeface="AdobeClean-Light"/>
-                        <a:cs typeface="AdobeClean-Light"/>
-                      </a:endParaRPr>
                     </a:p>
                   </a:txBody>
                   <a:tcPr marL="0" marR="0" marT="58419" marB="0">
@@ -4468,7 +4150,7 @@
                     <a:bodyPr/>
                     <a:lstStyle/>
                     <a:p>
-                      <a:pPr>
+                      <a:pPr algn="l" rtl="0">
                         <a:lnSpc>
                           <a:spcPct val="100000"/>
                         </a:lnSpc>
@@ -4507,7 +4189,7 @@
                         </a:spcBef>
                       </a:pPr>
                       <a:r>
-                        <a:rPr sz="900" spc="0" dirty="0">
+                        <a:rPr lang="it-IT" sz="900">
                           <a:solidFill>
                             <a:srgbClr val="020302"/>
                           </a:solidFill>
@@ -4516,10 +4198,6 @@
                         </a:rPr>
                         <a:t></a:t>
                       </a:r>
-                      <a:endParaRPr sz="900" spc="0" dirty="0">
-                        <a:latin typeface="Wingdings"/>
-                        <a:cs typeface="Wingdings"/>
-                      </a:endParaRPr>
                     </a:p>
                   </a:txBody>
                   <a:tcPr marL="0" marR="0" marT="59690" marB="0"/>
@@ -4529,7 +4207,7 @@
                     <a:bodyPr/>
                     <a:lstStyle/>
                     <a:p>
-                      <a:pPr algn="ctr">
+                      <a:pPr algn="l" rtl="0">
                         <a:lnSpc>
                           <a:spcPct val="100000"/>
                         </a:lnSpc>
@@ -4559,7 +4237,7 @@
                         </a:spcBef>
                       </a:pPr>
                       <a:r>
-                        <a:rPr sz="900" spc="0" dirty="0">
+                        <a:rPr lang="it-IT" sz="900">
                           <a:solidFill>
                             <a:srgbClr val="020302"/>
                           </a:solidFill>
@@ -4568,10 +4246,6 @@
                         </a:rPr>
                         <a:t></a:t>
                       </a:r>
-                      <a:endParaRPr sz="900" spc="0">
-                        <a:latin typeface="Wingdings"/>
-                        <a:cs typeface="Wingdings"/>
-                      </a:endParaRPr>
                     </a:p>
                   </a:txBody>
                   <a:tcPr marL="0" marR="0" marT="59690" marB="0"/>
@@ -4590,7 +4264,7 @@
                         </a:spcBef>
                       </a:pPr>
                       <a:r>
-                        <a:rPr sz="900" spc="0" dirty="0">
+                        <a:rPr lang="it-IT" sz="900">
                           <a:solidFill>
                             <a:srgbClr val="020302"/>
                           </a:solidFill>
@@ -4599,10 +4273,6 @@
                         </a:rPr>
                         <a:t></a:t>
                       </a:r>
-                      <a:endParaRPr sz="900" spc="0" dirty="0">
-                        <a:latin typeface="Wingdings"/>
-                        <a:cs typeface="Wingdings"/>
-                      </a:endParaRPr>
                     </a:p>
                   </a:txBody>
                   <a:tcPr marL="0" marR="0" marT="59690" marB="0">
@@ -4626,7 +4296,7 @@
                     <a:bodyPr/>
                     <a:lstStyle/>
                     <a:p>
-                      <a:pPr marL="50800">
+                      <a:pPr marL="50800" algn="l" rtl="0">
                         <a:lnSpc>
                           <a:spcPct val="100000"/>
                         </a:lnSpc>
@@ -4675,19 +4345,15 @@
                         </a:spcBef>
                       </a:pPr>
                       <a:r>
-                        <a:rPr sz="900" spc="0" dirty="0">
+                        <a:rPr lang="it-IT" sz="900">
                           <a:solidFill>
                             <a:srgbClr val="020302"/>
                           </a:solidFill>
                           <a:latin typeface="AdobeClean-Light"/>
                           <a:cs typeface="AdobeClean-Light"/>
                         </a:rPr>
-                        <a:t>Service Reviews  per Year</a:t>
+                        <a:t>Valutazioni dei servizi all’anno</a:t>
                       </a:r>
-                      <a:endParaRPr sz="900" spc="0" dirty="0">
-                        <a:latin typeface="AdobeClean-Light"/>
-                        <a:cs typeface="AdobeClean-Light"/>
-                      </a:endParaRPr>
                     </a:p>
                   </a:txBody>
                   <a:tcPr marL="0" marR="0" marT="57150" marB="0">
@@ -4710,7 +4376,7 @@
                     <a:bodyPr/>
                     <a:lstStyle/>
                     <a:p>
-                      <a:pPr>
+                      <a:pPr algn="l" rtl="0">
                         <a:lnSpc>
                           <a:spcPct val="100000"/>
                         </a:lnSpc>
@@ -4740,7 +4406,7 @@
                     <a:bodyPr/>
                     <a:lstStyle/>
                     <a:p>
-                      <a:pPr>
+                      <a:pPr algn="l" rtl="0">
                         <a:lnSpc>
                           <a:spcPct val="100000"/>
                         </a:lnSpc>
@@ -4758,7 +4424,7 @@
                     <a:bodyPr/>
                     <a:lstStyle/>
                     <a:p>
-                      <a:pPr>
+                      <a:pPr algn="l" rtl="0">
                         <a:lnSpc>
                           <a:spcPct val="100000"/>
                         </a:lnSpc>
@@ -4785,7 +4451,7 @@
                         </a:spcBef>
                       </a:pPr>
                       <a:r>
-                        <a:rPr sz="900" spc="0" dirty="0">
+                        <a:rPr lang="it-IT" sz="900">
                           <a:solidFill>
                             <a:srgbClr val="020302"/>
                           </a:solidFill>
@@ -4794,10 +4460,6 @@
                         </a:rPr>
                         <a:t>2</a:t>
                       </a:r>
-                      <a:endParaRPr sz="900" spc="0" dirty="0">
-                        <a:latin typeface="AdobeClean-Light"/>
-                        <a:cs typeface="AdobeClean-Light"/>
-                      </a:endParaRPr>
                     </a:p>
                   </a:txBody>
                   <a:tcPr marL="0" marR="0" marT="57150" marB="0"/>
@@ -4816,7 +4478,7 @@
                         </a:spcBef>
                       </a:pPr>
                       <a:r>
-                        <a:rPr sz="900" spc="0" dirty="0">
+                        <a:rPr lang="it-IT" sz="900">
                           <a:solidFill>
                             <a:srgbClr val="020302"/>
                           </a:solidFill>
@@ -4825,10 +4487,6 @@
                         </a:rPr>
                         <a:t>4</a:t>
                       </a:r>
-                      <a:endParaRPr sz="900" spc="0" dirty="0">
-                        <a:latin typeface="AdobeClean-Light"/>
-                        <a:cs typeface="AdobeClean-Light"/>
-                      </a:endParaRPr>
                     </a:p>
                   </a:txBody>
                   <a:tcPr marL="0" marR="0" marT="57150" marB="0">
@@ -4871,16 +4529,12 @@
                         </a:spcBef>
                       </a:pPr>
                       <a:r>
-                        <a:rPr lang="en-US" sz="900" spc="0" dirty="0">
+                        <a:rPr lang="it-IT" sz="900">
                           <a:latin typeface="AdobeClean-Light"/>
                           <a:cs typeface="AdobeClean-Light"/>
                         </a:rPr>
-                        <a:t>Expert Sessions per Year</a:t>
+                        <a:t>Sessioni con esperti all’anno</a:t>
                       </a:r>
-                      <a:endParaRPr sz="900" spc="0" dirty="0">
-                        <a:latin typeface="AdobeClean-Light"/>
-                        <a:cs typeface="AdobeClean-Light"/>
-                      </a:endParaRPr>
                     </a:p>
                   </a:txBody>
                   <a:tcPr marL="0" marR="0" marT="57150" marB="0">
@@ -4909,7 +4563,7 @@
                     <a:bodyPr/>
                     <a:lstStyle/>
                     <a:p>
-                      <a:pPr>
+                      <a:pPr algn="l" rtl="0">
                         <a:lnSpc>
                           <a:spcPct val="100000"/>
                         </a:lnSpc>
@@ -4942,7 +4596,7 @@
                     <a:bodyPr/>
                     <a:lstStyle/>
                     <a:p>
-                      <a:pPr>
+                      <a:pPr algn="l" rtl="0">
                         <a:lnSpc>
                           <a:spcPct val="100000"/>
                         </a:lnSpc>
@@ -4979,16 +4633,12 @@
                         </a:spcBef>
                       </a:pPr>
                       <a:r>
-                        <a:rPr lang="en-US" sz="900" spc="0" dirty="0">
+                        <a:rPr lang="it-IT" sz="900">
                           <a:latin typeface="AdobeClean-Light"/>
                           <a:cs typeface="AdobeClean-Light"/>
                         </a:rPr>
                         <a:t>2</a:t>
                       </a:r>
-                      <a:endParaRPr sz="900" spc="0" dirty="0">
-                        <a:latin typeface="AdobeClean-Light"/>
-                        <a:cs typeface="AdobeClean-Light"/>
-                      </a:endParaRPr>
                     </a:p>
                   </a:txBody>
                   <a:tcPr marL="0" marR="0" marT="57150" marB="0"/>
@@ -5007,16 +4657,12 @@
                         </a:spcBef>
                       </a:pPr>
                       <a:r>
-                        <a:rPr lang="en-US" sz="900" spc="0" dirty="0">
+                        <a:rPr lang="it-IT" sz="900">
                           <a:latin typeface="AdobeClean-Light"/>
                           <a:cs typeface="AdobeClean-Light"/>
                         </a:rPr>
                         <a:t>4</a:t>
                       </a:r>
-                      <a:endParaRPr sz="900" spc="0" dirty="0">
-                        <a:latin typeface="AdobeClean-Light"/>
-                        <a:cs typeface="AdobeClean-Light"/>
-                      </a:endParaRPr>
                     </a:p>
                   </a:txBody>
                   <a:tcPr marL="0" marR="0" marT="57150" marB="0">
@@ -5059,16 +4705,12 @@
                         </a:spcBef>
                       </a:pPr>
                       <a:r>
-                        <a:rPr lang="en-US" sz="900" spc="0" dirty="0">
+                        <a:rPr lang="it-IT" sz="900">
                           <a:latin typeface="AdobeClean-Light"/>
                           <a:cs typeface="AdobeClean-Light"/>
                         </a:rPr>
-                        <a:t>Case Reviews</a:t>
+                        <a:t>Valutazione dei casi</a:t>
                       </a:r>
-                      <a:endParaRPr sz="900" spc="0" dirty="0">
-                        <a:latin typeface="AdobeClean-Light"/>
-                        <a:cs typeface="AdobeClean-Light"/>
-                      </a:endParaRPr>
                     </a:p>
                   </a:txBody>
                   <a:tcPr marL="0" marR="0" marT="57150" marB="0">
@@ -5097,7 +4739,7 @@
                     <a:bodyPr/>
                     <a:lstStyle/>
                     <a:p>
-                      <a:pPr>
+                      <a:pPr algn="l" rtl="0">
                         <a:lnSpc>
                           <a:spcPct val="100000"/>
                         </a:lnSpc>
@@ -5130,7 +4772,7 @@
                     <a:bodyPr/>
                     <a:lstStyle/>
                     <a:p>
-                      <a:pPr>
+                      <a:pPr algn="l" rtl="0">
                         <a:lnSpc>
                           <a:spcPct val="100000"/>
                         </a:lnSpc>
@@ -5176,7 +4818,7 @@
                         <a:defRPr/>
                       </a:pPr>
                       <a:r>
-                        <a:rPr lang="en-US" sz="900" spc="0" dirty="0">
+                        <a:rPr lang="it-IT" sz="900">
                           <a:solidFill>
                             <a:srgbClr val="020302"/>
                           </a:solidFill>
@@ -5185,10 +4827,6 @@
                         </a:rPr>
                         <a:t></a:t>
                       </a:r>
-                      <a:endParaRPr lang="en-US" sz="900" spc="0" dirty="0">
-                        <a:latin typeface="Wingdings"/>
-                        <a:cs typeface="Wingdings"/>
-                      </a:endParaRPr>
                     </a:p>
                   </a:txBody>
                   <a:tcPr marL="0" marR="0" marT="57150" marB="0"/>
@@ -5216,7 +4854,7 @@
                         <a:defRPr/>
                       </a:pPr>
                       <a:r>
-                        <a:rPr lang="en-US" sz="900" spc="0">
+                        <a:rPr lang="it-IT" sz="900">
                           <a:solidFill>
                             <a:srgbClr val="020302"/>
                           </a:solidFill>
@@ -5225,10 +4863,6 @@
                         </a:rPr>
                         <a:t></a:t>
                       </a:r>
-                      <a:endParaRPr lang="en-US" sz="900" spc="0" dirty="0">
-                        <a:latin typeface="Wingdings"/>
-                        <a:cs typeface="Wingdings"/>
-                      </a:endParaRPr>
                     </a:p>
                   </a:txBody>
                   <a:tcPr marL="0" marR="0" marT="57150" marB="0">
@@ -5252,7 +4886,7 @@
                     <a:bodyPr/>
                     <a:lstStyle/>
                     <a:p>
-                      <a:pPr marL="48895">
+                      <a:pPr marL="48895" algn="l" rtl="0">
                         <a:lnSpc>
                           <a:spcPct val="100000"/>
                         </a:lnSpc>
@@ -5301,19 +4935,15 @@
                         </a:spcBef>
                       </a:pPr>
                       <a:r>
-                        <a:rPr sz="900" spc="0" dirty="0">
+                        <a:rPr lang="it-IT" sz="900">
                           <a:solidFill>
                             <a:srgbClr val="020302"/>
                           </a:solidFill>
                           <a:latin typeface="AdobeClean-Light"/>
                           <a:cs typeface="AdobeClean-Light"/>
                         </a:rPr>
-                        <a:t>Event Management</a:t>
+                        <a:t>Gestione degli eventi</a:t>
                       </a:r>
-                      <a:endParaRPr sz="900" spc="0" dirty="0">
-                        <a:latin typeface="AdobeClean-Light"/>
-                        <a:cs typeface="AdobeClean-Light"/>
-                      </a:endParaRPr>
                     </a:p>
                   </a:txBody>
                   <a:tcPr marL="0" marR="0" marT="58419" marB="0">
@@ -5336,7 +4966,7 @@
                     <a:bodyPr/>
                     <a:lstStyle/>
                     <a:p>
-                      <a:pPr>
+                      <a:pPr algn="l" rtl="0">
                         <a:lnSpc>
                           <a:spcPct val="100000"/>
                         </a:lnSpc>
@@ -5366,7 +4996,7 @@
                     <a:bodyPr/>
                     <a:lstStyle/>
                     <a:p>
-                      <a:pPr>
+                      <a:pPr algn="l" rtl="0">
                         <a:lnSpc>
                           <a:spcPct val="100000"/>
                         </a:lnSpc>
@@ -5384,7 +5014,7 @@
                     <a:bodyPr/>
                     <a:lstStyle/>
                     <a:p>
-                      <a:pPr>
+                      <a:pPr algn="l" rtl="0">
                         <a:lnSpc>
                           <a:spcPct val="100000"/>
                         </a:lnSpc>
@@ -5402,7 +5032,7 @@
                     <a:bodyPr/>
                     <a:lstStyle/>
                     <a:p>
-                      <a:pPr>
+                      <a:pPr algn="l" rtl="0">
                         <a:lnSpc>
                           <a:spcPct val="100000"/>
                         </a:lnSpc>
@@ -5429,7 +5059,7 @@
                         </a:spcBef>
                       </a:pPr>
                       <a:r>
-                        <a:rPr sz="900" spc="0" dirty="0">
+                        <a:rPr lang="it-IT" sz="900">
                           <a:solidFill>
                             <a:srgbClr val="020302"/>
                           </a:solidFill>
@@ -5438,10 +5068,6 @@
                         </a:rPr>
                         <a:t></a:t>
                       </a:r>
-                      <a:endParaRPr sz="900" spc="0" dirty="0">
-                        <a:latin typeface="Wingdings"/>
-                        <a:cs typeface="Wingdings"/>
-                      </a:endParaRPr>
                     </a:p>
                   </a:txBody>
                   <a:tcPr marL="0" marR="0" marT="59055" marB="0">
@@ -5465,7 +5091,7 @@
                     <a:bodyPr/>
                     <a:lstStyle/>
                     <a:p>
-                      <a:pPr marL="48895">
+                      <a:pPr marL="48895" algn="l" rtl="0">
                         <a:lnSpc>
                           <a:spcPct val="100000"/>
                         </a:lnSpc>
@@ -5523,49 +5149,15 @@
                         </a:spcBef>
                       </a:pPr>
                       <a:r>
-                        <a:rPr sz="900" spc="0" dirty="0">
+                        <a:rPr lang="it-IT" sz="900">
                           <a:solidFill>
                             <a:srgbClr val="020302"/>
                           </a:solidFill>
                           <a:latin typeface="AdobeClean-Light"/>
                           <a:cs typeface="AdobeClean-Light"/>
                         </a:rPr>
-                        <a:t>Environment</a:t>
+                        <a:t>Valutazione ambiente, manutenzione e monitoraggio</a:t>
                       </a:r>
-                      <a:r>
-                        <a:rPr lang="en-US" sz="900" spc="0" dirty="0">
-                          <a:solidFill>
-                            <a:srgbClr val="020302"/>
-                          </a:solidFill>
-                          <a:latin typeface="AdobeClean-Light"/>
-                          <a:cs typeface="AdobeClean-Light"/>
-                        </a:rPr>
-                        <a:t> </a:t>
-                      </a:r>
-                      <a:r>
-                        <a:rPr sz="900" spc="0" dirty="0">
-                          <a:solidFill>
-                            <a:srgbClr val="020302"/>
-                          </a:solidFill>
-                          <a:latin typeface="AdobeClean-Light"/>
-                          <a:cs typeface="AdobeClean-Light"/>
-                        </a:rPr>
-                        <a:t>Review, Maintenance &amp; Monitoring</a:t>
-                      </a:r>
-                      <a:r>
-                        <a:rPr lang="en-US" sz="900" spc="0" dirty="0">
-                          <a:solidFill>
-                            <a:srgbClr val="020302"/>
-                          </a:solidFill>
-                          <a:latin typeface="AdobeClean-Light"/>
-                          <a:cs typeface="AdobeClean-Light"/>
-                        </a:rPr>
-                        <a:t>,</a:t>
-                      </a:r>
-                      <a:endParaRPr sz="900" spc="0" dirty="0">
-                        <a:latin typeface="AdobeClean-Light"/>
-                        <a:cs typeface="AdobeClean-Light"/>
-                      </a:endParaRPr>
                     </a:p>
                   </a:txBody>
                   <a:tcPr marL="0" marR="0" marT="59055" marB="0">
@@ -5594,7 +5186,7 @@
                     <a:bodyPr/>
                     <a:lstStyle/>
                     <a:p>
-                      <a:pPr>
+                      <a:pPr algn="l" rtl="0">
                         <a:lnSpc>
                           <a:spcPct val="100000"/>
                         </a:lnSpc>
@@ -5627,7 +5219,7 @@
                     <a:bodyPr/>
                     <a:lstStyle/>
                     <a:p>
-                      <a:pPr>
+                      <a:pPr algn="l" rtl="0">
                         <a:lnSpc>
                           <a:spcPct val="100000"/>
                         </a:lnSpc>
@@ -5645,7 +5237,7 @@
                     <a:bodyPr/>
                     <a:lstStyle/>
                     <a:p>
-                      <a:pPr>
+                      <a:pPr algn="l" rtl="0">
                         <a:lnSpc>
                           <a:spcPct val="100000"/>
                         </a:lnSpc>
@@ -5663,7 +5255,7 @@
                     <a:bodyPr/>
                     <a:lstStyle/>
                     <a:p>
-                      <a:pPr>
+                      <a:pPr algn="l" rtl="0">
                         <a:lnSpc>
                           <a:spcPct val="100000"/>
                         </a:lnSpc>
@@ -5690,7 +5282,7 @@
                         </a:spcBef>
                       </a:pPr>
                       <a:r>
-                        <a:rPr sz="900" spc="0" dirty="0">
+                        <a:rPr lang="it-IT" sz="900">
                           <a:solidFill>
                             <a:srgbClr val="020302"/>
                           </a:solidFill>
@@ -5699,10 +5291,6 @@
                         </a:rPr>
                         <a:t></a:t>
                       </a:r>
-                      <a:endParaRPr sz="900" spc="0" dirty="0">
-                        <a:latin typeface="Wingdings"/>
-                        <a:cs typeface="Wingdings"/>
-                      </a:endParaRPr>
                     </a:p>
                   </a:txBody>
                   <a:tcPr marL="0" marR="0" marT="60325" marB="0">
@@ -5726,7 +5314,7 @@
                     <a:bodyPr/>
                     <a:lstStyle/>
                     <a:p>
-                      <a:pPr marL="49530">
+                      <a:pPr marL="49530" algn="l" rtl="0">
                         <a:lnSpc>
                           <a:spcPct val="100000"/>
                         </a:lnSpc>
@@ -5775,19 +5363,34 @@
                         </a:spcBef>
                       </a:pPr>
                       <a:r>
-                        <a:rPr sz="900" spc="0" dirty="0">
+                        <a:rPr lang="it-IT" sz="900" dirty="0">
                           <a:solidFill>
                             <a:srgbClr val="020302"/>
                           </a:solidFill>
                           <a:latin typeface="AdobeClean-Light"/>
                           <a:cs typeface="AdobeClean-Light"/>
                         </a:rPr>
-                        <a:t>Release, Migration, Upgrade &amp; Product Roadmap Review</a:t>
+                        <a:t>Valutazione della roadmap di prodotti, versioni, </a:t>
                       </a:r>
-                      <a:endParaRPr sz="900" spc="0" dirty="0">
-                        <a:latin typeface="AdobeClean-Light"/>
-                        <a:cs typeface="AdobeClean-Light"/>
-                      </a:endParaRPr>
+                      <a:br>
+                        <a:rPr lang="sk-SK" sz="900" dirty="0">
+                          <a:solidFill>
+                            <a:srgbClr val="020302"/>
+                          </a:solidFill>
+                          <a:latin typeface="AdobeClean-Light"/>
+                          <a:cs typeface="AdobeClean-Light"/>
+                        </a:rPr>
+                      </a:br>
+                      <a:r>
+                        <a:rPr lang="it-IT" sz="900" dirty="0">
+                          <a:solidFill>
+                            <a:srgbClr val="020302"/>
+                          </a:solidFill>
+                          <a:latin typeface="AdobeClean-Light"/>
+                          <a:cs typeface="AdobeClean-Light"/>
+                        </a:rPr>
+                        <a:t>migrazione e aggiornamento</a:t>
+                      </a:r>
                     </a:p>
                   </a:txBody>
                   <a:tcPr marL="0" marR="0" marT="63500" marB="0">
@@ -5810,7 +5413,7 @@
                     <a:bodyPr/>
                     <a:lstStyle/>
                     <a:p>
-                      <a:pPr>
+                      <a:pPr algn="l" rtl="0">
                         <a:lnSpc>
                           <a:spcPct val="100000"/>
                         </a:lnSpc>
@@ -5840,7 +5443,7 @@
                     <a:bodyPr/>
                     <a:lstStyle/>
                     <a:p>
-                      <a:pPr>
+                      <a:pPr algn="l" rtl="0">
                         <a:lnSpc>
                           <a:spcPct val="100000"/>
                         </a:lnSpc>
@@ -5858,7 +5461,7 @@
                     <a:bodyPr/>
                     <a:lstStyle/>
                     <a:p>
-                      <a:pPr>
+                      <a:pPr algn="l" rtl="0">
                         <a:lnSpc>
                           <a:spcPct val="100000"/>
                         </a:lnSpc>
@@ -5876,7 +5479,7 @@
                     <a:bodyPr/>
                     <a:lstStyle/>
                     <a:p>
-                      <a:pPr>
+                      <a:pPr algn="l" rtl="0">
                         <a:lnSpc>
                           <a:spcPct val="100000"/>
                         </a:lnSpc>
@@ -5903,7 +5506,7 @@
                         </a:spcBef>
                       </a:pPr>
                       <a:r>
-                        <a:rPr sz="900" spc="0" dirty="0">
+                        <a:rPr lang="it-IT" sz="900">
                           <a:solidFill>
                             <a:srgbClr val="020302"/>
                           </a:solidFill>
@@ -5912,10 +5515,6 @@
                         </a:rPr>
                         <a:t></a:t>
                       </a:r>
-                      <a:endParaRPr sz="900" spc="0">
-                        <a:latin typeface="Wingdings"/>
-                        <a:cs typeface="Wingdings"/>
-                      </a:endParaRPr>
                     </a:p>
                   </a:txBody>
                   <a:tcPr marL="0" marR="0" marT="64135" marB="0">
@@ -5939,7 +5538,7 @@
                     <a:bodyPr/>
                     <a:lstStyle/>
                     <a:p>
-                      <a:pPr marL="49530">
+                      <a:pPr marL="49530" algn="l" rtl="0">
                         <a:lnSpc>
                           <a:spcPct val="100000"/>
                         </a:lnSpc>
@@ -5997,11 +5596,11 @@
                         </a:spcBef>
                       </a:pPr>
                       <a:r>
-                        <a:rPr sz="900" spc="0" dirty="0">
+                        <a:rPr lang="it-IT" sz="900">
                           <a:latin typeface="AdobeClean-Light"/>
                           <a:cs typeface="AdobeClean-Light"/>
                         </a:rPr>
-                        <a:t>Cloud Support Activities – Experience Manager as Cloud</a:t>
+                        <a:t>Attività di supporto cloud - Experience Manager as Cloud</a:t>
                       </a:r>
                     </a:p>
                   </a:txBody>
@@ -6031,7 +5630,7 @@
                     <a:bodyPr/>
                     <a:lstStyle/>
                     <a:p>
-                      <a:pPr>
+                      <a:pPr algn="l" rtl="0">
                         <a:lnSpc>
                           <a:spcPct val="100000"/>
                         </a:lnSpc>
@@ -6067,7 +5666,7 @@
                     <a:bodyPr/>
                     <a:lstStyle/>
                     <a:p>
-                      <a:pPr>
+                      <a:pPr algn="l" rtl="0">
                         <a:lnSpc>
                           <a:spcPct val="100000"/>
                         </a:lnSpc>
@@ -6092,7 +5691,7 @@
                     <a:bodyPr/>
                     <a:lstStyle/>
                     <a:p>
-                      <a:pPr>
+                      <a:pPr algn="l" rtl="0">
                         <a:lnSpc>
                           <a:spcPct val="100000"/>
                         </a:lnSpc>
@@ -6129,7 +5728,7 @@
                         </a:spcBef>
                       </a:pPr>
                       <a:r>
-                        <a:rPr sz="900" spc="0" dirty="0">
+                        <a:rPr lang="it-IT" sz="900">
                           <a:solidFill>
                             <a:srgbClr val="020302"/>
                           </a:solidFill>
@@ -6138,10 +5737,6 @@
                         </a:rPr>
                         <a:t></a:t>
                       </a:r>
-                      <a:endParaRPr sz="900" spc="0" dirty="0">
-                        <a:latin typeface="Wingdings"/>
-                        <a:cs typeface="Wingdings"/>
-                      </a:endParaRPr>
                     </a:p>
                   </a:txBody>
                   <a:tcPr marL="0" marR="0" marT="62230" marB="0">
@@ -6167,7 +5762,7 @@
                         </a:spcBef>
                       </a:pPr>
                       <a:r>
-                        <a:rPr sz="900" spc="0" dirty="0">
+                        <a:rPr lang="it-IT" sz="900">
                           <a:solidFill>
                             <a:srgbClr val="020302"/>
                           </a:solidFill>
@@ -6176,10 +5771,6 @@
                         </a:rPr>
                         <a:t></a:t>
                       </a:r>
-                      <a:endParaRPr sz="900" spc="0" dirty="0">
-                        <a:latin typeface="Wingdings"/>
-                        <a:cs typeface="Wingdings"/>
-                      </a:endParaRPr>
                     </a:p>
                   </a:txBody>
                   <a:tcPr marL="0" marR="0" marT="62230" marB="0">
@@ -6218,22 +5809,15 @@
                         </a:spcBef>
                       </a:pPr>
                       <a:r>
-                        <a:rPr lang="en-US" sz="1000" b="1" i="0" spc="0" dirty="0">
+                        <a:rPr lang="it-IT" sz="1000" b="1" i="0">
                           <a:solidFill>
                             <a:schemeClr val="bg1"/>
                           </a:solidFill>
                           <a:latin typeface="Adobe Clean" panose="020B0503020404020204" pitchFamily="34" charset="0"/>
                           <a:cs typeface="AdobeClean-Light"/>
                         </a:rPr>
-                        <a:t>Field Services</a:t>
+                        <a:t>Servizi sul campo</a:t>
                       </a:r>
-                      <a:endParaRPr sz="1000" b="1" i="0" spc="0" dirty="0">
-                        <a:solidFill>
-                          <a:schemeClr val="bg1"/>
-                        </a:solidFill>
-                        <a:latin typeface="Adobe Clean" panose="020B0503020404020204" pitchFamily="34" charset="0"/>
-                        <a:cs typeface="AdobeClean-Light"/>
-                      </a:endParaRPr>
                     </a:p>
                   </a:txBody>
                   <a:tcPr marL="0" marR="0" marT="48260" marB="0" anchor="ctr">
@@ -6286,39 +5870,15 @@
                         </a:spcBef>
                       </a:pPr>
                       <a:r>
-                        <a:rPr sz="900" spc="0" dirty="0">
+                        <a:rPr lang="it-IT" sz="900">
                           <a:solidFill>
                             <a:srgbClr val="020302"/>
                           </a:solidFill>
                           <a:latin typeface="AdobeClean-Light"/>
                           <a:cs typeface="AdobeClean-Light"/>
                         </a:rPr>
-                        <a:t>Launch Advisory Services – First Year of </a:t>
+                        <a:t>Launch Advisory - Nel primo anno di nuove soluzioni</a:t>
                       </a:r>
-                      <a:r>
-                        <a:rPr lang="en-US" sz="900" spc="0" dirty="0">
-                          <a:solidFill>
-                            <a:srgbClr val="020302"/>
-                          </a:solidFill>
-                          <a:latin typeface="AdobeClean-Light"/>
-                          <a:cs typeface="AdobeClean-Light"/>
-                        </a:rPr>
-                        <a:t>a </a:t>
-                      </a:r>
-                      <a:r>
-                        <a:rPr sz="900" spc="0" dirty="0">
-                          <a:solidFill>
-                            <a:srgbClr val="020302"/>
-                          </a:solidFill>
-                          <a:latin typeface="AdobeClean-Light"/>
-                          <a:cs typeface="AdobeClean-Light"/>
-                        </a:rPr>
-                        <a:t>new solution</a:t>
-                      </a:r>
-                      <a:endParaRPr sz="900" spc="0" dirty="0">
-                        <a:latin typeface="AdobeClean-Light"/>
-                        <a:cs typeface="AdobeClean-Light"/>
-                      </a:endParaRPr>
                     </a:p>
                     <a:p>
                       <a:pPr marL="48260">
@@ -6330,11 +5890,11 @@
                         </a:spcBef>
                       </a:pPr>
                       <a:r>
-                        <a:rPr sz="900" spc="0" dirty="0">
+                        <a:rPr lang="it-IT" sz="900">
                           <a:latin typeface="AdobeClean-Light"/>
                           <a:cs typeface="AdobeClean-Light"/>
                         </a:rPr>
-                        <a:t>Field Service Activities</a:t>
+                        <a:t>Attività di servizio sul campo</a:t>
                       </a:r>
                     </a:p>
                   </a:txBody>
@@ -6370,7 +5930,7 @@
                     <a:bodyPr/>
                     <a:lstStyle/>
                     <a:p>
-                      <a:pPr>
+                      <a:pPr algn="l" rtl="0">
                         <a:lnSpc>
                           <a:spcPct val="100000"/>
                         </a:lnSpc>
@@ -6406,7 +5966,7 @@
                     <a:bodyPr/>
                     <a:lstStyle/>
                     <a:p>
-                      <a:pPr>
+                      <a:pPr algn="l" rtl="0">
                         <a:lnSpc>
                           <a:spcPct val="100000"/>
                         </a:lnSpc>
@@ -6431,7 +5991,7 @@
                     <a:bodyPr/>
                     <a:lstStyle/>
                     <a:p>
-                      <a:pPr>
+                      <a:pPr algn="l" rtl="0">
                         <a:lnSpc>
                           <a:spcPct val="100000"/>
                         </a:lnSpc>
@@ -6468,7 +6028,7 @@
                         </a:spcBef>
                       </a:pPr>
                       <a:r>
-                        <a:rPr sz="900" spc="0" dirty="0">
+                        <a:rPr lang="it-IT" sz="900">
                           <a:solidFill>
                             <a:srgbClr val="020302"/>
                           </a:solidFill>
@@ -6477,10 +6037,6 @@
                         </a:rPr>
                         <a:t></a:t>
                       </a:r>
-                      <a:endParaRPr sz="900" spc="0">
-                        <a:latin typeface="Wingdings"/>
-                        <a:cs typeface="Wingdings"/>
-                      </a:endParaRPr>
                     </a:p>
                   </a:txBody>
                   <a:tcPr marL="0" marR="0" marT="56515" marB="0">
@@ -6506,7 +6062,7 @@
                         </a:spcBef>
                       </a:pPr>
                       <a:r>
-                        <a:rPr sz="900" spc="0" dirty="0">
+                        <a:rPr lang="it-IT" sz="900">
                           <a:solidFill>
                             <a:srgbClr val="020302"/>
                           </a:solidFill>
@@ -6515,10 +6071,6 @@
                         </a:rPr>
                         <a:t></a:t>
                       </a:r>
-                      <a:endParaRPr sz="900" spc="0" dirty="0">
-                        <a:latin typeface="Wingdings"/>
-                        <a:cs typeface="Wingdings"/>
-                      </a:endParaRPr>
                     </a:p>
                   </a:txBody>
                   <a:tcPr marL="0" marR="0" marT="56515" marB="0">
@@ -6593,7 +6145,7 @@
                     <a:bodyPr/>
                     <a:lstStyle/>
                     <a:p>
-                      <a:pPr>
+                      <a:pPr algn="l" rtl="0">
                         <a:lnSpc>
                           <a:spcPct val="100000"/>
                         </a:lnSpc>
@@ -6629,7 +6181,7 @@
                     <a:bodyPr/>
                     <a:lstStyle/>
                     <a:p>
-                      <a:pPr>
+                      <a:pPr algn="l" rtl="0">
                         <a:lnSpc>
                           <a:spcPct val="100000"/>
                         </a:lnSpc>
@@ -6654,7 +6206,7 @@
                     <a:bodyPr/>
                     <a:lstStyle/>
                     <a:p>
-                      <a:pPr>
+                      <a:pPr algn="l" rtl="0">
                         <a:lnSpc>
                           <a:spcPct val="100000"/>
                         </a:lnSpc>
@@ -6688,7 +6240,7 @@
                         </a:spcBef>
                       </a:pPr>
                       <a:r>
-                        <a:rPr sz="900" spc="0" dirty="0">
+                        <a:rPr lang="it-IT" sz="900">
                           <a:solidFill>
                             <a:srgbClr val="020302"/>
                           </a:solidFill>
@@ -6697,10 +6249,6 @@
                         </a:rPr>
                         <a:t>2</a:t>
                       </a:r>
-                      <a:endParaRPr sz="900" spc="0">
-                        <a:latin typeface="AdobeClean-Light"/>
-                        <a:cs typeface="AdobeClean-Light"/>
-                      </a:endParaRPr>
                     </a:p>
                   </a:txBody>
                   <a:tcPr marL="0" marR="0" marT="50800" marB="0">
@@ -6726,7 +6274,7 @@
                         </a:spcBef>
                       </a:pPr>
                       <a:r>
-                        <a:rPr sz="900" spc="0" dirty="0">
+                        <a:rPr lang="it-IT" sz="900" dirty="0">
                           <a:solidFill>
                             <a:srgbClr val="020302"/>
                           </a:solidFill>
@@ -6735,10 +6283,6 @@
                         </a:rPr>
                         <a:t>4</a:t>
                       </a:r>
-                      <a:endParaRPr sz="900" spc="0" dirty="0">
-                        <a:latin typeface="AdobeClean-Light"/>
-                        <a:cs typeface="AdobeClean-Light"/>
-                      </a:endParaRPr>
                     </a:p>
                   </a:txBody>
                   <a:tcPr marL="0" marR="0" marT="50800" marB="0">
@@ -6800,24 +6344,8 @@
               </a:spcBef>
             </a:pPr>
             <a:r>
-              <a:rPr spc="-5" dirty="0"/>
-              <a:t>©202</a:t>
-            </a:r>
-            <a:r>
-              <a:rPr lang="en-US" spc="-5" dirty="0"/>
-              <a:t>1</a:t>
-            </a:r>
-            <a:r>
-              <a:rPr spc="-5" dirty="0"/>
-              <a:t> Adobe. All Rights Reserved. Adobe</a:t>
-            </a:r>
-            <a:r>
-              <a:rPr spc="60" dirty="0"/>
-              <a:t> </a:t>
-            </a:r>
-            <a:r>
-              <a:rPr spc="-5" dirty="0"/>
-              <a:t>Confidential.</a:t>
+              <a:rPr lang="it-IT"/>
+              <a:t>©2021 Adobe. All Rights Reserved. Adobe Confidential.</a:t>
             </a:r>
           </a:p>
         </p:txBody>
@@ -6831,14 +6359,14 @@
           <p:nvPr>
             <p:extLst>
               <p:ext uri="{D42A27DB-BD31-4B8C-83A1-F6EECF244321}">
-                <p14:modId xmlns:p14="http://schemas.microsoft.com/office/powerpoint/2010/main" val="4076912474"/>
+                <p14:modId xmlns:p14="http://schemas.microsoft.com/office/powerpoint/2010/main" val="1241654959"/>
               </p:ext>
             </p:extLst>
           </p:nvPr>
         </p:nvGraphicFramePr>
         <p:xfrm>
           <a:off x="33527" y="7483227"/>
-          <a:ext cx="7705343" cy="2346573"/>
+          <a:ext cx="7705343" cy="2166120"/>
         </p:xfrm>
         <a:graphic>
           <a:graphicData uri="http://schemas.openxmlformats.org/drawingml/2006/table">
@@ -6898,19 +6426,15 @@
                         </a:spcBef>
                       </a:pPr>
                       <a:r>
-                        <a:rPr sz="900" spc="0" dirty="0">
+                        <a:rPr lang="it-IT" sz="900">
                           <a:solidFill>
                             <a:srgbClr val="020302"/>
                           </a:solidFill>
                           <a:latin typeface="Adobe Clean"/>
                           <a:cs typeface="Adobe Clean"/>
                         </a:rPr>
-                        <a:t>Priority</a:t>
+                        <a:t>Priorità</a:t>
                       </a:r>
-                      <a:endParaRPr sz="900" spc="0" dirty="0">
-                        <a:latin typeface="Adobe Clean"/>
-                        <a:cs typeface="Adobe Clean"/>
-                      </a:endParaRPr>
                     </a:p>
                   </a:txBody>
                   <a:tcPr marL="0" marR="0" marT="7620" marB="0" anchor="ctr">
@@ -6957,39 +6481,15 @@
                         </a:spcBef>
                       </a:pPr>
                       <a:r>
-                        <a:rPr sz="900" spc="0" dirty="0">
+                        <a:rPr lang="it-IT" sz="900">
                           <a:solidFill>
                             <a:srgbClr val="020302"/>
                           </a:solidFill>
                           <a:latin typeface="Adobe Clean"/>
                           <a:cs typeface="Adobe Clean"/>
                         </a:rPr>
-                        <a:t>Online </a:t>
+                        <a:t>Supporto Online</a:t>
                       </a:r>
-                      <a:r>
-                        <a:rPr lang="en-US" sz="900" spc="0" dirty="0">
-                          <a:solidFill>
-                            <a:srgbClr val="020302"/>
-                          </a:solidFill>
-                          <a:latin typeface="Adobe Clean"/>
-                          <a:cs typeface="Adobe Clean"/>
-                        </a:rPr>
-                        <a:t> </a:t>
-                      </a:r>
-                      <a:r>
-                        <a:rPr sz="900" spc="0" dirty="0">
-                          <a:solidFill>
-                            <a:srgbClr val="020302"/>
-                          </a:solidFill>
-                          <a:latin typeface="Adobe Clean"/>
-                          <a:cs typeface="Adobe Clean"/>
-                        </a:rPr>
-                        <a:t>Support</a:t>
-                      </a:r>
-                      <a:endParaRPr sz="900" spc="0" dirty="0">
-                        <a:latin typeface="Adobe Clean"/>
-                        <a:cs typeface="Adobe Clean"/>
-                      </a:endParaRPr>
                     </a:p>
                   </a:txBody>
                   <a:tcPr marL="0" marR="0" marT="0" marB="0" anchor="ctr">
@@ -7036,197 +6536,125 @@
                         </a:spcBef>
                       </a:pPr>
                       <a:r>
-                        <a:rPr sz="900" spc="0" dirty="0">
+                        <a:rPr lang="it-IT" sz="900">
                           <a:solidFill>
                             <a:srgbClr val="FFFFFF"/>
                           </a:solidFill>
                           <a:latin typeface="Adobe Clean"/>
                           <a:cs typeface="Adobe Clean"/>
                         </a:rPr>
-                        <a:t>Business</a:t>
+                        <a:t>Supporto Business</a:t>
                       </a:r>
+                    </a:p>
+                  </a:txBody>
+                  <a:tcPr marL="0" marR="0" marT="0" marB="0" anchor="ctr">
+                    <a:lnL w="3175">
+                      <a:solidFill>
+                        <a:srgbClr val="B7B8B8"/>
+                      </a:solidFill>
+                      <a:prstDash val="solid"/>
+                    </a:lnL>
+                    <a:lnR w="3175">
+                      <a:solidFill>
+                        <a:srgbClr val="B7B8B8"/>
+                      </a:solidFill>
+                      <a:prstDash val="solid"/>
+                    </a:lnR>
+                    <a:lnT w="3175">
+                      <a:solidFill>
+                        <a:srgbClr val="B7B8B8"/>
+                      </a:solidFill>
+                      <a:prstDash val="solid"/>
+                    </a:lnT>
+                    <a:lnB w="76200">
+                      <a:solidFill>
+                        <a:srgbClr val="ACD2FF"/>
+                      </a:solidFill>
+                      <a:prstDash val="solid"/>
+                    </a:lnB>
+                    <a:solidFill>
+                      <a:srgbClr val="7D7D7D"/>
+                    </a:solidFill>
+                  </a:tcPr>
+                </a:tc>
+                <a:tc>
+                  <a:txBody>
+                    <a:bodyPr/>
+                    <a:lstStyle/>
+                    <a:p>
+                      <a:pPr marL="0" algn="ctr">
+                        <a:lnSpc>
+                          <a:spcPct val="100000"/>
+                        </a:lnSpc>
+                        <a:spcBef>
+                          <a:spcPts val="60"/>
+                        </a:spcBef>
+                      </a:pPr>
                       <a:r>
-                        <a:rPr lang="en-US" sz="900" spc="0" dirty="0">
+                        <a:rPr lang="it-IT" sz="900">
                           <a:solidFill>
                             <a:srgbClr val="FFFFFF"/>
                           </a:solidFill>
                           <a:latin typeface="Adobe Clean"/>
                           <a:cs typeface="Adobe Clean"/>
                         </a:rPr>
-                        <a:t> </a:t>
+                        <a:t>Supporto Enterprise</a:t>
                       </a:r>
+                    </a:p>
+                  </a:txBody>
+                  <a:tcPr marL="0" marR="0" marT="0" marB="0" anchor="ctr">
+                    <a:lnL w="3175">
+                      <a:solidFill>
+                        <a:srgbClr val="B7B8B8"/>
+                      </a:solidFill>
+                      <a:prstDash val="solid"/>
+                    </a:lnL>
+                    <a:lnR w="3175">
+                      <a:solidFill>
+                        <a:srgbClr val="B7B8B8"/>
+                      </a:solidFill>
+                      <a:prstDash val="solid"/>
+                    </a:lnR>
+                    <a:lnT w="3175">
+                      <a:solidFill>
+                        <a:srgbClr val="B7B8B8"/>
+                      </a:solidFill>
+                      <a:prstDash val="solid"/>
+                    </a:lnT>
+                    <a:lnB w="76200">
+                      <a:solidFill>
+                        <a:srgbClr val="2E8FFF"/>
+                      </a:solidFill>
+                      <a:prstDash val="solid"/>
+                    </a:lnB>
+                    <a:solidFill>
+                      <a:srgbClr val="404040"/>
+                    </a:solidFill>
+                  </a:tcPr>
+                </a:tc>
+                <a:tc>
+                  <a:txBody>
+                    <a:bodyPr/>
+                    <a:lstStyle/>
+                    <a:p>
+                      <a:pPr marL="0" algn="ctr">
+                        <a:lnSpc>
+                          <a:spcPct val="100000"/>
+                        </a:lnSpc>
+                        <a:spcBef>
+                          <a:spcPts val="60"/>
+                        </a:spcBef>
+                      </a:pPr>
                       <a:r>
-                        <a:rPr sz="900" spc="0" dirty="0">
+                        <a:rPr lang="it-IT" sz="900">
                           <a:solidFill>
                             <a:srgbClr val="FFFFFF"/>
                           </a:solidFill>
                           <a:latin typeface="Adobe Clean"/>
                           <a:cs typeface="Adobe Clean"/>
                         </a:rPr>
-                        <a:t>Support</a:t>
+                        <a:t>Supporto Elite</a:t>
                       </a:r>
-                      <a:endParaRPr sz="900" spc="0" dirty="0">
-                        <a:latin typeface="Adobe Clean"/>
-                        <a:cs typeface="Adobe Clean"/>
-                      </a:endParaRPr>
-                    </a:p>
-                  </a:txBody>
-                  <a:tcPr marL="0" marR="0" marT="0" marB="0" anchor="ctr">
-                    <a:lnL w="3175">
-                      <a:solidFill>
-                        <a:srgbClr val="B7B8B8"/>
-                      </a:solidFill>
-                      <a:prstDash val="solid"/>
-                    </a:lnL>
-                    <a:lnR w="3175">
-                      <a:solidFill>
-                        <a:srgbClr val="B7B8B8"/>
-                      </a:solidFill>
-                      <a:prstDash val="solid"/>
-                    </a:lnR>
-                    <a:lnT w="3175">
-                      <a:solidFill>
-                        <a:srgbClr val="B7B8B8"/>
-                      </a:solidFill>
-                      <a:prstDash val="solid"/>
-                    </a:lnT>
-                    <a:lnB w="76200">
-                      <a:solidFill>
-                        <a:srgbClr val="ACD2FF"/>
-                      </a:solidFill>
-                      <a:prstDash val="solid"/>
-                    </a:lnB>
-                    <a:solidFill>
-                      <a:srgbClr val="7D7D7D"/>
-                    </a:solidFill>
-                  </a:tcPr>
-                </a:tc>
-                <a:tc>
-                  <a:txBody>
-                    <a:bodyPr/>
-                    <a:lstStyle/>
-                    <a:p>
-                      <a:pPr marL="0" algn="ctr">
-                        <a:lnSpc>
-                          <a:spcPct val="100000"/>
-                        </a:lnSpc>
-                        <a:spcBef>
-                          <a:spcPts val="60"/>
-                        </a:spcBef>
-                      </a:pPr>
-                      <a:r>
-                        <a:rPr sz="900" spc="0" dirty="0">
-                          <a:solidFill>
-                            <a:srgbClr val="FFFFFF"/>
-                          </a:solidFill>
-                          <a:latin typeface="Adobe Clean"/>
-                          <a:cs typeface="Adobe Clean"/>
-                        </a:rPr>
-                        <a:t>Enterprise </a:t>
-                      </a:r>
-                      <a:r>
-                        <a:rPr lang="en-US" sz="900" spc="0" dirty="0">
-                          <a:solidFill>
-                            <a:srgbClr val="FFFFFF"/>
-                          </a:solidFill>
-                          <a:latin typeface="Adobe Clean"/>
-                          <a:cs typeface="Adobe Clean"/>
-                        </a:rPr>
-                        <a:t> </a:t>
-                      </a:r>
-                      <a:r>
-                        <a:rPr sz="900" spc="0" dirty="0">
-                          <a:solidFill>
-                            <a:srgbClr val="FFFFFF"/>
-                          </a:solidFill>
-                          <a:latin typeface="Adobe Clean"/>
-                          <a:cs typeface="Adobe Clean"/>
-                        </a:rPr>
-                        <a:t>Support</a:t>
-                      </a:r>
-                      <a:endParaRPr sz="900" spc="0" dirty="0">
-                        <a:latin typeface="Adobe Clean"/>
-                        <a:cs typeface="Adobe Clean"/>
-                      </a:endParaRPr>
-                    </a:p>
-                  </a:txBody>
-                  <a:tcPr marL="0" marR="0" marT="0" marB="0" anchor="ctr">
-                    <a:lnL w="3175">
-                      <a:solidFill>
-                        <a:srgbClr val="B7B8B8"/>
-                      </a:solidFill>
-                      <a:prstDash val="solid"/>
-                    </a:lnL>
-                    <a:lnR w="3175">
-                      <a:solidFill>
-                        <a:srgbClr val="B7B8B8"/>
-                      </a:solidFill>
-                      <a:prstDash val="solid"/>
-                    </a:lnR>
-                    <a:lnT w="3175">
-                      <a:solidFill>
-                        <a:srgbClr val="B7B8B8"/>
-                      </a:solidFill>
-                      <a:prstDash val="solid"/>
-                    </a:lnT>
-                    <a:lnB w="76200">
-                      <a:solidFill>
-                        <a:srgbClr val="2E8FFF"/>
-                      </a:solidFill>
-                      <a:prstDash val="solid"/>
-                    </a:lnB>
-                    <a:solidFill>
-                      <a:srgbClr val="404040"/>
-                    </a:solidFill>
-                  </a:tcPr>
-                </a:tc>
-                <a:tc>
-                  <a:txBody>
-                    <a:bodyPr/>
-                    <a:lstStyle/>
-                    <a:p>
-                      <a:pPr marL="0" algn="ctr">
-                        <a:lnSpc>
-                          <a:spcPct val="100000"/>
-                        </a:lnSpc>
-                        <a:spcBef>
-                          <a:spcPts val="60"/>
-                        </a:spcBef>
-                      </a:pPr>
-                      <a:r>
-                        <a:rPr sz="900" spc="0" dirty="0">
-                          <a:solidFill>
-                            <a:srgbClr val="FFFFFF"/>
-                          </a:solidFill>
-                          <a:latin typeface="Adobe Clean"/>
-                          <a:cs typeface="Adobe Clean"/>
-                        </a:rPr>
-                        <a:t>Elite</a:t>
-                      </a:r>
-                      <a:r>
-                        <a:rPr lang="en-US" sz="900" spc="0" dirty="0">
-                          <a:solidFill>
-                            <a:srgbClr val="FFFFFF"/>
-                          </a:solidFill>
-                          <a:latin typeface="Adobe Clean"/>
-                          <a:cs typeface="Adobe Clean"/>
-                        </a:rPr>
-                        <a:t> </a:t>
-                      </a:r>
-                      <a:r>
-                        <a:rPr sz="900" spc="0" dirty="0">
-                          <a:solidFill>
-                            <a:srgbClr val="FFFFFF"/>
-                          </a:solidFill>
-                          <a:latin typeface="Adobe Clean"/>
-                          <a:cs typeface="Adobe Clean"/>
-                        </a:rPr>
-                        <a:t>Support</a:t>
-                      </a:r>
-                      <a:endParaRPr sz="900" spc="0" dirty="0">
-                        <a:latin typeface="Adobe Clean"/>
-                        <a:cs typeface="Adobe Clean"/>
-                      </a:endParaRPr>
                     </a:p>
                   </a:txBody>
                   <a:tcPr marL="0" marR="0" marT="0" marB="0" anchor="ctr">
@@ -7280,19 +6708,15 @@
                         </a:spcBef>
                       </a:pPr>
                       <a:r>
-                        <a:rPr sz="900" b="1" spc="0" dirty="0">
+                        <a:rPr lang="it-IT" sz="900" b="1" dirty="0">
                           <a:solidFill>
                             <a:srgbClr val="020302"/>
                           </a:solidFill>
                           <a:latin typeface="Adobe Clean"/>
                           <a:cs typeface="Adobe Clean"/>
                         </a:rPr>
-                        <a:t>PRIORITY 1</a:t>
+                        <a:t>PRIORITÀ 1 (P1)</a:t>
                       </a:r>
-                      <a:endParaRPr sz="900" spc="0" dirty="0">
-                        <a:latin typeface="Adobe Clean"/>
-                        <a:cs typeface="Adobe Clean"/>
-                      </a:endParaRPr>
                     </a:p>
                     <a:p>
                       <a:pPr marL="50800" marR="387985">
@@ -7304,19 +6728,14 @@
                         </a:spcBef>
                       </a:pPr>
                       <a:r>
-                        <a:rPr lang="en-US" sz="900" b="0" i="0" spc="0" dirty="0">
+                        <a:rPr lang="it-IT" sz="800" b="0" i="0" dirty="0">
                           <a:solidFill>
                             <a:srgbClr val="000000"/>
                           </a:solidFill>
-                          <a:effectLst/>
                           <a:latin typeface="Adobe Clean Light" panose="020B0303020404020204" pitchFamily="34" charset="0"/>
                         </a:rPr>
-                        <a:t>Customer's production business functions are down or have significant data loss or service degradation and immediate attention is required to restore functionality and usability. </a:t>
+                        <a:t>Le funzioni operative nell’ambiente di produzione del cliente non sono disponibili oppure si verificano problemi significativi di perdita di dati o deterioramento del servizio ed è richiesto un intervento immediato per ripristinare funzionalità e usabilità. </a:t>
                       </a:r>
-                      <a:endParaRPr sz="900" spc="0" dirty="0">
-                        <a:latin typeface="AdobeClean-Light"/>
-                        <a:cs typeface="AdobeClean-Light"/>
-                      </a:endParaRPr>
                     </a:p>
                   </a:txBody>
                   <a:tcPr marL="0" marR="0" marT="0" marB="0" anchor="ctr">
@@ -7351,7 +6770,7 @@
                     <a:bodyPr/>
                     <a:lstStyle/>
                     <a:p>
-                      <a:pPr marL="0" marR="325120" indent="-3810" algn="ctr">
+                      <a:pPr marL="173038" marR="325120" indent="0" algn="ctr">
                         <a:lnSpc>
                           <a:spcPct val="100000"/>
                         </a:lnSpc>
@@ -7360,367 +6779,190 @@
                         </a:spcBef>
                       </a:pPr>
                       <a:r>
-                        <a:rPr sz="900" spc="0" dirty="0">
+                        <a:rPr lang="it-IT" sz="900" dirty="0">
                           <a:solidFill>
                             <a:srgbClr val="020302"/>
                           </a:solidFill>
                           <a:latin typeface="AdobeClean-Light"/>
                           <a:cs typeface="AdobeClean-Light"/>
                         </a:rPr>
-                        <a:t>24x7</a:t>
+                        <a:t>24x7 /  </a:t>
                       </a:r>
-                      <a:r>
-                        <a:rPr lang="en-US" sz="900" spc="0" dirty="0">
+                      <a:br>
+                        <a:rPr lang="sk-SK" sz="900" dirty="0">
                           <a:solidFill>
                             <a:srgbClr val="020302"/>
                           </a:solidFill>
                           <a:latin typeface="AdobeClean-Light"/>
                           <a:cs typeface="AdobeClean-Light"/>
                         </a:rPr>
-                        <a:t> </a:t>
-                      </a:r>
+                      </a:br>
                       <a:r>
-                        <a:rPr sz="900" spc="0" dirty="0">
+                        <a:rPr lang="it-IT" sz="900" dirty="0">
                           <a:solidFill>
                             <a:srgbClr val="020302"/>
                           </a:solidFill>
                           <a:latin typeface="AdobeClean-Light"/>
                           <a:cs typeface="AdobeClean-Light"/>
                         </a:rPr>
-                        <a:t>/</a:t>
+                        <a:t>1 ora</a:t>
                       </a:r>
+                    </a:p>
+                  </a:txBody>
+                  <a:tcPr marL="0" marR="0" marT="0" marB="0" anchor="ctr">
+                    <a:lnL w="3175">
+                      <a:solidFill>
+                        <a:srgbClr val="B7B8B8"/>
+                      </a:solidFill>
+                      <a:prstDash val="solid"/>
+                    </a:lnL>
+                    <a:lnR w="3175">
+                      <a:solidFill>
+                        <a:srgbClr val="B7B8B8"/>
+                      </a:solidFill>
+                      <a:prstDash val="solid"/>
+                    </a:lnR>
+                    <a:lnT w="76200">
+                      <a:solidFill>
+                        <a:srgbClr val="858585"/>
+                      </a:solidFill>
+                      <a:prstDash val="solid"/>
+                    </a:lnT>
+                    <a:lnB w="3175">
+                      <a:solidFill>
+                        <a:srgbClr val="B7B8B8"/>
+                      </a:solidFill>
+                      <a:prstDash val="solid"/>
+                    </a:lnB>
+                  </a:tcPr>
+                </a:tc>
+                <a:tc>
+                  <a:txBody>
+                    <a:bodyPr/>
+                    <a:lstStyle/>
+                    <a:p>
+                      <a:pPr marL="0" marR="325755" indent="-3810" algn="ctr">
+                        <a:lnSpc>
+                          <a:spcPct val="100000"/>
+                        </a:lnSpc>
+                        <a:spcBef>
+                          <a:spcPts val="670"/>
+                        </a:spcBef>
+                      </a:pPr>
                       <a:r>
-                        <a:rPr lang="en-US" sz="900" spc="0" dirty="0">
+                        <a:rPr lang="it-IT" sz="900" dirty="0">
                           <a:solidFill>
                             <a:srgbClr val="020302"/>
                           </a:solidFill>
                           <a:latin typeface="AdobeClean-Light"/>
                           <a:cs typeface="AdobeClean-Light"/>
                         </a:rPr>
-                        <a:t>                </a:t>
+                        <a:t>24x7 /              1 ora</a:t>
                       </a:r>
+                    </a:p>
+                  </a:txBody>
+                  <a:tcPr marL="0" marR="0" marT="0" marB="0" anchor="ctr">
+                    <a:lnL w="3175">
+                      <a:solidFill>
+                        <a:srgbClr val="B7B8B8"/>
+                      </a:solidFill>
+                      <a:prstDash val="solid"/>
+                    </a:lnL>
+                    <a:lnR w="3175">
+                      <a:solidFill>
+                        <a:srgbClr val="B7B8B8"/>
+                      </a:solidFill>
+                      <a:prstDash val="solid"/>
+                    </a:lnR>
+                    <a:lnT w="76200">
+                      <a:solidFill>
+                        <a:srgbClr val="ACD2FF"/>
+                      </a:solidFill>
+                      <a:prstDash val="solid"/>
+                    </a:lnT>
+                    <a:lnB w="3175">
+                      <a:solidFill>
+                        <a:srgbClr val="B7B8B8"/>
+                      </a:solidFill>
+                      <a:prstDash val="solid"/>
+                    </a:lnB>
+                  </a:tcPr>
+                </a:tc>
+                <a:tc>
+                  <a:txBody>
+                    <a:bodyPr/>
+                    <a:lstStyle/>
+                    <a:p>
+                      <a:pPr marL="0" marR="258445" indent="115570" algn="ctr">
+                        <a:lnSpc>
+                          <a:spcPct val="100000"/>
+                        </a:lnSpc>
+                        <a:spcBef>
+                          <a:spcPts val="670"/>
+                        </a:spcBef>
+                      </a:pPr>
                       <a:r>
-                        <a:rPr sz="900" spc="0" dirty="0">
+                        <a:rPr lang="it-IT" sz="900">
                           <a:solidFill>
                             <a:srgbClr val="020302"/>
                           </a:solidFill>
                           <a:latin typeface="AdobeClean-Light"/>
                           <a:cs typeface="AdobeClean-Light"/>
                         </a:rPr>
-                        <a:t>1</a:t>
+                        <a:t>24x7 /           30 minuti</a:t>
                       </a:r>
+                    </a:p>
+                  </a:txBody>
+                  <a:tcPr marL="0" marR="0" marT="0" marB="0" anchor="ctr">
+                    <a:lnL w="3175">
+                      <a:solidFill>
+                        <a:srgbClr val="B7B8B8"/>
+                      </a:solidFill>
+                      <a:prstDash val="solid"/>
+                    </a:lnL>
+                    <a:lnR w="3175">
+                      <a:solidFill>
+                        <a:srgbClr val="B7B8B8"/>
+                      </a:solidFill>
+                      <a:prstDash val="solid"/>
+                    </a:lnR>
+                    <a:lnT w="76200">
+                      <a:solidFill>
+                        <a:srgbClr val="2E8FFF"/>
+                      </a:solidFill>
+                      <a:prstDash val="solid"/>
+                    </a:lnT>
+                    <a:lnB w="3175">
+                      <a:solidFill>
+                        <a:srgbClr val="B7B8B8"/>
+                      </a:solidFill>
+                      <a:prstDash val="solid"/>
+                    </a:lnB>
+                  </a:tcPr>
+                </a:tc>
+                <a:tc>
+                  <a:txBody>
+                    <a:bodyPr/>
+                    <a:lstStyle/>
+                    <a:p>
+                      <a:pPr marL="0" marR="271780" indent="103505" algn="ctr">
+                        <a:lnSpc>
+                          <a:spcPct val="100000"/>
+                        </a:lnSpc>
+                        <a:spcBef>
+                          <a:spcPts val="670"/>
+                        </a:spcBef>
+                      </a:pPr>
                       <a:r>
-                        <a:rPr lang="en-US" sz="900" spc="0" dirty="0">
+                        <a:rPr lang="it-IT" sz="900">
                           <a:solidFill>
                             <a:srgbClr val="020302"/>
                           </a:solidFill>
                           <a:latin typeface="AdobeClean-Light"/>
                           <a:cs typeface="AdobeClean-Light"/>
                         </a:rPr>
-                        <a:t> </a:t>
+                        <a:t>24x7 /         15 minuti</a:t>
                       </a:r>
-                      <a:r>
-                        <a:rPr sz="900" spc="0" dirty="0">
-                          <a:solidFill>
-                            <a:srgbClr val="020302"/>
-                          </a:solidFill>
-                          <a:latin typeface="AdobeClean-Light"/>
-                          <a:cs typeface="AdobeClean-Light"/>
-                        </a:rPr>
-                        <a:t>hour</a:t>
-                      </a:r>
-                      <a:endParaRPr sz="900" spc="0" dirty="0">
-                        <a:latin typeface="AdobeClean-Light"/>
-                        <a:cs typeface="AdobeClean-Light"/>
-                      </a:endParaRPr>
-                    </a:p>
-                  </a:txBody>
-                  <a:tcPr marL="0" marR="0" marT="0" marB="0" anchor="ctr">
-                    <a:lnL w="3175">
-                      <a:solidFill>
-                        <a:srgbClr val="B7B8B8"/>
-                      </a:solidFill>
-                      <a:prstDash val="solid"/>
-                    </a:lnL>
-                    <a:lnR w="3175">
-                      <a:solidFill>
-                        <a:srgbClr val="B7B8B8"/>
-                      </a:solidFill>
-                      <a:prstDash val="solid"/>
-                    </a:lnR>
-                    <a:lnT w="76200">
-                      <a:solidFill>
-                        <a:srgbClr val="858585"/>
-                      </a:solidFill>
-                      <a:prstDash val="solid"/>
-                    </a:lnT>
-                    <a:lnB w="3175">
-                      <a:solidFill>
-                        <a:srgbClr val="B7B8B8"/>
-                      </a:solidFill>
-                      <a:prstDash val="solid"/>
-                    </a:lnB>
-                  </a:tcPr>
-                </a:tc>
-                <a:tc>
-                  <a:txBody>
-                    <a:bodyPr/>
-                    <a:lstStyle/>
-                    <a:p>
-                      <a:pPr marL="0" marR="325755" indent="-3810" algn="ctr">
-                        <a:lnSpc>
-                          <a:spcPct val="100000"/>
-                        </a:lnSpc>
-                        <a:spcBef>
-                          <a:spcPts val="670"/>
-                        </a:spcBef>
-                      </a:pPr>
-                      <a:r>
-                        <a:rPr sz="900" spc="0" dirty="0">
-                          <a:solidFill>
-                            <a:srgbClr val="020302"/>
-                          </a:solidFill>
-                          <a:latin typeface="AdobeClean-Light"/>
-                          <a:cs typeface="AdobeClean-Light"/>
-                        </a:rPr>
-                        <a:t>24x7</a:t>
-                      </a:r>
-                      <a:r>
-                        <a:rPr lang="en-US" sz="900" spc="0" dirty="0">
-                          <a:solidFill>
-                            <a:srgbClr val="020302"/>
-                          </a:solidFill>
-                          <a:latin typeface="AdobeClean-Light"/>
-                          <a:cs typeface="AdobeClean-Light"/>
-                        </a:rPr>
-                        <a:t> </a:t>
-                      </a:r>
-                      <a:r>
-                        <a:rPr sz="900" spc="0" dirty="0">
-                          <a:solidFill>
-                            <a:srgbClr val="020302"/>
-                          </a:solidFill>
-                          <a:latin typeface="AdobeClean-Light"/>
-                          <a:cs typeface="AdobeClean-Light"/>
-                        </a:rPr>
-                        <a:t>/  </a:t>
-                      </a:r>
-                      <a:r>
-                        <a:rPr lang="en-US" sz="900" spc="0" dirty="0">
-                          <a:solidFill>
-                            <a:srgbClr val="020302"/>
-                          </a:solidFill>
-                          <a:latin typeface="AdobeClean-Light"/>
-                          <a:cs typeface="AdobeClean-Light"/>
-                        </a:rPr>
-                        <a:t>            </a:t>
-                      </a:r>
-                      <a:r>
-                        <a:rPr sz="900" spc="0" dirty="0">
-                          <a:solidFill>
-                            <a:srgbClr val="020302"/>
-                          </a:solidFill>
-                          <a:latin typeface="AdobeClean-Light"/>
-                          <a:cs typeface="AdobeClean-Light"/>
-                        </a:rPr>
-                        <a:t>1 hour</a:t>
-                      </a:r>
-                      <a:endParaRPr sz="900" spc="0" dirty="0">
-                        <a:latin typeface="AdobeClean-Light"/>
-                        <a:cs typeface="AdobeClean-Light"/>
-                      </a:endParaRPr>
-                    </a:p>
-                  </a:txBody>
-                  <a:tcPr marL="0" marR="0" marT="0" marB="0" anchor="ctr">
-                    <a:lnL w="3175">
-                      <a:solidFill>
-                        <a:srgbClr val="B7B8B8"/>
-                      </a:solidFill>
-                      <a:prstDash val="solid"/>
-                    </a:lnL>
-                    <a:lnR w="3175">
-                      <a:solidFill>
-                        <a:srgbClr val="B7B8B8"/>
-                      </a:solidFill>
-                      <a:prstDash val="solid"/>
-                    </a:lnR>
-                    <a:lnT w="76200">
-                      <a:solidFill>
-                        <a:srgbClr val="ACD2FF"/>
-                      </a:solidFill>
-                      <a:prstDash val="solid"/>
-                    </a:lnT>
-                    <a:lnB w="3175">
-                      <a:solidFill>
-                        <a:srgbClr val="B7B8B8"/>
-                      </a:solidFill>
-                      <a:prstDash val="solid"/>
-                    </a:lnB>
-                  </a:tcPr>
-                </a:tc>
-                <a:tc>
-                  <a:txBody>
-                    <a:bodyPr/>
-                    <a:lstStyle/>
-                    <a:p>
-                      <a:pPr marL="0" marR="258445" indent="115570" algn="ctr">
-                        <a:lnSpc>
-                          <a:spcPct val="100000"/>
-                        </a:lnSpc>
-                        <a:spcBef>
-                          <a:spcPts val="670"/>
-                        </a:spcBef>
-                      </a:pPr>
-                      <a:r>
-                        <a:rPr sz="900" spc="0" dirty="0">
-                          <a:solidFill>
-                            <a:srgbClr val="020302"/>
-                          </a:solidFill>
-                          <a:latin typeface="AdobeClean-Light"/>
-                          <a:cs typeface="AdobeClean-Light"/>
-                        </a:rPr>
-                        <a:t>24x7 /  </a:t>
-                      </a:r>
-                      <a:r>
-                        <a:rPr lang="en-US" sz="900" spc="0" dirty="0">
-                          <a:solidFill>
-                            <a:srgbClr val="020302"/>
-                          </a:solidFill>
-                          <a:latin typeface="AdobeClean-Light"/>
-                          <a:cs typeface="AdobeClean-Light"/>
-                        </a:rPr>
-                        <a:t>         </a:t>
-                      </a:r>
-                      <a:r>
-                        <a:rPr sz="900" spc="0" dirty="0">
-                          <a:solidFill>
-                            <a:srgbClr val="020302"/>
-                          </a:solidFill>
-                          <a:latin typeface="AdobeClean-Light"/>
-                          <a:cs typeface="AdobeClean-Light"/>
-                        </a:rPr>
-                        <a:t>30</a:t>
-                      </a:r>
-                      <a:r>
-                        <a:rPr lang="en-US" sz="900" spc="0" dirty="0">
-                          <a:solidFill>
-                            <a:srgbClr val="020302"/>
-                          </a:solidFill>
-                          <a:latin typeface="AdobeClean-Light"/>
-                          <a:cs typeface="AdobeClean-Light"/>
-                        </a:rPr>
-                        <a:t> </a:t>
-                      </a:r>
-                      <a:r>
-                        <a:rPr sz="900" spc="0" dirty="0">
-                          <a:solidFill>
-                            <a:srgbClr val="020302"/>
-                          </a:solidFill>
-                          <a:latin typeface="AdobeClean-Light"/>
-                          <a:cs typeface="AdobeClean-Light"/>
-                        </a:rPr>
-                        <a:t>minutes</a:t>
-                      </a:r>
-                      <a:endParaRPr sz="900" spc="0" dirty="0">
-                        <a:latin typeface="AdobeClean-Light"/>
-                        <a:cs typeface="AdobeClean-Light"/>
-                      </a:endParaRPr>
-                    </a:p>
-                  </a:txBody>
-                  <a:tcPr marL="0" marR="0" marT="0" marB="0" anchor="ctr">
-                    <a:lnL w="3175">
-                      <a:solidFill>
-                        <a:srgbClr val="B7B8B8"/>
-                      </a:solidFill>
-                      <a:prstDash val="solid"/>
-                    </a:lnL>
-                    <a:lnR w="3175">
-                      <a:solidFill>
-                        <a:srgbClr val="B7B8B8"/>
-                      </a:solidFill>
-                      <a:prstDash val="solid"/>
-                    </a:lnR>
-                    <a:lnT w="76200">
-                      <a:solidFill>
-                        <a:srgbClr val="2E8FFF"/>
-                      </a:solidFill>
-                      <a:prstDash val="solid"/>
-                    </a:lnT>
-                    <a:lnB w="3175">
-                      <a:solidFill>
-                        <a:srgbClr val="B7B8B8"/>
-                      </a:solidFill>
-                      <a:prstDash val="solid"/>
-                    </a:lnB>
-                  </a:tcPr>
-                </a:tc>
-                <a:tc>
-                  <a:txBody>
-                    <a:bodyPr/>
-                    <a:lstStyle/>
-                    <a:p>
-                      <a:pPr marL="0" marR="271780" indent="103505" algn="ctr">
-                        <a:lnSpc>
-                          <a:spcPct val="100000"/>
-                        </a:lnSpc>
-                        <a:spcBef>
-                          <a:spcPts val="670"/>
-                        </a:spcBef>
-                      </a:pPr>
-                      <a:r>
-                        <a:rPr sz="900" spc="0" dirty="0">
-                          <a:solidFill>
-                            <a:srgbClr val="020302"/>
-                          </a:solidFill>
-                          <a:latin typeface="AdobeClean-Light"/>
-                          <a:cs typeface="AdobeClean-Light"/>
-                        </a:rPr>
-                        <a:t>24x7 / </a:t>
-                      </a:r>
-                      <a:r>
-                        <a:rPr lang="en-US" sz="900" spc="0" dirty="0">
-                          <a:solidFill>
-                            <a:srgbClr val="020302"/>
-                          </a:solidFill>
-                          <a:latin typeface="AdobeClean-Light"/>
-                          <a:cs typeface="AdobeClean-Light"/>
-                        </a:rPr>
-                        <a:t>       </a:t>
-                      </a:r>
-                      <a:r>
-                        <a:rPr sz="900" spc="0" dirty="0">
-                          <a:solidFill>
-                            <a:srgbClr val="020302"/>
-                          </a:solidFill>
-                          <a:latin typeface="AdobeClean-Light"/>
-                          <a:cs typeface="AdobeClean-Light"/>
-                        </a:rPr>
-                        <a:t> 15</a:t>
-                      </a:r>
-                      <a:r>
-                        <a:rPr lang="en-US" sz="900" spc="0" dirty="0">
-                          <a:solidFill>
-                            <a:srgbClr val="020302"/>
-                          </a:solidFill>
-                          <a:latin typeface="AdobeClean-Light"/>
-                          <a:cs typeface="AdobeClean-Light"/>
-                        </a:rPr>
-                        <a:t> </a:t>
-                      </a:r>
-                      <a:r>
-                        <a:rPr sz="900" spc="0" dirty="0">
-                          <a:solidFill>
-                            <a:srgbClr val="020302"/>
-                          </a:solidFill>
-                          <a:latin typeface="AdobeClean-Light"/>
-                          <a:cs typeface="AdobeClean-Light"/>
-                        </a:rPr>
-                        <a:t>minutes</a:t>
-                      </a:r>
-                      <a:endParaRPr sz="900" spc="0" dirty="0">
-                        <a:latin typeface="AdobeClean-Light"/>
-                        <a:cs typeface="AdobeClean-Light"/>
-                      </a:endParaRPr>
                     </a:p>
                   </a:txBody>
                   <a:tcPr marL="0" marR="0" marT="0" marB="0" anchor="ctr">
@@ -7771,19 +7013,15 @@
                         </a:spcBef>
                       </a:pPr>
                       <a:r>
-                        <a:rPr sz="900" b="1" spc="0" dirty="0">
+                        <a:rPr lang="it-IT" sz="900" b="1" dirty="0">
                           <a:solidFill>
                             <a:srgbClr val="020302"/>
                           </a:solidFill>
                           <a:latin typeface="Adobe Clean"/>
                           <a:cs typeface="Adobe Clean"/>
                         </a:rPr>
-                        <a:t>PRIORITY 2</a:t>
+                        <a:t>PRIORITÀ 2 (P2)</a:t>
                       </a:r>
-                      <a:endParaRPr sz="900" spc="0" dirty="0">
-                        <a:latin typeface="Adobe Clean"/>
-                        <a:cs typeface="Adobe Clean"/>
-                      </a:endParaRPr>
                     </a:p>
                     <a:p>
                       <a:pPr marL="50165" marR="203200" indent="0" defTabSz="914400" eaLnBrk="1" fontAlgn="auto" latinLnBrk="0" hangingPunct="1">
@@ -7804,19 +7042,14 @@
                         <a:defRPr/>
                       </a:pPr>
                       <a:r>
-                        <a:rPr lang="en-US" sz="900" b="0" i="0" spc="0" dirty="0">
+                        <a:rPr lang="it-IT" sz="800" b="0" i="0" dirty="0">
                           <a:solidFill>
                             <a:srgbClr val="000000"/>
                           </a:solidFill>
-                          <a:effectLst/>
                           <a:latin typeface="Adobe Clean Light" panose="020B0303020404020204" pitchFamily="34" charset="0"/>
                         </a:rPr>
-                        <a:t>Customer's business functions have major service degradation or potential data loss, or a major feature is impacted </a:t>
+                        <a:t>Le funzioni operative del cliente hanno subìto un notevole deterioramento del servizio o potenziale perdita di dati, oppure un problema interessa una funzione importante. </a:t>
                       </a:r>
-                      <a:endParaRPr sz="900" b="0" i="0" spc="0" dirty="0">
-                        <a:latin typeface="Adobe Clean Light" panose="020B0303020404020204" pitchFamily="34" charset="0"/>
-                        <a:cs typeface="AdobeClean-Light"/>
-                      </a:endParaRPr>
                     </a:p>
                   </a:txBody>
                   <a:tcPr marL="0" marR="0" marT="0" marB="0" anchor="ctr">
@@ -7860,387 +7093,171 @@
                         </a:spcBef>
                       </a:pPr>
                       <a:r>
-                        <a:rPr sz="900" spc="0" dirty="0">
+                        <a:rPr lang="it-IT" sz="900" dirty="0">
                           <a:solidFill>
                             <a:srgbClr val="020302"/>
                           </a:solidFill>
                           <a:latin typeface="AdobeClean-Light"/>
                           <a:cs typeface="AdobeClean-Light"/>
                         </a:rPr>
-                        <a:t>Business</a:t>
+                        <a:t>Orario operativo / 4 ore</a:t>
                       </a:r>
+                    </a:p>
+                  </a:txBody>
+                  <a:tcPr marL="0" marR="0" marT="0" marB="0" anchor="ctr">
+                    <a:lnL w="3175">
+                      <a:solidFill>
+                        <a:srgbClr val="B7B8B8"/>
+                      </a:solidFill>
+                      <a:prstDash val="solid"/>
+                    </a:lnL>
+                    <a:lnR w="3175">
+                      <a:solidFill>
+                        <a:srgbClr val="B7B8B8"/>
+                      </a:solidFill>
+                      <a:prstDash val="solid"/>
+                    </a:lnR>
+                    <a:lnT w="3175">
+                      <a:solidFill>
+                        <a:srgbClr val="B7B8B8"/>
+                      </a:solidFill>
+                      <a:prstDash val="solid"/>
+                    </a:lnT>
+                    <a:lnB w="3175">
+                      <a:solidFill>
+                        <a:srgbClr val="B7B8B8"/>
+                      </a:solidFill>
+                      <a:prstDash val="solid"/>
+                    </a:lnB>
+                  </a:tcPr>
+                </a:tc>
+                <a:tc>
+                  <a:txBody>
+                    <a:bodyPr/>
+                    <a:lstStyle/>
+                    <a:p>
+                      <a:pPr marL="0" marR="184785" indent="-194310" algn="ctr">
+                        <a:lnSpc>
+                          <a:spcPct val="100000"/>
+                        </a:lnSpc>
+                        <a:spcBef>
+                          <a:spcPts val="670"/>
+                        </a:spcBef>
+                      </a:pPr>
                       <a:r>
-                        <a:rPr lang="en-US" sz="900" spc="0" dirty="0">
+                        <a:rPr lang="it-IT" sz="900">
                           <a:solidFill>
                             <a:srgbClr val="020302"/>
                           </a:solidFill>
                           <a:latin typeface="AdobeClean-Light"/>
                           <a:cs typeface="AdobeClean-Light"/>
                         </a:rPr>
-                        <a:t> </a:t>
+                        <a:t>Orario operativo /          2 ore</a:t>
                       </a:r>
+                    </a:p>
+                  </a:txBody>
+                  <a:tcPr marL="0" marR="0" marT="0" marB="0" anchor="ctr">
+                    <a:lnL w="3175">
+                      <a:solidFill>
+                        <a:srgbClr val="B7B8B8"/>
+                      </a:solidFill>
+                      <a:prstDash val="solid"/>
+                    </a:lnL>
+                    <a:lnR w="3175">
+                      <a:solidFill>
+                        <a:srgbClr val="B7B8B8"/>
+                      </a:solidFill>
+                      <a:prstDash val="solid"/>
+                    </a:lnR>
+                    <a:lnT w="3175">
+                      <a:solidFill>
+                        <a:srgbClr val="B7B8B8"/>
+                      </a:solidFill>
+                      <a:prstDash val="solid"/>
+                    </a:lnT>
+                    <a:lnB w="3175">
+                      <a:solidFill>
+                        <a:srgbClr val="B7B8B8"/>
+                      </a:solidFill>
+                      <a:prstDash val="solid"/>
+                    </a:lnB>
+                  </a:tcPr>
+                </a:tc>
+                <a:tc>
+                  <a:txBody>
+                    <a:bodyPr/>
+                    <a:lstStyle/>
+                    <a:p>
+                      <a:pPr marL="0" marR="325755" indent="-5715" algn="ctr">
+                        <a:lnSpc>
+                          <a:spcPct val="100000"/>
+                        </a:lnSpc>
+                        <a:spcBef>
+                          <a:spcPts val="670"/>
+                        </a:spcBef>
+                      </a:pPr>
                       <a:r>
-                        <a:rPr sz="900" spc="0" dirty="0">
+                        <a:rPr lang="it-IT" sz="900">
                           <a:solidFill>
                             <a:srgbClr val="020302"/>
                           </a:solidFill>
                           <a:latin typeface="AdobeClean-Light"/>
                           <a:cs typeface="AdobeClean-Light"/>
                         </a:rPr>
-                        <a:t>hours</a:t>
+                        <a:t>24x5 /                1 ora</a:t>
                       </a:r>
+                    </a:p>
+                  </a:txBody>
+                  <a:tcPr marL="0" marR="0" marT="0" marB="0" anchor="ctr">
+                    <a:lnL w="3175">
+                      <a:solidFill>
+                        <a:srgbClr val="B7B8B8"/>
+                      </a:solidFill>
+                      <a:prstDash val="solid"/>
+                    </a:lnL>
+                    <a:lnR w="3175">
+                      <a:solidFill>
+                        <a:srgbClr val="B7B8B8"/>
+                      </a:solidFill>
+                      <a:prstDash val="solid"/>
+                    </a:lnR>
+                    <a:lnT w="3175">
+                      <a:solidFill>
+                        <a:srgbClr val="B7B8B8"/>
+                      </a:solidFill>
+                      <a:prstDash val="solid"/>
+                    </a:lnT>
+                    <a:lnB w="3175">
+                      <a:solidFill>
+                        <a:srgbClr val="B7B8B8"/>
+                      </a:solidFill>
+                      <a:prstDash val="solid"/>
+                    </a:lnB>
+                  </a:tcPr>
+                </a:tc>
+                <a:tc>
+                  <a:txBody>
+                    <a:bodyPr/>
+                    <a:lstStyle/>
+                    <a:p>
+                      <a:pPr marL="0" marR="259079" indent="111760" algn="ctr">
+                        <a:lnSpc>
+                          <a:spcPct val="100000"/>
+                        </a:lnSpc>
+                        <a:spcBef>
+                          <a:spcPts val="670"/>
+                        </a:spcBef>
+                      </a:pPr>
                       <a:r>
-                        <a:rPr lang="en-US" sz="900" spc="0" dirty="0">
+                        <a:rPr lang="it-IT" sz="900">
                           <a:solidFill>
                             <a:srgbClr val="020302"/>
                           </a:solidFill>
                           <a:latin typeface="AdobeClean-Light"/>
                           <a:cs typeface="AdobeClean-Light"/>
                         </a:rPr>
-                        <a:t> </a:t>
+                        <a:t>24x5 /         30 minuti</a:t>
                       </a:r>
-                      <a:r>
-                        <a:rPr sz="900" spc="0" dirty="0">
-                          <a:solidFill>
-                            <a:srgbClr val="020302"/>
-                          </a:solidFill>
-                          <a:latin typeface="AdobeClean-Light"/>
-                          <a:cs typeface="AdobeClean-Light"/>
-                        </a:rPr>
-                        <a:t>/  </a:t>
-                      </a:r>
-                      <a:r>
-                        <a:rPr lang="en-US" sz="900" spc="0" dirty="0">
-                          <a:solidFill>
-                            <a:srgbClr val="020302"/>
-                          </a:solidFill>
-                          <a:latin typeface="AdobeClean-Light"/>
-                          <a:cs typeface="AdobeClean-Light"/>
-                        </a:rPr>
-                        <a:t>         </a:t>
-                      </a:r>
-                      <a:r>
-                        <a:rPr sz="900" spc="0" dirty="0">
-                          <a:solidFill>
-                            <a:srgbClr val="020302"/>
-                          </a:solidFill>
-                          <a:latin typeface="AdobeClean-Light"/>
-                          <a:cs typeface="AdobeClean-Light"/>
-                        </a:rPr>
-                        <a:t>4 hours</a:t>
-                      </a:r>
-                      <a:endParaRPr sz="900" spc="0" dirty="0">
-                        <a:latin typeface="AdobeClean-Light"/>
-                        <a:cs typeface="AdobeClean-Light"/>
-                      </a:endParaRPr>
-                    </a:p>
-                  </a:txBody>
-                  <a:tcPr marL="0" marR="0" marT="0" marB="0" anchor="ctr">
-                    <a:lnL w="3175">
-                      <a:solidFill>
-                        <a:srgbClr val="B7B8B8"/>
-                      </a:solidFill>
-                      <a:prstDash val="solid"/>
-                    </a:lnL>
-                    <a:lnR w="3175">
-                      <a:solidFill>
-                        <a:srgbClr val="B7B8B8"/>
-                      </a:solidFill>
-                      <a:prstDash val="solid"/>
-                    </a:lnR>
-                    <a:lnT w="3175">
-                      <a:solidFill>
-                        <a:srgbClr val="B7B8B8"/>
-                      </a:solidFill>
-                      <a:prstDash val="solid"/>
-                    </a:lnT>
-                    <a:lnB w="3175">
-                      <a:solidFill>
-                        <a:srgbClr val="B7B8B8"/>
-                      </a:solidFill>
-                      <a:prstDash val="solid"/>
-                    </a:lnB>
-                  </a:tcPr>
-                </a:tc>
-                <a:tc>
-                  <a:txBody>
-                    <a:bodyPr/>
-                    <a:lstStyle/>
-                    <a:p>
-                      <a:pPr marL="0" marR="184785" indent="-194310" algn="ctr">
-                        <a:lnSpc>
-                          <a:spcPct val="100000"/>
-                        </a:lnSpc>
-                        <a:spcBef>
-                          <a:spcPts val="670"/>
-                        </a:spcBef>
-                      </a:pPr>
-                      <a:r>
-                        <a:rPr sz="900" spc="0" dirty="0">
-                          <a:solidFill>
-                            <a:srgbClr val="020302"/>
-                          </a:solidFill>
-                          <a:latin typeface="AdobeClean-Light"/>
-                          <a:cs typeface="AdobeClean-Light"/>
-                        </a:rPr>
-                        <a:t>Business</a:t>
-                      </a:r>
-                      <a:r>
-                        <a:rPr lang="en-US" sz="900" spc="0" dirty="0">
-                          <a:solidFill>
-                            <a:srgbClr val="020302"/>
-                          </a:solidFill>
-                          <a:latin typeface="AdobeClean-Light"/>
-                          <a:cs typeface="AdobeClean-Light"/>
-                        </a:rPr>
-                        <a:t> </a:t>
-                      </a:r>
-                      <a:r>
-                        <a:rPr sz="900" spc="0" dirty="0">
-                          <a:solidFill>
-                            <a:srgbClr val="020302"/>
-                          </a:solidFill>
-                          <a:latin typeface="AdobeClean-Light"/>
-                          <a:cs typeface="AdobeClean-Light"/>
-                        </a:rPr>
-                        <a:t>hours</a:t>
-                      </a:r>
-                      <a:r>
-                        <a:rPr lang="en-US" sz="900" spc="0" dirty="0">
-                          <a:solidFill>
-                            <a:srgbClr val="020302"/>
-                          </a:solidFill>
-                          <a:latin typeface="AdobeClean-Light"/>
-                          <a:cs typeface="AdobeClean-Light"/>
-                        </a:rPr>
-                        <a:t> </a:t>
-                      </a:r>
-                      <a:r>
-                        <a:rPr sz="900" spc="0" dirty="0">
-                          <a:solidFill>
-                            <a:srgbClr val="020302"/>
-                          </a:solidFill>
-                          <a:latin typeface="AdobeClean-Light"/>
-                          <a:cs typeface="AdobeClean-Light"/>
-                        </a:rPr>
-                        <a:t>/  </a:t>
-                      </a:r>
-                      <a:r>
-                        <a:rPr lang="en-US" sz="900" spc="0" dirty="0">
-                          <a:solidFill>
-                            <a:srgbClr val="020302"/>
-                          </a:solidFill>
-                          <a:latin typeface="AdobeClean-Light"/>
-                          <a:cs typeface="AdobeClean-Light"/>
-                        </a:rPr>
-                        <a:t>        </a:t>
-                      </a:r>
-                      <a:r>
-                        <a:rPr sz="900" spc="0" dirty="0">
-                          <a:solidFill>
-                            <a:srgbClr val="020302"/>
-                          </a:solidFill>
-                          <a:latin typeface="AdobeClean-Light"/>
-                          <a:cs typeface="AdobeClean-Light"/>
-                        </a:rPr>
-                        <a:t>2 hours</a:t>
-                      </a:r>
-                      <a:endParaRPr sz="900" spc="0" dirty="0">
-                        <a:latin typeface="AdobeClean-Light"/>
-                        <a:cs typeface="AdobeClean-Light"/>
-                      </a:endParaRPr>
-                    </a:p>
-                  </a:txBody>
-                  <a:tcPr marL="0" marR="0" marT="0" marB="0" anchor="ctr">
-                    <a:lnL w="3175">
-                      <a:solidFill>
-                        <a:srgbClr val="B7B8B8"/>
-                      </a:solidFill>
-                      <a:prstDash val="solid"/>
-                    </a:lnL>
-                    <a:lnR w="3175">
-                      <a:solidFill>
-                        <a:srgbClr val="B7B8B8"/>
-                      </a:solidFill>
-                      <a:prstDash val="solid"/>
-                    </a:lnR>
-                    <a:lnT w="3175">
-                      <a:solidFill>
-                        <a:srgbClr val="B7B8B8"/>
-                      </a:solidFill>
-                      <a:prstDash val="solid"/>
-                    </a:lnT>
-                    <a:lnB w="3175">
-                      <a:solidFill>
-                        <a:srgbClr val="B7B8B8"/>
-                      </a:solidFill>
-                      <a:prstDash val="solid"/>
-                    </a:lnB>
-                  </a:tcPr>
-                </a:tc>
-                <a:tc>
-                  <a:txBody>
-                    <a:bodyPr/>
-                    <a:lstStyle/>
-                    <a:p>
-                      <a:pPr marL="0" marR="325755" indent="-5715" algn="ctr">
-                        <a:lnSpc>
-                          <a:spcPct val="100000"/>
-                        </a:lnSpc>
-                        <a:spcBef>
-                          <a:spcPts val="670"/>
-                        </a:spcBef>
-                      </a:pPr>
-                      <a:r>
-                        <a:rPr sz="900" spc="0" dirty="0">
-                          <a:solidFill>
-                            <a:srgbClr val="020302"/>
-                          </a:solidFill>
-                          <a:latin typeface="AdobeClean-Light"/>
-                          <a:cs typeface="AdobeClean-Light"/>
-                        </a:rPr>
-                        <a:t>24x5</a:t>
-                      </a:r>
-                      <a:r>
-                        <a:rPr lang="en-US" sz="900" spc="0" dirty="0">
-                          <a:solidFill>
-                            <a:srgbClr val="020302"/>
-                          </a:solidFill>
-                          <a:latin typeface="AdobeClean-Light"/>
-                          <a:cs typeface="AdobeClean-Light"/>
-                        </a:rPr>
-                        <a:t> </a:t>
-                      </a:r>
-                      <a:r>
-                        <a:rPr sz="900" spc="0" dirty="0">
-                          <a:solidFill>
-                            <a:srgbClr val="020302"/>
-                          </a:solidFill>
-                          <a:latin typeface="AdobeClean-Light"/>
-                          <a:cs typeface="AdobeClean-Light"/>
-                        </a:rPr>
-                        <a:t>/  </a:t>
-                      </a:r>
-                      <a:r>
-                        <a:rPr lang="en-US" sz="900" spc="0" dirty="0">
-                          <a:solidFill>
-                            <a:srgbClr val="020302"/>
-                          </a:solidFill>
-                          <a:latin typeface="AdobeClean-Light"/>
-                          <a:cs typeface="AdobeClean-Light"/>
-                        </a:rPr>
-                        <a:t>              </a:t>
-                      </a:r>
-                      <a:r>
-                        <a:rPr sz="900" spc="0" dirty="0">
-                          <a:solidFill>
-                            <a:srgbClr val="020302"/>
-                          </a:solidFill>
-                          <a:latin typeface="AdobeClean-Light"/>
-                          <a:cs typeface="AdobeClean-Light"/>
-                        </a:rPr>
-                        <a:t>1 hour</a:t>
-                      </a:r>
-                      <a:endParaRPr sz="900" spc="0" dirty="0">
-                        <a:latin typeface="AdobeClean-Light"/>
-                        <a:cs typeface="AdobeClean-Light"/>
-                      </a:endParaRPr>
-                    </a:p>
-                  </a:txBody>
-                  <a:tcPr marL="0" marR="0" marT="0" marB="0" anchor="ctr">
-                    <a:lnL w="3175">
-                      <a:solidFill>
-                        <a:srgbClr val="B7B8B8"/>
-                      </a:solidFill>
-                      <a:prstDash val="solid"/>
-                    </a:lnL>
-                    <a:lnR w="3175">
-                      <a:solidFill>
-                        <a:srgbClr val="B7B8B8"/>
-                      </a:solidFill>
-                      <a:prstDash val="solid"/>
-                    </a:lnR>
-                    <a:lnT w="3175">
-                      <a:solidFill>
-                        <a:srgbClr val="B7B8B8"/>
-                      </a:solidFill>
-                      <a:prstDash val="solid"/>
-                    </a:lnT>
-                    <a:lnB w="3175">
-                      <a:solidFill>
-                        <a:srgbClr val="B7B8B8"/>
-                      </a:solidFill>
-                      <a:prstDash val="solid"/>
-                    </a:lnB>
-                  </a:tcPr>
-                </a:tc>
-                <a:tc>
-                  <a:txBody>
-                    <a:bodyPr/>
-                    <a:lstStyle/>
-                    <a:p>
-                      <a:pPr marL="0" marR="259079" indent="111760" algn="ctr">
-                        <a:lnSpc>
-                          <a:spcPct val="100000"/>
-                        </a:lnSpc>
-                        <a:spcBef>
-                          <a:spcPts val="670"/>
-                        </a:spcBef>
-                      </a:pPr>
-                      <a:r>
-                        <a:rPr sz="900" spc="0" dirty="0">
-                          <a:solidFill>
-                            <a:srgbClr val="020302"/>
-                          </a:solidFill>
-                          <a:latin typeface="AdobeClean-Light"/>
-                          <a:cs typeface="AdobeClean-Light"/>
-                        </a:rPr>
-                        <a:t>24x5 /  </a:t>
-                      </a:r>
-                      <a:r>
-                        <a:rPr lang="en-US" sz="900" spc="0" dirty="0">
-                          <a:solidFill>
-                            <a:srgbClr val="020302"/>
-                          </a:solidFill>
-                          <a:latin typeface="AdobeClean-Light"/>
-                          <a:cs typeface="AdobeClean-Light"/>
-                        </a:rPr>
-                        <a:t>       </a:t>
-                      </a:r>
-                      <a:r>
-                        <a:rPr sz="900" spc="0" dirty="0">
-                          <a:solidFill>
-                            <a:srgbClr val="020302"/>
-                          </a:solidFill>
-                          <a:latin typeface="AdobeClean-Light"/>
-                          <a:cs typeface="AdobeClean-Light"/>
-                        </a:rPr>
-                        <a:t>30</a:t>
-                      </a:r>
-                      <a:r>
-                        <a:rPr lang="en-US" sz="900" spc="0" dirty="0">
-                          <a:solidFill>
-                            <a:srgbClr val="020302"/>
-                          </a:solidFill>
-                          <a:latin typeface="AdobeClean-Light"/>
-                          <a:cs typeface="AdobeClean-Light"/>
-                        </a:rPr>
-                        <a:t> </a:t>
-                      </a:r>
-                      <a:r>
-                        <a:rPr sz="900" spc="0" dirty="0">
-                          <a:solidFill>
-                            <a:srgbClr val="020302"/>
-                          </a:solidFill>
-                          <a:latin typeface="AdobeClean-Light"/>
-                          <a:cs typeface="AdobeClean-Light"/>
-                        </a:rPr>
-                        <a:t>minutes</a:t>
-                      </a:r>
-                      <a:endParaRPr sz="900" spc="0" dirty="0">
-                        <a:latin typeface="AdobeClean-Light"/>
-                        <a:cs typeface="AdobeClean-Light"/>
-                      </a:endParaRPr>
                     </a:p>
                   </a:txBody>
                   <a:tcPr marL="0" marR="0" marT="0" marB="0" anchor="ctr">
@@ -8291,29 +7308,15 @@
                         </a:spcBef>
                       </a:pPr>
                       <a:r>
-                        <a:rPr sz="900" b="1" spc="0" dirty="0">
+                        <a:rPr lang="it-IT" sz="900" b="1" dirty="0">
                           <a:solidFill>
                             <a:srgbClr val="020302"/>
                           </a:solidFill>
                           <a:latin typeface="Adobe Clean"/>
                           <a:cs typeface="Adobe Clean"/>
                         </a:rPr>
-                        <a:t>PRIORITY</a:t>
+                        <a:t>PRIORITÀ 3 (P3)</a:t>
                       </a:r>
-                      <a:r>
-                        <a:rPr lang="en-US" sz="900" b="1" spc="0" dirty="0">
-                          <a:solidFill>
-                            <a:srgbClr val="020302"/>
-                          </a:solidFill>
-                          <a:latin typeface="Adobe Clean"/>
-                          <a:cs typeface="Adobe Clean"/>
-                        </a:rPr>
-                        <a:t> 3</a:t>
-                      </a:r>
-                      <a:endParaRPr lang="en-US" sz="900" spc="0" dirty="0">
-                        <a:latin typeface="Adobe Clean"/>
-                        <a:cs typeface="Adobe Clean"/>
-                      </a:endParaRPr>
                     </a:p>
                     <a:p>
                       <a:pPr marL="49530" marR="212090" indent="-2540" defTabSz="914400" eaLnBrk="1" fontAlgn="auto" latinLnBrk="0" hangingPunct="1">
@@ -8334,26 +7337,21 @@
                         <a:defRPr/>
                       </a:pPr>
                       <a:r>
-                        <a:rPr kumimoji="0" lang="en-US" sz="900" b="0" i="0" u="none" strike="noStrike" kern="1200" cap="none" spc="0" normalizeH="0" baseline="0" noProof="0" dirty="0">
+                        <a:rPr kumimoji="0" lang="it-IT" sz="800" b="0" i="0" u="none" strike="noStrike" cap="none" normalizeH="0" baseline="0" noProof="0" dirty="0">
                           <a:ln>
                             <a:noFill/>
                           </a:ln>
                           <a:solidFill>
                             <a:srgbClr val="000000"/>
                           </a:solidFill>
-                          <a:effectLst/>
                           <a:uLnTx/>
                           <a:uFillTx/>
                           <a:latin typeface="Adobe Clean Light" panose="020B0303020404020204" pitchFamily="34" charset="0"/>
                           <a:ea typeface="+mn-ea"/>
                           <a:cs typeface="+mn-cs"/>
                         </a:rPr>
-                        <a:t>Customer's business functions have minor service degradation but there exists a solution/workaround allowing business functions to continue normally </a:t>
+                        <a:t>Le funzioni operative del cliente sono interessate da deterioramento lieve del servizio, tuttavia è possibile procedere mediante una soluzione temporanea. </a:t>
                       </a:r>
-                      <a:endParaRPr lang="en-US" sz="900" b="0" i="0" spc="0" dirty="0">
-                        <a:latin typeface="Adobe Clean Light" panose="020B0303020404020204" pitchFamily="34" charset="0"/>
-                        <a:cs typeface="AdobeClean-Light"/>
-                      </a:endParaRPr>
                     </a:p>
                   </a:txBody>
                   <a:tcPr marL="0" marR="0" marT="0" marB="0" anchor="ctr">
@@ -8388,7 +7386,7 @@
                     <a:bodyPr/>
                     <a:lstStyle/>
                     <a:p>
-                      <a:pPr marL="0" marR="184150" indent="-189865" algn="ctr">
+                      <a:pPr marL="0" marR="184150" indent="61913" algn="ctr">
                         <a:lnSpc>
                           <a:spcPct val="100000"/>
                         </a:lnSpc>
@@ -8397,387 +7395,209 @@
                         </a:spcBef>
                       </a:pPr>
                       <a:r>
-                        <a:rPr sz="900" spc="0" dirty="0">
+                        <a:rPr lang="it-IT" sz="900" dirty="0">
                           <a:solidFill>
                             <a:srgbClr val="020302"/>
                           </a:solidFill>
                           <a:latin typeface="AdobeClean-Light"/>
                           <a:cs typeface="AdobeClean-Light"/>
                         </a:rPr>
-                        <a:t>Business</a:t>
+                        <a:t>Orario operativo / </a:t>
                       </a:r>
-                      <a:r>
-                        <a:rPr lang="en-US" sz="900" spc="0" dirty="0">
+                      <a:br>
+                        <a:rPr lang="sk-SK" sz="900" dirty="0">
                           <a:solidFill>
                             <a:srgbClr val="020302"/>
                           </a:solidFill>
                           <a:latin typeface="AdobeClean-Light"/>
                           <a:cs typeface="AdobeClean-Light"/>
                         </a:rPr>
-                        <a:t> </a:t>
-                      </a:r>
+                      </a:br>
                       <a:r>
-                        <a:rPr sz="900" spc="0" dirty="0">
+                        <a:rPr lang="it-IT" sz="900" dirty="0">
                           <a:solidFill>
                             <a:srgbClr val="020302"/>
                           </a:solidFill>
                           <a:latin typeface="AdobeClean-Light"/>
                           <a:cs typeface="AdobeClean-Light"/>
                         </a:rPr>
-                        <a:t>hours</a:t>
+                        <a:t>6 ore</a:t>
                       </a:r>
+                    </a:p>
+                  </a:txBody>
+                  <a:tcPr marL="0" marR="0" marT="0" marB="0" anchor="ctr">
+                    <a:lnL w="3175">
+                      <a:solidFill>
+                        <a:srgbClr val="B7B8B8"/>
+                      </a:solidFill>
+                      <a:prstDash val="solid"/>
+                    </a:lnL>
+                    <a:lnR w="3175">
+                      <a:solidFill>
+                        <a:srgbClr val="B7B8B8"/>
+                      </a:solidFill>
+                      <a:prstDash val="solid"/>
+                    </a:lnR>
+                    <a:lnT w="3175">
+                      <a:solidFill>
+                        <a:srgbClr val="B7B8B8"/>
+                      </a:solidFill>
+                      <a:prstDash val="solid"/>
+                    </a:lnT>
+                    <a:lnB w="3175">
+                      <a:solidFill>
+                        <a:srgbClr val="B7B8B8"/>
+                      </a:solidFill>
+                      <a:prstDash val="solid"/>
+                    </a:lnB>
+                  </a:tcPr>
+                </a:tc>
+                <a:tc>
+                  <a:txBody>
+                    <a:bodyPr/>
+                    <a:lstStyle/>
+                    <a:p>
+                      <a:pPr marL="0" marR="185420" indent="-193675" algn="ctr">
+                        <a:lnSpc>
+                          <a:spcPct val="100000"/>
+                        </a:lnSpc>
+                        <a:spcBef>
+                          <a:spcPts val="645"/>
+                        </a:spcBef>
+                      </a:pPr>
                       <a:r>
-                        <a:rPr lang="en-US" sz="900" spc="0" dirty="0">
+                        <a:rPr lang="it-IT" sz="900">
                           <a:solidFill>
                             <a:srgbClr val="020302"/>
                           </a:solidFill>
                           <a:latin typeface="AdobeClean-Light"/>
                           <a:cs typeface="AdobeClean-Light"/>
                         </a:rPr>
-                        <a:t> </a:t>
+                        <a:t>Orario operativo /  4 ore</a:t>
                       </a:r>
+                    </a:p>
+                  </a:txBody>
+                  <a:tcPr marL="0" marR="0" marT="0" marB="0" anchor="ctr">
+                    <a:lnL w="3175">
+                      <a:solidFill>
+                        <a:srgbClr val="B7B8B8"/>
+                      </a:solidFill>
+                      <a:prstDash val="solid"/>
+                    </a:lnL>
+                    <a:lnR w="3175">
+                      <a:solidFill>
+                        <a:srgbClr val="B7B8B8"/>
+                      </a:solidFill>
+                      <a:prstDash val="solid"/>
+                    </a:lnR>
+                    <a:lnT w="3175">
+                      <a:solidFill>
+                        <a:srgbClr val="B7B8B8"/>
+                      </a:solidFill>
+                      <a:prstDash val="solid"/>
+                    </a:lnT>
+                    <a:lnB w="3175">
+                      <a:solidFill>
+                        <a:srgbClr val="B7B8B8"/>
+                      </a:solidFill>
+                      <a:prstDash val="solid"/>
+                    </a:lnB>
+                  </a:tcPr>
+                </a:tc>
+                <a:tc>
+                  <a:txBody>
+                    <a:bodyPr/>
+                    <a:lstStyle/>
+                    <a:p>
+                      <a:pPr marL="0" marR="184785" indent="-194310" algn="ctr">
+                        <a:lnSpc>
+                          <a:spcPct val="100000"/>
+                        </a:lnSpc>
+                        <a:spcBef>
+                          <a:spcPts val="645"/>
+                        </a:spcBef>
+                      </a:pPr>
                       <a:r>
-                        <a:rPr sz="900" spc="0" dirty="0">
+                        <a:rPr lang="it-IT" sz="900">
                           <a:solidFill>
                             <a:srgbClr val="020302"/>
                           </a:solidFill>
                           <a:latin typeface="AdobeClean-Light"/>
                           <a:cs typeface="AdobeClean-Light"/>
                         </a:rPr>
-                        <a:t>/  </a:t>
+                        <a:t>Orario operativo /     2 ore</a:t>
                       </a:r>
+                    </a:p>
+                  </a:txBody>
+                  <a:tcPr marL="0" marR="0" marT="0" marB="0" anchor="ctr">
+                    <a:lnL w="3175">
+                      <a:solidFill>
+                        <a:srgbClr val="B7B8B8"/>
+                      </a:solidFill>
+                      <a:prstDash val="solid"/>
+                    </a:lnL>
+                    <a:lnR w="3175">
+                      <a:solidFill>
+                        <a:srgbClr val="B7B8B8"/>
+                      </a:solidFill>
+                      <a:prstDash val="solid"/>
+                    </a:lnR>
+                    <a:lnT w="3175">
+                      <a:solidFill>
+                        <a:srgbClr val="B7B8B8"/>
+                      </a:solidFill>
+                      <a:prstDash val="solid"/>
+                    </a:lnT>
+                    <a:lnB w="3175">
+                      <a:solidFill>
+                        <a:srgbClr val="B7B8B8"/>
+                      </a:solidFill>
+                      <a:prstDash val="solid"/>
+                    </a:lnB>
+                  </a:tcPr>
+                </a:tc>
+                <a:tc>
+                  <a:txBody>
+                    <a:bodyPr/>
+                    <a:lstStyle/>
+                    <a:p>
+                      <a:pPr marL="173038" marR="326390" indent="0" algn="ctr">
+                        <a:lnSpc>
+                          <a:spcPct val="100000"/>
+                        </a:lnSpc>
+                        <a:spcBef>
+                          <a:spcPts val="645"/>
+                        </a:spcBef>
+                      </a:pPr>
                       <a:r>
-                        <a:rPr lang="en-US" sz="900" spc="0" dirty="0">
+                        <a:rPr lang="it-IT" sz="900" dirty="0">
                           <a:solidFill>
                             <a:srgbClr val="020302"/>
                           </a:solidFill>
                           <a:latin typeface="AdobeClean-Light"/>
                           <a:cs typeface="AdobeClean-Light"/>
                         </a:rPr>
-                        <a:t>          </a:t>
+                        <a:t>24x5 / </a:t>
                       </a:r>
-                      <a:r>
-                        <a:rPr sz="900" spc="0" dirty="0">
+                      <a:br>
+                        <a:rPr lang="sk-SK" sz="900" dirty="0">
                           <a:solidFill>
                             <a:srgbClr val="020302"/>
                           </a:solidFill>
                           <a:latin typeface="AdobeClean-Light"/>
                           <a:cs typeface="AdobeClean-Light"/>
                         </a:rPr>
-                        <a:t>6 hours</a:t>
-                      </a:r>
-                      <a:endParaRPr sz="900" spc="0" dirty="0">
-                        <a:latin typeface="AdobeClean-Light"/>
-                        <a:cs typeface="AdobeClean-Light"/>
-                      </a:endParaRPr>
-                    </a:p>
-                  </a:txBody>
-                  <a:tcPr marL="0" marR="0" marT="0" marB="0" anchor="ctr">
-                    <a:lnL w="3175">
-                      <a:solidFill>
-                        <a:srgbClr val="B7B8B8"/>
-                      </a:solidFill>
-                      <a:prstDash val="solid"/>
-                    </a:lnL>
-                    <a:lnR w="3175">
-                      <a:solidFill>
-                        <a:srgbClr val="B7B8B8"/>
-                      </a:solidFill>
-                      <a:prstDash val="solid"/>
-                    </a:lnR>
-                    <a:lnT w="3175">
-                      <a:solidFill>
-                        <a:srgbClr val="B7B8B8"/>
-                      </a:solidFill>
-                      <a:prstDash val="solid"/>
-                    </a:lnT>
-                    <a:lnB w="3175">
-                      <a:solidFill>
-                        <a:srgbClr val="B7B8B8"/>
-                      </a:solidFill>
-                      <a:prstDash val="solid"/>
-                    </a:lnB>
-                  </a:tcPr>
-                </a:tc>
-                <a:tc>
-                  <a:txBody>
-                    <a:bodyPr/>
-                    <a:lstStyle/>
-                    <a:p>
-                      <a:pPr marL="0" marR="185420" indent="-193675" algn="ctr">
-                        <a:lnSpc>
-                          <a:spcPct val="100000"/>
-                        </a:lnSpc>
-                        <a:spcBef>
-                          <a:spcPts val="645"/>
-                        </a:spcBef>
-                      </a:pPr>
+                      </a:br>
                       <a:r>
-                        <a:rPr sz="900" spc="0" dirty="0">
+                        <a:rPr lang="it-IT" sz="900" dirty="0">
                           <a:solidFill>
                             <a:srgbClr val="020302"/>
                           </a:solidFill>
                           <a:latin typeface="AdobeClean-Light"/>
                           <a:cs typeface="AdobeClean-Light"/>
                         </a:rPr>
-                        <a:t>Business</a:t>
+                        <a:t>1 ora</a:t>
                       </a:r>
-                      <a:r>
-                        <a:rPr lang="en-US" sz="900" spc="0" dirty="0">
-                          <a:solidFill>
-                            <a:srgbClr val="020302"/>
-                          </a:solidFill>
-                          <a:latin typeface="AdobeClean-Light"/>
-                          <a:cs typeface="AdobeClean-Light"/>
-                        </a:rPr>
-                        <a:t> </a:t>
-                      </a:r>
-                      <a:r>
-                        <a:rPr sz="900" spc="0" dirty="0">
-                          <a:solidFill>
-                            <a:srgbClr val="020302"/>
-                          </a:solidFill>
-                          <a:latin typeface="AdobeClean-Light"/>
-                          <a:cs typeface="AdobeClean-Light"/>
-                        </a:rPr>
-                        <a:t>hours</a:t>
-                      </a:r>
-                      <a:r>
-                        <a:rPr lang="en-US" sz="900" spc="0" dirty="0">
-                          <a:solidFill>
-                            <a:srgbClr val="020302"/>
-                          </a:solidFill>
-                          <a:latin typeface="AdobeClean-Light"/>
-                          <a:cs typeface="AdobeClean-Light"/>
-                        </a:rPr>
-                        <a:t> </a:t>
-                      </a:r>
-                      <a:r>
-                        <a:rPr sz="900" spc="0" dirty="0">
-                          <a:solidFill>
-                            <a:srgbClr val="020302"/>
-                          </a:solidFill>
-                          <a:latin typeface="AdobeClean-Light"/>
-                          <a:cs typeface="AdobeClean-Light"/>
-                        </a:rPr>
-                        <a:t>/  4 hours</a:t>
-                      </a:r>
-                      <a:endParaRPr sz="900" spc="0" dirty="0">
-                        <a:latin typeface="AdobeClean-Light"/>
-                        <a:cs typeface="AdobeClean-Light"/>
-                      </a:endParaRPr>
-                    </a:p>
-                  </a:txBody>
-                  <a:tcPr marL="0" marR="0" marT="0" marB="0" anchor="ctr">
-                    <a:lnL w="3175">
-                      <a:solidFill>
-                        <a:srgbClr val="B7B8B8"/>
-                      </a:solidFill>
-                      <a:prstDash val="solid"/>
-                    </a:lnL>
-                    <a:lnR w="3175">
-                      <a:solidFill>
-                        <a:srgbClr val="B7B8B8"/>
-                      </a:solidFill>
-                      <a:prstDash val="solid"/>
-                    </a:lnR>
-                    <a:lnT w="3175">
-                      <a:solidFill>
-                        <a:srgbClr val="B7B8B8"/>
-                      </a:solidFill>
-                      <a:prstDash val="solid"/>
-                    </a:lnT>
-                    <a:lnB w="3175">
-                      <a:solidFill>
-                        <a:srgbClr val="B7B8B8"/>
-                      </a:solidFill>
-                      <a:prstDash val="solid"/>
-                    </a:lnB>
-                  </a:tcPr>
-                </a:tc>
-                <a:tc>
-                  <a:txBody>
-                    <a:bodyPr/>
-                    <a:lstStyle/>
-                    <a:p>
-                      <a:pPr marL="0" marR="184785" indent="-194310" algn="ctr">
-                        <a:lnSpc>
-                          <a:spcPct val="100000"/>
-                        </a:lnSpc>
-                        <a:spcBef>
-                          <a:spcPts val="645"/>
-                        </a:spcBef>
-                      </a:pPr>
-                      <a:r>
-                        <a:rPr sz="900" spc="0" dirty="0">
-                          <a:solidFill>
-                            <a:srgbClr val="020302"/>
-                          </a:solidFill>
-                          <a:latin typeface="AdobeClean-Light"/>
-                          <a:cs typeface="AdobeClean-Light"/>
-                        </a:rPr>
-                        <a:t>Business</a:t>
-                      </a:r>
-                      <a:r>
-                        <a:rPr lang="en-US" sz="900" spc="0" dirty="0">
-                          <a:solidFill>
-                            <a:srgbClr val="020302"/>
-                          </a:solidFill>
-                          <a:latin typeface="AdobeClean-Light"/>
-                          <a:cs typeface="AdobeClean-Light"/>
-                        </a:rPr>
-                        <a:t> </a:t>
-                      </a:r>
-                      <a:r>
-                        <a:rPr sz="900" spc="0" dirty="0">
-                          <a:solidFill>
-                            <a:srgbClr val="020302"/>
-                          </a:solidFill>
-                          <a:latin typeface="AdobeClean-Light"/>
-                          <a:cs typeface="AdobeClean-Light"/>
-                        </a:rPr>
-                        <a:t>hours</a:t>
-                      </a:r>
-                      <a:r>
-                        <a:rPr lang="en-US" sz="900" spc="0" dirty="0">
-                          <a:solidFill>
-                            <a:srgbClr val="020302"/>
-                          </a:solidFill>
-                          <a:latin typeface="AdobeClean-Light"/>
-                          <a:cs typeface="AdobeClean-Light"/>
-                        </a:rPr>
-                        <a:t> </a:t>
-                      </a:r>
-                      <a:r>
-                        <a:rPr sz="900" spc="0" dirty="0">
-                          <a:solidFill>
-                            <a:srgbClr val="020302"/>
-                          </a:solidFill>
-                          <a:latin typeface="AdobeClean-Light"/>
-                          <a:cs typeface="AdobeClean-Light"/>
-                        </a:rPr>
-                        <a:t>/  </a:t>
-                      </a:r>
-                      <a:r>
-                        <a:rPr lang="en-US" sz="900" spc="0" dirty="0">
-                          <a:solidFill>
-                            <a:srgbClr val="020302"/>
-                          </a:solidFill>
-                          <a:latin typeface="AdobeClean-Light"/>
-                          <a:cs typeface="AdobeClean-Light"/>
-                        </a:rPr>
-                        <a:t>   </a:t>
-                      </a:r>
-                      <a:r>
-                        <a:rPr sz="900" spc="0" dirty="0">
-                          <a:solidFill>
-                            <a:srgbClr val="020302"/>
-                          </a:solidFill>
-                          <a:latin typeface="AdobeClean-Light"/>
-                          <a:cs typeface="AdobeClean-Light"/>
-                        </a:rPr>
-                        <a:t>2 hours</a:t>
-                      </a:r>
-                      <a:endParaRPr sz="900" spc="0" dirty="0">
-                        <a:latin typeface="AdobeClean-Light"/>
-                        <a:cs typeface="AdobeClean-Light"/>
-                      </a:endParaRPr>
-                    </a:p>
-                  </a:txBody>
-                  <a:tcPr marL="0" marR="0" marT="0" marB="0" anchor="ctr">
-                    <a:lnL w="3175">
-                      <a:solidFill>
-                        <a:srgbClr val="B7B8B8"/>
-                      </a:solidFill>
-                      <a:prstDash val="solid"/>
-                    </a:lnL>
-                    <a:lnR w="3175">
-                      <a:solidFill>
-                        <a:srgbClr val="B7B8B8"/>
-                      </a:solidFill>
-                      <a:prstDash val="solid"/>
-                    </a:lnR>
-                    <a:lnT w="3175">
-                      <a:solidFill>
-                        <a:srgbClr val="B7B8B8"/>
-                      </a:solidFill>
-                      <a:prstDash val="solid"/>
-                    </a:lnT>
-                    <a:lnB w="3175">
-                      <a:solidFill>
-                        <a:srgbClr val="B7B8B8"/>
-                      </a:solidFill>
-                      <a:prstDash val="solid"/>
-                    </a:lnB>
-                  </a:tcPr>
-                </a:tc>
-                <a:tc>
-                  <a:txBody>
-                    <a:bodyPr/>
-                    <a:lstStyle/>
-                    <a:p>
-                      <a:pPr marL="0" marR="326390" indent="-5715" algn="ctr">
-                        <a:lnSpc>
-                          <a:spcPct val="100000"/>
-                        </a:lnSpc>
-                        <a:spcBef>
-                          <a:spcPts val="645"/>
-                        </a:spcBef>
-                      </a:pPr>
-                      <a:r>
-                        <a:rPr sz="900" spc="0" dirty="0">
-                          <a:solidFill>
-                            <a:srgbClr val="020302"/>
-                          </a:solidFill>
-                          <a:latin typeface="AdobeClean-Light"/>
-                          <a:cs typeface="AdobeClean-Light"/>
-                        </a:rPr>
-                        <a:t>24x5</a:t>
-                      </a:r>
-                      <a:r>
-                        <a:rPr lang="en-US" sz="900" spc="0" dirty="0">
-                          <a:solidFill>
-                            <a:srgbClr val="020302"/>
-                          </a:solidFill>
-                          <a:latin typeface="AdobeClean-Light"/>
-                          <a:cs typeface="AdobeClean-Light"/>
-                        </a:rPr>
-                        <a:t> </a:t>
-                      </a:r>
-                      <a:r>
-                        <a:rPr sz="900" spc="0" dirty="0">
-                          <a:solidFill>
-                            <a:srgbClr val="020302"/>
-                          </a:solidFill>
-                          <a:latin typeface="AdobeClean-Light"/>
-                          <a:cs typeface="AdobeClean-Light"/>
-                        </a:rPr>
-                        <a:t>/  </a:t>
-                      </a:r>
-                      <a:r>
-                        <a:rPr lang="en-US" sz="900" spc="0" dirty="0">
-                          <a:solidFill>
-                            <a:srgbClr val="020302"/>
-                          </a:solidFill>
-                          <a:latin typeface="AdobeClean-Light"/>
-                          <a:cs typeface="AdobeClean-Light"/>
-                        </a:rPr>
-                        <a:t>           </a:t>
-                      </a:r>
-                      <a:r>
-                        <a:rPr sz="900" spc="0" dirty="0">
-                          <a:solidFill>
-                            <a:srgbClr val="020302"/>
-                          </a:solidFill>
-                          <a:latin typeface="AdobeClean-Light"/>
-                          <a:cs typeface="AdobeClean-Light"/>
-                        </a:rPr>
-                        <a:t>1 hour</a:t>
-                      </a:r>
-                      <a:endParaRPr sz="900" spc="0" dirty="0">
-                        <a:latin typeface="AdobeClean-Light"/>
-                        <a:cs typeface="AdobeClean-Light"/>
-                      </a:endParaRPr>
                     </a:p>
                   </a:txBody>
                   <a:tcPr marL="0" marR="0" marT="0" marB="0" anchor="ctr">
@@ -8828,19 +7648,15 @@
                         </a:spcBef>
                       </a:pPr>
                       <a:r>
-                        <a:rPr sz="900" b="1" spc="0" dirty="0">
+                        <a:rPr lang="it-IT" sz="900" b="1" dirty="0">
                           <a:solidFill>
                             <a:srgbClr val="020302"/>
                           </a:solidFill>
                           <a:latin typeface="Adobe Clean"/>
                           <a:cs typeface="Adobe Clean"/>
                         </a:rPr>
-                        <a:t>PRIORITY 4</a:t>
+                        <a:t>PRIORITÀ 4 (P4)</a:t>
                       </a:r>
-                      <a:endParaRPr sz="900" spc="0" dirty="0">
-                        <a:latin typeface="Adobe Clean"/>
-                        <a:cs typeface="Adobe Clean"/>
-                      </a:endParaRPr>
                     </a:p>
                     <a:p>
                       <a:pPr marL="48895" marR="0" indent="0" defTabSz="914400" eaLnBrk="1" fontAlgn="auto" latinLnBrk="0" hangingPunct="1">
@@ -8861,19 +7677,14 @@
                         <a:defRPr/>
                       </a:pPr>
                       <a:r>
-                        <a:rPr lang="en-US" sz="900" b="0" i="0" spc="0" dirty="0">
+                        <a:rPr lang="it-IT" sz="800" b="0" i="0" dirty="0">
                           <a:solidFill>
                             <a:srgbClr val="000000"/>
                           </a:solidFill>
-                          <a:effectLst/>
                           <a:latin typeface="Adobe Clean Light" panose="020B0303020404020204" pitchFamily="34" charset="0"/>
                         </a:rPr>
-                        <a:t>General question regarding current product functionality or an enhancement request </a:t>
+                        <a:t>Domande generali sulle attuali funzionalità del prodotto o su una richiesta di miglioramento </a:t>
                       </a:r>
-                      <a:endParaRPr sz="900" b="0" i="0" spc="0" dirty="0">
-                        <a:latin typeface="Adobe Clean Light" panose="020B0303020404020204" pitchFamily="34" charset="0"/>
-                        <a:cs typeface="AdobeClean-Light"/>
-                      </a:endParaRPr>
                     </a:p>
                   </a:txBody>
                   <a:tcPr marL="0" marR="0" marT="0" marB="0" anchor="ctr">
@@ -8917,427 +7728,210 @@
                         </a:spcBef>
                       </a:pPr>
                       <a:r>
-                        <a:rPr sz="900" spc="0" dirty="0">
+                        <a:rPr lang="it-IT" sz="900" dirty="0">
                           <a:solidFill>
                             <a:srgbClr val="020302"/>
                           </a:solidFill>
                           <a:latin typeface="AdobeClean-Light"/>
                           <a:cs typeface="AdobeClean-Light"/>
                         </a:rPr>
-                        <a:t>Business</a:t>
+                        <a:t>Giorni lavorativi / 3 giorni</a:t>
                       </a:r>
+                    </a:p>
+                  </a:txBody>
+                  <a:tcPr marL="0" marR="0" marT="0" marB="0" anchor="ctr">
+                    <a:lnL w="3175">
+                      <a:solidFill>
+                        <a:srgbClr val="B7B8B8"/>
+                      </a:solidFill>
+                      <a:prstDash val="solid"/>
+                    </a:lnL>
+                    <a:lnR w="3175">
+                      <a:solidFill>
+                        <a:srgbClr val="B7B8B8"/>
+                      </a:solidFill>
+                      <a:prstDash val="solid"/>
+                    </a:lnR>
+                    <a:lnT w="3175">
+                      <a:solidFill>
+                        <a:srgbClr val="B7B8B8"/>
+                      </a:solidFill>
+                      <a:prstDash val="solid"/>
+                    </a:lnT>
+                    <a:lnB w="3175">
+                      <a:solidFill>
+                        <a:srgbClr val="B7B8B8"/>
+                      </a:solidFill>
+                      <a:prstDash val="solid"/>
+                    </a:lnB>
+                  </a:tcPr>
+                </a:tc>
+                <a:tc>
+                  <a:txBody>
+                    <a:bodyPr/>
+                    <a:lstStyle/>
+                    <a:p>
+                      <a:pPr marL="0" marR="223520" indent="-202565" algn="ctr">
+                        <a:lnSpc>
+                          <a:spcPct val="100000"/>
+                        </a:lnSpc>
+                        <a:spcBef>
+                          <a:spcPts val="155"/>
+                        </a:spcBef>
+                      </a:pPr>
                       <a:r>
-                        <a:rPr lang="en-US" sz="900" spc="0" dirty="0">
+                        <a:rPr lang="it-IT" sz="900" dirty="0">
                           <a:solidFill>
                             <a:srgbClr val="020302"/>
                           </a:solidFill>
                           <a:latin typeface="AdobeClean-Light"/>
                           <a:cs typeface="AdobeClean-Light"/>
                         </a:rPr>
-                        <a:t> </a:t>
+                        <a:t>Giorni lavorativi </a:t>
                       </a:r>
-                      <a:r>
-                        <a:rPr sz="900" spc="0" dirty="0">
+                      <a:br>
+                        <a:rPr lang="sk-SK" sz="900" dirty="0">
                           <a:solidFill>
                             <a:srgbClr val="020302"/>
                           </a:solidFill>
                           <a:latin typeface="AdobeClean-Light"/>
                           <a:cs typeface="AdobeClean-Light"/>
                         </a:rPr>
-                        <a:t>days</a:t>
-                      </a:r>
+                      </a:br>
                       <a:r>
-                        <a:rPr lang="en-US" sz="900" spc="0" dirty="0">
+                        <a:rPr lang="it-IT" sz="900" dirty="0">
                           <a:solidFill>
                             <a:srgbClr val="020302"/>
                           </a:solidFill>
                           <a:latin typeface="AdobeClean-Light"/>
                           <a:cs typeface="AdobeClean-Light"/>
                         </a:rPr>
-                        <a:t> </a:t>
+                        <a:t>/ 1 giorno</a:t>
                       </a:r>
+                    </a:p>
+                  </a:txBody>
+                  <a:tcPr marL="0" marR="0" marT="0" marB="0" anchor="ctr">
+                    <a:lnL w="3175">
+                      <a:solidFill>
+                        <a:srgbClr val="B7B8B8"/>
+                      </a:solidFill>
+                      <a:prstDash val="solid"/>
+                    </a:lnL>
+                    <a:lnR w="3175">
+                      <a:solidFill>
+                        <a:srgbClr val="B7B8B8"/>
+                      </a:solidFill>
+                      <a:prstDash val="solid"/>
+                    </a:lnR>
+                    <a:lnT w="3175">
+                      <a:solidFill>
+                        <a:srgbClr val="B7B8B8"/>
+                      </a:solidFill>
+                      <a:prstDash val="solid"/>
+                    </a:lnT>
+                    <a:lnB w="3175">
+                      <a:solidFill>
+                        <a:srgbClr val="B7B8B8"/>
+                      </a:solidFill>
+                      <a:prstDash val="solid"/>
+                    </a:lnB>
+                  </a:tcPr>
+                </a:tc>
+                <a:tc>
+                  <a:txBody>
+                    <a:bodyPr/>
+                    <a:lstStyle/>
+                    <a:p>
+                      <a:pPr marL="0" marR="223520" indent="-202565" algn="ctr">
+                        <a:lnSpc>
+                          <a:spcPct val="100000"/>
+                        </a:lnSpc>
+                        <a:spcBef>
+                          <a:spcPts val="155"/>
+                        </a:spcBef>
+                      </a:pPr>
                       <a:r>
-                        <a:rPr sz="900" spc="0" dirty="0">
+                        <a:rPr lang="it-IT" sz="900">
                           <a:solidFill>
                             <a:srgbClr val="020302"/>
                           </a:solidFill>
                           <a:latin typeface="AdobeClean-Light"/>
                           <a:cs typeface="AdobeClean-Light"/>
                         </a:rPr>
-                        <a:t>/  </a:t>
+                        <a:t>Giorni lavorativi /      1 giorno</a:t>
                       </a:r>
+                    </a:p>
+                  </a:txBody>
+                  <a:tcPr marL="0" marR="0" marT="0" marB="0" anchor="ctr">
+                    <a:lnL w="3175">
+                      <a:solidFill>
+                        <a:srgbClr val="B7B8B8"/>
+                      </a:solidFill>
+                      <a:prstDash val="solid"/>
+                    </a:lnL>
+                    <a:lnR w="3175">
+                      <a:solidFill>
+                        <a:srgbClr val="B7B8B8"/>
+                      </a:solidFill>
+                      <a:prstDash val="solid"/>
+                    </a:lnR>
+                    <a:lnT w="3175">
+                      <a:solidFill>
+                        <a:srgbClr val="B7B8B8"/>
+                      </a:solidFill>
+                      <a:prstDash val="solid"/>
+                    </a:lnT>
+                    <a:lnB w="3175">
+                      <a:solidFill>
+                        <a:srgbClr val="B7B8B8"/>
+                      </a:solidFill>
+                      <a:prstDash val="solid"/>
+                    </a:lnB>
+                  </a:tcPr>
+                </a:tc>
+                <a:tc>
+                  <a:txBody>
+                    <a:bodyPr/>
+                    <a:lstStyle/>
+                    <a:p>
+                      <a:pPr marL="0" marR="223520" indent="-202565" algn="ctr">
+                        <a:lnSpc>
+                          <a:spcPct val="100000"/>
+                        </a:lnSpc>
+                        <a:spcBef>
+                          <a:spcPts val="155"/>
+                        </a:spcBef>
+                      </a:pPr>
                       <a:r>
-                        <a:rPr lang="en-US" sz="900" spc="0" dirty="0">
+                        <a:rPr lang="it-IT" sz="900" dirty="0">
                           <a:solidFill>
                             <a:srgbClr val="020302"/>
                           </a:solidFill>
                           <a:latin typeface="AdobeClean-Light"/>
                           <a:cs typeface="AdobeClean-Light"/>
                         </a:rPr>
-                        <a:t> </a:t>
+                        <a:t>Giorni lavorativi / </a:t>
                       </a:r>
                       <a:r>
-                        <a:rPr sz="900" spc="0" dirty="0">
+                        <a:rPr lang="sk-SK" sz="900" dirty="0">
                           <a:solidFill>
                             <a:srgbClr val="020302"/>
                           </a:solidFill>
                           <a:latin typeface="AdobeClean-Light"/>
                           <a:cs typeface="AdobeClean-Light"/>
                         </a:rPr>
-                        <a:t>3 days</a:t>
+                        <a:t> </a:t>
                       </a:r>
-                      <a:endParaRPr sz="900" spc="0" dirty="0">
-                        <a:latin typeface="AdobeClean-Light"/>
-                        <a:cs typeface="AdobeClean-Light"/>
-                      </a:endParaRPr>
-                    </a:p>
-                  </a:txBody>
-                  <a:tcPr marL="0" marR="0" marT="0" marB="0" anchor="ctr">
-                    <a:lnL w="3175">
-                      <a:solidFill>
-                        <a:srgbClr val="B7B8B8"/>
-                      </a:solidFill>
-                      <a:prstDash val="solid"/>
-                    </a:lnL>
-                    <a:lnR w="3175">
-                      <a:solidFill>
-                        <a:srgbClr val="B7B8B8"/>
-                      </a:solidFill>
-                      <a:prstDash val="solid"/>
-                    </a:lnR>
-                    <a:lnT w="3175">
-                      <a:solidFill>
-                        <a:srgbClr val="B7B8B8"/>
-                      </a:solidFill>
-                      <a:prstDash val="solid"/>
-                    </a:lnT>
-                    <a:lnB w="3175">
-                      <a:solidFill>
-                        <a:srgbClr val="B7B8B8"/>
-                      </a:solidFill>
-                      <a:prstDash val="solid"/>
-                    </a:lnB>
-                  </a:tcPr>
-                </a:tc>
-                <a:tc>
-                  <a:txBody>
-                    <a:bodyPr/>
-                    <a:lstStyle/>
-                    <a:p>
-                      <a:pPr marL="0" marR="223520" indent="-202565" algn="ctr">
-                        <a:lnSpc>
-                          <a:spcPct val="100000"/>
-                        </a:lnSpc>
-                        <a:spcBef>
-                          <a:spcPts val="155"/>
-                        </a:spcBef>
-                      </a:pPr>
                       <a:r>
-                        <a:rPr sz="900" spc="0" dirty="0">
+                        <a:rPr lang="it-IT" sz="900" dirty="0">
                           <a:solidFill>
                             <a:srgbClr val="020302"/>
                           </a:solidFill>
                           <a:latin typeface="AdobeClean-Light"/>
                           <a:cs typeface="AdobeClean-Light"/>
                         </a:rPr>
-                        <a:t>Business</a:t>
+                        <a:t>1 giorno</a:t>
                       </a:r>
-                      <a:r>
-                        <a:rPr lang="en-US" sz="900" spc="0" dirty="0">
-                          <a:solidFill>
-                            <a:srgbClr val="020302"/>
-                          </a:solidFill>
-                          <a:latin typeface="AdobeClean-Light"/>
-                          <a:cs typeface="AdobeClean-Light"/>
-                        </a:rPr>
-                        <a:t> </a:t>
-                      </a:r>
-                      <a:r>
-                        <a:rPr sz="900" spc="0" dirty="0">
-                          <a:solidFill>
-                            <a:srgbClr val="020302"/>
-                          </a:solidFill>
-                          <a:latin typeface="AdobeClean-Light"/>
-                          <a:cs typeface="AdobeClean-Light"/>
-                        </a:rPr>
-                        <a:t>day</a:t>
-                      </a:r>
-                      <a:r>
-                        <a:rPr lang="en-US" sz="900" spc="0" dirty="0">
-                          <a:solidFill>
-                            <a:srgbClr val="020302"/>
-                          </a:solidFill>
-                          <a:latin typeface="AdobeClean-Light"/>
-                          <a:cs typeface="AdobeClean-Light"/>
-                        </a:rPr>
-                        <a:t> </a:t>
-                      </a:r>
-                      <a:r>
-                        <a:rPr sz="900" spc="0" dirty="0">
-                          <a:solidFill>
-                            <a:srgbClr val="020302"/>
-                          </a:solidFill>
-                          <a:latin typeface="AdobeClean-Light"/>
-                          <a:cs typeface="AdobeClean-Light"/>
-                        </a:rPr>
-                        <a:t>/  </a:t>
-                      </a:r>
-                      <a:r>
-                        <a:rPr lang="en-US" sz="900" spc="0" dirty="0">
-                          <a:solidFill>
-                            <a:srgbClr val="020302"/>
-                          </a:solidFill>
-                          <a:latin typeface="AdobeClean-Light"/>
-                          <a:cs typeface="AdobeClean-Light"/>
-                        </a:rPr>
-                        <a:t>   </a:t>
-                      </a:r>
-                      <a:r>
-                        <a:rPr sz="900" spc="0" dirty="0">
-                          <a:solidFill>
-                            <a:srgbClr val="020302"/>
-                          </a:solidFill>
-                          <a:latin typeface="AdobeClean-Light"/>
-                          <a:cs typeface="AdobeClean-Light"/>
-                        </a:rPr>
-                        <a:t>1 day</a:t>
-                      </a:r>
-                      <a:endParaRPr sz="900" spc="0" dirty="0">
-                        <a:latin typeface="AdobeClean-Light"/>
-                        <a:cs typeface="AdobeClean-Light"/>
-                      </a:endParaRPr>
-                    </a:p>
-                  </a:txBody>
-                  <a:tcPr marL="0" marR="0" marT="0" marB="0" anchor="ctr">
-                    <a:lnL w="3175">
-                      <a:solidFill>
-                        <a:srgbClr val="B7B8B8"/>
-                      </a:solidFill>
-                      <a:prstDash val="solid"/>
-                    </a:lnL>
-                    <a:lnR w="3175">
-                      <a:solidFill>
-                        <a:srgbClr val="B7B8B8"/>
-                      </a:solidFill>
-                      <a:prstDash val="solid"/>
-                    </a:lnR>
-                    <a:lnT w="3175">
-                      <a:solidFill>
-                        <a:srgbClr val="B7B8B8"/>
-                      </a:solidFill>
-                      <a:prstDash val="solid"/>
-                    </a:lnT>
-                    <a:lnB w="3175">
-                      <a:solidFill>
-                        <a:srgbClr val="B7B8B8"/>
-                      </a:solidFill>
-                      <a:prstDash val="solid"/>
-                    </a:lnB>
-                  </a:tcPr>
-                </a:tc>
-                <a:tc>
-                  <a:txBody>
-                    <a:bodyPr/>
-                    <a:lstStyle/>
-                    <a:p>
-                      <a:pPr marL="0" marR="223520" indent="-202565" algn="ctr">
-                        <a:lnSpc>
-                          <a:spcPct val="100000"/>
-                        </a:lnSpc>
-                        <a:spcBef>
-                          <a:spcPts val="155"/>
-                        </a:spcBef>
-                      </a:pPr>
-                      <a:r>
-                        <a:rPr sz="900" spc="0" dirty="0">
-                          <a:solidFill>
-                            <a:srgbClr val="020302"/>
-                          </a:solidFill>
-                          <a:latin typeface="AdobeClean-Light"/>
-                          <a:cs typeface="AdobeClean-Light"/>
-                        </a:rPr>
-                        <a:t>Business</a:t>
-                      </a:r>
-                      <a:r>
-                        <a:rPr lang="en-US" sz="900" spc="0" dirty="0">
-                          <a:solidFill>
-                            <a:srgbClr val="020302"/>
-                          </a:solidFill>
-                          <a:latin typeface="AdobeClean-Light"/>
-                          <a:cs typeface="AdobeClean-Light"/>
-                        </a:rPr>
-                        <a:t> </a:t>
-                      </a:r>
-                      <a:r>
-                        <a:rPr sz="900" spc="0" dirty="0">
-                          <a:solidFill>
-                            <a:srgbClr val="020302"/>
-                          </a:solidFill>
-                          <a:latin typeface="AdobeClean-Light"/>
-                          <a:cs typeface="AdobeClean-Light"/>
-                        </a:rPr>
-                        <a:t>day</a:t>
-                      </a:r>
-                      <a:r>
-                        <a:rPr lang="en-US" sz="900" spc="0" dirty="0">
-                          <a:solidFill>
-                            <a:srgbClr val="020302"/>
-                          </a:solidFill>
-                          <a:latin typeface="AdobeClean-Light"/>
-                          <a:cs typeface="AdobeClean-Light"/>
-                        </a:rPr>
-                        <a:t> </a:t>
-                      </a:r>
-                      <a:r>
-                        <a:rPr sz="900" spc="0" dirty="0">
-                          <a:solidFill>
-                            <a:srgbClr val="020302"/>
-                          </a:solidFill>
-                          <a:latin typeface="AdobeClean-Light"/>
-                          <a:cs typeface="AdobeClean-Light"/>
-                        </a:rPr>
-                        <a:t>/  </a:t>
-                      </a:r>
-                      <a:r>
-                        <a:rPr lang="en-US" sz="900" spc="0" dirty="0">
-                          <a:solidFill>
-                            <a:srgbClr val="020302"/>
-                          </a:solidFill>
-                          <a:latin typeface="AdobeClean-Light"/>
-                          <a:cs typeface="AdobeClean-Light"/>
-                        </a:rPr>
-                        <a:t>    </a:t>
-                      </a:r>
-                      <a:r>
-                        <a:rPr sz="900" spc="0" dirty="0">
-                          <a:solidFill>
-                            <a:srgbClr val="020302"/>
-                          </a:solidFill>
-                          <a:latin typeface="AdobeClean-Light"/>
-                          <a:cs typeface="AdobeClean-Light"/>
-                        </a:rPr>
-                        <a:t>1 day</a:t>
-                      </a:r>
-                      <a:endParaRPr sz="900" spc="0" dirty="0">
-                        <a:latin typeface="AdobeClean-Light"/>
-                        <a:cs typeface="AdobeClean-Light"/>
-                      </a:endParaRPr>
-                    </a:p>
-                  </a:txBody>
-                  <a:tcPr marL="0" marR="0" marT="0" marB="0" anchor="ctr">
-                    <a:lnL w="3175">
-                      <a:solidFill>
-                        <a:srgbClr val="B7B8B8"/>
-                      </a:solidFill>
-                      <a:prstDash val="solid"/>
-                    </a:lnL>
-                    <a:lnR w="3175">
-                      <a:solidFill>
-                        <a:srgbClr val="B7B8B8"/>
-                      </a:solidFill>
-                      <a:prstDash val="solid"/>
-                    </a:lnR>
-                    <a:lnT w="3175">
-                      <a:solidFill>
-                        <a:srgbClr val="B7B8B8"/>
-                      </a:solidFill>
-                      <a:prstDash val="solid"/>
-                    </a:lnT>
-                    <a:lnB w="3175">
-                      <a:solidFill>
-                        <a:srgbClr val="B7B8B8"/>
-                      </a:solidFill>
-                      <a:prstDash val="solid"/>
-                    </a:lnB>
-                  </a:tcPr>
-                </a:tc>
-                <a:tc>
-                  <a:txBody>
-                    <a:bodyPr/>
-                    <a:lstStyle/>
-                    <a:p>
-                      <a:pPr marL="0" marR="223520" indent="-202565" algn="ctr">
-                        <a:lnSpc>
-                          <a:spcPct val="100000"/>
-                        </a:lnSpc>
-                        <a:spcBef>
-                          <a:spcPts val="155"/>
-                        </a:spcBef>
-                      </a:pPr>
-                      <a:r>
-                        <a:rPr sz="900" spc="0" dirty="0">
-                          <a:solidFill>
-                            <a:srgbClr val="020302"/>
-                          </a:solidFill>
-                          <a:latin typeface="AdobeClean-Light"/>
-                          <a:cs typeface="AdobeClean-Light"/>
-                        </a:rPr>
-                        <a:t>Business</a:t>
-                      </a:r>
-                      <a:r>
-                        <a:rPr lang="en-US" sz="900" spc="0" dirty="0">
-                          <a:solidFill>
-                            <a:srgbClr val="020302"/>
-                          </a:solidFill>
-                          <a:latin typeface="AdobeClean-Light"/>
-                          <a:cs typeface="AdobeClean-Light"/>
-                        </a:rPr>
-                        <a:t> </a:t>
-                      </a:r>
-                      <a:r>
-                        <a:rPr sz="900" spc="0" dirty="0">
-                          <a:solidFill>
-                            <a:srgbClr val="020302"/>
-                          </a:solidFill>
-                          <a:latin typeface="AdobeClean-Light"/>
-                          <a:cs typeface="AdobeClean-Light"/>
-                        </a:rPr>
-                        <a:t>day</a:t>
-                      </a:r>
-                      <a:r>
-                        <a:rPr lang="en-US" sz="900" spc="0" dirty="0">
-                          <a:solidFill>
-                            <a:srgbClr val="020302"/>
-                          </a:solidFill>
-                          <a:latin typeface="AdobeClean-Light"/>
-                          <a:cs typeface="AdobeClean-Light"/>
-                        </a:rPr>
-                        <a:t> </a:t>
-                      </a:r>
-                      <a:r>
-                        <a:rPr sz="900" spc="0" dirty="0">
-                          <a:solidFill>
-                            <a:srgbClr val="020302"/>
-                          </a:solidFill>
-                          <a:latin typeface="AdobeClean-Light"/>
-                          <a:cs typeface="AdobeClean-Light"/>
-                        </a:rPr>
-                        <a:t>/  </a:t>
-                      </a:r>
-                      <a:r>
-                        <a:rPr lang="en-US" sz="900" spc="0" dirty="0">
-                          <a:solidFill>
-                            <a:srgbClr val="020302"/>
-                          </a:solidFill>
-                          <a:latin typeface="AdobeClean-Light"/>
-                          <a:cs typeface="AdobeClean-Light"/>
-                        </a:rPr>
-                        <a:t>   </a:t>
-                      </a:r>
-                      <a:r>
-                        <a:rPr sz="900" spc="0" dirty="0">
-                          <a:solidFill>
-                            <a:srgbClr val="020302"/>
-                          </a:solidFill>
-                          <a:latin typeface="AdobeClean-Light"/>
-                          <a:cs typeface="AdobeClean-Light"/>
-                        </a:rPr>
-                        <a:t>1 day</a:t>
-                      </a:r>
-                      <a:endParaRPr sz="900" spc="0" dirty="0">
-                        <a:latin typeface="AdobeClean-Light"/>
-                        <a:cs typeface="AdobeClean-Light"/>
-                      </a:endParaRPr>
                     </a:p>
                   </a:txBody>
                   <a:tcPr marL="0" marR="0" marT="0" marB="0" anchor="ctr">
@@ -9417,20 +8011,11 @@
               </a:spcBef>
             </a:pPr>
             <a:r>
-              <a:rPr sz="2300" dirty="0">
+              <a:rPr lang="it-IT" sz="2300">
                 <a:latin typeface="Adobe Clean" panose="020B0503020404020204" pitchFamily="34" charset="0"/>
               </a:rPr>
-              <a:t>ADOBE </a:t>
+              <a:t>OPZIONI DI SUPPORTO ADOBE</a:t>
             </a:r>
-            <a:r>
-              <a:rPr lang="en-US" sz="2300" dirty="0">
-                <a:latin typeface="Adobe Clean" panose="020B0503020404020204" pitchFamily="34" charset="0"/>
-              </a:rPr>
-              <a:t>SUPPORT OFFERINGS</a:t>
-            </a:r>
-            <a:endParaRPr sz="2300" dirty="0">
-              <a:latin typeface="Adobe Clean" panose="020B0503020404020204" pitchFamily="34" charset="0"/>
-            </a:endParaRPr>
           </a:p>
         </p:txBody>
       </p:sp>
@@ -9463,7 +8048,7 @@
           <a:lstStyle/>
           <a:p>
             <a:r>
-              <a:rPr lang="en-US" sz="700" i="1" dirty="0">
+              <a:rPr lang="it-IT" sz="700" i="1">
                 <a:solidFill>
                   <a:schemeClr val="bg1"/>
                 </a:solidFill>
@@ -9721,436 +8306,32 @@
               </a:spcBef>
             </a:pPr>
             <a:r>
-              <a:rPr lang="en-US" sz="1000" spc="-20" dirty="0">
+              <a:rPr lang="it-IT" sz="1000">
                 <a:solidFill>
                   <a:srgbClr val="020302"/>
                 </a:solidFill>
                 <a:latin typeface="AdobeClean-Light"/>
                 <a:cs typeface="AdobeClean-Light"/>
               </a:rPr>
-              <a:t>Adobe Customer Support offers a</a:t>
+              <a:t>Grazie all’Assistenza clienti di Adobe, è possibile accedere a risorse online per la documentazione, acquisire le best practice con l’aiuto di altri esperti e clienti e seguire la serie di webinar Office Hours con suggerimenti utili per la risoluzione di eventuali problemi. Sono disponibili diversi canali</a:t>
             </a:r>
             <a:r>
-              <a:rPr sz="1000" spc="-20" dirty="0">
+              <a:rPr lang="it-IT" sz="1000">
+                <a:latin typeface="AdobeClean-Light"/>
+                <a:cs typeface="AdobeClean-Light"/>
+              </a:rPr>
+              <a:t> </a:t>
+            </a:r>
+            <a:r>
+              <a:rPr lang="it-IT" sz="1000">
                 <a:solidFill>
                   <a:srgbClr val="020302"/>
                 </a:solidFill>
                 <a:latin typeface="AdobeClean-Light"/>
                 <a:cs typeface="AdobeClean-Light"/>
               </a:rPr>
-              <a:t>ccess</a:t>
+              <a:t>per l’inoltro di domande e richieste di assistenza.</a:t>
             </a:r>
-            <a:r>
-              <a:rPr sz="1000" spc="-90" dirty="0">
-                <a:solidFill>
-                  <a:srgbClr val="020302"/>
-                </a:solidFill>
-                <a:latin typeface="AdobeClean-Light"/>
-                <a:cs typeface="AdobeClean-Light"/>
-              </a:rPr>
-              <a:t> </a:t>
-            </a:r>
-            <a:r>
-              <a:rPr sz="1000" spc="-10" dirty="0">
-                <a:solidFill>
-                  <a:srgbClr val="020302"/>
-                </a:solidFill>
-                <a:latin typeface="AdobeClean-Light"/>
-                <a:cs typeface="AdobeClean-Light"/>
-              </a:rPr>
-              <a:t>to</a:t>
-            </a:r>
-            <a:r>
-              <a:rPr sz="1000" spc="10" dirty="0">
-                <a:solidFill>
-                  <a:srgbClr val="020302"/>
-                </a:solidFill>
-                <a:latin typeface="AdobeClean-Light"/>
-                <a:cs typeface="AdobeClean-Light"/>
-              </a:rPr>
-              <a:t> </a:t>
-            </a:r>
-            <a:r>
-              <a:rPr sz="1000" spc="-20" dirty="0">
-                <a:solidFill>
-                  <a:srgbClr val="020302"/>
-                </a:solidFill>
-                <a:latin typeface="AdobeClean-Light"/>
-                <a:cs typeface="AdobeClean-Light"/>
-              </a:rPr>
-              <a:t>online</a:t>
-            </a:r>
-            <a:r>
-              <a:rPr sz="1000" spc="-125" dirty="0">
-                <a:solidFill>
-                  <a:srgbClr val="020302"/>
-                </a:solidFill>
-                <a:latin typeface="AdobeClean-Light"/>
-                <a:cs typeface="AdobeClean-Light"/>
-              </a:rPr>
-              <a:t> </a:t>
-            </a:r>
-            <a:r>
-              <a:rPr sz="1000" spc="-20" dirty="0">
-                <a:solidFill>
-                  <a:srgbClr val="020302"/>
-                </a:solidFill>
-                <a:latin typeface="AdobeClean-Light"/>
-                <a:cs typeface="AdobeClean-Light"/>
-              </a:rPr>
-              <a:t>resources</a:t>
-            </a:r>
-            <a:r>
-              <a:rPr sz="1000" spc="-120" dirty="0">
-                <a:solidFill>
-                  <a:srgbClr val="020302"/>
-                </a:solidFill>
-                <a:latin typeface="AdobeClean-Light"/>
-                <a:cs typeface="AdobeClean-Light"/>
-              </a:rPr>
-              <a:t> </a:t>
-            </a:r>
-            <a:r>
-              <a:rPr sz="1000" spc="-15" dirty="0">
-                <a:solidFill>
-                  <a:srgbClr val="020302"/>
-                </a:solidFill>
-                <a:latin typeface="AdobeClean-Light"/>
-                <a:cs typeface="AdobeClean-Light"/>
-              </a:rPr>
-              <a:t>for</a:t>
-            </a:r>
-            <a:r>
-              <a:rPr sz="1000" spc="-30" dirty="0">
-                <a:solidFill>
-                  <a:srgbClr val="020302"/>
-                </a:solidFill>
-                <a:latin typeface="AdobeClean-Light"/>
-                <a:cs typeface="AdobeClean-Light"/>
-              </a:rPr>
-              <a:t> </a:t>
-            </a:r>
-            <a:r>
-              <a:rPr sz="1000" spc="-15" dirty="0">
-                <a:solidFill>
-                  <a:srgbClr val="020302"/>
-                </a:solidFill>
-                <a:latin typeface="AdobeClean-Light"/>
-                <a:cs typeface="AdobeClean-Light"/>
-              </a:rPr>
-              <a:t>documentation,</a:t>
-            </a:r>
-            <a:r>
-              <a:rPr lang="en-US" sz="1000" spc="-15" dirty="0">
-                <a:solidFill>
-                  <a:srgbClr val="020302"/>
-                </a:solidFill>
-                <a:latin typeface="AdobeClean-Light"/>
-                <a:cs typeface="AdobeClean-Light"/>
-              </a:rPr>
-              <a:t> </a:t>
-            </a:r>
-            <a:r>
-              <a:rPr sz="1000" spc="-15" dirty="0">
-                <a:solidFill>
-                  <a:srgbClr val="020302"/>
-                </a:solidFill>
-                <a:latin typeface="AdobeClean-Light"/>
-                <a:cs typeface="AdobeClean-Light"/>
-              </a:rPr>
-              <a:t>engagement</a:t>
-            </a:r>
-            <a:r>
-              <a:rPr lang="en-US" sz="1000" spc="-15" dirty="0">
-                <a:solidFill>
-                  <a:srgbClr val="020302"/>
-                </a:solidFill>
-                <a:latin typeface="AdobeClean-Light"/>
-                <a:cs typeface="AdobeClean-Light"/>
-              </a:rPr>
-              <a:t> </a:t>
-            </a:r>
-            <a:r>
-              <a:rPr sz="1000" spc="-15" dirty="0">
-                <a:solidFill>
-                  <a:srgbClr val="020302"/>
-                </a:solidFill>
-                <a:latin typeface="AdobeClean-Light"/>
-                <a:cs typeface="AdobeClean-Light"/>
-              </a:rPr>
-              <a:t>with</a:t>
-            </a:r>
-            <a:r>
-              <a:rPr sz="1000" spc="-35" dirty="0">
-                <a:solidFill>
-                  <a:srgbClr val="020302"/>
-                </a:solidFill>
-                <a:latin typeface="AdobeClean-Light"/>
-                <a:cs typeface="AdobeClean-Light"/>
-              </a:rPr>
-              <a:t> </a:t>
-            </a:r>
-            <a:r>
-              <a:rPr sz="1000" spc="-20" dirty="0">
-                <a:solidFill>
-                  <a:srgbClr val="020302"/>
-                </a:solidFill>
-                <a:latin typeface="AdobeClean-Light"/>
-                <a:cs typeface="AdobeClean-Light"/>
-              </a:rPr>
-              <a:t>other experts </a:t>
-            </a:r>
-            <a:r>
-              <a:rPr sz="1000" spc="-15" dirty="0">
-                <a:solidFill>
-                  <a:srgbClr val="020302"/>
-                </a:solidFill>
-                <a:latin typeface="AdobeClean-Light"/>
-                <a:cs typeface="AdobeClean-Light"/>
-              </a:rPr>
-              <a:t>and </a:t>
-            </a:r>
-            <a:r>
-              <a:rPr sz="1000" spc="-20" dirty="0">
-                <a:solidFill>
-                  <a:srgbClr val="020302"/>
-                </a:solidFill>
-                <a:latin typeface="AdobeClean-Light"/>
-                <a:cs typeface="AdobeClean-Light"/>
-              </a:rPr>
-              <a:t>customers </a:t>
-            </a:r>
-            <a:r>
-              <a:rPr sz="1000" spc="-15" dirty="0">
-                <a:solidFill>
-                  <a:srgbClr val="020302"/>
-                </a:solidFill>
-                <a:latin typeface="AdobeClean-Light"/>
-                <a:cs typeface="AdobeClean-Light"/>
-              </a:rPr>
-              <a:t>for best </a:t>
-            </a:r>
-            <a:r>
-              <a:rPr sz="1000" spc="-20" dirty="0">
-                <a:solidFill>
-                  <a:srgbClr val="020302"/>
-                </a:solidFill>
-                <a:latin typeface="AdobeClean-Light"/>
-                <a:cs typeface="AdobeClean-Light"/>
-              </a:rPr>
-              <a:t>practices, </a:t>
-            </a:r>
-            <a:r>
-              <a:rPr sz="1000" spc="-15" dirty="0">
-                <a:solidFill>
-                  <a:srgbClr val="020302"/>
-                </a:solidFill>
-                <a:latin typeface="AdobeClean-Light"/>
-                <a:cs typeface="AdobeClean-Light"/>
-              </a:rPr>
-              <a:t>and </a:t>
-            </a:r>
-            <a:r>
-              <a:rPr sz="1000" spc="-20" dirty="0">
-                <a:solidFill>
-                  <a:srgbClr val="020302"/>
-                </a:solidFill>
-                <a:latin typeface="AdobeClean-Light"/>
-                <a:cs typeface="AdobeClean-Light"/>
-              </a:rPr>
-              <a:t>webinar series (Office  </a:t>
-            </a:r>
-            <a:r>
-              <a:rPr sz="1000" spc="-15" dirty="0">
-                <a:solidFill>
-                  <a:srgbClr val="020302"/>
-                </a:solidFill>
-                <a:latin typeface="AdobeClean-Light"/>
-                <a:cs typeface="AdobeClean-Light"/>
-              </a:rPr>
-              <a:t>Hours) for </a:t>
-            </a:r>
-            <a:r>
-              <a:rPr sz="1000" spc="-20" dirty="0">
-                <a:solidFill>
-                  <a:srgbClr val="020302"/>
-                </a:solidFill>
-                <a:latin typeface="AdobeClean-Light"/>
-                <a:cs typeface="AdobeClean-Light"/>
-              </a:rPr>
-              <a:t>troubleshooting </a:t>
-            </a:r>
-            <a:r>
-              <a:rPr sz="1000" spc="-15" dirty="0">
-                <a:solidFill>
-                  <a:srgbClr val="020302"/>
-                </a:solidFill>
-                <a:latin typeface="AdobeClean-Light"/>
-                <a:cs typeface="AdobeClean-Light"/>
-              </a:rPr>
-              <a:t>tips and </a:t>
-            </a:r>
-            <a:r>
-              <a:rPr sz="1000" spc="-20" dirty="0">
-                <a:solidFill>
-                  <a:srgbClr val="020302"/>
-                </a:solidFill>
-                <a:latin typeface="AdobeClean-Light"/>
-                <a:cs typeface="AdobeClean-Light"/>
-              </a:rPr>
-              <a:t>tricks. Several channels </a:t>
-            </a:r>
-            <a:r>
-              <a:rPr sz="1000" spc="-15" dirty="0">
-                <a:solidFill>
-                  <a:srgbClr val="020302"/>
-                </a:solidFill>
-                <a:latin typeface="AdobeClean-Light"/>
-                <a:cs typeface="AdobeClean-Light"/>
-              </a:rPr>
-              <a:t>are</a:t>
-            </a:r>
-            <a:r>
-              <a:rPr sz="1000" spc="-140" dirty="0">
-                <a:solidFill>
-                  <a:srgbClr val="020302"/>
-                </a:solidFill>
-                <a:latin typeface="AdobeClean-Light"/>
-                <a:cs typeface="AdobeClean-Light"/>
-              </a:rPr>
-              <a:t> </a:t>
-            </a:r>
-            <a:r>
-              <a:rPr sz="1000" spc="-20" dirty="0">
-                <a:solidFill>
-                  <a:srgbClr val="020302"/>
-                </a:solidFill>
-                <a:latin typeface="AdobeClean-Light"/>
-                <a:cs typeface="AdobeClean-Light"/>
-              </a:rPr>
-              <a:t>also</a:t>
-            </a:r>
-            <a:r>
-              <a:rPr lang="en-US" sz="1000" dirty="0">
-                <a:latin typeface="AdobeClean-Light"/>
-                <a:cs typeface="AdobeClean-Light"/>
-              </a:rPr>
-              <a:t> </a:t>
-            </a:r>
-            <a:r>
-              <a:rPr sz="1000" spc="-25" dirty="0">
-                <a:solidFill>
-                  <a:srgbClr val="020302"/>
-                </a:solidFill>
-                <a:latin typeface="AdobeClean-Light"/>
-                <a:cs typeface="AdobeClean-Light"/>
-              </a:rPr>
-              <a:t>available</a:t>
-            </a:r>
-            <a:r>
-              <a:rPr sz="1000" spc="-65" dirty="0">
-                <a:solidFill>
-                  <a:srgbClr val="020302"/>
-                </a:solidFill>
-                <a:latin typeface="AdobeClean-Light"/>
-                <a:cs typeface="AdobeClean-Light"/>
-              </a:rPr>
-              <a:t> </a:t>
-            </a:r>
-            <a:r>
-              <a:rPr sz="1000" spc="-15" dirty="0">
-                <a:solidFill>
-                  <a:srgbClr val="020302"/>
-                </a:solidFill>
-                <a:latin typeface="AdobeClean-Light"/>
-                <a:cs typeface="AdobeClean-Light"/>
-              </a:rPr>
-              <a:t>for</a:t>
-            </a:r>
-            <a:r>
-              <a:rPr sz="1000" spc="-25" dirty="0">
-                <a:solidFill>
-                  <a:srgbClr val="020302"/>
-                </a:solidFill>
-                <a:latin typeface="AdobeClean-Light"/>
-                <a:cs typeface="AdobeClean-Light"/>
-              </a:rPr>
-              <a:t> </a:t>
-            </a:r>
-            <a:r>
-              <a:rPr sz="1000" spc="-20" dirty="0">
-                <a:solidFill>
-                  <a:srgbClr val="020302"/>
-                </a:solidFill>
-                <a:latin typeface="AdobeClean-Light"/>
-                <a:cs typeface="AdobeClean-Light"/>
-              </a:rPr>
-              <a:t>questions</a:t>
-            </a:r>
-            <a:r>
-              <a:rPr sz="1000" spc="-114" dirty="0">
-                <a:solidFill>
-                  <a:srgbClr val="020302"/>
-                </a:solidFill>
-                <a:latin typeface="AdobeClean-Light"/>
-                <a:cs typeface="AdobeClean-Light"/>
-              </a:rPr>
-              <a:t> </a:t>
-            </a:r>
-            <a:r>
-              <a:rPr sz="1000" spc="-15" dirty="0">
-                <a:solidFill>
-                  <a:srgbClr val="020302"/>
-                </a:solidFill>
-                <a:latin typeface="AdobeClean-Light"/>
-                <a:cs typeface="AdobeClean-Light"/>
-              </a:rPr>
-              <a:t>and</a:t>
-            </a:r>
-            <a:r>
-              <a:rPr sz="1000" spc="-45" dirty="0">
-                <a:solidFill>
-                  <a:srgbClr val="020302"/>
-                </a:solidFill>
-                <a:latin typeface="AdobeClean-Light"/>
-                <a:cs typeface="AdobeClean-Light"/>
-              </a:rPr>
-              <a:t> </a:t>
-            </a:r>
-            <a:r>
-              <a:rPr sz="1000" spc="-20" dirty="0">
-                <a:solidFill>
-                  <a:srgbClr val="020302"/>
-                </a:solidFill>
-                <a:latin typeface="AdobeClean-Light"/>
-                <a:cs typeface="AdobeClean-Light"/>
-              </a:rPr>
-              <a:t>case</a:t>
-            </a:r>
-            <a:r>
-              <a:rPr sz="1000" spc="-35" dirty="0">
-                <a:solidFill>
-                  <a:srgbClr val="020302"/>
-                </a:solidFill>
-                <a:latin typeface="AdobeClean-Light"/>
-                <a:cs typeface="AdobeClean-Light"/>
-              </a:rPr>
-              <a:t> </a:t>
-            </a:r>
-            <a:r>
-              <a:rPr sz="1000" spc="-20" dirty="0">
-                <a:solidFill>
-                  <a:srgbClr val="020302"/>
-                </a:solidFill>
-                <a:latin typeface="AdobeClean-Light"/>
-                <a:cs typeface="AdobeClean-Light"/>
-              </a:rPr>
-              <a:t>submissions</a:t>
-            </a:r>
-            <a:endParaRPr sz="1000" dirty="0">
-              <a:latin typeface="AdobeClean-Light"/>
-              <a:cs typeface="AdobeClean-Light"/>
-            </a:endParaRPr>
           </a:p>
         </p:txBody>
       </p:sp>
@@ -10163,7 +8344,7 @@
         <p:spPr>
           <a:xfrm>
             <a:off x="206585" y="8494028"/>
-            <a:ext cx="3270885" cy="302647"/>
+            <a:ext cx="3270885" cy="441146"/>
           </a:xfrm>
           <a:prstGeom prst="rect">
             <a:avLst/>
@@ -10187,162 +8368,34 @@
               </a:tabLst>
             </a:pPr>
             <a:r>
-              <a:rPr sz="900" spc="-20" dirty="0">
+              <a:rPr lang="it-IT" sz="900" dirty="0">
                 <a:solidFill>
                   <a:srgbClr val="020302"/>
                 </a:solidFill>
                 <a:latin typeface="AdobeClean-Light"/>
                 <a:cs typeface="AdobeClean-Light"/>
               </a:rPr>
-              <a:t>Start </a:t>
+              <a:t>Avvia una sessione di chat per ottenere risposte </a:t>
             </a:r>
-            <a:r>
-              <a:rPr sz="900" dirty="0">
+            <a:br>
+              <a:rPr lang="sk-SK" sz="900" dirty="0">
                 <a:solidFill>
                   <a:srgbClr val="020302"/>
                 </a:solidFill>
                 <a:latin typeface="AdobeClean-Light"/>
                 <a:cs typeface="AdobeClean-Light"/>
               </a:rPr>
-              <a:t>a </a:t>
-            </a:r>
+            </a:br>
             <a:r>
-              <a:rPr sz="900" spc="-15" dirty="0">
+              <a:rPr lang="it-IT" sz="900" dirty="0">
                 <a:solidFill>
                   <a:srgbClr val="020302"/>
                 </a:solidFill>
                 <a:latin typeface="AdobeClean-Light"/>
                 <a:cs typeface="AdobeClean-Light"/>
               </a:rPr>
-              <a:t>chat </a:t>
+              <a:t>e assistenza nell’invio di un caso.</a:t>
             </a:r>
-            <a:r>
-              <a:rPr sz="900" spc="-10" dirty="0">
-                <a:solidFill>
-                  <a:srgbClr val="020302"/>
-                </a:solidFill>
-                <a:latin typeface="AdobeClean-Light"/>
-                <a:cs typeface="AdobeClean-Light"/>
-              </a:rPr>
-              <a:t>session </a:t>
-            </a:r>
-            <a:r>
-              <a:rPr sz="900" spc="-5" dirty="0">
-                <a:solidFill>
-                  <a:srgbClr val="020302"/>
-                </a:solidFill>
-                <a:latin typeface="AdobeClean-Light"/>
-                <a:cs typeface="AdobeClean-Light"/>
-              </a:rPr>
-              <a:t>to </a:t>
-            </a:r>
-            <a:r>
-              <a:rPr sz="900" spc="-10" dirty="0">
-                <a:solidFill>
-                  <a:srgbClr val="020302"/>
-                </a:solidFill>
-                <a:latin typeface="AdobeClean-Light"/>
-                <a:cs typeface="AdobeClean-Light"/>
-              </a:rPr>
-              <a:t>get </a:t>
-            </a:r>
-            <a:r>
-              <a:rPr sz="900" spc="30" dirty="0">
-                <a:solidFill>
-                  <a:srgbClr val="020302"/>
-                </a:solidFill>
-                <a:latin typeface="AdobeClean-Light"/>
-                <a:cs typeface="AdobeClean-Light"/>
-              </a:rPr>
-              <a:t> </a:t>
-            </a:r>
-            <a:r>
-              <a:rPr sz="900" spc="-20" dirty="0">
-                <a:solidFill>
-                  <a:srgbClr val="020302"/>
-                </a:solidFill>
-                <a:latin typeface="AdobeClean-Light"/>
-                <a:cs typeface="AdobeClean-Light"/>
-              </a:rPr>
-              <a:t>answers</a:t>
-            </a:r>
-            <a:r>
-              <a:rPr lang="en-US" sz="900" spc="-45" dirty="0">
-                <a:solidFill>
-                  <a:srgbClr val="020302"/>
-                </a:solidFill>
-                <a:latin typeface="AdobeClean-Light"/>
-                <a:cs typeface="AdobeClean-Light"/>
-              </a:rPr>
-              <a:t> </a:t>
-            </a:r>
-            <a:r>
-              <a:rPr lang="en-US" sz="900" dirty="0">
-                <a:solidFill>
-                  <a:srgbClr val="020302"/>
-                </a:solidFill>
-                <a:latin typeface="AdobeClean-Light"/>
-                <a:cs typeface="AdobeClean-Light"/>
-              </a:rPr>
-              <a:t>&amp; </a:t>
-            </a:r>
-            <a:r>
-              <a:rPr sz="900" spc="-15" dirty="0">
-                <a:solidFill>
-                  <a:srgbClr val="020302"/>
-                </a:solidFill>
-                <a:latin typeface="AdobeClean-Light"/>
-                <a:cs typeface="AdobeClean-Light"/>
-              </a:rPr>
-              <a:t>help </a:t>
-            </a:r>
-            <a:r>
-              <a:rPr sz="900" spc="-10" dirty="0">
-                <a:solidFill>
-                  <a:srgbClr val="020302"/>
-                </a:solidFill>
-                <a:latin typeface="AdobeClean-Light"/>
-                <a:cs typeface="AdobeClean-Light"/>
-              </a:rPr>
-              <a:t>with</a:t>
-            </a:r>
-            <a:r>
-              <a:rPr sz="900" spc="85" dirty="0">
-                <a:solidFill>
-                  <a:srgbClr val="020302"/>
-                </a:solidFill>
-                <a:latin typeface="AdobeClean-Light"/>
-                <a:cs typeface="AdobeClean-Light"/>
-              </a:rPr>
-              <a:t> </a:t>
-            </a:r>
-            <a:r>
-              <a:rPr sz="900" spc="-10" dirty="0">
-                <a:solidFill>
-                  <a:srgbClr val="020302"/>
-                </a:solidFill>
-                <a:latin typeface="AdobeClean-Light"/>
-                <a:cs typeface="AdobeClean-Light"/>
-              </a:rPr>
-              <a:t>case </a:t>
-            </a:r>
-            <a:r>
-              <a:rPr sz="900" spc="-20" dirty="0">
-                <a:solidFill>
-                  <a:srgbClr val="020302"/>
-                </a:solidFill>
-                <a:latin typeface="AdobeClean-Light"/>
-                <a:cs typeface="AdobeClean-Light"/>
-              </a:rPr>
-              <a:t>submission</a:t>
-            </a:r>
-            <a:endParaRPr lang="en-US" sz="900" spc="-20" dirty="0">
-              <a:solidFill>
-                <a:srgbClr val="020302"/>
-              </a:solidFill>
-              <a:latin typeface="AdobeClean-Light"/>
-              <a:cs typeface="AdobeClean-Light"/>
-            </a:endParaRPr>
           </a:p>
           <a:p>
             <a:pPr marL="33020" marR="159385">
@@ -10357,29 +8410,15 @@
               </a:tabLst>
             </a:pPr>
             <a:r>
-              <a:rPr sz="900" i="1" spc="-10" dirty="0">
+              <a:rPr lang="it-IT" sz="900" i="1" dirty="0">
                 <a:solidFill>
                   <a:srgbClr val="7A7A7A"/>
                 </a:solidFill>
                 <a:latin typeface="AdobeClean-LightIt"/>
                 <a:cs typeface="AdobeClean-LightIt"/>
               </a:rPr>
-              <a:t>*Not all </a:t>
+              <a:t>* Il supporto chat in diretta non è disponibile per tutti i prodotti.  </a:t>
             </a:r>
-            <a:r>
-              <a:rPr sz="900" i="1" spc="-20" dirty="0">
-                <a:solidFill>
-                  <a:srgbClr val="7A7A7A"/>
-                </a:solidFill>
-                <a:latin typeface="AdobeClean-LightIt"/>
-                <a:cs typeface="AdobeClean-LightIt"/>
-              </a:rPr>
-              <a:t>products have live chat support.  </a:t>
-            </a:r>
-            <a:endParaRPr sz="900" dirty="0">
-              <a:latin typeface="AdobeClean-Light"/>
-              <a:cs typeface="AdobeClean-Light"/>
-            </a:endParaRPr>
           </a:p>
         </p:txBody>
       </p:sp>
@@ -10448,19 +8487,15 @@
               </a:spcBef>
             </a:pPr>
             <a:r>
-              <a:rPr lang="en-US" sz="1400" b="1" spc="-10" dirty="0">
+              <a:rPr lang="it-IT" sz="1400" b="1">
                 <a:solidFill>
                   <a:srgbClr val="020302"/>
                 </a:solidFill>
                 <a:latin typeface="Adobe Clean"/>
                 <a:cs typeface="Adobe Clean"/>
               </a:rPr>
-              <a:t>Online Support</a:t>
+              <a:t>Supporto Online</a:t>
             </a:r>
-            <a:endParaRPr lang="en-US" sz="1400" dirty="0">
-              <a:latin typeface="Adobe Clean"/>
-              <a:cs typeface="Adobe Clean"/>
-            </a:endParaRPr>
           </a:p>
         </p:txBody>
       </p:sp>
@@ -10507,12 +8542,12 @@
               <a:defRPr/>
             </a:pPr>
             <a:r>
-              <a:rPr lang="en-US" sz="1200" dirty="0">
+              <a:rPr lang="it-IT" sz="1200">
                 <a:solidFill>
                   <a:srgbClr val="000000"/>
                 </a:solidFill>
               </a:rPr>
-              <a:t>Community Forums</a:t>
+              <a:t>Forum della community</a:t>
             </a:r>
           </a:p>
         </p:txBody>
@@ -10555,12 +8590,12 @@
               </a:spcAft>
             </a:pPr>
             <a:r>
-              <a:rPr lang="en-US" sz="1200" b="1" dirty="0">
+              <a:rPr lang="it-IT" sz="1200" b="1">
                 <a:latin typeface="+mj-lt"/>
                 <a:ea typeface="Open Sans" pitchFamily="34" charset="0"/>
                 <a:cs typeface="Open Sans" pitchFamily="34" charset="0"/>
               </a:rPr>
-              <a:t>Online Forums</a:t>
+              <a:t>Forum online</a:t>
             </a:r>
           </a:p>
         </p:txBody>
@@ -10580,7 +8615,7 @@
         <p:spPr>
           <a:xfrm>
             <a:off x="244599" y="3893151"/>
-            <a:ext cx="3413002" cy="651460"/>
+            <a:ext cx="3413002" cy="805349"/>
           </a:xfrm>
           <a:prstGeom prst="rect">
             <a:avLst/>
@@ -10593,13 +8628,30 @@
           <a:lstStyle/>
           <a:p>
             <a:r>
-              <a:rPr lang="en-US" sz="1000" dirty="0">
+              <a:rPr lang="it-IT" sz="1000" dirty="0">
                 <a:solidFill>
                   <a:srgbClr val="000000"/>
                 </a:solidFill>
                 <a:latin typeface="Adobe Clean Light" panose="020B0303020404020204" pitchFamily="34" charset="0"/>
               </a:rPr>
-              <a:t>Continuous online access to a growing database of technical solutions, product documentation, FAQs and more. Connect with practitioners and other customers on Adobe Community to share best practices and lessons learned.</a:t>
+              <a:t>Accesso online continuo a un database in continua crescita </a:t>
+            </a:r>
+            <a:br>
+              <a:rPr lang="sk-SK" sz="1000" dirty="0">
+                <a:solidFill>
+                  <a:srgbClr val="000000"/>
+                </a:solidFill>
+                <a:latin typeface="Adobe Clean Light" panose="020B0303020404020204" pitchFamily="34" charset="0"/>
+              </a:rPr>
+            </a:br>
+            <a:r>
+              <a:rPr lang="it-IT" sz="1000" dirty="0">
+                <a:solidFill>
+                  <a:srgbClr val="000000"/>
+                </a:solidFill>
+                <a:latin typeface="Adobe Clean Light" panose="020B0303020404020204" pitchFamily="34" charset="0"/>
+              </a:rPr>
+              <a:t>di soluzioni tecniche, documentazione del prodotto, risposte alle domande più frequenti e altro ancora. Possibilità di relazionarsi con professionisti e altri clienti della Community Adobe per condividere best practice ed esperienze.</a:t>
             </a:r>
           </a:p>
         </p:txBody>
@@ -10647,7 +8699,7 @@
               <a:defRPr/>
             </a:pPr>
             <a:r>
-              <a:rPr lang="en-US" sz="1200" dirty="0">
+              <a:rPr lang="it-IT" sz="1200">
                 <a:solidFill>
                   <a:srgbClr val="000000"/>
                 </a:solidFill>
@@ -10695,12 +8747,12 @@
               </a:spcAft>
             </a:pPr>
             <a:r>
-              <a:rPr lang="en-US" sz="1200" b="1" dirty="0">
+              <a:rPr lang="it-IT" sz="1200" b="1">
                 <a:latin typeface="+mj-lt"/>
                 <a:ea typeface="Open Sans" pitchFamily="34" charset="0"/>
                 <a:cs typeface="Open Sans" pitchFamily="34" charset="0"/>
               </a:rPr>
-              <a:t>Self-guided Journeys</a:t>
+              <a:t>Percorsi autoguidati</a:t>
             </a:r>
           </a:p>
         </p:txBody>
@@ -10733,13 +8785,13 @@
           <a:lstStyle/>
           <a:p>
             <a:r>
-              <a:rPr lang="en-US" sz="1000" dirty="0">
+              <a:rPr lang="it-IT" sz="1000" dirty="0">
                 <a:solidFill>
                   <a:srgbClr val="000000"/>
                 </a:solidFill>
                 <a:latin typeface="Adobe Clean Light" panose="020B0303020404020204" pitchFamily="34" charset="0"/>
               </a:rPr>
-              <a:t>Experience Makers are made with Experience League. Customers can kickstart their Customer Experience Management abilities with personalized learning to develop skills, engage with a global community of peers, and earn career advancing recognition. </a:t>
+              <a:t>Diventa un Experience Maker con Experience League. Puoi acquisire rapidamente le capacità necessarie nella gestione della customer experience seguendo un percorso di apprendimento personalizzato per sviluppare nuove competenze, partecipare a una comunità globale di professionisti e guadagnare riconoscimenti di valore sul piano professionale. </a:t>
             </a:r>
           </a:p>
         </p:txBody>
@@ -10787,7 +8839,7 @@
               <a:defRPr/>
             </a:pPr>
             <a:r>
-              <a:rPr lang="en-US" sz="1200" dirty="0">
+              <a:rPr lang="it-IT" sz="1200">
                 <a:solidFill>
                   <a:srgbClr val="000000"/>
                 </a:solidFill>
@@ -10835,12 +8887,12 @@
               </a:spcAft>
             </a:pPr>
             <a:r>
-              <a:rPr lang="en-US" sz="1200" b="1" dirty="0">
+              <a:rPr lang="it-IT" sz="1200" b="1">
                 <a:latin typeface="+mj-lt"/>
                 <a:ea typeface="Open Sans" pitchFamily="34" charset="0"/>
                 <a:cs typeface="Open Sans" pitchFamily="34" charset="0"/>
               </a:rPr>
-              <a:t>Webinars</a:t>
+              <a:t>Webinar</a:t>
             </a:r>
           </a:p>
         </p:txBody>
@@ -10873,13 +8925,64 @@
           <a:lstStyle/>
           <a:p>
             <a:r>
-              <a:rPr lang="en-US" sz="1000" dirty="0">
+              <a:rPr lang="it-IT" sz="1000" dirty="0">
                 <a:solidFill>
                   <a:srgbClr val="000000"/>
                 </a:solidFill>
                 <a:latin typeface="Adobe Clean Light" panose="020B0303020404020204" pitchFamily="34" charset="0"/>
               </a:rPr>
-              <a:t>Office  Hours  led  by  the  Adobe  Customer Support  team  includes  sessions  designed to  inform  as  well  as  help  participants troubleshoot  problems  and  provide  tips and  tricks  for  success  with  Adobe  solutions.</a:t>
+              <a:t>Le sessioni Office Hours, guidate dal team di Assistenza clienti </a:t>
+            </a:r>
+            <a:br>
+              <a:rPr lang="sk-SK" sz="1000" dirty="0">
+                <a:solidFill>
+                  <a:srgbClr val="000000"/>
+                </a:solidFill>
+                <a:latin typeface="Adobe Clean Light" panose="020B0303020404020204" pitchFamily="34" charset="0"/>
+              </a:rPr>
+            </a:br>
+            <a:r>
+              <a:rPr lang="it-IT" sz="1000" dirty="0">
+                <a:solidFill>
+                  <a:srgbClr val="000000"/>
+                </a:solidFill>
+                <a:latin typeface="Adobe Clean Light" panose="020B0303020404020204" pitchFamily="34" charset="0"/>
+              </a:rPr>
+              <a:t>di Adobe, sono pensate per informare e aiutare i partecipanti </a:t>
+            </a:r>
+            <a:br>
+              <a:rPr lang="sk-SK" sz="1000" dirty="0">
+                <a:solidFill>
+                  <a:srgbClr val="000000"/>
+                </a:solidFill>
+                <a:latin typeface="Adobe Clean Light" panose="020B0303020404020204" pitchFamily="34" charset="0"/>
+              </a:rPr>
+            </a:br>
+            <a:r>
+              <a:rPr lang="it-IT" sz="1000" dirty="0">
+                <a:solidFill>
+                  <a:srgbClr val="000000"/>
+                </a:solidFill>
+                <a:latin typeface="Adobe Clean Light" panose="020B0303020404020204" pitchFamily="34" charset="0"/>
+              </a:rPr>
+              <a:t>a risolvere eventuali problemi e forniscono suggerimenti utili </a:t>
+            </a:r>
+            <a:br>
+              <a:rPr lang="sk-SK" sz="1000" dirty="0">
+                <a:solidFill>
+                  <a:srgbClr val="000000"/>
+                </a:solidFill>
+                <a:latin typeface="Adobe Clean Light" panose="020B0303020404020204" pitchFamily="34" charset="0"/>
+              </a:rPr>
+            </a:br>
+            <a:r>
+              <a:rPr lang="it-IT" sz="1000" dirty="0">
+                <a:solidFill>
+                  <a:srgbClr val="000000"/>
+                </a:solidFill>
+                <a:latin typeface="Adobe Clean Light" panose="020B0303020404020204" pitchFamily="34" charset="0"/>
+              </a:rPr>
+              <a:t>per ottenere il massimo dalle soluzioni Adobe.</a:t>
             </a:r>
           </a:p>
         </p:txBody>
@@ -10927,12 +9030,12 @@
               <a:defRPr/>
             </a:pPr>
             <a:r>
-              <a:rPr lang="en-US" sz="1200" dirty="0">
+              <a:rPr lang="it-IT" sz="1200">
                 <a:solidFill>
                   <a:srgbClr val="000000"/>
                 </a:solidFill>
               </a:rPr>
-              <a:t>Self-help Portals</a:t>
+              <a:t>Portali di assistenza autonoma</a:t>
             </a:r>
           </a:p>
         </p:txBody>
@@ -10975,12 +9078,12 @@
               </a:spcAft>
             </a:pPr>
             <a:r>
-              <a:rPr lang="en-US" sz="1200" b="1" dirty="0">
+              <a:rPr lang="it-IT" sz="1200" b="1">
                 <a:latin typeface="+mj-lt"/>
                 <a:ea typeface="Open Sans" pitchFamily="34" charset="0"/>
                 <a:cs typeface="Open Sans" pitchFamily="34" charset="0"/>
               </a:rPr>
-              <a:t>24/7 Support Portal</a:t>
+              <a:t>Portale di supporto 24/7</a:t>
             </a:r>
           </a:p>
         </p:txBody>
@@ -11000,7 +9103,7 @@
         <p:spPr>
           <a:xfrm>
             <a:off x="3849036" y="6132567"/>
-            <a:ext cx="3413002" cy="497572"/>
+            <a:ext cx="3413002" cy="651460"/>
           </a:xfrm>
           <a:prstGeom prst="rect">
             <a:avLst/>
@@ -11013,13 +9116,30 @@
           <a:lstStyle/>
           <a:p>
             <a:r>
-              <a:rPr lang="en-US" sz="1000" dirty="0">
+              <a:rPr lang="it-IT" sz="1000" dirty="0">
                 <a:solidFill>
                   <a:srgbClr val="000000"/>
                 </a:solidFill>
                 <a:latin typeface="Adobe Clean Light" panose="020B0303020404020204" pitchFamily="34" charset="0"/>
               </a:rPr>
-              <a:t>On-demand access to the online Self-help Support Portal to submit support requests, review case status, and browse other resources, like our knowledgebase, news and alerts, featured tips, and more.</a:t>
+              <a:t>Accesso on-demand al portale di assistenza autonoma per inviare richieste di supporto, esaminare lo stato dei casi e sfogliare altre risorse, come la knowledge base, notizie e avvisi, suggerimenti </a:t>
+            </a:r>
+            <a:br>
+              <a:rPr lang="sk-SK" sz="1000" dirty="0">
+                <a:solidFill>
+                  <a:srgbClr val="000000"/>
+                </a:solidFill>
+                <a:latin typeface="Adobe Clean Light" panose="020B0303020404020204" pitchFamily="34" charset="0"/>
+              </a:rPr>
+            </a:br>
+            <a:r>
+              <a:rPr lang="it-IT" sz="1000" dirty="0">
+                <a:solidFill>
+                  <a:srgbClr val="000000"/>
+                </a:solidFill>
+                <a:latin typeface="Adobe Clean Light" panose="020B0303020404020204" pitchFamily="34" charset="0"/>
+              </a:rPr>
+              <a:t>e altro ancora.</a:t>
             </a:r>
           </a:p>
         </p:txBody>
@@ -11067,12 +9187,12 @@
               <a:defRPr/>
             </a:pPr>
             <a:r>
-              <a:rPr lang="en-US" sz="1200" dirty="0">
+              <a:rPr lang="it-IT" sz="1200">
                 <a:solidFill>
                   <a:srgbClr val="000000"/>
                 </a:solidFill>
               </a:rPr>
-              <a:t>Live Chat  Support*</a:t>
+              <a:t>Supporto chat in diretta*</a:t>
             </a:r>
           </a:p>
         </p:txBody>
@@ -11115,12 +9235,12 @@
               </a:spcAft>
             </a:pPr>
             <a:r>
-              <a:rPr lang="en-US" sz="1200" b="1" dirty="0">
+              <a:rPr lang="it-IT" sz="1200" b="1">
                 <a:latin typeface="+mj-lt"/>
                 <a:ea typeface="Open Sans" pitchFamily="34" charset="0"/>
                 <a:cs typeface="Open Sans" pitchFamily="34" charset="0"/>
               </a:rPr>
-              <a:t>Chat Support</a:t>
+              <a:t>Supporto chat</a:t>
             </a:r>
           </a:p>
         </p:txBody>
@@ -11168,12 +9288,12 @@
               <a:defRPr/>
             </a:pPr>
             <a:r>
-              <a:rPr lang="en-US" sz="1200" dirty="0">
+              <a:rPr lang="it-IT" sz="1200">
                 <a:solidFill>
                   <a:srgbClr val="000000"/>
                 </a:solidFill>
               </a:rPr>
-              <a:t>24 X 7 X 365 P1 </a:t>
+              <a:t>24x7x365 P1 </a:t>
             </a:r>
           </a:p>
         </p:txBody>
@@ -11216,12 +9336,12 @@
               </a:spcAft>
             </a:pPr>
             <a:r>
-              <a:rPr lang="en-US" sz="1200" b="1" dirty="0">
+              <a:rPr lang="it-IT" sz="1200" b="1">
                 <a:latin typeface="+mj-lt"/>
                 <a:ea typeface="Open Sans" pitchFamily="34" charset="0"/>
                 <a:cs typeface="Open Sans" pitchFamily="34" charset="0"/>
               </a:rPr>
-              <a:t>Phone  Support</a:t>
+              <a:t>Supporto telefonico</a:t>
             </a:r>
           </a:p>
         </p:txBody>
@@ -11241,7 +9361,7 @@
         <p:spPr>
           <a:xfrm>
             <a:off x="3833993" y="8494028"/>
-            <a:ext cx="3413002" cy="497572"/>
+            <a:ext cx="3413002" cy="651460"/>
           </a:xfrm>
           <a:prstGeom prst="rect">
             <a:avLst/>
@@ -11254,26 +9374,54 @@
           <a:lstStyle/>
           <a:p>
             <a:r>
-              <a:rPr lang="en-US" sz="1000" dirty="0">
+              <a:rPr lang="it-IT" sz="1000" dirty="0">
                 <a:solidFill>
                   <a:srgbClr val="020302"/>
                 </a:solidFill>
                 <a:latin typeface="AdobeClean-Light"/>
               </a:rPr>
-              <a:t>Authorized users or Named Support Contacts </a:t>
+              <a:t>Gli utenti autorizzati o i contatti interni per il supporto possono segnalare i problemi tramite tutti i canali disponibili (compreso </a:t>
+            </a:r>
+            <a:br>
+              <a:rPr lang="sk-SK" sz="1000" dirty="0">
+                <a:solidFill>
+                  <a:srgbClr val="020302"/>
+                </a:solidFill>
+                <a:latin typeface="AdobeClean-Light"/>
+              </a:rPr>
+            </a:br>
+            <a:r>
+              <a:rPr lang="it-IT" sz="1000" dirty="0">
+                <a:solidFill>
+                  <a:srgbClr val="020302"/>
+                </a:solidFill>
+                <a:latin typeface="AdobeClean-Light"/>
+              </a:rPr>
+              <a:t>il supporto telefonico per casi P1) e interagire con il team Adobe </a:t>
+            </a:r>
+            <a:br>
+              <a:rPr lang="sk-SK" sz="1000" dirty="0">
+                <a:solidFill>
+                  <a:srgbClr val="020302"/>
+                </a:solidFill>
+                <a:latin typeface="AdobeClean-Light"/>
+              </a:rPr>
+            </a:br>
+            <a:r>
+              <a:rPr lang="it-IT" sz="1000" dirty="0">
+                <a:solidFill>
+                  <a:srgbClr val="020302"/>
+                </a:solidFill>
+                <a:latin typeface="AdobeClean-Light"/>
+              </a:rPr>
+              <a:t>di assistenza tecnica per conto della tua azienda</a:t>
             </a:r>
             <a:r>
-              <a:rPr lang="en-US" sz="1000" dirty="0">
+              <a:rPr lang="it-IT" sz="1000" dirty="0">
                 <a:latin typeface="Adobe Clean Light" panose="020B0303020404020204" pitchFamily="34" charset="0"/>
               </a:rPr>
-              <a:t>can submit issues through all available  channels (including phone for P1) and interact with our technical support team on behalf of your company. </a:t>
+              <a:t>. </a:t>
             </a:r>
-            <a:endParaRPr lang="en-US" sz="1000" dirty="0">
-              <a:solidFill>
-                <a:srgbClr val="000000"/>
-              </a:solidFill>
-              <a:latin typeface="Adobe Clean Light" panose="020B0303020404020204" pitchFamily="34" charset="0"/>
-            </a:endParaRPr>
           </a:p>
         </p:txBody>
       </p:sp>
@@ -11317,24 +9465,8 @@
               </a:spcBef>
             </a:pPr>
             <a:r>
-              <a:rPr spc="-5" dirty="0"/>
-              <a:t>©202</a:t>
-            </a:r>
-            <a:r>
-              <a:rPr lang="en-US" spc="-5" dirty="0"/>
-              <a:t>1</a:t>
-            </a:r>
-            <a:r>
-              <a:rPr spc="-5" dirty="0"/>
-              <a:t> Adobe. All Rights Reserved. Adobe</a:t>
-            </a:r>
-            <a:r>
-              <a:rPr spc="60" dirty="0"/>
-              <a:t> </a:t>
-            </a:r>
-            <a:r>
-              <a:rPr spc="-5" dirty="0"/>
-              <a:t>Confidential.</a:t>
+              <a:rPr lang="it-IT"/>
+              <a:t>©2021 Adobe. All Rights Reserved. Adobe Confidential.</a:t>
             </a:r>
           </a:p>
         </p:txBody>
@@ -11625,49 +9757,15 @@
               </a:lnSpc>
             </a:pPr>
             <a:r>
-              <a:rPr sz="500" spc="-5" dirty="0">
+              <a:rPr lang="it-IT" sz="500">
                 <a:solidFill>
                   <a:srgbClr val="6C6C6C"/>
                 </a:solidFill>
                 <a:latin typeface="Adobe Clean"/>
                 <a:cs typeface="Adobe Clean"/>
               </a:rPr>
-              <a:t>©2020 Adobe. All Rights Reserved. </a:t>
+              <a:t>©2020 Adobe. All Rights Reserved. Adobe Confidential.</a:t>
             </a:r>
-            <a:r>
-              <a:rPr sz="500" dirty="0">
-                <a:solidFill>
-                  <a:srgbClr val="6C6C6C"/>
-                </a:solidFill>
-                <a:latin typeface="Adobe Clean"/>
-                <a:cs typeface="Adobe Clean"/>
-              </a:rPr>
-              <a:t>Adobe</a:t>
-            </a:r>
-            <a:r>
-              <a:rPr sz="500" spc="5" dirty="0">
-                <a:solidFill>
-                  <a:srgbClr val="6C6C6C"/>
-                </a:solidFill>
-                <a:latin typeface="Adobe Clean"/>
-                <a:cs typeface="Adobe Clean"/>
-              </a:rPr>
-              <a:t> </a:t>
-            </a:r>
-            <a:r>
-              <a:rPr sz="500" spc="-5" dirty="0">
-                <a:solidFill>
-                  <a:srgbClr val="6C6C6C"/>
-                </a:solidFill>
-                <a:latin typeface="Adobe Clean"/>
-                <a:cs typeface="Adobe Clean"/>
-              </a:rPr>
-              <a:t>Confidential.</a:t>
-            </a:r>
-            <a:endParaRPr sz="500">
-              <a:latin typeface="Adobe Clean"/>
-              <a:cs typeface="Adobe Clean"/>
-            </a:endParaRPr>
           </a:p>
           <a:p>
             <a:pPr>
@@ -11693,39 +9791,15 @@
               </a:spcBef>
             </a:pPr>
             <a:r>
-              <a:rPr sz="800" spc="-5" dirty="0">
+              <a:rPr lang="it-IT" sz="800">
                 <a:solidFill>
                   <a:srgbClr val="6D6D6D"/>
                 </a:solidFill>
                 <a:latin typeface="Adobe Clean"/>
                 <a:cs typeface="Adobe Clean"/>
               </a:rPr>
-              <a:t>©2020 Adobe. All Rights Reserved. Adobe</a:t>
+              <a:t>©2020 Adobe. All Rights Reserved. Adobe Confidential.</a:t>
             </a:r>
-            <a:r>
-              <a:rPr sz="800" spc="75" dirty="0">
-                <a:solidFill>
-                  <a:srgbClr val="6D6D6D"/>
-                </a:solidFill>
-                <a:latin typeface="Adobe Clean"/>
-                <a:cs typeface="Adobe Clean"/>
-              </a:rPr>
-              <a:t> </a:t>
-            </a:r>
-            <a:r>
-              <a:rPr sz="800" spc="-5" dirty="0">
-                <a:solidFill>
-                  <a:srgbClr val="6D6D6D"/>
-                </a:solidFill>
-                <a:latin typeface="Adobe Clean"/>
-                <a:cs typeface="Adobe Clean"/>
-              </a:rPr>
-              <a:t>Confidential.</a:t>
-            </a:r>
-            <a:endParaRPr sz="800">
-              <a:latin typeface="Adobe Clean"/>
-              <a:cs typeface="Adobe Clean"/>
-            </a:endParaRPr>
           </a:p>
         </p:txBody>
       </p:sp>
@@ -11809,19 +9883,15 @@
               </a:spcBef>
             </a:pPr>
             <a:r>
-              <a:rPr lang="en-US" sz="1400" b="1" spc="-15" dirty="0">
+              <a:rPr lang="it-IT" sz="1400" b="1">
                 <a:solidFill>
                   <a:srgbClr val="020302"/>
                 </a:solidFill>
                 <a:latin typeface="Adobe Clean"/>
                 <a:cs typeface="Adobe Clean"/>
               </a:rPr>
-              <a:t>Resources</a:t>
+              <a:t>Risorse</a:t>
             </a:r>
-            <a:endParaRPr sz="1400" dirty="0">
-              <a:latin typeface="Adobe Clean"/>
-              <a:cs typeface="Adobe Clean"/>
-            </a:endParaRPr>
           </a:p>
         </p:txBody>
       </p:sp>
@@ -11855,7 +9925,7 @@
               </a:spcBef>
             </a:pPr>
             <a:r>
-              <a:rPr sz="800" spc="-15" dirty="0">
+              <a:rPr lang="it-IT" sz="800">
                 <a:solidFill>
                   <a:srgbClr val="777879"/>
                 </a:solidFill>
@@ -11864,10 +9934,6 @@
               </a:rPr>
               <a:t>Adobe</a:t>
             </a:r>
-            <a:endParaRPr sz="800">
-              <a:latin typeface="Adobe Clean"/>
-              <a:cs typeface="Adobe Clean"/>
-            </a:endParaRPr>
           </a:p>
           <a:p>
             <a:pPr marL="12700">
@@ -11876,39 +9942,15 @@
               </a:lnSpc>
             </a:pPr>
             <a:r>
-              <a:rPr sz="800" spc="-15" dirty="0">
+              <a:rPr lang="it-IT" sz="800">
                 <a:solidFill>
                   <a:srgbClr val="777879"/>
                 </a:solidFill>
                 <a:latin typeface="Adobe Clean"/>
                 <a:cs typeface="Adobe Clean"/>
               </a:rPr>
-              <a:t>345 Park</a:t>
+              <a:t>345 Park Avenue</a:t>
             </a:r>
-            <a:r>
-              <a:rPr sz="800" spc="-100" dirty="0">
-                <a:solidFill>
-                  <a:srgbClr val="777879"/>
-                </a:solidFill>
-                <a:latin typeface="Adobe Clean"/>
-                <a:cs typeface="Adobe Clean"/>
-              </a:rPr>
-              <a:t> </a:t>
-            </a:r>
-            <a:r>
-              <a:rPr sz="800" spc="-15" dirty="0">
-                <a:solidFill>
-                  <a:srgbClr val="777879"/>
-                </a:solidFill>
-                <a:latin typeface="Adobe Clean"/>
-                <a:cs typeface="Adobe Clean"/>
-              </a:rPr>
-              <a:t>Avenue</a:t>
-            </a:r>
-            <a:endParaRPr sz="800">
-              <a:latin typeface="Adobe Clean"/>
-              <a:cs typeface="Adobe Clean"/>
-            </a:endParaRPr>
           </a:p>
           <a:p>
             <a:pPr marL="12700">
@@ -11917,49 +9959,15 @@
               </a:lnSpc>
             </a:pPr>
             <a:r>
-              <a:rPr sz="800" spc="-10" dirty="0">
+              <a:rPr lang="it-IT" sz="800">
                 <a:solidFill>
                   <a:srgbClr val="777879"/>
                 </a:solidFill>
                 <a:latin typeface="Adobe Clean"/>
                 <a:cs typeface="Adobe Clean"/>
               </a:rPr>
-              <a:t>San </a:t>
+              <a:t>San Jose, CA 95110-2704</a:t>
             </a:r>
-            <a:r>
-              <a:rPr sz="800" spc="-15" dirty="0">
-                <a:solidFill>
-                  <a:srgbClr val="777879"/>
-                </a:solidFill>
-                <a:latin typeface="Adobe Clean"/>
-                <a:cs typeface="Adobe Clean"/>
-              </a:rPr>
-              <a:t>Jose,</a:t>
-            </a:r>
-            <a:r>
-              <a:rPr sz="800" spc="-140" dirty="0">
-                <a:solidFill>
-                  <a:srgbClr val="777879"/>
-                </a:solidFill>
-                <a:latin typeface="Adobe Clean"/>
-                <a:cs typeface="Adobe Clean"/>
-              </a:rPr>
-              <a:t> </a:t>
-            </a:r>
-            <a:r>
-              <a:rPr sz="800" spc="-20" dirty="0">
-                <a:solidFill>
-                  <a:srgbClr val="777879"/>
-                </a:solidFill>
-                <a:latin typeface="Adobe Clean"/>
-                <a:cs typeface="Adobe Clean"/>
-              </a:rPr>
-              <a:t>CA95110-2704</a:t>
-            </a:r>
-            <a:endParaRPr sz="800">
-              <a:latin typeface="Adobe Clean"/>
-              <a:cs typeface="Adobe Clean"/>
-            </a:endParaRPr>
           </a:p>
           <a:p>
             <a:pPr marL="12700">
@@ -11971,7 +9979,7 @@
               </a:spcBef>
             </a:pPr>
             <a:r>
-              <a:rPr sz="800" spc="-10" dirty="0">
+              <a:rPr lang="it-IT" sz="800">
                 <a:solidFill>
                   <a:srgbClr val="777879"/>
                 </a:solidFill>
@@ -11980,10 +9988,6 @@
               </a:rPr>
               <a:t>USA</a:t>
             </a:r>
-            <a:endParaRPr sz="800">
-              <a:latin typeface="Adobe Clean"/>
-              <a:cs typeface="Adobe Clean"/>
-            </a:endParaRPr>
           </a:p>
           <a:p>
             <a:pPr marL="12700">
@@ -11995,7 +9999,7 @@
               </a:spcBef>
             </a:pPr>
             <a:r>
-              <a:rPr sz="800" u="sng" spc="-25" dirty="0">
+              <a:rPr lang="it-IT" sz="800" u="sng">
                 <a:solidFill>
                   <a:srgbClr val="5F5F5F"/>
                 </a:solidFill>
@@ -12010,10 +10014,6 @@
               </a:rPr>
               <a:t>www.adobe.com</a:t>
             </a:r>
-            <a:endParaRPr sz="800">
-              <a:latin typeface="Adobe Clean"/>
-              <a:cs typeface="Adobe Clean"/>
-            </a:endParaRPr>
           </a:p>
         </p:txBody>
       </p:sp>
@@ -12188,409 +10188,15 @@
               </a:spcBef>
             </a:pPr>
             <a:r>
-              <a:rPr sz="1100" i="1" spc="-10" dirty="0">
+              <a:rPr lang="it-IT" sz="1100" i="1">
                 <a:solidFill>
                   <a:srgbClr val="777879"/>
                 </a:solidFill>
                 <a:latin typeface="AdobeClean-LightIt"/>
                 <a:cs typeface="AdobeClean-LightIt"/>
               </a:rPr>
-              <a:t>To</a:t>
+              <a:t>Per saperne di più sulle opzioni di Supporto Adobe e capire quale sia il livello più adatto alle tue esigenze, contatta il tuo Named Account Manager (NAM) o Customer Success Manager (CSM).</a:t>
             </a:r>
-            <a:r>
-              <a:rPr sz="1100" i="1" spc="-50" dirty="0">
-                <a:solidFill>
-                  <a:srgbClr val="777879"/>
-                </a:solidFill>
-                <a:latin typeface="AdobeClean-LightIt"/>
-                <a:cs typeface="AdobeClean-LightIt"/>
-              </a:rPr>
-              <a:t> </a:t>
-            </a:r>
-            <a:r>
-              <a:rPr sz="1100" i="1" spc="-15" dirty="0">
-                <a:solidFill>
-                  <a:srgbClr val="777879"/>
-                </a:solidFill>
-                <a:latin typeface="AdobeClean-LightIt"/>
-                <a:cs typeface="AdobeClean-LightIt"/>
-              </a:rPr>
-              <a:t>learn</a:t>
-            </a:r>
-            <a:r>
-              <a:rPr sz="1100" i="1" spc="-40" dirty="0">
-                <a:solidFill>
-                  <a:srgbClr val="777879"/>
-                </a:solidFill>
-                <a:latin typeface="AdobeClean-LightIt"/>
-                <a:cs typeface="AdobeClean-LightIt"/>
-              </a:rPr>
-              <a:t> </a:t>
-            </a:r>
-            <a:r>
-              <a:rPr sz="1100" i="1" spc="-15" dirty="0">
-                <a:solidFill>
-                  <a:srgbClr val="777879"/>
-                </a:solidFill>
-                <a:latin typeface="AdobeClean-LightIt"/>
-                <a:cs typeface="AdobeClean-LightIt"/>
-              </a:rPr>
-              <a:t>more</a:t>
-            </a:r>
-            <a:r>
-              <a:rPr sz="1100" i="1" spc="-45" dirty="0">
-                <a:solidFill>
-                  <a:srgbClr val="777879"/>
-                </a:solidFill>
-                <a:latin typeface="AdobeClean-LightIt"/>
-                <a:cs typeface="AdobeClean-LightIt"/>
-              </a:rPr>
-              <a:t> </a:t>
-            </a:r>
-            <a:r>
-              <a:rPr sz="1100" i="1" spc="-15" dirty="0">
-                <a:solidFill>
-                  <a:srgbClr val="777879"/>
-                </a:solidFill>
-                <a:latin typeface="AdobeClean-LightIt"/>
-                <a:cs typeface="AdobeClean-LightIt"/>
-              </a:rPr>
-              <a:t>about</a:t>
-            </a:r>
-            <a:r>
-              <a:rPr sz="1100" i="1" spc="-45" dirty="0">
-                <a:solidFill>
-                  <a:srgbClr val="777879"/>
-                </a:solidFill>
-                <a:latin typeface="AdobeClean-LightIt"/>
-                <a:cs typeface="AdobeClean-LightIt"/>
-              </a:rPr>
-              <a:t> </a:t>
-            </a:r>
-            <a:r>
-              <a:rPr sz="1100" i="1" spc="-15" dirty="0">
-                <a:solidFill>
-                  <a:srgbClr val="777879"/>
-                </a:solidFill>
-                <a:latin typeface="AdobeClean-LightIt"/>
-                <a:cs typeface="AdobeClean-LightIt"/>
-              </a:rPr>
-              <a:t>Adobe</a:t>
-            </a:r>
-            <a:r>
-              <a:rPr sz="1100" i="1" spc="-60" dirty="0">
-                <a:solidFill>
-                  <a:srgbClr val="777879"/>
-                </a:solidFill>
-                <a:latin typeface="AdobeClean-LightIt"/>
-                <a:cs typeface="AdobeClean-LightIt"/>
-              </a:rPr>
-              <a:t> </a:t>
-            </a:r>
-            <a:r>
-              <a:rPr sz="1100" i="1" spc="-15" dirty="0">
-                <a:solidFill>
-                  <a:srgbClr val="777879"/>
-                </a:solidFill>
-                <a:latin typeface="AdobeClean-LightIt"/>
-                <a:cs typeface="AdobeClean-LightIt"/>
-              </a:rPr>
-              <a:t>Support</a:t>
-            </a:r>
-            <a:r>
-              <a:rPr lang="en-US" sz="1100" i="1" spc="-15" dirty="0">
-                <a:solidFill>
-                  <a:srgbClr val="777879"/>
-                </a:solidFill>
-                <a:latin typeface="AdobeClean-LightIt"/>
-                <a:cs typeface="AdobeClean-LightIt"/>
-              </a:rPr>
-              <a:t> Offerings</a:t>
-            </a:r>
-            <a:r>
-              <a:rPr sz="1100" i="1" spc="-75" dirty="0">
-                <a:solidFill>
-                  <a:srgbClr val="777879"/>
-                </a:solidFill>
-                <a:latin typeface="AdobeClean-LightIt"/>
-                <a:cs typeface="AdobeClean-LightIt"/>
-              </a:rPr>
-              <a:t> </a:t>
-            </a:r>
-            <a:r>
-              <a:rPr sz="1100" i="1" spc="-15" dirty="0">
-                <a:solidFill>
-                  <a:srgbClr val="777879"/>
-                </a:solidFill>
-                <a:latin typeface="AdobeClean-LightIt"/>
-                <a:cs typeface="AdobeClean-LightIt"/>
-              </a:rPr>
-              <a:t>and</a:t>
-            </a:r>
-            <a:r>
-              <a:rPr sz="1100" i="1" spc="-50" dirty="0">
-                <a:solidFill>
-                  <a:srgbClr val="777879"/>
-                </a:solidFill>
-                <a:latin typeface="AdobeClean-LightIt"/>
-                <a:cs typeface="AdobeClean-LightIt"/>
-              </a:rPr>
-              <a:t> </a:t>
-            </a:r>
-            <a:r>
-              <a:rPr sz="1100" i="1" spc="-15" dirty="0">
-                <a:solidFill>
-                  <a:srgbClr val="777879"/>
-                </a:solidFill>
-                <a:latin typeface="AdobeClean-LightIt"/>
-                <a:cs typeface="AdobeClean-LightIt"/>
-              </a:rPr>
-              <a:t>the</a:t>
-            </a:r>
-            <a:r>
-              <a:rPr sz="1100" i="1" spc="-55" dirty="0">
-                <a:solidFill>
-                  <a:srgbClr val="777879"/>
-                </a:solidFill>
-                <a:latin typeface="AdobeClean-LightIt"/>
-                <a:cs typeface="AdobeClean-LightIt"/>
-              </a:rPr>
-              <a:t> </a:t>
-            </a:r>
-            <a:r>
-              <a:rPr sz="1100" i="1" spc="-15" dirty="0">
-                <a:solidFill>
-                  <a:srgbClr val="777879"/>
-                </a:solidFill>
-                <a:latin typeface="AdobeClean-LightIt"/>
-                <a:cs typeface="AdobeClean-LightIt"/>
-              </a:rPr>
-              <a:t>right</a:t>
-            </a:r>
-            <a:r>
-              <a:rPr sz="1100" i="1" spc="-95" dirty="0">
-                <a:solidFill>
-                  <a:srgbClr val="777879"/>
-                </a:solidFill>
-                <a:latin typeface="AdobeClean-LightIt"/>
-                <a:cs typeface="AdobeClean-LightIt"/>
-              </a:rPr>
-              <a:t> </a:t>
-            </a:r>
-            <a:r>
-              <a:rPr sz="1100" i="1" spc="-15" dirty="0">
-                <a:solidFill>
-                  <a:srgbClr val="777879"/>
-                </a:solidFill>
-                <a:latin typeface="AdobeClean-LightIt"/>
-                <a:cs typeface="AdobeClean-LightIt"/>
-              </a:rPr>
-              <a:t>level</a:t>
-            </a:r>
-            <a:r>
-              <a:rPr sz="1100" i="1" spc="-55" dirty="0">
-                <a:solidFill>
-                  <a:srgbClr val="777879"/>
-                </a:solidFill>
-                <a:latin typeface="AdobeClean-LightIt"/>
-                <a:cs typeface="AdobeClean-LightIt"/>
-              </a:rPr>
-              <a:t> </a:t>
-            </a:r>
-            <a:r>
-              <a:rPr sz="1100" i="1" spc="-15" dirty="0">
-                <a:solidFill>
-                  <a:srgbClr val="777879"/>
-                </a:solidFill>
-                <a:latin typeface="AdobeClean-LightIt"/>
-                <a:cs typeface="AdobeClean-LightIt"/>
-              </a:rPr>
-              <a:t>for</a:t>
-            </a:r>
-            <a:r>
-              <a:rPr sz="1100" i="1" spc="-85" dirty="0">
-                <a:solidFill>
-                  <a:srgbClr val="777879"/>
-                </a:solidFill>
-                <a:latin typeface="AdobeClean-LightIt"/>
-                <a:cs typeface="AdobeClean-LightIt"/>
-              </a:rPr>
-              <a:t> </a:t>
-            </a:r>
-            <a:r>
-              <a:rPr sz="1100" i="1" spc="-15" dirty="0">
-                <a:solidFill>
-                  <a:srgbClr val="777879"/>
-                </a:solidFill>
-                <a:latin typeface="AdobeClean-LightIt"/>
-                <a:cs typeface="AdobeClean-LightIt"/>
-              </a:rPr>
-              <a:t>you,</a:t>
-            </a:r>
-            <a:r>
-              <a:rPr sz="1100" i="1" spc="-65" dirty="0">
-                <a:solidFill>
-                  <a:srgbClr val="777879"/>
-                </a:solidFill>
-                <a:latin typeface="AdobeClean-LightIt"/>
-                <a:cs typeface="AdobeClean-LightIt"/>
-              </a:rPr>
-              <a:t> </a:t>
-            </a:r>
-            <a:r>
-              <a:rPr sz="1100" i="1" spc="-15" dirty="0">
-                <a:solidFill>
-                  <a:srgbClr val="777879"/>
-                </a:solidFill>
-                <a:latin typeface="AdobeClean-LightIt"/>
-                <a:cs typeface="AdobeClean-LightIt"/>
-              </a:rPr>
-              <a:t>contact</a:t>
-            </a:r>
-            <a:r>
-              <a:rPr sz="1100" i="1" spc="-85" dirty="0">
-                <a:solidFill>
-                  <a:srgbClr val="777879"/>
-                </a:solidFill>
-                <a:latin typeface="AdobeClean-LightIt"/>
-                <a:cs typeface="AdobeClean-LightIt"/>
-              </a:rPr>
-              <a:t> </a:t>
-            </a:r>
-            <a:r>
-              <a:rPr sz="1100" i="1" spc="-15" dirty="0">
-                <a:solidFill>
-                  <a:srgbClr val="777879"/>
-                </a:solidFill>
-                <a:latin typeface="AdobeClean-LightIt"/>
-                <a:cs typeface="AdobeClean-LightIt"/>
-              </a:rPr>
-              <a:t>your</a:t>
-            </a:r>
-            <a:r>
-              <a:rPr sz="1100" i="1" spc="-70" dirty="0">
-                <a:solidFill>
-                  <a:srgbClr val="777879"/>
-                </a:solidFill>
-                <a:latin typeface="AdobeClean-LightIt"/>
-                <a:cs typeface="AdobeClean-LightIt"/>
-              </a:rPr>
-              <a:t> </a:t>
-            </a:r>
-            <a:r>
-              <a:rPr sz="1100" i="1" spc="-15" dirty="0">
-                <a:solidFill>
-                  <a:srgbClr val="777879"/>
-                </a:solidFill>
-                <a:latin typeface="AdobeClean-LightIt"/>
-                <a:cs typeface="AdobeClean-LightIt"/>
-              </a:rPr>
-              <a:t>Named</a:t>
-            </a:r>
-            <a:r>
-              <a:rPr sz="1100" i="1" spc="-55" dirty="0">
-                <a:solidFill>
-                  <a:srgbClr val="777879"/>
-                </a:solidFill>
-                <a:latin typeface="AdobeClean-LightIt"/>
-                <a:cs typeface="AdobeClean-LightIt"/>
-              </a:rPr>
-              <a:t> </a:t>
-            </a:r>
-            <a:r>
-              <a:rPr sz="1100" i="1" spc="-25" dirty="0">
-                <a:solidFill>
-                  <a:srgbClr val="777879"/>
-                </a:solidFill>
-                <a:latin typeface="AdobeClean-LightIt"/>
-                <a:cs typeface="AdobeClean-LightIt"/>
-              </a:rPr>
-              <a:t>Account</a:t>
-            </a:r>
-            <a:r>
-              <a:rPr sz="1100" i="1" spc="-120" dirty="0">
-                <a:solidFill>
-                  <a:srgbClr val="777879"/>
-                </a:solidFill>
-                <a:latin typeface="AdobeClean-LightIt"/>
-                <a:cs typeface="AdobeClean-LightIt"/>
-              </a:rPr>
-              <a:t> </a:t>
-            </a:r>
-            <a:r>
-              <a:rPr sz="1100" i="1" spc="-20" dirty="0">
-                <a:solidFill>
-                  <a:srgbClr val="777879"/>
-                </a:solidFill>
-                <a:latin typeface="AdobeClean-LightIt"/>
-                <a:cs typeface="AdobeClean-LightIt"/>
-              </a:rPr>
-              <a:t>Manager  </a:t>
-            </a:r>
-            <a:r>
-              <a:rPr sz="1100" i="1" spc="-15" dirty="0">
-                <a:solidFill>
-                  <a:srgbClr val="777879"/>
-                </a:solidFill>
-                <a:latin typeface="AdobeClean-LightIt"/>
-                <a:cs typeface="AdobeClean-LightIt"/>
-              </a:rPr>
-              <a:t>(NAM) </a:t>
-            </a:r>
-            <a:r>
-              <a:rPr sz="1100" i="1" spc="-10" dirty="0">
-                <a:solidFill>
-                  <a:srgbClr val="777879"/>
-                </a:solidFill>
-                <a:latin typeface="AdobeClean-LightIt"/>
-                <a:cs typeface="AdobeClean-LightIt"/>
-              </a:rPr>
-              <a:t>or </a:t>
-            </a:r>
-            <a:r>
-              <a:rPr sz="1100" i="1" spc="-15" dirty="0">
-                <a:solidFill>
-                  <a:srgbClr val="777879"/>
-                </a:solidFill>
-                <a:latin typeface="AdobeClean-LightIt"/>
-                <a:cs typeface="AdobeClean-LightIt"/>
-              </a:rPr>
-              <a:t>Customer </a:t>
-            </a:r>
-            <a:r>
-              <a:rPr sz="1100" i="1" spc="-20" dirty="0">
-                <a:solidFill>
-                  <a:srgbClr val="777879"/>
-                </a:solidFill>
-                <a:latin typeface="AdobeClean-LightIt"/>
-                <a:cs typeface="AdobeClean-LightIt"/>
-              </a:rPr>
-              <a:t>Success</a:t>
-            </a:r>
-            <a:r>
-              <a:rPr sz="1100" i="1" spc="-180" dirty="0">
-                <a:solidFill>
-                  <a:srgbClr val="777879"/>
-                </a:solidFill>
-                <a:latin typeface="AdobeClean-LightIt"/>
-                <a:cs typeface="AdobeClean-LightIt"/>
-              </a:rPr>
-              <a:t> </a:t>
-            </a:r>
-            <a:r>
-              <a:rPr sz="1100" i="1" spc="-15" dirty="0">
-                <a:solidFill>
-                  <a:srgbClr val="777879"/>
-                </a:solidFill>
-                <a:latin typeface="AdobeClean-LightIt"/>
-                <a:cs typeface="AdobeClean-LightIt"/>
-              </a:rPr>
-              <a:t>Manager(CSM)</a:t>
-            </a:r>
-            <a:endParaRPr sz="1100" dirty="0">
-              <a:latin typeface="AdobeClean-LightIt"/>
-              <a:cs typeface="AdobeClean-LightIt"/>
-            </a:endParaRPr>
           </a:p>
           <a:p>
             <a:pPr marL="34290">
@@ -12602,59 +10208,15 @@
               </a:spcBef>
             </a:pPr>
             <a:r>
-              <a:rPr sz="800" spc="-5" dirty="0">
+              <a:rPr lang="it-IT" sz="800">
                 <a:solidFill>
                   <a:srgbClr val="6D6D6D"/>
                 </a:solidFill>
                 <a:latin typeface="Adobe Clean"/>
                 <a:cs typeface="Adobe Clean"/>
               </a:rPr>
-              <a:t>©202</a:t>
+              <a:t>©2021 Adobe. All Rights Reserved. Adobe Confidential.</a:t>
             </a:r>
-            <a:r>
-              <a:rPr lang="en-US" sz="800" spc="-5" dirty="0">
-                <a:solidFill>
-                  <a:srgbClr val="6D6D6D"/>
-                </a:solidFill>
-                <a:latin typeface="Adobe Clean"/>
-                <a:cs typeface="Adobe Clean"/>
-              </a:rPr>
-              <a:t>1</a:t>
-            </a:r>
-            <a:r>
-              <a:rPr sz="800" spc="-5" dirty="0">
-                <a:solidFill>
-                  <a:srgbClr val="6D6D6D"/>
-                </a:solidFill>
-                <a:latin typeface="Adobe Clean"/>
-                <a:cs typeface="Adobe Clean"/>
-              </a:rPr>
-              <a:t> Adobe. All Rights Reserved. Adobe</a:t>
-            </a:r>
-            <a:r>
-              <a:rPr sz="800" spc="75" dirty="0">
-                <a:solidFill>
-                  <a:srgbClr val="6D6D6D"/>
-                </a:solidFill>
-                <a:latin typeface="Adobe Clean"/>
-                <a:cs typeface="Adobe Clean"/>
-              </a:rPr>
-              <a:t> </a:t>
-            </a:r>
-            <a:r>
-              <a:rPr sz="800" spc="-5" dirty="0">
-                <a:solidFill>
-                  <a:srgbClr val="6D6D6D"/>
-                </a:solidFill>
-                <a:latin typeface="Adobe Clean"/>
-                <a:cs typeface="Adobe Clean"/>
-              </a:rPr>
-              <a:t>Confidential.</a:t>
-            </a:r>
-            <a:endParaRPr sz="800" dirty="0">
-              <a:latin typeface="Adobe Clean"/>
-              <a:cs typeface="Adobe Clean"/>
-            </a:endParaRPr>
           </a:p>
         </p:txBody>
       </p:sp>
@@ -12691,14 +10253,14 @@
               </a:spcBef>
             </a:pPr>
             <a:r>
-              <a:rPr lang="en-US" sz="1400" b="1" spc="-15" dirty="0">
+              <a:rPr lang="it-IT" sz="1400" b="1" dirty="0">
                 <a:solidFill>
                   <a:srgbClr val="020302"/>
                 </a:solidFill>
                 <a:latin typeface="Adobe Clean"/>
                 <a:cs typeface="Adobe Clean"/>
               </a:rPr>
-              <a:t>Regional scope of Adobe Support, Local Hours Of Operation And Language Support</a:t>
+              <a:t>Supporto Adobe: aree geografiche, orari operativi e lingue</a:t>
             </a:r>
           </a:p>
           <a:p>
@@ -12708,13 +10270,30 @@
               </a:spcBef>
             </a:pPr>
             <a:r>
-              <a:rPr lang="en-US" sz="1000" spc="-15" dirty="0">
+              <a:rPr lang="it-IT" sz="1000" dirty="0">
                 <a:solidFill>
                   <a:srgbClr val="1F1F1F"/>
                 </a:solidFill>
                 <a:latin typeface="AdobeClean-Light"/>
               </a:rPr>
-              <a:t>The Regional scope of Adobe Support is established by aligning the customer's billing address (via the Sales Order or other Adobe Support purchasing document) to one of the following regions:</a:t>
+              <a:t>L’ambito del supporto Adobe è definito allineando l’indirizzo di fatturazione del cliente</a:t>
+            </a:r>
+            <a:br>
+              <a:rPr lang="sk-SK" sz="1000" dirty="0">
+                <a:solidFill>
+                  <a:srgbClr val="1F1F1F"/>
+                </a:solidFill>
+                <a:latin typeface="AdobeClean-Light"/>
+              </a:rPr>
+            </a:br>
+            <a:r>
+              <a:rPr lang="it-IT" sz="1000" dirty="0">
+                <a:solidFill>
+                  <a:srgbClr val="1F1F1F"/>
+                </a:solidFill>
+                <a:latin typeface="AdobeClean-Light"/>
+              </a:rPr>
+              <a:t>(in base all’ordine di vendita o altro documento di acquisto del servizio di supporto Adobe) a una delle seguenti aree geografiche:</a:t>
             </a:r>
           </a:p>
         </p:txBody>
@@ -12734,7 +10313,7 @@
           <p:nvPr>
             <p:extLst>
               <p:ext uri="{D42A27DB-BD31-4B8C-83A1-F6EECF244321}">
-                <p14:modId xmlns:p14="http://schemas.microsoft.com/office/powerpoint/2010/main" val="2846210228"/>
+                <p14:modId xmlns:p14="http://schemas.microsoft.com/office/powerpoint/2010/main" val="2089586474"/>
               </p:ext>
             </p:extLst>
           </p:nvPr>
@@ -12787,13 +10366,13 @@
                     <a:p>
                       <a:pPr algn="ctr"/>
                       <a:r>
-                        <a:rPr lang="en-US" sz="1100" dirty="0">
+                        <a:rPr lang="it-IT" sz="1100">
                           <a:solidFill>
                             <a:schemeClr val="tx1"/>
                           </a:solidFill>
                           <a:latin typeface="Adobe Clean" panose="020B0503020404020204" pitchFamily="34" charset="0"/>
                         </a:rPr>
-                        <a:t>Americas</a:t>
+                        <a:t>Americhe</a:t>
                       </a:r>
                     </a:p>
                   </a:txBody>
@@ -12852,13 +10431,30 @@
                     <a:p>
                       <a:pPr algn="ctr"/>
                       <a:r>
-                        <a:rPr lang="en-US" sz="1100" dirty="0">
+                        <a:rPr lang="it-IT" sz="1100" dirty="0">
                           <a:solidFill>
                             <a:schemeClr val="tx1"/>
                           </a:solidFill>
                           <a:latin typeface="Adobe Clean" panose="020B0503020404020204" pitchFamily="34" charset="0"/>
                         </a:rPr>
-                        <a:t>Europe, Middle East &amp; Africa</a:t>
+                        <a:t>Europa, Medio </a:t>
+                      </a:r>
+                      <a:br>
+                        <a:rPr lang="sk-SK" sz="1100" dirty="0">
+                          <a:solidFill>
+                            <a:schemeClr val="tx1"/>
+                          </a:solidFill>
+                          <a:latin typeface="Adobe Clean" panose="020B0503020404020204" pitchFamily="34" charset="0"/>
+                        </a:rPr>
+                      </a:br>
+                      <a:r>
+                        <a:rPr lang="it-IT" sz="1100" dirty="0">
+                          <a:solidFill>
+                            <a:schemeClr val="tx1"/>
+                          </a:solidFill>
+                          <a:latin typeface="Adobe Clean" panose="020B0503020404020204" pitchFamily="34" charset="0"/>
+                        </a:rPr>
+                        <a:t>Oriente e Africa</a:t>
                       </a:r>
                     </a:p>
                   </a:txBody>
@@ -12917,13 +10513,13 @@
                     <a:p>
                       <a:pPr algn="ctr"/>
                       <a:r>
-                        <a:rPr lang="en-US" sz="1100" dirty="0">
+                        <a:rPr lang="it-IT" sz="1100">
                           <a:solidFill>
                             <a:schemeClr val="tx1"/>
                           </a:solidFill>
                           <a:latin typeface="Adobe Clean" panose="020B0503020404020204" pitchFamily="34" charset="0"/>
                         </a:rPr>
-                        <a:t>Asia Pacific</a:t>
+                        <a:t>Asia-Pacifico</a:t>
                       </a:r>
                     </a:p>
                   </a:txBody>
@@ -12982,16 +10578,16 @@
                     <a:p>
                       <a:pPr algn="ctr"/>
                       <a:r>
-                        <a:rPr lang="en-US" sz="1100" dirty="0">
+                        <a:rPr lang="it-IT" sz="1100">
                           <a:solidFill>
                             <a:schemeClr val="tx1"/>
                           </a:solidFill>
                           <a:latin typeface="Adobe Clean"/>
                         </a:rPr>
-                        <a:t>Japan </a:t>
+                        <a:t>Giappone</a:t>
                       </a:r>
                       <a:r>
-                        <a:rPr lang="en-US" sz="1100" baseline="30000" dirty="0">
+                        <a:rPr lang="it-IT" sz="1100" baseline="30000">
                           <a:solidFill>
                             <a:schemeClr val="tx1"/>
                           </a:solidFill>
@@ -12999,12 +10595,6 @@
                         </a:rPr>
                         <a:t>1 </a:t>
                       </a:r>
-                      <a:endParaRPr lang="en-US" sz="1100" dirty="0">
-                        <a:solidFill>
-                          <a:schemeClr val="tx1"/>
-                        </a:solidFill>
-                        <a:latin typeface="Adobe Clean" panose="020B0503020404020204" pitchFamily="34" charset="0"/>
-                      </a:endParaRPr>
                     </a:p>
                   </a:txBody>
                   <a:tcPr anchor="ctr">
@@ -13069,13 +10659,13 @@
                     <a:p>
                       <a:pPr algn="ctr"/>
                       <a:r>
-                        <a:rPr lang="en-US" sz="1100" dirty="0">
+                        <a:rPr lang="it-IT" sz="1100">
                           <a:solidFill>
                             <a:schemeClr val="tx1"/>
                           </a:solidFill>
                           <a:latin typeface="Adobe Clean" panose="020B0503020404020204" pitchFamily="34" charset="0"/>
                         </a:rPr>
-                        <a:t>6 am – 5:30 pm</a:t>
+                        <a:t>06:00 – 17:30</a:t>
                       </a:r>
                     </a:p>
                   </a:txBody>
@@ -13134,13 +10724,13 @@
                     <a:p>
                       <a:pPr algn="ctr"/>
                       <a:r>
-                        <a:rPr lang="en-US" sz="1100" dirty="0">
+                        <a:rPr lang="it-IT" sz="1100">
                           <a:solidFill>
                             <a:schemeClr val="tx1"/>
                           </a:solidFill>
                           <a:latin typeface="Adobe Clean" panose="020B0503020404020204" pitchFamily="34" charset="0"/>
                         </a:rPr>
-                        <a:t>9 am – 5 pm</a:t>
+                        <a:t>09:00 – 17:00</a:t>
                       </a:r>
                     </a:p>
                   </a:txBody>
@@ -13199,13 +10789,13 @@
                     <a:p>
                       <a:pPr algn="ctr"/>
                       <a:r>
-                        <a:rPr lang="en-US" sz="1100" dirty="0">
+                        <a:rPr lang="it-IT" sz="1100">
                           <a:solidFill>
                             <a:schemeClr val="tx1"/>
                           </a:solidFill>
                           <a:latin typeface="Adobe Clean" panose="020B0503020404020204" pitchFamily="34" charset="0"/>
                         </a:rPr>
-                        <a:t>9 am – 5 pm</a:t>
+                        <a:t>09:00 – 17:00</a:t>
                       </a:r>
                     </a:p>
                   </a:txBody>
@@ -13264,13 +10854,13 @@
                     <a:p>
                       <a:pPr algn="ctr"/>
                       <a:r>
-                        <a:rPr lang="en-US" sz="1100" dirty="0">
+                        <a:rPr lang="it-IT" sz="1100">
                           <a:solidFill>
                             <a:schemeClr val="tx1"/>
                           </a:solidFill>
                           <a:latin typeface="Adobe Clean" panose="020B0503020404020204" pitchFamily="34" charset="0"/>
                         </a:rPr>
-                        <a:t>9 am – 5:30 pm</a:t>
+                        <a:t>09:00 – 17:30</a:t>
                       </a:r>
                     </a:p>
                   </a:txBody>
@@ -13350,20 +10940,14 @@
                         <a:buNone/>
                       </a:pPr>
                       <a:r>
-                        <a:rPr lang="en-US" sz="1100" dirty="0">
+                        <a:rPr lang="it-IT" sz="1100" dirty="0">
                           <a:solidFill>
                             <a:schemeClr val="tx1"/>
                           </a:solidFill>
                           <a:latin typeface="Adobe Clean"/>
                         </a:rPr>
-                        <a:t>Language support is only available in English and Japanese.</a:t>
+                        <a:t>Il supporto è disponibile solo in inglese e giapponese.</a:t>
                       </a:r>
-                      <a:endParaRPr lang="en-US" sz="1100" dirty="0">
-                        <a:solidFill>
-                          <a:schemeClr val="tx1"/>
-                        </a:solidFill>
-                        <a:latin typeface="Adobe Clean" panose="020B0503020404020204" pitchFamily="34" charset="0"/>
-                      </a:endParaRPr>
                     </a:p>
                     <a:p>
                       <a:pPr marL="0" marR="0" lvl="0" indent="0" algn="ctr" defTabSz="914400" eaLnBrk="1" fontAlgn="auto" latinLnBrk="0" hangingPunct="1">
@@ -13384,17 +10968,17 @@
                         <a:defRPr/>
                       </a:pPr>
                       <a:r>
-                        <a:rPr lang="en-US" sz="1100" i="1" dirty="0">
+                        <a:rPr lang="it-IT" sz="1100" i="1" dirty="0">
                           <a:solidFill>
                             <a:schemeClr val="tx1"/>
                           </a:solidFill>
                           <a:latin typeface="Adobe Clean"/>
                         </a:rPr>
-                        <a:t>*Adobe Commerce excludes Japanese language support.</a:t>
+                        <a:t>* Adobe Commerce non prevede il supporto in lingua giapponese.</a:t>
                       </a:r>
                     </a:p>
                     <a:p>
-                      <a:pPr algn="ctr"/>
+                      <a:pPr algn="l" rtl="0"/>
                       <a:endParaRPr kumimoji="0" lang="en-US" sz="1100" b="1" i="0" u="none" strike="noStrike" kern="0" cap="none" spc="0" normalizeH="0" baseline="30000" noProof="0" dirty="0">
                         <a:ln>
                           <a:noFill/>
@@ -13413,7 +10997,7 @@
                     <a:p>
                       <a:pPr algn="ctr"/>
                       <a:r>
-                        <a:rPr lang="en-US" sz="1100" i="0" dirty="0">
+                        <a:rPr lang="it-IT" sz="1100" i="0" dirty="0">
                           <a:solidFill>
                             <a:schemeClr val="tx1"/>
                           </a:solidFill>
@@ -13422,7 +11006,7 @@
                         <a:t> </a:t>
                       </a:r>
                       <a:r>
-                        <a:rPr lang="en-US" sz="1100" i="0" baseline="30000" dirty="0">
+                        <a:rPr lang="it-IT" sz="1100" i="0" baseline="30000" dirty="0">
                           <a:solidFill>
                             <a:schemeClr val="tx1"/>
                           </a:solidFill>
@@ -13431,23 +11015,17 @@
                         <a:t>1 </a:t>
                       </a:r>
                       <a:r>
-                        <a:rPr lang="en-US" sz="1100" i="0" dirty="0">
+                        <a:rPr lang="it-IT" sz="1100" i="0" dirty="0">
                           <a:solidFill>
                             <a:schemeClr val="tx1"/>
                           </a:solidFill>
                           <a:latin typeface="Adobe Clean"/>
                         </a:rPr>
-                        <a:t>P2, P3, P4 cases are limited to business hours only in Japan.</a:t>
+                        <a:t>In Giappone, i casi P2, P3 e P4 sono limitati al solo orario operativo.</a:t>
                       </a:r>
-                      <a:endParaRPr lang="en-US" sz="1100" b="1" i="0" dirty="0">
-                        <a:solidFill>
-                          <a:schemeClr val="tx1"/>
-                        </a:solidFill>
-                        <a:latin typeface="Adobe Clean"/>
-                      </a:endParaRPr>
-                    </a:p>
-                    <a:p>
-                      <a:pPr algn="ctr"/>
+                    </a:p>
+                    <a:p>
+                      <a:pPr algn="l" rtl="0"/>
                       <a:endParaRPr lang="en-US" sz="1100" dirty="0">
                         <a:solidFill>
                           <a:schemeClr val="tx1"/>
@@ -13817,129 +11395,15 @@
               </a:spcBef>
             </a:pPr>
             <a:r>
-              <a:rPr sz="1200" b="1" spc="-15" dirty="0">
+              <a:rPr lang="it-IT" sz="1200" b="1">
                 <a:solidFill>
                   <a:srgbClr val="FFFFFF"/>
                 </a:solidFill>
                 <a:latin typeface="Adobe Clean"/>
                 <a:cs typeface="Adobe Clean"/>
               </a:rPr>
-              <a:t>U</a:t>
+              <a:t>Eccellenza tecnica</a:t>
             </a:r>
-            <a:r>
-              <a:rPr sz="1200" b="1" spc="-20" dirty="0">
-                <a:solidFill>
-                  <a:srgbClr val="FFFFFF"/>
-                </a:solidFill>
-                <a:latin typeface="Adobe Clean"/>
-                <a:cs typeface="Adobe Clean"/>
-              </a:rPr>
-              <a:t>n</a:t>
-            </a:r>
-            <a:r>
-              <a:rPr sz="1200" b="1" spc="-25" dirty="0">
-                <a:solidFill>
-                  <a:srgbClr val="FFFFFF"/>
-                </a:solidFill>
-                <a:latin typeface="Adobe Clean"/>
-                <a:cs typeface="Adobe Clean"/>
-              </a:rPr>
-              <a:t>p</a:t>
-            </a:r>
-            <a:r>
-              <a:rPr sz="1200" b="1" spc="-15" dirty="0">
-                <a:solidFill>
-                  <a:srgbClr val="FFFFFF"/>
-                </a:solidFill>
-                <a:latin typeface="Adobe Clean"/>
-                <a:cs typeface="Adobe Clean"/>
-              </a:rPr>
-              <a:t>a</a:t>
-            </a:r>
-            <a:r>
-              <a:rPr sz="1200" b="1" spc="-25" dirty="0">
-                <a:solidFill>
-                  <a:srgbClr val="FFFFFF"/>
-                </a:solidFill>
-                <a:latin typeface="Adobe Clean"/>
-                <a:cs typeface="Adobe Clean"/>
-              </a:rPr>
-              <a:t>r</a:t>
-            </a:r>
-            <a:r>
-              <a:rPr sz="1200" b="1" spc="-15" dirty="0">
-                <a:solidFill>
-                  <a:srgbClr val="FFFFFF"/>
-                </a:solidFill>
-                <a:latin typeface="Adobe Clean"/>
-                <a:cs typeface="Adobe Clean"/>
-              </a:rPr>
-              <a:t>a</a:t>
-            </a:r>
-            <a:r>
-              <a:rPr sz="1200" b="1" spc="-30" dirty="0">
-                <a:solidFill>
-                  <a:srgbClr val="FFFFFF"/>
-                </a:solidFill>
-                <a:latin typeface="Adobe Clean"/>
-                <a:cs typeface="Adobe Clean"/>
-              </a:rPr>
-              <a:t>ll</a:t>
-            </a:r>
-            <a:r>
-              <a:rPr sz="1200" b="1" spc="-25" dirty="0">
-                <a:solidFill>
-                  <a:srgbClr val="FFFFFF"/>
-                </a:solidFill>
-                <a:latin typeface="Adobe Clean"/>
-                <a:cs typeface="Adobe Clean"/>
-              </a:rPr>
-              <a:t>e</a:t>
-            </a:r>
-            <a:r>
-              <a:rPr sz="1200" b="1" spc="-30" dirty="0">
-                <a:solidFill>
-                  <a:srgbClr val="FFFFFF"/>
-                </a:solidFill>
-                <a:latin typeface="Adobe Clean"/>
-                <a:cs typeface="Adobe Clean"/>
-              </a:rPr>
-              <a:t>l</a:t>
-            </a:r>
-            <a:r>
-              <a:rPr sz="1200" b="1" spc="-25" dirty="0">
-                <a:solidFill>
-                  <a:srgbClr val="FFFFFF"/>
-                </a:solidFill>
-                <a:latin typeface="Adobe Clean"/>
-                <a:cs typeface="Adobe Clean"/>
-              </a:rPr>
-              <a:t>e</a:t>
-            </a:r>
-            <a:r>
-              <a:rPr sz="1200" b="1" dirty="0">
-                <a:solidFill>
-                  <a:srgbClr val="FFFFFF"/>
-                </a:solidFill>
-                <a:latin typeface="Adobe Clean"/>
-                <a:cs typeface="Adobe Clean"/>
-              </a:rPr>
-              <a:t>d  </a:t>
-            </a:r>
-            <a:r>
-              <a:rPr sz="1200" b="1" spc="-25" dirty="0">
-                <a:solidFill>
-                  <a:srgbClr val="FFFFFF"/>
-                </a:solidFill>
-                <a:latin typeface="Adobe Clean"/>
-                <a:cs typeface="Adobe Clean"/>
-              </a:rPr>
-              <a:t>Expertise</a:t>
-            </a:r>
-            <a:endParaRPr sz="1200" dirty="0">
-              <a:latin typeface="Adobe Clean"/>
-              <a:cs typeface="Adobe Clean"/>
-            </a:endParaRPr>
           </a:p>
         </p:txBody>
       </p:sp>
@@ -13979,19 +11443,15 @@
               </a:spcBef>
             </a:pPr>
             <a:r>
-              <a:rPr lang="en-US" sz="1200" b="1" spc="-15" dirty="0">
+              <a:rPr lang="it-IT" sz="1200" b="1">
                 <a:solidFill>
                   <a:srgbClr val="FFFFFF"/>
                 </a:solidFill>
                 <a:latin typeface="Adobe Clean"/>
                 <a:cs typeface="Adobe Clean"/>
               </a:rPr>
-              <a:t>Accelerated Support</a:t>
+              <a:t>Supporto rapido</a:t>
             </a:r>
-            <a:endParaRPr sz="1200" dirty="0">
-              <a:latin typeface="Adobe Clean"/>
-              <a:cs typeface="Adobe Clean"/>
-            </a:endParaRPr>
           </a:p>
         </p:txBody>
       </p:sp>
@@ -14009,8 +11469,8 @@
         </p:nvSpPr>
         <p:spPr>
           <a:xfrm>
-            <a:off x="6624119" y="8543943"/>
-            <a:ext cx="510540" cy="385445"/>
+            <a:off x="6477000" y="8543943"/>
+            <a:ext cx="810895" cy="385445"/>
           </a:xfrm>
           <a:prstGeom prst="rect">
             <a:avLst/>
@@ -14022,7 +11482,7 @@
           </a:bodyPr>
           <a:lstStyle/>
           <a:p>
-            <a:pPr marL="50800" marR="5080" indent="-51435">
+            <a:pPr marL="50800" marR="5080" indent="-51435" algn="ctr">
               <a:lnSpc>
                 <a:spcPts val="1390"/>
               </a:lnSpc>
@@ -14031,109 +11491,15 @@
               </a:spcBef>
             </a:pPr>
             <a:r>
-              <a:rPr sz="1200" b="1" spc="-50" dirty="0">
+              <a:rPr lang="it-IT" sz="1200" b="1" dirty="0">
                 <a:solidFill>
                   <a:srgbClr val="FFFFFF"/>
                 </a:solidFill>
                 <a:latin typeface="Adobe Clean"/>
                 <a:cs typeface="Adobe Clean"/>
               </a:rPr>
-              <a:t>S</a:t>
+              <a:t>Consulenza strategica</a:t>
             </a:r>
-            <a:r>
-              <a:rPr sz="1200" b="1" spc="-20" dirty="0">
-                <a:solidFill>
-                  <a:srgbClr val="FFFFFF"/>
-                </a:solidFill>
-                <a:latin typeface="Adobe Clean"/>
-                <a:cs typeface="Adobe Clean"/>
-              </a:rPr>
-              <a:t>t</a:t>
-            </a:r>
-            <a:r>
-              <a:rPr sz="1200" b="1" spc="-75" dirty="0">
-                <a:solidFill>
-                  <a:srgbClr val="FFFFFF"/>
-                </a:solidFill>
-                <a:latin typeface="Adobe Clean"/>
-                <a:cs typeface="Adobe Clean"/>
-              </a:rPr>
-              <a:t>r</a:t>
-            </a:r>
-            <a:r>
-              <a:rPr sz="1200" b="1" spc="-90" dirty="0">
-                <a:solidFill>
-                  <a:srgbClr val="FFFFFF"/>
-                </a:solidFill>
-                <a:latin typeface="Adobe Clean"/>
-                <a:cs typeface="Adobe Clean"/>
-              </a:rPr>
-              <a:t>a</a:t>
-            </a:r>
-            <a:r>
-              <a:rPr sz="1200" b="1" spc="-55" dirty="0">
-                <a:solidFill>
-                  <a:srgbClr val="FFFFFF"/>
-                </a:solidFill>
-                <a:latin typeface="Adobe Clean"/>
-                <a:cs typeface="Adobe Clean"/>
-              </a:rPr>
-              <a:t>t</a:t>
-            </a:r>
-            <a:r>
-              <a:rPr sz="1200" b="1" spc="-100" dirty="0">
-                <a:solidFill>
-                  <a:srgbClr val="FFFFFF"/>
-                </a:solidFill>
-                <a:latin typeface="Adobe Clean"/>
-                <a:cs typeface="Adobe Clean"/>
-              </a:rPr>
-              <a:t>e</a:t>
-            </a:r>
-            <a:r>
-              <a:rPr sz="1200" b="1" spc="-80" dirty="0">
-                <a:solidFill>
-                  <a:srgbClr val="FFFFFF"/>
-                </a:solidFill>
-                <a:latin typeface="Adobe Clean"/>
-                <a:cs typeface="Adobe Clean"/>
-              </a:rPr>
-              <a:t>g</a:t>
-            </a:r>
-            <a:r>
-              <a:rPr sz="1200" b="1" spc="-35" dirty="0">
-                <a:solidFill>
-                  <a:srgbClr val="FFFFFF"/>
-                </a:solidFill>
-                <a:latin typeface="Adobe Clean"/>
-                <a:cs typeface="Adobe Clean"/>
-              </a:rPr>
-              <a:t>i</a:t>
-            </a:r>
-            <a:r>
-              <a:rPr sz="1200" b="1" dirty="0">
-                <a:solidFill>
-                  <a:srgbClr val="FFFFFF"/>
-                </a:solidFill>
-                <a:latin typeface="Adobe Clean"/>
-                <a:cs typeface="Adobe Clean"/>
-              </a:rPr>
-              <a:t>c  </a:t>
-            </a:r>
-            <a:r>
-              <a:rPr sz="1200" b="1" spc="-45" dirty="0">
-                <a:solidFill>
-                  <a:srgbClr val="FFFFFF"/>
-                </a:solidFill>
-                <a:latin typeface="Adobe Clean"/>
-                <a:cs typeface="Adobe Clean"/>
-              </a:rPr>
-              <a:t>Advice</a:t>
-            </a:r>
-            <a:endParaRPr sz="1200" dirty="0">
-              <a:latin typeface="Adobe Clean"/>
-              <a:cs typeface="Adobe Clean"/>
-            </a:endParaRPr>
           </a:p>
         </p:txBody>
       </p:sp>
@@ -14152,7 +11518,7 @@
           <p:nvPr>
             <p:extLst>
               <p:ext uri="{D42A27DB-BD31-4B8C-83A1-F6EECF244321}">
-                <p14:modId xmlns:p14="http://schemas.microsoft.com/office/powerpoint/2010/main" val="375036756"/>
+                <p14:modId xmlns:p14="http://schemas.microsoft.com/office/powerpoint/2010/main" val="594227885"/>
               </p:ext>
             </p:extLst>
           </p:nvPr>
@@ -14190,7 +11556,7 @@
                     <a:lstStyle/>
                     <a:p>
                       <a:r>
-                        <a:rPr lang="en-US" sz="1100" b="0" dirty="0">
+                        <a:rPr lang="it-IT" sz="1100" b="0">
                           <a:solidFill>
                             <a:schemeClr val="tx1"/>
                           </a:solidFill>
@@ -14201,14 +11567,6 @@
                         </a:rPr>
                         <a:t>Experience League</a:t>
                       </a:r>
-                      <a:endParaRPr lang="en-US" sz="1100" b="0" dirty="0">
-                        <a:solidFill>
-                          <a:schemeClr val="tx1"/>
-                        </a:solidFill>
-                        <a:latin typeface="Adobe Clean" panose="020B0503020404020204" pitchFamily="34" charset="0"/>
-                        <a:ea typeface="+mn-ea"/>
-                        <a:cs typeface="+mn-cs"/>
-                      </a:endParaRPr>
                     </a:p>
                   </a:txBody>
                   <a:tcPr marL="47625" marR="47625" marT="0" marB="0" anchor="ctr">
@@ -14282,7 +11640,7 @@
                         <a:defRPr/>
                       </a:pPr>
                       <a:r>
-                        <a:rPr lang="en-US" sz="1000" b="0" kern="1200" dirty="0">
+                        <a:rPr lang="it-IT" sz="1000" b="0" dirty="0">
                           <a:solidFill>
                             <a:srgbClr val="000000"/>
                           </a:solidFill>
@@ -14290,7 +11648,28 @@
                           <a:ea typeface="+mn-ea"/>
                           <a:cs typeface="+mn-cs"/>
                         </a:rPr>
-                        <a:t>Experience League is how Adobe helps businesses achieve the value they expect from their Adobe investment. It’s the unified place where customers can learn, connect, and grow along a personalized path to success that includes self-help tutorials, product documentation, instructor-led training, community and technical support. </a:t>
+                        <a:t>Con Experience League, Adobe aiuta le aziende a conseguire il valore che si aspettano dalle soluzioni Adobe in cui hanno investito. In questo portale unificato, puoi imparare, relazionarti con altri professionisti </a:t>
+                      </a:r>
+                      <a:br>
+                        <a:rPr lang="sk-SK" sz="1000" b="0" dirty="0">
+                          <a:solidFill>
+                            <a:srgbClr val="000000"/>
+                          </a:solidFill>
+                          <a:latin typeface="Adobe Clean Light" panose="020B0303020404020204" pitchFamily="34" charset="0"/>
+                          <a:ea typeface="+mn-ea"/>
+                          <a:cs typeface="+mn-cs"/>
+                        </a:rPr>
+                      </a:br>
+                      <a:r>
+                        <a:rPr lang="it-IT" sz="1000" b="0" dirty="0">
+                          <a:solidFill>
+                            <a:srgbClr val="000000"/>
+                          </a:solidFill>
+                          <a:latin typeface="Adobe Clean Light" panose="020B0303020404020204" pitchFamily="34" charset="0"/>
+                          <a:ea typeface="+mn-ea"/>
+                          <a:cs typeface="+mn-cs"/>
+                        </a:rPr>
+                        <a:t>e crescere seguendo un percorso personalizzato con tutorial, documentazione dei prodotti, formazione con istruttori, supporto tecnico e il sostegno dell’intera community. </a:t>
                       </a:r>
                     </a:p>
                   </a:txBody>
@@ -14372,39 +11751,28 @@
                         <a:defRPr/>
                       </a:pPr>
                       <a:r>
-                        <a:rPr lang="en-US" sz="1100" dirty="0">
+                        <a:rPr lang="it-IT" sz="1100">
                           <a:solidFill>
                             <a:schemeClr val="dk1"/>
                           </a:solidFill>
-                          <a:effectLst/>
                           <a:latin typeface="Adobe Clean" panose="020B0503020404020204" pitchFamily="34" charset="0"/>
                           <a:ea typeface="+mn-ea"/>
                           <a:cs typeface="+mn-cs"/>
                           <a:hlinkClick r:id="rId8"/>
                         </a:rPr>
-                        <a:t>Training</a:t>
+                        <a:t>Formazione</a:t>
                       </a:r>
                       <a:r>
-                        <a:rPr lang="en-US" sz="1100" dirty="0">
+                        <a:rPr lang="it-IT" sz="1100">
                           <a:solidFill>
                             <a:schemeClr val="dk1"/>
                           </a:solidFill>
-                          <a:effectLst/>
                           <a:latin typeface="Adobe Clean" panose="020B0503020404020204" pitchFamily="34" charset="0"/>
                           <a:ea typeface="+mn-ea"/>
                           <a:cs typeface="+mn-cs"/>
                         </a:rPr>
                         <a:t> </a:t>
                       </a:r>
-                      <a:endParaRPr lang="en-US" sz="1100" dirty="0">
-                        <a:solidFill>
-                          <a:schemeClr val="tx1"/>
-                        </a:solidFill>
-                        <a:effectLst/>
-                        <a:latin typeface="Adobe Clean" panose="020B0503020404020204" pitchFamily="34" charset="0"/>
-                        <a:ea typeface="+mn-ea"/>
-                        <a:cs typeface="+mn-cs"/>
-                      </a:endParaRPr>
                     </a:p>
                   </a:txBody>
                   <a:tcPr anchor="ctr">
@@ -14478,7 +11846,7 @@
                         <a:defRPr/>
                       </a:pPr>
                       <a:r>
-                        <a:rPr lang="en-US" sz="1000" kern="1200" dirty="0">
+                        <a:rPr lang="it-IT" sz="1000" dirty="0">
                           <a:solidFill>
                             <a:srgbClr val="000000"/>
                           </a:solidFill>
@@ -14486,7 +11854,28 @@
                           <a:ea typeface="+mn-ea"/>
                           <a:cs typeface="+mn-cs"/>
                         </a:rPr>
-                        <a:t>Adobe Digital Learning Services courses are accessible from Experience League. Learning courses integrate both on-demand and instructor-led lessons.  Here you can accrue skills that have recognized market value and position them to drive success in your organizations.</a:t>
+                        <a:t>I corsi Adobe Digital Learning Services sono accessibili da Experience League. I corsi di apprendimento comprendono lezioni sia on-demand che guidate da istruttori.  Potrai acquisire nuove competenze particolarmente ricercate nel settore e metterle in pratica nella </a:t>
+                      </a:r>
+                      <a:br>
+                        <a:rPr lang="sk-SK" sz="1000" dirty="0">
+                          <a:solidFill>
+                            <a:srgbClr val="000000"/>
+                          </a:solidFill>
+                          <a:latin typeface="Adobe Clean Light" panose="020B0303020404020204" pitchFamily="34" charset="0"/>
+                          <a:ea typeface="+mn-ea"/>
+                          <a:cs typeface="+mn-cs"/>
+                        </a:rPr>
+                      </a:br>
+                      <a:r>
+                        <a:rPr lang="it-IT" sz="1000" dirty="0">
+                          <a:solidFill>
+                            <a:srgbClr val="000000"/>
+                          </a:solidFill>
+                          <a:latin typeface="Adobe Clean Light" panose="020B0303020404020204" pitchFamily="34" charset="0"/>
+                          <a:ea typeface="+mn-ea"/>
+                          <a:cs typeface="+mn-cs"/>
+                        </a:rPr>
+                        <a:t>tua organizzazione, per favorirne il successo.</a:t>
                       </a:r>
                     </a:p>
                   </a:txBody>
@@ -14568,27 +11957,17 @@
                         <a:defRPr/>
                       </a:pPr>
                       <a:r>
-                        <a:rPr lang="en-US" sz="1100" dirty="0">
+                        <a:rPr lang="it-IT" sz="1100">
                           <a:solidFill>
                             <a:schemeClr val="tx1"/>
                           </a:solidFill>
-                          <a:effectLst/>
                           <a:latin typeface="Adobe Clean" panose="020B0503020404020204" pitchFamily="34" charset="0"/>
                           <a:ea typeface="+mn-ea"/>
                           <a:cs typeface="+mn-cs"/>
                           <a:hlinkClick r:id="rId9"/>
                         </a:rPr>
-                        <a:t>Production Issues &amp; System Outages</a:t>
+                        <a:t>Problemi di produzione e interruzioni del sistema</a:t>
                       </a:r>
-                      <a:endParaRPr lang="en-US" sz="1100" dirty="0">
-                        <a:solidFill>
-                          <a:schemeClr val="tx1"/>
-                        </a:solidFill>
-                        <a:effectLst/>
-                        <a:latin typeface="Adobe Clean" panose="020B0503020404020204" pitchFamily="34" charset="0"/>
-                        <a:ea typeface="+mn-ea"/>
-                        <a:cs typeface="+mn-cs"/>
-                      </a:endParaRPr>
                     </a:p>
                   </a:txBody>
                   <a:tcPr anchor="ctr">
@@ -14662,7 +12041,7 @@
                         <a:defRPr/>
                       </a:pPr>
                       <a:r>
-                        <a:rPr lang="en-US" sz="1000" kern="1200" dirty="0">
+                        <a:rPr lang="it-IT" sz="1000" dirty="0">
                           <a:solidFill>
                             <a:srgbClr val="000000"/>
                           </a:solidFill>
@@ -14670,7 +12049,70 @@
                           <a:ea typeface="+mn-ea"/>
                           <a:cs typeface="+mn-cs"/>
                         </a:rPr>
-                        <a:t>Status.adobe.com conveys the health information of all Adobe products and services that are deployed in multi-tenant environments. Customers can choose their subscription preferences to get email notifications whenever Adobe creates, updates or resolves a product event. This can include scheduled maintenance or service issues of varying levels of severity. </a:t>
+                        <a:t>Status.adobe.com trasmette informazioni sullo stato di tutti i prodotti </a:t>
+                      </a:r>
+                      <a:br>
+                        <a:rPr lang="sk-SK" sz="1000" dirty="0">
+                          <a:solidFill>
+                            <a:srgbClr val="000000"/>
+                          </a:solidFill>
+                          <a:latin typeface="Adobe Clean Light" panose="020B0303020404020204" pitchFamily="34" charset="0"/>
+                          <a:ea typeface="+mn-ea"/>
+                          <a:cs typeface="+mn-cs"/>
+                        </a:rPr>
+                      </a:br>
+                      <a:r>
+                        <a:rPr lang="it-IT" sz="1000" dirty="0">
+                          <a:solidFill>
+                            <a:srgbClr val="000000"/>
+                          </a:solidFill>
+                          <a:latin typeface="Adobe Clean Light" panose="020B0303020404020204" pitchFamily="34" charset="0"/>
+                          <a:ea typeface="+mn-ea"/>
+                          <a:cs typeface="+mn-cs"/>
+                        </a:rPr>
+                        <a:t>e i servizi Adobe implementati in ambienti multi-tenant. Puoi scegliere se ricevere notifiche e-mail ogni volta che Adobe segnala, aggiorna </a:t>
+                      </a:r>
+                      <a:br>
+                        <a:rPr lang="sk-SK" sz="1000" dirty="0">
+                          <a:solidFill>
+                            <a:srgbClr val="000000"/>
+                          </a:solidFill>
+                          <a:latin typeface="Adobe Clean Light" panose="020B0303020404020204" pitchFamily="34" charset="0"/>
+                          <a:ea typeface="+mn-ea"/>
+                          <a:cs typeface="+mn-cs"/>
+                        </a:rPr>
+                      </a:br>
+                      <a:r>
+                        <a:rPr lang="it-IT" sz="1000" dirty="0">
+                          <a:solidFill>
+                            <a:srgbClr val="000000"/>
+                          </a:solidFill>
+                          <a:latin typeface="Adobe Clean Light" panose="020B0303020404020204" pitchFamily="34" charset="0"/>
+                          <a:ea typeface="+mn-ea"/>
+                          <a:cs typeface="+mn-cs"/>
+                        </a:rPr>
+                        <a:t>o risolve un problema relativo a un prodotto. Vengono segnalate </a:t>
+                      </a:r>
+                      <a:br>
+                        <a:rPr lang="sk-SK" sz="1000" dirty="0">
+                          <a:solidFill>
+                            <a:srgbClr val="000000"/>
+                          </a:solidFill>
+                          <a:latin typeface="Adobe Clean Light" panose="020B0303020404020204" pitchFamily="34" charset="0"/>
+                          <a:ea typeface="+mn-ea"/>
+                          <a:cs typeface="+mn-cs"/>
+                        </a:rPr>
+                      </a:br>
+                      <a:r>
+                        <a:rPr lang="it-IT" sz="1000" dirty="0">
+                          <a:solidFill>
+                            <a:srgbClr val="000000"/>
+                          </a:solidFill>
+                          <a:latin typeface="Adobe Clean Light" panose="020B0303020404020204" pitchFamily="34" charset="0"/>
+                          <a:ea typeface="+mn-ea"/>
+                          <a:cs typeface="+mn-cs"/>
+                        </a:rPr>
+                        <a:t>ad esempio le interruzioni per manutenzione programmata o problemi relativi ai servizi con diversi livelli di gravità. </a:t>
                       </a:r>
                     </a:p>
                   </a:txBody>
@@ -14752,27 +12194,17 @@
                         <a:defRPr/>
                       </a:pPr>
                       <a:r>
-                        <a:rPr lang="en-US" sz="1100" dirty="0">
+                        <a:rPr lang="it-IT" sz="1100">
                           <a:solidFill>
                             <a:schemeClr val="tx1"/>
                           </a:solidFill>
-                          <a:effectLst/>
                           <a:latin typeface="Adobe Clean" panose="020B0503020404020204" pitchFamily="34" charset="0"/>
                           <a:ea typeface="+mn-ea"/>
                           <a:cs typeface="+mn-cs"/>
                           <a:hlinkClick r:id="rId10"/>
                         </a:rPr>
-                        <a:t>Terms and Conditions</a:t>
+                        <a:t>Termini e condizioni</a:t>
                       </a:r>
-                      <a:endParaRPr lang="en-US" sz="1100" dirty="0">
-                        <a:solidFill>
-                          <a:schemeClr val="tx1"/>
-                        </a:solidFill>
-                        <a:effectLst/>
-                        <a:latin typeface="Adobe Clean" panose="020B0503020404020204" pitchFamily="34" charset="0"/>
-                        <a:ea typeface="+mn-ea"/>
-                        <a:cs typeface="+mn-cs"/>
-                      </a:endParaRPr>
                     </a:p>
                   </a:txBody>
                   <a:tcPr anchor="ctr">
@@ -14829,7 +12261,7 @@
                     <a:lstStyle/>
                     <a:p>
                       <a:r>
-                        <a:rPr lang="en-US" sz="1000" kern="1200" dirty="0">
+                        <a:rPr lang="it-IT" sz="1000" dirty="0">
                           <a:solidFill>
                             <a:srgbClr val="000000"/>
                           </a:solidFill>
@@ -14837,7 +12269,7 @@
                           <a:ea typeface="+mn-ea"/>
                           <a:cs typeface="+mn-cs"/>
                         </a:rPr>
-                        <a:t>Terms and conditions detailing Support Services offerings</a:t>
+                        <a:t>Termini e condizioni che descrivono i servizi di supporto disponibili</a:t>
                       </a:r>
                     </a:p>
                   </a:txBody>
@@ -15608,12 +13040,6 @@
 </file>
 
 <file path=customXml/item1.xml><?xml version="1.0" encoding="utf-8"?>
-<p:properties xmlns:p="http://schemas.microsoft.com/office/2006/metadata/properties" xmlns:xsi="http://www.w3.org/2001/XMLSchema-instance" xmlns:pc="http://schemas.microsoft.com/office/infopath/2007/PartnerControls">
-  <documentManagement/>
-</p:properties>
-</file>
-
-<file path=customXml/item2.xml><?xml version="1.0" encoding="utf-8"?>
 <ct:contentTypeSchema xmlns:ct="http://schemas.microsoft.com/office/2006/metadata/contentType" xmlns:ma="http://schemas.microsoft.com/office/2006/metadata/properties/metaAttributes" ct:_="" ma:_="" ma:contentTypeName="Document" ma:contentTypeID="0x010100E783BF6876BCC646A459363AF21A7736" ma:contentTypeVersion="10" ma:contentTypeDescription="Create a new document." ma:contentTypeScope="" ma:versionID="c4ffda7f4f415767600769e454c2ea87">
   <xsd:schema xmlns:xsd="http://www.w3.org/2001/XMLSchema" xmlns:xs="http://www.w3.org/2001/XMLSchema" xmlns:p="http://schemas.microsoft.com/office/2006/metadata/properties" xmlns:ns2="8a053bff-88be-49e4-9a87-e748e18b8b62" xmlns:ns3="6c8368ec-3776-49b5-a5bb-90648cf9530f" targetNamespace="http://schemas.microsoft.com/office/2006/metadata/properties" ma:root="true" ma:fieldsID="df3ec33bccc23e23bce7bc897fad43d1" ns2:_="" ns3:_="">
     <xsd:import namespace="8a053bff-88be-49e4-9a87-e748e18b8b62"/>
@@ -15818,6 +13244,12 @@
 </ct:contentTypeSchema>
 </file>
 
+<file path=customXml/item2.xml><?xml version="1.0" encoding="utf-8"?>
+<p:properties xmlns:p="http://schemas.microsoft.com/office/2006/metadata/properties" xmlns:xsi="http://www.w3.org/2001/XMLSchema-instance" xmlns:pc="http://schemas.microsoft.com/office/infopath/2007/PartnerControls">
+  <documentManagement/>
+</p:properties>
+</file>
+
 <file path=customXml/item3.xml><?xml version="1.0" encoding="utf-8"?>
 <?mso-contentType ?>
 <FormTemplates xmlns="http://schemas.microsoft.com/sharepoint/v3/contenttype/forms">
@@ -15828,15 +13260,6 @@
 </file>
 
 <file path=customXml/itemProps1.xml><?xml version="1.0" encoding="utf-8"?>
-<ds:datastoreItem xmlns:ds="http://schemas.openxmlformats.org/officeDocument/2006/customXml" ds:itemID="{8D12BD98-169B-4BEE-86DF-4C9641DF23C4}">
-  <ds:schemaRefs>
-    <ds:schemaRef ds:uri="http://schemas.microsoft.com/office/2006/metadata/properties"/>
-    <ds:schemaRef ds:uri="http://schemas.microsoft.com/office/infopath/2007/PartnerControls"/>
-  </ds:schemaRefs>
-</ds:datastoreItem>
-</file>
-
-<file path=customXml/itemProps2.xml><?xml version="1.0" encoding="utf-8"?>
 <ds:datastoreItem xmlns:ds="http://schemas.openxmlformats.org/officeDocument/2006/customXml" ds:itemID="{34863498-7BB7-4F09-9F4A-B99E97FDB0EB}">
   <ds:schemaRefs>
     <ds:schemaRef ds:uri="http://schemas.microsoft.com/office/2006/metadata/contentType"/>
@@ -15855,6 +13278,15 @@
 </ds:datastoreItem>
 </file>
 
+<file path=customXml/itemProps2.xml><?xml version="1.0" encoding="utf-8"?>
+<ds:datastoreItem xmlns:ds="http://schemas.openxmlformats.org/officeDocument/2006/customXml" ds:itemID="{8D12BD98-169B-4BEE-86DF-4C9641DF23C4}">
+  <ds:schemaRefs>
+    <ds:schemaRef ds:uri="http://schemas.microsoft.com/office/2006/metadata/properties"/>
+    <ds:schemaRef ds:uri="http://schemas.microsoft.com/office/infopath/2007/PartnerControls"/>
+  </ds:schemaRefs>
+</ds:datastoreItem>
+</file>
+
 <file path=customXml/itemProps3.xml><?xml version="1.0" encoding="utf-8"?>
 <ds:datastoreItem xmlns:ds="http://schemas.openxmlformats.org/officeDocument/2006/customXml" ds:itemID="{AC92E7FA-19A2-4675-9C77-2C92D8A268D1}">
   <ds:schemaRefs>

--- a/help/data-sheets/assets/OnlineSupportDatasheet.pptx
+++ b/help/data-sheets/assets/OnlineSupportDatasheet.pptx
@@ -131,7 +131,7 @@
 <file path=ppt/revisionInfo.xml><?xml version="1.0" encoding="utf-8"?>
 <p1510:revInfo xmlns:a="http://schemas.openxmlformats.org/drawingml/2006/main" xmlns:r="http://schemas.openxmlformats.org/officeDocument/2006/relationships" xmlns:p1510="http://schemas.microsoft.com/office/powerpoint/2015/10/main">
   <p1510:revLst>
-    <p1510:client id="{5343DD59-8FB2-7AAD-1875-255EDB54B98D}" v="367" dt="2021-09-22T18:47:16.489"/>
+    <p1510:client id="{096F7488-A26A-D845-83B0-BE2FC48D1AFD}" v="1" dt="2021-10-13T19:37:08.512"/>
   </p1510:revLst>
 </p1510:revInfo>
 </file>
@@ -167,6 +167,186 @@
             <ac:graphicFrameMk id="25" creationId="{3A91F5B0-3974-A14D-A146-FB590F2AAD18}"/>
           </ac:graphicFrameMkLst>
         </pc:graphicFrameChg>
+      </pc:sldChg>
+    </pc:docChg>
+  </pc:docChgLst>
+  <pc:docChgLst>
+    <pc:chgData name="Akilah Johnson" userId="S::akjohnso@adobe.com::2fa3aa60-0c9c-4d06-bae2-795983241227" providerId="AD" clId="Web-{57A486D7-8267-4044-450E-B1D42691F1A4}"/>
+    <pc:docChg chg="modSld">
+      <pc:chgData name="Akilah Johnson" userId="S::akjohnso@adobe.com::2fa3aa60-0c9c-4d06-bae2-795983241227" providerId="AD" clId="Web-{57A486D7-8267-4044-450E-B1D42691F1A4}" dt="2021-10-12T15:47:55.091" v="2" actId="20577"/>
+      <pc:docMkLst>
+        <pc:docMk/>
+      </pc:docMkLst>
+      <pc:sldChg chg="modSp">
+        <pc:chgData name="Akilah Johnson" userId="S::akjohnso@adobe.com::2fa3aa60-0c9c-4d06-bae2-795983241227" providerId="AD" clId="Web-{57A486D7-8267-4044-450E-B1D42691F1A4}" dt="2021-10-12T15:47:55.091" v="2" actId="20577"/>
+        <pc:sldMkLst>
+          <pc:docMk/>
+          <pc:sldMk cId="0" sldId="256"/>
+        </pc:sldMkLst>
+        <pc:spChg chg="mod">
+          <ac:chgData name="Akilah Johnson" userId="S::akjohnso@adobe.com::2fa3aa60-0c9c-4d06-bae2-795983241227" providerId="AD" clId="Web-{57A486D7-8267-4044-450E-B1D42691F1A4}" dt="2021-10-12T15:47:55.091" v="2" actId="20577"/>
+          <ac:spMkLst>
+            <pc:docMk/>
+            <pc:sldMk cId="0" sldId="256"/>
+            <ac:spMk id="5" creationId="{00000000-0000-0000-0000-000000000000}"/>
+          </ac:spMkLst>
+        </pc:spChg>
+      </pc:sldChg>
+    </pc:docChg>
+  </pc:docChgLst>
+  <pc:docChgLst>
+    <pc:chgData name="Lauren Schutte" userId="6e08b2d3-447a-4d66-86be-444d50df187f" providerId="ADAL" clId="{096F7488-A26A-D845-83B0-BE2FC48D1AFD}"/>
+    <pc:docChg chg="modSld">
+      <pc:chgData name="Lauren Schutte" userId="6e08b2d3-447a-4d66-86be-444d50df187f" providerId="ADAL" clId="{096F7488-A26A-D845-83B0-BE2FC48D1AFD}" dt="2021-10-13T19:38:26.139" v="4" actId="20577"/>
+      <pc:docMkLst>
+        <pc:docMk/>
+      </pc:docMkLst>
+      <pc:sldChg chg="modSp mod">
+        <pc:chgData name="Lauren Schutte" userId="6e08b2d3-447a-4d66-86be-444d50df187f" providerId="ADAL" clId="{096F7488-A26A-D845-83B0-BE2FC48D1AFD}" dt="2021-10-13T19:37:16.686" v="2" actId="242"/>
+        <pc:sldMkLst>
+          <pc:docMk/>
+          <pc:sldMk cId="0" sldId="256"/>
+        </pc:sldMkLst>
+        <pc:graphicFrameChg chg="mod modGraphic">
+          <ac:chgData name="Lauren Schutte" userId="6e08b2d3-447a-4d66-86be-444d50df187f" providerId="ADAL" clId="{096F7488-A26A-D845-83B0-BE2FC48D1AFD}" dt="2021-10-13T19:37:16.686" v="2" actId="242"/>
+          <ac:graphicFrameMkLst>
+            <pc:docMk/>
+            <pc:sldMk cId="0" sldId="256"/>
+            <ac:graphicFrameMk id="9" creationId="{00000000-0000-0000-0000-000000000000}"/>
+          </ac:graphicFrameMkLst>
+        </pc:graphicFrameChg>
+      </pc:sldChg>
+      <pc:sldChg chg="modSp mod">
+        <pc:chgData name="Lauren Schutte" userId="6e08b2d3-447a-4d66-86be-444d50df187f" providerId="ADAL" clId="{096F7488-A26A-D845-83B0-BE2FC48D1AFD}" dt="2021-10-13T19:38:11.810" v="3" actId="20577"/>
+        <pc:sldMkLst>
+          <pc:docMk/>
+          <pc:sldMk cId="0" sldId="257"/>
+        </pc:sldMkLst>
+        <pc:spChg chg="mod">
+          <ac:chgData name="Lauren Schutte" userId="6e08b2d3-447a-4d66-86be-444d50df187f" providerId="ADAL" clId="{096F7488-A26A-D845-83B0-BE2FC48D1AFD}" dt="2021-10-13T19:38:11.810" v="3" actId="20577"/>
+          <ac:spMkLst>
+            <pc:docMk/>
+            <pc:sldMk cId="0" sldId="257"/>
+            <ac:spMk id="39" creationId="{00000000-0000-0000-0000-000000000000}"/>
+          </ac:spMkLst>
+        </pc:spChg>
+      </pc:sldChg>
+      <pc:sldChg chg="modSp mod">
+        <pc:chgData name="Lauren Schutte" userId="6e08b2d3-447a-4d66-86be-444d50df187f" providerId="ADAL" clId="{096F7488-A26A-D845-83B0-BE2FC48D1AFD}" dt="2021-10-13T19:38:26.139" v="4" actId="20577"/>
+        <pc:sldMkLst>
+          <pc:docMk/>
+          <pc:sldMk cId="799510854" sldId="260"/>
+        </pc:sldMkLst>
+        <pc:graphicFrameChg chg="modGraphic">
+          <ac:chgData name="Lauren Schutte" userId="6e08b2d3-447a-4d66-86be-444d50df187f" providerId="ADAL" clId="{096F7488-A26A-D845-83B0-BE2FC48D1AFD}" dt="2021-10-13T19:38:26.139" v="4" actId="20577"/>
+          <ac:graphicFrameMkLst>
+            <pc:docMk/>
+            <pc:sldMk cId="799510854" sldId="260"/>
+            <ac:graphicFrameMk id="111" creationId="{D8653CEC-4213-DE40-9BAF-D1E3318FF89C}"/>
+          </ac:graphicFrameMkLst>
+        </pc:graphicFrameChg>
+      </pc:sldChg>
+    </pc:docChg>
+  </pc:docChgLst>
+  <pc:docChgLst>
+    <pc:chgData name="Akilah Johnson" userId="S::akjohnso@adobe.com::2fa3aa60-0c9c-4d06-bae2-795983241227" providerId="AD" clId="Web-{CF46E89E-48FC-BA32-13C5-654DDA452FDC}"/>
+    <pc:docChg chg="modSld">
+      <pc:chgData name="Akilah Johnson" userId="S::akjohnso@adobe.com::2fa3aa60-0c9c-4d06-bae2-795983241227" providerId="AD" clId="Web-{CF46E89E-48FC-BA32-13C5-654DDA452FDC}" dt="2021-10-12T17:00:50.675" v="21" actId="20577"/>
+      <pc:docMkLst>
+        <pc:docMk/>
+      </pc:docMkLst>
+      <pc:sldChg chg="modSp">
+        <pc:chgData name="Akilah Johnson" userId="S::akjohnso@adobe.com::2fa3aa60-0c9c-4d06-bae2-795983241227" providerId="AD" clId="Web-{CF46E89E-48FC-BA32-13C5-654DDA452FDC}" dt="2021-10-12T16:58:10.550" v="6" actId="20577"/>
+        <pc:sldMkLst>
+          <pc:docMk/>
+          <pc:sldMk cId="0" sldId="256"/>
+        </pc:sldMkLst>
+        <pc:spChg chg="mod">
+          <ac:chgData name="Akilah Johnson" userId="S::akjohnso@adobe.com::2fa3aa60-0c9c-4d06-bae2-795983241227" providerId="AD" clId="Web-{CF46E89E-48FC-BA32-13C5-654DDA452FDC}" dt="2021-10-12T16:58:10.550" v="6" actId="20577"/>
+          <ac:spMkLst>
+            <pc:docMk/>
+            <pc:sldMk cId="0" sldId="256"/>
+            <ac:spMk id="2" creationId="{00000000-0000-0000-0000-000000000000}"/>
+          </ac:spMkLst>
+        </pc:spChg>
+        <pc:graphicFrameChg chg="mod modGraphic">
+          <ac:chgData name="Akilah Johnson" userId="S::akjohnso@adobe.com::2fa3aa60-0c9c-4d06-bae2-795983241227" providerId="AD" clId="Web-{CF46E89E-48FC-BA32-13C5-654DDA452FDC}" dt="2021-10-12T16:57:07.113" v="1"/>
+          <ac:graphicFrameMkLst>
+            <pc:docMk/>
+            <pc:sldMk cId="0" sldId="256"/>
+            <ac:graphicFrameMk id="8" creationId="{00000000-0000-0000-0000-000000000000}"/>
+          </ac:graphicFrameMkLst>
+        </pc:graphicFrameChg>
+      </pc:sldChg>
+      <pc:sldChg chg="modSp">
+        <pc:chgData name="Akilah Johnson" userId="S::akjohnso@adobe.com::2fa3aa60-0c9c-4d06-bae2-795983241227" providerId="AD" clId="Web-{CF46E89E-48FC-BA32-13C5-654DDA452FDC}" dt="2021-10-12T16:59:59.628" v="14" actId="20577"/>
+        <pc:sldMkLst>
+          <pc:docMk/>
+          <pc:sldMk cId="0" sldId="257"/>
+        </pc:sldMkLst>
+        <pc:spChg chg="mod">
+          <ac:chgData name="Akilah Johnson" userId="S::akjohnso@adobe.com::2fa3aa60-0c9c-4d06-bae2-795983241227" providerId="AD" clId="Web-{CF46E89E-48FC-BA32-13C5-654DDA452FDC}" dt="2021-10-12T16:59:21.300" v="12" actId="20577"/>
+          <ac:spMkLst>
+            <pc:docMk/>
+            <pc:sldMk cId="0" sldId="257"/>
+            <ac:spMk id="39" creationId="{00000000-0000-0000-0000-000000000000}"/>
+          </ac:spMkLst>
+        </pc:spChg>
+        <pc:spChg chg="mod">
+          <ac:chgData name="Akilah Johnson" userId="S::akjohnso@adobe.com::2fa3aa60-0c9c-4d06-bae2-795983241227" providerId="AD" clId="Web-{CF46E89E-48FC-BA32-13C5-654DDA452FDC}" dt="2021-10-12T16:59:59.628" v="14" actId="20577"/>
+          <ac:spMkLst>
+            <pc:docMk/>
+            <pc:sldMk cId="0" sldId="257"/>
+            <ac:spMk id="46" creationId="{00000000-0000-0000-0000-000000000000}"/>
+          </ac:spMkLst>
+        </pc:spChg>
+      </pc:sldChg>
+      <pc:sldChg chg="modSp">
+        <pc:chgData name="Akilah Johnson" userId="S::akjohnso@adobe.com::2fa3aa60-0c9c-4d06-bae2-795983241227" providerId="AD" clId="Web-{CF46E89E-48FC-BA32-13C5-654DDA452FDC}" dt="2021-10-12T17:00:50.675" v="21" actId="20577"/>
+        <pc:sldMkLst>
+          <pc:docMk/>
+          <pc:sldMk cId="799510854" sldId="260"/>
+        </pc:sldMkLst>
+        <pc:spChg chg="mod">
+          <ac:chgData name="Akilah Johnson" userId="S::akjohnso@adobe.com::2fa3aa60-0c9c-4d06-bae2-795983241227" providerId="AD" clId="Web-{CF46E89E-48FC-BA32-13C5-654DDA452FDC}" dt="2021-10-12T17:00:50.675" v="21" actId="20577"/>
+          <ac:spMkLst>
+            <pc:docMk/>
+            <pc:sldMk cId="799510854" sldId="260"/>
+            <ac:spMk id="24" creationId="{00000000-0000-0000-0000-000000000000}"/>
+          </ac:spMkLst>
+        </pc:spChg>
+        <pc:spChg chg="mod">
+          <ac:chgData name="Akilah Johnson" userId="S::akjohnso@adobe.com::2fa3aa60-0c9c-4d06-bae2-795983241227" providerId="AD" clId="Web-{CF46E89E-48FC-BA32-13C5-654DDA452FDC}" dt="2021-10-12T17:00:45.784" v="19" actId="20577"/>
+          <ac:spMkLst>
+            <pc:docMk/>
+            <pc:sldMk cId="799510854" sldId="260"/>
+            <ac:spMk id="56" creationId="{00000000-0000-0000-0000-000000000000}"/>
+          </ac:spMkLst>
+        </pc:spChg>
+      </pc:sldChg>
+    </pc:docChg>
+  </pc:docChgLst>
+  <pc:docChgLst>
+    <pc:chgData name="Akilah Johnson" userId="S::akjohnso@adobe.com::2fa3aa60-0c9c-4d06-bae2-795983241227" providerId="AD" clId="Web-{19E88417-C612-7196-8214-73025F75FA84}"/>
+    <pc:docChg chg="modSld">
+      <pc:chgData name="Akilah Johnson" userId="S::akjohnso@adobe.com::2fa3aa60-0c9c-4d06-bae2-795983241227" providerId="AD" clId="Web-{19E88417-C612-7196-8214-73025F75FA84}" dt="2021-10-12T19:15:42.562" v="5" actId="20577"/>
+      <pc:docMkLst>
+        <pc:docMk/>
+      </pc:docMkLst>
+      <pc:sldChg chg="modSp">
+        <pc:chgData name="Akilah Johnson" userId="S::akjohnso@adobe.com::2fa3aa60-0c9c-4d06-bae2-795983241227" providerId="AD" clId="Web-{19E88417-C612-7196-8214-73025F75FA84}" dt="2021-10-12T19:15:42.562" v="5" actId="20577"/>
+        <pc:sldMkLst>
+          <pc:docMk/>
+          <pc:sldMk cId="0" sldId="256"/>
+        </pc:sldMkLst>
+        <pc:spChg chg="mod">
+          <ac:chgData name="Akilah Johnson" userId="S::akjohnso@adobe.com::2fa3aa60-0c9c-4d06-bae2-795983241227" providerId="AD" clId="Web-{19E88417-C612-7196-8214-73025F75FA84}" dt="2021-10-12T19:15:42.562" v="5" actId="20577"/>
+          <ac:spMkLst>
+            <pc:docMk/>
+            <pc:sldMk cId="0" sldId="256"/>
+            <ac:spMk id="13" creationId="{7979C0CC-523E-844A-96DC-75FC662E01AB}"/>
+          </ac:spMkLst>
+        </pc:spChg>
       </pc:sldChg>
     </pc:docChg>
   </pc:docChgLst>
@@ -255,7 +435,7 @@
           <a:p>
             <a:fld id="{A438815C-EDE5-F947-A55F-7634403F36C4}" type="datetimeFigureOut">
               <a:rPr lang="en-US" smtClean="0"/>
-              <a:t>10/1/2021</a:t>
+              <a:t>10/13/21</a:t>
             </a:fld>
             <a:endParaRPr lang="en-US"/>
           </a:p>
@@ -878,7 +1058,7 @@
           <a:p>
             <a:fld id="{1D8BD707-D9CF-40AE-B4C6-C98DA3205C09}" type="datetimeFigureOut">
               <a:rPr lang="en-US"/>
-              <a:t>10/1/2021</a:t>
+              <a:t>10/13/21</a:t>
             </a:fld>
             <a:endParaRPr lang="en-US"/>
           </a:p>
@@ -1062,7 +1242,7 @@
           <a:p>
             <a:fld id="{1D8BD707-D9CF-40AE-B4C6-C98DA3205C09}" type="datetimeFigureOut">
               <a:rPr lang="en-US"/>
-              <a:t>10/1/2021</a:t>
+              <a:t>10/13/21</a:t>
             </a:fld>
             <a:endParaRPr lang="en-US"/>
           </a:p>
@@ -1364,7 +1544,7 @@
           <a:p>
             <a:fld id="{1D8BD707-D9CF-40AE-B4C6-C98DA3205C09}" type="datetimeFigureOut">
               <a:rPr lang="en-US"/>
-              <a:t>10/1/2021</a:t>
+              <a:t>10/13/21</a:t>
             </a:fld>
             <a:endParaRPr lang="en-US"/>
           </a:p>
@@ -1619,28 +1799,25 @@
         <p:spPr>
           <a:xfrm>
             <a:off x="95250" y="7228840"/>
-            <a:ext cx="2800350" cy="238760"/>
+            <a:ext cx="2884717" cy="227626"/>
           </a:xfrm>
           <a:prstGeom prst="rect">
             <a:avLst/>
           </a:prstGeom>
         </p:spPr>
         <p:txBody>
-          <a:bodyPr vert="horz" wrap="square" lIns="0" tIns="12065" rIns="0" bIns="0" rtlCol="0">
+          <a:bodyPr vert="horz" wrap="square" lIns="0" tIns="12065" rIns="0" bIns="0" rtlCol="0" anchor="t">
             <a:spAutoFit/>
           </a:bodyPr>
           <a:lstStyle/>
           <a:p>
             <a:pPr marL="12700">
-              <a:lnSpc>
-                <a:spcPct val="100000"/>
-              </a:lnSpc>
               <a:spcBef>
                 <a:spcPts val="95"/>
               </a:spcBef>
             </a:pPr>
             <a:r>
-              <a:rPr lang="it-IT" sz="1400" b="1" u="heavy">
+              <a:rPr sz="1400" b="1" u="heavy" spc="10" dirty="0">
                 <a:solidFill>
                   <a:srgbClr val="020302"/>
                 </a:solidFill>
@@ -1652,8 +1829,87 @@
                 <a:latin typeface="Adobe Clean"/>
                 <a:cs typeface="Adobe Clean"/>
               </a:rPr>
-              <a:t>Obiettivi del livello di servizio: risposta iniziale</a:t>
-            </a:r>
+              <a:t>Service </a:t>
+            </a:r>
+            <a:r>
+              <a:rPr sz="1400" b="1" u="heavy" spc="-10" dirty="0">
+                <a:solidFill>
+                  <a:srgbClr val="020302"/>
+                </a:solidFill>
+                <a:uFill>
+                  <a:solidFill>
+                    <a:srgbClr val="020302"/>
+                  </a:solidFill>
+                </a:uFill>
+                <a:latin typeface="Adobe Clean"/>
+                <a:cs typeface="Adobe Clean"/>
+              </a:rPr>
+              <a:t>Level </a:t>
+            </a:r>
+            <a:r>
+              <a:rPr sz="1400" b="1" u="heavy" spc="-45" dirty="0">
+                <a:solidFill>
+                  <a:srgbClr val="020302"/>
+                </a:solidFill>
+                <a:uFill>
+                  <a:solidFill>
+                    <a:srgbClr val="020302"/>
+                  </a:solidFill>
+                </a:uFill>
+                <a:latin typeface="Adobe Clean"/>
+                <a:cs typeface="Adobe Clean"/>
+              </a:rPr>
+              <a:t>Targets: </a:t>
+            </a:r>
+            <a:r>
+              <a:rPr sz="1400" b="1" u="heavy" spc="-10" dirty="0">
+                <a:solidFill>
+                  <a:srgbClr val="020302"/>
+                </a:solidFill>
+                <a:uFill>
+                  <a:solidFill>
+                    <a:srgbClr val="020302"/>
+                  </a:solidFill>
+                </a:uFill>
+                <a:latin typeface="Adobe Clean"/>
+                <a:cs typeface="Adobe Clean"/>
+              </a:rPr>
+              <a:t>Initial</a:t>
+            </a:r>
+            <a:r>
+              <a:rPr lang="en-US" sz="1400" b="1" u="heavy" spc="-10" dirty="0">
+                <a:solidFill>
+                  <a:srgbClr val="020302"/>
+                </a:solidFill>
+                <a:uFill>
+                  <a:solidFill>
+                    <a:srgbClr val="020302"/>
+                  </a:solidFill>
+                </a:uFill>
+                <a:latin typeface="Adobe Clean"/>
+                <a:cs typeface="Adobe Clean"/>
+              </a:rPr>
+              <a:t> </a:t>
+            </a:r>
+            <a:r>
+              <a:rPr sz="1400" b="1" u="heavy" spc="-15" dirty="0">
+                <a:solidFill>
+                  <a:srgbClr val="020302"/>
+                </a:solidFill>
+                <a:uFill>
+                  <a:solidFill>
+                    <a:srgbClr val="020302"/>
+                  </a:solidFill>
+                </a:uFill>
+                <a:latin typeface="Adobe Clean"/>
+                <a:cs typeface="Adobe Clean"/>
+              </a:rPr>
+              <a:t>Response</a:t>
+            </a:r>
+            <a:endParaRPr sz="1400" dirty="0">
+              <a:latin typeface="Adobe Clean"/>
+              <a:cs typeface="Adobe Clean"/>
+            </a:endParaRPr>
           </a:p>
         </p:txBody>
       </p:sp>
@@ -1702,7 +1958,7 @@
           </a:prstGeom>
         </p:spPr>
         <p:txBody>
-          <a:bodyPr vert="horz" wrap="square" lIns="0" tIns="24130" rIns="0" bIns="0" rtlCol="0">
+          <a:bodyPr vert="horz" wrap="square" lIns="0" tIns="24130" rIns="0" bIns="0" rtlCol="0" anchor="t">
             <a:spAutoFit/>
           </a:bodyPr>
           <a:lstStyle/>
@@ -1716,7 +1972,7 @@
               </a:spcBef>
             </a:pPr>
             <a:r>
-              <a:rPr lang="it-IT" sz="1200" b="1" dirty="0">
+              <a:rPr lang="en-US" sz="1200" b="1" dirty="0">
                 <a:solidFill>
                   <a:schemeClr val="bg1"/>
                 </a:solidFill>
@@ -1724,54 +1980,34 @@
               <a:t>Online</a:t>
             </a:r>
             <a:r>
-              <a:rPr lang="it-IT" sz="1200" dirty="0">
+              <a:rPr lang="en-US" sz="1200" dirty="0">
                 <a:solidFill>
                   <a:schemeClr val="bg1"/>
                 </a:solidFill>
+                <a:latin typeface="Adobe Clean Light"/>
+              </a:rPr>
+              <a:t> | Business | Enterprise | Elite</a:t>
+            </a:r>
+            <a:br>
+              <a:rPr lang="en-US" sz="900" dirty="0">
                 <a:latin typeface="Adobe Clean Light" panose="020B0303020404020204" pitchFamily="34" charset="0"/>
               </a:rPr>
-              <a:t> | Business | Enterprise | Elite</a:t>
-            </a:r>
-            <a:br>
-              <a:rPr lang="it-IT" sz="900" dirty="0">
+            </a:br>
+            <a:r>
+              <a:rPr lang="en-US" sz="900" dirty="0">
                 <a:solidFill>
                   <a:schemeClr val="bg1"/>
                 </a:solidFill>
-                <a:latin typeface="Adobe Clean Light" panose="020B0303020404020204" pitchFamily="34" charset="0"/>
-              </a:rPr>
-            </a:br>
-            <a:r>
-              <a:rPr lang="it-IT" sz="900" dirty="0">
+                <a:latin typeface="Adobe Clean SemiLight"/>
+              </a:rPr>
+              <a:t>Adobe provides a comprehensive range of technical resources to help support your business included as part of your Experience Cloud license subscription. Online support includes access to personalized learning paths and monitored community forums via the Adobe Experience League. You can take advantage of our detailed and in-depth technical product documentation and current release notes published on </a:t>
+            </a:r>
+            <a:r>
+              <a:rPr lang="en-US" sz="900" u="sng" dirty="0">
                 <a:solidFill>
                   <a:schemeClr val="bg1"/>
                 </a:solidFill>
-                <a:latin typeface="Adobe Clean SemiLight" panose="020B0403020404020204" pitchFamily="34" charset="0"/>
-              </a:rPr>
-              <a:t>Adobe offre una gamma completa di risorse tecniche per assistere la tua azienda, incluse nell’abbonamento Experience Cloud. </a:t>
-            </a:r>
-            <a:br>
-              <a:rPr lang="sk-SK" sz="900" dirty="0">
-                <a:solidFill>
-                  <a:schemeClr val="bg1"/>
-                </a:solidFill>
-                <a:latin typeface="Adobe Clean SemiLight" panose="020B0403020404020204" pitchFamily="34" charset="0"/>
-              </a:rPr>
-            </a:br>
-            <a:r>
-              <a:rPr lang="it-IT" sz="900" dirty="0">
-                <a:solidFill>
-                  <a:schemeClr val="bg1"/>
-                </a:solidFill>
-                <a:latin typeface="Adobe Clean SemiLight" panose="020B0403020404020204" pitchFamily="34" charset="0"/>
-              </a:rPr>
-              <a:t>Il supporto Online include l’accesso a percorsi di apprendimento personalizzati e forum della community monitorati tramite Adobe Experience League. Puoi inoltre usufruire di documentazione tecnica dettagliata e note sulla versione sempre aggiornate pubblicate su </a:t>
-            </a:r>
-            <a:r>
-              <a:rPr lang="it-IT" sz="900" u="sng" dirty="0">
-                <a:solidFill>
-                  <a:schemeClr val="bg1"/>
-                </a:solidFill>
-                <a:latin typeface="Adobe Clean SemiLight" panose="020B0403020404020204" pitchFamily="34" charset="0"/>
+                <a:latin typeface="Adobe Clean SemiLight"/>
                 <a:hlinkClick r:id="rId4">
                   <a:extLst>
                     <a:ext uri="{A12FA001-AC4F-418D-AE19-62706E023703}">
@@ -1780,34 +2016,24 @@
                   </a:extLst>
                 </a:hlinkClick>
               </a:rPr>
-              <a:t>http://www.adobe.com</a:t>
-            </a:r>
-            <a:r>
-              <a:rPr lang="it-IT" sz="900" dirty="0">
+              <a:t>http://www.adobe.com. </a:t>
+            </a:r>
+            <a:r>
+              <a:rPr lang="en-US" sz="900" dirty="0">
                 <a:solidFill>
                   <a:schemeClr val="bg1"/>
                 </a:solidFill>
-                <a:latin typeface="Adobe Clean SemiLight" panose="020B0403020404020204" pitchFamily="34" charset="0"/>
-              </a:rPr>
-              <a:t> Il pacchetto Online include inoltre l’accesso telefonico ai team addetti al supporto tecnico per eventuali problemi di livello P1, per ricevere assistenza nei momenti più critici. Per problemi di minore criticità, è possibile inviare richieste </a:t>
-            </a:r>
-            <a:br>
-              <a:rPr lang="sk-SK" sz="900" dirty="0">
-                <a:solidFill>
-                  <a:schemeClr val="bg1"/>
-                </a:solidFill>
-                <a:latin typeface="Adobe Clean SemiLight" panose="020B0403020404020204" pitchFamily="34" charset="0"/>
-              </a:rPr>
-            </a:br>
-            <a:r>
-              <a:rPr lang="it-IT" sz="900" dirty="0">
-                <a:solidFill>
-                  <a:schemeClr val="bg1"/>
-                </a:solidFill>
-                <a:latin typeface="Adobe Clean SemiLight" panose="020B0403020404020204" pitchFamily="34" charset="0"/>
-              </a:rPr>
-              <a:t>di supporto tramite il portale web.</a:t>
-            </a:r>
+                <a:latin typeface="Adobe Clean SemiLight"/>
+              </a:rPr>
+              <a:t>Our Online package also includes access to our technical support teams for any critical P1 product issues via telephone to help protect your business at the most critical times as well as providing the ability to log lower priority requests for assistance via support web portal.</a:t>
+            </a:r>
+            <a:endParaRPr lang="en-US" sz="900" dirty="0">
+              <a:solidFill>
+                <a:schemeClr val="bg1"/>
+              </a:solidFill>
+              <a:latin typeface="Adobe Clean SemiLight"/>
+              <a:cs typeface="AdobeClean-Light"/>
+            </a:endParaRPr>
           </a:p>
         </p:txBody>
       </p:sp>
@@ -1849,14 +2075,14 @@
           <p:nvPr>
             <p:extLst>
               <p:ext uri="{D42A27DB-BD31-4B8C-83A1-F6EECF244321}">
-                <p14:modId xmlns:p14="http://schemas.microsoft.com/office/powerpoint/2010/main" val="3836167592"/>
+                <p14:modId xmlns:p14="http://schemas.microsoft.com/office/powerpoint/2010/main" val="1047125657"/>
               </p:ext>
             </p:extLst>
           </p:nvPr>
         </p:nvGraphicFramePr>
         <p:xfrm>
           <a:off x="0" y="1938946"/>
-          <a:ext cx="7705343" cy="5300593"/>
+          <a:ext cx="7705343" cy="5227197"/>
         </p:xfrm>
         <a:graphic>
           <a:graphicData uri="http://schemas.openxmlformats.org/drawingml/2006/table">
@@ -1950,15 +2176,39 @@
                         </a:spcBef>
                       </a:pPr>
                       <a:r>
-                        <a:rPr lang="it-IT" sz="900">
+                        <a:rPr sz="900" spc="0" dirty="0">
                           <a:solidFill>
                             <a:srgbClr val="404040"/>
                           </a:solidFill>
                           <a:latin typeface="Adobe Clean"/>
                           <a:cs typeface="Adobe Clean"/>
                         </a:rPr>
-                        <a:t>Supporto Online</a:t>
+                        <a:t>Online</a:t>
                       </a:r>
+                      <a:r>
+                        <a:rPr lang="en-US" sz="900" spc="0" dirty="0">
+                          <a:solidFill>
+                            <a:srgbClr val="404040"/>
+                          </a:solidFill>
+                          <a:latin typeface="Adobe Clean"/>
+                          <a:cs typeface="Adobe Clean"/>
+                        </a:rPr>
+                        <a:t> </a:t>
+                      </a:r>
+                      <a:r>
+                        <a:rPr sz="900" spc="0" dirty="0">
+                          <a:solidFill>
+                            <a:srgbClr val="404040"/>
+                          </a:solidFill>
+                          <a:latin typeface="Adobe Clean"/>
+                          <a:cs typeface="Adobe Clean"/>
+                        </a:rPr>
+                        <a:t>Support</a:t>
+                      </a:r>
+                      <a:endParaRPr sz="900" spc="0" dirty="0">
+                        <a:latin typeface="Adobe Clean"/>
+                        <a:cs typeface="Adobe Clean"/>
+                      </a:endParaRPr>
                     </a:p>
                   </a:txBody>
                   <a:tcPr marL="0" marR="0" marT="7620" marB="0" anchor="ctr">
@@ -1993,15 +2243,39 @@
                         </a:spcBef>
                       </a:pPr>
                       <a:r>
-                        <a:rPr lang="it-IT" sz="900">
+                        <a:rPr sz="900" spc="0" dirty="0">
                           <a:solidFill>
                             <a:srgbClr val="FFFFFF"/>
                           </a:solidFill>
                           <a:latin typeface="Adobe Clean"/>
                           <a:cs typeface="Adobe Clean"/>
                         </a:rPr>
-                        <a:t>Supporto Business</a:t>
+                        <a:t>Business</a:t>
                       </a:r>
+                      <a:r>
+                        <a:rPr lang="en-US" sz="900" spc="0" dirty="0">
+                          <a:solidFill>
+                            <a:srgbClr val="FFFFFF"/>
+                          </a:solidFill>
+                          <a:latin typeface="Adobe Clean"/>
+                          <a:cs typeface="Adobe Clean"/>
+                        </a:rPr>
+                        <a:t> </a:t>
+                      </a:r>
+                      <a:r>
+                        <a:rPr sz="900" spc="0" dirty="0">
+                          <a:solidFill>
+                            <a:srgbClr val="FFFFFF"/>
+                          </a:solidFill>
+                          <a:latin typeface="Adobe Clean"/>
+                          <a:cs typeface="Adobe Clean"/>
+                        </a:rPr>
+                        <a:t>Support</a:t>
+                      </a:r>
+                      <a:endParaRPr sz="900" spc="0" dirty="0">
+                        <a:latin typeface="Adobe Clean"/>
+                        <a:cs typeface="Adobe Clean"/>
+                      </a:endParaRPr>
                     </a:p>
                   </a:txBody>
                   <a:tcPr marL="0" marR="0" marT="7620" marB="0" anchor="ctr">
@@ -2042,15 +2316,19 @@
                         </a:spcBef>
                       </a:pPr>
                       <a:r>
-                        <a:rPr lang="it-IT" sz="900">
+                        <a:rPr lang="en-US" sz="900" spc="0" dirty="0">
                           <a:solidFill>
                             <a:srgbClr val="FFFFFF"/>
                           </a:solidFill>
                           <a:latin typeface="Adobe Clean"/>
                           <a:cs typeface="Adobe Clean"/>
                         </a:rPr>
-                        <a:t>Supporto Enterprise</a:t>
+                        <a:t>Enterprise Support</a:t>
                       </a:r>
+                      <a:endParaRPr sz="900" spc="0" dirty="0">
+                        <a:latin typeface="Adobe Clean"/>
+                        <a:cs typeface="Adobe Clean"/>
+                      </a:endParaRPr>
                     </a:p>
                   </a:txBody>
                   <a:tcPr marL="0" marR="0" marT="7620" marB="0" anchor="ctr">
@@ -2091,15 +2369,39 @@
                         </a:spcBef>
                       </a:pPr>
                       <a:r>
-                        <a:rPr lang="it-IT" sz="900">
+                        <a:rPr sz="900" spc="-20" dirty="0">
                           <a:solidFill>
                             <a:srgbClr val="FFFFFF"/>
                           </a:solidFill>
                           <a:latin typeface="Adobe Clean"/>
                           <a:cs typeface="Adobe Clean"/>
                         </a:rPr>
-                        <a:t>Supporto Enterprise</a:t>
+                        <a:t>Enterprise</a:t>
                       </a:r>
+                      <a:r>
+                        <a:rPr lang="en-US" sz="900" spc="-20" dirty="0">
+                          <a:solidFill>
+                            <a:srgbClr val="FFFFFF"/>
+                          </a:solidFill>
+                          <a:latin typeface="Adobe Clean"/>
+                          <a:cs typeface="Adobe Clean"/>
+                        </a:rPr>
+                        <a:t> </a:t>
+                      </a:r>
+                      <a:r>
+                        <a:rPr sz="900" spc="-20" dirty="0">
+                          <a:solidFill>
+                            <a:srgbClr val="FFFFFF"/>
+                          </a:solidFill>
+                          <a:latin typeface="Adobe Clean"/>
+                          <a:cs typeface="Adobe Clean"/>
+                        </a:rPr>
+                        <a:t>Support</a:t>
+                      </a:r>
+                      <a:endParaRPr sz="900" dirty="0">
+                        <a:latin typeface="Adobe Clean"/>
+                        <a:cs typeface="Adobe Clean"/>
+                      </a:endParaRPr>
                     </a:p>
                   </a:txBody>
                   <a:tcPr marL="0" marR="0" marT="7620" marB="0" anchor="ctr">
@@ -2140,15 +2442,39 @@
                         </a:spcBef>
                       </a:pPr>
                       <a:r>
-                        <a:rPr lang="it-IT" sz="900">
+                        <a:rPr sz="900" spc="0" dirty="0">
                           <a:solidFill>
                             <a:srgbClr val="FFFFFF"/>
                           </a:solidFill>
                           <a:latin typeface="Adobe Clean"/>
                           <a:cs typeface="Adobe Clean"/>
                         </a:rPr>
-                        <a:t>Supporto Elite</a:t>
+                        <a:t>Elite</a:t>
                       </a:r>
+                      <a:r>
+                        <a:rPr lang="en-US" sz="900" spc="0" dirty="0">
+                          <a:solidFill>
+                            <a:srgbClr val="FFFFFF"/>
+                          </a:solidFill>
+                          <a:latin typeface="Adobe Clean"/>
+                          <a:cs typeface="Adobe Clean"/>
+                        </a:rPr>
+                        <a:t> </a:t>
+                      </a:r>
+                      <a:r>
+                        <a:rPr sz="900" spc="0" dirty="0">
+                          <a:solidFill>
+                            <a:srgbClr val="FFFFFF"/>
+                          </a:solidFill>
+                          <a:latin typeface="Adobe Clean"/>
+                          <a:cs typeface="Adobe Clean"/>
+                        </a:rPr>
+                        <a:t>Support</a:t>
+                      </a:r>
+                      <a:endParaRPr sz="900" spc="0" dirty="0">
+                        <a:latin typeface="Adobe Clean"/>
+                        <a:cs typeface="Adobe Clean"/>
+                      </a:endParaRPr>
                     </a:p>
                   </a:txBody>
                   <a:tcPr marL="0" marR="0" marT="7620" marB="0" anchor="ctr">
@@ -2201,7 +2527,7 @@
                     <a:bodyPr/>
                     <a:lstStyle/>
                     <a:p>
-                      <a:pPr marL="255904" marR="248920" indent="-25400" algn="l" rtl="0">
+                      <a:pPr marL="255904" marR="248920" indent="-25400">
                         <a:lnSpc>
                           <a:spcPct val="100000"/>
                         </a:lnSpc>
@@ -2255,15 +2581,29 @@
                         </a:spcBef>
                       </a:pPr>
                       <a:r>
-                        <a:rPr lang="it-IT" sz="800" i="1">
+                        <a:rPr lang="en-US" sz="800" i="1" spc="0" dirty="0">
                           <a:solidFill>
                             <a:srgbClr val="FFFFFF"/>
                           </a:solidFill>
                           <a:latin typeface="Adobe Clean"/>
                           <a:cs typeface="Adobe Clean"/>
                         </a:rPr>
-                        <a:t>Livelli di supporto a pagamento ($)</a:t>
+                        <a:t>Paid</a:t>
                       </a:r>
+                      <a:r>
+                        <a:rPr sz="800" i="1" spc="0" dirty="0">
+                          <a:solidFill>
+                            <a:srgbClr val="FFFFFF"/>
+                          </a:solidFill>
+                          <a:latin typeface="Adobe Clean"/>
+                          <a:cs typeface="Adobe Clean"/>
+                        </a:rPr>
+                        <a:t> Support Levels($)</a:t>
+                      </a:r>
+                      <a:endParaRPr sz="800" spc="0" dirty="0">
+                        <a:latin typeface="Adobe Clean"/>
+                        <a:cs typeface="Adobe Clean"/>
+                      </a:endParaRPr>
                     </a:p>
                   </a:txBody>
                   <a:tcPr marL="0" marR="0" marT="82550" marB="0" anchor="ctr">
@@ -2350,15 +2690,22 @@
                         </a:spcBef>
                       </a:pPr>
                       <a:r>
-                        <a:rPr lang="it-IT" sz="1000" b="1" i="0">
+                        <a:rPr lang="en-US" sz="1000" b="1" i="0" spc="0" dirty="0">
                           <a:solidFill>
                             <a:schemeClr val="bg1"/>
                           </a:solidFill>
                           <a:latin typeface="Adobe Clean" panose="020B0503020404020204" pitchFamily="34" charset="0"/>
                           <a:cs typeface="AdobeClean-Light"/>
                         </a:rPr>
-                        <a:t>Esperti assegnati</a:t>
+                        <a:t>Assigned Experts</a:t>
                       </a:r>
+                      <a:endParaRPr sz="1000" b="1" i="0" spc="0" dirty="0">
+                        <a:solidFill>
+                          <a:schemeClr val="bg1"/>
+                        </a:solidFill>
+                        <a:latin typeface="Adobe Clean" panose="020B0503020404020204" pitchFamily="34" charset="0"/>
+                        <a:cs typeface="AdobeClean-Light"/>
+                      </a:endParaRPr>
                     </a:p>
                   </a:txBody>
                   <a:tcPr marL="0" marR="0" marT="58419" marB="0" anchor="ctr">
@@ -2405,7 +2752,7 @@
                         </a:spcBef>
                       </a:pPr>
                       <a:r>
-                        <a:rPr lang="it-IT" sz="900">
+                        <a:rPr sz="900" spc="0" dirty="0">
                           <a:solidFill>
                             <a:srgbClr val="020302"/>
                           </a:solidFill>
@@ -2414,6 +2761,10 @@
                         </a:rPr>
                         <a:t>Account Support Lead</a:t>
                       </a:r>
+                      <a:endParaRPr sz="900" spc="0" dirty="0">
+                        <a:latin typeface="AdobeClean-Light"/>
+                        <a:cs typeface="AdobeClean-Light"/>
+                      </a:endParaRPr>
                     </a:p>
                   </a:txBody>
                   <a:tcPr marL="0" marR="0" marT="58419" marB="0">
@@ -2442,7 +2793,7 @@
                     <a:bodyPr/>
                     <a:lstStyle/>
                     <a:p>
-                      <a:pPr algn="l" rtl="0">
+                      <a:pPr>
                         <a:lnSpc>
                           <a:spcPct val="100000"/>
                         </a:lnSpc>
@@ -2487,7 +2838,7 @@
                         </a:spcBef>
                       </a:pPr>
                       <a:r>
-                        <a:rPr lang="it-IT" sz="900">
+                        <a:rPr sz="900" spc="0" dirty="0">
                           <a:solidFill>
                             <a:srgbClr val="020302"/>
                           </a:solidFill>
@@ -2496,6 +2847,10 @@
                         </a:rPr>
                         <a:t></a:t>
                       </a:r>
+                      <a:endParaRPr sz="900" spc="0" dirty="0">
+                        <a:latin typeface="Wingdings"/>
+                        <a:cs typeface="Wingdings"/>
+                      </a:endParaRPr>
                     </a:p>
                   </a:txBody>
                   <a:tcPr marL="0" marR="0" marT="59690" marB="0">
@@ -2512,7 +2867,7 @@
                     <a:bodyPr/>
                     <a:lstStyle/>
                     <a:p>
-                      <a:pPr algn="l" rtl="0">
+                      <a:pPr algn="ctr">
                         <a:lnSpc>
                           <a:spcPct val="100000"/>
                         </a:lnSpc>
@@ -2543,7 +2898,7 @@
                     <a:bodyPr/>
                     <a:lstStyle/>
                     <a:p>
-                      <a:pPr algn="l" rtl="0">
+                      <a:pPr>
                         <a:lnSpc>
                           <a:spcPct val="100000"/>
                         </a:lnSpc>
@@ -2568,7 +2923,7 @@
                     <a:bodyPr/>
                     <a:lstStyle/>
                     <a:p>
-                      <a:pPr algn="l" rtl="0">
+                      <a:pPr>
                         <a:lnSpc>
                           <a:spcPct val="100000"/>
                         </a:lnSpc>
@@ -2606,7 +2961,7 @@
                     <a:bodyPr/>
                     <a:lstStyle/>
                     <a:p>
-                      <a:pPr marL="50800" algn="l" rtl="0">
+                      <a:pPr marL="50800">
                         <a:lnSpc>
                           <a:spcPct val="100000"/>
                         </a:lnSpc>
@@ -2652,7 +3007,7 @@
                         </a:spcBef>
                       </a:pPr>
                       <a:r>
-                        <a:rPr lang="it-IT" sz="900">
+                        <a:rPr sz="900" spc="0" dirty="0">
                           <a:solidFill>
                             <a:srgbClr val="020302"/>
                           </a:solidFill>
@@ -2661,6 +3016,10 @@
                         </a:rPr>
                         <a:t>Named Support Engineer</a:t>
                       </a:r>
+                      <a:endParaRPr sz="900" spc="0" dirty="0">
+                        <a:latin typeface="AdobeClean-Light"/>
+                        <a:cs typeface="AdobeClean-Light"/>
+                      </a:endParaRPr>
                     </a:p>
                   </a:txBody>
                   <a:tcPr marL="0" marR="0" marT="58419" marB="0">
@@ -2683,7 +3042,7 @@
                     <a:bodyPr/>
                     <a:lstStyle/>
                     <a:p>
-                      <a:pPr algn="l" rtl="0">
+                      <a:pPr>
                         <a:lnSpc>
                           <a:spcPct val="100000"/>
                         </a:lnSpc>
@@ -2713,7 +3072,7 @@
                     <a:bodyPr/>
                     <a:lstStyle/>
                     <a:p>
-                      <a:pPr algn="l" rtl="0">
+                      <a:pPr>
                         <a:lnSpc>
                           <a:spcPct val="100000"/>
                         </a:lnSpc>
@@ -2731,7 +3090,7 @@
                     <a:bodyPr/>
                     <a:lstStyle/>
                     <a:p>
-                      <a:pPr algn="l" rtl="0">
+                      <a:pPr>
                         <a:lnSpc>
                           <a:spcPct val="100000"/>
                         </a:lnSpc>
@@ -2758,7 +3117,7 @@
                         </a:spcBef>
                       </a:pPr>
                       <a:r>
-                        <a:rPr lang="it-IT" sz="900">
+                        <a:rPr sz="900" spc="0" dirty="0">
                           <a:solidFill>
                             <a:srgbClr val="020302"/>
                           </a:solidFill>
@@ -2767,6 +3126,10 @@
                         </a:rPr>
                         <a:t></a:t>
                       </a:r>
+                      <a:endParaRPr sz="900" spc="0" dirty="0">
+                        <a:latin typeface="Wingdings"/>
+                        <a:cs typeface="Wingdings"/>
+                      </a:endParaRPr>
                     </a:p>
                   </a:txBody>
                   <a:tcPr marL="0" marR="0" marT="59055" marB="0"/>
@@ -2785,7 +3148,7 @@
                         </a:spcBef>
                       </a:pPr>
                       <a:r>
-                        <a:rPr lang="it-IT" sz="900">
+                        <a:rPr sz="900" spc="0" dirty="0">
                           <a:solidFill>
                             <a:srgbClr val="020302"/>
                           </a:solidFill>
@@ -2794,6 +3157,10 @@
                         </a:rPr>
                         <a:t></a:t>
                       </a:r>
+                      <a:endParaRPr sz="900" spc="0" dirty="0">
+                        <a:latin typeface="Wingdings"/>
+                        <a:cs typeface="Wingdings"/>
+                      </a:endParaRPr>
                     </a:p>
                   </a:txBody>
                   <a:tcPr marL="0" marR="0" marT="59055" marB="0">
@@ -2817,7 +3184,7 @@
                     <a:bodyPr/>
                     <a:lstStyle/>
                     <a:p>
-                      <a:pPr marL="50800" algn="l" rtl="0">
+                      <a:pPr marL="50800">
                         <a:lnSpc>
                           <a:spcPct val="100000"/>
                         </a:lnSpc>
@@ -2875,7 +3242,7 @@
                         </a:spcBef>
                       </a:pPr>
                       <a:r>
-                        <a:rPr lang="it-IT" sz="900">
+                        <a:rPr sz="900" spc="0" dirty="0">
                           <a:solidFill>
                             <a:srgbClr val="020302"/>
                           </a:solidFill>
@@ -2884,6 +3251,10 @@
                         </a:rPr>
                         <a:t>Technical Account Manager</a:t>
                       </a:r>
+                      <a:endParaRPr sz="900" spc="0" dirty="0">
+                        <a:latin typeface="AdobeClean-Light"/>
+                        <a:cs typeface="AdobeClean-Light"/>
+                      </a:endParaRPr>
                     </a:p>
                   </a:txBody>
                   <a:tcPr marL="0" marR="0" marT="63500" marB="0">
@@ -2912,7 +3283,7 @@
                     <a:bodyPr/>
                     <a:lstStyle/>
                     <a:p>
-                      <a:pPr algn="l" rtl="0">
+                      <a:pPr>
                         <a:lnSpc>
                           <a:spcPct val="100000"/>
                         </a:lnSpc>
@@ -2948,7 +3319,7 @@
                     <a:bodyPr/>
                     <a:lstStyle/>
                     <a:p>
-                      <a:pPr algn="l" rtl="0">
+                      <a:pPr>
                         <a:lnSpc>
                           <a:spcPct val="100000"/>
                         </a:lnSpc>
@@ -2973,7 +3344,7 @@
                     <a:bodyPr/>
                     <a:lstStyle/>
                     <a:p>
-                      <a:pPr algn="l" rtl="0">
+                      <a:pPr>
                         <a:lnSpc>
                           <a:spcPct val="100000"/>
                         </a:lnSpc>
@@ -3001,7 +3372,7 @@
                     <a:bodyPr/>
                     <a:lstStyle/>
                     <a:p>
-                      <a:pPr algn="l" rtl="0">
+                      <a:pPr>
                         <a:lnSpc>
                           <a:spcPct val="100000"/>
                         </a:lnSpc>
@@ -3035,7 +3406,7 @@
                         </a:spcBef>
                       </a:pPr>
                       <a:r>
-                        <a:rPr lang="it-IT" sz="900">
+                        <a:rPr sz="900" spc="0" dirty="0">
                           <a:solidFill>
                             <a:srgbClr val="020302"/>
                           </a:solidFill>
@@ -3044,6 +3415,10 @@
                         </a:rPr>
                         <a:t></a:t>
                       </a:r>
+                      <a:endParaRPr sz="900" spc="0">
+                        <a:latin typeface="Wingdings"/>
+                        <a:cs typeface="Wingdings"/>
+                      </a:endParaRPr>
                     </a:p>
                   </a:txBody>
                   <a:tcPr marL="0" marR="0" marT="64135" marB="0">
@@ -3082,15 +3457,22 @@
                         </a:spcBef>
                       </a:pPr>
                       <a:r>
-                        <a:rPr lang="it-IT" sz="1000" b="1" i="0">
+                        <a:rPr lang="en-US" sz="1000" b="1" i="0" spc="0" dirty="0">
                           <a:solidFill>
                             <a:schemeClr val="bg1"/>
                           </a:solidFill>
                           <a:latin typeface="Adobe Clean" panose="020B0503020404020204" pitchFamily="34" charset="0"/>
                           <a:cs typeface="AdobeClean-Light"/>
                         </a:rPr>
-                        <a:t>Servizi di assistenza</a:t>
+                        <a:t>Support Services</a:t>
                       </a:r>
+                      <a:endParaRPr sz="1000" b="1" i="0" spc="0" dirty="0">
+                        <a:solidFill>
+                          <a:schemeClr val="bg1"/>
+                        </a:solidFill>
+                        <a:latin typeface="Adobe Clean" panose="020B0503020404020204" pitchFamily="34" charset="0"/>
+                        <a:cs typeface="AdobeClean-Light"/>
+                      </a:endParaRPr>
                     </a:p>
                   </a:txBody>
                   <a:tcPr marL="0" marR="0" marT="57150" marB="0" anchor="ctr">
@@ -3146,15 +3528,29 @@
                         </a:spcBef>
                       </a:pPr>
                       <a:r>
-                        <a:rPr lang="it-IT" sz="900">
+                        <a:rPr lang="en-US" sz="900" spc="0" dirty="0">
                           <a:solidFill>
                             <a:srgbClr val="020302"/>
                           </a:solidFill>
                           <a:latin typeface="AdobeClean-Light"/>
                           <a:cs typeface="AdobeClean-Light"/>
                         </a:rPr>
-                        <a:t>Supporto Online</a:t>
+                        <a:t>Online </a:t>
                       </a:r>
+                      <a:r>
+                        <a:rPr sz="900" spc="0" dirty="0">
+                          <a:solidFill>
+                            <a:srgbClr val="020302"/>
+                          </a:solidFill>
+                          <a:latin typeface="AdobeClean-Light"/>
+                          <a:cs typeface="AdobeClean-Light"/>
+                        </a:rPr>
+                        <a:t> Support</a:t>
+                      </a:r>
+                      <a:endParaRPr sz="900" spc="0" dirty="0">
+                        <a:latin typeface="AdobeClean-Light"/>
+                        <a:cs typeface="AdobeClean-Light"/>
+                      </a:endParaRPr>
                     </a:p>
                   </a:txBody>
                   <a:tcPr marL="0" marR="0" marT="57150" marB="0">
@@ -3192,15 +3588,19 @@
                         </a:spcBef>
                       </a:pPr>
                       <a:r>
-                        <a:rPr lang="it-IT" sz="800">
+                        <a:rPr sz="800" spc="0" dirty="0">
                           <a:solidFill>
                             <a:srgbClr val="020302"/>
                           </a:solidFill>
                           <a:latin typeface="AdobeClean-Light"/>
                           <a:cs typeface="AdobeClean-Light"/>
                         </a:rPr>
-                        <a:t>Orario operativo</a:t>
+                        <a:t>Business hours</a:t>
                       </a:r>
+                      <a:endParaRPr sz="800" spc="0" dirty="0">
+                        <a:latin typeface="AdobeClean-Light"/>
+                        <a:cs typeface="AdobeClean-Light"/>
+                      </a:endParaRPr>
                     </a:p>
                   </a:txBody>
                   <a:tcPr marL="0" marR="0" marT="67945" marB="0">
@@ -3237,15 +3637,19 @@
                         </a:spcBef>
                       </a:pPr>
                       <a:r>
-                        <a:rPr lang="it-IT" sz="800">
+                        <a:rPr sz="800" spc="0" dirty="0">
                           <a:solidFill>
                             <a:srgbClr val="020302"/>
                           </a:solidFill>
                           <a:latin typeface="AdobeClean-Light"/>
                           <a:cs typeface="AdobeClean-Light"/>
                         </a:rPr>
-                        <a:t>Orario operativo</a:t>
+                        <a:t>Business hours</a:t>
                       </a:r>
+                      <a:endParaRPr sz="800" spc="0" dirty="0">
+                        <a:latin typeface="AdobeClean-Light"/>
+                        <a:cs typeface="AdobeClean-Light"/>
+                      </a:endParaRPr>
                     </a:p>
                   </a:txBody>
                   <a:tcPr marL="0" marR="0" marT="67945" marB="0">
@@ -3262,7 +3666,7 @@
                     <a:bodyPr/>
                     <a:lstStyle/>
                     <a:p>
-                      <a:pPr algn="l" rtl="0">
+                      <a:pPr algn="ctr">
                         <a:lnSpc>
                           <a:spcPct val="100000"/>
                         </a:lnSpc>
@@ -3302,15 +3706,19 @@
                         </a:spcBef>
                       </a:pPr>
                       <a:r>
-                        <a:rPr lang="it-IT" sz="800">
+                        <a:rPr sz="800" spc="0" dirty="0">
                           <a:solidFill>
                             <a:srgbClr val="020302"/>
                           </a:solidFill>
                           <a:latin typeface="AdobeClean-Light"/>
                           <a:cs typeface="AdobeClean-Light"/>
                         </a:rPr>
-                        <a:t>24x5</a:t>
+                        <a:t>24X5</a:t>
                       </a:r>
+                      <a:endParaRPr sz="800" spc="0">
+                        <a:latin typeface="AdobeClean-Light"/>
+                        <a:cs typeface="AdobeClean-Light"/>
+                      </a:endParaRPr>
                     </a:p>
                   </a:txBody>
                   <a:tcPr marL="0" marR="0" marT="67945" marB="0">
@@ -3336,15 +3744,19 @@
                         </a:spcBef>
                       </a:pPr>
                       <a:r>
-                        <a:rPr lang="it-IT" sz="800">
+                        <a:rPr sz="800" spc="0" dirty="0">
                           <a:solidFill>
                             <a:srgbClr val="020302"/>
                           </a:solidFill>
                           <a:latin typeface="AdobeClean-Light"/>
                           <a:cs typeface="AdobeClean-Light"/>
                         </a:rPr>
-                        <a:t>24x5</a:t>
+                        <a:t>24X5</a:t>
                       </a:r>
+                      <a:endParaRPr sz="800" spc="0" dirty="0">
+                        <a:latin typeface="AdobeClean-Light"/>
+                        <a:cs typeface="AdobeClean-Light"/>
+                      </a:endParaRPr>
                     </a:p>
                   </a:txBody>
                   <a:tcPr marL="0" marR="0" marT="67945" marB="0">
@@ -3374,7 +3786,7 @@
                     <a:bodyPr/>
                     <a:lstStyle/>
                     <a:p>
-                      <a:pPr marL="50800" algn="l" rtl="0">
+                      <a:pPr marL="50800">
                         <a:lnSpc>
                           <a:spcPct val="100000"/>
                         </a:lnSpc>
@@ -3423,15 +3835,39 @@
                         </a:spcBef>
                       </a:pPr>
                       <a:r>
-                        <a:rPr lang="it-IT" sz="900">
+                        <a:rPr sz="900" spc="0" dirty="0">
                           <a:solidFill>
                             <a:srgbClr val="020302"/>
                           </a:solidFill>
                           <a:latin typeface="AdobeClean-Light"/>
                           <a:cs typeface="AdobeClean-Light"/>
                         </a:rPr>
-                        <a:t>Supporto per problemi P1 24x7x365</a:t>
+                        <a:t>24x7</a:t>
                       </a:r>
+                      <a:r>
+                        <a:rPr lang="en-US" sz="900" spc="0" dirty="0">
+                          <a:solidFill>
+                            <a:srgbClr val="020302"/>
+                          </a:solidFill>
+                          <a:latin typeface="AdobeClean-Light"/>
+                          <a:cs typeface="AdobeClean-Light"/>
+                        </a:rPr>
+                        <a:t>x365</a:t>
+                      </a:r>
+                      <a:r>
+                        <a:rPr sz="900" spc="0" dirty="0">
+                          <a:solidFill>
+                            <a:srgbClr val="020302"/>
+                          </a:solidFill>
+                          <a:latin typeface="AdobeClean-Light"/>
+                          <a:cs typeface="AdobeClean-Light"/>
+                        </a:rPr>
+                        <a:t> P1 Issue Support</a:t>
+                      </a:r>
+                      <a:endParaRPr sz="900" spc="0" dirty="0">
+                        <a:latin typeface="AdobeClean-Light"/>
+                        <a:cs typeface="AdobeClean-Light"/>
+                      </a:endParaRPr>
                     </a:p>
                   </a:txBody>
                   <a:tcPr marL="0" marR="0" marT="57785" marB="0">
@@ -3463,7 +3899,7 @@
                         </a:spcBef>
                       </a:pPr>
                       <a:r>
-                        <a:rPr lang="it-IT" sz="900">
+                        <a:rPr sz="900" spc="0" dirty="0">
                           <a:solidFill>
                             <a:srgbClr val="020302"/>
                           </a:solidFill>
@@ -3472,6 +3908,10 @@
                         </a:rPr>
                         <a:t></a:t>
                       </a:r>
+                      <a:endParaRPr sz="900" spc="0">
+                        <a:latin typeface="Wingdings"/>
+                        <a:cs typeface="Wingdings"/>
+                      </a:endParaRPr>
                     </a:p>
                   </a:txBody>
                   <a:tcPr marL="0" marR="0" marT="58419" marB="0">
@@ -3502,7 +3942,7 @@
                         </a:spcBef>
                       </a:pPr>
                       <a:r>
-                        <a:rPr lang="it-IT" sz="900">
+                        <a:rPr sz="900" spc="0" dirty="0">
                           <a:solidFill>
                             <a:srgbClr val="020302"/>
                           </a:solidFill>
@@ -3511,6 +3951,10 @@
                         </a:rPr>
                         <a:t></a:t>
                       </a:r>
+                      <a:endParaRPr sz="900" spc="0">
+                        <a:latin typeface="Wingdings"/>
+                        <a:cs typeface="Wingdings"/>
+                      </a:endParaRPr>
                     </a:p>
                   </a:txBody>
                   <a:tcPr marL="0" marR="0" marT="58419" marB="0"/>
@@ -3520,7 +3964,7 @@
                     <a:bodyPr/>
                     <a:lstStyle/>
                     <a:p>
-                      <a:pPr algn="l" rtl="0">
+                      <a:pPr algn="ctr">
                         <a:lnSpc>
                           <a:spcPct val="100000"/>
                         </a:lnSpc>
@@ -3550,7 +3994,7 @@
                         </a:spcBef>
                       </a:pPr>
                       <a:r>
-                        <a:rPr lang="it-IT" sz="900">
+                        <a:rPr sz="900" spc="0" dirty="0">
                           <a:solidFill>
                             <a:srgbClr val="020302"/>
                           </a:solidFill>
@@ -3559,6 +4003,10 @@
                         </a:rPr>
                         <a:t></a:t>
                       </a:r>
+                      <a:endParaRPr sz="900" spc="0">
+                        <a:latin typeface="Wingdings"/>
+                        <a:cs typeface="Wingdings"/>
+                      </a:endParaRPr>
                     </a:p>
                   </a:txBody>
                   <a:tcPr marL="0" marR="0" marT="58419" marB="0"/>
@@ -3577,7 +4025,7 @@
                         </a:spcBef>
                       </a:pPr>
                       <a:r>
-                        <a:rPr lang="it-IT" sz="900">
+                        <a:rPr sz="900" spc="0" dirty="0">
                           <a:solidFill>
                             <a:srgbClr val="020302"/>
                           </a:solidFill>
@@ -3586,6 +4034,10 @@
                         </a:rPr>
                         <a:t></a:t>
                       </a:r>
+                      <a:endParaRPr sz="900" spc="0">
+                        <a:latin typeface="Wingdings"/>
+                        <a:cs typeface="Wingdings"/>
+                      </a:endParaRPr>
                     </a:p>
                   </a:txBody>
                   <a:tcPr marL="0" marR="0" marT="58419" marB="0">
@@ -3609,7 +4061,7 @@
                     <a:bodyPr/>
                     <a:lstStyle/>
                     <a:p>
-                      <a:pPr marL="50800" algn="l" rtl="0">
+                      <a:pPr marL="50800">
                         <a:lnSpc>
                           <a:spcPct val="100000"/>
                         </a:lnSpc>
@@ -3658,15 +4110,19 @@
                         </a:spcBef>
                       </a:pPr>
                       <a:r>
-                        <a:rPr lang="it-IT" sz="900">
+                        <a:rPr lang="en-US" sz="900" spc="0" dirty="0">
                           <a:solidFill>
                             <a:srgbClr val="020302"/>
                           </a:solidFill>
                           <a:latin typeface="AdobeClean-Light"/>
                           <a:cs typeface="AdobeClean-Light"/>
                         </a:rPr>
-                        <a:t>Contatti interni per il supporto (per prodotto)</a:t>
+                        <a:t>Named Support Contacts (per product)</a:t>
                       </a:r>
+                      <a:endParaRPr sz="900" spc="0" dirty="0">
+                        <a:latin typeface="AdobeClean-Light"/>
+                        <a:cs typeface="AdobeClean-Light"/>
+                      </a:endParaRPr>
                     </a:p>
                   </a:txBody>
                   <a:tcPr marL="0" marR="0" marT="57785" marB="0">
@@ -3698,7 +4154,7 @@
                         </a:spcBef>
                       </a:pPr>
                       <a:r>
-                        <a:rPr lang="it-IT" sz="900">
+                        <a:rPr sz="900" spc="0" dirty="0">
                           <a:solidFill>
                             <a:srgbClr val="020302"/>
                           </a:solidFill>
@@ -3707,6 +4163,10 @@
                         </a:rPr>
                         <a:t>4</a:t>
                       </a:r>
+                      <a:endParaRPr sz="900" spc="0" dirty="0">
+                        <a:latin typeface="AdobeClean-Light"/>
+                        <a:cs typeface="AdobeClean-Light"/>
+                      </a:endParaRPr>
                     </a:p>
                   </a:txBody>
                   <a:tcPr marL="0" marR="0" marT="57785" marB="0">
@@ -3737,7 +4197,7 @@
                         </a:spcBef>
                       </a:pPr>
                       <a:r>
-                        <a:rPr lang="it-IT" sz="900">
+                        <a:rPr sz="900" spc="0" dirty="0">
                           <a:solidFill>
                             <a:srgbClr val="020302"/>
                           </a:solidFill>
@@ -3746,6 +4206,10 @@
                         </a:rPr>
                         <a:t>6</a:t>
                       </a:r>
+                      <a:endParaRPr sz="900" spc="0">
+                        <a:latin typeface="AdobeClean-Light"/>
+                        <a:cs typeface="AdobeClean-Light"/>
+                      </a:endParaRPr>
                     </a:p>
                   </a:txBody>
                   <a:tcPr marL="0" marR="0" marT="57785" marB="0"/>
@@ -3755,7 +4219,7 @@
                     <a:bodyPr/>
                     <a:lstStyle/>
                     <a:p>
-                      <a:pPr algn="l" rtl="0">
+                      <a:pPr algn="ctr">
                         <a:lnSpc>
                           <a:spcPct val="100000"/>
                         </a:lnSpc>
@@ -3785,7 +4249,7 @@
                         </a:spcBef>
                       </a:pPr>
                       <a:r>
-                        <a:rPr lang="it-IT" sz="900">
+                        <a:rPr sz="900" spc="0" dirty="0">
                           <a:solidFill>
                             <a:srgbClr val="020302"/>
                           </a:solidFill>
@@ -3794,6 +4258,10 @@
                         </a:rPr>
                         <a:t>10</a:t>
                       </a:r>
+                      <a:endParaRPr sz="900" spc="0">
+                        <a:latin typeface="AdobeClean-Light"/>
+                        <a:cs typeface="AdobeClean-Light"/>
+                      </a:endParaRPr>
                     </a:p>
                   </a:txBody>
                   <a:tcPr marL="0" marR="0" marT="57785" marB="0"/>
@@ -3812,7 +4280,7 @@
                         </a:spcBef>
                       </a:pPr>
                       <a:r>
-                        <a:rPr lang="it-IT" sz="900">
+                        <a:rPr sz="900" spc="0" dirty="0">
                           <a:solidFill>
                             <a:srgbClr val="020302"/>
                           </a:solidFill>
@@ -3821,6 +4289,10 @@
                         </a:rPr>
                         <a:t>15</a:t>
                       </a:r>
+                      <a:endParaRPr sz="900" spc="0">
+                        <a:latin typeface="AdobeClean-Light"/>
+                        <a:cs typeface="AdobeClean-Light"/>
+                      </a:endParaRPr>
                     </a:p>
                   </a:txBody>
                   <a:tcPr marL="0" marR="0" marT="57785" marB="0">
@@ -3844,7 +4316,7 @@
                     <a:bodyPr/>
                     <a:lstStyle/>
                     <a:p>
-                      <a:pPr marL="50800" algn="l" rtl="0">
+                      <a:pPr marL="50800">
                         <a:lnSpc>
                           <a:spcPct val="100000"/>
                         </a:lnSpc>
@@ -3893,15 +4365,19 @@
                         </a:spcBef>
                       </a:pPr>
                       <a:r>
-                        <a:rPr lang="it-IT" sz="900">
+                        <a:rPr lang="en-US" sz="900" spc="0" dirty="0">
                           <a:solidFill>
                             <a:srgbClr val="020302"/>
                           </a:solidFill>
                           <a:latin typeface="AdobeClean-Light"/>
                           <a:cs typeface="AdobeClean-Light"/>
                         </a:rPr>
-                        <a:t>Supporto telefonico in diretta</a:t>
+                        <a:t>Live Telephone Support</a:t>
                       </a:r>
+                      <a:endParaRPr sz="900" spc="0" dirty="0">
+                        <a:latin typeface="AdobeClean-Light"/>
+                        <a:cs typeface="AdobeClean-Light"/>
+                      </a:endParaRPr>
                     </a:p>
                   </a:txBody>
                   <a:tcPr marL="0" marR="0" marT="57785" marB="0">
@@ -3924,7 +4400,7 @@
                     <a:bodyPr/>
                     <a:lstStyle/>
                     <a:p>
-                      <a:pPr algn="l" rtl="0">
+                      <a:pPr>
                         <a:lnSpc>
                           <a:spcPct val="100000"/>
                         </a:lnSpc>
@@ -3963,7 +4439,7 @@
                         </a:spcBef>
                       </a:pPr>
                       <a:r>
-                        <a:rPr lang="it-IT" sz="900">
+                        <a:rPr sz="900" spc="0" dirty="0">
                           <a:solidFill>
                             <a:srgbClr val="020302"/>
                           </a:solidFill>
@@ -3972,6 +4448,10 @@
                         </a:rPr>
                         <a:t></a:t>
                       </a:r>
+                      <a:endParaRPr sz="900" spc="0">
+                        <a:latin typeface="Wingdings"/>
+                        <a:cs typeface="Wingdings"/>
+                      </a:endParaRPr>
                     </a:p>
                   </a:txBody>
                   <a:tcPr marL="0" marR="0" marT="59054" marB="0"/>
@@ -3981,7 +4461,7 @@
                     <a:bodyPr/>
                     <a:lstStyle/>
                     <a:p>
-                      <a:pPr algn="l" rtl="0">
+                      <a:pPr algn="ctr">
                         <a:lnSpc>
                           <a:spcPct val="100000"/>
                         </a:lnSpc>
@@ -4011,7 +4491,7 @@
                         </a:spcBef>
                       </a:pPr>
                       <a:r>
-                        <a:rPr lang="it-IT" sz="900">
+                        <a:rPr sz="900" spc="0" dirty="0">
                           <a:solidFill>
                             <a:srgbClr val="020302"/>
                           </a:solidFill>
@@ -4020,6 +4500,10 @@
                         </a:rPr>
                         <a:t></a:t>
                       </a:r>
+                      <a:endParaRPr sz="900" spc="0">
+                        <a:latin typeface="Wingdings"/>
+                        <a:cs typeface="Wingdings"/>
+                      </a:endParaRPr>
                     </a:p>
                   </a:txBody>
                   <a:tcPr marL="0" marR="0" marT="59054" marB="0"/>
@@ -4038,7 +4522,7 @@
                         </a:spcBef>
                       </a:pPr>
                       <a:r>
-                        <a:rPr lang="it-IT" sz="900">
+                        <a:rPr sz="900" spc="0" dirty="0">
                           <a:solidFill>
                             <a:srgbClr val="020302"/>
                           </a:solidFill>
@@ -4047,6 +4531,10 @@
                         </a:rPr>
                         <a:t></a:t>
                       </a:r>
+                      <a:endParaRPr sz="900" spc="0">
+                        <a:latin typeface="Wingdings"/>
+                        <a:cs typeface="Wingdings"/>
+                      </a:endParaRPr>
                     </a:p>
                   </a:txBody>
                   <a:tcPr marL="0" marR="0" marT="59054" marB="0">
@@ -4070,7 +4558,7 @@
                     <a:bodyPr/>
                     <a:lstStyle/>
                     <a:p>
-                      <a:pPr marL="50800" algn="l" rtl="0">
+                      <a:pPr marL="50800">
                         <a:lnSpc>
                           <a:spcPct val="100000"/>
                         </a:lnSpc>
@@ -4119,15 +4607,19 @@
                         </a:spcBef>
                       </a:pPr>
                       <a:r>
-                        <a:rPr lang="it-IT" sz="900">
+                        <a:rPr sz="900" spc="0" dirty="0">
                           <a:solidFill>
                             <a:srgbClr val="020302"/>
                           </a:solidFill>
                           <a:latin typeface="AdobeClean-Light"/>
                           <a:cs typeface="AdobeClean-Light"/>
                         </a:rPr>
-                        <a:t>Gestione delle escalation</a:t>
+                        <a:t>Escalation Management</a:t>
                       </a:r>
+                      <a:endParaRPr sz="900" spc="0" dirty="0">
+                        <a:latin typeface="AdobeClean-Light"/>
+                        <a:cs typeface="AdobeClean-Light"/>
+                      </a:endParaRPr>
                     </a:p>
                   </a:txBody>
                   <a:tcPr marL="0" marR="0" marT="58419" marB="0">
@@ -4150,7 +4642,7 @@
                     <a:bodyPr/>
                     <a:lstStyle/>
                     <a:p>
-                      <a:pPr algn="l" rtl="0">
+                      <a:pPr>
                         <a:lnSpc>
                           <a:spcPct val="100000"/>
                         </a:lnSpc>
@@ -4189,7 +4681,7 @@
                         </a:spcBef>
                       </a:pPr>
                       <a:r>
-                        <a:rPr lang="it-IT" sz="900">
+                        <a:rPr sz="900" spc="0" dirty="0">
                           <a:solidFill>
                             <a:srgbClr val="020302"/>
                           </a:solidFill>
@@ -4198,6 +4690,10 @@
                         </a:rPr>
                         <a:t></a:t>
                       </a:r>
+                      <a:endParaRPr sz="900" spc="0" dirty="0">
+                        <a:latin typeface="Wingdings"/>
+                        <a:cs typeface="Wingdings"/>
+                      </a:endParaRPr>
                     </a:p>
                   </a:txBody>
                   <a:tcPr marL="0" marR="0" marT="59690" marB="0"/>
@@ -4207,7 +4703,7 @@
                     <a:bodyPr/>
                     <a:lstStyle/>
                     <a:p>
-                      <a:pPr algn="l" rtl="0">
+                      <a:pPr algn="ctr">
                         <a:lnSpc>
                           <a:spcPct val="100000"/>
                         </a:lnSpc>
@@ -4237,7 +4733,7 @@
                         </a:spcBef>
                       </a:pPr>
                       <a:r>
-                        <a:rPr lang="it-IT" sz="900">
+                        <a:rPr sz="900" spc="0" dirty="0">
                           <a:solidFill>
                             <a:srgbClr val="020302"/>
                           </a:solidFill>
@@ -4246,6 +4742,10 @@
                         </a:rPr>
                         <a:t></a:t>
                       </a:r>
+                      <a:endParaRPr sz="900" spc="0">
+                        <a:latin typeface="Wingdings"/>
+                        <a:cs typeface="Wingdings"/>
+                      </a:endParaRPr>
                     </a:p>
                   </a:txBody>
                   <a:tcPr marL="0" marR="0" marT="59690" marB="0"/>
@@ -4264,7 +4764,7 @@
                         </a:spcBef>
                       </a:pPr>
                       <a:r>
-                        <a:rPr lang="it-IT" sz="900">
+                        <a:rPr sz="900" spc="0" dirty="0">
                           <a:solidFill>
                             <a:srgbClr val="020302"/>
                           </a:solidFill>
@@ -4273,6 +4773,10 @@
                         </a:rPr>
                         <a:t></a:t>
                       </a:r>
+                      <a:endParaRPr sz="900" spc="0" dirty="0">
+                        <a:latin typeface="Wingdings"/>
+                        <a:cs typeface="Wingdings"/>
+                      </a:endParaRPr>
                     </a:p>
                   </a:txBody>
                   <a:tcPr marL="0" marR="0" marT="59690" marB="0">
@@ -4296,7 +4800,7 @@
                     <a:bodyPr/>
                     <a:lstStyle/>
                     <a:p>
-                      <a:pPr marL="50800" algn="l" rtl="0">
+                      <a:pPr marL="50800">
                         <a:lnSpc>
                           <a:spcPct val="100000"/>
                         </a:lnSpc>
@@ -4345,15 +4849,19 @@
                         </a:spcBef>
                       </a:pPr>
                       <a:r>
-                        <a:rPr lang="it-IT" sz="900">
+                        <a:rPr sz="900" spc="0" dirty="0">
                           <a:solidFill>
                             <a:srgbClr val="020302"/>
                           </a:solidFill>
                           <a:latin typeface="AdobeClean-Light"/>
                           <a:cs typeface="AdobeClean-Light"/>
                         </a:rPr>
-                        <a:t>Valutazioni dei servizi all’anno</a:t>
+                        <a:t>Service Reviews  per Year</a:t>
                       </a:r>
+                      <a:endParaRPr sz="900" spc="0" dirty="0">
+                        <a:latin typeface="AdobeClean-Light"/>
+                        <a:cs typeface="AdobeClean-Light"/>
+                      </a:endParaRPr>
                     </a:p>
                   </a:txBody>
                   <a:tcPr marL="0" marR="0" marT="57150" marB="0">
@@ -4376,7 +4884,7 @@
                     <a:bodyPr/>
                     <a:lstStyle/>
                     <a:p>
-                      <a:pPr algn="l" rtl="0">
+                      <a:pPr>
                         <a:lnSpc>
                           <a:spcPct val="100000"/>
                         </a:lnSpc>
@@ -4406,7 +4914,7 @@
                     <a:bodyPr/>
                     <a:lstStyle/>
                     <a:p>
-                      <a:pPr algn="l" rtl="0">
+                      <a:pPr>
                         <a:lnSpc>
                           <a:spcPct val="100000"/>
                         </a:lnSpc>
@@ -4424,7 +4932,7 @@
                     <a:bodyPr/>
                     <a:lstStyle/>
                     <a:p>
-                      <a:pPr algn="l" rtl="0">
+                      <a:pPr>
                         <a:lnSpc>
                           <a:spcPct val="100000"/>
                         </a:lnSpc>
@@ -4451,7 +4959,7 @@
                         </a:spcBef>
                       </a:pPr>
                       <a:r>
-                        <a:rPr lang="it-IT" sz="900">
+                        <a:rPr sz="900" spc="0" dirty="0">
                           <a:solidFill>
                             <a:srgbClr val="020302"/>
                           </a:solidFill>
@@ -4460,6 +4968,10 @@
                         </a:rPr>
                         <a:t>2</a:t>
                       </a:r>
+                      <a:endParaRPr sz="900" spc="0" dirty="0">
+                        <a:latin typeface="AdobeClean-Light"/>
+                        <a:cs typeface="AdobeClean-Light"/>
+                      </a:endParaRPr>
                     </a:p>
                   </a:txBody>
                   <a:tcPr marL="0" marR="0" marT="57150" marB="0"/>
@@ -4478,7 +4990,7 @@
                         </a:spcBef>
                       </a:pPr>
                       <a:r>
-                        <a:rPr lang="it-IT" sz="900">
+                        <a:rPr sz="900" spc="0" dirty="0">
                           <a:solidFill>
                             <a:srgbClr val="020302"/>
                           </a:solidFill>
@@ -4487,6 +4999,10 @@
                         </a:rPr>
                         <a:t>4</a:t>
                       </a:r>
+                      <a:endParaRPr sz="900" spc="0" dirty="0">
+                        <a:latin typeface="AdobeClean-Light"/>
+                        <a:cs typeface="AdobeClean-Light"/>
+                      </a:endParaRPr>
                     </a:p>
                   </a:txBody>
                   <a:tcPr marL="0" marR="0" marT="57150" marB="0">
@@ -4529,12 +5045,16 @@
                         </a:spcBef>
                       </a:pPr>
                       <a:r>
-                        <a:rPr lang="it-IT" sz="900">
+                        <a:rPr lang="en-US" sz="900" spc="0" dirty="0">
                           <a:latin typeface="AdobeClean-Light"/>
                           <a:cs typeface="AdobeClean-Light"/>
                         </a:rPr>
-                        <a:t>Sessioni con esperti all’anno</a:t>
+                        <a:t>Expert Sessions per Year</a:t>
                       </a:r>
+                      <a:endParaRPr sz="900" spc="0" dirty="0">
+                        <a:latin typeface="AdobeClean-Light"/>
+                        <a:cs typeface="AdobeClean-Light"/>
+                      </a:endParaRPr>
                     </a:p>
                   </a:txBody>
                   <a:tcPr marL="0" marR="0" marT="57150" marB="0">
@@ -4563,7 +5083,7 @@
                     <a:bodyPr/>
                     <a:lstStyle/>
                     <a:p>
-                      <a:pPr algn="l" rtl="0">
+                      <a:pPr>
                         <a:lnSpc>
                           <a:spcPct val="100000"/>
                         </a:lnSpc>
@@ -4596,7 +5116,7 @@
                     <a:bodyPr/>
                     <a:lstStyle/>
                     <a:p>
-                      <a:pPr algn="l" rtl="0">
+                      <a:pPr>
                         <a:lnSpc>
                           <a:spcPct val="100000"/>
                         </a:lnSpc>
@@ -4633,12 +5153,16 @@
                         </a:spcBef>
                       </a:pPr>
                       <a:r>
-                        <a:rPr lang="it-IT" sz="900">
+                        <a:rPr lang="en-US" sz="900" spc="0" dirty="0">
                           <a:latin typeface="AdobeClean-Light"/>
                           <a:cs typeface="AdobeClean-Light"/>
                         </a:rPr>
                         <a:t>2</a:t>
                       </a:r>
+                      <a:endParaRPr sz="900" spc="0" dirty="0">
+                        <a:latin typeface="AdobeClean-Light"/>
+                        <a:cs typeface="AdobeClean-Light"/>
+                      </a:endParaRPr>
                     </a:p>
                   </a:txBody>
                   <a:tcPr marL="0" marR="0" marT="57150" marB="0"/>
@@ -4657,12 +5181,16 @@
                         </a:spcBef>
                       </a:pPr>
                       <a:r>
-                        <a:rPr lang="it-IT" sz="900">
+                        <a:rPr lang="en-US" sz="900" spc="0" dirty="0">
                           <a:latin typeface="AdobeClean-Light"/>
                           <a:cs typeface="AdobeClean-Light"/>
                         </a:rPr>
                         <a:t>4</a:t>
                       </a:r>
+                      <a:endParaRPr sz="900" spc="0" dirty="0">
+                        <a:latin typeface="AdobeClean-Light"/>
+                        <a:cs typeface="AdobeClean-Light"/>
+                      </a:endParaRPr>
                     </a:p>
                   </a:txBody>
                   <a:tcPr marL="0" marR="0" marT="57150" marB="0">
@@ -4705,12 +5233,16 @@
                         </a:spcBef>
                       </a:pPr>
                       <a:r>
-                        <a:rPr lang="it-IT" sz="900">
+                        <a:rPr lang="en-US" sz="900" spc="0" dirty="0">
                           <a:latin typeface="AdobeClean-Light"/>
                           <a:cs typeface="AdobeClean-Light"/>
                         </a:rPr>
-                        <a:t>Valutazione dei casi</a:t>
+                        <a:t>Case Reviews</a:t>
                       </a:r>
+                      <a:endParaRPr sz="900" spc="0" dirty="0">
+                        <a:latin typeface="AdobeClean-Light"/>
+                        <a:cs typeface="AdobeClean-Light"/>
+                      </a:endParaRPr>
                     </a:p>
                   </a:txBody>
                   <a:tcPr marL="0" marR="0" marT="57150" marB="0">
@@ -4739,7 +5271,7 @@
                     <a:bodyPr/>
                     <a:lstStyle/>
                     <a:p>
-                      <a:pPr algn="l" rtl="0">
+                      <a:pPr>
                         <a:lnSpc>
                           <a:spcPct val="100000"/>
                         </a:lnSpc>
@@ -4772,7 +5304,7 @@
                     <a:bodyPr/>
                     <a:lstStyle/>
                     <a:p>
-                      <a:pPr algn="l" rtl="0">
+                      <a:pPr>
                         <a:lnSpc>
                           <a:spcPct val="100000"/>
                         </a:lnSpc>
@@ -4818,7 +5350,7 @@
                         <a:defRPr/>
                       </a:pPr>
                       <a:r>
-                        <a:rPr lang="it-IT" sz="900">
+                        <a:rPr lang="en-US" sz="900" spc="0" dirty="0">
                           <a:solidFill>
                             <a:srgbClr val="020302"/>
                           </a:solidFill>
@@ -4827,6 +5359,10 @@
                         </a:rPr>
                         <a:t></a:t>
                       </a:r>
+                      <a:endParaRPr lang="en-US" sz="900" spc="0" dirty="0">
+                        <a:latin typeface="Wingdings"/>
+                        <a:cs typeface="Wingdings"/>
+                      </a:endParaRPr>
                     </a:p>
                   </a:txBody>
                   <a:tcPr marL="0" marR="0" marT="57150" marB="0"/>
@@ -4854,7 +5390,7 @@
                         <a:defRPr/>
                       </a:pPr>
                       <a:r>
-                        <a:rPr lang="it-IT" sz="900">
+                        <a:rPr lang="en-US" sz="900" spc="0" dirty="0">
                           <a:solidFill>
                             <a:srgbClr val="020302"/>
                           </a:solidFill>
@@ -4863,6 +5399,10 @@
                         </a:rPr>
                         <a:t></a:t>
                       </a:r>
+                      <a:endParaRPr lang="en-US" sz="900" spc="0" dirty="0">
+                        <a:latin typeface="Wingdings"/>
+                        <a:cs typeface="Wingdings"/>
+                      </a:endParaRPr>
                     </a:p>
                   </a:txBody>
                   <a:tcPr marL="0" marR="0" marT="57150" marB="0">
@@ -4886,7 +5426,7 @@
                     <a:bodyPr/>
                     <a:lstStyle/>
                     <a:p>
-                      <a:pPr marL="48895" algn="l" rtl="0">
+                      <a:pPr marL="48895">
                         <a:lnSpc>
                           <a:spcPct val="100000"/>
                         </a:lnSpc>
@@ -4935,15 +5475,19 @@
                         </a:spcBef>
                       </a:pPr>
                       <a:r>
-                        <a:rPr lang="it-IT" sz="900">
+                        <a:rPr sz="900" spc="0" dirty="0">
                           <a:solidFill>
                             <a:srgbClr val="020302"/>
                           </a:solidFill>
                           <a:latin typeface="AdobeClean-Light"/>
                           <a:cs typeface="AdobeClean-Light"/>
                         </a:rPr>
-                        <a:t>Gestione degli eventi</a:t>
+                        <a:t>Event Management</a:t>
                       </a:r>
+                      <a:endParaRPr sz="900" spc="0" dirty="0">
+                        <a:latin typeface="AdobeClean-Light"/>
+                        <a:cs typeface="AdobeClean-Light"/>
+                      </a:endParaRPr>
                     </a:p>
                   </a:txBody>
                   <a:tcPr marL="0" marR="0" marT="58419" marB="0">
@@ -4966,7 +5510,7 @@
                     <a:bodyPr/>
                     <a:lstStyle/>
                     <a:p>
-                      <a:pPr algn="l" rtl="0">
+                      <a:pPr>
                         <a:lnSpc>
                           <a:spcPct val="100000"/>
                         </a:lnSpc>
@@ -4996,7 +5540,7 @@
                     <a:bodyPr/>
                     <a:lstStyle/>
                     <a:p>
-                      <a:pPr algn="l" rtl="0">
+                      <a:pPr>
                         <a:lnSpc>
                           <a:spcPct val="100000"/>
                         </a:lnSpc>
@@ -5014,7 +5558,7 @@
                     <a:bodyPr/>
                     <a:lstStyle/>
                     <a:p>
-                      <a:pPr algn="l" rtl="0">
+                      <a:pPr>
                         <a:lnSpc>
                           <a:spcPct val="100000"/>
                         </a:lnSpc>
@@ -5032,7 +5576,7 @@
                     <a:bodyPr/>
                     <a:lstStyle/>
                     <a:p>
-                      <a:pPr algn="l" rtl="0">
+                      <a:pPr>
                         <a:lnSpc>
                           <a:spcPct val="100000"/>
                         </a:lnSpc>
@@ -5059,7 +5603,7 @@
                         </a:spcBef>
                       </a:pPr>
                       <a:r>
-                        <a:rPr lang="it-IT" sz="900">
+                        <a:rPr sz="900" spc="0" dirty="0">
                           <a:solidFill>
                             <a:srgbClr val="020302"/>
                           </a:solidFill>
@@ -5068,6 +5612,10 @@
                         </a:rPr>
                         <a:t></a:t>
                       </a:r>
+                      <a:endParaRPr sz="900" spc="0" dirty="0">
+                        <a:latin typeface="Wingdings"/>
+                        <a:cs typeface="Wingdings"/>
+                      </a:endParaRPr>
                     </a:p>
                   </a:txBody>
                   <a:tcPr marL="0" marR="0" marT="59055" marB="0">
@@ -5091,7 +5639,7 @@
                     <a:bodyPr/>
                     <a:lstStyle/>
                     <a:p>
-                      <a:pPr marL="48895" algn="l" rtl="0">
+                      <a:pPr marL="48895">
                         <a:lnSpc>
                           <a:spcPct val="100000"/>
                         </a:lnSpc>
@@ -5149,14 +5697,34 @@
                         </a:spcBef>
                       </a:pPr>
                       <a:r>
-                        <a:rPr lang="it-IT" sz="900">
+                        <a:rPr sz="900" spc="0" dirty="0">
                           <a:solidFill>
                             <a:srgbClr val="020302"/>
                           </a:solidFill>
                           <a:latin typeface="AdobeClean-Light"/>
                           <a:cs typeface="AdobeClean-Light"/>
                         </a:rPr>
-                        <a:t>Valutazione ambiente, manutenzione e monitoraggio</a:t>
+                        <a:t>Environment</a:t>
+                      </a:r>
+                      <a:r>
+                        <a:rPr lang="en-US" sz="900" spc="0" dirty="0">
+                          <a:solidFill>
+                            <a:srgbClr val="020302"/>
+                          </a:solidFill>
+                          <a:latin typeface="AdobeClean-Light"/>
+                          <a:cs typeface="AdobeClean-Light"/>
+                        </a:rPr>
+                        <a:t> </a:t>
+                      </a:r>
+                      <a:r>
+                        <a:rPr sz="900" spc="0" dirty="0">
+                          <a:solidFill>
+                            <a:srgbClr val="020302"/>
+                          </a:solidFill>
+                          <a:latin typeface="AdobeClean-Light"/>
+                          <a:cs typeface="AdobeClean-Light"/>
+                        </a:rPr>
+                        <a:t>Review, Maintenance &amp; Monitoring</a:t>
                       </a:r>
                     </a:p>
                   </a:txBody>
@@ -5186,7 +5754,7 @@
                     <a:bodyPr/>
                     <a:lstStyle/>
                     <a:p>
-                      <a:pPr algn="l" rtl="0">
+                      <a:pPr>
                         <a:lnSpc>
                           <a:spcPct val="100000"/>
                         </a:lnSpc>
@@ -5219,7 +5787,7 @@
                     <a:bodyPr/>
                     <a:lstStyle/>
                     <a:p>
-                      <a:pPr algn="l" rtl="0">
+                      <a:pPr>
                         <a:lnSpc>
                           <a:spcPct val="100000"/>
                         </a:lnSpc>
@@ -5237,7 +5805,7 @@
                     <a:bodyPr/>
                     <a:lstStyle/>
                     <a:p>
-                      <a:pPr algn="l" rtl="0">
+                      <a:pPr>
                         <a:lnSpc>
                           <a:spcPct val="100000"/>
                         </a:lnSpc>
@@ -5255,7 +5823,7 @@
                     <a:bodyPr/>
                     <a:lstStyle/>
                     <a:p>
-                      <a:pPr algn="l" rtl="0">
+                      <a:pPr>
                         <a:lnSpc>
                           <a:spcPct val="100000"/>
                         </a:lnSpc>
@@ -5282,7 +5850,7 @@
                         </a:spcBef>
                       </a:pPr>
                       <a:r>
-                        <a:rPr lang="it-IT" sz="900">
+                        <a:rPr sz="900" spc="0" dirty="0">
                           <a:solidFill>
                             <a:srgbClr val="020302"/>
                           </a:solidFill>
@@ -5291,6 +5859,10 @@
                         </a:rPr>
                         <a:t></a:t>
                       </a:r>
+                      <a:endParaRPr sz="900" spc="0" dirty="0">
+                        <a:latin typeface="Wingdings"/>
+                        <a:cs typeface="Wingdings"/>
+                      </a:endParaRPr>
                     </a:p>
                   </a:txBody>
                   <a:tcPr marL="0" marR="0" marT="60325" marB="0">
@@ -5314,7 +5886,7 @@
                     <a:bodyPr/>
                     <a:lstStyle/>
                     <a:p>
-                      <a:pPr marL="49530" algn="l" rtl="0">
+                      <a:pPr marL="49530">
                         <a:lnSpc>
                           <a:spcPct val="100000"/>
                         </a:lnSpc>
@@ -5363,34 +5935,19 @@
                         </a:spcBef>
                       </a:pPr>
                       <a:r>
-                        <a:rPr lang="it-IT" sz="900" dirty="0">
+                        <a:rPr sz="900" spc="0" dirty="0">
                           <a:solidFill>
                             <a:srgbClr val="020302"/>
                           </a:solidFill>
                           <a:latin typeface="AdobeClean-Light"/>
                           <a:cs typeface="AdobeClean-Light"/>
                         </a:rPr>
-                        <a:t>Valutazione della roadmap di prodotti, versioni, </a:t>
+                        <a:t>Release, Migration, Upgrade &amp; Product Roadmap Review</a:t>
                       </a:r>
-                      <a:br>
-                        <a:rPr lang="sk-SK" sz="900" dirty="0">
-                          <a:solidFill>
-                            <a:srgbClr val="020302"/>
-                          </a:solidFill>
-                          <a:latin typeface="AdobeClean-Light"/>
-                          <a:cs typeface="AdobeClean-Light"/>
-                        </a:rPr>
-                      </a:br>
-                      <a:r>
-                        <a:rPr lang="it-IT" sz="900" dirty="0">
-                          <a:solidFill>
-                            <a:srgbClr val="020302"/>
-                          </a:solidFill>
-                          <a:latin typeface="AdobeClean-Light"/>
-                          <a:cs typeface="AdobeClean-Light"/>
-                        </a:rPr>
-                        <a:t>migrazione e aggiornamento</a:t>
-                      </a:r>
+                      <a:endParaRPr sz="900" spc="0" dirty="0">
+                        <a:latin typeface="AdobeClean-Light"/>
+                        <a:cs typeface="AdobeClean-Light"/>
+                      </a:endParaRPr>
                     </a:p>
                   </a:txBody>
                   <a:tcPr marL="0" marR="0" marT="63500" marB="0">
@@ -5413,7 +5970,7 @@
                     <a:bodyPr/>
                     <a:lstStyle/>
                     <a:p>
-                      <a:pPr algn="l" rtl="0">
+                      <a:pPr>
                         <a:lnSpc>
                           <a:spcPct val="100000"/>
                         </a:lnSpc>
@@ -5443,7 +6000,7 @@
                     <a:bodyPr/>
                     <a:lstStyle/>
                     <a:p>
-                      <a:pPr algn="l" rtl="0">
+                      <a:pPr>
                         <a:lnSpc>
                           <a:spcPct val="100000"/>
                         </a:lnSpc>
@@ -5461,7 +6018,7 @@
                     <a:bodyPr/>
                     <a:lstStyle/>
                     <a:p>
-                      <a:pPr algn="l" rtl="0">
+                      <a:pPr>
                         <a:lnSpc>
                           <a:spcPct val="100000"/>
                         </a:lnSpc>
@@ -5479,7 +6036,7 @@
                     <a:bodyPr/>
                     <a:lstStyle/>
                     <a:p>
-                      <a:pPr algn="l" rtl="0">
+                      <a:pPr>
                         <a:lnSpc>
                           <a:spcPct val="100000"/>
                         </a:lnSpc>
@@ -5506,7 +6063,7 @@
                         </a:spcBef>
                       </a:pPr>
                       <a:r>
-                        <a:rPr lang="it-IT" sz="900">
+                        <a:rPr sz="900" spc="0" dirty="0">
                           <a:solidFill>
                             <a:srgbClr val="020302"/>
                           </a:solidFill>
@@ -5515,6 +6072,10 @@
                         </a:rPr>
                         <a:t></a:t>
                       </a:r>
+                      <a:endParaRPr sz="900" spc="0">
+                        <a:latin typeface="Wingdings"/>
+                        <a:cs typeface="Wingdings"/>
+                      </a:endParaRPr>
                     </a:p>
                   </a:txBody>
                   <a:tcPr marL="0" marR="0" marT="64135" marB="0">
@@ -5538,7 +6099,7 @@
                     <a:bodyPr/>
                     <a:lstStyle/>
                     <a:p>
-                      <a:pPr marL="49530" algn="l" rtl="0">
+                      <a:pPr marL="49530">
                         <a:lnSpc>
                           <a:spcPct val="100000"/>
                         </a:lnSpc>
@@ -5596,11 +6157,11 @@
                         </a:spcBef>
                       </a:pPr>
                       <a:r>
-                        <a:rPr lang="it-IT" sz="900">
+                        <a:rPr sz="900" spc="0" dirty="0">
                           <a:latin typeface="AdobeClean-Light"/>
                           <a:cs typeface="AdobeClean-Light"/>
                         </a:rPr>
-                        <a:t>Attività di supporto cloud - Experience Manager as Cloud</a:t>
+                        <a:t>Cloud Support Activities – Experience Manager as Cloud</a:t>
                       </a:r>
                     </a:p>
                   </a:txBody>
@@ -5630,7 +6191,7 @@
                     <a:bodyPr/>
                     <a:lstStyle/>
                     <a:p>
-                      <a:pPr algn="l" rtl="0">
+                      <a:pPr>
                         <a:lnSpc>
                           <a:spcPct val="100000"/>
                         </a:lnSpc>
@@ -5666,7 +6227,7 @@
                     <a:bodyPr/>
                     <a:lstStyle/>
                     <a:p>
-                      <a:pPr algn="l" rtl="0">
+                      <a:pPr>
                         <a:lnSpc>
                           <a:spcPct val="100000"/>
                         </a:lnSpc>
@@ -5691,7 +6252,7 @@
                     <a:bodyPr/>
                     <a:lstStyle/>
                     <a:p>
-                      <a:pPr algn="l" rtl="0">
+                      <a:pPr>
                         <a:lnSpc>
                           <a:spcPct val="100000"/>
                         </a:lnSpc>
@@ -5728,7 +6289,7 @@
                         </a:spcBef>
                       </a:pPr>
                       <a:r>
-                        <a:rPr lang="it-IT" sz="900">
+                        <a:rPr sz="900" spc="0" dirty="0">
                           <a:solidFill>
                             <a:srgbClr val="020302"/>
                           </a:solidFill>
@@ -5737,6 +6298,10 @@
                         </a:rPr>
                         <a:t></a:t>
                       </a:r>
+                      <a:endParaRPr sz="900" spc="0" dirty="0">
+                        <a:latin typeface="Wingdings"/>
+                        <a:cs typeface="Wingdings"/>
+                      </a:endParaRPr>
                     </a:p>
                   </a:txBody>
                   <a:tcPr marL="0" marR="0" marT="62230" marB="0">
@@ -5762,7 +6327,7 @@
                         </a:spcBef>
                       </a:pPr>
                       <a:r>
-                        <a:rPr lang="it-IT" sz="900">
+                        <a:rPr sz="900" spc="0" dirty="0">
                           <a:solidFill>
                             <a:srgbClr val="020302"/>
                           </a:solidFill>
@@ -5771,6 +6336,10 @@
                         </a:rPr>
                         <a:t></a:t>
                       </a:r>
+                      <a:endParaRPr sz="900" spc="0" dirty="0">
+                        <a:latin typeface="Wingdings"/>
+                        <a:cs typeface="Wingdings"/>
+                      </a:endParaRPr>
                     </a:p>
                   </a:txBody>
                   <a:tcPr marL="0" marR="0" marT="62230" marB="0">
@@ -5809,15 +6378,22 @@
                         </a:spcBef>
                       </a:pPr>
                       <a:r>
-                        <a:rPr lang="it-IT" sz="1000" b="1" i="0">
+                        <a:rPr lang="en-US" sz="1000" b="1" i="0" spc="0" dirty="0">
                           <a:solidFill>
                             <a:schemeClr val="bg1"/>
                           </a:solidFill>
                           <a:latin typeface="Adobe Clean" panose="020B0503020404020204" pitchFamily="34" charset="0"/>
                           <a:cs typeface="AdobeClean-Light"/>
                         </a:rPr>
-                        <a:t>Servizi sul campo</a:t>
+                        <a:t>Field Services</a:t>
                       </a:r>
+                      <a:endParaRPr sz="1000" b="1" i="0" spc="0" dirty="0">
+                        <a:solidFill>
+                          <a:schemeClr val="bg1"/>
+                        </a:solidFill>
+                        <a:latin typeface="Adobe Clean" panose="020B0503020404020204" pitchFamily="34" charset="0"/>
+                        <a:cs typeface="AdobeClean-Light"/>
+                      </a:endParaRPr>
                     </a:p>
                   </a:txBody>
                   <a:tcPr marL="0" marR="0" marT="48260" marB="0" anchor="ctr">
@@ -5870,15 +6446,39 @@
                         </a:spcBef>
                       </a:pPr>
                       <a:r>
-                        <a:rPr lang="it-IT" sz="900">
+                        <a:rPr sz="900" spc="0" dirty="0">
                           <a:solidFill>
                             <a:srgbClr val="020302"/>
                           </a:solidFill>
                           <a:latin typeface="AdobeClean-Light"/>
                           <a:cs typeface="AdobeClean-Light"/>
                         </a:rPr>
-                        <a:t>Launch Advisory - Nel primo anno di nuove soluzioni</a:t>
+                        <a:t>Launch Advisory Services – First Year of </a:t>
                       </a:r>
+                      <a:r>
+                        <a:rPr lang="en-US" sz="900" spc="0" dirty="0">
+                          <a:solidFill>
+                            <a:srgbClr val="020302"/>
+                          </a:solidFill>
+                          <a:latin typeface="AdobeClean-Light"/>
+                          <a:cs typeface="AdobeClean-Light"/>
+                        </a:rPr>
+                        <a:t>a </a:t>
+                      </a:r>
+                      <a:r>
+                        <a:rPr sz="900" spc="0" dirty="0">
+                          <a:solidFill>
+                            <a:srgbClr val="020302"/>
+                          </a:solidFill>
+                          <a:latin typeface="AdobeClean-Light"/>
+                          <a:cs typeface="AdobeClean-Light"/>
+                        </a:rPr>
+                        <a:t>new solution</a:t>
+                      </a:r>
+                      <a:endParaRPr sz="900" spc="0" dirty="0">
+                        <a:latin typeface="AdobeClean-Light"/>
+                        <a:cs typeface="AdobeClean-Light"/>
+                      </a:endParaRPr>
                     </a:p>
                     <a:p>
                       <a:pPr marL="48260">
@@ -5890,11 +6490,11 @@
                         </a:spcBef>
                       </a:pPr>
                       <a:r>
-                        <a:rPr lang="it-IT" sz="900">
+                        <a:rPr sz="900" spc="0" dirty="0">
                           <a:latin typeface="AdobeClean-Light"/>
                           <a:cs typeface="AdobeClean-Light"/>
                         </a:rPr>
-                        <a:t>Attività di servizio sul campo</a:t>
+                        <a:t>Field Service Activities</a:t>
                       </a:r>
                     </a:p>
                   </a:txBody>
@@ -5930,7 +6530,7 @@
                     <a:bodyPr/>
                     <a:lstStyle/>
                     <a:p>
-                      <a:pPr algn="l" rtl="0">
+                      <a:pPr>
                         <a:lnSpc>
                           <a:spcPct val="100000"/>
                         </a:lnSpc>
@@ -5966,7 +6566,7 @@
                     <a:bodyPr/>
                     <a:lstStyle/>
                     <a:p>
-                      <a:pPr algn="l" rtl="0">
+                      <a:pPr>
                         <a:lnSpc>
                           <a:spcPct val="100000"/>
                         </a:lnSpc>
@@ -5991,7 +6591,7 @@
                     <a:bodyPr/>
                     <a:lstStyle/>
                     <a:p>
-                      <a:pPr algn="l" rtl="0">
+                      <a:pPr>
                         <a:lnSpc>
                           <a:spcPct val="100000"/>
                         </a:lnSpc>
@@ -6028,7 +6628,7 @@
                         </a:spcBef>
                       </a:pPr>
                       <a:r>
-                        <a:rPr lang="it-IT" sz="900">
+                        <a:rPr sz="900" spc="0" dirty="0">
                           <a:solidFill>
                             <a:srgbClr val="020302"/>
                           </a:solidFill>
@@ -6037,6 +6637,10 @@
                         </a:rPr>
                         <a:t></a:t>
                       </a:r>
+                      <a:endParaRPr sz="900" spc="0">
+                        <a:latin typeface="Wingdings"/>
+                        <a:cs typeface="Wingdings"/>
+                      </a:endParaRPr>
                     </a:p>
                   </a:txBody>
                   <a:tcPr marL="0" marR="0" marT="56515" marB="0">
@@ -6062,7 +6666,7 @@
                         </a:spcBef>
                       </a:pPr>
                       <a:r>
-                        <a:rPr lang="it-IT" sz="900">
+                        <a:rPr sz="900" spc="0" dirty="0">
                           <a:solidFill>
                             <a:srgbClr val="020302"/>
                           </a:solidFill>
@@ -6071,6 +6675,10 @@
                         </a:rPr>
                         <a:t></a:t>
                       </a:r>
+                      <a:endParaRPr sz="900" spc="0" dirty="0">
+                        <a:latin typeface="Wingdings"/>
+                        <a:cs typeface="Wingdings"/>
+                      </a:endParaRPr>
                     </a:p>
                   </a:txBody>
                   <a:tcPr marL="0" marR="0" marT="56515" marB="0">
@@ -6145,7 +6753,7 @@
                     <a:bodyPr/>
                     <a:lstStyle/>
                     <a:p>
-                      <a:pPr algn="l" rtl="0">
+                      <a:pPr>
                         <a:lnSpc>
                           <a:spcPct val="100000"/>
                         </a:lnSpc>
@@ -6181,7 +6789,7 @@
                     <a:bodyPr/>
                     <a:lstStyle/>
                     <a:p>
-                      <a:pPr algn="l" rtl="0">
+                      <a:pPr>
                         <a:lnSpc>
                           <a:spcPct val="100000"/>
                         </a:lnSpc>
@@ -6206,7 +6814,7 @@
                     <a:bodyPr/>
                     <a:lstStyle/>
                     <a:p>
-                      <a:pPr algn="l" rtl="0">
+                      <a:pPr>
                         <a:lnSpc>
                           <a:spcPct val="100000"/>
                         </a:lnSpc>
@@ -6240,7 +6848,7 @@
                         </a:spcBef>
                       </a:pPr>
                       <a:r>
-                        <a:rPr lang="it-IT" sz="900">
+                        <a:rPr sz="900" spc="0" dirty="0">
                           <a:solidFill>
                             <a:srgbClr val="020302"/>
                           </a:solidFill>
@@ -6249,6 +6857,10 @@
                         </a:rPr>
                         <a:t>2</a:t>
                       </a:r>
+                      <a:endParaRPr sz="900" spc="0">
+                        <a:latin typeface="AdobeClean-Light"/>
+                        <a:cs typeface="AdobeClean-Light"/>
+                      </a:endParaRPr>
                     </a:p>
                   </a:txBody>
                   <a:tcPr marL="0" marR="0" marT="50800" marB="0">
@@ -6274,7 +6886,7 @@
                         </a:spcBef>
                       </a:pPr>
                       <a:r>
-                        <a:rPr lang="it-IT" sz="900" dirty="0">
+                        <a:rPr sz="900" spc="0" dirty="0">
                           <a:solidFill>
                             <a:srgbClr val="020302"/>
                           </a:solidFill>
@@ -6283,6 +6895,10 @@
                         </a:rPr>
                         <a:t>4</a:t>
                       </a:r>
+                      <a:endParaRPr sz="900" spc="0" dirty="0">
+                        <a:latin typeface="AdobeClean-Light"/>
+                        <a:cs typeface="AdobeClean-Light"/>
+                      </a:endParaRPr>
                     </a:p>
                   </a:txBody>
                   <a:tcPr marL="0" marR="0" marT="50800" marB="0">
@@ -6344,8 +6960,24 @@
               </a:spcBef>
             </a:pPr>
             <a:r>
-              <a:rPr lang="it-IT"/>
-              <a:t>©2021 Adobe. All Rights Reserved. Adobe Confidential.</a:t>
+              <a:rPr spc="-5" dirty="0"/>
+              <a:t>©202</a:t>
+            </a:r>
+            <a:r>
+              <a:rPr lang="en-US" spc="-5" dirty="0"/>
+              <a:t>1</a:t>
+            </a:r>
+            <a:r>
+              <a:rPr spc="-5" dirty="0"/>
+              <a:t> Adobe. All Rights Reserved. Adobe</a:t>
+            </a:r>
+            <a:r>
+              <a:rPr spc="60" dirty="0"/>
+              <a:t> </a:t>
+            </a:r>
+            <a:r>
+              <a:rPr spc="-5" dirty="0"/>
+              <a:t>Confidential.</a:t>
             </a:r>
           </a:p>
         </p:txBody>
@@ -6359,14 +6991,14 @@
           <p:nvPr>
             <p:extLst>
               <p:ext uri="{D42A27DB-BD31-4B8C-83A1-F6EECF244321}">
-                <p14:modId xmlns:p14="http://schemas.microsoft.com/office/powerpoint/2010/main" val="1241654959"/>
+                <p14:modId xmlns:p14="http://schemas.microsoft.com/office/powerpoint/2010/main" val="4081524108"/>
               </p:ext>
             </p:extLst>
           </p:nvPr>
         </p:nvGraphicFramePr>
         <p:xfrm>
           <a:off x="33527" y="7483227"/>
-          <a:ext cx="7705343" cy="2166120"/>
+          <a:ext cx="7705343" cy="2172787"/>
         </p:xfrm>
         <a:graphic>
           <a:graphicData uri="http://schemas.openxmlformats.org/drawingml/2006/table">
@@ -6426,15 +7058,19 @@
                         </a:spcBef>
                       </a:pPr>
                       <a:r>
-                        <a:rPr lang="it-IT" sz="900">
+                        <a:rPr sz="900" spc="0" dirty="0">
                           <a:solidFill>
                             <a:srgbClr val="020302"/>
                           </a:solidFill>
                           <a:latin typeface="Adobe Clean"/>
                           <a:cs typeface="Adobe Clean"/>
                         </a:rPr>
-                        <a:t>Priorità</a:t>
+                        <a:t>Priority</a:t>
                       </a:r>
+                      <a:endParaRPr sz="900" spc="0" dirty="0">
+                        <a:latin typeface="Adobe Clean"/>
+                        <a:cs typeface="Adobe Clean"/>
+                      </a:endParaRPr>
                     </a:p>
                   </a:txBody>
                   <a:tcPr marL="0" marR="0" marT="7620" marB="0" anchor="ctr">
@@ -6481,15 +7117,39 @@
                         </a:spcBef>
                       </a:pPr>
                       <a:r>
-                        <a:rPr lang="it-IT" sz="900">
+                        <a:rPr sz="900" spc="0" dirty="0">
                           <a:solidFill>
                             <a:srgbClr val="020302"/>
                           </a:solidFill>
                           <a:latin typeface="Adobe Clean"/>
                           <a:cs typeface="Adobe Clean"/>
                         </a:rPr>
-                        <a:t>Supporto Online</a:t>
+                        <a:t>Online </a:t>
                       </a:r>
+                      <a:r>
+                        <a:rPr lang="en-US" sz="900" spc="0" dirty="0">
+                          <a:solidFill>
+                            <a:srgbClr val="020302"/>
+                          </a:solidFill>
+                          <a:latin typeface="Adobe Clean"/>
+                          <a:cs typeface="Adobe Clean"/>
+                        </a:rPr>
+                        <a:t> </a:t>
+                      </a:r>
+                      <a:r>
+                        <a:rPr sz="900" spc="0" dirty="0">
+                          <a:solidFill>
+                            <a:srgbClr val="020302"/>
+                          </a:solidFill>
+                          <a:latin typeface="Adobe Clean"/>
+                          <a:cs typeface="Adobe Clean"/>
+                        </a:rPr>
+                        <a:t>Support</a:t>
+                      </a:r>
+                      <a:endParaRPr sz="900" spc="0" dirty="0">
+                        <a:latin typeface="Adobe Clean"/>
+                        <a:cs typeface="Adobe Clean"/>
+                      </a:endParaRPr>
                     </a:p>
                   </a:txBody>
                   <a:tcPr marL="0" marR="0" marT="0" marB="0" anchor="ctr">
@@ -6511,11 +7171,14 @@
                       </a:solidFill>
                       <a:prstDash val="solid"/>
                     </a:lnT>
-                    <a:lnB w="76200">
+                    <a:lnB w="76200" cap="flat" cmpd="sng" algn="ctr">
                       <a:solidFill>
                         <a:srgbClr val="858585"/>
                       </a:solidFill>
                       <a:prstDash val="solid"/>
+                      <a:round/>
+                      <a:headEnd type="none" w="med" len="med"/>
+                      <a:tailEnd type="none" w="med" len="med"/>
                     </a:lnB>
                     <a:solidFill>
                       <a:srgbClr val="D9D9D9"/>
@@ -6536,15 +7199,39 @@
                         </a:spcBef>
                       </a:pPr>
                       <a:r>
-                        <a:rPr lang="it-IT" sz="900">
+                        <a:rPr sz="900" spc="0" dirty="0">
                           <a:solidFill>
                             <a:srgbClr val="FFFFFF"/>
                           </a:solidFill>
                           <a:latin typeface="Adobe Clean"/>
                           <a:cs typeface="Adobe Clean"/>
                         </a:rPr>
-                        <a:t>Supporto Business</a:t>
+                        <a:t>Business</a:t>
                       </a:r>
+                      <a:r>
+                        <a:rPr lang="en-US" sz="900" spc="0" dirty="0">
+                          <a:solidFill>
+                            <a:srgbClr val="FFFFFF"/>
+                          </a:solidFill>
+                          <a:latin typeface="Adobe Clean"/>
+                          <a:cs typeface="Adobe Clean"/>
+                        </a:rPr>
+                        <a:t> </a:t>
+                      </a:r>
+                      <a:r>
+                        <a:rPr sz="900" spc="0" dirty="0">
+                          <a:solidFill>
+                            <a:srgbClr val="FFFFFF"/>
+                          </a:solidFill>
+                          <a:latin typeface="Adobe Clean"/>
+                          <a:cs typeface="Adobe Clean"/>
+                        </a:rPr>
+                        <a:t>Support</a:t>
+                      </a:r>
+                      <a:endParaRPr sz="900" spc="0" dirty="0">
+                        <a:latin typeface="Adobe Clean"/>
+                        <a:cs typeface="Adobe Clean"/>
+                      </a:endParaRPr>
                     </a:p>
                   </a:txBody>
                   <a:tcPr marL="0" marR="0" marT="0" marB="0" anchor="ctr">
@@ -6566,11 +7253,14 @@
                       </a:solidFill>
                       <a:prstDash val="solid"/>
                     </a:lnT>
-                    <a:lnB w="76200">
+                    <a:lnB w="76200" cap="flat" cmpd="sng" algn="ctr">
                       <a:solidFill>
                         <a:srgbClr val="ACD2FF"/>
                       </a:solidFill>
                       <a:prstDash val="solid"/>
+                      <a:round/>
+                      <a:headEnd type="none" w="med" len="med"/>
+                      <a:tailEnd type="none" w="med" len="med"/>
                     </a:lnB>
                     <a:solidFill>
                       <a:srgbClr val="7D7D7D"/>
@@ -6591,15 +7281,39 @@
                         </a:spcBef>
                       </a:pPr>
                       <a:r>
-                        <a:rPr lang="it-IT" sz="900">
+                        <a:rPr sz="900" spc="0" dirty="0">
                           <a:solidFill>
                             <a:srgbClr val="FFFFFF"/>
                           </a:solidFill>
                           <a:latin typeface="Adobe Clean"/>
                           <a:cs typeface="Adobe Clean"/>
                         </a:rPr>
-                        <a:t>Supporto Enterprise</a:t>
+                        <a:t>Enterprise </a:t>
                       </a:r>
+                      <a:r>
+                        <a:rPr lang="en-US" sz="900" spc="0" dirty="0">
+                          <a:solidFill>
+                            <a:srgbClr val="FFFFFF"/>
+                          </a:solidFill>
+                          <a:latin typeface="Adobe Clean"/>
+                          <a:cs typeface="Adobe Clean"/>
+                        </a:rPr>
+                        <a:t> </a:t>
+                      </a:r>
+                      <a:r>
+                        <a:rPr sz="900" spc="0" dirty="0">
+                          <a:solidFill>
+                            <a:srgbClr val="FFFFFF"/>
+                          </a:solidFill>
+                          <a:latin typeface="Adobe Clean"/>
+                          <a:cs typeface="Adobe Clean"/>
+                        </a:rPr>
+                        <a:t>Support</a:t>
+                      </a:r>
+                      <a:endParaRPr sz="900" spc="0" dirty="0">
+                        <a:latin typeface="Adobe Clean"/>
+                        <a:cs typeface="Adobe Clean"/>
+                      </a:endParaRPr>
                     </a:p>
                   </a:txBody>
                   <a:tcPr marL="0" marR="0" marT="0" marB="0" anchor="ctr">
@@ -6621,11 +7335,14 @@
                       </a:solidFill>
                       <a:prstDash val="solid"/>
                     </a:lnT>
-                    <a:lnB w="76200">
+                    <a:lnB w="76200" cap="flat" cmpd="sng" algn="ctr">
                       <a:solidFill>
                         <a:srgbClr val="2E8FFF"/>
                       </a:solidFill>
                       <a:prstDash val="solid"/>
+                      <a:round/>
+                      <a:headEnd type="none" w="med" len="med"/>
+                      <a:tailEnd type="none" w="med" len="med"/>
                     </a:lnB>
                     <a:solidFill>
                       <a:srgbClr val="404040"/>
@@ -6646,15 +7363,39 @@
                         </a:spcBef>
                       </a:pPr>
                       <a:r>
-                        <a:rPr lang="it-IT" sz="900">
+                        <a:rPr sz="900" spc="0" dirty="0">
                           <a:solidFill>
                             <a:srgbClr val="FFFFFF"/>
                           </a:solidFill>
                           <a:latin typeface="Adobe Clean"/>
                           <a:cs typeface="Adobe Clean"/>
                         </a:rPr>
-                        <a:t>Supporto Elite</a:t>
+                        <a:t>Elite</a:t>
                       </a:r>
+                      <a:r>
+                        <a:rPr lang="en-US" sz="900" spc="0" dirty="0">
+                          <a:solidFill>
+                            <a:srgbClr val="FFFFFF"/>
+                          </a:solidFill>
+                          <a:latin typeface="Adobe Clean"/>
+                          <a:cs typeface="Adobe Clean"/>
+                        </a:rPr>
+                        <a:t> </a:t>
+                      </a:r>
+                      <a:r>
+                        <a:rPr sz="900" spc="0" dirty="0">
+                          <a:solidFill>
+                            <a:srgbClr val="FFFFFF"/>
+                          </a:solidFill>
+                          <a:latin typeface="Adobe Clean"/>
+                          <a:cs typeface="Adobe Clean"/>
+                        </a:rPr>
+                        <a:t>Support</a:t>
+                      </a:r>
+                      <a:endParaRPr sz="900" spc="0" dirty="0">
+                        <a:latin typeface="Adobe Clean"/>
+                        <a:cs typeface="Adobe Clean"/>
+                      </a:endParaRPr>
                     </a:p>
                   </a:txBody>
                   <a:tcPr marL="0" marR="0" marT="0" marB="0" anchor="ctr">
@@ -6676,11 +7417,14 @@
                       </a:solidFill>
                       <a:prstDash val="solid"/>
                     </a:lnT>
-                    <a:lnB w="76200">
+                    <a:lnB w="76200" cap="flat" cmpd="sng" algn="ctr">
                       <a:solidFill>
                         <a:srgbClr val="0068E1"/>
                       </a:solidFill>
                       <a:prstDash val="solid"/>
+                      <a:round/>
+                      <a:headEnd type="none" w="med" len="med"/>
+                      <a:tailEnd type="none" w="med" len="med"/>
                     </a:lnB>
                     <a:solidFill>
                       <a:srgbClr val="000000"/>
@@ -6708,15 +7452,19 @@
                         </a:spcBef>
                       </a:pPr>
                       <a:r>
-                        <a:rPr lang="it-IT" sz="900" b="1" dirty="0">
+                        <a:rPr sz="900" b="1" spc="0" dirty="0">
                           <a:solidFill>
                             <a:srgbClr val="020302"/>
                           </a:solidFill>
                           <a:latin typeface="Adobe Clean"/>
                           <a:cs typeface="Adobe Clean"/>
                         </a:rPr>
-                        <a:t>PRIORITÀ 1 (P1)</a:t>
+                        <a:t>PRIORITY 1</a:t>
                       </a:r>
+                      <a:endParaRPr sz="900" spc="0" dirty="0">
+                        <a:latin typeface="Adobe Clean"/>
+                        <a:cs typeface="Adobe Clean"/>
+                      </a:endParaRPr>
                     </a:p>
                     <a:p>
                       <a:pPr marL="50800" marR="387985">
@@ -6728,14 +7476,19 @@
                         </a:spcBef>
                       </a:pPr>
                       <a:r>
-                        <a:rPr lang="it-IT" sz="800" b="0" i="0" dirty="0">
+                        <a:rPr lang="en-US" sz="900" b="0" i="0" spc="0" dirty="0">
                           <a:solidFill>
                             <a:srgbClr val="000000"/>
                           </a:solidFill>
+                          <a:effectLst/>
                           <a:latin typeface="Adobe Clean Light" panose="020B0303020404020204" pitchFamily="34" charset="0"/>
                         </a:rPr>
-                        <a:t>Le funzioni operative nell’ambiente di produzione del cliente non sono disponibili oppure si verificano problemi significativi di perdita di dati o deterioramento del servizio ed è richiesto un intervento immediato per ripristinare funzionalità e usabilità. </a:t>
+                        <a:t>Customer's production business functions are down or have significant data loss or service degradation and immediate attention is required to restore functionality and usability. </a:t>
                       </a:r>
+                      <a:endParaRPr sz="900" spc="0" dirty="0">
+                        <a:latin typeface="AdobeClean-Light"/>
+                        <a:cs typeface="AdobeClean-Light"/>
+                      </a:endParaRPr>
                     </a:p>
                   </a:txBody>
                   <a:tcPr marL="0" marR="0" marT="0" marB="0" anchor="ctr">
@@ -6745,11 +7498,14 @@
                       </a:solidFill>
                       <a:prstDash val="solid"/>
                     </a:lnL>
-                    <a:lnR w="3175">
+                    <a:lnR w="3175" cap="flat" cmpd="sng" algn="ctr">
                       <a:solidFill>
                         <a:srgbClr val="B7B8B8"/>
                       </a:solidFill>
                       <a:prstDash val="solid"/>
+                      <a:round/>
+                      <a:headEnd type="none" w="med" len="med"/>
+                      <a:tailEnd type="none" w="med" len="med"/>
                     </a:lnR>
                     <a:lnT w="3175">
                       <a:solidFill>
@@ -6770,46 +7526,110 @@
                     <a:bodyPr/>
                     <a:lstStyle/>
                     <a:p>
-                      <a:pPr marL="173038" marR="325120" indent="0" algn="ctr">
-                        <a:lnSpc>
-                          <a:spcPct val="100000"/>
-                        </a:lnSpc>
-                        <a:spcBef>
-                          <a:spcPts val="670"/>
-                        </a:spcBef>
-                      </a:pPr>
+                      <a:pPr algn="ctr" fontAlgn="t"/>
                       <a:r>
-                        <a:rPr lang="it-IT" sz="900" dirty="0">
+                        <a:rPr lang="en-US" sz="900" b="0" i="0" u="none" strike="noStrike">
                           <a:solidFill>
                             <a:srgbClr val="020302"/>
                           </a:solidFill>
-                          <a:latin typeface="AdobeClean-Light"/>
-                          <a:cs typeface="AdobeClean-Light"/>
+                          <a:effectLst/>
+                          <a:latin typeface="AdobeClean-Light" panose="020B0503020404020204" pitchFamily="34" charset="0"/>
                         </a:rPr>
-                        <a:t>24x7 /  </a:t>
+                        <a:t>24x7 / 1 hour</a:t>
                       </a:r>
-                      <a:br>
-                        <a:rPr lang="sk-SK" sz="900" dirty="0">
+                    </a:p>
+                  </a:txBody>
+                  <a:tcPr marL="9525" marR="9525" marT="9525" marB="0" anchor="ctr">
+                    <a:lnL w="3175">
+                      <a:solidFill>
+                        <a:srgbClr val="B7B8B8"/>
+                      </a:solidFill>
+                      <a:prstDash val="solid"/>
+                    </a:lnL>
+                    <a:lnR w="3175">
+                      <a:solidFill>
+                        <a:srgbClr val="B7B8B8"/>
+                      </a:solidFill>
+                      <a:prstDash val="solid"/>
+                    </a:lnR>
+                    <a:lnT w="76200">
+                      <a:solidFill>
+                        <a:srgbClr val="858585"/>
+                      </a:solidFill>
+                      <a:prstDash val="solid"/>
+                    </a:lnT>
+                    <a:lnB w="3175">
+                      <a:solidFill>
+                        <a:srgbClr val="B7B8B8"/>
+                      </a:solidFill>
+                      <a:prstDash val="solid"/>
+                    </a:lnB>
+                  </a:tcPr>
+                </a:tc>
+                <a:tc>
+                  <a:txBody>
+                    <a:bodyPr/>
+                    <a:lstStyle/>
+                    <a:p>
+                      <a:pPr algn="ctr" fontAlgn="t"/>
+                      <a:r>
+                        <a:rPr lang="en-US" sz="900" b="0" i="0" u="none" strike="noStrike">
                           <a:solidFill>
                             <a:srgbClr val="020302"/>
                           </a:solidFill>
-                          <a:latin typeface="AdobeClean-Light"/>
-                          <a:cs typeface="AdobeClean-Light"/>
+                          <a:effectLst/>
+                          <a:latin typeface="AdobeClean-Light" panose="020B0503020404020204" pitchFamily="34" charset="0"/>
                         </a:rPr>
-                      </a:br>
+                        <a:t>24x7 / 1 hour</a:t>
+                      </a:r>
+                    </a:p>
+                  </a:txBody>
+                  <a:tcPr marL="9525" marR="9525" marT="9525" marB="0" anchor="ctr">
+                    <a:lnL w="3175">
+                      <a:solidFill>
+                        <a:srgbClr val="B7B8B8"/>
+                      </a:solidFill>
+                      <a:prstDash val="solid"/>
+                    </a:lnL>
+                    <a:lnR w="3175">
+                      <a:solidFill>
+                        <a:srgbClr val="B7B8B8"/>
+                      </a:solidFill>
+                      <a:prstDash val="solid"/>
+                    </a:lnR>
+                    <a:lnT w="76200">
+                      <a:solidFill>
+                        <a:srgbClr val="ACD2FF"/>
+                      </a:solidFill>
+                      <a:prstDash val="solid"/>
+                    </a:lnT>
+                    <a:lnB w="3175">
+                      <a:solidFill>
+                        <a:srgbClr val="B7B8B8"/>
+                      </a:solidFill>
+                      <a:prstDash val="solid"/>
+                    </a:lnB>
+                  </a:tcPr>
+                </a:tc>
+                <a:tc>
+                  <a:txBody>
+                    <a:bodyPr/>
+                    <a:lstStyle/>
+                    <a:p>
+                      <a:pPr algn="ctr" fontAlgn="t"/>
                       <a:r>
-                        <a:rPr lang="it-IT" sz="900" dirty="0">
+                        <a:rPr lang="en-US" sz="900" b="0" i="0" u="none" strike="noStrike">
                           <a:solidFill>
                             <a:srgbClr val="020302"/>
                           </a:solidFill>
-                          <a:latin typeface="AdobeClean-Light"/>
-                          <a:cs typeface="AdobeClean-Light"/>
+                          <a:effectLst/>
+                          <a:latin typeface="AdobeClean-Light" panose="020B0503020404020204" pitchFamily="34" charset="0"/>
                         </a:rPr>
-                        <a:t>1 ora</a:t>
+                        <a:t>24x7 / 30 minutes</a:t>
                       </a:r>
                     </a:p>
                   </a:txBody>
-                  <a:tcPr marL="0" marR="0" marT="0" marB="0" anchor="ctr">
+                  <a:tcPr marL="9525" marR="9525" marT="9525" marB="0" anchor="ctr">
                     <a:lnL w="3175">
                       <a:solidFill>
                         <a:srgbClr val="B7B8B8"/>
@@ -6824,7 +7644,7 @@
                     </a:lnR>
                     <a:lnT w="76200">
                       <a:solidFill>
-                        <a:srgbClr val="858585"/>
+                        <a:srgbClr val="2E8FFF"/>
                       </a:solidFill>
                       <a:prstDash val="solid"/>
                     </a:lnT>
@@ -6841,131 +7661,20 @@
                     <a:bodyPr/>
                     <a:lstStyle/>
                     <a:p>
-                      <a:pPr marL="0" marR="325755" indent="-3810" algn="ctr">
-                        <a:lnSpc>
-                          <a:spcPct val="100000"/>
-                        </a:lnSpc>
-                        <a:spcBef>
-                          <a:spcPts val="670"/>
-                        </a:spcBef>
-                      </a:pPr>
+                      <a:pPr algn="ctr" fontAlgn="t"/>
                       <a:r>
-                        <a:rPr lang="it-IT" sz="900" dirty="0">
+                        <a:rPr lang="en-US" sz="900" b="0" i="0" u="none" strike="noStrike">
                           <a:solidFill>
                             <a:srgbClr val="020302"/>
                           </a:solidFill>
-                          <a:latin typeface="AdobeClean-Light"/>
-                          <a:cs typeface="AdobeClean-Light"/>
+                          <a:effectLst/>
+                          <a:latin typeface="AdobeClean-Light" panose="020B0503020404020204" pitchFamily="34" charset="0"/>
                         </a:rPr>
-                        <a:t>24x7 /              1 ora</a:t>
+                        <a:t>24x7 / 15 minutes</a:t>
                       </a:r>
                     </a:p>
                   </a:txBody>
-                  <a:tcPr marL="0" marR="0" marT="0" marB="0" anchor="ctr">
-                    <a:lnL w="3175">
-                      <a:solidFill>
-                        <a:srgbClr val="B7B8B8"/>
-                      </a:solidFill>
-                      <a:prstDash val="solid"/>
-                    </a:lnL>
-                    <a:lnR w="3175">
-                      <a:solidFill>
-                        <a:srgbClr val="B7B8B8"/>
-                      </a:solidFill>
-                      <a:prstDash val="solid"/>
-                    </a:lnR>
-                    <a:lnT w="76200">
-                      <a:solidFill>
-                        <a:srgbClr val="ACD2FF"/>
-                      </a:solidFill>
-                      <a:prstDash val="solid"/>
-                    </a:lnT>
-                    <a:lnB w="3175">
-                      <a:solidFill>
-                        <a:srgbClr val="B7B8B8"/>
-                      </a:solidFill>
-                      <a:prstDash val="solid"/>
-                    </a:lnB>
-                  </a:tcPr>
-                </a:tc>
-                <a:tc>
-                  <a:txBody>
-                    <a:bodyPr/>
-                    <a:lstStyle/>
-                    <a:p>
-                      <a:pPr marL="0" marR="258445" indent="115570" algn="ctr">
-                        <a:lnSpc>
-                          <a:spcPct val="100000"/>
-                        </a:lnSpc>
-                        <a:spcBef>
-                          <a:spcPts val="670"/>
-                        </a:spcBef>
-                      </a:pPr>
-                      <a:r>
-                        <a:rPr lang="it-IT" sz="900">
-                          <a:solidFill>
-                            <a:srgbClr val="020302"/>
-                          </a:solidFill>
-                          <a:latin typeface="AdobeClean-Light"/>
-                          <a:cs typeface="AdobeClean-Light"/>
-                        </a:rPr>
-                        <a:t>24x7 /           30 minuti</a:t>
-                      </a:r>
-                    </a:p>
-                  </a:txBody>
-                  <a:tcPr marL="0" marR="0" marT="0" marB="0" anchor="ctr">
-                    <a:lnL w="3175">
-                      <a:solidFill>
-                        <a:srgbClr val="B7B8B8"/>
-                      </a:solidFill>
-                      <a:prstDash val="solid"/>
-                    </a:lnL>
-                    <a:lnR w="3175">
-                      <a:solidFill>
-                        <a:srgbClr val="B7B8B8"/>
-                      </a:solidFill>
-                      <a:prstDash val="solid"/>
-                    </a:lnR>
-                    <a:lnT w="76200">
-                      <a:solidFill>
-                        <a:srgbClr val="2E8FFF"/>
-                      </a:solidFill>
-                      <a:prstDash val="solid"/>
-                    </a:lnT>
-                    <a:lnB w="3175">
-                      <a:solidFill>
-                        <a:srgbClr val="B7B8B8"/>
-                      </a:solidFill>
-                      <a:prstDash val="solid"/>
-                    </a:lnB>
-                  </a:tcPr>
-                </a:tc>
-                <a:tc>
-                  <a:txBody>
-                    <a:bodyPr/>
-                    <a:lstStyle/>
-                    <a:p>
-                      <a:pPr marL="0" marR="271780" indent="103505" algn="ctr">
-                        <a:lnSpc>
-                          <a:spcPct val="100000"/>
-                        </a:lnSpc>
-                        <a:spcBef>
-                          <a:spcPts val="670"/>
-                        </a:spcBef>
-                      </a:pPr>
-                      <a:r>
-                        <a:rPr lang="it-IT" sz="900">
-                          <a:solidFill>
-                            <a:srgbClr val="020302"/>
-                          </a:solidFill>
-                          <a:latin typeface="AdobeClean-Light"/>
-                          <a:cs typeface="AdobeClean-Light"/>
-                        </a:rPr>
-                        <a:t>24x7 /         15 minuti</a:t>
-                      </a:r>
-                    </a:p>
-                  </a:txBody>
-                  <a:tcPr marL="0" marR="0" marT="0" marB="0" anchor="ctr">
+                  <a:tcPr marL="9525" marR="9525" marT="9525" marB="0" anchor="ctr">
                     <a:lnL w="3175">
                       <a:solidFill>
                         <a:srgbClr val="B7B8B8"/>
@@ -7013,15 +7722,19 @@
                         </a:spcBef>
                       </a:pPr>
                       <a:r>
-                        <a:rPr lang="it-IT" sz="900" b="1" dirty="0">
+                        <a:rPr sz="900" b="1" spc="0" dirty="0">
                           <a:solidFill>
                             <a:srgbClr val="020302"/>
                           </a:solidFill>
                           <a:latin typeface="Adobe Clean"/>
                           <a:cs typeface="Adobe Clean"/>
                         </a:rPr>
-                        <a:t>PRIORITÀ 2 (P2)</a:t>
+                        <a:t>PRIORITY 2</a:t>
                       </a:r>
+                      <a:endParaRPr sz="900" spc="0" dirty="0">
+                        <a:latin typeface="Adobe Clean"/>
+                        <a:cs typeface="Adobe Clean"/>
+                      </a:endParaRPr>
                     </a:p>
                     <a:p>
                       <a:pPr marL="50165" marR="203200" indent="0" defTabSz="914400" eaLnBrk="1" fontAlgn="auto" latinLnBrk="0" hangingPunct="1">
@@ -7042,14 +7755,19 @@
                         <a:defRPr/>
                       </a:pPr>
                       <a:r>
-                        <a:rPr lang="it-IT" sz="800" b="0" i="0" dirty="0">
+                        <a:rPr lang="en-US" sz="900" b="0" i="0" spc="0" dirty="0">
                           <a:solidFill>
                             <a:srgbClr val="000000"/>
                           </a:solidFill>
+                          <a:effectLst/>
                           <a:latin typeface="Adobe Clean Light" panose="020B0303020404020204" pitchFamily="34" charset="0"/>
                         </a:rPr>
-                        <a:t>Le funzioni operative del cliente hanno subìto un notevole deterioramento del servizio o potenziale perdita di dati, oppure un problema interessa una funzione importante. </a:t>
+                        <a:t>Customer's business functions have major service degradation or potential data loss, or a major feature is impacted </a:t>
                       </a:r>
+                      <a:endParaRPr sz="900" b="0" i="0" spc="0" dirty="0">
+                        <a:latin typeface="Adobe Clean Light" panose="020B0303020404020204" pitchFamily="34" charset="0"/>
+                        <a:cs typeface="AdobeClean-Light"/>
+                      </a:endParaRPr>
                     </a:p>
                   </a:txBody>
                   <a:tcPr marL="0" marR="0" marT="0" marB="0" anchor="ctr">
@@ -7059,11 +7777,14 @@
                       </a:solidFill>
                       <a:prstDash val="solid"/>
                     </a:lnL>
-                    <a:lnR w="3175">
+                    <a:lnR w="3175" cap="flat" cmpd="sng" algn="ctr">
                       <a:solidFill>
                         <a:srgbClr val="B7B8B8"/>
                       </a:solidFill>
                       <a:prstDash val="solid"/>
+                      <a:round/>
+                      <a:headEnd type="none" w="med" len="med"/>
+                      <a:tailEnd type="none" w="med" len="med"/>
                     </a:lnR>
                     <a:lnT w="3175">
                       <a:solidFill>
@@ -7084,27 +7805,20 @@
                     <a:bodyPr/>
                     <a:lstStyle/>
                     <a:p>
-                      <a:pPr marL="0" marR="184785" indent="-193675" algn="ctr">
-                        <a:lnSpc>
-                          <a:spcPct val="100000"/>
-                        </a:lnSpc>
-                        <a:spcBef>
-                          <a:spcPts val="670"/>
-                        </a:spcBef>
-                      </a:pPr>
+                      <a:pPr algn="ctr" fontAlgn="t"/>
                       <a:r>
-                        <a:rPr lang="it-IT" sz="900" dirty="0">
+                        <a:rPr lang="en-US" sz="900" b="0" i="0" u="none" strike="noStrike">
                           <a:solidFill>
                             <a:srgbClr val="020302"/>
                           </a:solidFill>
-                          <a:latin typeface="AdobeClean-Light"/>
-                          <a:cs typeface="AdobeClean-Light"/>
+                          <a:effectLst/>
+                          <a:latin typeface="AdobeClean-Light" panose="020B0503020404020204" pitchFamily="34" charset="0"/>
                         </a:rPr>
-                        <a:t>Orario operativo / 4 ore</a:t>
+                        <a:t>Business hours / 4 hours</a:t>
                       </a:r>
                     </a:p>
                   </a:txBody>
-                  <a:tcPr marL="0" marR="0" marT="0" marB="0" anchor="ctr">
+                  <a:tcPr marL="9525" marR="9525" marT="9525" marB="0" anchor="ctr">
                     <a:lnL w="3175">
                       <a:solidFill>
                         <a:srgbClr val="B7B8B8"/>
@@ -7136,27 +7850,20 @@
                     <a:bodyPr/>
                     <a:lstStyle/>
                     <a:p>
-                      <a:pPr marL="0" marR="184785" indent="-194310" algn="ctr">
-                        <a:lnSpc>
-                          <a:spcPct val="100000"/>
-                        </a:lnSpc>
-                        <a:spcBef>
-                          <a:spcPts val="670"/>
-                        </a:spcBef>
-                      </a:pPr>
+                      <a:pPr algn="ctr" fontAlgn="t"/>
                       <a:r>
-                        <a:rPr lang="it-IT" sz="900">
+                        <a:rPr lang="en-US" sz="900" b="0" i="0" u="none" strike="noStrike">
                           <a:solidFill>
                             <a:srgbClr val="020302"/>
                           </a:solidFill>
-                          <a:latin typeface="AdobeClean-Light"/>
-                          <a:cs typeface="AdobeClean-Light"/>
+                          <a:effectLst/>
+                          <a:latin typeface="AdobeClean-Light" panose="020B0503020404020204" pitchFamily="34" charset="0"/>
                         </a:rPr>
-                        <a:t>Orario operativo /          2 ore</a:t>
+                        <a:t>Business hours / 2 hours</a:t>
                       </a:r>
                     </a:p>
                   </a:txBody>
-                  <a:tcPr marL="0" marR="0" marT="0" marB="0" anchor="ctr">
+                  <a:tcPr marL="9525" marR="9525" marT="9525" marB="0" anchor="ctr">
                     <a:lnL w="3175">
                       <a:solidFill>
                         <a:srgbClr val="B7B8B8"/>
@@ -7188,27 +7895,20 @@
                     <a:bodyPr/>
                     <a:lstStyle/>
                     <a:p>
-                      <a:pPr marL="0" marR="325755" indent="-5715" algn="ctr">
-                        <a:lnSpc>
-                          <a:spcPct val="100000"/>
-                        </a:lnSpc>
-                        <a:spcBef>
-                          <a:spcPts val="670"/>
-                        </a:spcBef>
-                      </a:pPr>
+                      <a:pPr algn="ctr" fontAlgn="t"/>
                       <a:r>
-                        <a:rPr lang="it-IT" sz="900">
+                        <a:rPr lang="en-US" sz="900" b="0" i="0" u="none" strike="noStrike">
                           <a:solidFill>
                             <a:srgbClr val="020302"/>
                           </a:solidFill>
-                          <a:latin typeface="AdobeClean-Light"/>
-                          <a:cs typeface="AdobeClean-Light"/>
+                          <a:effectLst/>
+                          <a:latin typeface="AdobeClean-Light" panose="020B0503020404020204" pitchFamily="34" charset="0"/>
                         </a:rPr>
-                        <a:t>24x5 /                1 ora</a:t>
+                        <a:t>24x5 / 1 hour</a:t>
                       </a:r>
                     </a:p>
                   </a:txBody>
-                  <a:tcPr marL="0" marR="0" marT="0" marB="0" anchor="ctr">
+                  <a:tcPr marL="9525" marR="9525" marT="9525" marB="0" anchor="ctr">
                     <a:lnL w="3175">
                       <a:solidFill>
                         <a:srgbClr val="B7B8B8"/>
@@ -7240,27 +7940,20 @@
                     <a:bodyPr/>
                     <a:lstStyle/>
                     <a:p>
-                      <a:pPr marL="0" marR="259079" indent="111760" algn="ctr">
-                        <a:lnSpc>
-                          <a:spcPct val="100000"/>
-                        </a:lnSpc>
-                        <a:spcBef>
-                          <a:spcPts val="670"/>
-                        </a:spcBef>
-                      </a:pPr>
+                      <a:pPr algn="ctr" fontAlgn="t"/>
                       <a:r>
-                        <a:rPr lang="it-IT" sz="900">
+                        <a:rPr lang="en-US" sz="900" b="0" i="0" u="none" strike="noStrike">
                           <a:solidFill>
                             <a:srgbClr val="020302"/>
                           </a:solidFill>
-                          <a:latin typeface="AdobeClean-Light"/>
-                          <a:cs typeface="AdobeClean-Light"/>
+                          <a:effectLst/>
+                          <a:latin typeface="AdobeClean-Light" panose="020B0503020404020204" pitchFamily="34" charset="0"/>
                         </a:rPr>
-                        <a:t>24x5 /         30 minuti</a:t>
+                        <a:t>24x5 / 30 minutes</a:t>
                       </a:r>
                     </a:p>
                   </a:txBody>
-                  <a:tcPr marL="0" marR="0" marT="0" marB="0" anchor="ctr">
+                  <a:tcPr marL="9525" marR="9525" marT="9525" marB="0" anchor="ctr">
                     <a:lnL w="3175">
                       <a:solidFill>
                         <a:srgbClr val="B7B8B8"/>
@@ -7308,15 +8001,29 @@
                         </a:spcBef>
                       </a:pPr>
                       <a:r>
-                        <a:rPr lang="it-IT" sz="900" b="1" dirty="0">
+                        <a:rPr sz="900" b="1" spc="0" dirty="0">
                           <a:solidFill>
                             <a:srgbClr val="020302"/>
                           </a:solidFill>
                           <a:latin typeface="Adobe Clean"/>
                           <a:cs typeface="Adobe Clean"/>
                         </a:rPr>
-                        <a:t>PRIORITÀ 3 (P3)</a:t>
+                        <a:t>PRIORITY</a:t>
                       </a:r>
+                      <a:r>
+                        <a:rPr lang="en-US" sz="900" b="1" spc="0" dirty="0">
+                          <a:solidFill>
+                            <a:srgbClr val="020302"/>
+                          </a:solidFill>
+                          <a:latin typeface="Adobe Clean"/>
+                          <a:cs typeface="Adobe Clean"/>
+                        </a:rPr>
+                        <a:t> 3</a:t>
+                      </a:r>
+                      <a:endParaRPr lang="en-US" sz="900" spc="0" dirty="0">
+                        <a:latin typeface="Adobe Clean"/>
+                        <a:cs typeface="Adobe Clean"/>
+                      </a:endParaRPr>
                     </a:p>
                     <a:p>
                       <a:pPr marL="49530" marR="212090" indent="-2540" defTabSz="914400" eaLnBrk="1" fontAlgn="auto" latinLnBrk="0" hangingPunct="1">
@@ -7337,21 +8044,26 @@
                         <a:defRPr/>
                       </a:pPr>
                       <a:r>
-                        <a:rPr kumimoji="0" lang="it-IT" sz="800" b="0" i="0" u="none" strike="noStrike" cap="none" normalizeH="0" baseline="0" noProof="0" dirty="0">
+                        <a:rPr kumimoji="0" lang="en-US" sz="900" b="0" i="0" u="none" strike="noStrike" kern="1200" cap="none" spc="0" normalizeH="0" baseline="0" noProof="0" dirty="0">
                           <a:ln>
                             <a:noFill/>
                           </a:ln>
                           <a:solidFill>
                             <a:srgbClr val="000000"/>
                           </a:solidFill>
+                          <a:effectLst/>
                           <a:uLnTx/>
                           <a:uFillTx/>
                           <a:latin typeface="Adobe Clean Light" panose="020B0303020404020204" pitchFamily="34" charset="0"/>
                           <a:ea typeface="+mn-ea"/>
                           <a:cs typeface="+mn-cs"/>
                         </a:rPr>
-                        <a:t>Le funzioni operative del cliente sono interessate da deterioramento lieve del servizio, tuttavia è possibile procedere mediante una soluzione temporanea. </a:t>
+                        <a:t>Customer's business functions have minor service degradation but there exists a solution/workaround allowing business functions to continue normally </a:t>
                       </a:r>
+                      <a:endParaRPr lang="en-US" sz="900" b="0" i="0" spc="0" dirty="0">
+                        <a:latin typeface="Adobe Clean Light" panose="020B0303020404020204" pitchFamily="34" charset="0"/>
+                        <a:cs typeface="AdobeClean-Light"/>
+                      </a:endParaRPr>
                     </a:p>
                   </a:txBody>
                   <a:tcPr marL="0" marR="0" marT="0" marB="0" anchor="ctr">
@@ -7361,11 +8073,14 @@
                       </a:solidFill>
                       <a:prstDash val="solid"/>
                     </a:lnL>
-                    <a:lnR w="3175">
+                    <a:lnR w="3175" cap="flat" cmpd="sng" algn="ctr">
                       <a:solidFill>
                         <a:srgbClr val="B7B8B8"/>
                       </a:solidFill>
                       <a:prstDash val="solid"/>
+                      <a:round/>
+                      <a:headEnd type="none" w="med" len="med"/>
+                      <a:tailEnd type="none" w="med" len="med"/>
                     </a:lnR>
                     <a:lnT w="3175">
                       <a:solidFill>
@@ -7386,46 +8101,110 @@
                     <a:bodyPr/>
                     <a:lstStyle/>
                     <a:p>
-                      <a:pPr marL="0" marR="184150" indent="61913" algn="ctr">
-                        <a:lnSpc>
-                          <a:spcPct val="100000"/>
-                        </a:lnSpc>
-                        <a:spcBef>
-                          <a:spcPts val="645"/>
-                        </a:spcBef>
-                      </a:pPr>
+                      <a:pPr algn="ctr" fontAlgn="t"/>
                       <a:r>
-                        <a:rPr lang="it-IT" sz="900" dirty="0">
+                        <a:rPr lang="en-US" sz="900" b="0" i="0" u="none" strike="noStrike">
                           <a:solidFill>
                             <a:srgbClr val="020302"/>
                           </a:solidFill>
-                          <a:latin typeface="AdobeClean-Light"/>
-                          <a:cs typeface="AdobeClean-Light"/>
+                          <a:effectLst/>
+                          <a:latin typeface="AdobeClean-Light" panose="020B0503020404020204" pitchFamily="34" charset="0"/>
                         </a:rPr>
-                        <a:t>Orario operativo / </a:t>
+                        <a:t>Business hours / 6 hours</a:t>
                       </a:r>
-                      <a:br>
-                        <a:rPr lang="sk-SK" sz="900" dirty="0">
+                    </a:p>
+                  </a:txBody>
+                  <a:tcPr marL="9525" marR="9525" marT="9525" marB="0" anchor="ctr">
+                    <a:lnL w="3175">
+                      <a:solidFill>
+                        <a:srgbClr val="B7B8B8"/>
+                      </a:solidFill>
+                      <a:prstDash val="solid"/>
+                    </a:lnL>
+                    <a:lnR w="3175">
+                      <a:solidFill>
+                        <a:srgbClr val="B7B8B8"/>
+                      </a:solidFill>
+                      <a:prstDash val="solid"/>
+                    </a:lnR>
+                    <a:lnT w="3175">
+                      <a:solidFill>
+                        <a:srgbClr val="B7B8B8"/>
+                      </a:solidFill>
+                      <a:prstDash val="solid"/>
+                    </a:lnT>
+                    <a:lnB w="3175">
+                      <a:solidFill>
+                        <a:srgbClr val="B7B8B8"/>
+                      </a:solidFill>
+                      <a:prstDash val="solid"/>
+                    </a:lnB>
+                  </a:tcPr>
+                </a:tc>
+                <a:tc>
+                  <a:txBody>
+                    <a:bodyPr/>
+                    <a:lstStyle/>
+                    <a:p>
+                      <a:pPr algn="ctr" fontAlgn="t"/>
+                      <a:r>
+                        <a:rPr lang="en-US" sz="900" b="0" i="0" u="none" strike="noStrike">
                           <a:solidFill>
                             <a:srgbClr val="020302"/>
                           </a:solidFill>
-                          <a:latin typeface="AdobeClean-Light"/>
-                          <a:cs typeface="AdobeClean-Light"/>
+                          <a:effectLst/>
+                          <a:latin typeface="AdobeClean-Light" panose="020B0503020404020204" pitchFamily="34" charset="0"/>
                         </a:rPr>
-                      </a:br>
+                        <a:t>Business hours /  4 hours</a:t>
+                      </a:r>
+                    </a:p>
+                  </a:txBody>
+                  <a:tcPr marL="9525" marR="9525" marT="9525" marB="0" anchor="ctr">
+                    <a:lnL w="3175">
+                      <a:solidFill>
+                        <a:srgbClr val="B7B8B8"/>
+                      </a:solidFill>
+                      <a:prstDash val="solid"/>
+                    </a:lnL>
+                    <a:lnR w="3175">
+                      <a:solidFill>
+                        <a:srgbClr val="B7B8B8"/>
+                      </a:solidFill>
+                      <a:prstDash val="solid"/>
+                    </a:lnR>
+                    <a:lnT w="3175">
+                      <a:solidFill>
+                        <a:srgbClr val="B7B8B8"/>
+                      </a:solidFill>
+                      <a:prstDash val="solid"/>
+                    </a:lnT>
+                    <a:lnB w="3175">
+                      <a:solidFill>
+                        <a:srgbClr val="B7B8B8"/>
+                      </a:solidFill>
+                      <a:prstDash val="solid"/>
+                    </a:lnB>
+                  </a:tcPr>
+                </a:tc>
+                <a:tc>
+                  <a:txBody>
+                    <a:bodyPr/>
+                    <a:lstStyle/>
+                    <a:p>
+                      <a:pPr algn="ctr" fontAlgn="t"/>
                       <a:r>
-                        <a:rPr lang="it-IT" sz="900" dirty="0">
+                        <a:rPr lang="en-US" sz="900" b="0" i="0" u="none" strike="noStrike">
                           <a:solidFill>
                             <a:srgbClr val="020302"/>
                           </a:solidFill>
-                          <a:latin typeface="AdobeClean-Light"/>
-                          <a:cs typeface="AdobeClean-Light"/>
+                          <a:effectLst/>
+                          <a:latin typeface="AdobeClean-Light" panose="020B0503020404020204" pitchFamily="34" charset="0"/>
                         </a:rPr>
-                        <a:t>6 ore</a:t>
+                        <a:t>Business hours / 2 hours</a:t>
                       </a:r>
                     </a:p>
                   </a:txBody>
-                  <a:tcPr marL="0" marR="0" marT="0" marB="0" anchor="ctr">
+                  <a:tcPr marL="9525" marR="9525" marT="9525" marB="0" anchor="ctr">
                     <a:lnL w="3175">
                       <a:solidFill>
                         <a:srgbClr val="B7B8B8"/>
@@ -7457,150 +8236,20 @@
                     <a:bodyPr/>
                     <a:lstStyle/>
                     <a:p>
-                      <a:pPr marL="0" marR="185420" indent="-193675" algn="ctr">
-                        <a:lnSpc>
-                          <a:spcPct val="100000"/>
-                        </a:lnSpc>
-                        <a:spcBef>
-                          <a:spcPts val="645"/>
-                        </a:spcBef>
-                      </a:pPr>
+                      <a:pPr algn="ctr" fontAlgn="t"/>
                       <a:r>
-                        <a:rPr lang="it-IT" sz="900">
+                        <a:rPr lang="en-US" sz="900" b="0" i="0" u="none" strike="noStrike">
                           <a:solidFill>
                             <a:srgbClr val="020302"/>
                           </a:solidFill>
-                          <a:latin typeface="AdobeClean-Light"/>
-                          <a:cs typeface="AdobeClean-Light"/>
+                          <a:effectLst/>
+                          <a:latin typeface="AdobeClean-Light" panose="020B0503020404020204" pitchFamily="34" charset="0"/>
                         </a:rPr>
-                        <a:t>Orario operativo /  4 ore</a:t>
+                        <a:t>24x5 / 1 hour</a:t>
                       </a:r>
                     </a:p>
                   </a:txBody>
-                  <a:tcPr marL="0" marR="0" marT="0" marB="0" anchor="ctr">
-                    <a:lnL w="3175">
-                      <a:solidFill>
-                        <a:srgbClr val="B7B8B8"/>
-                      </a:solidFill>
-                      <a:prstDash val="solid"/>
-                    </a:lnL>
-                    <a:lnR w="3175">
-                      <a:solidFill>
-                        <a:srgbClr val="B7B8B8"/>
-                      </a:solidFill>
-                      <a:prstDash val="solid"/>
-                    </a:lnR>
-                    <a:lnT w="3175">
-                      <a:solidFill>
-                        <a:srgbClr val="B7B8B8"/>
-                      </a:solidFill>
-                      <a:prstDash val="solid"/>
-                    </a:lnT>
-                    <a:lnB w="3175">
-                      <a:solidFill>
-                        <a:srgbClr val="B7B8B8"/>
-                      </a:solidFill>
-                      <a:prstDash val="solid"/>
-                    </a:lnB>
-                  </a:tcPr>
-                </a:tc>
-                <a:tc>
-                  <a:txBody>
-                    <a:bodyPr/>
-                    <a:lstStyle/>
-                    <a:p>
-                      <a:pPr marL="0" marR="184785" indent="-194310" algn="ctr">
-                        <a:lnSpc>
-                          <a:spcPct val="100000"/>
-                        </a:lnSpc>
-                        <a:spcBef>
-                          <a:spcPts val="645"/>
-                        </a:spcBef>
-                      </a:pPr>
-                      <a:r>
-                        <a:rPr lang="it-IT" sz="900">
-                          <a:solidFill>
-                            <a:srgbClr val="020302"/>
-                          </a:solidFill>
-                          <a:latin typeface="AdobeClean-Light"/>
-                          <a:cs typeface="AdobeClean-Light"/>
-                        </a:rPr>
-                        <a:t>Orario operativo /     2 ore</a:t>
-                      </a:r>
-                    </a:p>
-                  </a:txBody>
-                  <a:tcPr marL="0" marR="0" marT="0" marB="0" anchor="ctr">
-                    <a:lnL w="3175">
-                      <a:solidFill>
-                        <a:srgbClr val="B7B8B8"/>
-                      </a:solidFill>
-                      <a:prstDash val="solid"/>
-                    </a:lnL>
-                    <a:lnR w="3175">
-                      <a:solidFill>
-                        <a:srgbClr val="B7B8B8"/>
-                      </a:solidFill>
-                      <a:prstDash val="solid"/>
-                    </a:lnR>
-                    <a:lnT w="3175">
-                      <a:solidFill>
-                        <a:srgbClr val="B7B8B8"/>
-                      </a:solidFill>
-                      <a:prstDash val="solid"/>
-                    </a:lnT>
-                    <a:lnB w="3175">
-                      <a:solidFill>
-                        <a:srgbClr val="B7B8B8"/>
-                      </a:solidFill>
-                      <a:prstDash val="solid"/>
-                    </a:lnB>
-                  </a:tcPr>
-                </a:tc>
-                <a:tc>
-                  <a:txBody>
-                    <a:bodyPr/>
-                    <a:lstStyle/>
-                    <a:p>
-                      <a:pPr marL="173038" marR="326390" indent="0" algn="ctr">
-                        <a:lnSpc>
-                          <a:spcPct val="100000"/>
-                        </a:lnSpc>
-                        <a:spcBef>
-                          <a:spcPts val="645"/>
-                        </a:spcBef>
-                      </a:pPr>
-                      <a:r>
-                        <a:rPr lang="it-IT" sz="900" dirty="0">
-                          <a:solidFill>
-                            <a:srgbClr val="020302"/>
-                          </a:solidFill>
-                          <a:latin typeface="AdobeClean-Light"/>
-                          <a:cs typeface="AdobeClean-Light"/>
-                        </a:rPr>
-                        <a:t>24x5 / </a:t>
-                      </a:r>
-                      <a:br>
-                        <a:rPr lang="sk-SK" sz="900" dirty="0">
-                          <a:solidFill>
-                            <a:srgbClr val="020302"/>
-                          </a:solidFill>
-                          <a:latin typeface="AdobeClean-Light"/>
-                          <a:cs typeface="AdobeClean-Light"/>
-                        </a:rPr>
-                      </a:br>
-                      <a:r>
-                        <a:rPr lang="it-IT" sz="900" dirty="0">
-                          <a:solidFill>
-                            <a:srgbClr val="020302"/>
-                          </a:solidFill>
-                          <a:latin typeface="AdobeClean-Light"/>
-                          <a:cs typeface="AdobeClean-Light"/>
-                        </a:rPr>
-                        <a:t>1 ora</a:t>
-                      </a:r>
-                    </a:p>
-                  </a:txBody>
-                  <a:tcPr marL="0" marR="0" marT="0" marB="0" anchor="ctr">
+                  <a:tcPr marL="9525" marR="9525" marT="9525" marB="0" anchor="ctr">
                     <a:lnL w="3175">
                       <a:solidFill>
                         <a:srgbClr val="B7B8B8"/>
@@ -7648,15 +8297,19 @@
                         </a:spcBef>
                       </a:pPr>
                       <a:r>
-                        <a:rPr lang="it-IT" sz="900" b="1" dirty="0">
+                        <a:rPr sz="900" b="1" spc="0" dirty="0">
                           <a:solidFill>
                             <a:srgbClr val="020302"/>
                           </a:solidFill>
                           <a:latin typeface="Adobe Clean"/>
                           <a:cs typeface="Adobe Clean"/>
                         </a:rPr>
-                        <a:t>PRIORITÀ 4 (P4)</a:t>
+                        <a:t>PRIORITY 4</a:t>
                       </a:r>
+                      <a:endParaRPr sz="900" spc="0" dirty="0">
+                        <a:latin typeface="Adobe Clean"/>
+                        <a:cs typeface="Adobe Clean"/>
+                      </a:endParaRPr>
                     </a:p>
                     <a:p>
                       <a:pPr marL="48895" marR="0" indent="0" defTabSz="914400" eaLnBrk="1" fontAlgn="auto" latinLnBrk="0" hangingPunct="1">
@@ -7677,14 +8330,19 @@
                         <a:defRPr/>
                       </a:pPr>
                       <a:r>
-                        <a:rPr lang="it-IT" sz="800" b="0" i="0" dirty="0">
+                        <a:rPr lang="en-US" sz="900" b="0" i="0" spc="0" dirty="0">
                           <a:solidFill>
                             <a:srgbClr val="000000"/>
                           </a:solidFill>
+                          <a:effectLst/>
                           <a:latin typeface="Adobe Clean Light" panose="020B0303020404020204" pitchFamily="34" charset="0"/>
                         </a:rPr>
-                        <a:t>Domande generali sulle attuali funzionalità del prodotto o su una richiesta di miglioramento </a:t>
+                        <a:t>General question regarding current product functionality or an enhancement request </a:t>
                       </a:r>
+                      <a:endParaRPr sz="900" b="0" i="0" spc="0" dirty="0">
+                        <a:latin typeface="Adobe Clean Light" panose="020B0303020404020204" pitchFamily="34" charset="0"/>
+                        <a:cs typeface="AdobeClean-Light"/>
+                      </a:endParaRPr>
                     </a:p>
                   </a:txBody>
                   <a:tcPr marL="0" marR="0" marT="0" marB="0" anchor="ctr">
@@ -7694,11 +8352,14 @@
                       </a:solidFill>
                       <a:prstDash val="solid"/>
                     </a:lnL>
-                    <a:lnR w="3175">
+                    <a:lnR w="3175" cap="flat" cmpd="sng" algn="ctr">
                       <a:solidFill>
                         <a:srgbClr val="B7B8B8"/>
                       </a:solidFill>
                       <a:prstDash val="solid"/>
+                      <a:round/>
+                      <a:headEnd type="none" w="med" len="med"/>
+                      <a:tailEnd type="none" w="med" len="med"/>
                     </a:lnR>
                     <a:lnT w="3175">
                       <a:solidFill>
@@ -7719,27 +8380,20 @@
                     <a:bodyPr/>
                     <a:lstStyle/>
                     <a:p>
-                      <a:pPr marL="0" marR="203200" indent="-193040" algn="ctr">
-                        <a:lnSpc>
-                          <a:spcPct val="100000"/>
-                        </a:lnSpc>
-                        <a:spcBef>
-                          <a:spcPts val="155"/>
-                        </a:spcBef>
-                      </a:pPr>
+                      <a:pPr algn="ctr" fontAlgn="t"/>
                       <a:r>
-                        <a:rPr lang="it-IT" sz="900" dirty="0">
+                        <a:rPr lang="en-US" sz="900" b="0" i="0" u="none" strike="noStrike">
                           <a:solidFill>
                             <a:srgbClr val="020302"/>
                           </a:solidFill>
-                          <a:latin typeface="AdobeClean-Light"/>
-                          <a:cs typeface="AdobeClean-Light"/>
+                          <a:effectLst/>
+                          <a:latin typeface="AdobeClean-Light" panose="020B0503020404020204" pitchFamily="34" charset="0"/>
                         </a:rPr>
-                        <a:t>Giorni lavorativi / 3 giorni</a:t>
+                        <a:t>Business days / 3 days</a:t>
                       </a:r>
                     </a:p>
                   </a:txBody>
-                  <a:tcPr marL="0" marR="0" marT="0" marB="0" anchor="ctr">
+                  <a:tcPr marL="9525" marR="9525" marT="9525" marB="0" anchor="ctr">
                     <a:lnL w="3175">
                       <a:solidFill>
                         <a:srgbClr val="B7B8B8"/>
@@ -7771,170 +8425,110 @@
                     <a:bodyPr/>
                     <a:lstStyle/>
                     <a:p>
-                      <a:pPr marL="0" marR="223520" indent="-202565" algn="ctr">
-                        <a:lnSpc>
-                          <a:spcPct val="100000"/>
-                        </a:lnSpc>
-                        <a:spcBef>
-                          <a:spcPts val="155"/>
-                        </a:spcBef>
-                      </a:pPr>
+                      <a:pPr algn="ctr" fontAlgn="t"/>
                       <a:r>
-                        <a:rPr lang="it-IT" sz="900" dirty="0">
+                        <a:rPr lang="en-US" sz="900" b="0" i="0" u="none" strike="noStrike">
                           <a:solidFill>
                             <a:srgbClr val="020302"/>
                           </a:solidFill>
-                          <a:latin typeface="AdobeClean-Light"/>
-                          <a:cs typeface="AdobeClean-Light"/>
+                          <a:effectLst/>
+                          <a:latin typeface="AdobeClean-Light" panose="020B0503020404020204" pitchFamily="34" charset="0"/>
                         </a:rPr>
-                        <a:t>Giorni lavorativi </a:t>
+                        <a:t>Business day / 1 day</a:t>
                       </a:r>
-                      <a:br>
-                        <a:rPr lang="sk-SK" sz="900" dirty="0">
+                    </a:p>
+                  </a:txBody>
+                  <a:tcPr marL="9525" marR="9525" marT="9525" marB="0" anchor="ctr">
+                    <a:lnL w="3175">
+                      <a:solidFill>
+                        <a:srgbClr val="B7B8B8"/>
+                      </a:solidFill>
+                      <a:prstDash val="solid"/>
+                    </a:lnL>
+                    <a:lnR w="3175">
+                      <a:solidFill>
+                        <a:srgbClr val="B7B8B8"/>
+                      </a:solidFill>
+                      <a:prstDash val="solid"/>
+                    </a:lnR>
+                    <a:lnT w="3175">
+                      <a:solidFill>
+                        <a:srgbClr val="B7B8B8"/>
+                      </a:solidFill>
+                      <a:prstDash val="solid"/>
+                    </a:lnT>
+                    <a:lnB w="3175">
+                      <a:solidFill>
+                        <a:srgbClr val="B7B8B8"/>
+                      </a:solidFill>
+                      <a:prstDash val="solid"/>
+                    </a:lnB>
+                  </a:tcPr>
+                </a:tc>
+                <a:tc>
+                  <a:txBody>
+                    <a:bodyPr/>
+                    <a:lstStyle/>
+                    <a:p>
+                      <a:pPr algn="ctr" fontAlgn="t"/>
+                      <a:r>
+                        <a:rPr lang="en-US" sz="900" b="0" i="0" u="none" strike="noStrike">
                           <a:solidFill>
                             <a:srgbClr val="020302"/>
                           </a:solidFill>
-                          <a:latin typeface="AdobeClean-Light"/>
-                          <a:cs typeface="AdobeClean-Light"/>
+                          <a:effectLst/>
+                          <a:latin typeface="AdobeClean-Light" panose="020B0503020404020204" pitchFamily="34" charset="0"/>
                         </a:rPr>
-                      </a:br>
+                        <a:t>Business day / 1 day</a:t>
+                      </a:r>
+                    </a:p>
+                  </a:txBody>
+                  <a:tcPr marL="9525" marR="9525" marT="9525" marB="0" anchor="ctr">
+                    <a:lnL w="3175">
+                      <a:solidFill>
+                        <a:srgbClr val="B7B8B8"/>
+                      </a:solidFill>
+                      <a:prstDash val="solid"/>
+                    </a:lnL>
+                    <a:lnR w="3175">
+                      <a:solidFill>
+                        <a:srgbClr val="B7B8B8"/>
+                      </a:solidFill>
+                      <a:prstDash val="solid"/>
+                    </a:lnR>
+                    <a:lnT w="3175">
+                      <a:solidFill>
+                        <a:srgbClr val="B7B8B8"/>
+                      </a:solidFill>
+                      <a:prstDash val="solid"/>
+                    </a:lnT>
+                    <a:lnB w="3175">
+                      <a:solidFill>
+                        <a:srgbClr val="B7B8B8"/>
+                      </a:solidFill>
+                      <a:prstDash val="solid"/>
+                    </a:lnB>
+                  </a:tcPr>
+                </a:tc>
+                <a:tc>
+                  <a:txBody>
+                    <a:bodyPr/>
+                    <a:lstStyle/>
+                    <a:p>
+                      <a:pPr algn="ctr" fontAlgn="t"/>
                       <a:r>
-                        <a:rPr lang="it-IT" sz="900" dirty="0">
+                        <a:rPr lang="en-US" sz="900" b="0" i="0" u="none" strike="noStrike" dirty="0">
                           <a:solidFill>
                             <a:srgbClr val="020302"/>
                           </a:solidFill>
-                          <a:latin typeface="AdobeClean-Light"/>
-                          <a:cs typeface="AdobeClean-Light"/>
+                          <a:effectLst/>
+                          <a:latin typeface="AdobeClean-Light" panose="020B0503020404020204" pitchFamily="34" charset="0"/>
                         </a:rPr>
-                        <a:t>/ 1 giorno</a:t>
+                        <a:t>Business day / 1 day</a:t>
                       </a:r>
                     </a:p>
                   </a:txBody>
-                  <a:tcPr marL="0" marR="0" marT="0" marB="0" anchor="ctr">
-                    <a:lnL w="3175">
-                      <a:solidFill>
-                        <a:srgbClr val="B7B8B8"/>
-                      </a:solidFill>
-                      <a:prstDash val="solid"/>
-                    </a:lnL>
-                    <a:lnR w="3175">
-                      <a:solidFill>
-                        <a:srgbClr val="B7B8B8"/>
-                      </a:solidFill>
-                      <a:prstDash val="solid"/>
-                    </a:lnR>
-                    <a:lnT w="3175">
-                      <a:solidFill>
-                        <a:srgbClr val="B7B8B8"/>
-                      </a:solidFill>
-                      <a:prstDash val="solid"/>
-                    </a:lnT>
-                    <a:lnB w="3175">
-                      <a:solidFill>
-                        <a:srgbClr val="B7B8B8"/>
-                      </a:solidFill>
-                      <a:prstDash val="solid"/>
-                    </a:lnB>
-                  </a:tcPr>
-                </a:tc>
-                <a:tc>
-                  <a:txBody>
-                    <a:bodyPr/>
-                    <a:lstStyle/>
-                    <a:p>
-                      <a:pPr marL="0" marR="223520" indent="-202565" algn="ctr">
-                        <a:lnSpc>
-                          <a:spcPct val="100000"/>
-                        </a:lnSpc>
-                        <a:spcBef>
-                          <a:spcPts val="155"/>
-                        </a:spcBef>
-                      </a:pPr>
-                      <a:r>
-                        <a:rPr lang="it-IT" sz="900">
-                          <a:solidFill>
-                            <a:srgbClr val="020302"/>
-                          </a:solidFill>
-                          <a:latin typeface="AdobeClean-Light"/>
-                          <a:cs typeface="AdobeClean-Light"/>
-                        </a:rPr>
-                        <a:t>Giorni lavorativi /      1 giorno</a:t>
-                      </a:r>
-                    </a:p>
-                  </a:txBody>
-                  <a:tcPr marL="0" marR="0" marT="0" marB="0" anchor="ctr">
-                    <a:lnL w="3175">
-                      <a:solidFill>
-                        <a:srgbClr val="B7B8B8"/>
-                      </a:solidFill>
-                      <a:prstDash val="solid"/>
-                    </a:lnL>
-                    <a:lnR w="3175">
-                      <a:solidFill>
-                        <a:srgbClr val="B7B8B8"/>
-                      </a:solidFill>
-                      <a:prstDash val="solid"/>
-                    </a:lnR>
-                    <a:lnT w="3175">
-                      <a:solidFill>
-                        <a:srgbClr val="B7B8B8"/>
-                      </a:solidFill>
-                      <a:prstDash val="solid"/>
-                    </a:lnT>
-                    <a:lnB w="3175">
-                      <a:solidFill>
-                        <a:srgbClr val="B7B8B8"/>
-                      </a:solidFill>
-                      <a:prstDash val="solid"/>
-                    </a:lnB>
-                  </a:tcPr>
-                </a:tc>
-                <a:tc>
-                  <a:txBody>
-                    <a:bodyPr/>
-                    <a:lstStyle/>
-                    <a:p>
-                      <a:pPr marL="0" marR="223520" indent="-202565" algn="ctr">
-                        <a:lnSpc>
-                          <a:spcPct val="100000"/>
-                        </a:lnSpc>
-                        <a:spcBef>
-                          <a:spcPts val="155"/>
-                        </a:spcBef>
-                      </a:pPr>
-                      <a:r>
-                        <a:rPr lang="it-IT" sz="900" dirty="0">
-                          <a:solidFill>
-                            <a:srgbClr val="020302"/>
-                          </a:solidFill>
-                          <a:latin typeface="AdobeClean-Light"/>
-                          <a:cs typeface="AdobeClean-Light"/>
-                        </a:rPr>
-                        <a:t>Giorni lavorativi / </a:t>
-                      </a:r>
-                      <a:r>
-                        <a:rPr lang="sk-SK" sz="900" dirty="0">
-                          <a:solidFill>
-                            <a:srgbClr val="020302"/>
-                          </a:solidFill>
-                          <a:latin typeface="AdobeClean-Light"/>
-                          <a:cs typeface="AdobeClean-Light"/>
-                        </a:rPr>
-                        <a:t> </a:t>
-                      </a:r>
-                      <a:r>
-                        <a:rPr lang="it-IT" sz="900" dirty="0">
-                          <a:solidFill>
-                            <a:srgbClr val="020302"/>
-                          </a:solidFill>
-                          <a:latin typeface="AdobeClean-Light"/>
-                          <a:cs typeface="AdobeClean-Light"/>
-                        </a:rPr>
-                        <a:t>1 giorno</a:t>
-                      </a:r>
-                    </a:p>
-                  </a:txBody>
-                  <a:tcPr marL="0" marR="0" marT="0" marB="0" anchor="ctr">
+                  <a:tcPr marL="9525" marR="9525" marT="9525" marB="0" anchor="ctr">
                     <a:lnL w="3175">
                       <a:solidFill>
                         <a:srgbClr val="B7B8B8"/>
@@ -7997,7 +8591,7 @@
           </a:prstGeom>
         </p:spPr>
         <p:txBody>
-          <a:bodyPr vert="horz" wrap="square" lIns="0" tIns="12700" rIns="0" bIns="0" rtlCol="0">
+          <a:bodyPr vert="horz" wrap="square" lIns="0" tIns="12700" rIns="0" bIns="0" rtlCol="0" anchor="t">
             <a:spAutoFit/>
           </a:bodyPr>
           <a:lstStyle/>
@@ -8011,11 +8605,20 @@
               </a:spcBef>
             </a:pPr>
             <a:r>
-              <a:rPr lang="it-IT" sz="2300">
-                <a:latin typeface="Adobe Clean" panose="020B0503020404020204" pitchFamily="34" charset="0"/>
-              </a:rPr>
-              <a:t>OPZIONI DI SUPPORTO ADOBE</a:t>
-            </a:r>
+              <a:rPr sz="2300" dirty="0">
+                <a:latin typeface="Adobe Clean"/>
+              </a:rPr>
+              <a:t>ADOBE </a:t>
+            </a:r>
+            <a:r>
+              <a:rPr lang="en-US" sz="2300" dirty="0">
+                <a:latin typeface="Adobe Clean"/>
+              </a:rPr>
+              <a:t>SUPPORT PLANS</a:t>
+            </a:r>
+            <a:endParaRPr sz="2300" dirty="0">
+              <a:latin typeface="Adobe Clean" panose="020B0503020404020204" pitchFamily="34" charset="0"/>
+            </a:endParaRPr>
           </a:p>
         </p:txBody>
       </p:sp>
@@ -8048,7 +8651,7 @@
           <a:lstStyle/>
           <a:p>
             <a:r>
-              <a:rPr lang="it-IT" sz="700" i="1">
+              <a:rPr lang="en-US" sz="700" i="1" dirty="0">
                 <a:solidFill>
                   <a:schemeClr val="bg1"/>
                 </a:solidFill>
@@ -8292,7 +8895,7 @@
           </a:prstGeom>
         </p:spPr>
         <p:txBody>
-          <a:bodyPr vert="horz" wrap="square" lIns="0" tIns="35560" rIns="0" bIns="0" rtlCol="0">
+          <a:bodyPr vert="horz" wrap="square" lIns="0" tIns="35560" rIns="0" bIns="0" rtlCol="0" anchor="t">
             <a:spAutoFit/>
           </a:bodyPr>
           <a:lstStyle/>
@@ -8306,32 +8909,406 @@
               </a:spcBef>
             </a:pPr>
             <a:r>
-              <a:rPr lang="it-IT" sz="1000">
+              <a:rPr lang="en-US" sz="1000" spc="-20" dirty="0">
                 <a:solidFill>
                   <a:srgbClr val="020302"/>
                 </a:solidFill>
                 <a:latin typeface="AdobeClean-Light"/>
                 <a:cs typeface="AdobeClean-Light"/>
               </a:rPr>
-              <a:t>Grazie all’Assistenza clienti di Adobe, è possibile accedere a risorse online per la documentazione, acquisire le best practice con l’aiuto di altri esperti e clienti e seguire la serie di webinar Office Hours con suggerimenti utili per la risoluzione di eventuali problemi. Sono disponibili diversi canali</a:t>
-            </a:r>
-            <a:r>
-              <a:rPr lang="it-IT" sz="1000">
+              <a:t>Adobe Customer Support offers a</a:t>
+            </a:r>
+            <a:r>
+              <a:rPr sz="1000" spc="-20" dirty="0">
+                <a:solidFill>
+                  <a:srgbClr val="020302"/>
+                </a:solidFill>
                 <a:latin typeface="AdobeClean-Light"/>
                 <a:cs typeface="AdobeClean-Light"/>
               </a:rPr>
-              <a:t> </a:t>
-            </a:r>
-            <a:r>
-              <a:rPr lang="it-IT" sz="1000">
+              <a:t>ccess</a:t>
+            </a:r>
+            <a:r>
+              <a:rPr sz="1000" spc="-90" dirty="0">
                 <a:solidFill>
                   <a:srgbClr val="020302"/>
                 </a:solidFill>
                 <a:latin typeface="AdobeClean-Light"/>
                 <a:cs typeface="AdobeClean-Light"/>
               </a:rPr>
-              <a:t>per l’inoltro di domande e richieste di assistenza.</a:t>
-            </a:r>
+              <a:t> </a:t>
+            </a:r>
+            <a:r>
+              <a:rPr sz="1000" spc="-10" dirty="0">
+                <a:solidFill>
+                  <a:srgbClr val="020302"/>
+                </a:solidFill>
+                <a:latin typeface="AdobeClean-Light"/>
+                <a:cs typeface="AdobeClean-Light"/>
+              </a:rPr>
+              <a:t>to</a:t>
+            </a:r>
+            <a:r>
+              <a:rPr sz="1000" spc="10" dirty="0">
+                <a:solidFill>
+                  <a:srgbClr val="020302"/>
+                </a:solidFill>
+                <a:latin typeface="AdobeClean-Light"/>
+                <a:cs typeface="AdobeClean-Light"/>
+              </a:rPr>
+              <a:t> </a:t>
+            </a:r>
+            <a:r>
+              <a:rPr lang="en-US" sz="1000" spc="-20" dirty="0">
+                <a:solidFill>
+                  <a:srgbClr val="020302"/>
+                </a:solidFill>
+                <a:latin typeface="AdobeClean-Light"/>
+                <a:cs typeface="AdobeClean-Light"/>
+              </a:rPr>
+              <a:t>online resources </a:t>
+            </a:r>
+            <a:r>
+              <a:rPr sz="1000" spc="-15" dirty="0">
+                <a:solidFill>
+                  <a:srgbClr val="020302"/>
+                </a:solidFill>
+                <a:latin typeface="AdobeClean-Light"/>
+                <a:cs typeface="AdobeClean-Light"/>
+              </a:rPr>
+              <a:t>for</a:t>
+            </a:r>
+            <a:r>
+              <a:rPr sz="1000" spc="-30" dirty="0">
+                <a:solidFill>
+                  <a:srgbClr val="020302"/>
+                </a:solidFill>
+                <a:latin typeface="AdobeClean-Light"/>
+                <a:cs typeface="AdobeClean-Light"/>
+              </a:rPr>
+              <a:t> </a:t>
+            </a:r>
+            <a:r>
+              <a:rPr sz="1000" spc="-15" dirty="0">
+                <a:solidFill>
+                  <a:srgbClr val="020302"/>
+                </a:solidFill>
+                <a:latin typeface="AdobeClean-Light"/>
+                <a:cs typeface="AdobeClean-Light"/>
+              </a:rPr>
+              <a:t>documentation,</a:t>
+            </a:r>
+            <a:r>
+              <a:rPr lang="en-US" sz="1000" spc="-15" dirty="0">
+                <a:solidFill>
+                  <a:srgbClr val="020302"/>
+                </a:solidFill>
+                <a:latin typeface="AdobeClean-Light"/>
+                <a:cs typeface="AdobeClean-Light"/>
+              </a:rPr>
+              <a:t> </a:t>
+            </a:r>
+            <a:r>
+              <a:rPr sz="1000" spc="-15" dirty="0">
+                <a:solidFill>
+                  <a:srgbClr val="020302"/>
+                </a:solidFill>
+                <a:latin typeface="AdobeClean-Light"/>
+                <a:cs typeface="AdobeClean-Light"/>
+              </a:rPr>
+              <a:t>engagement</a:t>
+            </a:r>
+            <a:r>
+              <a:rPr lang="en-US" sz="1000" spc="-15" dirty="0">
+                <a:solidFill>
+                  <a:srgbClr val="020302"/>
+                </a:solidFill>
+                <a:latin typeface="AdobeClean-Light"/>
+                <a:cs typeface="AdobeClean-Light"/>
+              </a:rPr>
+              <a:t> </a:t>
+            </a:r>
+            <a:r>
+              <a:rPr sz="1000" spc="-15" dirty="0">
+                <a:solidFill>
+                  <a:srgbClr val="020302"/>
+                </a:solidFill>
+                <a:latin typeface="AdobeClean-Light"/>
+                <a:cs typeface="AdobeClean-Light"/>
+              </a:rPr>
+              <a:t>with</a:t>
+            </a:r>
+            <a:r>
+              <a:rPr sz="1000" spc="-35" dirty="0">
+                <a:solidFill>
+                  <a:srgbClr val="020302"/>
+                </a:solidFill>
+                <a:latin typeface="AdobeClean-Light"/>
+                <a:cs typeface="AdobeClean-Light"/>
+              </a:rPr>
+              <a:t> </a:t>
+            </a:r>
+            <a:r>
+              <a:rPr sz="1000" spc="-20" dirty="0">
+                <a:solidFill>
+                  <a:srgbClr val="020302"/>
+                </a:solidFill>
+                <a:latin typeface="AdobeClean-Light"/>
+                <a:cs typeface="AdobeClean-Light"/>
+              </a:rPr>
+              <a:t>other experts </a:t>
+            </a:r>
+            <a:r>
+              <a:rPr sz="1000" spc="-15" dirty="0">
+                <a:solidFill>
+                  <a:srgbClr val="020302"/>
+                </a:solidFill>
+                <a:latin typeface="AdobeClean-Light"/>
+                <a:cs typeface="AdobeClean-Light"/>
+              </a:rPr>
+              <a:t>and </a:t>
+            </a:r>
+            <a:r>
+              <a:rPr sz="1000" spc="-20" dirty="0">
+                <a:solidFill>
+                  <a:srgbClr val="020302"/>
+                </a:solidFill>
+                <a:latin typeface="AdobeClean-Light"/>
+                <a:cs typeface="AdobeClean-Light"/>
+              </a:rPr>
+              <a:t>customers </a:t>
+            </a:r>
+            <a:r>
+              <a:rPr sz="1000" spc="-15" dirty="0">
+                <a:solidFill>
+                  <a:srgbClr val="020302"/>
+                </a:solidFill>
+                <a:latin typeface="AdobeClean-Light"/>
+                <a:cs typeface="AdobeClean-Light"/>
+              </a:rPr>
+              <a:t>for best </a:t>
+            </a:r>
+            <a:r>
+              <a:rPr sz="1000" spc="-20" dirty="0">
+                <a:solidFill>
+                  <a:srgbClr val="020302"/>
+                </a:solidFill>
+                <a:latin typeface="AdobeClean-Light"/>
+                <a:cs typeface="AdobeClean-Light"/>
+              </a:rPr>
+              <a:t>practices, </a:t>
+            </a:r>
+            <a:r>
+              <a:rPr sz="1000" spc="-15" dirty="0">
+                <a:solidFill>
+                  <a:srgbClr val="020302"/>
+                </a:solidFill>
+                <a:latin typeface="AdobeClean-Light"/>
+                <a:cs typeface="AdobeClean-Light"/>
+              </a:rPr>
+              <a:t>and </a:t>
+            </a:r>
+            <a:r>
+              <a:rPr sz="1000" spc="-20" dirty="0">
+                <a:solidFill>
+                  <a:srgbClr val="020302"/>
+                </a:solidFill>
+                <a:latin typeface="AdobeClean-Light"/>
+                <a:cs typeface="AdobeClean-Light"/>
+              </a:rPr>
+              <a:t>webinar series (Office </a:t>
+            </a:r>
+            <a:r>
+              <a:rPr sz="1000" spc="-15" dirty="0">
+                <a:solidFill>
+                  <a:srgbClr val="020302"/>
+                </a:solidFill>
+                <a:latin typeface="AdobeClean-Light"/>
+                <a:cs typeface="AdobeClean-Light"/>
+              </a:rPr>
+              <a:t>Hours) for </a:t>
+            </a:r>
+            <a:r>
+              <a:rPr sz="1000" spc="-20" dirty="0">
+                <a:solidFill>
+                  <a:srgbClr val="020302"/>
+                </a:solidFill>
+                <a:latin typeface="AdobeClean-Light"/>
+                <a:cs typeface="AdobeClean-Light"/>
+              </a:rPr>
+              <a:t>troubleshooting </a:t>
+            </a:r>
+            <a:r>
+              <a:rPr sz="1000" spc="-15" dirty="0">
+                <a:solidFill>
+                  <a:srgbClr val="020302"/>
+                </a:solidFill>
+                <a:latin typeface="AdobeClean-Light"/>
+                <a:cs typeface="AdobeClean-Light"/>
+              </a:rPr>
+              <a:t>tips and </a:t>
+            </a:r>
+            <a:r>
+              <a:rPr sz="1000" spc="-20" dirty="0">
+                <a:solidFill>
+                  <a:srgbClr val="020302"/>
+                </a:solidFill>
+                <a:latin typeface="AdobeClean-Light"/>
+                <a:cs typeface="AdobeClean-Light"/>
+              </a:rPr>
+              <a:t>tricks. Several channels </a:t>
+            </a:r>
+            <a:r>
+              <a:rPr lang="en-US" sz="1000" spc="-15" dirty="0">
+                <a:solidFill>
+                  <a:srgbClr val="020302"/>
+                </a:solidFill>
+                <a:latin typeface="AdobeClean-Light"/>
+                <a:cs typeface="AdobeClean-Light"/>
+              </a:rPr>
+              <a:t>are </a:t>
+            </a:r>
+            <a:r>
+              <a:rPr lang="en-US" sz="1000" spc="-20" dirty="0">
+                <a:solidFill>
+                  <a:srgbClr val="020302"/>
+                </a:solidFill>
+                <a:latin typeface="AdobeClean-Light"/>
+                <a:cs typeface="AdobeClean-Light"/>
+              </a:rPr>
+              <a:t>also</a:t>
+            </a:r>
+            <a:r>
+              <a:rPr lang="en-US" sz="1000" dirty="0">
+                <a:latin typeface="AdobeClean-Light"/>
+                <a:cs typeface="AdobeClean-Light"/>
+              </a:rPr>
+              <a:t> </a:t>
+            </a:r>
+            <a:r>
+              <a:rPr sz="1000" spc="-25" dirty="0">
+                <a:solidFill>
+                  <a:srgbClr val="020302"/>
+                </a:solidFill>
+                <a:latin typeface="AdobeClean-Light"/>
+                <a:cs typeface="AdobeClean-Light"/>
+              </a:rPr>
+              <a:t>available</a:t>
+            </a:r>
+            <a:r>
+              <a:rPr sz="1000" spc="-65" dirty="0">
+                <a:solidFill>
+                  <a:srgbClr val="020302"/>
+                </a:solidFill>
+                <a:latin typeface="AdobeClean-Light"/>
+                <a:cs typeface="AdobeClean-Light"/>
+              </a:rPr>
+              <a:t> </a:t>
+            </a:r>
+            <a:r>
+              <a:rPr sz="1000" spc="-15" dirty="0">
+                <a:solidFill>
+                  <a:srgbClr val="020302"/>
+                </a:solidFill>
+                <a:latin typeface="AdobeClean-Light"/>
+                <a:cs typeface="AdobeClean-Light"/>
+              </a:rPr>
+              <a:t>for</a:t>
+            </a:r>
+            <a:r>
+              <a:rPr sz="1000" spc="-25" dirty="0">
+                <a:solidFill>
+                  <a:srgbClr val="020302"/>
+                </a:solidFill>
+                <a:latin typeface="AdobeClean-Light"/>
+                <a:cs typeface="AdobeClean-Light"/>
+              </a:rPr>
+              <a:t> </a:t>
+            </a:r>
+            <a:r>
+              <a:rPr sz="1000" spc="-20" dirty="0">
+                <a:solidFill>
+                  <a:srgbClr val="020302"/>
+                </a:solidFill>
+                <a:latin typeface="AdobeClean-Light"/>
+                <a:cs typeface="AdobeClean-Light"/>
+              </a:rPr>
+              <a:t>questions</a:t>
+            </a:r>
+            <a:r>
+              <a:rPr sz="1000" spc="-114" dirty="0">
+                <a:solidFill>
+                  <a:srgbClr val="020302"/>
+                </a:solidFill>
+                <a:latin typeface="AdobeClean-Light"/>
+                <a:cs typeface="AdobeClean-Light"/>
+              </a:rPr>
+              <a:t> </a:t>
+            </a:r>
+            <a:r>
+              <a:rPr sz="1000" spc="-15" dirty="0">
+                <a:solidFill>
+                  <a:srgbClr val="020302"/>
+                </a:solidFill>
+                <a:latin typeface="AdobeClean-Light"/>
+                <a:cs typeface="AdobeClean-Light"/>
+              </a:rPr>
+              <a:t>and</a:t>
+            </a:r>
+            <a:r>
+              <a:rPr sz="1000" spc="-45" dirty="0">
+                <a:solidFill>
+                  <a:srgbClr val="020302"/>
+                </a:solidFill>
+                <a:latin typeface="AdobeClean-Light"/>
+                <a:cs typeface="AdobeClean-Light"/>
+              </a:rPr>
+              <a:t> </a:t>
+            </a:r>
+            <a:r>
+              <a:rPr sz="1000" spc="-20" dirty="0">
+                <a:solidFill>
+                  <a:srgbClr val="020302"/>
+                </a:solidFill>
+                <a:latin typeface="AdobeClean-Light"/>
+                <a:cs typeface="AdobeClean-Light"/>
+              </a:rPr>
+              <a:t>case</a:t>
+            </a:r>
+            <a:r>
+              <a:rPr sz="1000" spc="-35" dirty="0">
+                <a:solidFill>
+                  <a:srgbClr val="020302"/>
+                </a:solidFill>
+                <a:latin typeface="AdobeClean-Light"/>
+                <a:cs typeface="AdobeClean-Light"/>
+              </a:rPr>
+              <a:t> </a:t>
+            </a:r>
+            <a:r>
+              <a:rPr sz="1000" spc="-20" dirty="0">
+                <a:solidFill>
+                  <a:srgbClr val="020302"/>
+                </a:solidFill>
+                <a:latin typeface="AdobeClean-Light"/>
+                <a:cs typeface="AdobeClean-Light"/>
+              </a:rPr>
+              <a:t>submissions</a:t>
+            </a:r>
+            <a:r>
+              <a:rPr lang="en-US" sz="1000" spc="-20" dirty="0">
+                <a:solidFill>
+                  <a:srgbClr val="020302"/>
+                </a:solidFill>
+                <a:latin typeface="AdobeClean-Light"/>
+                <a:cs typeface="AdobeClean-Light"/>
+              </a:rPr>
+              <a:t>.</a:t>
+            </a:r>
+            <a:endParaRPr sz="1000" dirty="0">
+              <a:latin typeface="AdobeClean-Light"/>
+              <a:cs typeface="AdobeClean-Light"/>
+            </a:endParaRPr>
           </a:p>
         </p:txBody>
       </p:sp>
@@ -8344,22 +9321,19 @@
         <p:spPr>
           <a:xfrm>
             <a:off x="206585" y="8494028"/>
-            <a:ext cx="3270885" cy="441146"/>
+            <a:ext cx="3270885" cy="302647"/>
           </a:xfrm>
           <a:prstGeom prst="rect">
             <a:avLst/>
           </a:prstGeom>
         </p:spPr>
         <p:txBody>
-          <a:bodyPr vert="horz" wrap="square" lIns="0" tIns="12700" rIns="0" bIns="0" rtlCol="0">
+          <a:bodyPr vert="horz" wrap="square" lIns="0" tIns="12700" rIns="0" bIns="0" rtlCol="0" anchor="t">
             <a:spAutoFit/>
           </a:bodyPr>
           <a:lstStyle/>
           <a:p>
             <a:pPr marL="33020" marR="159385">
-              <a:lnSpc>
-                <a:spcPct val="100000"/>
-              </a:lnSpc>
               <a:spcBef>
                 <a:spcPts val="100"/>
               </a:spcBef>
@@ -8368,33 +9342,174 @@
               </a:tabLst>
             </a:pPr>
             <a:r>
-              <a:rPr lang="it-IT" sz="900" dirty="0">
+              <a:rPr sz="900" spc="-20" dirty="0">
                 <a:solidFill>
                   <a:srgbClr val="020302"/>
                 </a:solidFill>
                 <a:latin typeface="AdobeClean-Light"/>
                 <a:cs typeface="AdobeClean-Light"/>
               </a:rPr>
-              <a:t>Avvia una sessione di chat per ottenere risposte </a:t>
-            </a:r>
-            <a:br>
-              <a:rPr lang="sk-SK" sz="900" dirty="0">
+              <a:t>Start </a:t>
+            </a:r>
+            <a:r>
+              <a:rPr sz="900" dirty="0">
                 <a:solidFill>
                   <a:srgbClr val="020302"/>
                 </a:solidFill>
                 <a:latin typeface="AdobeClean-Light"/>
                 <a:cs typeface="AdobeClean-Light"/>
               </a:rPr>
-            </a:br>
-            <a:r>
-              <a:rPr lang="it-IT" sz="900" dirty="0">
+              <a:t>a </a:t>
+            </a:r>
+            <a:r>
+              <a:rPr sz="900" spc="-15" dirty="0">
                 <a:solidFill>
                   <a:srgbClr val="020302"/>
                 </a:solidFill>
                 <a:latin typeface="AdobeClean-Light"/>
                 <a:cs typeface="AdobeClean-Light"/>
               </a:rPr>
-              <a:t>e assistenza nell’invio di un caso.</a:t>
+              <a:t>chat </a:t>
+            </a:r>
+            <a:r>
+              <a:rPr sz="900" spc="-10" dirty="0">
+                <a:solidFill>
+                  <a:srgbClr val="020302"/>
+                </a:solidFill>
+                <a:latin typeface="AdobeClean-Light"/>
+                <a:cs typeface="AdobeClean-Light"/>
+              </a:rPr>
+              <a:t>session </a:t>
+            </a:r>
+            <a:r>
+              <a:rPr sz="900" spc="-5" dirty="0">
+                <a:solidFill>
+                  <a:srgbClr val="020302"/>
+                </a:solidFill>
+                <a:latin typeface="AdobeClean-Light"/>
+                <a:cs typeface="AdobeClean-Light"/>
+              </a:rPr>
+              <a:t>to </a:t>
+            </a:r>
+            <a:r>
+              <a:rPr sz="900" spc="-10" dirty="0">
+                <a:solidFill>
+                  <a:srgbClr val="020302"/>
+                </a:solidFill>
+                <a:latin typeface="AdobeClean-Light"/>
+                <a:cs typeface="AdobeClean-Light"/>
+              </a:rPr>
+              <a:t>get</a:t>
+            </a:r>
+            <a:r>
+              <a:rPr lang="en-US" sz="900" spc="-10" dirty="0">
+                <a:solidFill>
+                  <a:srgbClr val="020302"/>
+                </a:solidFill>
+                <a:latin typeface="AdobeClean-Light"/>
+                <a:cs typeface="AdobeClean-Light"/>
+              </a:rPr>
+              <a:t> </a:t>
+            </a:r>
+            <a:r>
+              <a:rPr sz="900" spc="30" dirty="0">
+                <a:solidFill>
+                  <a:srgbClr val="020302"/>
+                </a:solidFill>
+                <a:latin typeface="AdobeClean-Light"/>
+                <a:cs typeface="AdobeClean-Light"/>
+              </a:rPr>
+              <a:t> </a:t>
+            </a:r>
+            <a:r>
+              <a:rPr sz="900" spc="-20" dirty="0">
+                <a:solidFill>
+                  <a:srgbClr val="020302"/>
+                </a:solidFill>
+                <a:latin typeface="AdobeClean-Light"/>
+                <a:cs typeface="AdobeClean-Light"/>
+              </a:rPr>
+              <a:t>answers</a:t>
+            </a:r>
+            <a:r>
+              <a:rPr lang="en-US" sz="900" spc="-45" dirty="0">
+                <a:solidFill>
+                  <a:srgbClr val="020302"/>
+                </a:solidFill>
+                <a:latin typeface="AdobeClean-Light"/>
+                <a:cs typeface="AdobeClean-Light"/>
+              </a:rPr>
+              <a:t> </a:t>
+            </a:r>
+            <a:r>
+              <a:rPr lang="en-US" sz="900" dirty="0">
+                <a:solidFill>
+                  <a:srgbClr val="020302"/>
+                </a:solidFill>
+                <a:latin typeface="AdobeClean-Light"/>
+                <a:cs typeface="AdobeClean-Light"/>
+              </a:rPr>
+              <a:t>&amp; </a:t>
+            </a:r>
+            <a:r>
+              <a:rPr sz="900" spc="-15" dirty="0">
+                <a:solidFill>
+                  <a:srgbClr val="020302"/>
+                </a:solidFill>
+                <a:latin typeface="AdobeClean-Light"/>
+                <a:cs typeface="AdobeClean-Light"/>
+              </a:rPr>
+              <a:t>help </a:t>
+            </a:r>
+            <a:r>
+              <a:rPr sz="900" spc="-10" dirty="0">
+                <a:solidFill>
+                  <a:srgbClr val="020302"/>
+                </a:solidFill>
+                <a:latin typeface="AdobeClean-Light"/>
+                <a:cs typeface="AdobeClean-Light"/>
+              </a:rPr>
+              <a:t>with</a:t>
+            </a:r>
+            <a:r>
+              <a:rPr sz="900" spc="85" dirty="0">
+                <a:solidFill>
+                  <a:srgbClr val="020302"/>
+                </a:solidFill>
+                <a:latin typeface="AdobeClean-Light"/>
+                <a:cs typeface="AdobeClean-Light"/>
+              </a:rPr>
+              <a:t> </a:t>
+            </a:r>
+            <a:r>
+              <a:rPr sz="900" spc="-10" dirty="0">
+                <a:solidFill>
+                  <a:srgbClr val="020302"/>
+                </a:solidFill>
+                <a:latin typeface="AdobeClean-Light"/>
+                <a:cs typeface="AdobeClean-Light"/>
+              </a:rPr>
+              <a:t>case </a:t>
+            </a:r>
+            <a:r>
+              <a:rPr sz="900" spc="-20" dirty="0">
+                <a:solidFill>
+                  <a:srgbClr val="020302"/>
+                </a:solidFill>
+                <a:latin typeface="AdobeClean-Light"/>
+                <a:cs typeface="AdobeClean-Light"/>
+              </a:rPr>
+              <a:t>submission</a:t>
+            </a:r>
+            <a:r>
+              <a:rPr lang="en-US" sz="900" spc="-20" dirty="0">
+                <a:solidFill>
+                  <a:srgbClr val="020302"/>
+                </a:solidFill>
+                <a:latin typeface="AdobeClean-Light"/>
+                <a:cs typeface="AdobeClean-Light"/>
+              </a:rPr>
+              <a:t>.</a:t>
             </a:r>
           </a:p>
           <a:p>
@@ -8410,15 +9525,29 @@
               </a:tabLst>
             </a:pPr>
             <a:r>
-              <a:rPr lang="it-IT" sz="900" i="1" dirty="0">
+              <a:rPr sz="900" i="1" spc="-10" dirty="0">
                 <a:solidFill>
                   <a:srgbClr val="7A7A7A"/>
                 </a:solidFill>
                 <a:latin typeface="AdobeClean-LightIt"/>
                 <a:cs typeface="AdobeClean-LightIt"/>
               </a:rPr>
-              <a:t>* Il supporto chat in diretta non è disponibile per tutti i prodotti.  </a:t>
-            </a:r>
+              <a:t>*Not all </a:t>
+            </a:r>
+            <a:r>
+              <a:rPr sz="900" i="1" spc="-20" dirty="0">
+                <a:solidFill>
+                  <a:srgbClr val="7A7A7A"/>
+                </a:solidFill>
+                <a:latin typeface="AdobeClean-LightIt"/>
+                <a:cs typeface="AdobeClean-LightIt"/>
+              </a:rPr>
+              <a:t>products have live chat support.  </a:t>
+            </a:r>
+            <a:endParaRPr sz="900" dirty="0">
+              <a:latin typeface="AdobeClean-Light"/>
+              <a:cs typeface="AdobeClean-Light"/>
+            </a:endParaRPr>
           </a:p>
         </p:txBody>
       </p:sp>
@@ -8487,15 +9616,19 @@
               </a:spcBef>
             </a:pPr>
             <a:r>
-              <a:rPr lang="it-IT" sz="1400" b="1">
+              <a:rPr lang="en-US" sz="1400" b="1" spc="-10" dirty="0">
                 <a:solidFill>
                   <a:srgbClr val="020302"/>
                 </a:solidFill>
                 <a:latin typeface="Adobe Clean"/>
                 <a:cs typeface="Adobe Clean"/>
               </a:rPr>
-              <a:t>Supporto Online</a:t>
-            </a:r>
+              <a:t>Online Support</a:t>
+            </a:r>
+            <a:endParaRPr lang="en-US" sz="1400" dirty="0">
+              <a:latin typeface="Adobe Clean"/>
+              <a:cs typeface="Adobe Clean"/>
+            </a:endParaRPr>
           </a:p>
         </p:txBody>
       </p:sp>
@@ -8542,12 +9675,12 @@
               <a:defRPr/>
             </a:pPr>
             <a:r>
-              <a:rPr lang="it-IT" sz="1200">
+              <a:rPr lang="en-US" sz="1200" dirty="0">
                 <a:solidFill>
                   <a:srgbClr val="000000"/>
                 </a:solidFill>
               </a:rPr>
-              <a:t>Forum della community</a:t>
+              <a:t>Community Forums</a:t>
             </a:r>
           </a:p>
         </p:txBody>
@@ -8590,12 +9723,12 @@
               </a:spcAft>
             </a:pPr>
             <a:r>
-              <a:rPr lang="it-IT" sz="1200" b="1">
+              <a:rPr lang="en-US" sz="1200" b="1" dirty="0">
                 <a:latin typeface="+mj-lt"/>
                 <a:ea typeface="Open Sans" pitchFamily="34" charset="0"/>
                 <a:cs typeface="Open Sans" pitchFamily="34" charset="0"/>
               </a:rPr>
-              <a:t>Forum online</a:t>
+              <a:t>Online Forums</a:t>
             </a:r>
           </a:p>
         </p:txBody>
@@ -8615,7 +9748,7 @@
         <p:spPr>
           <a:xfrm>
             <a:off x="244599" y="3893151"/>
-            <a:ext cx="3413002" cy="805349"/>
+            <a:ext cx="3413002" cy="651460"/>
           </a:xfrm>
           <a:prstGeom prst="rect">
             <a:avLst/>
@@ -8628,30 +9761,13 @@
           <a:lstStyle/>
           <a:p>
             <a:r>
-              <a:rPr lang="it-IT" sz="1000" dirty="0">
+              <a:rPr lang="en-US" sz="1000" dirty="0">
                 <a:solidFill>
                   <a:srgbClr val="000000"/>
                 </a:solidFill>
                 <a:latin typeface="Adobe Clean Light" panose="020B0303020404020204" pitchFamily="34" charset="0"/>
               </a:rPr>
-              <a:t>Accesso online continuo a un database in continua crescita </a:t>
-            </a:r>
-            <a:br>
-              <a:rPr lang="sk-SK" sz="1000" dirty="0">
-                <a:solidFill>
-                  <a:srgbClr val="000000"/>
-                </a:solidFill>
-                <a:latin typeface="Adobe Clean Light" panose="020B0303020404020204" pitchFamily="34" charset="0"/>
-              </a:rPr>
-            </a:br>
-            <a:r>
-              <a:rPr lang="it-IT" sz="1000" dirty="0">
-                <a:solidFill>
-                  <a:srgbClr val="000000"/>
-                </a:solidFill>
-                <a:latin typeface="Adobe Clean Light" panose="020B0303020404020204" pitchFamily="34" charset="0"/>
-              </a:rPr>
-              <a:t>di soluzioni tecniche, documentazione del prodotto, risposte alle domande più frequenti e altro ancora. Possibilità di relazionarsi con professionisti e altri clienti della Community Adobe per condividere best practice ed esperienze.</a:t>
+              <a:t>Continuous online access to a growing database of technical solutions, product documentation, FAQs and more. Connect with practitioners and other customers on Adobe Community to share best practices and lessons learned.</a:t>
             </a:r>
           </a:p>
         </p:txBody>
@@ -8699,7 +9815,7 @@
               <a:defRPr/>
             </a:pPr>
             <a:r>
-              <a:rPr lang="it-IT" sz="1200">
+              <a:rPr lang="en-US" sz="1200" dirty="0">
                 <a:solidFill>
                   <a:srgbClr val="000000"/>
                 </a:solidFill>
@@ -8747,12 +9863,12 @@
               </a:spcAft>
             </a:pPr>
             <a:r>
-              <a:rPr lang="it-IT" sz="1200" b="1">
+              <a:rPr lang="en-US" sz="1200" b="1" dirty="0">
                 <a:latin typeface="+mj-lt"/>
                 <a:ea typeface="Open Sans" pitchFamily="34" charset="0"/>
                 <a:cs typeface="Open Sans" pitchFamily="34" charset="0"/>
               </a:rPr>
-              <a:t>Percorsi autoguidati</a:t>
+              <a:t>Self-guided Journeys</a:t>
             </a:r>
           </a:p>
         </p:txBody>
@@ -8785,13 +9901,13 @@
           <a:lstStyle/>
           <a:p>
             <a:r>
-              <a:rPr lang="it-IT" sz="1000" dirty="0">
+              <a:rPr lang="en-US" sz="1000" dirty="0">
                 <a:solidFill>
                   <a:srgbClr val="000000"/>
                 </a:solidFill>
                 <a:latin typeface="Adobe Clean Light" panose="020B0303020404020204" pitchFamily="34" charset="0"/>
               </a:rPr>
-              <a:t>Diventa un Experience Maker con Experience League. Puoi acquisire rapidamente le capacità necessarie nella gestione della customer experience seguendo un percorso di apprendimento personalizzato per sviluppare nuove competenze, partecipare a una comunità globale di professionisti e guadagnare riconoscimenti di valore sul piano professionale. </a:t>
+              <a:t>Experience Makers are made with Experience League. Customers can kickstart their Customer Experience Management abilities with personalized learning to develop skills, engage with a global community of peers, and earn career advancing recognition. </a:t>
             </a:r>
           </a:p>
         </p:txBody>
@@ -8839,7 +9955,7 @@
               <a:defRPr/>
             </a:pPr>
             <a:r>
-              <a:rPr lang="it-IT" sz="1200">
+              <a:rPr lang="en-US" sz="1200" dirty="0">
                 <a:solidFill>
                   <a:srgbClr val="000000"/>
                 </a:solidFill>
@@ -8887,12 +10003,12 @@
               </a:spcAft>
             </a:pPr>
             <a:r>
-              <a:rPr lang="it-IT" sz="1200" b="1">
+              <a:rPr lang="en-US" sz="1200" b="1" dirty="0">
                 <a:latin typeface="+mj-lt"/>
                 <a:ea typeface="Open Sans" pitchFamily="34" charset="0"/>
                 <a:cs typeface="Open Sans" pitchFamily="34" charset="0"/>
               </a:rPr>
-              <a:t>Webinar</a:t>
+              <a:t>Webinars</a:t>
             </a:r>
           </a:p>
         </p:txBody>
@@ -8925,64 +10041,13 @@
           <a:lstStyle/>
           <a:p>
             <a:r>
-              <a:rPr lang="it-IT" sz="1000" dirty="0">
+              <a:rPr lang="en-US" sz="1000" dirty="0">
                 <a:solidFill>
                   <a:srgbClr val="000000"/>
                 </a:solidFill>
                 <a:latin typeface="Adobe Clean Light" panose="020B0303020404020204" pitchFamily="34" charset="0"/>
               </a:rPr>
-              <a:t>Le sessioni Office Hours, guidate dal team di Assistenza clienti </a:t>
-            </a:r>
-            <a:br>
-              <a:rPr lang="sk-SK" sz="1000" dirty="0">
-                <a:solidFill>
-                  <a:srgbClr val="000000"/>
-                </a:solidFill>
-                <a:latin typeface="Adobe Clean Light" panose="020B0303020404020204" pitchFamily="34" charset="0"/>
-              </a:rPr>
-            </a:br>
-            <a:r>
-              <a:rPr lang="it-IT" sz="1000" dirty="0">
-                <a:solidFill>
-                  <a:srgbClr val="000000"/>
-                </a:solidFill>
-                <a:latin typeface="Adobe Clean Light" panose="020B0303020404020204" pitchFamily="34" charset="0"/>
-              </a:rPr>
-              <a:t>di Adobe, sono pensate per informare e aiutare i partecipanti </a:t>
-            </a:r>
-            <a:br>
-              <a:rPr lang="sk-SK" sz="1000" dirty="0">
-                <a:solidFill>
-                  <a:srgbClr val="000000"/>
-                </a:solidFill>
-                <a:latin typeface="Adobe Clean Light" panose="020B0303020404020204" pitchFamily="34" charset="0"/>
-              </a:rPr>
-            </a:br>
-            <a:r>
-              <a:rPr lang="it-IT" sz="1000" dirty="0">
-                <a:solidFill>
-                  <a:srgbClr val="000000"/>
-                </a:solidFill>
-                <a:latin typeface="Adobe Clean Light" panose="020B0303020404020204" pitchFamily="34" charset="0"/>
-              </a:rPr>
-              <a:t>a risolvere eventuali problemi e forniscono suggerimenti utili </a:t>
-            </a:r>
-            <a:br>
-              <a:rPr lang="sk-SK" sz="1000" dirty="0">
-                <a:solidFill>
-                  <a:srgbClr val="000000"/>
-                </a:solidFill>
-                <a:latin typeface="Adobe Clean Light" panose="020B0303020404020204" pitchFamily="34" charset="0"/>
-              </a:rPr>
-            </a:br>
-            <a:r>
-              <a:rPr lang="it-IT" sz="1000" dirty="0">
-                <a:solidFill>
-                  <a:srgbClr val="000000"/>
-                </a:solidFill>
-                <a:latin typeface="Adobe Clean Light" panose="020B0303020404020204" pitchFamily="34" charset="0"/>
-              </a:rPr>
-              <a:t>per ottenere il massimo dalle soluzioni Adobe.</a:t>
+              <a:t>Office  Hours  led  by  the  Adobe  Customer Support  team  includes  sessions  designed to  inform  as  well  as  help  participants troubleshoot  problems  and  provide  tips and  tricks  for  success  with  Adobe  solutions.</a:t>
             </a:r>
           </a:p>
         </p:txBody>
@@ -9030,12 +10095,12 @@
               <a:defRPr/>
             </a:pPr>
             <a:r>
-              <a:rPr lang="it-IT" sz="1200">
+              <a:rPr lang="en-US" sz="1200" dirty="0">
                 <a:solidFill>
                   <a:srgbClr val="000000"/>
                 </a:solidFill>
               </a:rPr>
-              <a:t>Portali di assistenza autonoma</a:t>
+              <a:t>Self-help Portals</a:t>
             </a:r>
           </a:p>
         </p:txBody>
@@ -9078,12 +10143,12 @@
               </a:spcAft>
             </a:pPr>
             <a:r>
-              <a:rPr lang="it-IT" sz="1200" b="1">
+              <a:rPr lang="en-US" sz="1200" b="1" dirty="0">
                 <a:latin typeface="+mj-lt"/>
                 <a:ea typeface="Open Sans" pitchFamily="34" charset="0"/>
                 <a:cs typeface="Open Sans" pitchFamily="34" charset="0"/>
               </a:rPr>
-              <a:t>Portale di supporto 24/7</a:t>
+              <a:t>24/7 Support Portal</a:t>
             </a:r>
           </a:p>
         </p:txBody>
@@ -9103,7 +10168,7 @@
         <p:spPr>
           <a:xfrm>
             <a:off x="3849036" y="6132567"/>
-            <a:ext cx="3413002" cy="651460"/>
+            <a:ext cx="3413002" cy="497572"/>
           </a:xfrm>
           <a:prstGeom prst="rect">
             <a:avLst/>
@@ -9116,30 +10181,13 @@
           <a:lstStyle/>
           <a:p>
             <a:r>
-              <a:rPr lang="it-IT" sz="1000" dirty="0">
+              <a:rPr lang="en-US" sz="1000" dirty="0">
                 <a:solidFill>
                   <a:srgbClr val="000000"/>
                 </a:solidFill>
                 <a:latin typeface="Adobe Clean Light" panose="020B0303020404020204" pitchFamily="34" charset="0"/>
               </a:rPr>
-              <a:t>Accesso on-demand al portale di assistenza autonoma per inviare richieste di supporto, esaminare lo stato dei casi e sfogliare altre risorse, come la knowledge base, notizie e avvisi, suggerimenti </a:t>
-            </a:r>
-            <a:br>
-              <a:rPr lang="sk-SK" sz="1000" dirty="0">
-                <a:solidFill>
-                  <a:srgbClr val="000000"/>
-                </a:solidFill>
-                <a:latin typeface="Adobe Clean Light" panose="020B0303020404020204" pitchFamily="34" charset="0"/>
-              </a:rPr>
-            </a:br>
-            <a:r>
-              <a:rPr lang="it-IT" sz="1000" dirty="0">
-                <a:solidFill>
-                  <a:srgbClr val="000000"/>
-                </a:solidFill>
-                <a:latin typeface="Adobe Clean Light" panose="020B0303020404020204" pitchFamily="34" charset="0"/>
-              </a:rPr>
-              <a:t>e altro ancora.</a:t>
+              <a:t>On-demand access to the online Self-help Support Portal to submit support requests, review case status, and browse other resources, like our knowledgebase, news and alerts, featured tips, and more.</a:t>
             </a:r>
           </a:p>
         </p:txBody>
@@ -9187,12 +10235,12 @@
               <a:defRPr/>
             </a:pPr>
             <a:r>
-              <a:rPr lang="it-IT" sz="1200">
+              <a:rPr lang="en-US" sz="1200" dirty="0">
                 <a:solidFill>
                   <a:srgbClr val="000000"/>
                 </a:solidFill>
               </a:rPr>
-              <a:t>Supporto chat in diretta*</a:t>
+              <a:t>Live Chat  Support*</a:t>
             </a:r>
           </a:p>
         </p:txBody>
@@ -9235,12 +10283,12 @@
               </a:spcAft>
             </a:pPr>
             <a:r>
-              <a:rPr lang="it-IT" sz="1200" b="1">
+              <a:rPr lang="en-US" sz="1200" b="1" dirty="0">
                 <a:latin typeface="+mj-lt"/>
                 <a:ea typeface="Open Sans" pitchFamily="34" charset="0"/>
                 <a:cs typeface="Open Sans" pitchFamily="34" charset="0"/>
               </a:rPr>
-              <a:t>Supporto chat</a:t>
+              <a:t>Chat Support</a:t>
             </a:r>
           </a:p>
         </p:txBody>
@@ -9288,12 +10336,12 @@
               <a:defRPr/>
             </a:pPr>
             <a:r>
-              <a:rPr lang="it-IT" sz="1200">
+              <a:rPr lang="en-US" sz="1200" dirty="0">
                 <a:solidFill>
                   <a:srgbClr val="000000"/>
                 </a:solidFill>
               </a:rPr>
-              <a:t>24x7x365 P1 </a:t>
+              <a:t>24 X 7 X 365 P1 </a:t>
             </a:r>
           </a:p>
         </p:txBody>
@@ -9336,12 +10384,12 @@
               </a:spcAft>
             </a:pPr>
             <a:r>
-              <a:rPr lang="it-IT" sz="1200" b="1">
+              <a:rPr lang="en-US" sz="1200" b="1" dirty="0">
                 <a:latin typeface="+mj-lt"/>
                 <a:ea typeface="Open Sans" pitchFamily="34" charset="0"/>
                 <a:cs typeface="Open Sans" pitchFamily="34" charset="0"/>
               </a:rPr>
-              <a:t>Supporto telefonico</a:t>
+              <a:t>Phone  Support</a:t>
             </a:r>
           </a:p>
         </p:txBody>
@@ -9361,7 +10409,7 @@
         <p:spPr>
           <a:xfrm>
             <a:off x="3833993" y="8494028"/>
-            <a:ext cx="3413002" cy="651460"/>
+            <a:ext cx="3413002" cy="497572"/>
           </a:xfrm>
           <a:prstGeom prst="rect">
             <a:avLst/>
@@ -9374,54 +10422,26 @@
           <a:lstStyle/>
           <a:p>
             <a:r>
-              <a:rPr lang="it-IT" sz="1000" dirty="0">
+              <a:rPr lang="en-US" sz="1000" dirty="0">
                 <a:solidFill>
                   <a:srgbClr val="020302"/>
                 </a:solidFill>
                 <a:latin typeface="AdobeClean-Light"/>
               </a:rPr>
-              <a:t>Gli utenti autorizzati o i contatti interni per il supporto possono segnalare i problemi tramite tutti i canali disponibili (compreso </a:t>
-            </a:r>
-            <a:br>
-              <a:rPr lang="sk-SK" sz="1000" dirty="0">
-                <a:solidFill>
-                  <a:srgbClr val="020302"/>
-                </a:solidFill>
-                <a:latin typeface="AdobeClean-Light"/>
-              </a:rPr>
-            </a:br>
-            <a:r>
-              <a:rPr lang="it-IT" sz="1000" dirty="0">
-                <a:solidFill>
-                  <a:srgbClr val="020302"/>
-                </a:solidFill>
-                <a:latin typeface="AdobeClean-Light"/>
-              </a:rPr>
-              <a:t>il supporto telefonico per casi P1) e interagire con il team Adobe </a:t>
-            </a:r>
-            <a:br>
-              <a:rPr lang="sk-SK" sz="1000" dirty="0">
-                <a:solidFill>
-                  <a:srgbClr val="020302"/>
-                </a:solidFill>
-                <a:latin typeface="AdobeClean-Light"/>
-              </a:rPr>
-            </a:br>
-            <a:r>
-              <a:rPr lang="it-IT" sz="1000" dirty="0">
-                <a:solidFill>
-                  <a:srgbClr val="020302"/>
-                </a:solidFill>
-                <a:latin typeface="AdobeClean-Light"/>
-              </a:rPr>
-              <a:t>di assistenza tecnica per conto della tua azienda</a:t>
-            </a:r>
-            <a:r>
-              <a:rPr lang="it-IT" sz="1000" dirty="0">
+              <a:t>Authorized users or Named Support Contacts </a:t>
+            </a:r>
+            <a:r>
+              <a:rPr lang="en-US" sz="1000" dirty="0">
                 <a:latin typeface="Adobe Clean Light" panose="020B0303020404020204" pitchFamily="34" charset="0"/>
               </a:rPr>
-              <a:t>. </a:t>
-            </a:r>
+              <a:t>can submit issues through all available  channels (including phone for P1) and interact with our technical support team on behalf of your company. </a:t>
+            </a:r>
+            <a:endParaRPr lang="en-US" sz="1000" dirty="0">
+              <a:solidFill>
+                <a:srgbClr val="000000"/>
+              </a:solidFill>
+              <a:latin typeface="Adobe Clean Light" panose="020B0303020404020204" pitchFamily="34" charset="0"/>
+            </a:endParaRPr>
           </a:p>
         </p:txBody>
       </p:sp>
@@ -9465,8 +10485,24 @@
               </a:spcBef>
             </a:pPr>
             <a:r>
-              <a:rPr lang="it-IT"/>
-              <a:t>©2021 Adobe. All Rights Reserved. Adobe Confidential.</a:t>
+              <a:rPr spc="-5" dirty="0"/>
+              <a:t>©202</a:t>
+            </a:r>
+            <a:r>
+              <a:rPr lang="en-US" spc="-5" dirty="0"/>
+              <a:t>1</a:t>
+            </a:r>
+            <a:r>
+              <a:rPr spc="-5" dirty="0"/>
+              <a:t> Adobe. All Rights Reserved. Adobe</a:t>
+            </a:r>
+            <a:r>
+              <a:rPr spc="60" dirty="0"/>
+              <a:t> </a:t>
+            </a:r>
+            <a:r>
+              <a:rPr spc="-5" dirty="0"/>
+              <a:t>Confidential.</a:t>
             </a:r>
           </a:p>
         </p:txBody>
@@ -9757,15 +10793,49 @@
               </a:lnSpc>
             </a:pPr>
             <a:r>
-              <a:rPr lang="it-IT" sz="500">
+              <a:rPr sz="500" spc="-5" dirty="0">
                 <a:solidFill>
                   <a:srgbClr val="6C6C6C"/>
                 </a:solidFill>
                 <a:latin typeface="Adobe Clean"/>
                 <a:cs typeface="Adobe Clean"/>
               </a:rPr>
-              <a:t>©2020 Adobe. All Rights Reserved. Adobe Confidential.</a:t>
-            </a:r>
+              <a:t>©2020 Adobe. All Rights Reserved. </a:t>
+            </a:r>
+            <a:r>
+              <a:rPr sz="500" dirty="0">
+                <a:solidFill>
+                  <a:srgbClr val="6C6C6C"/>
+                </a:solidFill>
+                <a:latin typeface="Adobe Clean"/>
+                <a:cs typeface="Adobe Clean"/>
+              </a:rPr>
+              <a:t>Adobe</a:t>
+            </a:r>
+            <a:r>
+              <a:rPr sz="500" spc="5" dirty="0">
+                <a:solidFill>
+                  <a:srgbClr val="6C6C6C"/>
+                </a:solidFill>
+                <a:latin typeface="Adobe Clean"/>
+                <a:cs typeface="Adobe Clean"/>
+              </a:rPr>
+              <a:t> </a:t>
+            </a:r>
+            <a:r>
+              <a:rPr sz="500" spc="-5" dirty="0">
+                <a:solidFill>
+                  <a:srgbClr val="6C6C6C"/>
+                </a:solidFill>
+                <a:latin typeface="Adobe Clean"/>
+                <a:cs typeface="Adobe Clean"/>
+              </a:rPr>
+              <a:t>Confidential.</a:t>
+            </a:r>
+            <a:endParaRPr sz="500">
+              <a:latin typeface="Adobe Clean"/>
+              <a:cs typeface="Adobe Clean"/>
+            </a:endParaRPr>
           </a:p>
           <a:p>
             <a:pPr>
@@ -9791,15 +10861,39 @@
               </a:spcBef>
             </a:pPr>
             <a:r>
-              <a:rPr lang="it-IT" sz="800">
+              <a:rPr sz="800" spc="-5" dirty="0">
                 <a:solidFill>
                   <a:srgbClr val="6D6D6D"/>
                 </a:solidFill>
                 <a:latin typeface="Adobe Clean"/>
                 <a:cs typeface="Adobe Clean"/>
               </a:rPr>
-              <a:t>©2020 Adobe. All Rights Reserved. Adobe Confidential.</a:t>
-            </a:r>
+              <a:t>©2020 Adobe. All Rights Reserved. Adobe</a:t>
+            </a:r>
+            <a:r>
+              <a:rPr sz="800" spc="75" dirty="0">
+                <a:solidFill>
+                  <a:srgbClr val="6D6D6D"/>
+                </a:solidFill>
+                <a:latin typeface="Adobe Clean"/>
+                <a:cs typeface="Adobe Clean"/>
+              </a:rPr>
+              <a:t> </a:t>
+            </a:r>
+            <a:r>
+              <a:rPr sz="800" spc="-5" dirty="0">
+                <a:solidFill>
+                  <a:srgbClr val="6D6D6D"/>
+                </a:solidFill>
+                <a:latin typeface="Adobe Clean"/>
+                <a:cs typeface="Adobe Clean"/>
+              </a:rPr>
+              <a:t>Confidential.</a:t>
+            </a:r>
+            <a:endParaRPr sz="800">
+              <a:latin typeface="Adobe Clean"/>
+              <a:cs typeface="Adobe Clean"/>
+            </a:endParaRPr>
           </a:p>
         </p:txBody>
       </p:sp>
@@ -9883,15 +10977,19 @@
               </a:spcBef>
             </a:pPr>
             <a:r>
-              <a:rPr lang="it-IT" sz="1400" b="1">
+              <a:rPr lang="en-US" sz="1400" b="1" spc="-15" dirty="0">
                 <a:solidFill>
                   <a:srgbClr val="020302"/>
                 </a:solidFill>
                 <a:latin typeface="Adobe Clean"/>
                 <a:cs typeface="Adobe Clean"/>
               </a:rPr>
-              <a:t>Risorse</a:t>
-            </a:r>
+              <a:t>Resources</a:t>
+            </a:r>
+            <a:endParaRPr sz="1400" dirty="0">
+              <a:latin typeface="Adobe Clean"/>
+              <a:cs typeface="Adobe Clean"/>
+            </a:endParaRPr>
           </a:p>
         </p:txBody>
       </p:sp>
@@ -9904,14 +11002,14 @@
         <p:spPr>
           <a:xfrm>
             <a:off x="6754821" y="9283729"/>
-            <a:ext cx="930275" cy="662305"/>
+            <a:ext cx="930275" cy="758541"/>
           </a:xfrm>
           <a:prstGeom prst="rect">
             <a:avLst/>
           </a:prstGeom>
         </p:spPr>
         <p:txBody>
-          <a:bodyPr vert="horz" wrap="square" lIns="0" tIns="12065" rIns="0" bIns="0" rtlCol="0">
+          <a:bodyPr vert="horz" wrap="square" lIns="0" tIns="12065" rIns="0" bIns="0" rtlCol="0" anchor="t">
             <a:spAutoFit/>
           </a:bodyPr>
           <a:lstStyle/>
@@ -9925,7 +11023,7 @@
               </a:spcBef>
             </a:pPr>
             <a:r>
-              <a:rPr lang="it-IT" sz="800">
+              <a:rPr sz="800" spc="-15" dirty="0">
                 <a:solidFill>
                   <a:srgbClr val="777879"/>
                 </a:solidFill>
@@ -9934,6 +11032,10 @@
               </a:rPr>
               <a:t>Adobe</a:t>
             </a:r>
+            <a:endParaRPr sz="800">
+              <a:latin typeface="Adobe Clean"/>
+              <a:cs typeface="Adobe Clean"/>
+            </a:endParaRPr>
           </a:p>
           <a:p>
             <a:pPr marL="12700">
@@ -9942,15 +11044,29 @@
               </a:lnSpc>
             </a:pPr>
             <a:r>
-              <a:rPr lang="it-IT" sz="800">
+              <a:rPr sz="800" spc="-15" dirty="0">
                 <a:solidFill>
                   <a:srgbClr val="777879"/>
                 </a:solidFill>
                 <a:latin typeface="Adobe Clean"/>
                 <a:cs typeface="Adobe Clean"/>
               </a:rPr>
-              <a:t>345 Park Avenue</a:t>
-            </a:r>
+              <a:t>345 </a:t>
+            </a:r>
+            <a:r>
+              <a:rPr lang="en-US" sz="800" spc="-15" dirty="0">
+                <a:solidFill>
+                  <a:srgbClr val="777879"/>
+                </a:solidFill>
+                <a:latin typeface="Adobe Clean"/>
+                <a:cs typeface="Adobe Clean"/>
+              </a:rPr>
+              <a:t>Park Avenue</a:t>
+            </a:r>
+            <a:endParaRPr sz="800" dirty="0">
+              <a:latin typeface="Adobe Clean"/>
+              <a:cs typeface="Adobe Clean"/>
+            </a:endParaRPr>
           </a:p>
           <a:p>
             <a:pPr marL="12700">
@@ -9959,15 +11075,49 @@
               </a:lnSpc>
             </a:pPr>
             <a:r>
-              <a:rPr lang="it-IT" sz="800">
+              <a:rPr sz="800" spc="-10" dirty="0">
                 <a:solidFill>
                   <a:srgbClr val="777879"/>
                 </a:solidFill>
                 <a:latin typeface="Adobe Clean"/>
                 <a:cs typeface="Adobe Clean"/>
               </a:rPr>
-              <a:t>San Jose, CA 95110-2704</a:t>
-            </a:r>
+              <a:t>San </a:t>
+            </a:r>
+            <a:r>
+              <a:rPr sz="800" spc="-15" dirty="0">
+                <a:solidFill>
+                  <a:srgbClr val="777879"/>
+                </a:solidFill>
+                <a:latin typeface="Adobe Clean"/>
+                <a:cs typeface="Adobe Clean"/>
+              </a:rPr>
+              <a:t>Jose,</a:t>
+            </a:r>
+            <a:r>
+              <a:rPr sz="800" spc="-140" dirty="0">
+                <a:solidFill>
+                  <a:srgbClr val="777879"/>
+                </a:solidFill>
+                <a:latin typeface="Adobe Clean"/>
+                <a:cs typeface="Adobe Clean"/>
+              </a:rPr>
+              <a:t> </a:t>
+            </a:r>
+            <a:r>
+              <a:rPr sz="800" spc="-20" dirty="0">
+                <a:solidFill>
+                  <a:srgbClr val="777879"/>
+                </a:solidFill>
+                <a:latin typeface="Adobe Clean"/>
+                <a:cs typeface="Adobe Clean"/>
+              </a:rPr>
+              <a:t>CA95110-2704</a:t>
+            </a:r>
+            <a:endParaRPr sz="800">
+              <a:latin typeface="Adobe Clean"/>
+              <a:cs typeface="Adobe Clean"/>
+            </a:endParaRPr>
           </a:p>
           <a:p>
             <a:pPr marL="12700">
@@ -9979,7 +11129,7 @@
               </a:spcBef>
             </a:pPr>
             <a:r>
-              <a:rPr lang="it-IT" sz="800">
+              <a:rPr sz="800" spc="-10" dirty="0">
                 <a:solidFill>
                   <a:srgbClr val="777879"/>
                 </a:solidFill>
@@ -9988,6 +11138,10 @@
               </a:rPr>
               <a:t>USA</a:t>
             </a:r>
+            <a:endParaRPr sz="800">
+              <a:latin typeface="Adobe Clean"/>
+              <a:cs typeface="Adobe Clean"/>
+            </a:endParaRPr>
           </a:p>
           <a:p>
             <a:pPr marL="12700">
@@ -9999,7 +11153,7 @@
               </a:spcBef>
             </a:pPr>
             <a:r>
-              <a:rPr lang="it-IT" sz="800" u="sng">
+              <a:rPr sz="800" u="sng" spc="-25" dirty="0">
                 <a:solidFill>
                   <a:srgbClr val="5F5F5F"/>
                 </a:solidFill>
@@ -10014,6 +11168,10 @@
               </a:rPr>
               <a:t>www.adobe.com</a:t>
             </a:r>
+            <a:endParaRPr sz="800">
+              <a:latin typeface="Adobe Clean"/>
+              <a:cs typeface="Adobe Clean"/>
+            </a:endParaRPr>
           </a:p>
         </p:txBody>
       </p:sp>
@@ -10174,7 +11332,7 @@
           </a:prstGeom>
         </p:spPr>
         <p:txBody>
-          <a:bodyPr vert="horz" wrap="square" lIns="0" tIns="29845" rIns="0" bIns="0" rtlCol="0">
+          <a:bodyPr vert="horz" wrap="square" lIns="0" tIns="29845" rIns="0" bIns="0" rtlCol="0" anchor="t">
             <a:spAutoFit/>
           </a:bodyPr>
           <a:lstStyle/>
@@ -10188,15 +11346,449 @@
               </a:spcBef>
             </a:pPr>
             <a:r>
-              <a:rPr lang="it-IT" sz="1100" i="1">
+              <a:rPr sz="1100" i="1" spc="-10" dirty="0">
                 <a:solidFill>
                   <a:srgbClr val="777879"/>
                 </a:solidFill>
                 <a:latin typeface="AdobeClean-LightIt"/>
                 <a:cs typeface="AdobeClean-LightIt"/>
               </a:rPr>
-              <a:t>Per saperne di più sulle opzioni di Supporto Adobe e capire quale sia il livello più adatto alle tue esigenze, contatta il tuo Named Account Manager (NAM) o Customer Success Manager (CSM).</a:t>
-            </a:r>
+              <a:t>To</a:t>
+            </a:r>
+            <a:r>
+              <a:rPr sz="1100" i="1" spc="-50" dirty="0">
+                <a:solidFill>
+                  <a:srgbClr val="777879"/>
+                </a:solidFill>
+                <a:latin typeface="AdobeClean-LightIt"/>
+                <a:cs typeface="AdobeClean-LightIt"/>
+              </a:rPr>
+              <a:t> </a:t>
+            </a:r>
+            <a:r>
+              <a:rPr sz="1100" i="1" spc="-15" dirty="0">
+                <a:solidFill>
+                  <a:srgbClr val="777879"/>
+                </a:solidFill>
+                <a:latin typeface="AdobeClean-LightIt"/>
+                <a:cs typeface="AdobeClean-LightIt"/>
+              </a:rPr>
+              <a:t>learn</a:t>
+            </a:r>
+            <a:r>
+              <a:rPr sz="1100" i="1" spc="-40" dirty="0">
+                <a:solidFill>
+                  <a:srgbClr val="777879"/>
+                </a:solidFill>
+                <a:latin typeface="AdobeClean-LightIt"/>
+                <a:cs typeface="AdobeClean-LightIt"/>
+              </a:rPr>
+              <a:t> </a:t>
+            </a:r>
+            <a:r>
+              <a:rPr sz="1100" i="1" spc="-15" dirty="0">
+                <a:solidFill>
+                  <a:srgbClr val="777879"/>
+                </a:solidFill>
+                <a:latin typeface="AdobeClean-LightIt"/>
+                <a:cs typeface="AdobeClean-LightIt"/>
+              </a:rPr>
+              <a:t>more</a:t>
+            </a:r>
+            <a:r>
+              <a:rPr sz="1100" i="1" spc="-45" dirty="0">
+                <a:solidFill>
+                  <a:srgbClr val="777879"/>
+                </a:solidFill>
+                <a:latin typeface="AdobeClean-LightIt"/>
+                <a:cs typeface="AdobeClean-LightIt"/>
+              </a:rPr>
+              <a:t> </a:t>
+            </a:r>
+            <a:r>
+              <a:rPr sz="1100" i="1" spc="-15" dirty="0">
+                <a:solidFill>
+                  <a:srgbClr val="777879"/>
+                </a:solidFill>
+                <a:latin typeface="AdobeClean-LightIt"/>
+                <a:cs typeface="AdobeClean-LightIt"/>
+              </a:rPr>
+              <a:t>about</a:t>
+            </a:r>
+            <a:r>
+              <a:rPr sz="1100" i="1" spc="-45" dirty="0">
+                <a:solidFill>
+                  <a:srgbClr val="777879"/>
+                </a:solidFill>
+                <a:latin typeface="AdobeClean-LightIt"/>
+                <a:cs typeface="AdobeClean-LightIt"/>
+              </a:rPr>
+              <a:t> </a:t>
+            </a:r>
+            <a:r>
+              <a:rPr sz="1100" i="1" spc="-15" dirty="0">
+                <a:solidFill>
+                  <a:srgbClr val="777879"/>
+                </a:solidFill>
+                <a:latin typeface="AdobeClean-LightIt"/>
+                <a:cs typeface="AdobeClean-LightIt"/>
+              </a:rPr>
+              <a:t>Adobe</a:t>
+            </a:r>
+            <a:r>
+              <a:rPr sz="1100" i="1" spc="-60" dirty="0">
+                <a:solidFill>
+                  <a:srgbClr val="777879"/>
+                </a:solidFill>
+                <a:latin typeface="AdobeClean-LightIt"/>
+                <a:cs typeface="AdobeClean-LightIt"/>
+              </a:rPr>
+              <a:t> </a:t>
+            </a:r>
+            <a:r>
+              <a:rPr sz="1100" i="1" spc="-15" dirty="0">
+                <a:solidFill>
+                  <a:srgbClr val="777879"/>
+                </a:solidFill>
+                <a:latin typeface="AdobeClean-LightIt"/>
+                <a:cs typeface="AdobeClean-LightIt"/>
+              </a:rPr>
+              <a:t>Support</a:t>
+            </a:r>
+            <a:r>
+              <a:rPr lang="en-US" sz="1100" i="1" spc="-15" dirty="0">
+                <a:solidFill>
+                  <a:srgbClr val="777879"/>
+                </a:solidFill>
+                <a:latin typeface="AdobeClean-LightIt"/>
+                <a:cs typeface="AdobeClean-LightIt"/>
+              </a:rPr>
+              <a:t> Offerings</a:t>
+            </a:r>
+            <a:r>
+              <a:rPr sz="1100" i="1" spc="-75" dirty="0">
+                <a:solidFill>
+                  <a:srgbClr val="777879"/>
+                </a:solidFill>
+                <a:latin typeface="AdobeClean-LightIt"/>
+                <a:cs typeface="AdobeClean-LightIt"/>
+              </a:rPr>
+              <a:t> </a:t>
+            </a:r>
+            <a:r>
+              <a:rPr sz="1100" i="1" spc="-15" dirty="0">
+                <a:solidFill>
+                  <a:srgbClr val="777879"/>
+                </a:solidFill>
+                <a:latin typeface="AdobeClean-LightIt"/>
+                <a:cs typeface="AdobeClean-LightIt"/>
+              </a:rPr>
+              <a:t>and</a:t>
+            </a:r>
+            <a:r>
+              <a:rPr sz="1100" i="1" spc="-50" dirty="0">
+                <a:solidFill>
+                  <a:srgbClr val="777879"/>
+                </a:solidFill>
+                <a:latin typeface="AdobeClean-LightIt"/>
+                <a:cs typeface="AdobeClean-LightIt"/>
+              </a:rPr>
+              <a:t> </a:t>
+            </a:r>
+            <a:r>
+              <a:rPr sz="1100" i="1" spc="-15" dirty="0">
+                <a:solidFill>
+                  <a:srgbClr val="777879"/>
+                </a:solidFill>
+                <a:latin typeface="AdobeClean-LightIt"/>
+                <a:cs typeface="AdobeClean-LightIt"/>
+              </a:rPr>
+              <a:t>the</a:t>
+            </a:r>
+            <a:r>
+              <a:rPr sz="1100" i="1" spc="-55" dirty="0">
+                <a:solidFill>
+                  <a:srgbClr val="777879"/>
+                </a:solidFill>
+                <a:latin typeface="AdobeClean-LightIt"/>
+                <a:cs typeface="AdobeClean-LightIt"/>
+              </a:rPr>
+              <a:t> </a:t>
+            </a:r>
+            <a:r>
+              <a:rPr sz="1100" i="1" spc="-15" dirty="0">
+                <a:solidFill>
+                  <a:srgbClr val="777879"/>
+                </a:solidFill>
+                <a:latin typeface="AdobeClean-LightIt"/>
+                <a:cs typeface="AdobeClean-LightIt"/>
+              </a:rPr>
+              <a:t>right</a:t>
+            </a:r>
+            <a:r>
+              <a:rPr sz="1100" i="1" spc="-95" dirty="0">
+                <a:solidFill>
+                  <a:srgbClr val="777879"/>
+                </a:solidFill>
+                <a:latin typeface="AdobeClean-LightIt"/>
+                <a:cs typeface="AdobeClean-LightIt"/>
+              </a:rPr>
+              <a:t> </a:t>
+            </a:r>
+            <a:r>
+              <a:rPr sz="1100" i="1" spc="-15" dirty="0">
+                <a:solidFill>
+                  <a:srgbClr val="777879"/>
+                </a:solidFill>
+                <a:latin typeface="AdobeClean-LightIt"/>
+                <a:cs typeface="AdobeClean-LightIt"/>
+              </a:rPr>
+              <a:t>level</a:t>
+            </a:r>
+            <a:r>
+              <a:rPr sz="1100" i="1" spc="-55" dirty="0">
+                <a:solidFill>
+                  <a:srgbClr val="777879"/>
+                </a:solidFill>
+                <a:latin typeface="AdobeClean-LightIt"/>
+                <a:cs typeface="AdobeClean-LightIt"/>
+              </a:rPr>
+              <a:t> </a:t>
+            </a:r>
+            <a:r>
+              <a:rPr sz="1100" i="1" spc="-15" dirty="0">
+                <a:solidFill>
+                  <a:srgbClr val="777879"/>
+                </a:solidFill>
+                <a:latin typeface="AdobeClean-LightIt"/>
+                <a:cs typeface="AdobeClean-LightIt"/>
+              </a:rPr>
+              <a:t>for</a:t>
+            </a:r>
+            <a:r>
+              <a:rPr sz="1100" i="1" spc="-85" dirty="0">
+                <a:solidFill>
+                  <a:srgbClr val="777879"/>
+                </a:solidFill>
+                <a:latin typeface="AdobeClean-LightIt"/>
+                <a:cs typeface="AdobeClean-LightIt"/>
+              </a:rPr>
+              <a:t> </a:t>
+            </a:r>
+            <a:r>
+              <a:rPr sz="1100" i="1" spc="-15" dirty="0">
+                <a:solidFill>
+                  <a:srgbClr val="777879"/>
+                </a:solidFill>
+                <a:latin typeface="AdobeClean-LightIt"/>
+                <a:cs typeface="AdobeClean-LightIt"/>
+              </a:rPr>
+              <a:t>you,</a:t>
+            </a:r>
+            <a:r>
+              <a:rPr sz="1100" i="1" spc="-65" dirty="0">
+                <a:solidFill>
+                  <a:srgbClr val="777879"/>
+                </a:solidFill>
+                <a:latin typeface="AdobeClean-LightIt"/>
+                <a:cs typeface="AdobeClean-LightIt"/>
+              </a:rPr>
+              <a:t> </a:t>
+            </a:r>
+            <a:r>
+              <a:rPr sz="1100" i="1" spc="-15" dirty="0">
+                <a:solidFill>
+                  <a:srgbClr val="777879"/>
+                </a:solidFill>
+                <a:latin typeface="AdobeClean-LightIt"/>
+                <a:cs typeface="AdobeClean-LightIt"/>
+              </a:rPr>
+              <a:t>contact</a:t>
+            </a:r>
+            <a:r>
+              <a:rPr sz="1100" i="1" spc="-85" dirty="0">
+                <a:solidFill>
+                  <a:srgbClr val="777879"/>
+                </a:solidFill>
+                <a:latin typeface="AdobeClean-LightIt"/>
+                <a:cs typeface="AdobeClean-LightIt"/>
+              </a:rPr>
+              <a:t> </a:t>
+            </a:r>
+            <a:r>
+              <a:rPr sz="1100" i="1" spc="-15" dirty="0">
+                <a:solidFill>
+                  <a:srgbClr val="777879"/>
+                </a:solidFill>
+                <a:latin typeface="AdobeClean-LightIt"/>
+                <a:cs typeface="AdobeClean-LightIt"/>
+              </a:rPr>
+              <a:t>your</a:t>
+            </a:r>
+            <a:r>
+              <a:rPr sz="1100" i="1" spc="-70" dirty="0">
+                <a:solidFill>
+                  <a:srgbClr val="777879"/>
+                </a:solidFill>
+                <a:latin typeface="AdobeClean-LightIt"/>
+                <a:cs typeface="AdobeClean-LightIt"/>
+              </a:rPr>
+              <a:t> </a:t>
+            </a:r>
+            <a:r>
+              <a:rPr sz="1100" i="1" spc="-15" dirty="0">
+                <a:solidFill>
+                  <a:srgbClr val="777879"/>
+                </a:solidFill>
+                <a:latin typeface="AdobeClean-LightIt"/>
+                <a:cs typeface="AdobeClean-LightIt"/>
+              </a:rPr>
+              <a:t>Named</a:t>
+            </a:r>
+            <a:r>
+              <a:rPr sz="1100" i="1" spc="-55" dirty="0">
+                <a:solidFill>
+                  <a:srgbClr val="777879"/>
+                </a:solidFill>
+                <a:latin typeface="AdobeClean-LightIt"/>
+                <a:cs typeface="AdobeClean-LightIt"/>
+              </a:rPr>
+              <a:t> </a:t>
+            </a:r>
+            <a:r>
+              <a:rPr sz="1100" i="1" spc="-25" dirty="0">
+                <a:solidFill>
+                  <a:srgbClr val="777879"/>
+                </a:solidFill>
+                <a:latin typeface="AdobeClean-LightIt"/>
+                <a:cs typeface="AdobeClean-LightIt"/>
+              </a:rPr>
+              <a:t>Account</a:t>
+            </a:r>
+            <a:r>
+              <a:rPr sz="1100" i="1" spc="-120" dirty="0">
+                <a:solidFill>
+                  <a:srgbClr val="777879"/>
+                </a:solidFill>
+                <a:latin typeface="AdobeClean-LightIt"/>
+                <a:cs typeface="AdobeClean-LightIt"/>
+              </a:rPr>
+              <a:t> </a:t>
+            </a:r>
+            <a:r>
+              <a:rPr sz="1100" i="1" spc="-20" dirty="0">
+                <a:solidFill>
+                  <a:srgbClr val="777879"/>
+                </a:solidFill>
+                <a:latin typeface="AdobeClean-LightIt"/>
+                <a:cs typeface="AdobeClean-LightIt"/>
+              </a:rPr>
+              <a:t>Manager</a:t>
+            </a:r>
+            <a:r>
+              <a:rPr lang="en-US" sz="1100" i="1" spc="-20" dirty="0">
+                <a:solidFill>
+                  <a:srgbClr val="777879"/>
+                </a:solidFill>
+                <a:latin typeface="AdobeClean-LightIt"/>
+                <a:cs typeface="AdobeClean-LightIt"/>
+              </a:rPr>
+              <a:t> </a:t>
+            </a:r>
+            <a:r>
+              <a:rPr sz="1100" i="1" spc="-20" dirty="0">
+                <a:solidFill>
+                  <a:srgbClr val="777879"/>
+                </a:solidFill>
+                <a:latin typeface="AdobeClean-LightIt"/>
+                <a:cs typeface="AdobeClean-LightIt"/>
+              </a:rPr>
+              <a:t> </a:t>
+            </a:r>
+            <a:r>
+              <a:rPr sz="1100" i="1" spc="-15" dirty="0">
+                <a:solidFill>
+                  <a:srgbClr val="777879"/>
+                </a:solidFill>
+                <a:latin typeface="AdobeClean-LightIt"/>
+                <a:cs typeface="AdobeClean-LightIt"/>
+              </a:rPr>
+              <a:t>(NAM) </a:t>
+            </a:r>
+            <a:r>
+              <a:rPr sz="1100" i="1" spc="-10" dirty="0">
+                <a:solidFill>
+                  <a:srgbClr val="777879"/>
+                </a:solidFill>
+                <a:latin typeface="AdobeClean-LightIt"/>
+                <a:cs typeface="AdobeClean-LightIt"/>
+              </a:rPr>
+              <a:t>or </a:t>
+            </a:r>
+            <a:r>
+              <a:rPr sz="1100" i="1" spc="-15" dirty="0">
+                <a:solidFill>
+                  <a:srgbClr val="777879"/>
+                </a:solidFill>
+                <a:latin typeface="AdobeClean-LightIt"/>
+                <a:cs typeface="AdobeClean-LightIt"/>
+              </a:rPr>
+              <a:t>Customer </a:t>
+            </a:r>
+            <a:r>
+              <a:rPr sz="1100" i="1" spc="-20" dirty="0">
+                <a:solidFill>
+                  <a:srgbClr val="777879"/>
+                </a:solidFill>
+                <a:latin typeface="AdobeClean-LightIt"/>
+                <a:cs typeface="AdobeClean-LightIt"/>
+              </a:rPr>
+              <a:t>Success</a:t>
+            </a:r>
+            <a:r>
+              <a:rPr lang="en-US" sz="1100" i="1" spc="-20" dirty="0">
+                <a:solidFill>
+                  <a:srgbClr val="777879"/>
+                </a:solidFill>
+                <a:latin typeface="AdobeClean-LightIt"/>
+                <a:cs typeface="AdobeClean-LightIt"/>
+              </a:rPr>
+              <a:t> </a:t>
+            </a:r>
+            <a:r>
+              <a:rPr sz="1100" i="1" spc="-15" dirty="0">
+                <a:solidFill>
+                  <a:srgbClr val="777879"/>
+                </a:solidFill>
+                <a:latin typeface="AdobeClean-LightIt"/>
+                <a:cs typeface="AdobeClean-LightIt"/>
+              </a:rPr>
+              <a:t>Manager</a:t>
+            </a:r>
+            <a:r>
+              <a:rPr lang="en-US" sz="1100" i="1" spc="-15" dirty="0">
+                <a:solidFill>
+                  <a:srgbClr val="777879"/>
+                </a:solidFill>
+                <a:latin typeface="AdobeClean-LightIt"/>
+                <a:cs typeface="AdobeClean-LightIt"/>
+              </a:rPr>
+              <a:t> </a:t>
+            </a:r>
+            <a:r>
+              <a:rPr sz="1100" i="1" spc="-15" dirty="0">
+                <a:solidFill>
+                  <a:srgbClr val="777879"/>
+                </a:solidFill>
+                <a:latin typeface="AdobeClean-LightIt"/>
+                <a:cs typeface="AdobeClean-LightIt"/>
+              </a:rPr>
+              <a:t>(CSM)</a:t>
+            </a:r>
+            <a:endParaRPr sz="1100" dirty="0">
+              <a:latin typeface="AdobeClean-LightIt"/>
+              <a:cs typeface="AdobeClean-LightIt"/>
+            </a:endParaRPr>
           </a:p>
           <a:p>
             <a:pPr marL="34290">
@@ -10208,15 +11800,59 @@
               </a:spcBef>
             </a:pPr>
             <a:r>
-              <a:rPr lang="it-IT" sz="800">
+              <a:rPr sz="800" spc="-5" dirty="0">
                 <a:solidFill>
                   <a:srgbClr val="6D6D6D"/>
                 </a:solidFill>
                 <a:latin typeface="Adobe Clean"/>
                 <a:cs typeface="Adobe Clean"/>
               </a:rPr>
-              <a:t>©2021 Adobe. All Rights Reserved. Adobe Confidential.</a:t>
-            </a:r>
+              <a:t>©202</a:t>
+            </a:r>
+            <a:r>
+              <a:rPr lang="en-US" sz="800" spc="-5" dirty="0">
+                <a:solidFill>
+                  <a:srgbClr val="6D6D6D"/>
+                </a:solidFill>
+                <a:latin typeface="Adobe Clean"/>
+                <a:cs typeface="Adobe Clean"/>
+              </a:rPr>
+              <a:t>1</a:t>
+            </a:r>
+            <a:r>
+              <a:rPr sz="800" spc="-5" dirty="0">
+                <a:solidFill>
+                  <a:srgbClr val="6D6D6D"/>
+                </a:solidFill>
+                <a:latin typeface="Adobe Clean"/>
+                <a:cs typeface="Adobe Clean"/>
+              </a:rPr>
+              <a:t> Adobe. All Rights Reserved. Adobe</a:t>
+            </a:r>
+            <a:r>
+              <a:rPr sz="800" spc="75" dirty="0">
+                <a:solidFill>
+                  <a:srgbClr val="6D6D6D"/>
+                </a:solidFill>
+                <a:latin typeface="Adobe Clean"/>
+                <a:cs typeface="Adobe Clean"/>
+              </a:rPr>
+              <a:t> </a:t>
+            </a:r>
+            <a:r>
+              <a:rPr sz="800" spc="-5" dirty="0">
+                <a:solidFill>
+                  <a:srgbClr val="6D6D6D"/>
+                </a:solidFill>
+                <a:latin typeface="Adobe Clean"/>
+                <a:cs typeface="Adobe Clean"/>
+              </a:rPr>
+              <a:t>Confidential.</a:t>
+            </a:r>
+            <a:endParaRPr sz="800" dirty="0">
+              <a:latin typeface="Adobe Clean"/>
+              <a:cs typeface="Adobe Clean"/>
+            </a:endParaRPr>
           </a:p>
         </p:txBody>
       </p:sp>
@@ -10253,14 +11889,14 @@
               </a:spcBef>
             </a:pPr>
             <a:r>
-              <a:rPr lang="it-IT" sz="1400" b="1" dirty="0">
+              <a:rPr lang="en-US" sz="1400" b="1" spc="-15" dirty="0">
                 <a:solidFill>
                   <a:srgbClr val="020302"/>
                 </a:solidFill>
                 <a:latin typeface="Adobe Clean"/>
                 <a:cs typeface="Adobe Clean"/>
               </a:rPr>
-              <a:t>Supporto Adobe: aree geografiche, orari operativi e lingue</a:t>
+              <a:t>Regional scope of Adobe Support, Local Hours Of Operation And Language Support</a:t>
             </a:r>
           </a:p>
           <a:p>
@@ -10270,30 +11906,13 @@
               </a:spcBef>
             </a:pPr>
             <a:r>
-              <a:rPr lang="it-IT" sz="1000" dirty="0">
+              <a:rPr lang="en-US" sz="1000" spc="-15" dirty="0">
                 <a:solidFill>
                   <a:srgbClr val="1F1F1F"/>
                 </a:solidFill>
                 <a:latin typeface="AdobeClean-Light"/>
               </a:rPr>
-              <a:t>L’ambito del supporto Adobe è definito allineando l’indirizzo di fatturazione del cliente</a:t>
-            </a:r>
-            <a:br>
-              <a:rPr lang="sk-SK" sz="1000" dirty="0">
-                <a:solidFill>
-                  <a:srgbClr val="1F1F1F"/>
-                </a:solidFill>
-                <a:latin typeface="AdobeClean-Light"/>
-              </a:rPr>
-            </a:br>
-            <a:r>
-              <a:rPr lang="it-IT" sz="1000" dirty="0">
-                <a:solidFill>
-                  <a:srgbClr val="1F1F1F"/>
-                </a:solidFill>
-                <a:latin typeface="AdobeClean-Light"/>
-              </a:rPr>
-              <a:t>(in base all’ordine di vendita o altro documento di acquisto del servizio di supporto Adobe) a una delle seguenti aree geografiche:</a:t>
+              <a:t>The Regional scope of Adobe Support is established by aligning the customer's billing address (via the Sales Order or other Adobe Support purchasing document) to one of the following regions:</a:t>
             </a:r>
           </a:p>
         </p:txBody>
@@ -10313,7 +11932,7 @@
           <p:nvPr>
             <p:extLst>
               <p:ext uri="{D42A27DB-BD31-4B8C-83A1-F6EECF244321}">
-                <p14:modId xmlns:p14="http://schemas.microsoft.com/office/powerpoint/2010/main" val="2089586474"/>
+                <p14:modId xmlns:p14="http://schemas.microsoft.com/office/powerpoint/2010/main" val="2846210228"/>
               </p:ext>
             </p:extLst>
           </p:nvPr>
@@ -10366,13 +11985,13 @@
                     <a:p>
                       <a:pPr algn="ctr"/>
                       <a:r>
-                        <a:rPr lang="it-IT" sz="1100">
+                        <a:rPr lang="en-US" sz="1100" dirty="0">
                           <a:solidFill>
                             <a:schemeClr val="tx1"/>
                           </a:solidFill>
                           <a:latin typeface="Adobe Clean" panose="020B0503020404020204" pitchFamily="34" charset="0"/>
                         </a:rPr>
-                        <a:t>Americhe</a:t>
+                        <a:t>Americas</a:t>
                       </a:r>
                     </a:p>
                   </a:txBody>
@@ -10431,30 +12050,13 @@
                     <a:p>
                       <a:pPr algn="ctr"/>
                       <a:r>
-                        <a:rPr lang="it-IT" sz="1100" dirty="0">
+                        <a:rPr lang="en-US" sz="1100" dirty="0">
                           <a:solidFill>
                             <a:schemeClr val="tx1"/>
                           </a:solidFill>
                           <a:latin typeface="Adobe Clean" panose="020B0503020404020204" pitchFamily="34" charset="0"/>
                         </a:rPr>
-                        <a:t>Europa, Medio </a:t>
-                      </a:r>
-                      <a:br>
-                        <a:rPr lang="sk-SK" sz="1100" dirty="0">
-                          <a:solidFill>
-                            <a:schemeClr val="tx1"/>
-                          </a:solidFill>
-                          <a:latin typeface="Adobe Clean" panose="020B0503020404020204" pitchFamily="34" charset="0"/>
-                        </a:rPr>
-                      </a:br>
-                      <a:r>
-                        <a:rPr lang="it-IT" sz="1100" dirty="0">
-                          <a:solidFill>
-                            <a:schemeClr val="tx1"/>
-                          </a:solidFill>
-                          <a:latin typeface="Adobe Clean" panose="020B0503020404020204" pitchFamily="34" charset="0"/>
-                        </a:rPr>
-                        <a:t>Oriente e Africa</a:t>
+                        <a:t>Europe, Middle East &amp; Africa</a:t>
                       </a:r>
                     </a:p>
                   </a:txBody>
@@ -10513,13 +12115,13 @@
                     <a:p>
                       <a:pPr algn="ctr"/>
                       <a:r>
-                        <a:rPr lang="it-IT" sz="1100">
+                        <a:rPr lang="en-US" sz="1100" dirty="0">
                           <a:solidFill>
                             <a:schemeClr val="tx1"/>
                           </a:solidFill>
                           <a:latin typeface="Adobe Clean" panose="020B0503020404020204" pitchFamily="34" charset="0"/>
                         </a:rPr>
-                        <a:t>Asia-Pacifico</a:t>
+                        <a:t>Asia Pacific</a:t>
                       </a:r>
                     </a:p>
                   </a:txBody>
@@ -10578,16 +12180,16 @@
                     <a:p>
                       <a:pPr algn="ctr"/>
                       <a:r>
-                        <a:rPr lang="it-IT" sz="1100">
+                        <a:rPr lang="en-US" sz="1100" dirty="0">
                           <a:solidFill>
                             <a:schemeClr val="tx1"/>
                           </a:solidFill>
                           <a:latin typeface="Adobe Clean"/>
                         </a:rPr>
-                        <a:t>Giappone</a:t>
+                        <a:t>Japan </a:t>
                       </a:r>
                       <a:r>
-                        <a:rPr lang="it-IT" sz="1100" baseline="30000">
+                        <a:rPr lang="en-US" sz="1100" baseline="30000" dirty="0">
                           <a:solidFill>
                             <a:schemeClr val="tx1"/>
                           </a:solidFill>
@@ -10595,6 +12197,12 @@
                         </a:rPr>
                         <a:t>1 </a:t>
                       </a:r>
+                      <a:endParaRPr lang="en-US" sz="1100" dirty="0">
+                        <a:solidFill>
+                          <a:schemeClr val="tx1"/>
+                        </a:solidFill>
+                        <a:latin typeface="Adobe Clean" panose="020B0503020404020204" pitchFamily="34" charset="0"/>
+                      </a:endParaRPr>
                     </a:p>
                   </a:txBody>
                   <a:tcPr anchor="ctr">
@@ -10659,13 +12267,13 @@
                     <a:p>
                       <a:pPr algn="ctr"/>
                       <a:r>
-                        <a:rPr lang="it-IT" sz="1100">
+                        <a:rPr lang="en-US" sz="1100" dirty="0">
                           <a:solidFill>
                             <a:schemeClr val="tx1"/>
                           </a:solidFill>
                           <a:latin typeface="Adobe Clean" panose="020B0503020404020204" pitchFamily="34" charset="0"/>
                         </a:rPr>
-                        <a:t>06:00 – 17:30</a:t>
+                        <a:t>6 am – 5:30 pm</a:t>
                       </a:r>
                     </a:p>
                   </a:txBody>
@@ -10724,13 +12332,13 @@
                     <a:p>
                       <a:pPr algn="ctr"/>
                       <a:r>
-                        <a:rPr lang="it-IT" sz="1100">
+                        <a:rPr lang="en-US" sz="1100" dirty="0">
                           <a:solidFill>
                             <a:schemeClr val="tx1"/>
                           </a:solidFill>
                           <a:latin typeface="Adobe Clean" panose="020B0503020404020204" pitchFamily="34" charset="0"/>
                         </a:rPr>
-                        <a:t>09:00 – 17:00</a:t>
+                        <a:t>9 am – 5 pm</a:t>
                       </a:r>
                     </a:p>
                   </a:txBody>
@@ -10789,13 +12397,13 @@
                     <a:p>
                       <a:pPr algn="ctr"/>
                       <a:r>
-                        <a:rPr lang="it-IT" sz="1100">
+                        <a:rPr lang="en-US" sz="1100" dirty="0">
                           <a:solidFill>
                             <a:schemeClr val="tx1"/>
                           </a:solidFill>
                           <a:latin typeface="Adobe Clean" panose="020B0503020404020204" pitchFamily="34" charset="0"/>
                         </a:rPr>
-                        <a:t>09:00 – 17:00</a:t>
+                        <a:t>9 am – 5 pm</a:t>
                       </a:r>
                     </a:p>
                   </a:txBody>
@@ -10854,13 +12462,13 @@
                     <a:p>
                       <a:pPr algn="ctr"/>
                       <a:r>
-                        <a:rPr lang="it-IT" sz="1100">
+                        <a:rPr lang="en-US" sz="1100" dirty="0">
                           <a:solidFill>
                             <a:schemeClr val="tx1"/>
                           </a:solidFill>
                           <a:latin typeface="Adobe Clean" panose="020B0503020404020204" pitchFamily="34" charset="0"/>
                         </a:rPr>
-                        <a:t>09:00 – 17:30</a:t>
+                        <a:t>9 am – 5:30 pm</a:t>
                       </a:r>
                     </a:p>
                   </a:txBody>
@@ -10940,14 +12548,20 @@
                         <a:buNone/>
                       </a:pPr>
                       <a:r>
-                        <a:rPr lang="it-IT" sz="1100" dirty="0">
+                        <a:rPr lang="en-US" sz="1100" dirty="0">
                           <a:solidFill>
                             <a:schemeClr val="tx1"/>
                           </a:solidFill>
                           <a:latin typeface="Adobe Clean"/>
                         </a:rPr>
-                        <a:t>Il supporto è disponibile solo in inglese e giapponese.</a:t>
+                        <a:t>Language support is only available in English and Japanese.</a:t>
                       </a:r>
+                      <a:endParaRPr lang="en-US" sz="1100" dirty="0">
+                        <a:solidFill>
+                          <a:schemeClr val="tx1"/>
+                        </a:solidFill>
+                        <a:latin typeface="Adobe Clean" panose="020B0503020404020204" pitchFamily="34" charset="0"/>
+                      </a:endParaRPr>
                     </a:p>
                     <a:p>
                       <a:pPr marL="0" marR="0" lvl="0" indent="0" algn="ctr" defTabSz="914400" eaLnBrk="1" fontAlgn="auto" latinLnBrk="0" hangingPunct="1">
@@ -10968,17 +12582,17 @@
                         <a:defRPr/>
                       </a:pPr>
                       <a:r>
-                        <a:rPr lang="it-IT" sz="1100" i="1" dirty="0">
+                        <a:rPr lang="en-US" sz="1100" i="1" dirty="0">
                           <a:solidFill>
                             <a:schemeClr val="tx1"/>
                           </a:solidFill>
                           <a:latin typeface="Adobe Clean"/>
                         </a:rPr>
-                        <a:t>* Adobe Commerce non prevede il supporto in lingua giapponese.</a:t>
+                        <a:t>*Adobe Commerce excludes Japanese language support.</a:t>
                       </a:r>
                     </a:p>
                     <a:p>
-                      <a:pPr algn="l" rtl="0"/>
+                      <a:pPr algn="ctr"/>
                       <a:endParaRPr kumimoji="0" lang="en-US" sz="1100" b="1" i="0" u="none" strike="noStrike" kern="0" cap="none" spc="0" normalizeH="0" baseline="30000" noProof="0" dirty="0">
                         <a:ln>
                           <a:noFill/>
@@ -10997,7 +12611,7 @@
                     <a:p>
                       <a:pPr algn="ctr"/>
                       <a:r>
-                        <a:rPr lang="it-IT" sz="1100" i="0" dirty="0">
+                        <a:rPr lang="en-US" sz="1100" i="0" dirty="0">
                           <a:solidFill>
                             <a:schemeClr val="tx1"/>
                           </a:solidFill>
@@ -11006,7 +12620,7 @@
                         <a:t> </a:t>
                       </a:r>
                       <a:r>
-                        <a:rPr lang="it-IT" sz="1100" i="0" baseline="30000" dirty="0">
+                        <a:rPr lang="en-US" sz="1100" i="0" baseline="30000" dirty="0">
                           <a:solidFill>
                             <a:schemeClr val="tx1"/>
                           </a:solidFill>
@@ -11015,17 +12629,23 @@
                         <a:t>1 </a:t>
                       </a:r>
                       <a:r>
-                        <a:rPr lang="it-IT" sz="1100" i="0" dirty="0">
+                        <a:rPr lang="en-US" sz="1100" i="0" dirty="0">
                           <a:solidFill>
                             <a:schemeClr val="tx1"/>
                           </a:solidFill>
                           <a:latin typeface="Adobe Clean"/>
                         </a:rPr>
-                        <a:t>In Giappone, i casi P2, P3 e P4 sono limitati al solo orario operativo.</a:t>
+                        <a:t>P2, P3, P4 cases are limited to business hours only in Japan.</a:t>
                       </a:r>
-                    </a:p>
-                    <a:p>
-                      <a:pPr algn="l" rtl="0"/>
+                      <a:endParaRPr lang="en-US" sz="1100" b="1" i="0" dirty="0">
+                        <a:solidFill>
+                          <a:schemeClr val="tx1"/>
+                        </a:solidFill>
+                        <a:latin typeface="Adobe Clean"/>
+                      </a:endParaRPr>
+                    </a:p>
+                    <a:p>
+                      <a:pPr algn="ctr"/>
                       <a:endParaRPr lang="en-US" sz="1100" dirty="0">
                         <a:solidFill>
                           <a:schemeClr val="tx1"/>
@@ -11395,15 +13015,129 @@
               </a:spcBef>
             </a:pPr>
             <a:r>
-              <a:rPr lang="it-IT" sz="1200" b="1">
+              <a:rPr sz="1200" b="1" spc="-15" dirty="0">
                 <a:solidFill>
                   <a:srgbClr val="FFFFFF"/>
                 </a:solidFill>
                 <a:latin typeface="Adobe Clean"/>
                 <a:cs typeface="Adobe Clean"/>
               </a:rPr>
-              <a:t>Eccellenza tecnica</a:t>
-            </a:r>
+              <a:t>U</a:t>
+            </a:r>
+            <a:r>
+              <a:rPr sz="1200" b="1" spc="-20" dirty="0">
+                <a:solidFill>
+                  <a:srgbClr val="FFFFFF"/>
+                </a:solidFill>
+                <a:latin typeface="Adobe Clean"/>
+                <a:cs typeface="Adobe Clean"/>
+              </a:rPr>
+              <a:t>n</a:t>
+            </a:r>
+            <a:r>
+              <a:rPr sz="1200" b="1" spc="-25" dirty="0">
+                <a:solidFill>
+                  <a:srgbClr val="FFFFFF"/>
+                </a:solidFill>
+                <a:latin typeface="Adobe Clean"/>
+                <a:cs typeface="Adobe Clean"/>
+              </a:rPr>
+              <a:t>p</a:t>
+            </a:r>
+            <a:r>
+              <a:rPr sz="1200" b="1" spc="-15" dirty="0">
+                <a:solidFill>
+                  <a:srgbClr val="FFFFFF"/>
+                </a:solidFill>
+                <a:latin typeface="Adobe Clean"/>
+                <a:cs typeface="Adobe Clean"/>
+              </a:rPr>
+              <a:t>a</a:t>
+            </a:r>
+            <a:r>
+              <a:rPr sz="1200" b="1" spc="-25" dirty="0">
+                <a:solidFill>
+                  <a:srgbClr val="FFFFFF"/>
+                </a:solidFill>
+                <a:latin typeface="Adobe Clean"/>
+                <a:cs typeface="Adobe Clean"/>
+              </a:rPr>
+              <a:t>r</a:t>
+            </a:r>
+            <a:r>
+              <a:rPr sz="1200" b="1" spc="-15" dirty="0">
+                <a:solidFill>
+                  <a:srgbClr val="FFFFFF"/>
+                </a:solidFill>
+                <a:latin typeface="Adobe Clean"/>
+                <a:cs typeface="Adobe Clean"/>
+              </a:rPr>
+              <a:t>a</a:t>
+            </a:r>
+            <a:r>
+              <a:rPr sz="1200" b="1" spc="-30" dirty="0">
+                <a:solidFill>
+                  <a:srgbClr val="FFFFFF"/>
+                </a:solidFill>
+                <a:latin typeface="Adobe Clean"/>
+                <a:cs typeface="Adobe Clean"/>
+              </a:rPr>
+              <a:t>ll</a:t>
+            </a:r>
+            <a:r>
+              <a:rPr sz="1200" b="1" spc="-25" dirty="0">
+                <a:solidFill>
+                  <a:srgbClr val="FFFFFF"/>
+                </a:solidFill>
+                <a:latin typeface="Adobe Clean"/>
+                <a:cs typeface="Adobe Clean"/>
+              </a:rPr>
+              <a:t>e</a:t>
+            </a:r>
+            <a:r>
+              <a:rPr sz="1200" b="1" spc="-30" dirty="0">
+                <a:solidFill>
+                  <a:srgbClr val="FFFFFF"/>
+                </a:solidFill>
+                <a:latin typeface="Adobe Clean"/>
+                <a:cs typeface="Adobe Clean"/>
+              </a:rPr>
+              <a:t>l</a:t>
+            </a:r>
+            <a:r>
+              <a:rPr sz="1200" b="1" spc="-25" dirty="0">
+                <a:solidFill>
+                  <a:srgbClr val="FFFFFF"/>
+                </a:solidFill>
+                <a:latin typeface="Adobe Clean"/>
+                <a:cs typeface="Adobe Clean"/>
+              </a:rPr>
+              <a:t>e</a:t>
+            </a:r>
+            <a:r>
+              <a:rPr sz="1200" b="1" dirty="0">
+                <a:solidFill>
+                  <a:srgbClr val="FFFFFF"/>
+                </a:solidFill>
+                <a:latin typeface="Adobe Clean"/>
+                <a:cs typeface="Adobe Clean"/>
+              </a:rPr>
+              <a:t>d  </a:t>
+            </a:r>
+            <a:r>
+              <a:rPr sz="1200" b="1" spc="-25" dirty="0">
+                <a:solidFill>
+                  <a:srgbClr val="FFFFFF"/>
+                </a:solidFill>
+                <a:latin typeface="Adobe Clean"/>
+                <a:cs typeface="Adobe Clean"/>
+              </a:rPr>
+              <a:t>Expertise</a:t>
+            </a:r>
+            <a:endParaRPr sz="1200" dirty="0">
+              <a:latin typeface="Adobe Clean"/>
+              <a:cs typeface="Adobe Clean"/>
+            </a:endParaRPr>
           </a:p>
         </p:txBody>
       </p:sp>
@@ -11443,15 +13177,19 @@
               </a:spcBef>
             </a:pPr>
             <a:r>
-              <a:rPr lang="it-IT" sz="1200" b="1">
+              <a:rPr lang="en-US" sz="1200" b="1" spc="-15" dirty="0">
                 <a:solidFill>
                   <a:srgbClr val="FFFFFF"/>
                 </a:solidFill>
                 <a:latin typeface="Adobe Clean"/>
                 <a:cs typeface="Adobe Clean"/>
               </a:rPr>
-              <a:t>Supporto rapido</a:t>
-            </a:r>
+              <a:t>Accelerated Support</a:t>
+            </a:r>
+            <a:endParaRPr sz="1200" dirty="0">
+              <a:latin typeface="Adobe Clean"/>
+              <a:cs typeface="Adobe Clean"/>
+            </a:endParaRPr>
           </a:p>
         </p:txBody>
       </p:sp>
@@ -11469,8 +13207,8 @@
         </p:nvSpPr>
         <p:spPr>
           <a:xfrm>
-            <a:off x="6477000" y="8543943"/>
-            <a:ext cx="810895" cy="385445"/>
+            <a:off x="6624119" y="8543943"/>
+            <a:ext cx="510540" cy="385445"/>
           </a:xfrm>
           <a:prstGeom prst="rect">
             <a:avLst/>
@@ -11482,7 +13220,7 @@
           </a:bodyPr>
           <a:lstStyle/>
           <a:p>
-            <a:pPr marL="50800" marR="5080" indent="-51435" algn="ctr">
+            <a:pPr marL="50800" marR="5080" indent="-51435">
               <a:lnSpc>
                 <a:spcPts val="1390"/>
               </a:lnSpc>
@@ -11491,15 +13229,109 @@
               </a:spcBef>
             </a:pPr>
             <a:r>
-              <a:rPr lang="it-IT" sz="1200" b="1" dirty="0">
+              <a:rPr sz="1200" b="1" spc="-50" dirty="0">
                 <a:solidFill>
                   <a:srgbClr val="FFFFFF"/>
                 </a:solidFill>
                 <a:latin typeface="Adobe Clean"/>
                 <a:cs typeface="Adobe Clean"/>
               </a:rPr>
-              <a:t>Consulenza strategica</a:t>
-            </a:r>
+              <a:t>S</a:t>
+            </a:r>
+            <a:r>
+              <a:rPr sz="1200" b="1" spc="-20" dirty="0">
+                <a:solidFill>
+                  <a:srgbClr val="FFFFFF"/>
+                </a:solidFill>
+                <a:latin typeface="Adobe Clean"/>
+                <a:cs typeface="Adobe Clean"/>
+              </a:rPr>
+              <a:t>t</a:t>
+            </a:r>
+            <a:r>
+              <a:rPr sz="1200" b="1" spc="-75" dirty="0">
+                <a:solidFill>
+                  <a:srgbClr val="FFFFFF"/>
+                </a:solidFill>
+                <a:latin typeface="Adobe Clean"/>
+                <a:cs typeface="Adobe Clean"/>
+              </a:rPr>
+              <a:t>r</a:t>
+            </a:r>
+            <a:r>
+              <a:rPr sz="1200" b="1" spc="-90" dirty="0">
+                <a:solidFill>
+                  <a:srgbClr val="FFFFFF"/>
+                </a:solidFill>
+                <a:latin typeface="Adobe Clean"/>
+                <a:cs typeface="Adobe Clean"/>
+              </a:rPr>
+              <a:t>a</a:t>
+            </a:r>
+            <a:r>
+              <a:rPr sz="1200" b="1" spc="-55" dirty="0">
+                <a:solidFill>
+                  <a:srgbClr val="FFFFFF"/>
+                </a:solidFill>
+                <a:latin typeface="Adobe Clean"/>
+                <a:cs typeface="Adobe Clean"/>
+              </a:rPr>
+              <a:t>t</a:t>
+            </a:r>
+            <a:r>
+              <a:rPr sz="1200" b="1" spc="-100" dirty="0">
+                <a:solidFill>
+                  <a:srgbClr val="FFFFFF"/>
+                </a:solidFill>
+                <a:latin typeface="Adobe Clean"/>
+                <a:cs typeface="Adobe Clean"/>
+              </a:rPr>
+              <a:t>e</a:t>
+            </a:r>
+            <a:r>
+              <a:rPr sz="1200" b="1" spc="-80" dirty="0">
+                <a:solidFill>
+                  <a:srgbClr val="FFFFFF"/>
+                </a:solidFill>
+                <a:latin typeface="Adobe Clean"/>
+                <a:cs typeface="Adobe Clean"/>
+              </a:rPr>
+              <a:t>g</a:t>
+            </a:r>
+            <a:r>
+              <a:rPr sz="1200" b="1" spc="-35" dirty="0">
+                <a:solidFill>
+                  <a:srgbClr val="FFFFFF"/>
+                </a:solidFill>
+                <a:latin typeface="Adobe Clean"/>
+                <a:cs typeface="Adobe Clean"/>
+              </a:rPr>
+              <a:t>i</a:t>
+            </a:r>
+            <a:r>
+              <a:rPr sz="1200" b="1" dirty="0">
+                <a:solidFill>
+                  <a:srgbClr val="FFFFFF"/>
+                </a:solidFill>
+                <a:latin typeface="Adobe Clean"/>
+                <a:cs typeface="Adobe Clean"/>
+              </a:rPr>
+              <a:t>c  </a:t>
+            </a:r>
+            <a:r>
+              <a:rPr sz="1200" b="1" spc="-45" dirty="0">
+                <a:solidFill>
+                  <a:srgbClr val="FFFFFF"/>
+                </a:solidFill>
+                <a:latin typeface="Adobe Clean"/>
+                <a:cs typeface="Adobe Clean"/>
+              </a:rPr>
+              <a:t>Advice</a:t>
+            </a:r>
+            <a:endParaRPr sz="1200" dirty="0">
+              <a:latin typeface="Adobe Clean"/>
+              <a:cs typeface="Adobe Clean"/>
+            </a:endParaRPr>
           </a:p>
         </p:txBody>
       </p:sp>
@@ -11518,14 +13350,14 @@
           <p:nvPr>
             <p:extLst>
               <p:ext uri="{D42A27DB-BD31-4B8C-83A1-F6EECF244321}">
-                <p14:modId xmlns:p14="http://schemas.microsoft.com/office/powerpoint/2010/main" val="594227885"/>
+                <p14:modId xmlns:p14="http://schemas.microsoft.com/office/powerpoint/2010/main" val="1366573891"/>
               </p:ext>
             </p:extLst>
           </p:nvPr>
         </p:nvGraphicFramePr>
         <p:xfrm>
           <a:off x="194236" y="1059345"/>
-          <a:ext cx="7368291" cy="3235960"/>
+          <a:ext cx="7368291" cy="2931160"/>
         </p:xfrm>
         <a:graphic>
           <a:graphicData uri="http://schemas.openxmlformats.org/drawingml/2006/table">
@@ -11556,7 +13388,7 @@
                     <a:lstStyle/>
                     <a:p>
                       <a:r>
-                        <a:rPr lang="it-IT" sz="1100" b="0">
+                        <a:rPr lang="en-US" sz="1100" b="0" dirty="0">
                           <a:solidFill>
                             <a:schemeClr val="tx1"/>
                           </a:solidFill>
@@ -11567,6 +13399,14 @@
                         </a:rPr>
                         <a:t>Experience League</a:t>
                       </a:r>
+                      <a:endParaRPr lang="en-US" sz="1100" b="0" dirty="0">
+                        <a:solidFill>
+                          <a:schemeClr val="tx1"/>
+                        </a:solidFill>
+                        <a:latin typeface="Adobe Clean" panose="020B0503020404020204" pitchFamily="34" charset="0"/>
+                        <a:ea typeface="+mn-ea"/>
+                        <a:cs typeface="+mn-cs"/>
+                      </a:endParaRPr>
                     </a:p>
                   </a:txBody>
                   <a:tcPr marL="47625" marR="47625" marT="0" marB="0" anchor="ctr">
@@ -11640,7 +13480,7 @@
                         <a:defRPr/>
                       </a:pPr>
                       <a:r>
-                        <a:rPr lang="it-IT" sz="1000" b="0" dirty="0">
+                        <a:rPr lang="en-US" sz="1000" b="0" kern="1200" dirty="0">
                           <a:solidFill>
                             <a:srgbClr val="000000"/>
                           </a:solidFill>
@@ -11648,28 +13488,7 @@
                           <a:ea typeface="+mn-ea"/>
                           <a:cs typeface="+mn-cs"/>
                         </a:rPr>
-                        <a:t>Con Experience League, Adobe aiuta le aziende a conseguire il valore che si aspettano dalle soluzioni Adobe in cui hanno investito. In questo portale unificato, puoi imparare, relazionarti con altri professionisti </a:t>
-                      </a:r>
-                      <a:br>
-                        <a:rPr lang="sk-SK" sz="1000" b="0" dirty="0">
-                          <a:solidFill>
-                            <a:srgbClr val="000000"/>
-                          </a:solidFill>
-                          <a:latin typeface="Adobe Clean Light" panose="020B0303020404020204" pitchFamily="34" charset="0"/>
-                          <a:ea typeface="+mn-ea"/>
-                          <a:cs typeface="+mn-cs"/>
-                        </a:rPr>
-                      </a:br>
-                      <a:r>
-                        <a:rPr lang="it-IT" sz="1000" b="0" dirty="0">
-                          <a:solidFill>
-                            <a:srgbClr val="000000"/>
-                          </a:solidFill>
-                          <a:latin typeface="Adobe Clean Light" panose="020B0303020404020204" pitchFamily="34" charset="0"/>
-                          <a:ea typeface="+mn-ea"/>
-                          <a:cs typeface="+mn-cs"/>
-                        </a:rPr>
-                        <a:t>e crescere seguendo un percorso personalizzato con tutorial, documentazione dei prodotti, formazione con istruttori, supporto tecnico e il sostegno dell’intera community. </a:t>
+                        <a:t>Experience League is how Adobe helps businesses achieve the value they expect from their Adobe investment. It’s the unified place where customers can learn, connect, and grow along a personalized path to success that includes self-help tutorials, product documentation, instructor-led training, community and technical support. </a:t>
                       </a:r>
                     </a:p>
                   </a:txBody>
@@ -11751,28 +13570,39 @@
                         <a:defRPr/>
                       </a:pPr>
                       <a:r>
-                        <a:rPr lang="it-IT" sz="1100">
+                        <a:rPr lang="en-US" sz="1100" dirty="0">
                           <a:solidFill>
                             <a:schemeClr val="dk1"/>
                           </a:solidFill>
+                          <a:effectLst/>
                           <a:latin typeface="Adobe Clean" panose="020B0503020404020204" pitchFamily="34" charset="0"/>
                           <a:ea typeface="+mn-ea"/>
                           <a:cs typeface="+mn-cs"/>
                           <a:hlinkClick r:id="rId8"/>
                         </a:rPr>
-                        <a:t>Formazione</a:t>
+                        <a:t>Training</a:t>
                       </a:r>
                       <a:r>
-                        <a:rPr lang="it-IT" sz="1100">
+                        <a:rPr lang="en-US" sz="1100" dirty="0">
                           <a:solidFill>
                             <a:schemeClr val="dk1"/>
                           </a:solidFill>
+                          <a:effectLst/>
                           <a:latin typeface="Adobe Clean" panose="020B0503020404020204" pitchFamily="34" charset="0"/>
                           <a:ea typeface="+mn-ea"/>
                           <a:cs typeface="+mn-cs"/>
                         </a:rPr>
                         <a:t> </a:t>
                       </a:r>
+                      <a:endParaRPr lang="en-US" sz="1100" dirty="0">
+                        <a:solidFill>
+                          <a:schemeClr val="tx1"/>
+                        </a:solidFill>
+                        <a:effectLst/>
+                        <a:latin typeface="Adobe Clean" panose="020B0503020404020204" pitchFamily="34" charset="0"/>
+                        <a:ea typeface="+mn-ea"/>
+                        <a:cs typeface="+mn-cs"/>
+                      </a:endParaRPr>
                     </a:p>
                   </a:txBody>
                   <a:tcPr anchor="ctr">
@@ -11846,7 +13676,7 @@
                         <a:defRPr/>
                       </a:pPr>
                       <a:r>
-                        <a:rPr lang="it-IT" sz="1000" dirty="0">
+                        <a:rPr lang="en-US" sz="1000" kern="1200" dirty="0">
                           <a:solidFill>
                             <a:srgbClr val="000000"/>
                           </a:solidFill>
@@ -11854,28 +13684,7 @@
                           <a:ea typeface="+mn-ea"/>
                           <a:cs typeface="+mn-cs"/>
                         </a:rPr>
-                        <a:t>I corsi Adobe Digital Learning Services sono accessibili da Experience League. I corsi di apprendimento comprendono lezioni sia on-demand che guidate da istruttori.  Potrai acquisire nuove competenze particolarmente ricercate nel settore e metterle in pratica nella </a:t>
-                      </a:r>
-                      <a:br>
-                        <a:rPr lang="sk-SK" sz="1000" dirty="0">
-                          <a:solidFill>
-                            <a:srgbClr val="000000"/>
-                          </a:solidFill>
-                          <a:latin typeface="Adobe Clean Light" panose="020B0303020404020204" pitchFamily="34" charset="0"/>
-                          <a:ea typeface="+mn-ea"/>
-                          <a:cs typeface="+mn-cs"/>
-                        </a:rPr>
-                      </a:br>
-                      <a:r>
-                        <a:rPr lang="it-IT" sz="1000" dirty="0">
-                          <a:solidFill>
-                            <a:srgbClr val="000000"/>
-                          </a:solidFill>
-                          <a:latin typeface="Adobe Clean Light" panose="020B0303020404020204" pitchFamily="34" charset="0"/>
-                          <a:ea typeface="+mn-ea"/>
-                          <a:cs typeface="+mn-cs"/>
-                        </a:rPr>
-                        <a:t>tua organizzazione, per favorirne il successo.</a:t>
+                        <a:t>Adobe Digital Learning Services courses are accessible from Experience League. Learning courses integrate both on-demand and instructor-led lessons.  Here you can accrue skills that have recognized market value and position them to drive success in your organizations.</a:t>
                       </a:r>
                     </a:p>
                   </a:txBody>
@@ -11957,17 +13766,27 @@
                         <a:defRPr/>
                       </a:pPr>
                       <a:r>
-                        <a:rPr lang="it-IT" sz="1100">
+                        <a:rPr lang="en-US" sz="1100" dirty="0">
                           <a:solidFill>
                             <a:schemeClr val="tx1"/>
                           </a:solidFill>
+                          <a:effectLst/>
                           <a:latin typeface="Adobe Clean" panose="020B0503020404020204" pitchFamily="34" charset="0"/>
                           <a:ea typeface="+mn-ea"/>
                           <a:cs typeface="+mn-cs"/>
                           <a:hlinkClick r:id="rId9"/>
                         </a:rPr>
-                        <a:t>Problemi di produzione e interruzioni del sistema</a:t>
+                        <a:t>Production Issues &amp; System Outages</a:t>
                       </a:r>
+                      <a:endParaRPr lang="en-US" sz="1100" dirty="0">
+                        <a:solidFill>
+                          <a:schemeClr val="tx1"/>
+                        </a:solidFill>
+                        <a:effectLst/>
+                        <a:latin typeface="Adobe Clean" panose="020B0503020404020204" pitchFamily="34" charset="0"/>
+                        <a:ea typeface="+mn-ea"/>
+                        <a:cs typeface="+mn-cs"/>
+                      </a:endParaRPr>
                     </a:p>
                   </a:txBody>
                   <a:tcPr anchor="ctr">
@@ -12041,7 +13860,7 @@
                         <a:defRPr/>
                       </a:pPr>
                       <a:r>
-                        <a:rPr lang="it-IT" sz="1000" dirty="0">
+                        <a:rPr lang="en-US" sz="1000" kern="1200" dirty="0">
                           <a:solidFill>
                             <a:srgbClr val="000000"/>
                           </a:solidFill>
@@ -12049,70 +13868,7 @@
                           <a:ea typeface="+mn-ea"/>
                           <a:cs typeface="+mn-cs"/>
                         </a:rPr>
-                        <a:t>Status.adobe.com trasmette informazioni sullo stato di tutti i prodotti </a:t>
-                      </a:r>
-                      <a:br>
-                        <a:rPr lang="sk-SK" sz="1000" dirty="0">
-                          <a:solidFill>
-                            <a:srgbClr val="000000"/>
-                          </a:solidFill>
-                          <a:latin typeface="Adobe Clean Light" panose="020B0303020404020204" pitchFamily="34" charset="0"/>
-                          <a:ea typeface="+mn-ea"/>
-                          <a:cs typeface="+mn-cs"/>
-                        </a:rPr>
-                      </a:br>
-                      <a:r>
-                        <a:rPr lang="it-IT" sz="1000" dirty="0">
-                          <a:solidFill>
-                            <a:srgbClr val="000000"/>
-                          </a:solidFill>
-                          <a:latin typeface="Adobe Clean Light" panose="020B0303020404020204" pitchFamily="34" charset="0"/>
-                          <a:ea typeface="+mn-ea"/>
-                          <a:cs typeface="+mn-cs"/>
-                        </a:rPr>
-                        <a:t>e i servizi Adobe implementati in ambienti multi-tenant. Puoi scegliere se ricevere notifiche e-mail ogni volta che Adobe segnala, aggiorna </a:t>
-                      </a:r>
-                      <a:br>
-                        <a:rPr lang="sk-SK" sz="1000" dirty="0">
-                          <a:solidFill>
-                            <a:srgbClr val="000000"/>
-                          </a:solidFill>
-                          <a:latin typeface="Adobe Clean Light" panose="020B0303020404020204" pitchFamily="34" charset="0"/>
-                          <a:ea typeface="+mn-ea"/>
-                          <a:cs typeface="+mn-cs"/>
-                        </a:rPr>
-                      </a:br>
-                      <a:r>
-                        <a:rPr lang="it-IT" sz="1000" dirty="0">
-                          <a:solidFill>
-                            <a:srgbClr val="000000"/>
-                          </a:solidFill>
-                          <a:latin typeface="Adobe Clean Light" panose="020B0303020404020204" pitchFamily="34" charset="0"/>
-                          <a:ea typeface="+mn-ea"/>
-                          <a:cs typeface="+mn-cs"/>
-                        </a:rPr>
-                        <a:t>o risolve un problema relativo a un prodotto. Vengono segnalate </a:t>
-                      </a:r>
-                      <a:br>
-                        <a:rPr lang="sk-SK" sz="1000" dirty="0">
-                          <a:solidFill>
-                            <a:srgbClr val="000000"/>
-                          </a:solidFill>
-                          <a:latin typeface="Adobe Clean Light" panose="020B0303020404020204" pitchFamily="34" charset="0"/>
-                          <a:ea typeface="+mn-ea"/>
-                          <a:cs typeface="+mn-cs"/>
-                        </a:rPr>
-                      </a:br>
-                      <a:r>
-                        <a:rPr lang="it-IT" sz="1000" dirty="0">
-                          <a:solidFill>
-                            <a:srgbClr val="000000"/>
-                          </a:solidFill>
-                          <a:latin typeface="Adobe Clean Light" panose="020B0303020404020204" pitchFamily="34" charset="0"/>
-                          <a:ea typeface="+mn-ea"/>
-                          <a:cs typeface="+mn-cs"/>
-                        </a:rPr>
-                        <a:t>ad esempio le interruzioni per manutenzione programmata o problemi relativi ai servizi con diversi livelli di gravità. </a:t>
+                        <a:t>Status.adobe.com conveys the health information of all Adobe products and services that are deployed in multi-tenant environments. Customers can choose their subscription preferences to get email notifications whenever Adobe creates, updates or resolves a product event. This can include scheduled maintenance or service issues of varying levels of severity. </a:t>
                       </a:r>
                     </a:p>
                   </a:txBody>
@@ -12194,17 +13950,27 @@
                         <a:defRPr/>
                       </a:pPr>
                       <a:r>
-                        <a:rPr lang="it-IT" sz="1100">
+                        <a:rPr lang="en-US" sz="1100" dirty="0">
                           <a:solidFill>
                             <a:schemeClr val="tx1"/>
                           </a:solidFill>
+                          <a:effectLst/>
                           <a:latin typeface="Adobe Clean" panose="020B0503020404020204" pitchFamily="34" charset="0"/>
                           <a:ea typeface="+mn-ea"/>
                           <a:cs typeface="+mn-cs"/>
                           <a:hlinkClick r:id="rId10"/>
                         </a:rPr>
-                        <a:t>Termini e condizioni</a:t>
+                        <a:t>Terms and Conditions</a:t>
                       </a:r>
+                      <a:endParaRPr lang="en-US" sz="1100" dirty="0">
+                        <a:solidFill>
+                          <a:schemeClr val="tx1"/>
+                        </a:solidFill>
+                        <a:effectLst/>
+                        <a:latin typeface="Adobe Clean" panose="020B0503020404020204" pitchFamily="34" charset="0"/>
+                        <a:ea typeface="+mn-ea"/>
+                        <a:cs typeface="+mn-cs"/>
+                      </a:endParaRPr>
                     </a:p>
                   </a:txBody>
                   <a:tcPr anchor="ctr">
@@ -12261,7 +14027,7 @@
                     <a:lstStyle/>
                     <a:p>
                       <a:r>
-                        <a:rPr lang="it-IT" sz="1000" dirty="0">
+                        <a:rPr lang="en-US" sz="1000" kern="1200" dirty="0">
                           <a:solidFill>
                             <a:srgbClr val="000000"/>
                           </a:solidFill>
@@ -12269,7 +14035,7 @@
                           <a:ea typeface="+mn-ea"/>
                           <a:cs typeface="+mn-cs"/>
                         </a:rPr>
-                        <a:t>Termini e condizioni che descrivono i servizi di supporto disponibili</a:t>
+                        <a:t>Terms and conditions detailing Support Services offerings.</a:t>
                       </a:r>
                     </a:p>
                   </a:txBody>
@@ -13040,6 +14806,21 @@
 </file>
 
 <file path=customXml/item1.xml><?xml version="1.0" encoding="utf-8"?>
+<?mso-contentType ?>
+<FormTemplates xmlns="http://schemas.microsoft.com/sharepoint/v3/contenttype/forms">
+  <Display>DocumentLibraryForm</Display>
+  <Edit>DocumentLibraryForm</Edit>
+  <New>DocumentLibraryForm</New>
+</FormTemplates>
+</file>
+
+<file path=customXml/item2.xml><?xml version="1.0" encoding="utf-8"?>
+<p:properties xmlns:p="http://schemas.microsoft.com/office/2006/metadata/properties" xmlns:xsi="http://www.w3.org/2001/XMLSchema-instance" xmlns:pc="http://schemas.microsoft.com/office/infopath/2007/PartnerControls">
+  <documentManagement/>
+</p:properties>
+</file>
+
+<file path=customXml/item3.xml><?xml version="1.0" encoding="utf-8"?>
 <ct:contentTypeSchema xmlns:ct="http://schemas.microsoft.com/office/2006/metadata/contentType" xmlns:ma="http://schemas.microsoft.com/office/2006/metadata/properties/metaAttributes" ct:_="" ma:_="" ma:contentTypeName="Document" ma:contentTypeID="0x010100E783BF6876BCC646A459363AF21A7736" ma:contentTypeVersion="10" ma:contentTypeDescription="Create a new document." ma:contentTypeScope="" ma:versionID="c4ffda7f4f415767600769e454c2ea87">
   <xsd:schema xmlns:xsd="http://www.w3.org/2001/XMLSchema" xmlns:xs="http://www.w3.org/2001/XMLSchema" xmlns:p="http://schemas.microsoft.com/office/2006/metadata/properties" xmlns:ns2="8a053bff-88be-49e4-9a87-e748e18b8b62" xmlns:ns3="6c8368ec-3776-49b5-a5bb-90648cf9530f" targetNamespace="http://schemas.microsoft.com/office/2006/metadata/properties" ma:root="true" ma:fieldsID="df3ec33bccc23e23bce7bc897fad43d1" ns2:_="" ns3:_="">
     <xsd:import namespace="8a053bff-88be-49e4-9a87-e748e18b8b62"/>
@@ -13244,22 +15025,32 @@
 </ct:contentTypeSchema>
 </file>
 
-<file path=customXml/item2.xml><?xml version="1.0" encoding="utf-8"?>
-<p:properties xmlns:p="http://schemas.microsoft.com/office/2006/metadata/properties" xmlns:xsi="http://www.w3.org/2001/XMLSchema-instance" xmlns:pc="http://schemas.microsoft.com/office/infopath/2007/PartnerControls">
-  <documentManagement/>
-</p:properties>
+<file path=customXml/itemProps1.xml><?xml version="1.0" encoding="utf-8"?>
+<ds:datastoreItem xmlns:ds="http://schemas.openxmlformats.org/officeDocument/2006/customXml" ds:itemID="{AC92E7FA-19A2-4675-9C77-2C92D8A268D1}">
+  <ds:schemaRefs>
+    <ds:schemaRef ds:uri="http://schemas.microsoft.com/sharepoint/v3/contenttype/forms"/>
+  </ds:schemaRefs>
+</ds:datastoreItem>
 </file>
 
-<file path=customXml/item3.xml><?xml version="1.0" encoding="utf-8"?>
-<?mso-contentType ?>
-<FormTemplates xmlns="http://schemas.microsoft.com/sharepoint/v3/contenttype/forms">
-  <Display>DocumentLibraryForm</Display>
-  <Edit>DocumentLibraryForm</Edit>
-  <New>DocumentLibraryForm</New>
-</FormTemplates>
+<file path=customXml/itemProps2.xml><?xml version="1.0" encoding="utf-8"?>
+<ds:datastoreItem xmlns:ds="http://schemas.openxmlformats.org/officeDocument/2006/customXml" ds:itemID="{8D12BD98-169B-4BEE-86DF-4C9641DF23C4}">
+  <ds:schemaRefs>
+    <ds:schemaRef ds:uri="http://schemas.microsoft.com/office/2006/documentManagement/types"/>
+    <ds:schemaRef ds:uri="http://schemas.microsoft.com/office/2006/metadata/properties"/>
+    <ds:schemaRef ds:uri="http://www.w3.org/XML/1998/namespace"/>
+    <ds:schemaRef ds:uri="http://purl.org/dc/terms/"/>
+    <ds:schemaRef ds:uri="http://purl.org/dc/elements/1.1/"/>
+    <ds:schemaRef ds:uri="http://schemas.microsoft.com/office/infopath/2007/PartnerControls"/>
+    <ds:schemaRef ds:uri="http://schemas.openxmlformats.org/package/2006/metadata/core-properties"/>
+    <ds:schemaRef ds:uri="8a053bff-88be-49e4-9a87-e748e18b8b62"/>
+    <ds:schemaRef ds:uri="6c8368ec-3776-49b5-a5bb-90648cf9530f"/>
+    <ds:schemaRef ds:uri="http://purl.org/dc/dcmitype/"/>
+  </ds:schemaRefs>
+</ds:datastoreItem>
 </file>
 
-<file path=customXml/itemProps1.xml><?xml version="1.0" encoding="utf-8"?>
+<file path=customXml/itemProps3.xml><?xml version="1.0" encoding="utf-8"?>
 <ds:datastoreItem xmlns:ds="http://schemas.openxmlformats.org/officeDocument/2006/customXml" ds:itemID="{34863498-7BB7-4F09-9F4A-B99E97FDB0EB}">
   <ds:schemaRefs>
     <ds:schemaRef ds:uri="http://schemas.microsoft.com/office/2006/metadata/contentType"/>
@@ -13276,21 +15067,4 @@
     <ds:schemaRef ds:uri="http://schemas.microsoft.com/internal/obd"/>
   </ds:schemaRefs>
 </ds:datastoreItem>
-</file>
-
-<file path=customXml/itemProps2.xml><?xml version="1.0" encoding="utf-8"?>
-<ds:datastoreItem xmlns:ds="http://schemas.openxmlformats.org/officeDocument/2006/customXml" ds:itemID="{8D12BD98-169B-4BEE-86DF-4C9641DF23C4}">
-  <ds:schemaRefs>
-    <ds:schemaRef ds:uri="http://schemas.microsoft.com/office/2006/metadata/properties"/>
-    <ds:schemaRef ds:uri="http://schemas.microsoft.com/office/infopath/2007/PartnerControls"/>
-  </ds:schemaRefs>
-</ds:datastoreItem>
-</file>
-
-<file path=customXml/itemProps3.xml><?xml version="1.0" encoding="utf-8"?>
-<ds:datastoreItem xmlns:ds="http://schemas.openxmlformats.org/officeDocument/2006/customXml" ds:itemID="{AC92E7FA-19A2-4675-9C77-2C92D8A268D1}">
-  <ds:schemaRefs>
-    <ds:schemaRef ds:uri="http://schemas.microsoft.com/sharepoint/v3/contenttype/forms"/>
-  </ds:schemaRefs>
-</ds:datastoreItem>
 </file>
--- a/help/data-sheets/assets/OnlineSupportDatasheet.pptx
+++ b/help/data-sheets/assets/OnlineSupportDatasheet.pptx
@@ -131,7 +131,7 @@
 <file path=ppt/revisionInfo.xml><?xml version="1.0" encoding="utf-8"?>
 <p1510:revInfo xmlns:a="http://schemas.openxmlformats.org/drawingml/2006/main" xmlns:r="http://schemas.openxmlformats.org/officeDocument/2006/relationships" xmlns:p1510="http://schemas.microsoft.com/office/powerpoint/2015/10/main">
   <p1510:revLst>
-    <p1510:client id="{096F7488-A26A-D845-83B0-BE2FC48D1AFD}" v="1" dt="2021-10-13T19:37:08.512"/>
+    <p1510:client id="{5343DD59-8FB2-7AAD-1875-255EDB54B98D}" v="367" dt="2021-09-22T18:47:16.489"/>
   </p1510:revLst>
 </p1510:revInfo>
 </file>
@@ -167,186 +167,6 @@
             <ac:graphicFrameMk id="25" creationId="{3A91F5B0-3974-A14D-A146-FB590F2AAD18}"/>
           </ac:graphicFrameMkLst>
         </pc:graphicFrameChg>
-      </pc:sldChg>
-    </pc:docChg>
-  </pc:docChgLst>
-  <pc:docChgLst>
-    <pc:chgData name="Akilah Johnson" userId="S::akjohnso@adobe.com::2fa3aa60-0c9c-4d06-bae2-795983241227" providerId="AD" clId="Web-{57A486D7-8267-4044-450E-B1D42691F1A4}"/>
-    <pc:docChg chg="modSld">
-      <pc:chgData name="Akilah Johnson" userId="S::akjohnso@adobe.com::2fa3aa60-0c9c-4d06-bae2-795983241227" providerId="AD" clId="Web-{57A486D7-8267-4044-450E-B1D42691F1A4}" dt="2021-10-12T15:47:55.091" v="2" actId="20577"/>
-      <pc:docMkLst>
-        <pc:docMk/>
-      </pc:docMkLst>
-      <pc:sldChg chg="modSp">
-        <pc:chgData name="Akilah Johnson" userId="S::akjohnso@adobe.com::2fa3aa60-0c9c-4d06-bae2-795983241227" providerId="AD" clId="Web-{57A486D7-8267-4044-450E-B1D42691F1A4}" dt="2021-10-12T15:47:55.091" v="2" actId="20577"/>
-        <pc:sldMkLst>
-          <pc:docMk/>
-          <pc:sldMk cId="0" sldId="256"/>
-        </pc:sldMkLst>
-        <pc:spChg chg="mod">
-          <ac:chgData name="Akilah Johnson" userId="S::akjohnso@adobe.com::2fa3aa60-0c9c-4d06-bae2-795983241227" providerId="AD" clId="Web-{57A486D7-8267-4044-450E-B1D42691F1A4}" dt="2021-10-12T15:47:55.091" v="2" actId="20577"/>
-          <ac:spMkLst>
-            <pc:docMk/>
-            <pc:sldMk cId="0" sldId="256"/>
-            <ac:spMk id="5" creationId="{00000000-0000-0000-0000-000000000000}"/>
-          </ac:spMkLst>
-        </pc:spChg>
-      </pc:sldChg>
-    </pc:docChg>
-  </pc:docChgLst>
-  <pc:docChgLst>
-    <pc:chgData name="Lauren Schutte" userId="6e08b2d3-447a-4d66-86be-444d50df187f" providerId="ADAL" clId="{096F7488-A26A-D845-83B0-BE2FC48D1AFD}"/>
-    <pc:docChg chg="modSld">
-      <pc:chgData name="Lauren Schutte" userId="6e08b2d3-447a-4d66-86be-444d50df187f" providerId="ADAL" clId="{096F7488-A26A-D845-83B0-BE2FC48D1AFD}" dt="2021-10-13T19:38:26.139" v="4" actId="20577"/>
-      <pc:docMkLst>
-        <pc:docMk/>
-      </pc:docMkLst>
-      <pc:sldChg chg="modSp mod">
-        <pc:chgData name="Lauren Schutte" userId="6e08b2d3-447a-4d66-86be-444d50df187f" providerId="ADAL" clId="{096F7488-A26A-D845-83B0-BE2FC48D1AFD}" dt="2021-10-13T19:37:16.686" v="2" actId="242"/>
-        <pc:sldMkLst>
-          <pc:docMk/>
-          <pc:sldMk cId="0" sldId="256"/>
-        </pc:sldMkLst>
-        <pc:graphicFrameChg chg="mod modGraphic">
-          <ac:chgData name="Lauren Schutte" userId="6e08b2d3-447a-4d66-86be-444d50df187f" providerId="ADAL" clId="{096F7488-A26A-D845-83B0-BE2FC48D1AFD}" dt="2021-10-13T19:37:16.686" v="2" actId="242"/>
-          <ac:graphicFrameMkLst>
-            <pc:docMk/>
-            <pc:sldMk cId="0" sldId="256"/>
-            <ac:graphicFrameMk id="9" creationId="{00000000-0000-0000-0000-000000000000}"/>
-          </ac:graphicFrameMkLst>
-        </pc:graphicFrameChg>
-      </pc:sldChg>
-      <pc:sldChg chg="modSp mod">
-        <pc:chgData name="Lauren Schutte" userId="6e08b2d3-447a-4d66-86be-444d50df187f" providerId="ADAL" clId="{096F7488-A26A-D845-83B0-BE2FC48D1AFD}" dt="2021-10-13T19:38:11.810" v="3" actId="20577"/>
-        <pc:sldMkLst>
-          <pc:docMk/>
-          <pc:sldMk cId="0" sldId="257"/>
-        </pc:sldMkLst>
-        <pc:spChg chg="mod">
-          <ac:chgData name="Lauren Schutte" userId="6e08b2d3-447a-4d66-86be-444d50df187f" providerId="ADAL" clId="{096F7488-A26A-D845-83B0-BE2FC48D1AFD}" dt="2021-10-13T19:38:11.810" v="3" actId="20577"/>
-          <ac:spMkLst>
-            <pc:docMk/>
-            <pc:sldMk cId="0" sldId="257"/>
-            <ac:spMk id="39" creationId="{00000000-0000-0000-0000-000000000000}"/>
-          </ac:spMkLst>
-        </pc:spChg>
-      </pc:sldChg>
-      <pc:sldChg chg="modSp mod">
-        <pc:chgData name="Lauren Schutte" userId="6e08b2d3-447a-4d66-86be-444d50df187f" providerId="ADAL" clId="{096F7488-A26A-D845-83B0-BE2FC48D1AFD}" dt="2021-10-13T19:38:26.139" v="4" actId="20577"/>
-        <pc:sldMkLst>
-          <pc:docMk/>
-          <pc:sldMk cId="799510854" sldId="260"/>
-        </pc:sldMkLst>
-        <pc:graphicFrameChg chg="modGraphic">
-          <ac:chgData name="Lauren Schutte" userId="6e08b2d3-447a-4d66-86be-444d50df187f" providerId="ADAL" clId="{096F7488-A26A-D845-83B0-BE2FC48D1AFD}" dt="2021-10-13T19:38:26.139" v="4" actId="20577"/>
-          <ac:graphicFrameMkLst>
-            <pc:docMk/>
-            <pc:sldMk cId="799510854" sldId="260"/>
-            <ac:graphicFrameMk id="111" creationId="{D8653CEC-4213-DE40-9BAF-D1E3318FF89C}"/>
-          </ac:graphicFrameMkLst>
-        </pc:graphicFrameChg>
-      </pc:sldChg>
-    </pc:docChg>
-  </pc:docChgLst>
-  <pc:docChgLst>
-    <pc:chgData name="Akilah Johnson" userId="S::akjohnso@adobe.com::2fa3aa60-0c9c-4d06-bae2-795983241227" providerId="AD" clId="Web-{CF46E89E-48FC-BA32-13C5-654DDA452FDC}"/>
-    <pc:docChg chg="modSld">
-      <pc:chgData name="Akilah Johnson" userId="S::akjohnso@adobe.com::2fa3aa60-0c9c-4d06-bae2-795983241227" providerId="AD" clId="Web-{CF46E89E-48FC-BA32-13C5-654DDA452FDC}" dt="2021-10-12T17:00:50.675" v="21" actId="20577"/>
-      <pc:docMkLst>
-        <pc:docMk/>
-      </pc:docMkLst>
-      <pc:sldChg chg="modSp">
-        <pc:chgData name="Akilah Johnson" userId="S::akjohnso@adobe.com::2fa3aa60-0c9c-4d06-bae2-795983241227" providerId="AD" clId="Web-{CF46E89E-48FC-BA32-13C5-654DDA452FDC}" dt="2021-10-12T16:58:10.550" v="6" actId="20577"/>
-        <pc:sldMkLst>
-          <pc:docMk/>
-          <pc:sldMk cId="0" sldId="256"/>
-        </pc:sldMkLst>
-        <pc:spChg chg="mod">
-          <ac:chgData name="Akilah Johnson" userId="S::akjohnso@adobe.com::2fa3aa60-0c9c-4d06-bae2-795983241227" providerId="AD" clId="Web-{CF46E89E-48FC-BA32-13C5-654DDA452FDC}" dt="2021-10-12T16:58:10.550" v="6" actId="20577"/>
-          <ac:spMkLst>
-            <pc:docMk/>
-            <pc:sldMk cId="0" sldId="256"/>
-            <ac:spMk id="2" creationId="{00000000-0000-0000-0000-000000000000}"/>
-          </ac:spMkLst>
-        </pc:spChg>
-        <pc:graphicFrameChg chg="mod modGraphic">
-          <ac:chgData name="Akilah Johnson" userId="S::akjohnso@adobe.com::2fa3aa60-0c9c-4d06-bae2-795983241227" providerId="AD" clId="Web-{CF46E89E-48FC-BA32-13C5-654DDA452FDC}" dt="2021-10-12T16:57:07.113" v="1"/>
-          <ac:graphicFrameMkLst>
-            <pc:docMk/>
-            <pc:sldMk cId="0" sldId="256"/>
-            <ac:graphicFrameMk id="8" creationId="{00000000-0000-0000-0000-000000000000}"/>
-          </ac:graphicFrameMkLst>
-        </pc:graphicFrameChg>
-      </pc:sldChg>
-      <pc:sldChg chg="modSp">
-        <pc:chgData name="Akilah Johnson" userId="S::akjohnso@adobe.com::2fa3aa60-0c9c-4d06-bae2-795983241227" providerId="AD" clId="Web-{CF46E89E-48FC-BA32-13C5-654DDA452FDC}" dt="2021-10-12T16:59:59.628" v="14" actId="20577"/>
-        <pc:sldMkLst>
-          <pc:docMk/>
-          <pc:sldMk cId="0" sldId="257"/>
-        </pc:sldMkLst>
-        <pc:spChg chg="mod">
-          <ac:chgData name="Akilah Johnson" userId="S::akjohnso@adobe.com::2fa3aa60-0c9c-4d06-bae2-795983241227" providerId="AD" clId="Web-{CF46E89E-48FC-BA32-13C5-654DDA452FDC}" dt="2021-10-12T16:59:21.300" v="12" actId="20577"/>
-          <ac:spMkLst>
-            <pc:docMk/>
-            <pc:sldMk cId="0" sldId="257"/>
-            <ac:spMk id="39" creationId="{00000000-0000-0000-0000-000000000000}"/>
-          </ac:spMkLst>
-        </pc:spChg>
-        <pc:spChg chg="mod">
-          <ac:chgData name="Akilah Johnson" userId="S::akjohnso@adobe.com::2fa3aa60-0c9c-4d06-bae2-795983241227" providerId="AD" clId="Web-{CF46E89E-48FC-BA32-13C5-654DDA452FDC}" dt="2021-10-12T16:59:59.628" v="14" actId="20577"/>
-          <ac:spMkLst>
-            <pc:docMk/>
-            <pc:sldMk cId="0" sldId="257"/>
-            <ac:spMk id="46" creationId="{00000000-0000-0000-0000-000000000000}"/>
-          </ac:spMkLst>
-        </pc:spChg>
-      </pc:sldChg>
-      <pc:sldChg chg="modSp">
-        <pc:chgData name="Akilah Johnson" userId="S::akjohnso@adobe.com::2fa3aa60-0c9c-4d06-bae2-795983241227" providerId="AD" clId="Web-{CF46E89E-48FC-BA32-13C5-654DDA452FDC}" dt="2021-10-12T17:00:50.675" v="21" actId="20577"/>
-        <pc:sldMkLst>
-          <pc:docMk/>
-          <pc:sldMk cId="799510854" sldId="260"/>
-        </pc:sldMkLst>
-        <pc:spChg chg="mod">
-          <ac:chgData name="Akilah Johnson" userId="S::akjohnso@adobe.com::2fa3aa60-0c9c-4d06-bae2-795983241227" providerId="AD" clId="Web-{CF46E89E-48FC-BA32-13C5-654DDA452FDC}" dt="2021-10-12T17:00:50.675" v="21" actId="20577"/>
-          <ac:spMkLst>
-            <pc:docMk/>
-            <pc:sldMk cId="799510854" sldId="260"/>
-            <ac:spMk id="24" creationId="{00000000-0000-0000-0000-000000000000}"/>
-          </ac:spMkLst>
-        </pc:spChg>
-        <pc:spChg chg="mod">
-          <ac:chgData name="Akilah Johnson" userId="S::akjohnso@adobe.com::2fa3aa60-0c9c-4d06-bae2-795983241227" providerId="AD" clId="Web-{CF46E89E-48FC-BA32-13C5-654DDA452FDC}" dt="2021-10-12T17:00:45.784" v="19" actId="20577"/>
-          <ac:spMkLst>
-            <pc:docMk/>
-            <pc:sldMk cId="799510854" sldId="260"/>
-            <ac:spMk id="56" creationId="{00000000-0000-0000-0000-000000000000}"/>
-          </ac:spMkLst>
-        </pc:spChg>
-      </pc:sldChg>
-    </pc:docChg>
-  </pc:docChgLst>
-  <pc:docChgLst>
-    <pc:chgData name="Akilah Johnson" userId="S::akjohnso@adobe.com::2fa3aa60-0c9c-4d06-bae2-795983241227" providerId="AD" clId="Web-{19E88417-C612-7196-8214-73025F75FA84}"/>
-    <pc:docChg chg="modSld">
-      <pc:chgData name="Akilah Johnson" userId="S::akjohnso@adobe.com::2fa3aa60-0c9c-4d06-bae2-795983241227" providerId="AD" clId="Web-{19E88417-C612-7196-8214-73025F75FA84}" dt="2021-10-12T19:15:42.562" v="5" actId="20577"/>
-      <pc:docMkLst>
-        <pc:docMk/>
-      </pc:docMkLst>
-      <pc:sldChg chg="modSp">
-        <pc:chgData name="Akilah Johnson" userId="S::akjohnso@adobe.com::2fa3aa60-0c9c-4d06-bae2-795983241227" providerId="AD" clId="Web-{19E88417-C612-7196-8214-73025F75FA84}" dt="2021-10-12T19:15:42.562" v="5" actId="20577"/>
-        <pc:sldMkLst>
-          <pc:docMk/>
-          <pc:sldMk cId="0" sldId="256"/>
-        </pc:sldMkLst>
-        <pc:spChg chg="mod">
-          <ac:chgData name="Akilah Johnson" userId="S::akjohnso@adobe.com::2fa3aa60-0c9c-4d06-bae2-795983241227" providerId="AD" clId="Web-{19E88417-C612-7196-8214-73025F75FA84}" dt="2021-10-12T19:15:42.562" v="5" actId="20577"/>
-          <ac:spMkLst>
-            <pc:docMk/>
-            <pc:sldMk cId="0" sldId="256"/>
-            <ac:spMk id="13" creationId="{7979C0CC-523E-844A-96DC-75FC662E01AB}"/>
-          </ac:spMkLst>
-        </pc:spChg>
       </pc:sldChg>
     </pc:docChg>
   </pc:docChgLst>
@@ -435,7 +255,7 @@
           <a:p>
             <a:fld id="{A438815C-EDE5-F947-A55F-7634403F36C4}" type="datetimeFigureOut">
               <a:rPr lang="en-US" smtClean="0"/>
-              <a:t>10/13/21</a:t>
+              <a:t>10/1/2021</a:t>
             </a:fld>
             <a:endParaRPr lang="en-US"/>
           </a:p>
@@ -1058,7 +878,7 @@
           <a:p>
             <a:fld id="{1D8BD707-D9CF-40AE-B4C6-C98DA3205C09}" type="datetimeFigureOut">
               <a:rPr lang="en-US"/>
-              <a:t>10/13/21</a:t>
+              <a:t>10/1/2021</a:t>
             </a:fld>
             <a:endParaRPr lang="en-US"/>
           </a:p>
@@ -1242,7 +1062,7 @@
           <a:p>
             <a:fld id="{1D8BD707-D9CF-40AE-B4C6-C98DA3205C09}" type="datetimeFigureOut">
               <a:rPr lang="en-US"/>
-              <a:t>10/13/21</a:t>
+              <a:t>10/1/2021</a:t>
             </a:fld>
             <a:endParaRPr lang="en-US"/>
           </a:p>
@@ -1544,7 +1364,7 @@
           <a:p>
             <a:fld id="{1D8BD707-D9CF-40AE-B4C6-C98DA3205C09}" type="datetimeFigureOut">
               <a:rPr lang="en-US"/>
-              <a:t>10/13/21</a:t>
+              <a:t>10/1/2021</a:t>
             </a:fld>
             <a:endParaRPr lang="en-US"/>
           </a:p>
@@ -1799,25 +1619,28 @@
         <p:spPr>
           <a:xfrm>
             <a:off x="95250" y="7228840"/>
-            <a:ext cx="2884717" cy="227626"/>
+            <a:ext cx="2800350" cy="238760"/>
           </a:xfrm>
           <a:prstGeom prst="rect">
             <a:avLst/>
           </a:prstGeom>
         </p:spPr>
         <p:txBody>
-          <a:bodyPr vert="horz" wrap="square" lIns="0" tIns="12065" rIns="0" bIns="0" rtlCol="0" anchor="t">
+          <a:bodyPr vert="horz" wrap="square" lIns="0" tIns="12065" rIns="0" bIns="0" rtlCol="0">
             <a:spAutoFit/>
           </a:bodyPr>
           <a:lstStyle/>
           <a:p>
             <a:pPr marL="12700">
+              <a:lnSpc>
+                <a:spcPct val="100000"/>
+              </a:lnSpc>
               <a:spcBef>
                 <a:spcPts val="95"/>
               </a:spcBef>
             </a:pPr>
             <a:r>
-              <a:rPr sz="1400" b="1" u="heavy" spc="10" dirty="0">
+              <a:rPr lang="it-IT" sz="1400" b="1" u="heavy">
                 <a:solidFill>
                   <a:srgbClr val="020302"/>
                 </a:solidFill>
@@ -1829,87 +1652,8 @@
                 <a:latin typeface="Adobe Clean"/>
                 <a:cs typeface="Adobe Clean"/>
               </a:rPr>
-              <a:t>Service </a:t>
+              <a:t>Obiettivi del livello di servizio: risposta iniziale</a:t>
             </a:r>
-            <a:r>
-              <a:rPr sz="1400" b="1" u="heavy" spc="-10" dirty="0">
-                <a:solidFill>
-                  <a:srgbClr val="020302"/>
-                </a:solidFill>
-                <a:uFill>
-                  <a:solidFill>
-                    <a:srgbClr val="020302"/>
-                  </a:solidFill>
-                </a:uFill>
-                <a:latin typeface="Adobe Clean"/>
-                <a:cs typeface="Adobe Clean"/>
-              </a:rPr>
-              <a:t>Level </a:t>
-            </a:r>
-            <a:r>
-              <a:rPr sz="1400" b="1" u="heavy" spc="-45" dirty="0">
-                <a:solidFill>
-                  <a:srgbClr val="020302"/>
-                </a:solidFill>
-                <a:uFill>
-                  <a:solidFill>
-                    <a:srgbClr val="020302"/>
-                  </a:solidFill>
-                </a:uFill>
-                <a:latin typeface="Adobe Clean"/>
-                <a:cs typeface="Adobe Clean"/>
-              </a:rPr>
-              <a:t>Targets: </a:t>
-            </a:r>
-            <a:r>
-              <a:rPr sz="1400" b="1" u="heavy" spc="-10" dirty="0">
-                <a:solidFill>
-                  <a:srgbClr val="020302"/>
-                </a:solidFill>
-                <a:uFill>
-                  <a:solidFill>
-                    <a:srgbClr val="020302"/>
-                  </a:solidFill>
-                </a:uFill>
-                <a:latin typeface="Adobe Clean"/>
-                <a:cs typeface="Adobe Clean"/>
-              </a:rPr>
-              <a:t>Initial</a:t>
-            </a:r>
-            <a:r>
-              <a:rPr lang="en-US" sz="1400" b="1" u="heavy" spc="-10" dirty="0">
-                <a:solidFill>
-                  <a:srgbClr val="020302"/>
-                </a:solidFill>
-                <a:uFill>
-                  <a:solidFill>
-                    <a:srgbClr val="020302"/>
-                  </a:solidFill>
-                </a:uFill>
-                <a:latin typeface="Adobe Clean"/>
-                <a:cs typeface="Adobe Clean"/>
-              </a:rPr>
-              <a:t> </a:t>
-            </a:r>
-            <a:r>
-              <a:rPr sz="1400" b="1" u="heavy" spc="-15" dirty="0">
-                <a:solidFill>
-                  <a:srgbClr val="020302"/>
-                </a:solidFill>
-                <a:uFill>
-                  <a:solidFill>
-                    <a:srgbClr val="020302"/>
-                  </a:solidFill>
-                </a:uFill>
-                <a:latin typeface="Adobe Clean"/>
-                <a:cs typeface="Adobe Clean"/>
-              </a:rPr>
-              <a:t>Response</a:t>
-            </a:r>
-            <a:endParaRPr sz="1400" dirty="0">
-              <a:latin typeface="Adobe Clean"/>
-              <a:cs typeface="Adobe Clean"/>
-            </a:endParaRPr>
           </a:p>
         </p:txBody>
       </p:sp>
@@ -1958,7 +1702,7 @@
           </a:prstGeom>
         </p:spPr>
         <p:txBody>
-          <a:bodyPr vert="horz" wrap="square" lIns="0" tIns="24130" rIns="0" bIns="0" rtlCol="0" anchor="t">
+          <a:bodyPr vert="horz" wrap="square" lIns="0" tIns="24130" rIns="0" bIns="0" rtlCol="0">
             <a:spAutoFit/>
           </a:bodyPr>
           <a:lstStyle/>
@@ -1972,7 +1716,7 @@
               </a:spcBef>
             </a:pPr>
             <a:r>
-              <a:rPr lang="en-US" sz="1200" b="1" dirty="0">
+              <a:rPr lang="it-IT" sz="1200" b="1" dirty="0">
                 <a:solidFill>
                   <a:schemeClr val="bg1"/>
                 </a:solidFill>
@@ -1980,34 +1724,54 @@
               <a:t>Online</a:t>
             </a:r>
             <a:r>
-              <a:rPr lang="en-US" sz="1200" dirty="0">
+              <a:rPr lang="it-IT" sz="1200" dirty="0">
                 <a:solidFill>
                   <a:schemeClr val="bg1"/>
                 </a:solidFill>
-                <a:latin typeface="Adobe Clean Light"/>
+                <a:latin typeface="Adobe Clean Light" panose="020B0303020404020204" pitchFamily="34" charset="0"/>
               </a:rPr>
               <a:t> | Business | Enterprise | Elite</a:t>
             </a:r>
             <a:br>
-              <a:rPr lang="en-US" sz="900" dirty="0">
+              <a:rPr lang="it-IT" sz="900" dirty="0">
+                <a:solidFill>
+                  <a:schemeClr val="bg1"/>
+                </a:solidFill>
                 <a:latin typeface="Adobe Clean Light" panose="020B0303020404020204" pitchFamily="34" charset="0"/>
               </a:rPr>
             </a:br>
             <a:r>
-              <a:rPr lang="en-US" sz="900" dirty="0">
+              <a:rPr lang="it-IT" sz="900" dirty="0">
                 <a:solidFill>
                   <a:schemeClr val="bg1"/>
                 </a:solidFill>
-                <a:latin typeface="Adobe Clean SemiLight"/>
+                <a:latin typeface="Adobe Clean SemiLight" panose="020B0403020404020204" pitchFamily="34" charset="0"/>
               </a:rPr>
-              <a:t>Adobe provides a comprehensive range of technical resources to help support your business included as part of your Experience Cloud license subscription. Online support includes access to personalized learning paths and monitored community forums via the Adobe Experience League. You can take advantage of our detailed and in-depth technical product documentation and current release notes published on </a:t>
+              <a:t>Adobe offre una gamma completa di risorse tecniche per assistere la tua azienda, incluse nell’abbonamento Experience Cloud. </a:t>
             </a:r>
-            <a:r>
-              <a:rPr lang="en-US" sz="900" u="sng" dirty="0">
+            <a:br>
+              <a:rPr lang="sk-SK" sz="900" dirty="0">
                 <a:solidFill>
                   <a:schemeClr val="bg1"/>
                 </a:solidFill>
-                <a:latin typeface="Adobe Clean SemiLight"/>
+                <a:latin typeface="Adobe Clean SemiLight" panose="020B0403020404020204" pitchFamily="34" charset="0"/>
+              </a:rPr>
+            </a:br>
+            <a:r>
+              <a:rPr lang="it-IT" sz="900" dirty="0">
+                <a:solidFill>
+                  <a:schemeClr val="bg1"/>
+                </a:solidFill>
+                <a:latin typeface="Adobe Clean SemiLight" panose="020B0403020404020204" pitchFamily="34" charset="0"/>
+              </a:rPr>
+              <a:t>Il supporto Online include l’accesso a percorsi di apprendimento personalizzati e forum della community monitorati tramite Adobe Experience League. Puoi inoltre usufruire di documentazione tecnica dettagliata e note sulla versione sempre aggiornate pubblicate su </a:t>
+            </a:r>
+            <a:r>
+              <a:rPr lang="it-IT" sz="900" u="sng" dirty="0">
+                <a:solidFill>
+                  <a:schemeClr val="bg1"/>
+                </a:solidFill>
+                <a:latin typeface="Adobe Clean SemiLight" panose="020B0403020404020204" pitchFamily="34" charset="0"/>
                 <a:hlinkClick r:id="rId4">
                   <a:extLst>
                     <a:ext uri="{A12FA001-AC4F-418D-AE19-62706E023703}">
@@ -2016,24 +1780,34 @@
                   </a:extLst>
                 </a:hlinkClick>
               </a:rPr>
-              <a:t>http://www.adobe.com. </a:t>
+              <a:t>http://www.adobe.com</a:t>
             </a:r>
             <a:r>
-              <a:rPr lang="en-US" sz="900" dirty="0">
+              <a:rPr lang="it-IT" sz="900" dirty="0">
                 <a:solidFill>
                   <a:schemeClr val="bg1"/>
                 </a:solidFill>
-                <a:latin typeface="Adobe Clean SemiLight"/>
+                <a:latin typeface="Adobe Clean SemiLight" panose="020B0403020404020204" pitchFamily="34" charset="0"/>
               </a:rPr>
-              <a:t>Our Online package also includes access to our technical support teams for any critical P1 product issues via telephone to help protect your business at the most critical times as well as providing the ability to log lower priority requests for assistance via support web portal.</a:t>
+              <a:t> Il pacchetto Online include inoltre l’accesso telefonico ai team addetti al supporto tecnico per eventuali problemi di livello P1, per ricevere assistenza nei momenti più critici. Per problemi di minore criticità, è possibile inviare richieste </a:t>
             </a:r>
-            <a:endParaRPr lang="en-US" sz="900" dirty="0">
-              <a:solidFill>
-                <a:schemeClr val="bg1"/>
-              </a:solidFill>
-              <a:latin typeface="Adobe Clean SemiLight"/>
-              <a:cs typeface="AdobeClean-Light"/>
-            </a:endParaRPr>
+            <a:br>
+              <a:rPr lang="sk-SK" sz="900" dirty="0">
+                <a:solidFill>
+                  <a:schemeClr val="bg1"/>
+                </a:solidFill>
+                <a:latin typeface="Adobe Clean SemiLight" panose="020B0403020404020204" pitchFamily="34" charset="0"/>
+              </a:rPr>
+            </a:br>
+            <a:r>
+              <a:rPr lang="it-IT" sz="900" dirty="0">
+                <a:solidFill>
+                  <a:schemeClr val="bg1"/>
+                </a:solidFill>
+                <a:latin typeface="Adobe Clean SemiLight" panose="020B0403020404020204" pitchFamily="34" charset="0"/>
+              </a:rPr>
+              <a:t>di supporto tramite il portale web.</a:t>
+            </a:r>
           </a:p>
         </p:txBody>
       </p:sp>
@@ -2075,14 +1849,14 @@
           <p:nvPr>
             <p:extLst>
               <p:ext uri="{D42A27DB-BD31-4B8C-83A1-F6EECF244321}">
-                <p14:modId xmlns:p14="http://schemas.microsoft.com/office/powerpoint/2010/main" val="1047125657"/>
+                <p14:modId xmlns:p14="http://schemas.microsoft.com/office/powerpoint/2010/main" val="3836167592"/>
               </p:ext>
             </p:extLst>
           </p:nvPr>
         </p:nvGraphicFramePr>
         <p:xfrm>
           <a:off x="0" y="1938946"/>
-          <a:ext cx="7705343" cy="5227197"/>
+          <a:ext cx="7705343" cy="5300593"/>
         </p:xfrm>
         <a:graphic>
           <a:graphicData uri="http://schemas.openxmlformats.org/drawingml/2006/table">
@@ -2176,39 +1950,15 @@
                         </a:spcBef>
                       </a:pPr>
                       <a:r>
-                        <a:rPr sz="900" spc="0" dirty="0">
+                        <a:rPr lang="it-IT" sz="900">
                           <a:solidFill>
                             <a:srgbClr val="404040"/>
                           </a:solidFill>
                           <a:latin typeface="Adobe Clean"/>
                           <a:cs typeface="Adobe Clean"/>
                         </a:rPr>
-                        <a:t>Online</a:t>
+                        <a:t>Supporto Online</a:t>
                       </a:r>
-                      <a:r>
-                        <a:rPr lang="en-US" sz="900" spc="0" dirty="0">
-                          <a:solidFill>
-                            <a:srgbClr val="404040"/>
-                          </a:solidFill>
-                          <a:latin typeface="Adobe Clean"/>
-                          <a:cs typeface="Adobe Clean"/>
-                        </a:rPr>
-                        <a:t> </a:t>
-                      </a:r>
-                      <a:r>
-                        <a:rPr sz="900" spc="0" dirty="0">
-                          <a:solidFill>
-                            <a:srgbClr val="404040"/>
-                          </a:solidFill>
-                          <a:latin typeface="Adobe Clean"/>
-                          <a:cs typeface="Adobe Clean"/>
-                        </a:rPr>
-                        <a:t>Support</a:t>
-                      </a:r>
-                      <a:endParaRPr sz="900" spc="0" dirty="0">
-                        <a:latin typeface="Adobe Clean"/>
-                        <a:cs typeface="Adobe Clean"/>
-                      </a:endParaRPr>
                     </a:p>
                   </a:txBody>
                   <a:tcPr marL="0" marR="0" marT="7620" marB="0" anchor="ctr">
@@ -2243,39 +1993,113 @@
                         </a:spcBef>
                       </a:pPr>
                       <a:r>
-                        <a:rPr sz="900" spc="0" dirty="0">
+                        <a:rPr lang="it-IT" sz="900">
                           <a:solidFill>
                             <a:srgbClr val="FFFFFF"/>
                           </a:solidFill>
                           <a:latin typeface="Adobe Clean"/>
                           <a:cs typeface="Adobe Clean"/>
                         </a:rPr>
-                        <a:t>Business</a:t>
+                        <a:t>Supporto Business</a:t>
                       </a:r>
+                    </a:p>
+                  </a:txBody>
+                  <a:tcPr marL="0" marR="0" marT="7620" marB="0" anchor="ctr">
+                    <a:lnL w="3175">
+                      <a:solidFill>
+                        <a:srgbClr val="B7B8B8"/>
+                      </a:solidFill>
+                      <a:prstDash val="solid"/>
+                    </a:lnL>
+                    <a:lnR w="3175">
+                      <a:solidFill>
+                        <a:srgbClr val="B7B8B8"/>
+                      </a:solidFill>
+                      <a:prstDash val="solid"/>
+                    </a:lnR>
+                    <a:lnB w="76200">
+                      <a:solidFill>
+                        <a:srgbClr val="ACD2FF"/>
+                      </a:solidFill>
+                      <a:prstDash val="solid"/>
+                    </a:lnB>
+                    <a:solidFill>
+                      <a:srgbClr val="7D7D7D"/>
+                    </a:solidFill>
+                  </a:tcPr>
+                </a:tc>
+                <a:tc gridSpan="2">
+                  <a:txBody>
+                    <a:bodyPr/>
+                    <a:lstStyle/>
+                    <a:p>
+                      <a:pPr marL="2540" algn="ctr">
+                        <a:lnSpc>
+                          <a:spcPct val="100000"/>
+                        </a:lnSpc>
+                        <a:spcBef>
+                          <a:spcPts val="60"/>
+                        </a:spcBef>
+                      </a:pPr>
                       <a:r>
-                        <a:rPr lang="en-US" sz="900" spc="0" dirty="0">
+                        <a:rPr lang="it-IT" sz="900">
                           <a:solidFill>
                             <a:srgbClr val="FFFFFF"/>
                           </a:solidFill>
                           <a:latin typeface="Adobe Clean"/>
                           <a:cs typeface="Adobe Clean"/>
                         </a:rPr>
-                        <a:t> </a:t>
+                        <a:t>Supporto Enterprise</a:t>
                       </a:r>
+                    </a:p>
+                  </a:txBody>
+                  <a:tcPr marL="0" marR="0" marT="7620" marB="0" anchor="ctr">
+                    <a:lnL w="3175">
+                      <a:solidFill>
+                        <a:srgbClr val="B7B8B8"/>
+                      </a:solidFill>
+                      <a:prstDash val="solid"/>
+                    </a:lnL>
+                    <a:lnR w="3175">
+                      <a:solidFill>
+                        <a:srgbClr val="B7B8B8"/>
+                      </a:solidFill>
+                      <a:prstDash val="solid"/>
+                    </a:lnR>
+                    <a:lnB w="76200">
+                      <a:solidFill>
+                        <a:srgbClr val="2E8FFF"/>
+                      </a:solidFill>
+                      <a:prstDash val="solid"/>
+                    </a:lnB>
+                    <a:solidFill>
+                      <a:srgbClr val="404040"/>
+                    </a:solidFill>
+                  </a:tcPr>
+                </a:tc>
+                <a:tc hMerge="1">
+                  <a:txBody>
+                    <a:bodyPr/>
+                    <a:lstStyle/>
+                    <a:p>
+                      <a:pPr marL="635" algn="ctr">
+                        <a:lnSpc>
+                          <a:spcPct val="100000"/>
+                        </a:lnSpc>
+                        <a:spcBef>
+                          <a:spcPts val="60"/>
+                        </a:spcBef>
+                      </a:pPr>
                       <a:r>
-                        <a:rPr sz="900" spc="0" dirty="0">
+                        <a:rPr lang="it-IT" sz="900">
                           <a:solidFill>
                             <a:srgbClr val="FFFFFF"/>
                           </a:solidFill>
                           <a:latin typeface="Adobe Clean"/>
                           <a:cs typeface="Adobe Clean"/>
                         </a:rPr>
-                        <a:t>Support</a:t>
+                        <a:t>Supporto Enterprise</a:t>
                       </a:r>
-                      <a:endParaRPr sz="900" spc="0" dirty="0">
-                        <a:latin typeface="Adobe Clean"/>
-                        <a:cs typeface="Adobe Clean"/>
-                      </a:endParaRPr>
                     </a:p>
                   </a:txBody>
                   <a:tcPr marL="0" marR="0" marT="7620" marB="0" anchor="ctr">
@@ -2293,21 +2117,21 @@
                     </a:lnR>
                     <a:lnB w="76200">
                       <a:solidFill>
-                        <a:srgbClr val="ACD2FF"/>
+                        <a:srgbClr val="2E8FFF"/>
                       </a:solidFill>
                       <a:prstDash val="solid"/>
                     </a:lnB>
                     <a:solidFill>
-                      <a:srgbClr val="7D7D7D"/>
+                      <a:srgbClr val="404040"/>
                     </a:solidFill>
                   </a:tcPr>
                 </a:tc>
-                <a:tc gridSpan="2">
-                  <a:txBody>
-                    <a:bodyPr/>
-                    <a:lstStyle/>
-                    <a:p>
-                      <a:pPr marL="2540" algn="ctr">
+                <a:tc>
+                  <a:txBody>
+                    <a:bodyPr/>
+                    <a:lstStyle/>
+                    <a:p>
+                      <a:pPr marL="635" algn="ctr">
                         <a:lnSpc>
                           <a:spcPct val="100000"/>
                         </a:lnSpc>
@@ -2316,165 +2140,15 @@
                         </a:spcBef>
                       </a:pPr>
                       <a:r>
-                        <a:rPr lang="en-US" sz="900" spc="0" dirty="0">
+                        <a:rPr lang="it-IT" sz="900">
                           <a:solidFill>
                             <a:srgbClr val="FFFFFF"/>
                           </a:solidFill>
                           <a:latin typeface="Adobe Clean"/>
                           <a:cs typeface="Adobe Clean"/>
                         </a:rPr>
-                        <a:t>Enterprise Support</a:t>
+                        <a:t>Supporto Elite</a:t>
                       </a:r>
-                      <a:endParaRPr sz="900" spc="0" dirty="0">
-                        <a:latin typeface="Adobe Clean"/>
-                        <a:cs typeface="Adobe Clean"/>
-                      </a:endParaRPr>
-                    </a:p>
-                  </a:txBody>
-                  <a:tcPr marL="0" marR="0" marT="7620" marB="0" anchor="ctr">
-                    <a:lnL w="3175">
-                      <a:solidFill>
-                        <a:srgbClr val="B7B8B8"/>
-                      </a:solidFill>
-                      <a:prstDash val="solid"/>
-                    </a:lnL>
-                    <a:lnR w="3175">
-                      <a:solidFill>
-                        <a:srgbClr val="B7B8B8"/>
-                      </a:solidFill>
-                      <a:prstDash val="solid"/>
-                    </a:lnR>
-                    <a:lnB w="76200">
-                      <a:solidFill>
-                        <a:srgbClr val="2E8FFF"/>
-                      </a:solidFill>
-                      <a:prstDash val="solid"/>
-                    </a:lnB>
-                    <a:solidFill>
-                      <a:srgbClr val="404040"/>
-                    </a:solidFill>
-                  </a:tcPr>
-                </a:tc>
-                <a:tc hMerge="1">
-                  <a:txBody>
-                    <a:bodyPr/>
-                    <a:lstStyle/>
-                    <a:p>
-                      <a:pPr marL="635" algn="ctr">
-                        <a:lnSpc>
-                          <a:spcPct val="100000"/>
-                        </a:lnSpc>
-                        <a:spcBef>
-                          <a:spcPts val="60"/>
-                        </a:spcBef>
-                      </a:pPr>
-                      <a:r>
-                        <a:rPr sz="900" spc="-20" dirty="0">
-                          <a:solidFill>
-                            <a:srgbClr val="FFFFFF"/>
-                          </a:solidFill>
-                          <a:latin typeface="Adobe Clean"/>
-                          <a:cs typeface="Adobe Clean"/>
-                        </a:rPr>
-                        <a:t>Enterprise</a:t>
-                      </a:r>
-                      <a:r>
-                        <a:rPr lang="en-US" sz="900" spc="-20" dirty="0">
-                          <a:solidFill>
-                            <a:srgbClr val="FFFFFF"/>
-                          </a:solidFill>
-                          <a:latin typeface="Adobe Clean"/>
-                          <a:cs typeface="Adobe Clean"/>
-                        </a:rPr>
-                        <a:t> </a:t>
-                      </a:r>
-                      <a:r>
-                        <a:rPr sz="900" spc="-20" dirty="0">
-                          <a:solidFill>
-                            <a:srgbClr val="FFFFFF"/>
-                          </a:solidFill>
-                          <a:latin typeface="Adobe Clean"/>
-                          <a:cs typeface="Adobe Clean"/>
-                        </a:rPr>
-                        <a:t>Support</a:t>
-                      </a:r>
-                      <a:endParaRPr sz="900" dirty="0">
-                        <a:latin typeface="Adobe Clean"/>
-                        <a:cs typeface="Adobe Clean"/>
-                      </a:endParaRPr>
-                    </a:p>
-                  </a:txBody>
-                  <a:tcPr marL="0" marR="0" marT="7620" marB="0" anchor="ctr">
-                    <a:lnL w="3175">
-                      <a:solidFill>
-                        <a:srgbClr val="B7B8B8"/>
-                      </a:solidFill>
-                      <a:prstDash val="solid"/>
-                    </a:lnL>
-                    <a:lnR w="3175">
-                      <a:solidFill>
-                        <a:srgbClr val="B7B8B8"/>
-                      </a:solidFill>
-                      <a:prstDash val="solid"/>
-                    </a:lnR>
-                    <a:lnB w="76200">
-                      <a:solidFill>
-                        <a:srgbClr val="2E8FFF"/>
-                      </a:solidFill>
-                      <a:prstDash val="solid"/>
-                    </a:lnB>
-                    <a:solidFill>
-                      <a:srgbClr val="404040"/>
-                    </a:solidFill>
-                  </a:tcPr>
-                </a:tc>
-                <a:tc>
-                  <a:txBody>
-                    <a:bodyPr/>
-                    <a:lstStyle/>
-                    <a:p>
-                      <a:pPr marL="635" algn="ctr">
-                        <a:lnSpc>
-                          <a:spcPct val="100000"/>
-                        </a:lnSpc>
-                        <a:spcBef>
-                          <a:spcPts val="60"/>
-                        </a:spcBef>
-                      </a:pPr>
-                      <a:r>
-                        <a:rPr sz="900" spc="0" dirty="0">
-                          <a:solidFill>
-                            <a:srgbClr val="FFFFFF"/>
-                          </a:solidFill>
-                          <a:latin typeface="Adobe Clean"/>
-                          <a:cs typeface="Adobe Clean"/>
-                        </a:rPr>
-                        <a:t>Elite</a:t>
-                      </a:r>
-                      <a:r>
-                        <a:rPr lang="en-US" sz="900" spc="0" dirty="0">
-                          <a:solidFill>
-                            <a:srgbClr val="FFFFFF"/>
-                          </a:solidFill>
-                          <a:latin typeface="Adobe Clean"/>
-                          <a:cs typeface="Adobe Clean"/>
-                        </a:rPr>
-                        <a:t> </a:t>
-                      </a:r>
-                      <a:r>
-                        <a:rPr sz="900" spc="0" dirty="0">
-                          <a:solidFill>
-                            <a:srgbClr val="FFFFFF"/>
-                          </a:solidFill>
-                          <a:latin typeface="Adobe Clean"/>
-                          <a:cs typeface="Adobe Clean"/>
-                        </a:rPr>
-                        <a:t>Support</a:t>
-                      </a:r>
-                      <a:endParaRPr sz="900" spc="0" dirty="0">
-                        <a:latin typeface="Adobe Clean"/>
-                        <a:cs typeface="Adobe Clean"/>
-                      </a:endParaRPr>
                     </a:p>
                   </a:txBody>
                   <a:tcPr marL="0" marR="0" marT="7620" marB="0" anchor="ctr">
@@ -2527,7 +2201,7 @@
                     <a:bodyPr/>
                     <a:lstStyle/>
                     <a:p>
-                      <a:pPr marL="255904" marR="248920" indent="-25400">
+                      <a:pPr marL="255904" marR="248920" indent="-25400" algn="l" rtl="0">
                         <a:lnSpc>
                           <a:spcPct val="100000"/>
                         </a:lnSpc>
@@ -2581,29 +2255,15 @@
                         </a:spcBef>
                       </a:pPr>
                       <a:r>
-                        <a:rPr lang="en-US" sz="800" i="1" spc="0" dirty="0">
+                        <a:rPr lang="it-IT" sz="800" i="1">
                           <a:solidFill>
                             <a:srgbClr val="FFFFFF"/>
                           </a:solidFill>
                           <a:latin typeface="Adobe Clean"/>
                           <a:cs typeface="Adobe Clean"/>
                         </a:rPr>
-                        <a:t>Paid</a:t>
+                        <a:t>Livelli di supporto a pagamento ($)</a:t>
                       </a:r>
-                      <a:r>
-                        <a:rPr sz="800" i="1" spc="0" dirty="0">
-                          <a:solidFill>
-                            <a:srgbClr val="FFFFFF"/>
-                          </a:solidFill>
-                          <a:latin typeface="Adobe Clean"/>
-                          <a:cs typeface="Adobe Clean"/>
-                        </a:rPr>
-                        <a:t> Support Levels($)</a:t>
-                      </a:r>
-                      <a:endParaRPr sz="800" spc="0" dirty="0">
-                        <a:latin typeface="Adobe Clean"/>
-                        <a:cs typeface="Adobe Clean"/>
-                      </a:endParaRPr>
                     </a:p>
                   </a:txBody>
                   <a:tcPr marL="0" marR="0" marT="82550" marB="0" anchor="ctr">
@@ -2690,22 +2350,15 @@
                         </a:spcBef>
                       </a:pPr>
                       <a:r>
-                        <a:rPr lang="en-US" sz="1000" b="1" i="0" spc="0" dirty="0">
+                        <a:rPr lang="it-IT" sz="1000" b="1" i="0">
                           <a:solidFill>
                             <a:schemeClr val="bg1"/>
                           </a:solidFill>
                           <a:latin typeface="Adobe Clean" panose="020B0503020404020204" pitchFamily="34" charset="0"/>
                           <a:cs typeface="AdobeClean-Light"/>
                         </a:rPr>
-                        <a:t>Assigned Experts</a:t>
+                        <a:t>Esperti assegnati</a:t>
                       </a:r>
-                      <a:endParaRPr sz="1000" b="1" i="0" spc="0" dirty="0">
-                        <a:solidFill>
-                          <a:schemeClr val="bg1"/>
-                        </a:solidFill>
-                        <a:latin typeface="Adobe Clean" panose="020B0503020404020204" pitchFamily="34" charset="0"/>
-                        <a:cs typeface="AdobeClean-Light"/>
-                      </a:endParaRPr>
                     </a:p>
                   </a:txBody>
                   <a:tcPr marL="0" marR="0" marT="58419" marB="0" anchor="ctr">
@@ -2752,7 +2405,7 @@
                         </a:spcBef>
                       </a:pPr>
                       <a:r>
-                        <a:rPr sz="900" spc="0" dirty="0">
+                        <a:rPr lang="it-IT" sz="900">
                           <a:solidFill>
                             <a:srgbClr val="020302"/>
                           </a:solidFill>
@@ -2761,10 +2414,6 @@
                         </a:rPr>
                         <a:t>Account Support Lead</a:t>
                       </a:r>
-                      <a:endParaRPr sz="900" spc="0" dirty="0">
-                        <a:latin typeface="AdobeClean-Light"/>
-                        <a:cs typeface="AdobeClean-Light"/>
-                      </a:endParaRPr>
                     </a:p>
                   </a:txBody>
                   <a:tcPr marL="0" marR="0" marT="58419" marB="0">
@@ -2793,7 +2442,7 @@
                     <a:bodyPr/>
                     <a:lstStyle/>
                     <a:p>
-                      <a:pPr>
+                      <a:pPr algn="l" rtl="0">
                         <a:lnSpc>
                           <a:spcPct val="100000"/>
                         </a:lnSpc>
@@ -2838,7 +2487,7 @@
                         </a:spcBef>
                       </a:pPr>
                       <a:r>
-                        <a:rPr sz="900" spc="0" dirty="0">
+                        <a:rPr lang="it-IT" sz="900">
                           <a:solidFill>
                             <a:srgbClr val="020302"/>
                           </a:solidFill>
@@ -2847,10 +2496,6 @@
                         </a:rPr>
                         <a:t></a:t>
                       </a:r>
-                      <a:endParaRPr sz="900" spc="0" dirty="0">
-                        <a:latin typeface="Wingdings"/>
-                        <a:cs typeface="Wingdings"/>
-                      </a:endParaRPr>
                     </a:p>
                   </a:txBody>
                   <a:tcPr marL="0" marR="0" marT="59690" marB="0">
@@ -2867,7 +2512,7 @@
                     <a:bodyPr/>
                     <a:lstStyle/>
                     <a:p>
-                      <a:pPr algn="ctr">
+                      <a:pPr algn="l" rtl="0">
                         <a:lnSpc>
                           <a:spcPct val="100000"/>
                         </a:lnSpc>
@@ -2898,7 +2543,7 @@
                     <a:bodyPr/>
                     <a:lstStyle/>
                     <a:p>
-                      <a:pPr>
+                      <a:pPr algn="l" rtl="0">
                         <a:lnSpc>
                           <a:spcPct val="100000"/>
                         </a:lnSpc>
@@ -2923,7 +2568,7 @@
                     <a:bodyPr/>
                     <a:lstStyle/>
                     <a:p>
-                      <a:pPr>
+                      <a:pPr algn="l" rtl="0">
                         <a:lnSpc>
                           <a:spcPct val="100000"/>
                         </a:lnSpc>
@@ -2961,7 +2606,7 @@
                     <a:bodyPr/>
                     <a:lstStyle/>
                     <a:p>
-                      <a:pPr marL="50800">
+                      <a:pPr marL="50800" algn="l" rtl="0">
                         <a:lnSpc>
                           <a:spcPct val="100000"/>
                         </a:lnSpc>
@@ -3007,7 +2652,7 @@
                         </a:spcBef>
                       </a:pPr>
                       <a:r>
-                        <a:rPr sz="900" spc="0" dirty="0">
+                        <a:rPr lang="it-IT" sz="900">
                           <a:solidFill>
                             <a:srgbClr val="020302"/>
                           </a:solidFill>
@@ -3016,10 +2661,6 @@
                         </a:rPr>
                         <a:t>Named Support Engineer</a:t>
                       </a:r>
-                      <a:endParaRPr sz="900" spc="0" dirty="0">
-                        <a:latin typeface="AdobeClean-Light"/>
-                        <a:cs typeface="AdobeClean-Light"/>
-                      </a:endParaRPr>
                     </a:p>
                   </a:txBody>
                   <a:tcPr marL="0" marR="0" marT="58419" marB="0">
@@ -3042,7 +2683,7 @@
                     <a:bodyPr/>
                     <a:lstStyle/>
                     <a:p>
-                      <a:pPr>
+                      <a:pPr algn="l" rtl="0">
                         <a:lnSpc>
                           <a:spcPct val="100000"/>
                         </a:lnSpc>
@@ -3072,7 +2713,7 @@
                     <a:bodyPr/>
                     <a:lstStyle/>
                     <a:p>
-                      <a:pPr>
+                      <a:pPr algn="l" rtl="0">
                         <a:lnSpc>
                           <a:spcPct val="100000"/>
                         </a:lnSpc>
@@ -3090,7 +2731,7 @@
                     <a:bodyPr/>
                     <a:lstStyle/>
                     <a:p>
-                      <a:pPr>
+                      <a:pPr algn="l" rtl="0">
                         <a:lnSpc>
                           <a:spcPct val="100000"/>
                         </a:lnSpc>
@@ -3117,7 +2758,7 @@
                         </a:spcBef>
                       </a:pPr>
                       <a:r>
-                        <a:rPr sz="900" spc="0" dirty="0">
+                        <a:rPr lang="it-IT" sz="900">
                           <a:solidFill>
                             <a:srgbClr val="020302"/>
                           </a:solidFill>
@@ -3126,10 +2767,6 @@
                         </a:rPr>
                         <a:t></a:t>
                       </a:r>
-                      <a:endParaRPr sz="900" spc="0" dirty="0">
-                        <a:latin typeface="Wingdings"/>
-                        <a:cs typeface="Wingdings"/>
-                      </a:endParaRPr>
                     </a:p>
                   </a:txBody>
                   <a:tcPr marL="0" marR="0" marT="59055" marB="0"/>
@@ -3148,7 +2785,7 @@
                         </a:spcBef>
                       </a:pPr>
                       <a:r>
-                        <a:rPr sz="900" spc="0" dirty="0">
+                        <a:rPr lang="it-IT" sz="900">
                           <a:solidFill>
                             <a:srgbClr val="020302"/>
                           </a:solidFill>
@@ -3157,10 +2794,6 @@
                         </a:rPr>
                         <a:t></a:t>
                       </a:r>
-                      <a:endParaRPr sz="900" spc="0" dirty="0">
-                        <a:latin typeface="Wingdings"/>
-                        <a:cs typeface="Wingdings"/>
-                      </a:endParaRPr>
                     </a:p>
                   </a:txBody>
                   <a:tcPr marL="0" marR="0" marT="59055" marB="0">
@@ -3184,7 +2817,7 @@
                     <a:bodyPr/>
                     <a:lstStyle/>
                     <a:p>
-                      <a:pPr marL="50800">
+                      <a:pPr marL="50800" algn="l" rtl="0">
                         <a:lnSpc>
                           <a:spcPct val="100000"/>
                         </a:lnSpc>
@@ -3242,7 +2875,7 @@
                         </a:spcBef>
                       </a:pPr>
                       <a:r>
-                        <a:rPr sz="900" spc="0" dirty="0">
+                        <a:rPr lang="it-IT" sz="900">
                           <a:solidFill>
                             <a:srgbClr val="020302"/>
                           </a:solidFill>
@@ -3251,10 +2884,6 @@
                         </a:rPr>
                         <a:t>Technical Account Manager</a:t>
                       </a:r>
-                      <a:endParaRPr sz="900" spc="0" dirty="0">
-                        <a:latin typeface="AdobeClean-Light"/>
-                        <a:cs typeface="AdobeClean-Light"/>
-                      </a:endParaRPr>
                     </a:p>
                   </a:txBody>
                   <a:tcPr marL="0" marR="0" marT="63500" marB="0">
@@ -3283,7 +2912,7 @@
                     <a:bodyPr/>
                     <a:lstStyle/>
                     <a:p>
-                      <a:pPr>
+                      <a:pPr algn="l" rtl="0">
                         <a:lnSpc>
                           <a:spcPct val="100000"/>
                         </a:lnSpc>
@@ -3319,7 +2948,7 @@
                     <a:bodyPr/>
                     <a:lstStyle/>
                     <a:p>
-                      <a:pPr>
+                      <a:pPr algn="l" rtl="0">
                         <a:lnSpc>
                           <a:spcPct val="100000"/>
                         </a:lnSpc>
@@ -3344,7 +2973,7 @@
                     <a:bodyPr/>
                     <a:lstStyle/>
                     <a:p>
-                      <a:pPr>
+                      <a:pPr algn="l" rtl="0">
                         <a:lnSpc>
                           <a:spcPct val="100000"/>
                         </a:lnSpc>
@@ -3372,7 +3001,7 @@
                     <a:bodyPr/>
                     <a:lstStyle/>
                     <a:p>
-                      <a:pPr>
+                      <a:pPr algn="l" rtl="0">
                         <a:lnSpc>
                           <a:spcPct val="100000"/>
                         </a:lnSpc>
@@ -3406,7 +3035,7 @@
                         </a:spcBef>
                       </a:pPr>
                       <a:r>
-                        <a:rPr sz="900" spc="0" dirty="0">
+                        <a:rPr lang="it-IT" sz="900">
                           <a:solidFill>
                             <a:srgbClr val="020302"/>
                           </a:solidFill>
@@ -3415,10 +3044,6 @@
                         </a:rPr>
                         <a:t></a:t>
                       </a:r>
-                      <a:endParaRPr sz="900" spc="0">
-                        <a:latin typeface="Wingdings"/>
-                        <a:cs typeface="Wingdings"/>
-                      </a:endParaRPr>
                     </a:p>
                   </a:txBody>
                   <a:tcPr marL="0" marR="0" marT="64135" marB="0">
@@ -3457,22 +3082,15 @@
                         </a:spcBef>
                       </a:pPr>
                       <a:r>
-                        <a:rPr lang="en-US" sz="1000" b="1" i="0" spc="0" dirty="0">
+                        <a:rPr lang="it-IT" sz="1000" b="1" i="0">
                           <a:solidFill>
                             <a:schemeClr val="bg1"/>
                           </a:solidFill>
                           <a:latin typeface="Adobe Clean" panose="020B0503020404020204" pitchFamily="34" charset="0"/>
                           <a:cs typeface="AdobeClean-Light"/>
                         </a:rPr>
-                        <a:t>Support Services</a:t>
+                        <a:t>Servizi di assistenza</a:t>
                       </a:r>
-                      <a:endParaRPr sz="1000" b="1" i="0" spc="0" dirty="0">
-                        <a:solidFill>
-                          <a:schemeClr val="bg1"/>
-                        </a:solidFill>
-                        <a:latin typeface="Adobe Clean" panose="020B0503020404020204" pitchFamily="34" charset="0"/>
-                        <a:cs typeface="AdobeClean-Light"/>
-                      </a:endParaRPr>
                     </a:p>
                   </a:txBody>
                   <a:tcPr marL="0" marR="0" marT="57150" marB="0" anchor="ctr">
@@ -3528,79 +3146,61 @@
                         </a:spcBef>
                       </a:pPr>
                       <a:r>
-                        <a:rPr lang="en-US" sz="900" spc="0" dirty="0">
+                        <a:rPr lang="it-IT" sz="900">
                           <a:solidFill>
                             <a:srgbClr val="020302"/>
                           </a:solidFill>
                           <a:latin typeface="AdobeClean-Light"/>
                           <a:cs typeface="AdobeClean-Light"/>
                         </a:rPr>
-                        <a:t>Online </a:t>
+                        <a:t>Supporto Online</a:t>
                       </a:r>
+                    </a:p>
+                  </a:txBody>
+                  <a:tcPr marL="0" marR="0" marT="57150" marB="0">
+                    <a:lnL w="12700">
+                      <a:solidFill>
+                        <a:srgbClr val="F0F0F0"/>
+                      </a:solidFill>
+                      <a:prstDash val="solid"/>
+                    </a:lnL>
+                    <a:lnR w="12700">
+                      <a:solidFill>
+                        <a:srgbClr val="F0F0F0"/>
+                      </a:solidFill>
+                      <a:prstDash val="solid"/>
+                    </a:lnR>
+                    <a:lnT w="12700">
+                      <a:solidFill>
+                        <a:srgbClr val="F0F0F0"/>
+                      </a:solidFill>
+                      <a:prstDash val="solid"/>
+                    </a:lnT>
+                  </a:tcPr>
+                </a:tc>
+                <a:tc>
+                  <a:txBody>
+                    <a:bodyPr/>
+                    <a:lstStyle/>
+                    <a:p>
+                      <a:pPr algn="ctr">
+                        <a:lnSpc>
+                          <a:spcPct val="100000"/>
+                        </a:lnSpc>
+                        <a:spcBef>
+                          <a:spcPts val="535"/>
+                        </a:spcBef>
+                      </a:pPr>
                       <a:r>
-                        <a:rPr sz="900" spc="0" dirty="0">
+                        <a:rPr lang="it-IT" sz="800">
                           <a:solidFill>
                             <a:srgbClr val="020302"/>
                           </a:solidFill>
                           <a:latin typeface="AdobeClean-Light"/>
                           <a:cs typeface="AdobeClean-Light"/>
                         </a:rPr>
-                        <a:t> Support</a:t>
+                        <a:t>Orario operativo</a:t>
                       </a:r>
-                      <a:endParaRPr sz="900" spc="0" dirty="0">
-                        <a:latin typeface="AdobeClean-Light"/>
-                        <a:cs typeface="AdobeClean-Light"/>
-                      </a:endParaRPr>
-                    </a:p>
-                  </a:txBody>
-                  <a:tcPr marL="0" marR="0" marT="57150" marB="0">
-                    <a:lnL w="12700">
-                      <a:solidFill>
-                        <a:srgbClr val="F0F0F0"/>
-                      </a:solidFill>
-                      <a:prstDash val="solid"/>
-                    </a:lnL>
-                    <a:lnR w="12700">
-                      <a:solidFill>
-                        <a:srgbClr val="F0F0F0"/>
-                      </a:solidFill>
-                      <a:prstDash val="solid"/>
-                    </a:lnR>
-                    <a:lnT w="12700">
-                      <a:solidFill>
-                        <a:srgbClr val="F0F0F0"/>
-                      </a:solidFill>
-                      <a:prstDash val="solid"/>
-                    </a:lnT>
-                  </a:tcPr>
-                </a:tc>
-                <a:tc>
-                  <a:txBody>
-                    <a:bodyPr/>
-                    <a:lstStyle/>
-                    <a:p>
-                      <a:pPr algn="ctr">
-                        <a:lnSpc>
-                          <a:spcPct val="100000"/>
-                        </a:lnSpc>
-                        <a:spcBef>
-                          <a:spcPts val="535"/>
-                        </a:spcBef>
-                      </a:pPr>
-                      <a:r>
-                        <a:rPr sz="800" spc="0" dirty="0">
-                          <a:solidFill>
-                            <a:srgbClr val="020302"/>
-                          </a:solidFill>
-                          <a:latin typeface="AdobeClean-Light"/>
-                          <a:cs typeface="AdobeClean-Light"/>
-                        </a:rPr>
-                        <a:t>Business hours</a:t>
-                      </a:r>
-                      <a:endParaRPr sz="800" spc="0" dirty="0">
-                        <a:latin typeface="AdobeClean-Light"/>
-                        <a:cs typeface="AdobeClean-Light"/>
-                      </a:endParaRPr>
                     </a:p>
                   </a:txBody>
                   <a:tcPr marL="0" marR="0" marT="67945" marB="0">
@@ -3637,19 +3237,15 @@
                         </a:spcBef>
                       </a:pPr>
                       <a:r>
-                        <a:rPr sz="800" spc="0" dirty="0">
+                        <a:rPr lang="it-IT" sz="800">
                           <a:solidFill>
                             <a:srgbClr val="020302"/>
                           </a:solidFill>
                           <a:latin typeface="AdobeClean-Light"/>
                           <a:cs typeface="AdobeClean-Light"/>
                         </a:rPr>
-                        <a:t>Business hours</a:t>
+                        <a:t>Orario operativo</a:t>
                       </a:r>
-                      <a:endParaRPr sz="800" spc="0" dirty="0">
-                        <a:latin typeface="AdobeClean-Light"/>
-                        <a:cs typeface="AdobeClean-Light"/>
-                      </a:endParaRPr>
                     </a:p>
                   </a:txBody>
                   <a:tcPr marL="0" marR="0" marT="67945" marB="0">
@@ -3666,7 +3262,7 @@
                     <a:bodyPr/>
                     <a:lstStyle/>
                     <a:p>
-                      <a:pPr algn="ctr">
+                      <a:pPr algn="l" rtl="0">
                         <a:lnSpc>
                           <a:spcPct val="100000"/>
                         </a:lnSpc>
@@ -3706,19 +3302,15 @@
                         </a:spcBef>
                       </a:pPr>
                       <a:r>
-                        <a:rPr sz="800" spc="0" dirty="0">
+                        <a:rPr lang="it-IT" sz="800">
                           <a:solidFill>
                             <a:srgbClr val="020302"/>
                           </a:solidFill>
                           <a:latin typeface="AdobeClean-Light"/>
                           <a:cs typeface="AdobeClean-Light"/>
                         </a:rPr>
-                        <a:t>24X5</a:t>
+                        <a:t>24x5</a:t>
                       </a:r>
-                      <a:endParaRPr sz="800" spc="0">
-                        <a:latin typeface="AdobeClean-Light"/>
-                        <a:cs typeface="AdobeClean-Light"/>
-                      </a:endParaRPr>
                     </a:p>
                   </a:txBody>
                   <a:tcPr marL="0" marR="0" marT="67945" marB="0">
@@ -3744,19 +3336,15 @@
                         </a:spcBef>
                       </a:pPr>
                       <a:r>
-                        <a:rPr sz="800" spc="0" dirty="0">
+                        <a:rPr lang="it-IT" sz="800">
                           <a:solidFill>
                             <a:srgbClr val="020302"/>
                           </a:solidFill>
                           <a:latin typeface="AdobeClean-Light"/>
                           <a:cs typeface="AdobeClean-Light"/>
                         </a:rPr>
-                        <a:t>24X5</a:t>
+                        <a:t>24x5</a:t>
                       </a:r>
-                      <a:endParaRPr sz="800" spc="0" dirty="0">
-                        <a:latin typeface="AdobeClean-Light"/>
-                        <a:cs typeface="AdobeClean-Light"/>
-                      </a:endParaRPr>
                     </a:p>
                   </a:txBody>
                   <a:tcPr marL="0" marR="0" marT="67945" marB="0">
@@ -3786,7 +3374,7 @@
                     <a:bodyPr/>
                     <a:lstStyle/>
                     <a:p>
-                      <a:pPr marL="50800">
+                      <a:pPr marL="50800" algn="l" rtl="0">
                         <a:lnSpc>
                           <a:spcPct val="100000"/>
                         </a:lnSpc>
@@ -3835,39 +3423,15 @@
                         </a:spcBef>
                       </a:pPr>
                       <a:r>
-                        <a:rPr sz="900" spc="0" dirty="0">
+                        <a:rPr lang="it-IT" sz="900">
                           <a:solidFill>
                             <a:srgbClr val="020302"/>
                           </a:solidFill>
                           <a:latin typeface="AdobeClean-Light"/>
                           <a:cs typeface="AdobeClean-Light"/>
                         </a:rPr>
-                        <a:t>24x7</a:t>
+                        <a:t>Supporto per problemi P1 24x7x365</a:t>
                       </a:r>
-                      <a:r>
-                        <a:rPr lang="en-US" sz="900" spc="0" dirty="0">
-                          <a:solidFill>
-                            <a:srgbClr val="020302"/>
-                          </a:solidFill>
-                          <a:latin typeface="AdobeClean-Light"/>
-                          <a:cs typeface="AdobeClean-Light"/>
-                        </a:rPr>
-                        <a:t>x365</a:t>
-                      </a:r>
-                      <a:r>
-                        <a:rPr sz="900" spc="0" dirty="0">
-                          <a:solidFill>
-                            <a:srgbClr val="020302"/>
-                          </a:solidFill>
-                          <a:latin typeface="AdobeClean-Light"/>
-                          <a:cs typeface="AdobeClean-Light"/>
-                        </a:rPr>
-                        <a:t> P1 Issue Support</a:t>
-                      </a:r>
-                      <a:endParaRPr sz="900" spc="0" dirty="0">
-                        <a:latin typeface="AdobeClean-Light"/>
-                        <a:cs typeface="AdobeClean-Light"/>
-                      </a:endParaRPr>
                     </a:p>
                   </a:txBody>
                   <a:tcPr marL="0" marR="0" marT="57785" marB="0">
@@ -3899,7 +3463,7 @@
                         </a:spcBef>
                       </a:pPr>
                       <a:r>
-                        <a:rPr sz="900" spc="0" dirty="0">
+                        <a:rPr lang="it-IT" sz="900">
                           <a:solidFill>
                             <a:srgbClr val="020302"/>
                           </a:solidFill>
@@ -3908,10 +3472,6 @@
                         </a:rPr>
                         <a:t></a:t>
                       </a:r>
-                      <a:endParaRPr sz="900" spc="0">
-                        <a:latin typeface="Wingdings"/>
-                        <a:cs typeface="Wingdings"/>
-                      </a:endParaRPr>
                     </a:p>
                   </a:txBody>
                   <a:tcPr marL="0" marR="0" marT="58419" marB="0">
@@ -3942,7 +3502,7 @@
                         </a:spcBef>
                       </a:pPr>
                       <a:r>
-                        <a:rPr sz="900" spc="0" dirty="0">
+                        <a:rPr lang="it-IT" sz="900">
                           <a:solidFill>
                             <a:srgbClr val="020302"/>
                           </a:solidFill>
@@ -3951,10 +3511,6 @@
                         </a:rPr>
                         <a:t></a:t>
                       </a:r>
-                      <a:endParaRPr sz="900" spc="0">
-                        <a:latin typeface="Wingdings"/>
-                        <a:cs typeface="Wingdings"/>
-                      </a:endParaRPr>
                     </a:p>
                   </a:txBody>
                   <a:tcPr marL="0" marR="0" marT="58419" marB="0"/>
@@ -3964,7 +3520,7 @@
                     <a:bodyPr/>
                     <a:lstStyle/>
                     <a:p>
-                      <a:pPr algn="ctr">
+                      <a:pPr algn="l" rtl="0">
                         <a:lnSpc>
                           <a:spcPct val="100000"/>
                         </a:lnSpc>
@@ -3994,7 +3550,7 @@
                         </a:spcBef>
                       </a:pPr>
                       <a:r>
-                        <a:rPr sz="900" spc="0" dirty="0">
+                        <a:rPr lang="it-IT" sz="900">
                           <a:solidFill>
                             <a:srgbClr val="020302"/>
                           </a:solidFill>
@@ -4003,10 +3559,6 @@
                         </a:rPr>
                         <a:t></a:t>
                       </a:r>
-                      <a:endParaRPr sz="900" spc="0">
-                        <a:latin typeface="Wingdings"/>
-                        <a:cs typeface="Wingdings"/>
-                      </a:endParaRPr>
                     </a:p>
                   </a:txBody>
                   <a:tcPr marL="0" marR="0" marT="58419" marB="0"/>
@@ -4025,7 +3577,7 @@
                         </a:spcBef>
                       </a:pPr>
                       <a:r>
-                        <a:rPr sz="900" spc="0" dirty="0">
+                        <a:rPr lang="it-IT" sz="900">
                           <a:solidFill>
                             <a:srgbClr val="020302"/>
                           </a:solidFill>
@@ -4034,10 +3586,6 @@
                         </a:rPr>
                         <a:t></a:t>
                       </a:r>
-                      <a:endParaRPr sz="900" spc="0">
-                        <a:latin typeface="Wingdings"/>
-                        <a:cs typeface="Wingdings"/>
-                      </a:endParaRPr>
                     </a:p>
                   </a:txBody>
                   <a:tcPr marL="0" marR="0" marT="58419" marB="0">
@@ -4061,7 +3609,7 @@
                     <a:bodyPr/>
                     <a:lstStyle/>
                     <a:p>
-                      <a:pPr marL="50800">
+                      <a:pPr marL="50800" algn="l" rtl="0">
                         <a:lnSpc>
                           <a:spcPct val="100000"/>
                         </a:lnSpc>
@@ -4110,19 +3658,15 @@
                         </a:spcBef>
                       </a:pPr>
                       <a:r>
-                        <a:rPr lang="en-US" sz="900" spc="0" dirty="0">
+                        <a:rPr lang="it-IT" sz="900">
                           <a:solidFill>
                             <a:srgbClr val="020302"/>
                           </a:solidFill>
                           <a:latin typeface="AdobeClean-Light"/>
                           <a:cs typeface="AdobeClean-Light"/>
                         </a:rPr>
-                        <a:t>Named Support Contacts (per product)</a:t>
+                        <a:t>Contatti interni per il supporto (per prodotto)</a:t>
                       </a:r>
-                      <a:endParaRPr sz="900" spc="0" dirty="0">
-                        <a:latin typeface="AdobeClean-Light"/>
-                        <a:cs typeface="AdobeClean-Light"/>
-                      </a:endParaRPr>
                     </a:p>
                   </a:txBody>
                   <a:tcPr marL="0" marR="0" marT="57785" marB="0">
@@ -4154,7 +3698,7 @@
                         </a:spcBef>
                       </a:pPr>
                       <a:r>
-                        <a:rPr sz="900" spc="0" dirty="0">
+                        <a:rPr lang="it-IT" sz="900">
                           <a:solidFill>
                             <a:srgbClr val="020302"/>
                           </a:solidFill>
@@ -4163,10 +3707,6 @@
                         </a:rPr>
                         <a:t>4</a:t>
                       </a:r>
-                      <a:endParaRPr sz="900" spc="0" dirty="0">
-                        <a:latin typeface="AdobeClean-Light"/>
-                        <a:cs typeface="AdobeClean-Light"/>
-                      </a:endParaRPr>
                     </a:p>
                   </a:txBody>
                   <a:tcPr marL="0" marR="0" marT="57785" marB="0">
@@ -4197,7 +3737,7 @@
                         </a:spcBef>
                       </a:pPr>
                       <a:r>
-                        <a:rPr sz="900" spc="0" dirty="0">
+                        <a:rPr lang="it-IT" sz="900">
                           <a:solidFill>
                             <a:srgbClr val="020302"/>
                           </a:solidFill>
@@ -4206,10 +3746,6 @@
                         </a:rPr>
                         <a:t>6</a:t>
                       </a:r>
-                      <a:endParaRPr sz="900" spc="0">
-                        <a:latin typeface="AdobeClean-Light"/>
-                        <a:cs typeface="AdobeClean-Light"/>
-                      </a:endParaRPr>
                     </a:p>
                   </a:txBody>
                   <a:tcPr marL="0" marR="0" marT="57785" marB="0"/>
@@ -4219,7 +3755,7 @@
                     <a:bodyPr/>
                     <a:lstStyle/>
                     <a:p>
-                      <a:pPr algn="ctr">
+                      <a:pPr algn="l" rtl="0">
                         <a:lnSpc>
                           <a:spcPct val="100000"/>
                         </a:lnSpc>
@@ -4249,7 +3785,7 @@
                         </a:spcBef>
                       </a:pPr>
                       <a:r>
-                        <a:rPr sz="900" spc="0" dirty="0">
+                        <a:rPr lang="it-IT" sz="900">
                           <a:solidFill>
                             <a:srgbClr val="020302"/>
                           </a:solidFill>
@@ -4258,10 +3794,6 @@
                         </a:rPr>
                         <a:t>10</a:t>
                       </a:r>
-                      <a:endParaRPr sz="900" spc="0">
-                        <a:latin typeface="AdobeClean-Light"/>
-                        <a:cs typeface="AdobeClean-Light"/>
-                      </a:endParaRPr>
                     </a:p>
                   </a:txBody>
                   <a:tcPr marL="0" marR="0" marT="57785" marB="0"/>
@@ -4280,7 +3812,7 @@
                         </a:spcBef>
                       </a:pPr>
                       <a:r>
-                        <a:rPr sz="900" spc="0" dirty="0">
+                        <a:rPr lang="it-IT" sz="900">
                           <a:solidFill>
                             <a:srgbClr val="020302"/>
                           </a:solidFill>
@@ -4289,10 +3821,6 @@
                         </a:rPr>
                         <a:t>15</a:t>
                       </a:r>
-                      <a:endParaRPr sz="900" spc="0">
-                        <a:latin typeface="AdobeClean-Light"/>
-                        <a:cs typeface="AdobeClean-Light"/>
-                      </a:endParaRPr>
                     </a:p>
                   </a:txBody>
                   <a:tcPr marL="0" marR="0" marT="57785" marB="0">
@@ -4316,7 +3844,7 @@
                     <a:bodyPr/>
                     <a:lstStyle/>
                     <a:p>
-                      <a:pPr marL="50800">
+                      <a:pPr marL="50800" algn="l" rtl="0">
                         <a:lnSpc>
                           <a:spcPct val="100000"/>
                         </a:lnSpc>
@@ -4365,19 +3893,15 @@
                         </a:spcBef>
                       </a:pPr>
                       <a:r>
-                        <a:rPr lang="en-US" sz="900" spc="0" dirty="0">
+                        <a:rPr lang="it-IT" sz="900">
                           <a:solidFill>
                             <a:srgbClr val="020302"/>
                           </a:solidFill>
                           <a:latin typeface="AdobeClean-Light"/>
                           <a:cs typeface="AdobeClean-Light"/>
                         </a:rPr>
-                        <a:t>Live Telephone Support</a:t>
+                        <a:t>Supporto telefonico in diretta</a:t>
                       </a:r>
-                      <a:endParaRPr sz="900" spc="0" dirty="0">
-                        <a:latin typeface="AdobeClean-Light"/>
-                        <a:cs typeface="AdobeClean-Light"/>
-                      </a:endParaRPr>
                     </a:p>
                   </a:txBody>
                   <a:tcPr marL="0" marR="0" marT="57785" marB="0">
@@ -4400,7 +3924,7 @@
                     <a:bodyPr/>
                     <a:lstStyle/>
                     <a:p>
-                      <a:pPr>
+                      <a:pPr algn="l" rtl="0">
                         <a:lnSpc>
                           <a:spcPct val="100000"/>
                         </a:lnSpc>
@@ -4439,7 +3963,7 @@
                         </a:spcBef>
                       </a:pPr>
                       <a:r>
-                        <a:rPr sz="900" spc="0" dirty="0">
+                        <a:rPr lang="it-IT" sz="900">
                           <a:solidFill>
                             <a:srgbClr val="020302"/>
                           </a:solidFill>
@@ -4448,10 +3972,6 @@
                         </a:rPr>
                         <a:t></a:t>
                       </a:r>
-                      <a:endParaRPr sz="900" spc="0">
-                        <a:latin typeface="Wingdings"/>
-                        <a:cs typeface="Wingdings"/>
-                      </a:endParaRPr>
                     </a:p>
                   </a:txBody>
                   <a:tcPr marL="0" marR="0" marT="59054" marB="0"/>
@@ -4461,7 +3981,7 @@
                     <a:bodyPr/>
                     <a:lstStyle/>
                     <a:p>
-                      <a:pPr algn="ctr">
+                      <a:pPr algn="l" rtl="0">
                         <a:lnSpc>
                           <a:spcPct val="100000"/>
                         </a:lnSpc>
@@ -4491,7 +4011,7 @@
                         </a:spcBef>
                       </a:pPr>
                       <a:r>
-                        <a:rPr sz="900" spc="0" dirty="0">
+                        <a:rPr lang="it-IT" sz="900">
                           <a:solidFill>
                             <a:srgbClr val="020302"/>
                           </a:solidFill>
@@ -4500,10 +4020,6 @@
                         </a:rPr>
                         <a:t></a:t>
                       </a:r>
-                      <a:endParaRPr sz="900" spc="0">
-                        <a:latin typeface="Wingdings"/>
-                        <a:cs typeface="Wingdings"/>
-                      </a:endParaRPr>
                     </a:p>
                   </a:txBody>
                   <a:tcPr marL="0" marR="0" marT="59054" marB="0"/>
@@ -4522,7 +4038,7 @@
                         </a:spcBef>
                       </a:pPr>
                       <a:r>
-                        <a:rPr sz="900" spc="0" dirty="0">
+                        <a:rPr lang="it-IT" sz="900">
                           <a:solidFill>
                             <a:srgbClr val="020302"/>
                           </a:solidFill>
@@ -4531,10 +4047,6 @@
                         </a:rPr>
                         <a:t></a:t>
                       </a:r>
-                      <a:endParaRPr sz="900" spc="0">
-                        <a:latin typeface="Wingdings"/>
-                        <a:cs typeface="Wingdings"/>
-                      </a:endParaRPr>
                     </a:p>
                   </a:txBody>
                   <a:tcPr marL="0" marR="0" marT="59054" marB="0">
@@ -4558,7 +4070,7 @@
                     <a:bodyPr/>
                     <a:lstStyle/>
                     <a:p>
-                      <a:pPr marL="50800">
+                      <a:pPr marL="50800" algn="l" rtl="0">
                         <a:lnSpc>
                           <a:spcPct val="100000"/>
                         </a:lnSpc>
@@ -4607,19 +4119,15 @@
                         </a:spcBef>
                       </a:pPr>
                       <a:r>
-                        <a:rPr sz="900" spc="0" dirty="0">
+                        <a:rPr lang="it-IT" sz="900">
                           <a:solidFill>
                             <a:srgbClr val="020302"/>
                           </a:solidFill>
                           <a:latin typeface="AdobeClean-Light"/>
                           <a:cs typeface="AdobeClean-Light"/>
                         </a:rPr>
-                        <a:t>Escalation Management</a:t>
+                        <a:t>Gestione delle escalation</a:t>
                       </a:r>
-                      <a:endParaRPr sz="900" spc="0" dirty="0">
-                        <a:latin typeface="AdobeClean-Light"/>
-                        <a:cs typeface="AdobeClean-Light"/>
-                      </a:endParaRPr>
                     </a:p>
                   </a:txBody>
                   <a:tcPr marL="0" marR="0" marT="58419" marB="0">
@@ -4642,7 +4150,7 @@
                     <a:bodyPr/>
                     <a:lstStyle/>
                     <a:p>
-                      <a:pPr>
+                      <a:pPr algn="l" rtl="0">
                         <a:lnSpc>
                           <a:spcPct val="100000"/>
                         </a:lnSpc>
@@ -4681,7 +4189,7 @@
                         </a:spcBef>
                       </a:pPr>
                       <a:r>
-                        <a:rPr sz="900" spc="0" dirty="0">
+                        <a:rPr lang="it-IT" sz="900">
                           <a:solidFill>
                             <a:srgbClr val="020302"/>
                           </a:solidFill>
@@ -4690,10 +4198,6 @@
                         </a:rPr>
                         <a:t></a:t>
                       </a:r>
-                      <a:endParaRPr sz="900" spc="0" dirty="0">
-                        <a:latin typeface="Wingdings"/>
-                        <a:cs typeface="Wingdings"/>
-                      </a:endParaRPr>
                     </a:p>
                   </a:txBody>
                   <a:tcPr marL="0" marR="0" marT="59690" marB="0"/>
@@ -4703,7 +4207,7 @@
                     <a:bodyPr/>
                     <a:lstStyle/>
                     <a:p>
-                      <a:pPr algn="ctr">
+                      <a:pPr algn="l" rtl="0">
                         <a:lnSpc>
                           <a:spcPct val="100000"/>
                         </a:lnSpc>
@@ -4733,7 +4237,7 @@
                         </a:spcBef>
                       </a:pPr>
                       <a:r>
-                        <a:rPr sz="900" spc="0" dirty="0">
+                        <a:rPr lang="it-IT" sz="900">
                           <a:solidFill>
                             <a:srgbClr val="020302"/>
                           </a:solidFill>
@@ -4742,10 +4246,6 @@
                         </a:rPr>
                         <a:t></a:t>
                       </a:r>
-                      <a:endParaRPr sz="900" spc="0">
-                        <a:latin typeface="Wingdings"/>
-                        <a:cs typeface="Wingdings"/>
-                      </a:endParaRPr>
                     </a:p>
                   </a:txBody>
                   <a:tcPr marL="0" marR="0" marT="59690" marB="0"/>
@@ -4764,7 +4264,7 @@
                         </a:spcBef>
                       </a:pPr>
                       <a:r>
-                        <a:rPr sz="900" spc="0" dirty="0">
+                        <a:rPr lang="it-IT" sz="900">
                           <a:solidFill>
                             <a:srgbClr val="020302"/>
                           </a:solidFill>
@@ -4773,10 +4273,6 @@
                         </a:rPr>
                         <a:t></a:t>
                       </a:r>
-                      <a:endParaRPr sz="900" spc="0" dirty="0">
-                        <a:latin typeface="Wingdings"/>
-                        <a:cs typeface="Wingdings"/>
-                      </a:endParaRPr>
                     </a:p>
                   </a:txBody>
                   <a:tcPr marL="0" marR="0" marT="59690" marB="0">
@@ -4800,7 +4296,7 @@
                     <a:bodyPr/>
                     <a:lstStyle/>
                     <a:p>
-                      <a:pPr marL="50800">
+                      <a:pPr marL="50800" algn="l" rtl="0">
                         <a:lnSpc>
                           <a:spcPct val="100000"/>
                         </a:lnSpc>
@@ -4849,19 +4345,15 @@
                         </a:spcBef>
                       </a:pPr>
                       <a:r>
-                        <a:rPr sz="900" spc="0" dirty="0">
+                        <a:rPr lang="it-IT" sz="900">
                           <a:solidFill>
                             <a:srgbClr val="020302"/>
                           </a:solidFill>
                           <a:latin typeface="AdobeClean-Light"/>
                           <a:cs typeface="AdobeClean-Light"/>
                         </a:rPr>
-                        <a:t>Service Reviews  per Year</a:t>
+                        <a:t>Valutazioni dei servizi all’anno</a:t>
                       </a:r>
-                      <a:endParaRPr sz="900" spc="0" dirty="0">
-                        <a:latin typeface="AdobeClean-Light"/>
-                        <a:cs typeface="AdobeClean-Light"/>
-                      </a:endParaRPr>
                     </a:p>
                   </a:txBody>
                   <a:tcPr marL="0" marR="0" marT="57150" marB="0">
@@ -4884,7 +4376,7 @@
                     <a:bodyPr/>
                     <a:lstStyle/>
                     <a:p>
-                      <a:pPr>
+                      <a:pPr algn="l" rtl="0">
                         <a:lnSpc>
                           <a:spcPct val="100000"/>
                         </a:lnSpc>
@@ -4914,7 +4406,7 @@
                     <a:bodyPr/>
                     <a:lstStyle/>
                     <a:p>
-                      <a:pPr>
+                      <a:pPr algn="l" rtl="0">
                         <a:lnSpc>
                           <a:spcPct val="100000"/>
                         </a:lnSpc>
@@ -4932,7 +4424,7 @@
                     <a:bodyPr/>
                     <a:lstStyle/>
                     <a:p>
-                      <a:pPr>
+                      <a:pPr algn="l" rtl="0">
                         <a:lnSpc>
                           <a:spcPct val="100000"/>
                         </a:lnSpc>
@@ -4959,7 +4451,7 @@
                         </a:spcBef>
                       </a:pPr>
                       <a:r>
-                        <a:rPr sz="900" spc="0" dirty="0">
+                        <a:rPr lang="it-IT" sz="900">
                           <a:solidFill>
                             <a:srgbClr val="020302"/>
                           </a:solidFill>
@@ -4968,10 +4460,6 @@
                         </a:rPr>
                         <a:t>2</a:t>
                       </a:r>
-                      <a:endParaRPr sz="900" spc="0" dirty="0">
-                        <a:latin typeface="AdobeClean-Light"/>
-                        <a:cs typeface="AdobeClean-Light"/>
-                      </a:endParaRPr>
                     </a:p>
                   </a:txBody>
                   <a:tcPr marL="0" marR="0" marT="57150" marB="0"/>
@@ -4990,7 +4478,7 @@
                         </a:spcBef>
                       </a:pPr>
                       <a:r>
-                        <a:rPr sz="900" spc="0" dirty="0">
+                        <a:rPr lang="it-IT" sz="900">
                           <a:solidFill>
                             <a:srgbClr val="020302"/>
                           </a:solidFill>
@@ -4999,10 +4487,6 @@
                         </a:rPr>
                         <a:t>4</a:t>
                       </a:r>
-                      <a:endParaRPr sz="900" spc="0" dirty="0">
-                        <a:latin typeface="AdobeClean-Light"/>
-                        <a:cs typeface="AdobeClean-Light"/>
-                      </a:endParaRPr>
                     </a:p>
                   </a:txBody>
                   <a:tcPr marL="0" marR="0" marT="57150" marB="0">
@@ -5045,16 +4529,12 @@
                         </a:spcBef>
                       </a:pPr>
                       <a:r>
-                        <a:rPr lang="en-US" sz="900" spc="0" dirty="0">
+                        <a:rPr lang="it-IT" sz="900">
                           <a:latin typeface="AdobeClean-Light"/>
                           <a:cs typeface="AdobeClean-Light"/>
                         </a:rPr>
-                        <a:t>Expert Sessions per Year</a:t>
+                        <a:t>Sessioni con esperti all’anno</a:t>
                       </a:r>
-                      <a:endParaRPr sz="900" spc="0" dirty="0">
-                        <a:latin typeface="AdobeClean-Light"/>
-                        <a:cs typeface="AdobeClean-Light"/>
-                      </a:endParaRPr>
                     </a:p>
                   </a:txBody>
                   <a:tcPr marL="0" marR="0" marT="57150" marB="0">
@@ -5083,7 +4563,7 @@
                     <a:bodyPr/>
                     <a:lstStyle/>
                     <a:p>
-                      <a:pPr>
+                      <a:pPr algn="l" rtl="0">
                         <a:lnSpc>
                           <a:spcPct val="100000"/>
                         </a:lnSpc>
@@ -5116,7 +4596,7 @@
                     <a:bodyPr/>
                     <a:lstStyle/>
                     <a:p>
-                      <a:pPr>
+                      <a:pPr algn="l" rtl="0">
                         <a:lnSpc>
                           <a:spcPct val="100000"/>
                         </a:lnSpc>
@@ -5153,16 +4633,12 @@
                         </a:spcBef>
                       </a:pPr>
                       <a:r>
-                        <a:rPr lang="en-US" sz="900" spc="0" dirty="0">
+                        <a:rPr lang="it-IT" sz="900">
                           <a:latin typeface="AdobeClean-Light"/>
                           <a:cs typeface="AdobeClean-Light"/>
                         </a:rPr>
                         <a:t>2</a:t>
                       </a:r>
-                      <a:endParaRPr sz="900" spc="0" dirty="0">
-                        <a:latin typeface="AdobeClean-Light"/>
-                        <a:cs typeface="AdobeClean-Light"/>
-                      </a:endParaRPr>
                     </a:p>
                   </a:txBody>
                   <a:tcPr marL="0" marR="0" marT="57150" marB="0"/>
@@ -5181,16 +4657,12 @@
                         </a:spcBef>
                       </a:pPr>
                       <a:r>
-                        <a:rPr lang="en-US" sz="900" spc="0" dirty="0">
+                        <a:rPr lang="it-IT" sz="900">
                           <a:latin typeface="AdobeClean-Light"/>
                           <a:cs typeface="AdobeClean-Light"/>
                         </a:rPr>
                         <a:t>4</a:t>
                       </a:r>
-                      <a:endParaRPr sz="900" spc="0" dirty="0">
-                        <a:latin typeface="AdobeClean-Light"/>
-                        <a:cs typeface="AdobeClean-Light"/>
-                      </a:endParaRPr>
                     </a:p>
                   </a:txBody>
                   <a:tcPr marL="0" marR="0" marT="57150" marB="0">
@@ -5233,16 +4705,12 @@
                         </a:spcBef>
                       </a:pPr>
                       <a:r>
-                        <a:rPr lang="en-US" sz="900" spc="0" dirty="0">
+                        <a:rPr lang="it-IT" sz="900">
                           <a:latin typeface="AdobeClean-Light"/>
                           <a:cs typeface="AdobeClean-Light"/>
                         </a:rPr>
-                        <a:t>Case Reviews</a:t>
+                        <a:t>Valutazione dei casi</a:t>
                       </a:r>
-                      <a:endParaRPr sz="900" spc="0" dirty="0">
-                        <a:latin typeface="AdobeClean-Light"/>
-                        <a:cs typeface="AdobeClean-Light"/>
-                      </a:endParaRPr>
                     </a:p>
                   </a:txBody>
                   <a:tcPr marL="0" marR="0" marT="57150" marB="0">
@@ -5271,7 +4739,7 @@
                     <a:bodyPr/>
                     <a:lstStyle/>
                     <a:p>
-                      <a:pPr>
+                      <a:pPr algn="l" rtl="0">
                         <a:lnSpc>
                           <a:spcPct val="100000"/>
                         </a:lnSpc>
@@ -5304,7 +4772,7 @@
                     <a:bodyPr/>
                     <a:lstStyle/>
                     <a:p>
-                      <a:pPr>
+                      <a:pPr algn="l" rtl="0">
                         <a:lnSpc>
                           <a:spcPct val="100000"/>
                         </a:lnSpc>
@@ -5350,7 +4818,7 @@
                         <a:defRPr/>
                       </a:pPr>
                       <a:r>
-                        <a:rPr lang="en-US" sz="900" spc="0" dirty="0">
+                        <a:rPr lang="it-IT" sz="900">
                           <a:solidFill>
                             <a:srgbClr val="020302"/>
                           </a:solidFill>
@@ -5359,10 +4827,6 @@
                         </a:rPr>
                         <a:t></a:t>
                       </a:r>
-                      <a:endParaRPr lang="en-US" sz="900" spc="0" dirty="0">
-                        <a:latin typeface="Wingdings"/>
-                        <a:cs typeface="Wingdings"/>
-                      </a:endParaRPr>
                     </a:p>
                   </a:txBody>
                   <a:tcPr marL="0" marR="0" marT="57150" marB="0"/>
@@ -5390,7 +4854,7 @@
                         <a:defRPr/>
                       </a:pPr>
                       <a:r>
-                        <a:rPr lang="en-US" sz="900" spc="0" dirty="0">
+                        <a:rPr lang="it-IT" sz="900">
                           <a:solidFill>
                             <a:srgbClr val="020302"/>
                           </a:solidFill>
@@ -5399,10 +4863,6 @@
                         </a:rPr>
                         <a:t></a:t>
                       </a:r>
-                      <a:endParaRPr lang="en-US" sz="900" spc="0" dirty="0">
-                        <a:latin typeface="Wingdings"/>
-                        <a:cs typeface="Wingdings"/>
-                      </a:endParaRPr>
                     </a:p>
                   </a:txBody>
                   <a:tcPr marL="0" marR="0" marT="57150" marB="0">
@@ -5426,7 +4886,7 @@
                     <a:bodyPr/>
                     <a:lstStyle/>
                     <a:p>
-                      <a:pPr marL="48895">
+                      <a:pPr marL="48895" algn="l" rtl="0">
                         <a:lnSpc>
                           <a:spcPct val="100000"/>
                         </a:lnSpc>
@@ -5475,19 +4935,15 @@
                         </a:spcBef>
                       </a:pPr>
                       <a:r>
-                        <a:rPr sz="900" spc="0" dirty="0">
+                        <a:rPr lang="it-IT" sz="900">
                           <a:solidFill>
                             <a:srgbClr val="020302"/>
                           </a:solidFill>
                           <a:latin typeface="AdobeClean-Light"/>
                           <a:cs typeface="AdobeClean-Light"/>
                         </a:rPr>
-                        <a:t>Event Management</a:t>
+                        <a:t>Gestione degli eventi</a:t>
                       </a:r>
-                      <a:endParaRPr sz="900" spc="0" dirty="0">
-                        <a:latin typeface="AdobeClean-Light"/>
-                        <a:cs typeface="AdobeClean-Light"/>
-                      </a:endParaRPr>
                     </a:p>
                   </a:txBody>
                   <a:tcPr marL="0" marR="0" marT="58419" marB="0">
@@ -5510,7 +4966,7 @@
                     <a:bodyPr/>
                     <a:lstStyle/>
                     <a:p>
-                      <a:pPr>
+                      <a:pPr algn="l" rtl="0">
                         <a:lnSpc>
                           <a:spcPct val="100000"/>
                         </a:lnSpc>
@@ -5540,7 +4996,7 @@
                     <a:bodyPr/>
                     <a:lstStyle/>
                     <a:p>
-                      <a:pPr>
+                      <a:pPr algn="l" rtl="0">
                         <a:lnSpc>
                           <a:spcPct val="100000"/>
                         </a:lnSpc>
@@ -5558,7 +5014,7 @@
                     <a:bodyPr/>
                     <a:lstStyle/>
                     <a:p>
-                      <a:pPr>
+                      <a:pPr algn="l" rtl="0">
                         <a:lnSpc>
                           <a:spcPct val="100000"/>
                         </a:lnSpc>
@@ -5576,7 +5032,7 @@
                     <a:bodyPr/>
                     <a:lstStyle/>
                     <a:p>
-                      <a:pPr>
+                      <a:pPr algn="l" rtl="0">
                         <a:lnSpc>
                           <a:spcPct val="100000"/>
                         </a:lnSpc>
@@ -5603,7 +5059,7 @@
                         </a:spcBef>
                       </a:pPr>
                       <a:r>
-                        <a:rPr sz="900" spc="0" dirty="0">
+                        <a:rPr lang="it-IT" sz="900">
                           <a:solidFill>
                             <a:srgbClr val="020302"/>
                           </a:solidFill>
@@ -5612,10 +5068,6 @@
                         </a:rPr>
                         <a:t></a:t>
                       </a:r>
-                      <a:endParaRPr sz="900" spc="0" dirty="0">
-                        <a:latin typeface="Wingdings"/>
-                        <a:cs typeface="Wingdings"/>
-                      </a:endParaRPr>
                     </a:p>
                   </a:txBody>
                   <a:tcPr marL="0" marR="0" marT="59055" marB="0">
@@ -5639,7 +5091,7 @@
                     <a:bodyPr/>
                     <a:lstStyle/>
                     <a:p>
-                      <a:pPr marL="48895">
+                      <a:pPr marL="48895" algn="l" rtl="0">
                         <a:lnSpc>
                           <a:spcPct val="100000"/>
                         </a:lnSpc>
@@ -5697,34 +5149,14 @@
                         </a:spcBef>
                       </a:pPr>
                       <a:r>
-                        <a:rPr sz="900" spc="0" dirty="0">
+                        <a:rPr lang="it-IT" sz="900">
                           <a:solidFill>
                             <a:srgbClr val="020302"/>
                           </a:solidFill>
                           <a:latin typeface="AdobeClean-Light"/>
                           <a:cs typeface="AdobeClean-Light"/>
                         </a:rPr>
-                        <a:t>Environment</a:t>
-                      </a:r>
-                      <a:r>
-                        <a:rPr lang="en-US" sz="900" spc="0" dirty="0">
-                          <a:solidFill>
-                            <a:srgbClr val="020302"/>
-                          </a:solidFill>
-                          <a:latin typeface="AdobeClean-Light"/>
-                          <a:cs typeface="AdobeClean-Light"/>
-                        </a:rPr>
-                        <a:t> </a:t>
-                      </a:r>
-                      <a:r>
-                        <a:rPr sz="900" spc="0" dirty="0">
-                          <a:solidFill>
-                            <a:srgbClr val="020302"/>
-                          </a:solidFill>
-                          <a:latin typeface="AdobeClean-Light"/>
-                          <a:cs typeface="AdobeClean-Light"/>
-                        </a:rPr>
-                        <a:t>Review, Maintenance &amp; Monitoring</a:t>
+                        <a:t>Valutazione ambiente, manutenzione e monitoraggio</a:t>
                       </a:r>
                     </a:p>
                   </a:txBody>
@@ -5754,7 +5186,7 @@
                     <a:bodyPr/>
                     <a:lstStyle/>
                     <a:p>
-                      <a:pPr>
+                      <a:pPr algn="l" rtl="0">
                         <a:lnSpc>
                           <a:spcPct val="100000"/>
                         </a:lnSpc>
@@ -5787,7 +5219,7 @@
                     <a:bodyPr/>
                     <a:lstStyle/>
                     <a:p>
-                      <a:pPr>
+                      <a:pPr algn="l" rtl="0">
                         <a:lnSpc>
                           <a:spcPct val="100000"/>
                         </a:lnSpc>
@@ -5805,7 +5237,7 @@
                     <a:bodyPr/>
                     <a:lstStyle/>
                     <a:p>
-                      <a:pPr>
+                      <a:pPr algn="l" rtl="0">
                         <a:lnSpc>
                           <a:spcPct val="100000"/>
                         </a:lnSpc>
@@ -5823,7 +5255,7 @@
                     <a:bodyPr/>
                     <a:lstStyle/>
                     <a:p>
-                      <a:pPr>
+                      <a:pPr algn="l" rtl="0">
                         <a:lnSpc>
                           <a:spcPct val="100000"/>
                         </a:lnSpc>
@@ -5850,7 +5282,7 @@
                         </a:spcBef>
                       </a:pPr>
                       <a:r>
-                        <a:rPr sz="900" spc="0" dirty="0">
+                        <a:rPr lang="it-IT" sz="900">
                           <a:solidFill>
                             <a:srgbClr val="020302"/>
                           </a:solidFill>
@@ -5859,10 +5291,6 @@
                         </a:rPr>
                         <a:t></a:t>
                       </a:r>
-                      <a:endParaRPr sz="900" spc="0" dirty="0">
-                        <a:latin typeface="Wingdings"/>
-                        <a:cs typeface="Wingdings"/>
-                      </a:endParaRPr>
                     </a:p>
                   </a:txBody>
                   <a:tcPr marL="0" marR="0" marT="60325" marB="0">
@@ -5886,7 +5314,7 @@
                     <a:bodyPr/>
                     <a:lstStyle/>
                     <a:p>
-                      <a:pPr marL="49530">
+                      <a:pPr marL="49530" algn="l" rtl="0">
                         <a:lnSpc>
                           <a:spcPct val="100000"/>
                         </a:lnSpc>
@@ -5935,19 +5363,34 @@
                         </a:spcBef>
                       </a:pPr>
                       <a:r>
-                        <a:rPr sz="900" spc="0" dirty="0">
+                        <a:rPr lang="it-IT" sz="900" dirty="0">
                           <a:solidFill>
                             <a:srgbClr val="020302"/>
                           </a:solidFill>
                           <a:latin typeface="AdobeClean-Light"/>
                           <a:cs typeface="AdobeClean-Light"/>
                         </a:rPr>
-                        <a:t>Release, Migration, Upgrade &amp; Product Roadmap Review</a:t>
+                        <a:t>Valutazione della roadmap di prodotti, versioni, </a:t>
                       </a:r>
-                      <a:endParaRPr sz="900" spc="0" dirty="0">
-                        <a:latin typeface="AdobeClean-Light"/>
-                        <a:cs typeface="AdobeClean-Light"/>
-                      </a:endParaRPr>
+                      <a:br>
+                        <a:rPr lang="sk-SK" sz="900" dirty="0">
+                          <a:solidFill>
+                            <a:srgbClr val="020302"/>
+                          </a:solidFill>
+                          <a:latin typeface="AdobeClean-Light"/>
+                          <a:cs typeface="AdobeClean-Light"/>
+                        </a:rPr>
+                      </a:br>
+                      <a:r>
+                        <a:rPr lang="it-IT" sz="900" dirty="0">
+                          <a:solidFill>
+                            <a:srgbClr val="020302"/>
+                          </a:solidFill>
+                          <a:latin typeface="AdobeClean-Light"/>
+                          <a:cs typeface="AdobeClean-Light"/>
+                        </a:rPr>
+                        <a:t>migrazione e aggiornamento</a:t>
+                      </a:r>
                     </a:p>
                   </a:txBody>
                   <a:tcPr marL="0" marR="0" marT="63500" marB="0">
@@ -5970,7 +5413,7 @@
                     <a:bodyPr/>
                     <a:lstStyle/>
                     <a:p>
-                      <a:pPr>
+                      <a:pPr algn="l" rtl="0">
                         <a:lnSpc>
                           <a:spcPct val="100000"/>
                         </a:lnSpc>
@@ -6000,7 +5443,7 @@
                     <a:bodyPr/>
                     <a:lstStyle/>
                     <a:p>
-                      <a:pPr>
+                      <a:pPr algn="l" rtl="0">
                         <a:lnSpc>
                           <a:spcPct val="100000"/>
                         </a:lnSpc>
@@ -6018,7 +5461,7 @@
                     <a:bodyPr/>
                     <a:lstStyle/>
                     <a:p>
-                      <a:pPr>
+                      <a:pPr algn="l" rtl="0">
                         <a:lnSpc>
                           <a:spcPct val="100000"/>
                         </a:lnSpc>
@@ -6036,7 +5479,7 @@
                     <a:bodyPr/>
                     <a:lstStyle/>
                     <a:p>
-                      <a:pPr>
+                      <a:pPr algn="l" rtl="0">
                         <a:lnSpc>
                           <a:spcPct val="100000"/>
                         </a:lnSpc>
@@ -6063,7 +5506,7 @@
                         </a:spcBef>
                       </a:pPr>
                       <a:r>
-                        <a:rPr sz="900" spc="0" dirty="0">
+                        <a:rPr lang="it-IT" sz="900">
                           <a:solidFill>
                             <a:srgbClr val="020302"/>
                           </a:solidFill>
@@ -6072,10 +5515,6 @@
                         </a:rPr>
                         <a:t></a:t>
                       </a:r>
-                      <a:endParaRPr sz="900" spc="0">
-                        <a:latin typeface="Wingdings"/>
-                        <a:cs typeface="Wingdings"/>
-                      </a:endParaRPr>
                     </a:p>
                   </a:txBody>
                   <a:tcPr marL="0" marR="0" marT="64135" marB="0">
@@ -6099,7 +5538,7 @@
                     <a:bodyPr/>
                     <a:lstStyle/>
                     <a:p>
-                      <a:pPr marL="49530">
+                      <a:pPr marL="49530" algn="l" rtl="0">
                         <a:lnSpc>
                           <a:spcPct val="100000"/>
                         </a:lnSpc>
@@ -6157,11 +5596,11 @@
                         </a:spcBef>
                       </a:pPr>
                       <a:r>
-                        <a:rPr sz="900" spc="0" dirty="0">
+                        <a:rPr lang="it-IT" sz="900">
                           <a:latin typeface="AdobeClean-Light"/>
                           <a:cs typeface="AdobeClean-Light"/>
                         </a:rPr>
-                        <a:t>Cloud Support Activities – Experience Manager as Cloud</a:t>
+                        <a:t>Attività di supporto cloud - Experience Manager as Cloud</a:t>
                       </a:r>
                     </a:p>
                   </a:txBody>
@@ -6191,7 +5630,7 @@
                     <a:bodyPr/>
                     <a:lstStyle/>
                     <a:p>
-                      <a:pPr>
+                      <a:pPr algn="l" rtl="0">
                         <a:lnSpc>
                           <a:spcPct val="100000"/>
                         </a:lnSpc>
@@ -6227,7 +5666,7 @@
                     <a:bodyPr/>
                     <a:lstStyle/>
                     <a:p>
-                      <a:pPr>
+                      <a:pPr algn="l" rtl="0">
                         <a:lnSpc>
                           <a:spcPct val="100000"/>
                         </a:lnSpc>
@@ -6252,7 +5691,7 @@
                     <a:bodyPr/>
                     <a:lstStyle/>
                     <a:p>
-                      <a:pPr>
+                      <a:pPr algn="l" rtl="0">
                         <a:lnSpc>
                           <a:spcPct val="100000"/>
                         </a:lnSpc>
@@ -6289,7 +5728,7 @@
                         </a:spcBef>
                       </a:pPr>
                       <a:r>
-                        <a:rPr sz="900" spc="0" dirty="0">
+                        <a:rPr lang="it-IT" sz="900">
                           <a:solidFill>
                             <a:srgbClr val="020302"/>
                           </a:solidFill>
@@ -6298,10 +5737,6 @@
                         </a:rPr>
                         <a:t></a:t>
                       </a:r>
-                      <a:endParaRPr sz="900" spc="0" dirty="0">
-                        <a:latin typeface="Wingdings"/>
-                        <a:cs typeface="Wingdings"/>
-                      </a:endParaRPr>
                     </a:p>
                   </a:txBody>
                   <a:tcPr marL="0" marR="0" marT="62230" marB="0">
@@ -6327,7 +5762,7 @@
                         </a:spcBef>
                       </a:pPr>
                       <a:r>
-                        <a:rPr sz="900" spc="0" dirty="0">
+                        <a:rPr lang="it-IT" sz="900">
                           <a:solidFill>
                             <a:srgbClr val="020302"/>
                           </a:solidFill>
@@ -6336,10 +5771,6 @@
                         </a:rPr>
                         <a:t></a:t>
                       </a:r>
-                      <a:endParaRPr sz="900" spc="0" dirty="0">
-                        <a:latin typeface="Wingdings"/>
-                        <a:cs typeface="Wingdings"/>
-                      </a:endParaRPr>
                     </a:p>
                   </a:txBody>
                   <a:tcPr marL="0" marR="0" marT="62230" marB="0">
@@ -6378,22 +5809,15 @@
                         </a:spcBef>
                       </a:pPr>
                       <a:r>
-                        <a:rPr lang="en-US" sz="1000" b="1" i="0" spc="0" dirty="0">
+                        <a:rPr lang="it-IT" sz="1000" b="1" i="0">
                           <a:solidFill>
                             <a:schemeClr val="bg1"/>
                           </a:solidFill>
                           <a:latin typeface="Adobe Clean" panose="020B0503020404020204" pitchFamily="34" charset="0"/>
                           <a:cs typeface="AdobeClean-Light"/>
                         </a:rPr>
-                        <a:t>Field Services</a:t>
+                        <a:t>Servizi sul campo</a:t>
                       </a:r>
-                      <a:endParaRPr sz="1000" b="1" i="0" spc="0" dirty="0">
-                        <a:solidFill>
-                          <a:schemeClr val="bg1"/>
-                        </a:solidFill>
-                        <a:latin typeface="Adobe Clean" panose="020B0503020404020204" pitchFamily="34" charset="0"/>
-                        <a:cs typeface="AdobeClean-Light"/>
-                      </a:endParaRPr>
                     </a:p>
                   </a:txBody>
                   <a:tcPr marL="0" marR="0" marT="48260" marB="0" anchor="ctr">
@@ -6446,39 +5870,15 @@
                         </a:spcBef>
                       </a:pPr>
                       <a:r>
-                        <a:rPr sz="900" spc="0" dirty="0">
+                        <a:rPr lang="it-IT" sz="900">
                           <a:solidFill>
                             <a:srgbClr val="020302"/>
                           </a:solidFill>
                           <a:latin typeface="AdobeClean-Light"/>
                           <a:cs typeface="AdobeClean-Light"/>
                         </a:rPr>
-                        <a:t>Launch Advisory Services – First Year of </a:t>
+                        <a:t>Launch Advisory - Nel primo anno di nuove soluzioni</a:t>
                       </a:r>
-                      <a:r>
-                        <a:rPr lang="en-US" sz="900" spc="0" dirty="0">
-                          <a:solidFill>
-                            <a:srgbClr val="020302"/>
-                          </a:solidFill>
-                          <a:latin typeface="AdobeClean-Light"/>
-                          <a:cs typeface="AdobeClean-Light"/>
-                        </a:rPr>
-                        <a:t>a </a:t>
-                      </a:r>
-                      <a:r>
-                        <a:rPr sz="900" spc="0" dirty="0">
-                          <a:solidFill>
-                            <a:srgbClr val="020302"/>
-                          </a:solidFill>
-                          <a:latin typeface="AdobeClean-Light"/>
-                          <a:cs typeface="AdobeClean-Light"/>
-                        </a:rPr>
-                        <a:t>new solution</a:t>
-                      </a:r>
-                      <a:endParaRPr sz="900" spc="0" dirty="0">
-                        <a:latin typeface="AdobeClean-Light"/>
-                        <a:cs typeface="AdobeClean-Light"/>
-                      </a:endParaRPr>
                     </a:p>
                     <a:p>
                       <a:pPr marL="48260">
@@ -6490,11 +5890,11 @@
                         </a:spcBef>
                       </a:pPr>
                       <a:r>
-                        <a:rPr sz="900" spc="0" dirty="0">
+                        <a:rPr lang="it-IT" sz="900">
                           <a:latin typeface="AdobeClean-Light"/>
                           <a:cs typeface="AdobeClean-Light"/>
                         </a:rPr>
-                        <a:t>Field Service Activities</a:t>
+                        <a:t>Attività di servizio sul campo</a:t>
                       </a:r>
                     </a:p>
                   </a:txBody>
@@ -6530,7 +5930,7 @@
                     <a:bodyPr/>
                     <a:lstStyle/>
                     <a:p>
-                      <a:pPr>
+                      <a:pPr algn="l" rtl="0">
                         <a:lnSpc>
                           <a:spcPct val="100000"/>
                         </a:lnSpc>
@@ -6566,7 +5966,7 @@
                     <a:bodyPr/>
                     <a:lstStyle/>
                     <a:p>
-                      <a:pPr>
+                      <a:pPr algn="l" rtl="0">
                         <a:lnSpc>
                           <a:spcPct val="100000"/>
                         </a:lnSpc>
@@ -6591,7 +5991,7 @@
                     <a:bodyPr/>
                     <a:lstStyle/>
                     <a:p>
-                      <a:pPr>
+                      <a:pPr algn="l" rtl="0">
                         <a:lnSpc>
                           <a:spcPct val="100000"/>
                         </a:lnSpc>
@@ -6628,7 +6028,7 @@
                         </a:spcBef>
                       </a:pPr>
                       <a:r>
-                        <a:rPr sz="900" spc="0" dirty="0">
+                        <a:rPr lang="it-IT" sz="900">
                           <a:solidFill>
                             <a:srgbClr val="020302"/>
                           </a:solidFill>
@@ -6637,10 +6037,6 @@
                         </a:rPr>
                         <a:t></a:t>
                       </a:r>
-                      <a:endParaRPr sz="900" spc="0">
-                        <a:latin typeface="Wingdings"/>
-                        <a:cs typeface="Wingdings"/>
-                      </a:endParaRPr>
                     </a:p>
                   </a:txBody>
                   <a:tcPr marL="0" marR="0" marT="56515" marB="0">
@@ -6666,7 +6062,7 @@
                         </a:spcBef>
                       </a:pPr>
                       <a:r>
-                        <a:rPr sz="900" spc="0" dirty="0">
+                        <a:rPr lang="it-IT" sz="900">
                           <a:solidFill>
                             <a:srgbClr val="020302"/>
                           </a:solidFill>
@@ -6675,10 +6071,6 @@
                         </a:rPr>
                         <a:t></a:t>
                       </a:r>
-                      <a:endParaRPr sz="900" spc="0" dirty="0">
-                        <a:latin typeface="Wingdings"/>
-                        <a:cs typeface="Wingdings"/>
-                      </a:endParaRPr>
                     </a:p>
                   </a:txBody>
                   <a:tcPr marL="0" marR="0" marT="56515" marB="0">
@@ -6753,7 +6145,7 @@
                     <a:bodyPr/>
                     <a:lstStyle/>
                     <a:p>
-                      <a:pPr>
+                      <a:pPr algn="l" rtl="0">
                         <a:lnSpc>
                           <a:spcPct val="100000"/>
                         </a:lnSpc>
@@ -6789,7 +6181,7 @@
                     <a:bodyPr/>
                     <a:lstStyle/>
                     <a:p>
-                      <a:pPr>
+                      <a:pPr algn="l" rtl="0">
                         <a:lnSpc>
                           <a:spcPct val="100000"/>
                         </a:lnSpc>
@@ -6814,7 +6206,7 @@
                     <a:bodyPr/>
                     <a:lstStyle/>
                     <a:p>
-                      <a:pPr>
+                      <a:pPr algn="l" rtl="0">
                         <a:lnSpc>
                           <a:spcPct val="100000"/>
                         </a:lnSpc>
@@ -6848,7 +6240,7 @@
                         </a:spcBef>
                       </a:pPr>
                       <a:r>
-                        <a:rPr sz="900" spc="0" dirty="0">
+                        <a:rPr lang="it-IT" sz="900">
                           <a:solidFill>
                             <a:srgbClr val="020302"/>
                           </a:solidFill>
@@ -6857,10 +6249,6 @@
                         </a:rPr>
                         <a:t>2</a:t>
                       </a:r>
-                      <a:endParaRPr sz="900" spc="0">
-                        <a:latin typeface="AdobeClean-Light"/>
-                        <a:cs typeface="AdobeClean-Light"/>
-                      </a:endParaRPr>
                     </a:p>
                   </a:txBody>
                   <a:tcPr marL="0" marR="0" marT="50800" marB="0">
@@ -6886,7 +6274,7 @@
                         </a:spcBef>
                       </a:pPr>
                       <a:r>
-                        <a:rPr sz="900" spc="0" dirty="0">
+                        <a:rPr lang="it-IT" sz="900" dirty="0">
                           <a:solidFill>
                             <a:srgbClr val="020302"/>
                           </a:solidFill>
@@ -6895,10 +6283,6 @@
                         </a:rPr>
                         <a:t>4</a:t>
                       </a:r>
-                      <a:endParaRPr sz="900" spc="0" dirty="0">
-                        <a:latin typeface="AdobeClean-Light"/>
-                        <a:cs typeface="AdobeClean-Light"/>
-                      </a:endParaRPr>
                     </a:p>
                   </a:txBody>
                   <a:tcPr marL="0" marR="0" marT="50800" marB="0">
@@ -6960,24 +6344,8 @@
               </a:spcBef>
             </a:pPr>
             <a:r>
-              <a:rPr spc="-5" dirty="0"/>
-              <a:t>©202</a:t>
-            </a:r>
-            <a:r>
-              <a:rPr lang="en-US" spc="-5" dirty="0"/>
-              <a:t>1</a:t>
-            </a:r>
-            <a:r>
-              <a:rPr spc="-5" dirty="0"/>
-              <a:t> Adobe. All Rights Reserved. Adobe</a:t>
-            </a:r>
-            <a:r>
-              <a:rPr spc="60" dirty="0"/>
-              <a:t> </a:t>
-            </a:r>
-            <a:r>
-              <a:rPr spc="-5" dirty="0"/>
-              <a:t>Confidential.</a:t>
+              <a:rPr lang="it-IT"/>
+              <a:t>©2021 Adobe. All Rights Reserved. Adobe Confidential.</a:t>
             </a:r>
           </a:p>
         </p:txBody>
@@ -6991,14 +6359,14 @@
           <p:nvPr>
             <p:extLst>
               <p:ext uri="{D42A27DB-BD31-4B8C-83A1-F6EECF244321}">
-                <p14:modId xmlns:p14="http://schemas.microsoft.com/office/powerpoint/2010/main" val="4081524108"/>
+                <p14:modId xmlns:p14="http://schemas.microsoft.com/office/powerpoint/2010/main" val="1241654959"/>
               </p:ext>
             </p:extLst>
           </p:nvPr>
         </p:nvGraphicFramePr>
         <p:xfrm>
           <a:off x="33527" y="7483227"/>
-          <a:ext cx="7705343" cy="2172787"/>
+          <a:ext cx="7705343" cy="2166120"/>
         </p:xfrm>
         <a:graphic>
           <a:graphicData uri="http://schemas.openxmlformats.org/drawingml/2006/table">
@@ -7058,19 +6426,15 @@
                         </a:spcBef>
                       </a:pPr>
                       <a:r>
-                        <a:rPr sz="900" spc="0" dirty="0">
+                        <a:rPr lang="it-IT" sz="900">
                           <a:solidFill>
                             <a:srgbClr val="020302"/>
                           </a:solidFill>
                           <a:latin typeface="Adobe Clean"/>
                           <a:cs typeface="Adobe Clean"/>
                         </a:rPr>
-                        <a:t>Priority</a:t>
+                        <a:t>Priorità</a:t>
                       </a:r>
-                      <a:endParaRPr sz="900" spc="0" dirty="0">
-                        <a:latin typeface="Adobe Clean"/>
-                        <a:cs typeface="Adobe Clean"/>
-                      </a:endParaRPr>
                     </a:p>
                   </a:txBody>
                   <a:tcPr marL="0" marR="0" marT="7620" marB="0" anchor="ctr">
@@ -7117,39 +6481,15 @@
                         </a:spcBef>
                       </a:pPr>
                       <a:r>
-                        <a:rPr sz="900" spc="0" dirty="0">
+                        <a:rPr lang="it-IT" sz="900">
                           <a:solidFill>
                             <a:srgbClr val="020302"/>
                           </a:solidFill>
                           <a:latin typeface="Adobe Clean"/>
                           <a:cs typeface="Adobe Clean"/>
                         </a:rPr>
-                        <a:t>Online </a:t>
+                        <a:t>Supporto Online</a:t>
                       </a:r>
-                      <a:r>
-                        <a:rPr lang="en-US" sz="900" spc="0" dirty="0">
-                          <a:solidFill>
-                            <a:srgbClr val="020302"/>
-                          </a:solidFill>
-                          <a:latin typeface="Adobe Clean"/>
-                          <a:cs typeface="Adobe Clean"/>
-                        </a:rPr>
-                        <a:t> </a:t>
-                      </a:r>
-                      <a:r>
-                        <a:rPr sz="900" spc="0" dirty="0">
-                          <a:solidFill>
-                            <a:srgbClr val="020302"/>
-                          </a:solidFill>
-                          <a:latin typeface="Adobe Clean"/>
-                          <a:cs typeface="Adobe Clean"/>
-                        </a:rPr>
-                        <a:t>Support</a:t>
-                      </a:r>
-                      <a:endParaRPr sz="900" spc="0" dirty="0">
-                        <a:latin typeface="Adobe Clean"/>
-                        <a:cs typeface="Adobe Clean"/>
-                      </a:endParaRPr>
                     </a:p>
                   </a:txBody>
                   <a:tcPr marL="0" marR="0" marT="0" marB="0" anchor="ctr">
@@ -7171,14 +6511,11 @@
                       </a:solidFill>
                       <a:prstDash val="solid"/>
                     </a:lnT>
-                    <a:lnB w="76200" cap="flat" cmpd="sng" algn="ctr">
+                    <a:lnB w="76200">
                       <a:solidFill>
                         <a:srgbClr val="858585"/>
                       </a:solidFill>
                       <a:prstDash val="solid"/>
-                      <a:round/>
-                      <a:headEnd type="none" w="med" len="med"/>
-                      <a:tailEnd type="none" w="med" len="med"/>
                     </a:lnB>
                     <a:solidFill>
                       <a:srgbClr val="D9D9D9"/>
@@ -7199,39 +6536,125 @@
                         </a:spcBef>
                       </a:pPr>
                       <a:r>
-                        <a:rPr sz="900" spc="0" dirty="0">
+                        <a:rPr lang="it-IT" sz="900">
                           <a:solidFill>
                             <a:srgbClr val="FFFFFF"/>
                           </a:solidFill>
                           <a:latin typeface="Adobe Clean"/>
                           <a:cs typeface="Adobe Clean"/>
                         </a:rPr>
-                        <a:t>Business</a:t>
+                        <a:t>Supporto Business</a:t>
                       </a:r>
+                    </a:p>
+                  </a:txBody>
+                  <a:tcPr marL="0" marR="0" marT="0" marB="0" anchor="ctr">
+                    <a:lnL w="3175">
+                      <a:solidFill>
+                        <a:srgbClr val="B7B8B8"/>
+                      </a:solidFill>
+                      <a:prstDash val="solid"/>
+                    </a:lnL>
+                    <a:lnR w="3175">
+                      <a:solidFill>
+                        <a:srgbClr val="B7B8B8"/>
+                      </a:solidFill>
+                      <a:prstDash val="solid"/>
+                    </a:lnR>
+                    <a:lnT w="3175">
+                      <a:solidFill>
+                        <a:srgbClr val="B7B8B8"/>
+                      </a:solidFill>
+                      <a:prstDash val="solid"/>
+                    </a:lnT>
+                    <a:lnB w="76200">
+                      <a:solidFill>
+                        <a:srgbClr val="ACD2FF"/>
+                      </a:solidFill>
+                      <a:prstDash val="solid"/>
+                    </a:lnB>
+                    <a:solidFill>
+                      <a:srgbClr val="7D7D7D"/>
+                    </a:solidFill>
+                  </a:tcPr>
+                </a:tc>
+                <a:tc>
+                  <a:txBody>
+                    <a:bodyPr/>
+                    <a:lstStyle/>
+                    <a:p>
+                      <a:pPr marL="0" algn="ctr">
+                        <a:lnSpc>
+                          <a:spcPct val="100000"/>
+                        </a:lnSpc>
+                        <a:spcBef>
+                          <a:spcPts val="60"/>
+                        </a:spcBef>
+                      </a:pPr>
                       <a:r>
-                        <a:rPr lang="en-US" sz="900" spc="0" dirty="0">
+                        <a:rPr lang="it-IT" sz="900">
                           <a:solidFill>
                             <a:srgbClr val="FFFFFF"/>
                           </a:solidFill>
                           <a:latin typeface="Adobe Clean"/>
                           <a:cs typeface="Adobe Clean"/>
                         </a:rPr>
-                        <a:t> </a:t>
+                        <a:t>Supporto Enterprise</a:t>
                       </a:r>
+                    </a:p>
+                  </a:txBody>
+                  <a:tcPr marL="0" marR="0" marT="0" marB="0" anchor="ctr">
+                    <a:lnL w="3175">
+                      <a:solidFill>
+                        <a:srgbClr val="B7B8B8"/>
+                      </a:solidFill>
+                      <a:prstDash val="solid"/>
+                    </a:lnL>
+                    <a:lnR w="3175">
+                      <a:solidFill>
+                        <a:srgbClr val="B7B8B8"/>
+                      </a:solidFill>
+                      <a:prstDash val="solid"/>
+                    </a:lnR>
+                    <a:lnT w="3175">
+                      <a:solidFill>
+                        <a:srgbClr val="B7B8B8"/>
+                      </a:solidFill>
+                      <a:prstDash val="solid"/>
+                    </a:lnT>
+                    <a:lnB w="76200">
+                      <a:solidFill>
+                        <a:srgbClr val="2E8FFF"/>
+                      </a:solidFill>
+                      <a:prstDash val="solid"/>
+                    </a:lnB>
+                    <a:solidFill>
+                      <a:srgbClr val="404040"/>
+                    </a:solidFill>
+                  </a:tcPr>
+                </a:tc>
+                <a:tc>
+                  <a:txBody>
+                    <a:bodyPr/>
+                    <a:lstStyle/>
+                    <a:p>
+                      <a:pPr marL="0" algn="ctr">
+                        <a:lnSpc>
+                          <a:spcPct val="100000"/>
+                        </a:lnSpc>
+                        <a:spcBef>
+                          <a:spcPts val="60"/>
+                        </a:spcBef>
+                      </a:pPr>
                       <a:r>
-                        <a:rPr sz="900" spc="0" dirty="0">
+                        <a:rPr lang="it-IT" sz="900">
                           <a:solidFill>
                             <a:srgbClr val="FFFFFF"/>
                           </a:solidFill>
                           <a:latin typeface="Adobe Clean"/>
                           <a:cs typeface="Adobe Clean"/>
                         </a:rPr>
-                        <a:t>Support</a:t>
+                        <a:t>Supporto Elite</a:t>
                       </a:r>
-                      <a:endParaRPr sz="900" spc="0" dirty="0">
-                        <a:latin typeface="Adobe Clean"/>
-                        <a:cs typeface="Adobe Clean"/>
-                      </a:endParaRPr>
                     </a:p>
                   </a:txBody>
                   <a:tcPr marL="0" marR="0" marT="0" marB="0" anchor="ctr">
@@ -7253,178 +6676,11 @@
                       </a:solidFill>
                       <a:prstDash val="solid"/>
                     </a:lnT>
-                    <a:lnB w="76200" cap="flat" cmpd="sng" algn="ctr">
-                      <a:solidFill>
-                        <a:srgbClr val="ACD2FF"/>
-                      </a:solidFill>
-                      <a:prstDash val="solid"/>
-                      <a:round/>
-                      <a:headEnd type="none" w="med" len="med"/>
-                      <a:tailEnd type="none" w="med" len="med"/>
-                    </a:lnB>
-                    <a:solidFill>
-                      <a:srgbClr val="7D7D7D"/>
-                    </a:solidFill>
-                  </a:tcPr>
-                </a:tc>
-                <a:tc>
-                  <a:txBody>
-                    <a:bodyPr/>
-                    <a:lstStyle/>
-                    <a:p>
-                      <a:pPr marL="0" algn="ctr">
-                        <a:lnSpc>
-                          <a:spcPct val="100000"/>
-                        </a:lnSpc>
-                        <a:spcBef>
-                          <a:spcPts val="60"/>
-                        </a:spcBef>
-                      </a:pPr>
-                      <a:r>
-                        <a:rPr sz="900" spc="0" dirty="0">
-                          <a:solidFill>
-                            <a:srgbClr val="FFFFFF"/>
-                          </a:solidFill>
-                          <a:latin typeface="Adobe Clean"/>
-                          <a:cs typeface="Adobe Clean"/>
-                        </a:rPr>
-                        <a:t>Enterprise </a:t>
-                      </a:r>
-                      <a:r>
-                        <a:rPr lang="en-US" sz="900" spc="0" dirty="0">
-                          <a:solidFill>
-                            <a:srgbClr val="FFFFFF"/>
-                          </a:solidFill>
-                          <a:latin typeface="Adobe Clean"/>
-                          <a:cs typeface="Adobe Clean"/>
-                        </a:rPr>
-                        <a:t> </a:t>
-                      </a:r>
-                      <a:r>
-                        <a:rPr sz="900" spc="0" dirty="0">
-                          <a:solidFill>
-                            <a:srgbClr val="FFFFFF"/>
-                          </a:solidFill>
-                          <a:latin typeface="Adobe Clean"/>
-                          <a:cs typeface="Adobe Clean"/>
-                        </a:rPr>
-                        <a:t>Support</a:t>
-                      </a:r>
-                      <a:endParaRPr sz="900" spc="0" dirty="0">
-                        <a:latin typeface="Adobe Clean"/>
-                        <a:cs typeface="Adobe Clean"/>
-                      </a:endParaRPr>
-                    </a:p>
-                  </a:txBody>
-                  <a:tcPr marL="0" marR="0" marT="0" marB="0" anchor="ctr">
-                    <a:lnL w="3175">
-                      <a:solidFill>
-                        <a:srgbClr val="B7B8B8"/>
-                      </a:solidFill>
-                      <a:prstDash val="solid"/>
-                    </a:lnL>
-                    <a:lnR w="3175">
-                      <a:solidFill>
-                        <a:srgbClr val="B7B8B8"/>
-                      </a:solidFill>
-                      <a:prstDash val="solid"/>
-                    </a:lnR>
-                    <a:lnT w="3175">
-                      <a:solidFill>
-                        <a:srgbClr val="B7B8B8"/>
-                      </a:solidFill>
-                      <a:prstDash val="solid"/>
-                    </a:lnT>
-                    <a:lnB w="76200" cap="flat" cmpd="sng" algn="ctr">
-                      <a:solidFill>
-                        <a:srgbClr val="2E8FFF"/>
-                      </a:solidFill>
-                      <a:prstDash val="solid"/>
-                      <a:round/>
-                      <a:headEnd type="none" w="med" len="med"/>
-                      <a:tailEnd type="none" w="med" len="med"/>
-                    </a:lnB>
-                    <a:solidFill>
-                      <a:srgbClr val="404040"/>
-                    </a:solidFill>
-                  </a:tcPr>
-                </a:tc>
-                <a:tc>
-                  <a:txBody>
-                    <a:bodyPr/>
-                    <a:lstStyle/>
-                    <a:p>
-                      <a:pPr marL="0" algn="ctr">
-                        <a:lnSpc>
-                          <a:spcPct val="100000"/>
-                        </a:lnSpc>
-                        <a:spcBef>
-                          <a:spcPts val="60"/>
-                        </a:spcBef>
-                      </a:pPr>
-                      <a:r>
-                        <a:rPr sz="900" spc="0" dirty="0">
-                          <a:solidFill>
-                            <a:srgbClr val="FFFFFF"/>
-                          </a:solidFill>
-                          <a:latin typeface="Adobe Clean"/>
-                          <a:cs typeface="Adobe Clean"/>
-                        </a:rPr>
-                        <a:t>Elite</a:t>
-                      </a:r>
-                      <a:r>
-                        <a:rPr lang="en-US" sz="900" spc="0" dirty="0">
-                          <a:solidFill>
-                            <a:srgbClr val="FFFFFF"/>
-                          </a:solidFill>
-                          <a:latin typeface="Adobe Clean"/>
-                          <a:cs typeface="Adobe Clean"/>
-                        </a:rPr>
-                        <a:t> </a:t>
-                      </a:r>
-                      <a:r>
-                        <a:rPr sz="900" spc="0" dirty="0">
-                          <a:solidFill>
-                            <a:srgbClr val="FFFFFF"/>
-                          </a:solidFill>
-                          <a:latin typeface="Adobe Clean"/>
-                          <a:cs typeface="Adobe Clean"/>
-                        </a:rPr>
-                        <a:t>Support</a:t>
-                      </a:r>
-                      <a:endParaRPr sz="900" spc="0" dirty="0">
-                        <a:latin typeface="Adobe Clean"/>
-                        <a:cs typeface="Adobe Clean"/>
-                      </a:endParaRPr>
-                    </a:p>
-                  </a:txBody>
-                  <a:tcPr marL="0" marR="0" marT="0" marB="0" anchor="ctr">
-                    <a:lnL w="3175">
-                      <a:solidFill>
-                        <a:srgbClr val="B7B8B8"/>
-                      </a:solidFill>
-                      <a:prstDash val="solid"/>
-                    </a:lnL>
-                    <a:lnR w="3175">
-                      <a:solidFill>
-                        <a:srgbClr val="B7B8B8"/>
-                      </a:solidFill>
-                      <a:prstDash val="solid"/>
-                    </a:lnR>
-                    <a:lnT w="3175">
-                      <a:solidFill>
-                        <a:srgbClr val="B7B8B8"/>
-                      </a:solidFill>
-                      <a:prstDash val="solid"/>
-                    </a:lnT>
-                    <a:lnB w="76200" cap="flat" cmpd="sng" algn="ctr">
+                    <a:lnB w="76200">
                       <a:solidFill>
                         <a:srgbClr val="0068E1"/>
                       </a:solidFill>
                       <a:prstDash val="solid"/>
-                      <a:round/>
-                      <a:headEnd type="none" w="med" len="med"/>
-                      <a:tailEnd type="none" w="med" len="med"/>
                     </a:lnB>
                     <a:solidFill>
                       <a:srgbClr val="000000"/>
@@ -7452,19 +6708,15 @@
                         </a:spcBef>
                       </a:pPr>
                       <a:r>
-                        <a:rPr sz="900" b="1" spc="0" dirty="0">
+                        <a:rPr lang="it-IT" sz="900" b="1" dirty="0">
                           <a:solidFill>
                             <a:srgbClr val="020302"/>
                           </a:solidFill>
                           <a:latin typeface="Adobe Clean"/>
                           <a:cs typeface="Adobe Clean"/>
                         </a:rPr>
-                        <a:t>PRIORITY 1</a:t>
+                        <a:t>PRIORITÀ 1 (P1)</a:t>
                       </a:r>
-                      <a:endParaRPr sz="900" spc="0" dirty="0">
-                        <a:latin typeface="Adobe Clean"/>
-                        <a:cs typeface="Adobe Clean"/>
-                      </a:endParaRPr>
                     </a:p>
                     <a:p>
                       <a:pPr marL="50800" marR="387985">
@@ -7476,19 +6728,14 @@
                         </a:spcBef>
                       </a:pPr>
                       <a:r>
-                        <a:rPr lang="en-US" sz="900" b="0" i="0" spc="0" dirty="0">
+                        <a:rPr lang="it-IT" sz="800" b="0" i="0" dirty="0">
                           <a:solidFill>
                             <a:srgbClr val="000000"/>
                           </a:solidFill>
-                          <a:effectLst/>
                           <a:latin typeface="Adobe Clean Light" panose="020B0303020404020204" pitchFamily="34" charset="0"/>
                         </a:rPr>
-                        <a:t>Customer's production business functions are down or have significant data loss or service degradation and immediate attention is required to restore functionality and usability. </a:t>
+                        <a:t>Le funzioni operative nell’ambiente di produzione del cliente non sono disponibili oppure si verificano problemi significativi di perdita di dati o deterioramento del servizio ed è richiesto un intervento immediato per ripristinare funzionalità e usabilità. </a:t>
                       </a:r>
-                      <a:endParaRPr sz="900" spc="0" dirty="0">
-                        <a:latin typeface="AdobeClean-Light"/>
-                        <a:cs typeface="AdobeClean-Light"/>
-                      </a:endParaRPr>
                     </a:p>
                   </a:txBody>
                   <a:tcPr marL="0" marR="0" marT="0" marB="0" anchor="ctr">
@@ -7498,14 +6745,11 @@
                       </a:solidFill>
                       <a:prstDash val="solid"/>
                     </a:lnL>
-                    <a:lnR w="3175" cap="flat" cmpd="sng" algn="ctr">
+                    <a:lnR w="3175">
                       <a:solidFill>
                         <a:srgbClr val="B7B8B8"/>
                       </a:solidFill>
                       <a:prstDash val="solid"/>
-                      <a:round/>
-                      <a:headEnd type="none" w="med" len="med"/>
-                      <a:tailEnd type="none" w="med" len="med"/>
                     </a:lnR>
                     <a:lnT w="3175">
                       <a:solidFill>
@@ -7526,110 +6770,46 @@
                     <a:bodyPr/>
                     <a:lstStyle/>
                     <a:p>
-                      <a:pPr algn="ctr" fontAlgn="t"/>
+                      <a:pPr marL="173038" marR="325120" indent="0" algn="ctr">
+                        <a:lnSpc>
+                          <a:spcPct val="100000"/>
+                        </a:lnSpc>
+                        <a:spcBef>
+                          <a:spcPts val="670"/>
+                        </a:spcBef>
+                      </a:pPr>
                       <a:r>
-                        <a:rPr lang="en-US" sz="900" b="0" i="0" u="none" strike="noStrike">
+                        <a:rPr lang="it-IT" sz="900" dirty="0">
                           <a:solidFill>
                             <a:srgbClr val="020302"/>
                           </a:solidFill>
-                          <a:effectLst/>
-                          <a:latin typeface="AdobeClean-Light" panose="020B0503020404020204" pitchFamily="34" charset="0"/>
-                        </a:rPr>
-                        <a:t>24x7 / 1 hour</a:t>
+                          <a:latin typeface="AdobeClean-Light"/>
+                          <a:cs typeface="AdobeClean-Light"/>
+                        </a:rPr>
+                        <a:t>24x7 /  </a:t>
                       </a:r>
-                    </a:p>
-                  </a:txBody>
-                  <a:tcPr marL="9525" marR="9525" marT="9525" marB="0" anchor="ctr">
-                    <a:lnL w="3175">
-                      <a:solidFill>
-                        <a:srgbClr val="B7B8B8"/>
-                      </a:solidFill>
-                      <a:prstDash val="solid"/>
-                    </a:lnL>
-                    <a:lnR w="3175">
-                      <a:solidFill>
-                        <a:srgbClr val="B7B8B8"/>
-                      </a:solidFill>
-                      <a:prstDash val="solid"/>
-                    </a:lnR>
-                    <a:lnT w="76200">
-                      <a:solidFill>
-                        <a:srgbClr val="858585"/>
-                      </a:solidFill>
-                      <a:prstDash val="solid"/>
-                    </a:lnT>
-                    <a:lnB w="3175">
-                      <a:solidFill>
-                        <a:srgbClr val="B7B8B8"/>
-                      </a:solidFill>
-                      <a:prstDash val="solid"/>
-                    </a:lnB>
-                  </a:tcPr>
-                </a:tc>
-                <a:tc>
-                  <a:txBody>
-                    <a:bodyPr/>
-                    <a:lstStyle/>
-                    <a:p>
-                      <a:pPr algn="ctr" fontAlgn="t"/>
-                      <a:r>
-                        <a:rPr lang="en-US" sz="900" b="0" i="0" u="none" strike="noStrike">
+                      <a:br>
+                        <a:rPr lang="sk-SK" sz="900" dirty="0">
                           <a:solidFill>
                             <a:srgbClr val="020302"/>
                           </a:solidFill>
-                          <a:effectLst/>
-                          <a:latin typeface="AdobeClean-Light" panose="020B0503020404020204" pitchFamily="34" charset="0"/>
-                        </a:rPr>
-                        <a:t>24x7 / 1 hour</a:t>
-                      </a:r>
-                    </a:p>
-                  </a:txBody>
-                  <a:tcPr marL="9525" marR="9525" marT="9525" marB="0" anchor="ctr">
-                    <a:lnL w="3175">
-                      <a:solidFill>
-                        <a:srgbClr val="B7B8B8"/>
-                      </a:solidFill>
-                      <a:prstDash val="solid"/>
-                    </a:lnL>
-                    <a:lnR w="3175">
-                      <a:solidFill>
-                        <a:srgbClr val="B7B8B8"/>
-                      </a:solidFill>
-                      <a:prstDash val="solid"/>
-                    </a:lnR>
-                    <a:lnT w="76200">
-                      <a:solidFill>
-                        <a:srgbClr val="ACD2FF"/>
-                      </a:solidFill>
-                      <a:prstDash val="solid"/>
-                    </a:lnT>
-                    <a:lnB w="3175">
-                      <a:solidFill>
-                        <a:srgbClr val="B7B8B8"/>
-                      </a:solidFill>
-                      <a:prstDash val="solid"/>
-                    </a:lnB>
-                  </a:tcPr>
-                </a:tc>
-                <a:tc>
-                  <a:txBody>
-                    <a:bodyPr/>
-                    <a:lstStyle/>
-                    <a:p>
-                      <a:pPr algn="ctr" fontAlgn="t"/>
+                          <a:latin typeface="AdobeClean-Light"/>
+                          <a:cs typeface="AdobeClean-Light"/>
+                        </a:rPr>
+                      </a:br>
                       <a:r>
-                        <a:rPr lang="en-US" sz="900" b="0" i="0" u="none" strike="noStrike">
+                        <a:rPr lang="it-IT" sz="900" dirty="0">
                           <a:solidFill>
                             <a:srgbClr val="020302"/>
                           </a:solidFill>
-                          <a:effectLst/>
-                          <a:latin typeface="AdobeClean-Light" panose="020B0503020404020204" pitchFamily="34" charset="0"/>
-                        </a:rPr>
-                        <a:t>24x7 / 30 minutes</a:t>
+                          <a:latin typeface="AdobeClean-Light"/>
+                          <a:cs typeface="AdobeClean-Light"/>
+                        </a:rPr>
+                        <a:t>1 ora</a:t>
                       </a:r>
                     </a:p>
                   </a:txBody>
-                  <a:tcPr marL="9525" marR="9525" marT="9525" marB="0" anchor="ctr">
+                  <a:tcPr marL="0" marR="0" marT="0" marB="0" anchor="ctr">
                     <a:lnL w="3175">
                       <a:solidFill>
                         <a:srgbClr val="B7B8B8"/>
@@ -7644,7 +6824,7 @@
                     </a:lnR>
                     <a:lnT w="76200">
                       <a:solidFill>
-                        <a:srgbClr val="2E8FFF"/>
+                        <a:srgbClr val="858585"/>
                       </a:solidFill>
                       <a:prstDash val="solid"/>
                     </a:lnT>
@@ -7661,20 +6841,131 @@
                     <a:bodyPr/>
                     <a:lstStyle/>
                     <a:p>
-                      <a:pPr algn="ctr" fontAlgn="t"/>
+                      <a:pPr marL="0" marR="325755" indent="-3810" algn="ctr">
+                        <a:lnSpc>
+                          <a:spcPct val="100000"/>
+                        </a:lnSpc>
+                        <a:spcBef>
+                          <a:spcPts val="670"/>
+                        </a:spcBef>
+                      </a:pPr>
                       <a:r>
-                        <a:rPr lang="en-US" sz="900" b="0" i="0" u="none" strike="noStrike">
+                        <a:rPr lang="it-IT" sz="900" dirty="0">
                           <a:solidFill>
                             <a:srgbClr val="020302"/>
                           </a:solidFill>
-                          <a:effectLst/>
-                          <a:latin typeface="AdobeClean-Light" panose="020B0503020404020204" pitchFamily="34" charset="0"/>
-                        </a:rPr>
-                        <a:t>24x7 / 15 minutes</a:t>
+                          <a:latin typeface="AdobeClean-Light"/>
+                          <a:cs typeface="AdobeClean-Light"/>
+                        </a:rPr>
+                        <a:t>24x7 /              1 ora</a:t>
                       </a:r>
                     </a:p>
                   </a:txBody>
-                  <a:tcPr marL="9525" marR="9525" marT="9525" marB="0" anchor="ctr">
+                  <a:tcPr marL="0" marR="0" marT="0" marB="0" anchor="ctr">
+                    <a:lnL w="3175">
+                      <a:solidFill>
+                        <a:srgbClr val="B7B8B8"/>
+                      </a:solidFill>
+                      <a:prstDash val="solid"/>
+                    </a:lnL>
+                    <a:lnR w="3175">
+                      <a:solidFill>
+                        <a:srgbClr val="B7B8B8"/>
+                      </a:solidFill>
+                      <a:prstDash val="solid"/>
+                    </a:lnR>
+                    <a:lnT w="76200">
+                      <a:solidFill>
+                        <a:srgbClr val="ACD2FF"/>
+                      </a:solidFill>
+                      <a:prstDash val="solid"/>
+                    </a:lnT>
+                    <a:lnB w="3175">
+                      <a:solidFill>
+                        <a:srgbClr val="B7B8B8"/>
+                      </a:solidFill>
+                      <a:prstDash val="solid"/>
+                    </a:lnB>
+                  </a:tcPr>
+                </a:tc>
+                <a:tc>
+                  <a:txBody>
+                    <a:bodyPr/>
+                    <a:lstStyle/>
+                    <a:p>
+                      <a:pPr marL="0" marR="258445" indent="115570" algn="ctr">
+                        <a:lnSpc>
+                          <a:spcPct val="100000"/>
+                        </a:lnSpc>
+                        <a:spcBef>
+                          <a:spcPts val="670"/>
+                        </a:spcBef>
+                      </a:pPr>
+                      <a:r>
+                        <a:rPr lang="it-IT" sz="900">
+                          <a:solidFill>
+                            <a:srgbClr val="020302"/>
+                          </a:solidFill>
+                          <a:latin typeface="AdobeClean-Light"/>
+                          <a:cs typeface="AdobeClean-Light"/>
+                        </a:rPr>
+                        <a:t>24x7 /           30 minuti</a:t>
+                      </a:r>
+                    </a:p>
+                  </a:txBody>
+                  <a:tcPr marL="0" marR="0" marT="0" marB="0" anchor="ctr">
+                    <a:lnL w="3175">
+                      <a:solidFill>
+                        <a:srgbClr val="B7B8B8"/>
+                      </a:solidFill>
+                      <a:prstDash val="solid"/>
+                    </a:lnL>
+                    <a:lnR w="3175">
+                      <a:solidFill>
+                        <a:srgbClr val="B7B8B8"/>
+                      </a:solidFill>
+                      <a:prstDash val="solid"/>
+                    </a:lnR>
+                    <a:lnT w="76200">
+                      <a:solidFill>
+                        <a:srgbClr val="2E8FFF"/>
+                      </a:solidFill>
+                      <a:prstDash val="solid"/>
+                    </a:lnT>
+                    <a:lnB w="3175">
+                      <a:solidFill>
+                        <a:srgbClr val="B7B8B8"/>
+                      </a:solidFill>
+                      <a:prstDash val="solid"/>
+                    </a:lnB>
+                  </a:tcPr>
+                </a:tc>
+                <a:tc>
+                  <a:txBody>
+                    <a:bodyPr/>
+                    <a:lstStyle/>
+                    <a:p>
+                      <a:pPr marL="0" marR="271780" indent="103505" algn="ctr">
+                        <a:lnSpc>
+                          <a:spcPct val="100000"/>
+                        </a:lnSpc>
+                        <a:spcBef>
+                          <a:spcPts val="670"/>
+                        </a:spcBef>
+                      </a:pPr>
+                      <a:r>
+                        <a:rPr lang="it-IT" sz="900">
+                          <a:solidFill>
+                            <a:srgbClr val="020302"/>
+                          </a:solidFill>
+                          <a:latin typeface="AdobeClean-Light"/>
+                          <a:cs typeface="AdobeClean-Light"/>
+                        </a:rPr>
+                        <a:t>24x7 /         15 minuti</a:t>
+                      </a:r>
+                    </a:p>
+                  </a:txBody>
+                  <a:tcPr marL="0" marR="0" marT="0" marB="0" anchor="ctr">
                     <a:lnL w="3175">
                       <a:solidFill>
                         <a:srgbClr val="B7B8B8"/>
@@ -7722,19 +7013,15 @@
                         </a:spcBef>
                       </a:pPr>
                       <a:r>
-                        <a:rPr sz="900" b="1" spc="0" dirty="0">
+                        <a:rPr lang="it-IT" sz="900" b="1" dirty="0">
                           <a:solidFill>
                             <a:srgbClr val="020302"/>
                           </a:solidFill>
                           <a:latin typeface="Adobe Clean"/>
                           <a:cs typeface="Adobe Clean"/>
                         </a:rPr>
-                        <a:t>PRIORITY 2</a:t>
+                        <a:t>PRIORITÀ 2 (P2)</a:t>
                       </a:r>
-                      <a:endParaRPr sz="900" spc="0" dirty="0">
-                        <a:latin typeface="Adobe Clean"/>
-                        <a:cs typeface="Adobe Clean"/>
-                      </a:endParaRPr>
                     </a:p>
                     <a:p>
                       <a:pPr marL="50165" marR="203200" indent="0" defTabSz="914400" eaLnBrk="1" fontAlgn="auto" latinLnBrk="0" hangingPunct="1">
@@ -7755,19 +7042,14 @@
                         <a:defRPr/>
                       </a:pPr>
                       <a:r>
-                        <a:rPr lang="en-US" sz="900" b="0" i="0" spc="0" dirty="0">
+                        <a:rPr lang="it-IT" sz="800" b="0" i="0" dirty="0">
                           <a:solidFill>
                             <a:srgbClr val="000000"/>
                           </a:solidFill>
-                          <a:effectLst/>
                           <a:latin typeface="Adobe Clean Light" panose="020B0303020404020204" pitchFamily="34" charset="0"/>
                         </a:rPr>
-                        <a:t>Customer's business functions have major service degradation or potential data loss, or a major feature is impacted </a:t>
+                        <a:t>Le funzioni operative del cliente hanno subìto un notevole deterioramento del servizio o potenziale perdita di dati, oppure un problema interessa una funzione importante. </a:t>
                       </a:r>
-                      <a:endParaRPr sz="900" b="0" i="0" spc="0" dirty="0">
-                        <a:latin typeface="Adobe Clean Light" panose="020B0303020404020204" pitchFamily="34" charset="0"/>
-                        <a:cs typeface="AdobeClean-Light"/>
-                      </a:endParaRPr>
                     </a:p>
                   </a:txBody>
                   <a:tcPr marL="0" marR="0" marT="0" marB="0" anchor="ctr">
@@ -7777,14 +7059,11 @@
                       </a:solidFill>
                       <a:prstDash val="solid"/>
                     </a:lnL>
-                    <a:lnR w="3175" cap="flat" cmpd="sng" algn="ctr">
+                    <a:lnR w="3175">
                       <a:solidFill>
                         <a:srgbClr val="B7B8B8"/>
                       </a:solidFill>
                       <a:prstDash val="solid"/>
-                      <a:round/>
-                      <a:headEnd type="none" w="med" len="med"/>
-                      <a:tailEnd type="none" w="med" len="med"/>
                     </a:lnR>
                     <a:lnT w="3175">
                       <a:solidFill>
@@ -7805,20 +7084,27 @@
                     <a:bodyPr/>
                     <a:lstStyle/>
                     <a:p>
-                      <a:pPr algn="ctr" fontAlgn="t"/>
+                      <a:pPr marL="0" marR="184785" indent="-193675" algn="ctr">
+                        <a:lnSpc>
+                          <a:spcPct val="100000"/>
+                        </a:lnSpc>
+                        <a:spcBef>
+                          <a:spcPts val="670"/>
+                        </a:spcBef>
+                      </a:pPr>
                       <a:r>
-                        <a:rPr lang="en-US" sz="900" b="0" i="0" u="none" strike="noStrike">
+                        <a:rPr lang="it-IT" sz="900" dirty="0">
                           <a:solidFill>
                             <a:srgbClr val="020302"/>
                           </a:solidFill>
-                          <a:effectLst/>
-                          <a:latin typeface="AdobeClean-Light" panose="020B0503020404020204" pitchFamily="34" charset="0"/>
-                        </a:rPr>
-                        <a:t>Business hours / 4 hours</a:t>
+                          <a:latin typeface="AdobeClean-Light"/>
+                          <a:cs typeface="AdobeClean-Light"/>
+                        </a:rPr>
+                        <a:t>Orario operativo / 4 ore</a:t>
                       </a:r>
                     </a:p>
                   </a:txBody>
-                  <a:tcPr marL="9525" marR="9525" marT="9525" marB="0" anchor="ctr">
+                  <a:tcPr marL="0" marR="0" marT="0" marB="0" anchor="ctr">
                     <a:lnL w="3175">
                       <a:solidFill>
                         <a:srgbClr val="B7B8B8"/>
@@ -7850,20 +7136,27 @@
                     <a:bodyPr/>
                     <a:lstStyle/>
                     <a:p>
-                      <a:pPr algn="ctr" fontAlgn="t"/>
+                      <a:pPr marL="0" marR="184785" indent="-194310" algn="ctr">
+                        <a:lnSpc>
+                          <a:spcPct val="100000"/>
+                        </a:lnSpc>
+                        <a:spcBef>
+                          <a:spcPts val="670"/>
+                        </a:spcBef>
+                      </a:pPr>
                       <a:r>
-                        <a:rPr lang="en-US" sz="900" b="0" i="0" u="none" strike="noStrike">
+                        <a:rPr lang="it-IT" sz="900">
                           <a:solidFill>
                             <a:srgbClr val="020302"/>
                           </a:solidFill>
-                          <a:effectLst/>
-                          <a:latin typeface="AdobeClean-Light" panose="020B0503020404020204" pitchFamily="34" charset="0"/>
-                        </a:rPr>
-                        <a:t>Business hours / 2 hours</a:t>
+                          <a:latin typeface="AdobeClean-Light"/>
+                          <a:cs typeface="AdobeClean-Light"/>
+                        </a:rPr>
+                        <a:t>Orario operativo /          2 ore</a:t>
                       </a:r>
                     </a:p>
                   </a:txBody>
-                  <a:tcPr marL="9525" marR="9525" marT="9525" marB="0" anchor="ctr">
+                  <a:tcPr marL="0" marR="0" marT="0" marB="0" anchor="ctr">
                     <a:lnL w="3175">
                       <a:solidFill>
                         <a:srgbClr val="B7B8B8"/>
@@ -7895,20 +7188,27 @@
                     <a:bodyPr/>
                     <a:lstStyle/>
                     <a:p>
-                      <a:pPr algn="ctr" fontAlgn="t"/>
+                      <a:pPr marL="0" marR="325755" indent="-5715" algn="ctr">
+                        <a:lnSpc>
+                          <a:spcPct val="100000"/>
+                        </a:lnSpc>
+                        <a:spcBef>
+                          <a:spcPts val="670"/>
+                        </a:spcBef>
+                      </a:pPr>
                       <a:r>
-                        <a:rPr lang="en-US" sz="900" b="0" i="0" u="none" strike="noStrike">
+                        <a:rPr lang="it-IT" sz="900">
                           <a:solidFill>
                             <a:srgbClr val="020302"/>
                           </a:solidFill>
-                          <a:effectLst/>
-                          <a:latin typeface="AdobeClean-Light" panose="020B0503020404020204" pitchFamily="34" charset="0"/>
-                        </a:rPr>
-                        <a:t>24x5 / 1 hour</a:t>
+                          <a:latin typeface="AdobeClean-Light"/>
+                          <a:cs typeface="AdobeClean-Light"/>
+                        </a:rPr>
+                        <a:t>24x5 /                1 ora</a:t>
                       </a:r>
                     </a:p>
                   </a:txBody>
-                  <a:tcPr marL="9525" marR="9525" marT="9525" marB="0" anchor="ctr">
+                  <a:tcPr marL="0" marR="0" marT="0" marB="0" anchor="ctr">
                     <a:lnL w="3175">
                       <a:solidFill>
                         <a:srgbClr val="B7B8B8"/>
@@ -7940,20 +7240,27 @@
                     <a:bodyPr/>
                     <a:lstStyle/>
                     <a:p>
-                      <a:pPr algn="ctr" fontAlgn="t"/>
+                      <a:pPr marL="0" marR="259079" indent="111760" algn="ctr">
+                        <a:lnSpc>
+                          <a:spcPct val="100000"/>
+                        </a:lnSpc>
+                        <a:spcBef>
+                          <a:spcPts val="670"/>
+                        </a:spcBef>
+                      </a:pPr>
                       <a:r>
-                        <a:rPr lang="en-US" sz="900" b="0" i="0" u="none" strike="noStrike">
+                        <a:rPr lang="it-IT" sz="900">
                           <a:solidFill>
                             <a:srgbClr val="020302"/>
                           </a:solidFill>
-                          <a:effectLst/>
-                          <a:latin typeface="AdobeClean-Light" panose="020B0503020404020204" pitchFamily="34" charset="0"/>
-                        </a:rPr>
-                        <a:t>24x5 / 30 minutes</a:t>
+                          <a:latin typeface="AdobeClean-Light"/>
+                          <a:cs typeface="AdobeClean-Light"/>
+                        </a:rPr>
+                        <a:t>24x5 /         30 minuti</a:t>
                       </a:r>
                     </a:p>
                   </a:txBody>
-                  <a:tcPr marL="9525" marR="9525" marT="9525" marB="0" anchor="ctr">
+                  <a:tcPr marL="0" marR="0" marT="0" marB="0" anchor="ctr">
                     <a:lnL w="3175">
                       <a:solidFill>
                         <a:srgbClr val="B7B8B8"/>
@@ -8001,29 +7308,15 @@
                         </a:spcBef>
                       </a:pPr>
                       <a:r>
-                        <a:rPr sz="900" b="1" spc="0" dirty="0">
+                        <a:rPr lang="it-IT" sz="900" b="1" dirty="0">
                           <a:solidFill>
                             <a:srgbClr val="020302"/>
                           </a:solidFill>
                           <a:latin typeface="Adobe Clean"/>
                           <a:cs typeface="Adobe Clean"/>
                         </a:rPr>
-                        <a:t>PRIORITY</a:t>
+                        <a:t>PRIORITÀ 3 (P3)</a:t>
                       </a:r>
-                      <a:r>
-                        <a:rPr lang="en-US" sz="900" b="1" spc="0" dirty="0">
-                          <a:solidFill>
-                            <a:srgbClr val="020302"/>
-                          </a:solidFill>
-                          <a:latin typeface="Adobe Clean"/>
-                          <a:cs typeface="Adobe Clean"/>
-                        </a:rPr>
-                        <a:t> 3</a:t>
-                      </a:r>
-                      <a:endParaRPr lang="en-US" sz="900" spc="0" dirty="0">
-                        <a:latin typeface="Adobe Clean"/>
-                        <a:cs typeface="Adobe Clean"/>
-                      </a:endParaRPr>
                     </a:p>
                     <a:p>
                       <a:pPr marL="49530" marR="212090" indent="-2540" defTabSz="914400" eaLnBrk="1" fontAlgn="auto" latinLnBrk="0" hangingPunct="1">
@@ -8044,26 +7337,21 @@
                         <a:defRPr/>
                       </a:pPr>
                       <a:r>
-                        <a:rPr kumimoji="0" lang="en-US" sz="900" b="0" i="0" u="none" strike="noStrike" kern="1200" cap="none" spc="0" normalizeH="0" baseline="0" noProof="0" dirty="0">
+                        <a:rPr kumimoji="0" lang="it-IT" sz="800" b="0" i="0" u="none" strike="noStrike" cap="none" normalizeH="0" baseline="0" noProof="0" dirty="0">
                           <a:ln>
                             <a:noFill/>
                           </a:ln>
                           <a:solidFill>
                             <a:srgbClr val="000000"/>
                           </a:solidFill>
-                          <a:effectLst/>
                           <a:uLnTx/>
                           <a:uFillTx/>
                           <a:latin typeface="Adobe Clean Light" panose="020B0303020404020204" pitchFamily="34" charset="0"/>
                           <a:ea typeface="+mn-ea"/>
                           <a:cs typeface="+mn-cs"/>
                         </a:rPr>
-                        <a:t>Customer's business functions have minor service degradation but there exists a solution/workaround allowing business functions to continue normally </a:t>
+                        <a:t>Le funzioni operative del cliente sono interessate da deterioramento lieve del servizio, tuttavia è possibile procedere mediante una soluzione temporanea. </a:t>
                       </a:r>
-                      <a:endParaRPr lang="en-US" sz="900" b="0" i="0" spc="0" dirty="0">
-                        <a:latin typeface="Adobe Clean Light" panose="020B0303020404020204" pitchFamily="34" charset="0"/>
-                        <a:cs typeface="AdobeClean-Light"/>
-                      </a:endParaRPr>
                     </a:p>
                   </a:txBody>
                   <a:tcPr marL="0" marR="0" marT="0" marB="0" anchor="ctr">
@@ -8073,14 +7361,11 @@
                       </a:solidFill>
                       <a:prstDash val="solid"/>
                     </a:lnL>
-                    <a:lnR w="3175" cap="flat" cmpd="sng" algn="ctr">
+                    <a:lnR w="3175">
                       <a:solidFill>
                         <a:srgbClr val="B7B8B8"/>
                       </a:solidFill>
                       <a:prstDash val="solid"/>
-                      <a:round/>
-                      <a:headEnd type="none" w="med" len="med"/>
-                      <a:tailEnd type="none" w="med" len="med"/>
                     </a:lnR>
                     <a:lnT w="3175">
                       <a:solidFill>
@@ -8101,110 +7386,46 @@
                     <a:bodyPr/>
                     <a:lstStyle/>
                     <a:p>
-                      <a:pPr algn="ctr" fontAlgn="t"/>
+                      <a:pPr marL="0" marR="184150" indent="61913" algn="ctr">
+                        <a:lnSpc>
+                          <a:spcPct val="100000"/>
+                        </a:lnSpc>
+                        <a:spcBef>
+                          <a:spcPts val="645"/>
+                        </a:spcBef>
+                      </a:pPr>
                       <a:r>
-                        <a:rPr lang="en-US" sz="900" b="0" i="0" u="none" strike="noStrike">
+                        <a:rPr lang="it-IT" sz="900" dirty="0">
                           <a:solidFill>
                             <a:srgbClr val="020302"/>
                           </a:solidFill>
-                          <a:effectLst/>
-                          <a:latin typeface="AdobeClean-Light" panose="020B0503020404020204" pitchFamily="34" charset="0"/>
-                        </a:rPr>
-                        <a:t>Business hours / 6 hours</a:t>
+                          <a:latin typeface="AdobeClean-Light"/>
+                          <a:cs typeface="AdobeClean-Light"/>
+                        </a:rPr>
+                        <a:t>Orario operativo / </a:t>
                       </a:r>
-                    </a:p>
-                  </a:txBody>
-                  <a:tcPr marL="9525" marR="9525" marT="9525" marB="0" anchor="ctr">
-                    <a:lnL w="3175">
-                      <a:solidFill>
-                        <a:srgbClr val="B7B8B8"/>
-                      </a:solidFill>
-                      <a:prstDash val="solid"/>
-                    </a:lnL>
-                    <a:lnR w="3175">
-                      <a:solidFill>
-                        <a:srgbClr val="B7B8B8"/>
-                      </a:solidFill>
-                      <a:prstDash val="solid"/>
-                    </a:lnR>
-                    <a:lnT w="3175">
-                      <a:solidFill>
-                        <a:srgbClr val="B7B8B8"/>
-                      </a:solidFill>
-                      <a:prstDash val="solid"/>
-                    </a:lnT>
-                    <a:lnB w="3175">
-                      <a:solidFill>
-                        <a:srgbClr val="B7B8B8"/>
-                      </a:solidFill>
-                      <a:prstDash val="solid"/>
-                    </a:lnB>
-                  </a:tcPr>
-                </a:tc>
-                <a:tc>
-                  <a:txBody>
-                    <a:bodyPr/>
-                    <a:lstStyle/>
-                    <a:p>
-                      <a:pPr algn="ctr" fontAlgn="t"/>
-                      <a:r>
-                        <a:rPr lang="en-US" sz="900" b="0" i="0" u="none" strike="noStrike">
+                      <a:br>
+                        <a:rPr lang="sk-SK" sz="900" dirty="0">
                           <a:solidFill>
                             <a:srgbClr val="020302"/>
                           </a:solidFill>
-                          <a:effectLst/>
-                          <a:latin typeface="AdobeClean-Light" panose="020B0503020404020204" pitchFamily="34" charset="0"/>
-                        </a:rPr>
-                        <a:t>Business hours /  4 hours</a:t>
-                      </a:r>
-                    </a:p>
-                  </a:txBody>
-                  <a:tcPr marL="9525" marR="9525" marT="9525" marB="0" anchor="ctr">
-                    <a:lnL w="3175">
-                      <a:solidFill>
-                        <a:srgbClr val="B7B8B8"/>
-                      </a:solidFill>
-                      <a:prstDash val="solid"/>
-                    </a:lnL>
-                    <a:lnR w="3175">
-                      <a:solidFill>
-                        <a:srgbClr val="B7B8B8"/>
-                      </a:solidFill>
-                      <a:prstDash val="solid"/>
-                    </a:lnR>
-                    <a:lnT w="3175">
-                      <a:solidFill>
-                        <a:srgbClr val="B7B8B8"/>
-                      </a:solidFill>
-                      <a:prstDash val="solid"/>
-                    </a:lnT>
-                    <a:lnB w="3175">
-                      <a:solidFill>
-                        <a:srgbClr val="B7B8B8"/>
-                      </a:solidFill>
-                      <a:prstDash val="solid"/>
-                    </a:lnB>
-                  </a:tcPr>
-                </a:tc>
-                <a:tc>
-                  <a:txBody>
-                    <a:bodyPr/>
-                    <a:lstStyle/>
-                    <a:p>
-                      <a:pPr algn="ctr" fontAlgn="t"/>
+                          <a:latin typeface="AdobeClean-Light"/>
+                          <a:cs typeface="AdobeClean-Light"/>
+                        </a:rPr>
+                      </a:br>
                       <a:r>
-                        <a:rPr lang="en-US" sz="900" b="0" i="0" u="none" strike="noStrike">
+                        <a:rPr lang="it-IT" sz="900" dirty="0">
                           <a:solidFill>
                             <a:srgbClr val="020302"/>
                           </a:solidFill>
-                          <a:effectLst/>
-                          <a:latin typeface="AdobeClean-Light" panose="020B0503020404020204" pitchFamily="34" charset="0"/>
-                        </a:rPr>
-                        <a:t>Business hours / 2 hours</a:t>
+                          <a:latin typeface="AdobeClean-Light"/>
+                          <a:cs typeface="AdobeClean-Light"/>
+                        </a:rPr>
+                        <a:t>6 ore</a:t>
                       </a:r>
                     </a:p>
                   </a:txBody>
-                  <a:tcPr marL="9525" marR="9525" marT="9525" marB="0" anchor="ctr">
+                  <a:tcPr marL="0" marR="0" marT="0" marB="0" anchor="ctr">
                     <a:lnL w="3175">
                       <a:solidFill>
                         <a:srgbClr val="B7B8B8"/>
@@ -8236,20 +7457,150 @@
                     <a:bodyPr/>
                     <a:lstStyle/>
                     <a:p>
-                      <a:pPr algn="ctr" fontAlgn="t"/>
+                      <a:pPr marL="0" marR="185420" indent="-193675" algn="ctr">
+                        <a:lnSpc>
+                          <a:spcPct val="100000"/>
+                        </a:lnSpc>
+                        <a:spcBef>
+                          <a:spcPts val="645"/>
+                        </a:spcBef>
+                      </a:pPr>
                       <a:r>
-                        <a:rPr lang="en-US" sz="900" b="0" i="0" u="none" strike="noStrike">
+                        <a:rPr lang="it-IT" sz="900">
                           <a:solidFill>
                             <a:srgbClr val="020302"/>
                           </a:solidFill>
-                          <a:effectLst/>
-                          <a:latin typeface="AdobeClean-Light" panose="020B0503020404020204" pitchFamily="34" charset="0"/>
-                        </a:rPr>
-                        <a:t>24x5 / 1 hour</a:t>
+                          <a:latin typeface="AdobeClean-Light"/>
+                          <a:cs typeface="AdobeClean-Light"/>
+                        </a:rPr>
+                        <a:t>Orario operativo /  4 ore</a:t>
                       </a:r>
                     </a:p>
                   </a:txBody>
-                  <a:tcPr marL="9525" marR="9525" marT="9525" marB="0" anchor="ctr">
+                  <a:tcPr marL="0" marR="0" marT="0" marB="0" anchor="ctr">
+                    <a:lnL w="3175">
+                      <a:solidFill>
+                        <a:srgbClr val="B7B8B8"/>
+                      </a:solidFill>
+                      <a:prstDash val="solid"/>
+                    </a:lnL>
+                    <a:lnR w="3175">
+                      <a:solidFill>
+                        <a:srgbClr val="B7B8B8"/>
+                      </a:solidFill>
+                      <a:prstDash val="solid"/>
+                    </a:lnR>
+                    <a:lnT w="3175">
+                      <a:solidFill>
+                        <a:srgbClr val="B7B8B8"/>
+                      </a:solidFill>
+                      <a:prstDash val="solid"/>
+                    </a:lnT>
+                    <a:lnB w="3175">
+                      <a:solidFill>
+                        <a:srgbClr val="B7B8B8"/>
+                      </a:solidFill>
+                      <a:prstDash val="solid"/>
+                    </a:lnB>
+                  </a:tcPr>
+                </a:tc>
+                <a:tc>
+                  <a:txBody>
+                    <a:bodyPr/>
+                    <a:lstStyle/>
+                    <a:p>
+                      <a:pPr marL="0" marR="184785" indent="-194310" algn="ctr">
+                        <a:lnSpc>
+                          <a:spcPct val="100000"/>
+                        </a:lnSpc>
+                        <a:spcBef>
+                          <a:spcPts val="645"/>
+                        </a:spcBef>
+                      </a:pPr>
+                      <a:r>
+                        <a:rPr lang="it-IT" sz="900">
+                          <a:solidFill>
+                            <a:srgbClr val="020302"/>
+                          </a:solidFill>
+                          <a:latin typeface="AdobeClean-Light"/>
+                          <a:cs typeface="AdobeClean-Light"/>
+                        </a:rPr>
+                        <a:t>Orario operativo /     2 ore</a:t>
+                      </a:r>
+                    </a:p>
+                  </a:txBody>
+                  <a:tcPr marL="0" marR="0" marT="0" marB="0" anchor="ctr">
+                    <a:lnL w="3175">
+                      <a:solidFill>
+                        <a:srgbClr val="B7B8B8"/>
+                      </a:solidFill>
+                      <a:prstDash val="solid"/>
+                    </a:lnL>
+                    <a:lnR w="3175">
+                      <a:solidFill>
+                        <a:srgbClr val="B7B8B8"/>
+                      </a:solidFill>
+                      <a:prstDash val="solid"/>
+                    </a:lnR>
+                    <a:lnT w="3175">
+                      <a:solidFill>
+                        <a:srgbClr val="B7B8B8"/>
+                      </a:solidFill>
+                      <a:prstDash val="solid"/>
+                    </a:lnT>
+                    <a:lnB w="3175">
+                      <a:solidFill>
+                        <a:srgbClr val="B7B8B8"/>
+                      </a:solidFill>
+                      <a:prstDash val="solid"/>
+                    </a:lnB>
+                  </a:tcPr>
+                </a:tc>
+                <a:tc>
+                  <a:txBody>
+                    <a:bodyPr/>
+                    <a:lstStyle/>
+                    <a:p>
+                      <a:pPr marL="173038" marR="326390" indent="0" algn="ctr">
+                        <a:lnSpc>
+                          <a:spcPct val="100000"/>
+                        </a:lnSpc>
+                        <a:spcBef>
+                          <a:spcPts val="645"/>
+                        </a:spcBef>
+                      </a:pPr>
+                      <a:r>
+                        <a:rPr lang="it-IT" sz="900" dirty="0">
+                          <a:solidFill>
+                            <a:srgbClr val="020302"/>
+                          </a:solidFill>
+                          <a:latin typeface="AdobeClean-Light"/>
+                          <a:cs typeface="AdobeClean-Light"/>
+                        </a:rPr>
+                        <a:t>24x5 / </a:t>
+                      </a:r>
+                      <a:br>
+                        <a:rPr lang="sk-SK" sz="900" dirty="0">
+                          <a:solidFill>
+                            <a:srgbClr val="020302"/>
+                          </a:solidFill>
+                          <a:latin typeface="AdobeClean-Light"/>
+                          <a:cs typeface="AdobeClean-Light"/>
+                        </a:rPr>
+                      </a:br>
+                      <a:r>
+                        <a:rPr lang="it-IT" sz="900" dirty="0">
+                          <a:solidFill>
+                            <a:srgbClr val="020302"/>
+                          </a:solidFill>
+                          <a:latin typeface="AdobeClean-Light"/>
+                          <a:cs typeface="AdobeClean-Light"/>
+                        </a:rPr>
+                        <a:t>1 ora</a:t>
+                      </a:r>
+                    </a:p>
+                  </a:txBody>
+                  <a:tcPr marL="0" marR="0" marT="0" marB="0" anchor="ctr">
                     <a:lnL w="3175">
                       <a:solidFill>
                         <a:srgbClr val="B7B8B8"/>
@@ -8297,19 +7648,15 @@
                         </a:spcBef>
                       </a:pPr>
                       <a:r>
-                        <a:rPr sz="900" b="1" spc="0" dirty="0">
+                        <a:rPr lang="it-IT" sz="900" b="1" dirty="0">
                           <a:solidFill>
                             <a:srgbClr val="020302"/>
                           </a:solidFill>
                           <a:latin typeface="Adobe Clean"/>
                           <a:cs typeface="Adobe Clean"/>
                         </a:rPr>
-                        <a:t>PRIORITY 4</a:t>
+                        <a:t>PRIORITÀ 4 (P4)</a:t>
                       </a:r>
-                      <a:endParaRPr sz="900" spc="0" dirty="0">
-                        <a:latin typeface="Adobe Clean"/>
-                        <a:cs typeface="Adobe Clean"/>
-                      </a:endParaRPr>
                     </a:p>
                     <a:p>
                       <a:pPr marL="48895" marR="0" indent="0" defTabSz="914400" eaLnBrk="1" fontAlgn="auto" latinLnBrk="0" hangingPunct="1">
@@ -8330,19 +7677,14 @@
                         <a:defRPr/>
                       </a:pPr>
                       <a:r>
-                        <a:rPr lang="en-US" sz="900" b="0" i="0" spc="0" dirty="0">
+                        <a:rPr lang="it-IT" sz="800" b="0" i="0" dirty="0">
                           <a:solidFill>
                             <a:srgbClr val="000000"/>
                           </a:solidFill>
-                          <a:effectLst/>
                           <a:latin typeface="Adobe Clean Light" panose="020B0303020404020204" pitchFamily="34" charset="0"/>
                         </a:rPr>
-                        <a:t>General question regarding current product functionality or an enhancement request </a:t>
+                        <a:t>Domande generali sulle attuali funzionalità del prodotto o su una richiesta di miglioramento </a:t>
                       </a:r>
-                      <a:endParaRPr sz="900" b="0" i="0" spc="0" dirty="0">
-                        <a:latin typeface="Adobe Clean Light" panose="020B0303020404020204" pitchFamily="34" charset="0"/>
-                        <a:cs typeface="AdobeClean-Light"/>
-                      </a:endParaRPr>
                     </a:p>
                   </a:txBody>
                   <a:tcPr marL="0" marR="0" marT="0" marB="0" anchor="ctr">
@@ -8352,14 +7694,11 @@
                       </a:solidFill>
                       <a:prstDash val="solid"/>
                     </a:lnL>
-                    <a:lnR w="3175" cap="flat" cmpd="sng" algn="ctr">
+                    <a:lnR w="3175">
                       <a:solidFill>
                         <a:srgbClr val="B7B8B8"/>
                       </a:solidFill>
                       <a:prstDash val="solid"/>
-                      <a:round/>
-                      <a:headEnd type="none" w="med" len="med"/>
-                      <a:tailEnd type="none" w="med" len="med"/>
                     </a:lnR>
                     <a:lnT w="3175">
                       <a:solidFill>
@@ -8380,20 +7719,27 @@
                     <a:bodyPr/>
                     <a:lstStyle/>
                     <a:p>
-                      <a:pPr algn="ctr" fontAlgn="t"/>
+                      <a:pPr marL="0" marR="203200" indent="-193040" algn="ctr">
+                        <a:lnSpc>
+                          <a:spcPct val="100000"/>
+                        </a:lnSpc>
+                        <a:spcBef>
+                          <a:spcPts val="155"/>
+                        </a:spcBef>
+                      </a:pPr>
                       <a:r>
-                        <a:rPr lang="en-US" sz="900" b="0" i="0" u="none" strike="noStrike">
+                        <a:rPr lang="it-IT" sz="900" dirty="0">
                           <a:solidFill>
                             <a:srgbClr val="020302"/>
                           </a:solidFill>
-                          <a:effectLst/>
-                          <a:latin typeface="AdobeClean-Light" panose="020B0503020404020204" pitchFamily="34" charset="0"/>
-                        </a:rPr>
-                        <a:t>Business days / 3 days</a:t>
+                          <a:latin typeface="AdobeClean-Light"/>
+                          <a:cs typeface="AdobeClean-Light"/>
+                        </a:rPr>
+                        <a:t>Giorni lavorativi / 3 giorni</a:t>
                       </a:r>
                     </a:p>
                   </a:txBody>
-                  <a:tcPr marL="9525" marR="9525" marT="9525" marB="0" anchor="ctr">
+                  <a:tcPr marL="0" marR="0" marT="0" marB="0" anchor="ctr">
                     <a:lnL w="3175">
                       <a:solidFill>
                         <a:srgbClr val="B7B8B8"/>
@@ -8425,110 +7771,170 @@
                     <a:bodyPr/>
                     <a:lstStyle/>
                     <a:p>
-                      <a:pPr algn="ctr" fontAlgn="t"/>
+                      <a:pPr marL="0" marR="223520" indent="-202565" algn="ctr">
+                        <a:lnSpc>
+                          <a:spcPct val="100000"/>
+                        </a:lnSpc>
+                        <a:spcBef>
+                          <a:spcPts val="155"/>
+                        </a:spcBef>
+                      </a:pPr>
                       <a:r>
-                        <a:rPr lang="en-US" sz="900" b="0" i="0" u="none" strike="noStrike">
+                        <a:rPr lang="it-IT" sz="900" dirty="0">
                           <a:solidFill>
                             <a:srgbClr val="020302"/>
                           </a:solidFill>
-                          <a:effectLst/>
-                          <a:latin typeface="AdobeClean-Light" panose="020B0503020404020204" pitchFamily="34" charset="0"/>
-                        </a:rPr>
-                        <a:t>Business day / 1 day</a:t>
+                          <a:latin typeface="AdobeClean-Light"/>
+                          <a:cs typeface="AdobeClean-Light"/>
+                        </a:rPr>
+                        <a:t>Giorni lavorativi </a:t>
                       </a:r>
-                    </a:p>
-                  </a:txBody>
-                  <a:tcPr marL="9525" marR="9525" marT="9525" marB="0" anchor="ctr">
-                    <a:lnL w="3175">
-                      <a:solidFill>
-                        <a:srgbClr val="B7B8B8"/>
-                      </a:solidFill>
-                      <a:prstDash val="solid"/>
-                    </a:lnL>
-                    <a:lnR w="3175">
-                      <a:solidFill>
-                        <a:srgbClr val="B7B8B8"/>
-                      </a:solidFill>
-                      <a:prstDash val="solid"/>
-                    </a:lnR>
-                    <a:lnT w="3175">
-                      <a:solidFill>
-                        <a:srgbClr val="B7B8B8"/>
-                      </a:solidFill>
-                      <a:prstDash val="solid"/>
-                    </a:lnT>
-                    <a:lnB w="3175">
-                      <a:solidFill>
-                        <a:srgbClr val="B7B8B8"/>
-                      </a:solidFill>
-                      <a:prstDash val="solid"/>
-                    </a:lnB>
-                  </a:tcPr>
-                </a:tc>
-                <a:tc>
-                  <a:txBody>
-                    <a:bodyPr/>
-                    <a:lstStyle/>
-                    <a:p>
-                      <a:pPr algn="ctr" fontAlgn="t"/>
-                      <a:r>
-                        <a:rPr lang="en-US" sz="900" b="0" i="0" u="none" strike="noStrike">
+                      <a:br>
+                        <a:rPr lang="sk-SK" sz="900" dirty="0">
                           <a:solidFill>
                             <a:srgbClr val="020302"/>
                           </a:solidFill>
-                          <a:effectLst/>
-                          <a:latin typeface="AdobeClean-Light" panose="020B0503020404020204" pitchFamily="34" charset="0"/>
-                        </a:rPr>
-                        <a:t>Business day / 1 day</a:t>
-                      </a:r>
-                    </a:p>
-                  </a:txBody>
-                  <a:tcPr marL="9525" marR="9525" marT="9525" marB="0" anchor="ctr">
-                    <a:lnL w="3175">
-                      <a:solidFill>
-                        <a:srgbClr val="B7B8B8"/>
-                      </a:solidFill>
-                      <a:prstDash val="solid"/>
-                    </a:lnL>
-                    <a:lnR w="3175">
-                      <a:solidFill>
-                        <a:srgbClr val="B7B8B8"/>
-                      </a:solidFill>
-                      <a:prstDash val="solid"/>
-                    </a:lnR>
-                    <a:lnT w="3175">
-                      <a:solidFill>
-                        <a:srgbClr val="B7B8B8"/>
-                      </a:solidFill>
-                      <a:prstDash val="solid"/>
-                    </a:lnT>
-                    <a:lnB w="3175">
-                      <a:solidFill>
-                        <a:srgbClr val="B7B8B8"/>
-                      </a:solidFill>
-                      <a:prstDash val="solid"/>
-                    </a:lnB>
-                  </a:tcPr>
-                </a:tc>
-                <a:tc>
-                  <a:txBody>
-                    <a:bodyPr/>
-                    <a:lstStyle/>
-                    <a:p>
-                      <a:pPr algn="ctr" fontAlgn="t"/>
+                          <a:latin typeface="AdobeClean-Light"/>
+                          <a:cs typeface="AdobeClean-Light"/>
+                        </a:rPr>
+                      </a:br>
                       <a:r>
-                        <a:rPr lang="en-US" sz="900" b="0" i="0" u="none" strike="noStrike" dirty="0">
+                        <a:rPr lang="it-IT" sz="900" dirty="0">
                           <a:solidFill>
                             <a:srgbClr val="020302"/>
                           </a:solidFill>
-                          <a:effectLst/>
-                          <a:latin typeface="AdobeClean-Light" panose="020B0503020404020204" pitchFamily="34" charset="0"/>
-                        </a:rPr>
-                        <a:t>Business day / 1 day</a:t>
+                          <a:latin typeface="AdobeClean-Light"/>
+                          <a:cs typeface="AdobeClean-Light"/>
+                        </a:rPr>
+                        <a:t>/ 1 giorno</a:t>
                       </a:r>
                     </a:p>
                   </a:txBody>
-                  <a:tcPr marL="9525" marR="9525" marT="9525" marB="0" anchor="ctr">
+                  <a:tcPr marL="0" marR="0" marT="0" marB="0" anchor="ctr">
+                    <a:lnL w="3175">
+                      <a:solidFill>
+                        <a:srgbClr val="B7B8B8"/>
+                      </a:solidFill>
+                      <a:prstDash val="solid"/>
+                    </a:lnL>
+                    <a:lnR w="3175">
+                      <a:solidFill>
+                        <a:srgbClr val="B7B8B8"/>
+                      </a:solidFill>
+                      <a:prstDash val="solid"/>
+                    </a:lnR>
+                    <a:lnT w="3175">
+                      <a:solidFill>
+                        <a:srgbClr val="B7B8B8"/>
+                      </a:solidFill>
+                      <a:prstDash val="solid"/>
+                    </a:lnT>
+                    <a:lnB w="3175">
+                      <a:solidFill>
+                        <a:srgbClr val="B7B8B8"/>
+                      </a:solidFill>
+                      <a:prstDash val="solid"/>
+                    </a:lnB>
+                  </a:tcPr>
+                </a:tc>
+                <a:tc>
+                  <a:txBody>
+                    <a:bodyPr/>
+                    <a:lstStyle/>
+                    <a:p>
+                      <a:pPr marL="0" marR="223520" indent="-202565" algn="ctr">
+                        <a:lnSpc>
+                          <a:spcPct val="100000"/>
+                        </a:lnSpc>
+                        <a:spcBef>
+                          <a:spcPts val="155"/>
+                        </a:spcBef>
+                      </a:pPr>
+                      <a:r>
+                        <a:rPr lang="it-IT" sz="900">
+                          <a:solidFill>
+                            <a:srgbClr val="020302"/>
+                          </a:solidFill>
+                          <a:latin typeface="AdobeClean-Light"/>
+                          <a:cs typeface="AdobeClean-Light"/>
+                        </a:rPr>
+                        <a:t>Giorni lavorativi /      1 giorno</a:t>
+                      </a:r>
+                    </a:p>
+                  </a:txBody>
+                  <a:tcPr marL="0" marR="0" marT="0" marB="0" anchor="ctr">
+                    <a:lnL w="3175">
+                      <a:solidFill>
+                        <a:srgbClr val="B7B8B8"/>
+                      </a:solidFill>
+                      <a:prstDash val="solid"/>
+                    </a:lnL>
+                    <a:lnR w="3175">
+                      <a:solidFill>
+                        <a:srgbClr val="B7B8B8"/>
+                      </a:solidFill>
+                      <a:prstDash val="solid"/>
+                    </a:lnR>
+                    <a:lnT w="3175">
+                      <a:solidFill>
+                        <a:srgbClr val="B7B8B8"/>
+                      </a:solidFill>
+                      <a:prstDash val="solid"/>
+                    </a:lnT>
+                    <a:lnB w="3175">
+                      <a:solidFill>
+                        <a:srgbClr val="B7B8B8"/>
+                      </a:solidFill>
+                      <a:prstDash val="solid"/>
+                    </a:lnB>
+                  </a:tcPr>
+                </a:tc>
+                <a:tc>
+                  <a:txBody>
+                    <a:bodyPr/>
+                    <a:lstStyle/>
+                    <a:p>
+                      <a:pPr marL="0" marR="223520" indent="-202565" algn="ctr">
+                        <a:lnSpc>
+                          <a:spcPct val="100000"/>
+                        </a:lnSpc>
+                        <a:spcBef>
+                          <a:spcPts val="155"/>
+                        </a:spcBef>
+                      </a:pPr>
+                      <a:r>
+                        <a:rPr lang="it-IT" sz="900" dirty="0">
+                          <a:solidFill>
+                            <a:srgbClr val="020302"/>
+                          </a:solidFill>
+                          <a:latin typeface="AdobeClean-Light"/>
+                          <a:cs typeface="AdobeClean-Light"/>
+                        </a:rPr>
+                        <a:t>Giorni lavorativi / </a:t>
+                      </a:r>
+                      <a:r>
+                        <a:rPr lang="sk-SK" sz="900" dirty="0">
+                          <a:solidFill>
+                            <a:srgbClr val="020302"/>
+                          </a:solidFill>
+                          <a:latin typeface="AdobeClean-Light"/>
+                          <a:cs typeface="AdobeClean-Light"/>
+                        </a:rPr>
+                        <a:t> </a:t>
+                      </a:r>
+                      <a:r>
+                        <a:rPr lang="it-IT" sz="900" dirty="0">
+                          <a:solidFill>
+                            <a:srgbClr val="020302"/>
+                          </a:solidFill>
+                          <a:latin typeface="AdobeClean-Light"/>
+                          <a:cs typeface="AdobeClean-Light"/>
+                        </a:rPr>
+                        <a:t>1 giorno</a:t>
+                      </a:r>
+                    </a:p>
+                  </a:txBody>
+                  <a:tcPr marL="0" marR="0" marT="0" marB="0" anchor="ctr">
                     <a:lnL w="3175">
                       <a:solidFill>
                         <a:srgbClr val="B7B8B8"/>
@@ -8591,7 +7997,7 @@
           </a:prstGeom>
         </p:spPr>
         <p:txBody>
-          <a:bodyPr vert="horz" wrap="square" lIns="0" tIns="12700" rIns="0" bIns="0" rtlCol="0" anchor="t">
+          <a:bodyPr vert="horz" wrap="square" lIns="0" tIns="12700" rIns="0" bIns="0" rtlCol="0">
             <a:spAutoFit/>
           </a:bodyPr>
           <a:lstStyle/>
@@ -8605,20 +8011,11 @@
               </a:spcBef>
             </a:pPr>
             <a:r>
-              <a:rPr sz="2300" dirty="0">
-                <a:latin typeface="Adobe Clean"/>
+              <a:rPr lang="it-IT" sz="2300">
+                <a:latin typeface="Adobe Clean" panose="020B0503020404020204" pitchFamily="34" charset="0"/>
               </a:rPr>
-              <a:t>ADOBE </a:t>
+              <a:t>OPZIONI DI SUPPORTO ADOBE</a:t>
             </a:r>
-            <a:r>
-              <a:rPr lang="en-US" sz="2300" dirty="0">
-                <a:latin typeface="Adobe Clean"/>
-              </a:rPr>
-              <a:t>SUPPORT PLANS</a:t>
-            </a:r>
-            <a:endParaRPr sz="2300" dirty="0">
-              <a:latin typeface="Adobe Clean" panose="020B0503020404020204" pitchFamily="34" charset="0"/>
-            </a:endParaRPr>
           </a:p>
         </p:txBody>
       </p:sp>
@@ -8651,7 +8048,7 @@
           <a:lstStyle/>
           <a:p>
             <a:r>
-              <a:rPr lang="en-US" sz="700" i="1" dirty="0">
+              <a:rPr lang="it-IT" sz="700" i="1">
                 <a:solidFill>
                   <a:schemeClr val="bg1"/>
                 </a:solidFill>
@@ -8895,7 +8292,7 @@
           </a:prstGeom>
         </p:spPr>
         <p:txBody>
-          <a:bodyPr vert="horz" wrap="square" lIns="0" tIns="35560" rIns="0" bIns="0" rtlCol="0" anchor="t">
+          <a:bodyPr vert="horz" wrap="square" lIns="0" tIns="35560" rIns="0" bIns="0" rtlCol="0">
             <a:spAutoFit/>
           </a:bodyPr>
           <a:lstStyle/>
@@ -8909,406 +8306,32 @@
               </a:spcBef>
             </a:pPr>
             <a:r>
-              <a:rPr lang="en-US" sz="1000" spc="-20" dirty="0">
+              <a:rPr lang="it-IT" sz="1000">
                 <a:solidFill>
                   <a:srgbClr val="020302"/>
                 </a:solidFill>
                 <a:latin typeface="AdobeClean-Light"/>
                 <a:cs typeface="AdobeClean-Light"/>
               </a:rPr>
-              <a:t>Adobe Customer Support offers a</a:t>
+              <a:t>Grazie all’Assistenza clienti di Adobe, è possibile accedere a risorse online per la documentazione, acquisire le best practice con l’aiuto di altri esperti e clienti e seguire la serie di webinar Office Hours con suggerimenti utili per la risoluzione di eventuali problemi. Sono disponibili diversi canali</a:t>
             </a:r>
             <a:r>
-              <a:rPr sz="1000" spc="-20" dirty="0">
+              <a:rPr lang="it-IT" sz="1000">
+                <a:latin typeface="AdobeClean-Light"/>
+                <a:cs typeface="AdobeClean-Light"/>
+              </a:rPr>
+              <a:t> </a:t>
+            </a:r>
+            <a:r>
+              <a:rPr lang="it-IT" sz="1000">
                 <a:solidFill>
                   <a:srgbClr val="020302"/>
                 </a:solidFill>
                 <a:latin typeface="AdobeClean-Light"/>
                 <a:cs typeface="AdobeClean-Light"/>
               </a:rPr>
-              <a:t>ccess</a:t>
+              <a:t>per l’inoltro di domande e richieste di assistenza.</a:t>
             </a:r>
-            <a:r>
-              <a:rPr sz="1000" spc="-90" dirty="0">
-                <a:solidFill>
-                  <a:srgbClr val="020302"/>
-                </a:solidFill>
-                <a:latin typeface="AdobeClean-Light"/>
-                <a:cs typeface="AdobeClean-Light"/>
-              </a:rPr>
-              <a:t> </a:t>
-            </a:r>
-            <a:r>
-              <a:rPr sz="1000" spc="-10" dirty="0">
-                <a:solidFill>
-                  <a:srgbClr val="020302"/>
-                </a:solidFill>
-                <a:latin typeface="AdobeClean-Light"/>
-                <a:cs typeface="AdobeClean-Light"/>
-              </a:rPr>
-              <a:t>to</a:t>
-            </a:r>
-            <a:r>
-              <a:rPr sz="1000" spc="10" dirty="0">
-                <a:solidFill>
-                  <a:srgbClr val="020302"/>
-                </a:solidFill>
-                <a:latin typeface="AdobeClean-Light"/>
-                <a:cs typeface="AdobeClean-Light"/>
-              </a:rPr>
-              <a:t> </a:t>
-            </a:r>
-            <a:r>
-              <a:rPr lang="en-US" sz="1000" spc="-20" dirty="0">
-                <a:solidFill>
-                  <a:srgbClr val="020302"/>
-                </a:solidFill>
-                <a:latin typeface="AdobeClean-Light"/>
-                <a:cs typeface="AdobeClean-Light"/>
-              </a:rPr>
-              <a:t>online resources </a:t>
-            </a:r>
-            <a:r>
-              <a:rPr sz="1000" spc="-15" dirty="0">
-                <a:solidFill>
-                  <a:srgbClr val="020302"/>
-                </a:solidFill>
-                <a:latin typeface="AdobeClean-Light"/>
-                <a:cs typeface="AdobeClean-Light"/>
-              </a:rPr>
-              <a:t>for</a:t>
-            </a:r>
-            <a:r>
-              <a:rPr sz="1000" spc="-30" dirty="0">
-                <a:solidFill>
-                  <a:srgbClr val="020302"/>
-                </a:solidFill>
-                <a:latin typeface="AdobeClean-Light"/>
-                <a:cs typeface="AdobeClean-Light"/>
-              </a:rPr>
-              <a:t> </a:t>
-            </a:r>
-            <a:r>
-              <a:rPr sz="1000" spc="-15" dirty="0">
-                <a:solidFill>
-                  <a:srgbClr val="020302"/>
-                </a:solidFill>
-                <a:latin typeface="AdobeClean-Light"/>
-                <a:cs typeface="AdobeClean-Light"/>
-              </a:rPr>
-              <a:t>documentation,</a:t>
-            </a:r>
-            <a:r>
-              <a:rPr lang="en-US" sz="1000" spc="-15" dirty="0">
-                <a:solidFill>
-                  <a:srgbClr val="020302"/>
-                </a:solidFill>
-                <a:latin typeface="AdobeClean-Light"/>
-                <a:cs typeface="AdobeClean-Light"/>
-              </a:rPr>
-              <a:t> </a:t>
-            </a:r>
-            <a:r>
-              <a:rPr sz="1000" spc="-15" dirty="0">
-                <a:solidFill>
-                  <a:srgbClr val="020302"/>
-                </a:solidFill>
-                <a:latin typeface="AdobeClean-Light"/>
-                <a:cs typeface="AdobeClean-Light"/>
-              </a:rPr>
-              <a:t>engagement</a:t>
-            </a:r>
-            <a:r>
-              <a:rPr lang="en-US" sz="1000" spc="-15" dirty="0">
-                <a:solidFill>
-                  <a:srgbClr val="020302"/>
-                </a:solidFill>
-                <a:latin typeface="AdobeClean-Light"/>
-                <a:cs typeface="AdobeClean-Light"/>
-              </a:rPr>
-              <a:t> </a:t>
-            </a:r>
-            <a:r>
-              <a:rPr sz="1000" spc="-15" dirty="0">
-                <a:solidFill>
-                  <a:srgbClr val="020302"/>
-                </a:solidFill>
-                <a:latin typeface="AdobeClean-Light"/>
-                <a:cs typeface="AdobeClean-Light"/>
-              </a:rPr>
-              <a:t>with</a:t>
-            </a:r>
-            <a:r>
-              <a:rPr sz="1000" spc="-35" dirty="0">
-                <a:solidFill>
-                  <a:srgbClr val="020302"/>
-                </a:solidFill>
-                <a:latin typeface="AdobeClean-Light"/>
-                <a:cs typeface="AdobeClean-Light"/>
-              </a:rPr>
-              <a:t> </a:t>
-            </a:r>
-            <a:r>
-              <a:rPr sz="1000" spc="-20" dirty="0">
-                <a:solidFill>
-                  <a:srgbClr val="020302"/>
-                </a:solidFill>
-                <a:latin typeface="AdobeClean-Light"/>
-                <a:cs typeface="AdobeClean-Light"/>
-              </a:rPr>
-              <a:t>other experts </a:t>
-            </a:r>
-            <a:r>
-              <a:rPr sz="1000" spc="-15" dirty="0">
-                <a:solidFill>
-                  <a:srgbClr val="020302"/>
-                </a:solidFill>
-                <a:latin typeface="AdobeClean-Light"/>
-                <a:cs typeface="AdobeClean-Light"/>
-              </a:rPr>
-              <a:t>and </a:t>
-            </a:r>
-            <a:r>
-              <a:rPr sz="1000" spc="-20" dirty="0">
-                <a:solidFill>
-                  <a:srgbClr val="020302"/>
-                </a:solidFill>
-                <a:latin typeface="AdobeClean-Light"/>
-                <a:cs typeface="AdobeClean-Light"/>
-              </a:rPr>
-              <a:t>customers </a:t>
-            </a:r>
-            <a:r>
-              <a:rPr sz="1000" spc="-15" dirty="0">
-                <a:solidFill>
-                  <a:srgbClr val="020302"/>
-                </a:solidFill>
-                <a:latin typeface="AdobeClean-Light"/>
-                <a:cs typeface="AdobeClean-Light"/>
-              </a:rPr>
-              <a:t>for best </a:t>
-            </a:r>
-            <a:r>
-              <a:rPr sz="1000" spc="-20" dirty="0">
-                <a:solidFill>
-                  <a:srgbClr val="020302"/>
-                </a:solidFill>
-                <a:latin typeface="AdobeClean-Light"/>
-                <a:cs typeface="AdobeClean-Light"/>
-              </a:rPr>
-              <a:t>practices, </a:t>
-            </a:r>
-            <a:r>
-              <a:rPr sz="1000" spc="-15" dirty="0">
-                <a:solidFill>
-                  <a:srgbClr val="020302"/>
-                </a:solidFill>
-                <a:latin typeface="AdobeClean-Light"/>
-                <a:cs typeface="AdobeClean-Light"/>
-              </a:rPr>
-              <a:t>and </a:t>
-            </a:r>
-            <a:r>
-              <a:rPr sz="1000" spc="-20" dirty="0">
-                <a:solidFill>
-                  <a:srgbClr val="020302"/>
-                </a:solidFill>
-                <a:latin typeface="AdobeClean-Light"/>
-                <a:cs typeface="AdobeClean-Light"/>
-              </a:rPr>
-              <a:t>webinar series (Office </a:t>
-            </a:r>
-            <a:r>
-              <a:rPr sz="1000" spc="-15" dirty="0">
-                <a:solidFill>
-                  <a:srgbClr val="020302"/>
-                </a:solidFill>
-                <a:latin typeface="AdobeClean-Light"/>
-                <a:cs typeface="AdobeClean-Light"/>
-              </a:rPr>
-              <a:t>Hours) for </a:t>
-            </a:r>
-            <a:r>
-              <a:rPr sz="1000" spc="-20" dirty="0">
-                <a:solidFill>
-                  <a:srgbClr val="020302"/>
-                </a:solidFill>
-                <a:latin typeface="AdobeClean-Light"/>
-                <a:cs typeface="AdobeClean-Light"/>
-              </a:rPr>
-              <a:t>troubleshooting </a:t>
-            </a:r>
-            <a:r>
-              <a:rPr sz="1000" spc="-15" dirty="0">
-                <a:solidFill>
-                  <a:srgbClr val="020302"/>
-                </a:solidFill>
-                <a:latin typeface="AdobeClean-Light"/>
-                <a:cs typeface="AdobeClean-Light"/>
-              </a:rPr>
-              <a:t>tips and </a:t>
-            </a:r>
-            <a:r>
-              <a:rPr sz="1000" spc="-20" dirty="0">
-                <a:solidFill>
-                  <a:srgbClr val="020302"/>
-                </a:solidFill>
-                <a:latin typeface="AdobeClean-Light"/>
-                <a:cs typeface="AdobeClean-Light"/>
-              </a:rPr>
-              <a:t>tricks. Several channels </a:t>
-            </a:r>
-            <a:r>
-              <a:rPr lang="en-US" sz="1000" spc="-15" dirty="0">
-                <a:solidFill>
-                  <a:srgbClr val="020302"/>
-                </a:solidFill>
-                <a:latin typeface="AdobeClean-Light"/>
-                <a:cs typeface="AdobeClean-Light"/>
-              </a:rPr>
-              <a:t>are </a:t>
-            </a:r>
-            <a:r>
-              <a:rPr lang="en-US" sz="1000" spc="-20" dirty="0">
-                <a:solidFill>
-                  <a:srgbClr val="020302"/>
-                </a:solidFill>
-                <a:latin typeface="AdobeClean-Light"/>
-                <a:cs typeface="AdobeClean-Light"/>
-              </a:rPr>
-              <a:t>also</a:t>
-            </a:r>
-            <a:r>
-              <a:rPr lang="en-US" sz="1000" dirty="0">
-                <a:latin typeface="AdobeClean-Light"/>
-                <a:cs typeface="AdobeClean-Light"/>
-              </a:rPr>
-              <a:t> </a:t>
-            </a:r>
-            <a:r>
-              <a:rPr sz="1000" spc="-25" dirty="0">
-                <a:solidFill>
-                  <a:srgbClr val="020302"/>
-                </a:solidFill>
-                <a:latin typeface="AdobeClean-Light"/>
-                <a:cs typeface="AdobeClean-Light"/>
-              </a:rPr>
-              <a:t>available</a:t>
-            </a:r>
-            <a:r>
-              <a:rPr sz="1000" spc="-65" dirty="0">
-                <a:solidFill>
-                  <a:srgbClr val="020302"/>
-                </a:solidFill>
-                <a:latin typeface="AdobeClean-Light"/>
-                <a:cs typeface="AdobeClean-Light"/>
-              </a:rPr>
-              <a:t> </a:t>
-            </a:r>
-            <a:r>
-              <a:rPr sz="1000" spc="-15" dirty="0">
-                <a:solidFill>
-                  <a:srgbClr val="020302"/>
-                </a:solidFill>
-                <a:latin typeface="AdobeClean-Light"/>
-                <a:cs typeface="AdobeClean-Light"/>
-              </a:rPr>
-              <a:t>for</a:t>
-            </a:r>
-            <a:r>
-              <a:rPr sz="1000" spc="-25" dirty="0">
-                <a:solidFill>
-                  <a:srgbClr val="020302"/>
-                </a:solidFill>
-                <a:latin typeface="AdobeClean-Light"/>
-                <a:cs typeface="AdobeClean-Light"/>
-              </a:rPr>
-              <a:t> </a:t>
-            </a:r>
-            <a:r>
-              <a:rPr sz="1000" spc="-20" dirty="0">
-                <a:solidFill>
-                  <a:srgbClr val="020302"/>
-                </a:solidFill>
-                <a:latin typeface="AdobeClean-Light"/>
-                <a:cs typeface="AdobeClean-Light"/>
-              </a:rPr>
-              <a:t>questions</a:t>
-            </a:r>
-            <a:r>
-              <a:rPr sz="1000" spc="-114" dirty="0">
-                <a:solidFill>
-                  <a:srgbClr val="020302"/>
-                </a:solidFill>
-                <a:latin typeface="AdobeClean-Light"/>
-                <a:cs typeface="AdobeClean-Light"/>
-              </a:rPr>
-              <a:t> </a:t>
-            </a:r>
-            <a:r>
-              <a:rPr sz="1000" spc="-15" dirty="0">
-                <a:solidFill>
-                  <a:srgbClr val="020302"/>
-                </a:solidFill>
-                <a:latin typeface="AdobeClean-Light"/>
-                <a:cs typeface="AdobeClean-Light"/>
-              </a:rPr>
-              <a:t>and</a:t>
-            </a:r>
-            <a:r>
-              <a:rPr sz="1000" spc="-45" dirty="0">
-                <a:solidFill>
-                  <a:srgbClr val="020302"/>
-                </a:solidFill>
-                <a:latin typeface="AdobeClean-Light"/>
-                <a:cs typeface="AdobeClean-Light"/>
-              </a:rPr>
-              <a:t> </a:t>
-            </a:r>
-            <a:r>
-              <a:rPr sz="1000" spc="-20" dirty="0">
-                <a:solidFill>
-                  <a:srgbClr val="020302"/>
-                </a:solidFill>
-                <a:latin typeface="AdobeClean-Light"/>
-                <a:cs typeface="AdobeClean-Light"/>
-              </a:rPr>
-              <a:t>case</a:t>
-            </a:r>
-            <a:r>
-              <a:rPr sz="1000" spc="-35" dirty="0">
-                <a:solidFill>
-                  <a:srgbClr val="020302"/>
-                </a:solidFill>
-                <a:latin typeface="AdobeClean-Light"/>
-                <a:cs typeface="AdobeClean-Light"/>
-              </a:rPr>
-              <a:t> </a:t>
-            </a:r>
-            <a:r>
-              <a:rPr sz="1000" spc="-20" dirty="0">
-                <a:solidFill>
-                  <a:srgbClr val="020302"/>
-                </a:solidFill>
-                <a:latin typeface="AdobeClean-Light"/>
-                <a:cs typeface="AdobeClean-Light"/>
-              </a:rPr>
-              <a:t>submissions</a:t>
-            </a:r>
-            <a:r>
-              <a:rPr lang="en-US" sz="1000" spc="-20" dirty="0">
-                <a:solidFill>
-                  <a:srgbClr val="020302"/>
-                </a:solidFill>
-                <a:latin typeface="AdobeClean-Light"/>
-                <a:cs typeface="AdobeClean-Light"/>
-              </a:rPr>
-              <a:t>.</a:t>
-            </a:r>
-            <a:endParaRPr sz="1000" dirty="0">
-              <a:latin typeface="AdobeClean-Light"/>
-              <a:cs typeface="AdobeClean-Light"/>
-            </a:endParaRPr>
           </a:p>
         </p:txBody>
       </p:sp>
@@ -9321,19 +8344,22 @@
         <p:spPr>
           <a:xfrm>
             <a:off x="206585" y="8494028"/>
-            <a:ext cx="3270885" cy="302647"/>
+            <a:ext cx="3270885" cy="441146"/>
           </a:xfrm>
           <a:prstGeom prst="rect">
             <a:avLst/>
           </a:prstGeom>
         </p:spPr>
         <p:txBody>
-          <a:bodyPr vert="horz" wrap="square" lIns="0" tIns="12700" rIns="0" bIns="0" rtlCol="0" anchor="t">
+          <a:bodyPr vert="horz" wrap="square" lIns="0" tIns="12700" rIns="0" bIns="0" rtlCol="0">
             <a:spAutoFit/>
           </a:bodyPr>
           <a:lstStyle/>
           <a:p>
             <a:pPr marL="33020" marR="159385">
+              <a:lnSpc>
+                <a:spcPct val="100000"/>
+              </a:lnSpc>
               <a:spcBef>
                 <a:spcPts val="100"/>
               </a:spcBef>
@@ -9342,174 +8368,33 @@
               </a:tabLst>
             </a:pPr>
             <a:r>
-              <a:rPr sz="900" spc="-20" dirty="0">
+              <a:rPr lang="it-IT" sz="900" dirty="0">
                 <a:solidFill>
                   <a:srgbClr val="020302"/>
                 </a:solidFill>
                 <a:latin typeface="AdobeClean-Light"/>
                 <a:cs typeface="AdobeClean-Light"/>
               </a:rPr>
-              <a:t>Start </a:t>
+              <a:t>Avvia una sessione di chat per ottenere risposte </a:t>
             </a:r>
-            <a:r>
-              <a:rPr sz="900" dirty="0">
+            <a:br>
+              <a:rPr lang="sk-SK" sz="900" dirty="0">
                 <a:solidFill>
                   <a:srgbClr val="020302"/>
                 </a:solidFill>
                 <a:latin typeface="AdobeClean-Light"/>
                 <a:cs typeface="AdobeClean-Light"/>
               </a:rPr>
-              <a:t>a </a:t>
-            </a:r>
+            </a:br>
             <a:r>
-              <a:rPr sz="900" spc="-15" dirty="0">
+              <a:rPr lang="it-IT" sz="900" dirty="0">
                 <a:solidFill>
                   <a:srgbClr val="020302"/>
                 </a:solidFill>
                 <a:latin typeface="AdobeClean-Light"/>
                 <a:cs typeface="AdobeClean-Light"/>
               </a:rPr>
-              <a:t>chat </a:t>
-            </a:r>
-            <a:r>
-              <a:rPr sz="900" spc="-10" dirty="0">
-                <a:solidFill>
-                  <a:srgbClr val="020302"/>
-                </a:solidFill>
-                <a:latin typeface="AdobeClean-Light"/>
-                <a:cs typeface="AdobeClean-Light"/>
-              </a:rPr>
-              <a:t>session </a:t>
-            </a:r>
-            <a:r>
-              <a:rPr sz="900" spc="-5" dirty="0">
-                <a:solidFill>
-                  <a:srgbClr val="020302"/>
-                </a:solidFill>
-                <a:latin typeface="AdobeClean-Light"/>
-                <a:cs typeface="AdobeClean-Light"/>
-              </a:rPr>
-              <a:t>to </a:t>
-            </a:r>
-            <a:r>
-              <a:rPr sz="900" spc="-10" dirty="0">
-                <a:solidFill>
-                  <a:srgbClr val="020302"/>
-                </a:solidFill>
-                <a:latin typeface="AdobeClean-Light"/>
-                <a:cs typeface="AdobeClean-Light"/>
-              </a:rPr>
-              <a:t>get</a:t>
-            </a:r>
-            <a:r>
-              <a:rPr lang="en-US" sz="900" spc="-10" dirty="0">
-                <a:solidFill>
-                  <a:srgbClr val="020302"/>
-                </a:solidFill>
-                <a:latin typeface="AdobeClean-Light"/>
-                <a:cs typeface="AdobeClean-Light"/>
-              </a:rPr>
-              <a:t> </a:t>
-            </a:r>
-            <a:r>
-              <a:rPr sz="900" spc="30" dirty="0">
-                <a:solidFill>
-                  <a:srgbClr val="020302"/>
-                </a:solidFill>
-                <a:latin typeface="AdobeClean-Light"/>
-                <a:cs typeface="AdobeClean-Light"/>
-              </a:rPr>
-              <a:t> </a:t>
-            </a:r>
-            <a:r>
-              <a:rPr sz="900" spc="-20" dirty="0">
-                <a:solidFill>
-                  <a:srgbClr val="020302"/>
-                </a:solidFill>
-                <a:latin typeface="AdobeClean-Light"/>
-                <a:cs typeface="AdobeClean-Light"/>
-              </a:rPr>
-              <a:t>answers</a:t>
-            </a:r>
-            <a:r>
-              <a:rPr lang="en-US" sz="900" spc="-45" dirty="0">
-                <a:solidFill>
-                  <a:srgbClr val="020302"/>
-                </a:solidFill>
-                <a:latin typeface="AdobeClean-Light"/>
-                <a:cs typeface="AdobeClean-Light"/>
-              </a:rPr>
-              <a:t> </a:t>
-            </a:r>
-            <a:r>
-              <a:rPr lang="en-US" sz="900" dirty="0">
-                <a:solidFill>
-                  <a:srgbClr val="020302"/>
-                </a:solidFill>
-                <a:latin typeface="AdobeClean-Light"/>
-                <a:cs typeface="AdobeClean-Light"/>
-              </a:rPr>
-              <a:t>&amp; </a:t>
-            </a:r>
-            <a:r>
-              <a:rPr sz="900" spc="-15" dirty="0">
-                <a:solidFill>
-                  <a:srgbClr val="020302"/>
-                </a:solidFill>
-                <a:latin typeface="AdobeClean-Light"/>
-                <a:cs typeface="AdobeClean-Light"/>
-              </a:rPr>
-              <a:t>help </a:t>
-            </a:r>
-            <a:r>
-              <a:rPr sz="900" spc="-10" dirty="0">
-                <a:solidFill>
-                  <a:srgbClr val="020302"/>
-                </a:solidFill>
-                <a:latin typeface="AdobeClean-Light"/>
-                <a:cs typeface="AdobeClean-Light"/>
-              </a:rPr>
-              <a:t>with</a:t>
-            </a:r>
-            <a:r>
-              <a:rPr sz="900" spc="85" dirty="0">
-                <a:solidFill>
-                  <a:srgbClr val="020302"/>
-                </a:solidFill>
-                <a:latin typeface="AdobeClean-Light"/>
-                <a:cs typeface="AdobeClean-Light"/>
-              </a:rPr>
-              <a:t> </a:t>
-            </a:r>
-            <a:r>
-              <a:rPr sz="900" spc="-10" dirty="0">
-                <a:solidFill>
-                  <a:srgbClr val="020302"/>
-                </a:solidFill>
-                <a:latin typeface="AdobeClean-Light"/>
-                <a:cs typeface="AdobeClean-Light"/>
-              </a:rPr>
-              <a:t>case </a:t>
-            </a:r>
-            <a:r>
-              <a:rPr sz="900" spc="-20" dirty="0">
-                <a:solidFill>
-                  <a:srgbClr val="020302"/>
-                </a:solidFill>
-                <a:latin typeface="AdobeClean-Light"/>
-                <a:cs typeface="AdobeClean-Light"/>
-              </a:rPr>
-              <a:t>submission</a:t>
-            </a:r>
-            <a:r>
-              <a:rPr lang="en-US" sz="900" spc="-20" dirty="0">
-                <a:solidFill>
-                  <a:srgbClr val="020302"/>
-                </a:solidFill>
-                <a:latin typeface="AdobeClean-Light"/>
-                <a:cs typeface="AdobeClean-Light"/>
-              </a:rPr>
-              <a:t>.</a:t>
+              <a:t>e assistenza nell’invio di un caso.</a:t>
             </a:r>
           </a:p>
           <a:p>
@@ -9525,29 +8410,15 @@
               </a:tabLst>
             </a:pPr>
             <a:r>
-              <a:rPr sz="900" i="1" spc="-10" dirty="0">
+              <a:rPr lang="it-IT" sz="900" i="1" dirty="0">
                 <a:solidFill>
                   <a:srgbClr val="7A7A7A"/>
                 </a:solidFill>
                 <a:latin typeface="AdobeClean-LightIt"/>
                 <a:cs typeface="AdobeClean-LightIt"/>
               </a:rPr>
-              <a:t>*Not all </a:t>
+              <a:t>* Il supporto chat in diretta non è disponibile per tutti i prodotti.  </a:t>
             </a:r>
-            <a:r>
-              <a:rPr sz="900" i="1" spc="-20" dirty="0">
-                <a:solidFill>
-                  <a:srgbClr val="7A7A7A"/>
-                </a:solidFill>
-                <a:latin typeface="AdobeClean-LightIt"/>
-                <a:cs typeface="AdobeClean-LightIt"/>
-              </a:rPr>
-              <a:t>products have live chat support.  </a:t>
-            </a:r>
-            <a:endParaRPr sz="900" dirty="0">
-              <a:latin typeface="AdobeClean-Light"/>
-              <a:cs typeface="AdobeClean-Light"/>
-            </a:endParaRPr>
           </a:p>
         </p:txBody>
       </p:sp>
@@ -9616,19 +8487,15 @@
               </a:spcBef>
             </a:pPr>
             <a:r>
-              <a:rPr lang="en-US" sz="1400" b="1" spc="-10" dirty="0">
+              <a:rPr lang="it-IT" sz="1400" b="1">
                 <a:solidFill>
                   <a:srgbClr val="020302"/>
                 </a:solidFill>
                 <a:latin typeface="Adobe Clean"/>
                 <a:cs typeface="Adobe Clean"/>
               </a:rPr>
-              <a:t>Online Support</a:t>
+              <a:t>Supporto Online</a:t>
             </a:r>
-            <a:endParaRPr lang="en-US" sz="1400" dirty="0">
-              <a:latin typeface="Adobe Clean"/>
-              <a:cs typeface="Adobe Clean"/>
-            </a:endParaRPr>
           </a:p>
         </p:txBody>
       </p:sp>
@@ -9675,12 +8542,12 @@
               <a:defRPr/>
             </a:pPr>
             <a:r>
-              <a:rPr lang="en-US" sz="1200" dirty="0">
+              <a:rPr lang="it-IT" sz="1200">
                 <a:solidFill>
                   <a:srgbClr val="000000"/>
                 </a:solidFill>
               </a:rPr>
-              <a:t>Community Forums</a:t>
+              <a:t>Forum della community</a:t>
             </a:r>
           </a:p>
         </p:txBody>
@@ -9723,12 +8590,12 @@
               </a:spcAft>
             </a:pPr>
             <a:r>
-              <a:rPr lang="en-US" sz="1200" b="1" dirty="0">
+              <a:rPr lang="it-IT" sz="1200" b="1">
                 <a:latin typeface="+mj-lt"/>
                 <a:ea typeface="Open Sans" pitchFamily="34" charset="0"/>
                 <a:cs typeface="Open Sans" pitchFamily="34" charset="0"/>
               </a:rPr>
-              <a:t>Online Forums</a:t>
+              <a:t>Forum online</a:t>
             </a:r>
           </a:p>
         </p:txBody>
@@ -9748,7 +8615,7 @@
         <p:spPr>
           <a:xfrm>
             <a:off x="244599" y="3893151"/>
-            <a:ext cx="3413002" cy="651460"/>
+            <a:ext cx="3413002" cy="805349"/>
           </a:xfrm>
           <a:prstGeom prst="rect">
             <a:avLst/>
@@ -9761,13 +8628,30 @@
           <a:lstStyle/>
           <a:p>
             <a:r>
-              <a:rPr lang="en-US" sz="1000" dirty="0">
+              <a:rPr lang="it-IT" sz="1000" dirty="0">
                 <a:solidFill>
                   <a:srgbClr val="000000"/>
                 </a:solidFill>
                 <a:latin typeface="Adobe Clean Light" panose="020B0303020404020204" pitchFamily="34" charset="0"/>
               </a:rPr>
-              <a:t>Continuous online access to a growing database of technical solutions, product documentation, FAQs and more. Connect with practitioners and other customers on Adobe Community to share best practices and lessons learned.</a:t>
+              <a:t>Accesso online continuo a un database in continua crescita </a:t>
+            </a:r>
+            <a:br>
+              <a:rPr lang="sk-SK" sz="1000" dirty="0">
+                <a:solidFill>
+                  <a:srgbClr val="000000"/>
+                </a:solidFill>
+                <a:latin typeface="Adobe Clean Light" panose="020B0303020404020204" pitchFamily="34" charset="0"/>
+              </a:rPr>
+            </a:br>
+            <a:r>
+              <a:rPr lang="it-IT" sz="1000" dirty="0">
+                <a:solidFill>
+                  <a:srgbClr val="000000"/>
+                </a:solidFill>
+                <a:latin typeface="Adobe Clean Light" panose="020B0303020404020204" pitchFamily="34" charset="0"/>
+              </a:rPr>
+              <a:t>di soluzioni tecniche, documentazione del prodotto, risposte alle domande più frequenti e altro ancora. Possibilità di relazionarsi con professionisti e altri clienti della Community Adobe per condividere best practice ed esperienze.</a:t>
             </a:r>
           </a:p>
         </p:txBody>
@@ -9815,7 +8699,7 @@
               <a:defRPr/>
             </a:pPr>
             <a:r>
-              <a:rPr lang="en-US" sz="1200" dirty="0">
+              <a:rPr lang="it-IT" sz="1200">
                 <a:solidFill>
                   <a:srgbClr val="000000"/>
                 </a:solidFill>
@@ -9863,12 +8747,12 @@
               </a:spcAft>
             </a:pPr>
             <a:r>
-              <a:rPr lang="en-US" sz="1200" b="1" dirty="0">
+              <a:rPr lang="it-IT" sz="1200" b="1">
                 <a:latin typeface="+mj-lt"/>
                 <a:ea typeface="Open Sans" pitchFamily="34" charset="0"/>
                 <a:cs typeface="Open Sans" pitchFamily="34" charset="0"/>
               </a:rPr>
-              <a:t>Self-guided Journeys</a:t>
+              <a:t>Percorsi autoguidati</a:t>
             </a:r>
           </a:p>
         </p:txBody>
@@ -9901,13 +8785,13 @@
           <a:lstStyle/>
           <a:p>
             <a:r>
-              <a:rPr lang="en-US" sz="1000" dirty="0">
+              <a:rPr lang="it-IT" sz="1000" dirty="0">
                 <a:solidFill>
                   <a:srgbClr val="000000"/>
                 </a:solidFill>
                 <a:latin typeface="Adobe Clean Light" panose="020B0303020404020204" pitchFamily="34" charset="0"/>
               </a:rPr>
-              <a:t>Experience Makers are made with Experience League. Customers can kickstart their Customer Experience Management abilities with personalized learning to develop skills, engage with a global community of peers, and earn career advancing recognition. </a:t>
+              <a:t>Diventa un Experience Maker con Experience League. Puoi acquisire rapidamente le capacità necessarie nella gestione della customer experience seguendo un percorso di apprendimento personalizzato per sviluppare nuove competenze, partecipare a una comunità globale di professionisti e guadagnare riconoscimenti di valore sul piano professionale. </a:t>
             </a:r>
           </a:p>
         </p:txBody>
@@ -9955,7 +8839,7 @@
               <a:defRPr/>
             </a:pPr>
             <a:r>
-              <a:rPr lang="en-US" sz="1200" dirty="0">
+              <a:rPr lang="it-IT" sz="1200">
                 <a:solidFill>
                   <a:srgbClr val="000000"/>
                 </a:solidFill>
@@ -10003,12 +8887,12 @@
               </a:spcAft>
             </a:pPr>
             <a:r>
-              <a:rPr lang="en-US" sz="1200" b="1" dirty="0">
+              <a:rPr lang="it-IT" sz="1200" b="1">
                 <a:latin typeface="+mj-lt"/>
                 <a:ea typeface="Open Sans" pitchFamily="34" charset="0"/>
                 <a:cs typeface="Open Sans" pitchFamily="34" charset="0"/>
               </a:rPr>
-              <a:t>Webinars</a:t>
+              <a:t>Webinar</a:t>
             </a:r>
           </a:p>
         </p:txBody>
@@ -10041,13 +8925,64 @@
           <a:lstStyle/>
           <a:p>
             <a:r>
-              <a:rPr lang="en-US" sz="1000" dirty="0">
+              <a:rPr lang="it-IT" sz="1000" dirty="0">
                 <a:solidFill>
                   <a:srgbClr val="000000"/>
                 </a:solidFill>
                 <a:latin typeface="Adobe Clean Light" panose="020B0303020404020204" pitchFamily="34" charset="0"/>
               </a:rPr>
-              <a:t>Office  Hours  led  by  the  Adobe  Customer Support  team  includes  sessions  designed to  inform  as  well  as  help  participants troubleshoot  problems  and  provide  tips and  tricks  for  success  with  Adobe  solutions.</a:t>
+              <a:t>Le sessioni Office Hours, guidate dal team di Assistenza clienti </a:t>
+            </a:r>
+            <a:br>
+              <a:rPr lang="sk-SK" sz="1000" dirty="0">
+                <a:solidFill>
+                  <a:srgbClr val="000000"/>
+                </a:solidFill>
+                <a:latin typeface="Adobe Clean Light" panose="020B0303020404020204" pitchFamily="34" charset="0"/>
+              </a:rPr>
+            </a:br>
+            <a:r>
+              <a:rPr lang="it-IT" sz="1000" dirty="0">
+                <a:solidFill>
+                  <a:srgbClr val="000000"/>
+                </a:solidFill>
+                <a:latin typeface="Adobe Clean Light" panose="020B0303020404020204" pitchFamily="34" charset="0"/>
+              </a:rPr>
+              <a:t>di Adobe, sono pensate per informare e aiutare i partecipanti </a:t>
+            </a:r>
+            <a:br>
+              <a:rPr lang="sk-SK" sz="1000" dirty="0">
+                <a:solidFill>
+                  <a:srgbClr val="000000"/>
+                </a:solidFill>
+                <a:latin typeface="Adobe Clean Light" panose="020B0303020404020204" pitchFamily="34" charset="0"/>
+              </a:rPr>
+            </a:br>
+            <a:r>
+              <a:rPr lang="it-IT" sz="1000" dirty="0">
+                <a:solidFill>
+                  <a:srgbClr val="000000"/>
+                </a:solidFill>
+                <a:latin typeface="Adobe Clean Light" panose="020B0303020404020204" pitchFamily="34" charset="0"/>
+              </a:rPr>
+              <a:t>a risolvere eventuali problemi e forniscono suggerimenti utili </a:t>
+            </a:r>
+            <a:br>
+              <a:rPr lang="sk-SK" sz="1000" dirty="0">
+                <a:solidFill>
+                  <a:srgbClr val="000000"/>
+                </a:solidFill>
+                <a:latin typeface="Adobe Clean Light" panose="020B0303020404020204" pitchFamily="34" charset="0"/>
+              </a:rPr>
+            </a:br>
+            <a:r>
+              <a:rPr lang="it-IT" sz="1000" dirty="0">
+                <a:solidFill>
+                  <a:srgbClr val="000000"/>
+                </a:solidFill>
+                <a:latin typeface="Adobe Clean Light" panose="020B0303020404020204" pitchFamily="34" charset="0"/>
+              </a:rPr>
+              <a:t>per ottenere il massimo dalle soluzioni Adobe.</a:t>
             </a:r>
           </a:p>
         </p:txBody>
@@ -10095,12 +9030,12 @@
               <a:defRPr/>
             </a:pPr>
             <a:r>
-              <a:rPr lang="en-US" sz="1200" dirty="0">
+              <a:rPr lang="it-IT" sz="1200">
                 <a:solidFill>
                   <a:srgbClr val="000000"/>
                 </a:solidFill>
               </a:rPr>
-              <a:t>Self-help Portals</a:t>
+              <a:t>Portali di assistenza autonoma</a:t>
             </a:r>
           </a:p>
         </p:txBody>
@@ -10143,12 +9078,12 @@
               </a:spcAft>
             </a:pPr>
             <a:r>
-              <a:rPr lang="en-US" sz="1200" b="1" dirty="0">
+              <a:rPr lang="it-IT" sz="1200" b="1">
                 <a:latin typeface="+mj-lt"/>
                 <a:ea typeface="Open Sans" pitchFamily="34" charset="0"/>
                 <a:cs typeface="Open Sans" pitchFamily="34" charset="0"/>
               </a:rPr>
-              <a:t>24/7 Support Portal</a:t>
+              <a:t>Portale di supporto 24/7</a:t>
             </a:r>
           </a:p>
         </p:txBody>
@@ -10168,7 +9103,7 @@
         <p:spPr>
           <a:xfrm>
             <a:off x="3849036" y="6132567"/>
-            <a:ext cx="3413002" cy="497572"/>
+            <a:ext cx="3413002" cy="651460"/>
           </a:xfrm>
           <a:prstGeom prst="rect">
             <a:avLst/>
@@ -10181,13 +9116,30 @@
           <a:lstStyle/>
           <a:p>
             <a:r>
-              <a:rPr lang="en-US" sz="1000" dirty="0">
+              <a:rPr lang="it-IT" sz="1000" dirty="0">
                 <a:solidFill>
                   <a:srgbClr val="000000"/>
                 </a:solidFill>
                 <a:latin typeface="Adobe Clean Light" panose="020B0303020404020204" pitchFamily="34" charset="0"/>
               </a:rPr>
-              <a:t>On-demand access to the online Self-help Support Portal to submit support requests, review case status, and browse other resources, like our knowledgebase, news and alerts, featured tips, and more.</a:t>
+              <a:t>Accesso on-demand al portale di assistenza autonoma per inviare richieste di supporto, esaminare lo stato dei casi e sfogliare altre risorse, come la knowledge base, notizie e avvisi, suggerimenti </a:t>
+            </a:r>
+            <a:br>
+              <a:rPr lang="sk-SK" sz="1000" dirty="0">
+                <a:solidFill>
+                  <a:srgbClr val="000000"/>
+                </a:solidFill>
+                <a:latin typeface="Adobe Clean Light" panose="020B0303020404020204" pitchFamily="34" charset="0"/>
+              </a:rPr>
+            </a:br>
+            <a:r>
+              <a:rPr lang="it-IT" sz="1000" dirty="0">
+                <a:solidFill>
+                  <a:srgbClr val="000000"/>
+                </a:solidFill>
+                <a:latin typeface="Adobe Clean Light" panose="020B0303020404020204" pitchFamily="34" charset="0"/>
+              </a:rPr>
+              <a:t>e altro ancora.</a:t>
             </a:r>
           </a:p>
         </p:txBody>
@@ -10235,12 +9187,12 @@
               <a:defRPr/>
             </a:pPr>
             <a:r>
-              <a:rPr lang="en-US" sz="1200" dirty="0">
+              <a:rPr lang="it-IT" sz="1200">
                 <a:solidFill>
                   <a:srgbClr val="000000"/>
                 </a:solidFill>
               </a:rPr>
-              <a:t>Live Chat  Support*</a:t>
+              <a:t>Supporto chat in diretta*</a:t>
             </a:r>
           </a:p>
         </p:txBody>
@@ -10283,12 +9235,12 @@
               </a:spcAft>
             </a:pPr>
             <a:r>
-              <a:rPr lang="en-US" sz="1200" b="1" dirty="0">
+              <a:rPr lang="it-IT" sz="1200" b="1">
                 <a:latin typeface="+mj-lt"/>
                 <a:ea typeface="Open Sans" pitchFamily="34" charset="0"/>
                 <a:cs typeface="Open Sans" pitchFamily="34" charset="0"/>
               </a:rPr>
-              <a:t>Chat Support</a:t>
+              <a:t>Supporto chat</a:t>
             </a:r>
           </a:p>
         </p:txBody>
@@ -10336,12 +9288,12 @@
               <a:defRPr/>
             </a:pPr>
             <a:r>
-              <a:rPr lang="en-US" sz="1200" dirty="0">
+              <a:rPr lang="it-IT" sz="1200">
                 <a:solidFill>
                   <a:srgbClr val="000000"/>
                 </a:solidFill>
               </a:rPr>
-              <a:t>24 X 7 X 365 P1 </a:t>
+              <a:t>24x7x365 P1 </a:t>
             </a:r>
           </a:p>
         </p:txBody>
@@ -10384,12 +9336,12 @@
               </a:spcAft>
             </a:pPr>
             <a:r>
-              <a:rPr lang="en-US" sz="1200" b="1" dirty="0">
+              <a:rPr lang="it-IT" sz="1200" b="1">
                 <a:latin typeface="+mj-lt"/>
                 <a:ea typeface="Open Sans" pitchFamily="34" charset="0"/>
                 <a:cs typeface="Open Sans" pitchFamily="34" charset="0"/>
               </a:rPr>
-              <a:t>Phone  Support</a:t>
+              <a:t>Supporto telefonico</a:t>
             </a:r>
           </a:p>
         </p:txBody>
@@ -10409,7 +9361,7 @@
         <p:spPr>
           <a:xfrm>
             <a:off x="3833993" y="8494028"/>
-            <a:ext cx="3413002" cy="497572"/>
+            <a:ext cx="3413002" cy="651460"/>
           </a:xfrm>
           <a:prstGeom prst="rect">
             <a:avLst/>
@@ -10422,26 +9374,54 @@
           <a:lstStyle/>
           <a:p>
             <a:r>
-              <a:rPr lang="en-US" sz="1000" dirty="0">
+              <a:rPr lang="it-IT" sz="1000" dirty="0">
                 <a:solidFill>
                   <a:srgbClr val="020302"/>
                 </a:solidFill>
                 <a:latin typeface="AdobeClean-Light"/>
               </a:rPr>
-              <a:t>Authorized users or Named Support Contacts </a:t>
+              <a:t>Gli utenti autorizzati o i contatti interni per il supporto possono segnalare i problemi tramite tutti i canali disponibili (compreso </a:t>
+            </a:r>
+            <a:br>
+              <a:rPr lang="sk-SK" sz="1000" dirty="0">
+                <a:solidFill>
+                  <a:srgbClr val="020302"/>
+                </a:solidFill>
+                <a:latin typeface="AdobeClean-Light"/>
+              </a:rPr>
+            </a:br>
+            <a:r>
+              <a:rPr lang="it-IT" sz="1000" dirty="0">
+                <a:solidFill>
+                  <a:srgbClr val="020302"/>
+                </a:solidFill>
+                <a:latin typeface="AdobeClean-Light"/>
+              </a:rPr>
+              <a:t>il supporto telefonico per casi P1) e interagire con il team Adobe </a:t>
+            </a:r>
+            <a:br>
+              <a:rPr lang="sk-SK" sz="1000" dirty="0">
+                <a:solidFill>
+                  <a:srgbClr val="020302"/>
+                </a:solidFill>
+                <a:latin typeface="AdobeClean-Light"/>
+              </a:rPr>
+            </a:br>
+            <a:r>
+              <a:rPr lang="it-IT" sz="1000" dirty="0">
+                <a:solidFill>
+                  <a:srgbClr val="020302"/>
+                </a:solidFill>
+                <a:latin typeface="AdobeClean-Light"/>
+              </a:rPr>
+              <a:t>di assistenza tecnica per conto della tua azienda</a:t>
             </a:r>
             <a:r>
-              <a:rPr lang="en-US" sz="1000" dirty="0">
+              <a:rPr lang="it-IT" sz="1000" dirty="0">
                 <a:latin typeface="Adobe Clean Light" panose="020B0303020404020204" pitchFamily="34" charset="0"/>
               </a:rPr>
-              <a:t>can submit issues through all available  channels (including phone for P1) and interact with our technical support team on behalf of your company. </a:t>
+              <a:t>. </a:t>
             </a:r>
-            <a:endParaRPr lang="en-US" sz="1000" dirty="0">
-              <a:solidFill>
-                <a:srgbClr val="000000"/>
-              </a:solidFill>
-              <a:latin typeface="Adobe Clean Light" panose="020B0303020404020204" pitchFamily="34" charset="0"/>
-            </a:endParaRPr>
           </a:p>
         </p:txBody>
       </p:sp>
@@ -10485,24 +9465,8 @@
               </a:spcBef>
             </a:pPr>
             <a:r>
-              <a:rPr spc="-5" dirty="0"/>
-              <a:t>©202</a:t>
-            </a:r>
-            <a:r>
-              <a:rPr lang="en-US" spc="-5" dirty="0"/>
-              <a:t>1</a:t>
-            </a:r>
-            <a:r>
-              <a:rPr spc="-5" dirty="0"/>
-              <a:t> Adobe. All Rights Reserved. Adobe</a:t>
-            </a:r>
-            <a:r>
-              <a:rPr spc="60" dirty="0"/>
-              <a:t> </a:t>
-            </a:r>
-            <a:r>
-              <a:rPr spc="-5" dirty="0"/>
-              <a:t>Confidential.</a:t>
+              <a:rPr lang="it-IT"/>
+              <a:t>©2021 Adobe. All Rights Reserved. Adobe Confidential.</a:t>
             </a:r>
           </a:p>
         </p:txBody>
@@ -10793,49 +9757,15 @@
               </a:lnSpc>
             </a:pPr>
             <a:r>
-              <a:rPr sz="500" spc="-5" dirty="0">
+              <a:rPr lang="it-IT" sz="500">
                 <a:solidFill>
                   <a:srgbClr val="6C6C6C"/>
                 </a:solidFill>
                 <a:latin typeface="Adobe Clean"/>
                 <a:cs typeface="Adobe Clean"/>
               </a:rPr>
-              <a:t>©2020 Adobe. All Rights Reserved. </a:t>
+              <a:t>©2020 Adobe. All Rights Reserved. Adobe Confidential.</a:t>
             </a:r>
-            <a:r>
-              <a:rPr sz="500" dirty="0">
-                <a:solidFill>
-                  <a:srgbClr val="6C6C6C"/>
-                </a:solidFill>
-                <a:latin typeface="Adobe Clean"/>
-                <a:cs typeface="Adobe Clean"/>
-              </a:rPr>
-              <a:t>Adobe</a:t>
-            </a:r>
-            <a:r>
-              <a:rPr sz="500" spc="5" dirty="0">
-                <a:solidFill>
-                  <a:srgbClr val="6C6C6C"/>
-                </a:solidFill>
-                <a:latin typeface="Adobe Clean"/>
-                <a:cs typeface="Adobe Clean"/>
-              </a:rPr>
-              <a:t> </a:t>
-            </a:r>
-            <a:r>
-              <a:rPr sz="500" spc="-5" dirty="0">
-                <a:solidFill>
-                  <a:srgbClr val="6C6C6C"/>
-                </a:solidFill>
-                <a:latin typeface="Adobe Clean"/>
-                <a:cs typeface="Adobe Clean"/>
-              </a:rPr>
-              <a:t>Confidential.</a:t>
-            </a:r>
-            <a:endParaRPr sz="500">
-              <a:latin typeface="Adobe Clean"/>
-              <a:cs typeface="Adobe Clean"/>
-            </a:endParaRPr>
           </a:p>
           <a:p>
             <a:pPr>
@@ -10861,39 +9791,15 @@
               </a:spcBef>
             </a:pPr>
             <a:r>
-              <a:rPr sz="800" spc="-5" dirty="0">
+              <a:rPr lang="it-IT" sz="800">
                 <a:solidFill>
                   <a:srgbClr val="6D6D6D"/>
                 </a:solidFill>
                 <a:latin typeface="Adobe Clean"/>
                 <a:cs typeface="Adobe Clean"/>
               </a:rPr>
-              <a:t>©2020 Adobe. All Rights Reserved. Adobe</a:t>
+              <a:t>©2020 Adobe. All Rights Reserved. Adobe Confidential.</a:t>
             </a:r>
-            <a:r>
-              <a:rPr sz="800" spc="75" dirty="0">
-                <a:solidFill>
-                  <a:srgbClr val="6D6D6D"/>
-                </a:solidFill>
-                <a:latin typeface="Adobe Clean"/>
-                <a:cs typeface="Adobe Clean"/>
-              </a:rPr>
-              <a:t> </a:t>
-            </a:r>
-            <a:r>
-              <a:rPr sz="800" spc="-5" dirty="0">
-                <a:solidFill>
-                  <a:srgbClr val="6D6D6D"/>
-                </a:solidFill>
-                <a:latin typeface="Adobe Clean"/>
-                <a:cs typeface="Adobe Clean"/>
-              </a:rPr>
-              <a:t>Confidential.</a:t>
-            </a:r>
-            <a:endParaRPr sz="800">
-              <a:latin typeface="Adobe Clean"/>
-              <a:cs typeface="Adobe Clean"/>
-            </a:endParaRPr>
           </a:p>
         </p:txBody>
       </p:sp>
@@ -10977,19 +9883,15 @@
               </a:spcBef>
             </a:pPr>
             <a:r>
-              <a:rPr lang="en-US" sz="1400" b="1" spc="-15" dirty="0">
+              <a:rPr lang="it-IT" sz="1400" b="1">
                 <a:solidFill>
                   <a:srgbClr val="020302"/>
                 </a:solidFill>
                 <a:latin typeface="Adobe Clean"/>
                 <a:cs typeface="Adobe Clean"/>
               </a:rPr>
-              <a:t>Resources</a:t>
+              <a:t>Risorse</a:t>
             </a:r>
-            <a:endParaRPr sz="1400" dirty="0">
-              <a:latin typeface="Adobe Clean"/>
-              <a:cs typeface="Adobe Clean"/>
-            </a:endParaRPr>
           </a:p>
         </p:txBody>
       </p:sp>
@@ -11002,14 +9904,14 @@
         <p:spPr>
           <a:xfrm>
             <a:off x="6754821" y="9283729"/>
-            <a:ext cx="930275" cy="758541"/>
+            <a:ext cx="930275" cy="662305"/>
           </a:xfrm>
           <a:prstGeom prst="rect">
             <a:avLst/>
           </a:prstGeom>
         </p:spPr>
         <p:txBody>
-          <a:bodyPr vert="horz" wrap="square" lIns="0" tIns="12065" rIns="0" bIns="0" rtlCol="0" anchor="t">
+          <a:bodyPr vert="horz" wrap="square" lIns="0" tIns="12065" rIns="0" bIns="0" rtlCol="0">
             <a:spAutoFit/>
           </a:bodyPr>
           <a:lstStyle/>
@@ -11023,7 +9925,7 @@
               </a:spcBef>
             </a:pPr>
             <a:r>
-              <a:rPr sz="800" spc="-15" dirty="0">
+              <a:rPr lang="it-IT" sz="800">
                 <a:solidFill>
                   <a:srgbClr val="777879"/>
                 </a:solidFill>
@@ -11032,10 +9934,6 @@
               </a:rPr>
               <a:t>Adobe</a:t>
             </a:r>
-            <a:endParaRPr sz="800">
-              <a:latin typeface="Adobe Clean"/>
-              <a:cs typeface="Adobe Clean"/>
-            </a:endParaRPr>
           </a:p>
           <a:p>
             <a:pPr marL="12700">
@@ -11044,29 +9942,15 @@
               </a:lnSpc>
             </a:pPr>
             <a:r>
-              <a:rPr sz="800" spc="-15" dirty="0">
+              <a:rPr lang="it-IT" sz="800">
                 <a:solidFill>
                   <a:srgbClr val="777879"/>
                 </a:solidFill>
                 <a:latin typeface="Adobe Clean"/>
                 <a:cs typeface="Adobe Clean"/>
               </a:rPr>
-              <a:t>345 </a:t>
+              <a:t>345 Park Avenue</a:t>
             </a:r>
-            <a:r>
-              <a:rPr lang="en-US" sz="800" spc="-15" dirty="0">
-                <a:solidFill>
-                  <a:srgbClr val="777879"/>
-                </a:solidFill>
-                <a:latin typeface="Adobe Clean"/>
-                <a:cs typeface="Adobe Clean"/>
-              </a:rPr>
-              <a:t>Park Avenue</a:t>
-            </a:r>
-            <a:endParaRPr sz="800" dirty="0">
-              <a:latin typeface="Adobe Clean"/>
-              <a:cs typeface="Adobe Clean"/>
-            </a:endParaRPr>
           </a:p>
           <a:p>
             <a:pPr marL="12700">
@@ -11075,49 +9959,15 @@
               </a:lnSpc>
             </a:pPr>
             <a:r>
-              <a:rPr sz="800" spc="-10" dirty="0">
+              <a:rPr lang="it-IT" sz="800">
                 <a:solidFill>
                   <a:srgbClr val="777879"/>
                 </a:solidFill>
                 <a:latin typeface="Adobe Clean"/>
                 <a:cs typeface="Adobe Clean"/>
               </a:rPr>
-              <a:t>San </a:t>
+              <a:t>San Jose, CA 95110-2704</a:t>
             </a:r>
-            <a:r>
-              <a:rPr sz="800" spc="-15" dirty="0">
-                <a:solidFill>
-                  <a:srgbClr val="777879"/>
-                </a:solidFill>
-                <a:latin typeface="Adobe Clean"/>
-                <a:cs typeface="Adobe Clean"/>
-              </a:rPr>
-              <a:t>Jose,</a:t>
-            </a:r>
-            <a:r>
-              <a:rPr sz="800" spc="-140" dirty="0">
-                <a:solidFill>
-                  <a:srgbClr val="777879"/>
-                </a:solidFill>
-                <a:latin typeface="Adobe Clean"/>
-                <a:cs typeface="Adobe Clean"/>
-              </a:rPr>
-              <a:t> </a:t>
-            </a:r>
-            <a:r>
-              <a:rPr sz="800" spc="-20" dirty="0">
-                <a:solidFill>
-                  <a:srgbClr val="777879"/>
-                </a:solidFill>
-                <a:latin typeface="Adobe Clean"/>
-                <a:cs typeface="Adobe Clean"/>
-              </a:rPr>
-              <a:t>CA95110-2704</a:t>
-            </a:r>
-            <a:endParaRPr sz="800">
-              <a:latin typeface="Adobe Clean"/>
-              <a:cs typeface="Adobe Clean"/>
-            </a:endParaRPr>
           </a:p>
           <a:p>
             <a:pPr marL="12700">
@@ -11129,7 +9979,7 @@
               </a:spcBef>
             </a:pPr>
             <a:r>
-              <a:rPr sz="800" spc="-10" dirty="0">
+              <a:rPr lang="it-IT" sz="800">
                 <a:solidFill>
                   <a:srgbClr val="777879"/>
                 </a:solidFill>
@@ -11138,10 +9988,6 @@
               </a:rPr>
               <a:t>USA</a:t>
             </a:r>
-            <a:endParaRPr sz="800">
-              <a:latin typeface="Adobe Clean"/>
-              <a:cs typeface="Adobe Clean"/>
-            </a:endParaRPr>
           </a:p>
           <a:p>
             <a:pPr marL="12700">
@@ -11153,7 +9999,7 @@
               </a:spcBef>
             </a:pPr>
             <a:r>
-              <a:rPr sz="800" u="sng" spc="-25" dirty="0">
+              <a:rPr lang="it-IT" sz="800" u="sng">
                 <a:solidFill>
                   <a:srgbClr val="5F5F5F"/>
                 </a:solidFill>
@@ -11168,10 +10014,6 @@
               </a:rPr>
               <a:t>www.adobe.com</a:t>
             </a:r>
-            <a:endParaRPr sz="800">
-              <a:latin typeface="Adobe Clean"/>
-              <a:cs typeface="Adobe Clean"/>
-            </a:endParaRPr>
           </a:p>
         </p:txBody>
       </p:sp>
@@ -11332,7 +10174,7 @@
           </a:prstGeom>
         </p:spPr>
         <p:txBody>
-          <a:bodyPr vert="horz" wrap="square" lIns="0" tIns="29845" rIns="0" bIns="0" rtlCol="0" anchor="t">
+          <a:bodyPr vert="horz" wrap="square" lIns="0" tIns="29845" rIns="0" bIns="0" rtlCol="0">
             <a:spAutoFit/>
           </a:bodyPr>
           <a:lstStyle/>
@@ -11346,449 +10188,15 @@
               </a:spcBef>
             </a:pPr>
             <a:r>
-              <a:rPr sz="1100" i="1" spc="-10" dirty="0">
+              <a:rPr lang="it-IT" sz="1100" i="1">
                 <a:solidFill>
                   <a:srgbClr val="777879"/>
                 </a:solidFill>
                 <a:latin typeface="AdobeClean-LightIt"/>
                 <a:cs typeface="AdobeClean-LightIt"/>
               </a:rPr>
-              <a:t>To</a:t>
+              <a:t>Per saperne di più sulle opzioni di Supporto Adobe e capire quale sia il livello più adatto alle tue esigenze, contatta il tuo Named Account Manager (NAM) o Customer Success Manager (CSM).</a:t>
             </a:r>
-            <a:r>
-              <a:rPr sz="1100" i="1" spc="-50" dirty="0">
-                <a:solidFill>
-                  <a:srgbClr val="777879"/>
-                </a:solidFill>
-                <a:latin typeface="AdobeClean-LightIt"/>
-                <a:cs typeface="AdobeClean-LightIt"/>
-              </a:rPr>
-              <a:t> </a:t>
-            </a:r>
-            <a:r>
-              <a:rPr sz="1100" i="1" spc="-15" dirty="0">
-                <a:solidFill>
-                  <a:srgbClr val="777879"/>
-                </a:solidFill>
-                <a:latin typeface="AdobeClean-LightIt"/>
-                <a:cs typeface="AdobeClean-LightIt"/>
-              </a:rPr>
-              <a:t>learn</a:t>
-            </a:r>
-            <a:r>
-              <a:rPr sz="1100" i="1" spc="-40" dirty="0">
-                <a:solidFill>
-                  <a:srgbClr val="777879"/>
-                </a:solidFill>
-                <a:latin typeface="AdobeClean-LightIt"/>
-                <a:cs typeface="AdobeClean-LightIt"/>
-              </a:rPr>
-              <a:t> </a:t>
-            </a:r>
-            <a:r>
-              <a:rPr sz="1100" i="1" spc="-15" dirty="0">
-                <a:solidFill>
-                  <a:srgbClr val="777879"/>
-                </a:solidFill>
-                <a:latin typeface="AdobeClean-LightIt"/>
-                <a:cs typeface="AdobeClean-LightIt"/>
-              </a:rPr>
-              <a:t>more</a:t>
-            </a:r>
-            <a:r>
-              <a:rPr sz="1100" i="1" spc="-45" dirty="0">
-                <a:solidFill>
-                  <a:srgbClr val="777879"/>
-                </a:solidFill>
-                <a:latin typeface="AdobeClean-LightIt"/>
-                <a:cs typeface="AdobeClean-LightIt"/>
-              </a:rPr>
-              <a:t> </a:t>
-            </a:r>
-            <a:r>
-              <a:rPr sz="1100" i="1" spc="-15" dirty="0">
-                <a:solidFill>
-                  <a:srgbClr val="777879"/>
-                </a:solidFill>
-                <a:latin typeface="AdobeClean-LightIt"/>
-                <a:cs typeface="AdobeClean-LightIt"/>
-              </a:rPr>
-              <a:t>about</a:t>
-            </a:r>
-            <a:r>
-              <a:rPr sz="1100" i="1" spc="-45" dirty="0">
-                <a:solidFill>
-                  <a:srgbClr val="777879"/>
-                </a:solidFill>
-                <a:latin typeface="AdobeClean-LightIt"/>
-                <a:cs typeface="AdobeClean-LightIt"/>
-              </a:rPr>
-              <a:t> </a:t>
-            </a:r>
-            <a:r>
-              <a:rPr sz="1100" i="1" spc="-15" dirty="0">
-                <a:solidFill>
-                  <a:srgbClr val="777879"/>
-                </a:solidFill>
-                <a:latin typeface="AdobeClean-LightIt"/>
-                <a:cs typeface="AdobeClean-LightIt"/>
-              </a:rPr>
-              <a:t>Adobe</a:t>
-            </a:r>
-            <a:r>
-              <a:rPr sz="1100" i="1" spc="-60" dirty="0">
-                <a:solidFill>
-                  <a:srgbClr val="777879"/>
-                </a:solidFill>
-                <a:latin typeface="AdobeClean-LightIt"/>
-                <a:cs typeface="AdobeClean-LightIt"/>
-              </a:rPr>
-              <a:t> </a:t>
-            </a:r>
-            <a:r>
-              <a:rPr sz="1100" i="1" spc="-15" dirty="0">
-                <a:solidFill>
-                  <a:srgbClr val="777879"/>
-                </a:solidFill>
-                <a:latin typeface="AdobeClean-LightIt"/>
-                <a:cs typeface="AdobeClean-LightIt"/>
-              </a:rPr>
-              <a:t>Support</a:t>
-            </a:r>
-            <a:r>
-              <a:rPr lang="en-US" sz="1100" i="1" spc="-15" dirty="0">
-                <a:solidFill>
-                  <a:srgbClr val="777879"/>
-                </a:solidFill>
-                <a:latin typeface="AdobeClean-LightIt"/>
-                <a:cs typeface="AdobeClean-LightIt"/>
-              </a:rPr>
-              <a:t> Offerings</a:t>
-            </a:r>
-            <a:r>
-              <a:rPr sz="1100" i="1" spc="-75" dirty="0">
-                <a:solidFill>
-                  <a:srgbClr val="777879"/>
-                </a:solidFill>
-                <a:latin typeface="AdobeClean-LightIt"/>
-                <a:cs typeface="AdobeClean-LightIt"/>
-              </a:rPr>
-              <a:t> </a:t>
-            </a:r>
-            <a:r>
-              <a:rPr sz="1100" i="1" spc="-15" dirty="0">
-                <a:solidFill>
-                  <a:srgbClr val="777879"/>
-                </a:solidFill>
-                <a:latin typeface="AdobeClean-LightIt"/>
-                <a:cs typeface="AdobeClean-LightIt"/>
-              </a:rPr>
-              <a:t>and</a:t>
-            </a:r>
-            <a:r>
-              <a:rPr sz="1100" i="1" spc="-50" dirty="0">
-                <a:solidFill>
-                  <a:srgbClr val="777879"/>
-                </a:solidFill>
-                <a:latin typeface="AdobeClean-LightIt"/>
-                <a:cs typeface="AdobeClean-LightIt"/>
-              </a:rPr>
-              <a:t> </a:t>
-            </a:r>
-            <a:r>
-              <a:rPr sz="1100" i="1" spc="-15" dirty="0">
-                <a:solidFill>
-                  <a:srgbClr val="777879"/>
-                </a:solidFill>
-                <a:latin typeface="AdobeClean-LightIt"/>
-                <a:cs typeface="AdobeClean-LightIt"/>
-              </a:rPr>
-              <a:t>the</a:t>
-            </a:r>
-            <a:r>
-              <a:rPr sz="1100" i="1" spc="-55" dirty="0">
-                <a:solidFill>
-                  <a:srgbClr val="777879"/>
-                </a:solidFill>
-                <a:latin typeface="AdobeClean-LightIt"/>
-                <a:cs typeface="AdobeClean-LightIt"/>
-              </a:rPr>
-              <a:t> </a:t>
-            </a:r>
-            <a:r>
-              <a:rPr sz="1100" i="1" spc="-15" dirty="0">
-                <a:solidFill>
-                  <a:srgbClr val="777879"/>
-                </a:solidFill>
-                <a:latin typeface="AdobeClean-LightIt"/>
-                <a:cs typeface="AdobeClean-LightIt"/>
-              </a:rPr>
-              <a:t>right</a:t>
-            </a:r>
-            <a:r>
-              <a:rPr sz="1100" i="1" spc="-95" dirty="0">
-                <a:solidFill>
-                  <a:srgbClr val="777879"/>
-                </a:solidFill>
-                <a:latin typeface="AdobeClean-LightIt"/>
-                <a:cs typeface="AdobeClean-LightIt"/>
-              </a:rPr>
-              <a:t> </a:t>
-            </a:r>
-            <a:r>
-              <a:rPr sz="1100" i="1" spc="-15" dirty="0">
-                <a:solidFill>
-                  <a:srgbClr val="777879"/>
-                </a:solidFill>
-                <a:latin typeface="AdobeClean-LightIt"/>
-                <a:cs typeface="AdobeClean-LightIt"/>
-              </a:rPr>
-              <a:t>level</a:t>
-            </a:r>
-            <a:r>
-              <a:rPr sz="1100" i="1" spc="-55" dirty="0">
-                <a:solidFill>
-                  <a:srgbClr val="777879"/>
-                </a:solidFill>
-                <a:latin typeface="AdobeClean-LightIt"/>
-                <a:cs typeface="AdobeClean-LightIt"/>
-              </a:rPr>
-              <a:t> </a:t>
-            </a:r>
-            <a:r>
-              <a:rPr sz="1100" i="1" spc="-15" dirty="0">
-                <a:solidFill>
-                  <a:srgbClr val="777879"/>
-                </a:solidFill>
-                <a:latin typeface="AdobeClean-LightIt"/>
-                <a:cs typeface="AdobeClean-LightIt"/>
-              </a:rPr>
-              <a:t>for</a:t>
-            </a:r>
-            <a:r>
-              <a:rPr sz="1100" i="1" spc="-85" dirty="0">
-                <a:solidFill>
-                  <a:srgbClr val="777879"/>
-                </a:solidFill>
-                <a:latin typeface="AdobeClean-LightIt"/>
-                <a:cs typeface="AdobeClean-LightIt"/>
-              </a:rPr>
-              <a:t> </a:t>
-            </a:r>
-            <a:r>
-              <a:rPr sz="1100" i="1" spc="-15" dirty="0">
-                <a:solidFill>
-                  <a:srgbClr val="777879"/>
-                </a:solidFill>
-                <a:latin typeface="AdobeClean-LightIt"/>
-                <a:cs typeface="AdobeClean-LightIt"/>
-              </a:rPr>
-              <a:t>you,</a:t>
-            </a:r>
-            <a:r>
-              <a:rPr sz="1100" i="1" spc="-65" dirty="0">
-                <a:solidFill>
-                  <a:srgbClr val="777879"/>
-                </a:solidFill>
-                <a:latin typeface="AdobeClean-LightIt"/>
-                <a:cs typeface="AdobeClean-LightIt"/>
-              </a:rPr>
-              <a:t> </a:t>
-            </a:r>
-            <a:r>
-              <a:rPr sz="1100" i="1" spc="-15" dirty="0">
-                <a:solidFill>
-                  <a:srgbClr val="777879"/>
-                </a:solidFill>
-                <a:latin typeface="AdobeClean-LightIt"/>
-                <a:cs typeface="AdobeClean-LightIt"/>
-              </a:rPr>
-              <a:t>contact</a:t>
-            </a:r>
-            <a:r>
-              <a:rPr sz="1100" i="1" spc="-85" dirty="0">
-                <a:solidFill>
-                  <a:srgbClr val="777879"/>
-                </a:solidFill>
-                <a:latin typeface="AdobeClean-LightIt"/>
-                <a:cs typeface="AdobeClean-LightIt"/>
-              </a:rPr>
-              <a:t> </a:t>
-            </a:r>
-            <a:r>
-              <a:rPr sz="1100" i="1" spc="-15" dirty="0">
-                <a:solidFill>
-                  <a:srgbClr val="777879"/>
-                </a:solidFill>
-                <a:latin typeface="AdobeClean-LightIt"/>
-                <a:cs typeface="AdobeClean-LightIt"/>
-              </a:rPr>
-              <a:t>your</a:t>
-            </a:r>
-            <a:r>
-              <a:rPr sz="1100" i="1" spc="-70" dirty="0">
-                <a:solidFill>
-                  <a:srgbClr val="777879"/>
-                </a:solidFill>
-                <a:latin typeface="AdobeClean-LightIt"/>
-                <a:cs typeface="AdobeClean-LightIt"/>
-              </a:rPr>
-              <a:t> </a:t>
-            </a:r>
-            <a:r>
-              <a:rPr sz="1100" i="1" spc="-15" dirty="0">
-                <a:solidFill>
-                  <a:srgbClr val="777879"/>
-                </a:solidFill>
-                <a:latin typeface="AdobeClean-LightIt"/>
-                <a:cs typeface="AdobeClean-LightIt"/>
-              </a:rPr>
-              <a:t>Named</a:t>
-            </a:r>
-            <a:r>
-              <a:rPr sz="1100" i="1" spc="-55" dirty="0">
-                <a:solidFill>
-                  <a:srgbClr val="777879"/>
-                </a:solidFill>
-                <a:latin typeface="AdobeClean-LightIt"/>
-                <a:cs typeface="AdobeClean-LightIt"/>
-              </a:rPr>
-              <a:t> </a:t>
-            </a:r>
-            <a:r>
-              <a:rPr sz="1100" i="1" spc="-25" dirty="0">
-                <a:solidFill>
-                  <a:srgbClr val="777879"/>
-                </a:solidFill>
-                <a:latin typeface="AdobeClean-LightIt"/>
-                <a:cs typeface="AdobeClean-LightIt"/>
-              </a:rPr>
-              <a:t>Account</a:t>
-            </a:r>
-            <a:r>
-              <a:rPr sz="1100" i="1" spc="-120" dirty="0">
-                <a:solidFill>
-                  <a:srgbClr val="777879"/>
-                </a:solidFill>
-                <a:latin typeface="AdobeClean-LightIt"/>
-                <a:cs typeface="AdobeClean-LightIt"/>
-              </a:rPr>
-              <a:t> </a:t>
-            </a:r>
-            <a:r>
-              <a:rPr sz="1100" i="1" spc="-20" dirty="0">
-                <a:solidFill>
-                  <a:srgbClr val="777879"/>
-                </a:solidFill>
-                <a:latin typeface="AdobeClean-LightIt"/>
-                <a:cs typeface="AdobeClean-LightIt"/>
-              </a:rPr>
-              <a:t>Manager</a:t>
-            </a:r>
-            <a:r>
-              <a:rPr lang="en-US" sz="1100" i="1" spc="-20" dirty="0">
-                <a:solidFill>
-                  <a:srgbClr val="777879"/>
-                </a:solidFill>
-                <a:latin typeface="AdobeClean-LightIt"/>
-                <a:cs typeface="AdobeClean-LightIt"/>
-              </a:rPr>
-              <a:t> </a:t>
-            </a:r>
-            <a:r>
-              <a:rPr sz="1100" i="1" spc="-20" dirty="0">
-                <a:solidFill>
-                  <a:srgbClr val="777879"/>
-                </a:solidFill>
-                <a:latin typeface="AdobeClean-LightIt"/>
-                <a:cs typeface="AdobeClean-LightIt"/>
-              </a:rPr>
-              <a:t> </a:t>
-            </a:r>
-            <a:r>
-              <a:rPr sz="1100" i="1" spc="-15" dirty="0">
-                <a:solidFill>
-                  <a:srgbClr val="777879"/>
-                </a:solidFill>
-                <a:latin typeface="AdobeClean-LightIt"/>
-                <a:cs typeface="AdobeClean-LightIt"/>
-              </a:rPr>
-              <a:t>(NAM) </a:t>
-            </a:r>
-            <a:r>
-              <a:rPr sz="1100" i="1" spc="-10" dirty="0">
-                <a:solidFill>
-                  <a:srgbClr val="777879"/>
-                </a:solidFill>
-                <a:latin typeface="AdobeClean-LightIt"/>
-                <a:cs typeface="AdobeClean-LightIt"/>
-              </a:rPr>
-              <a:t>or </a:t>
-            </a:r>
-            <a:r>
-              <a:rPr sz="1100" i="1" spc="-15" dirty="0">
-                <a:solidFill>
-                  <a:srgbClr val="777879"/>
-                </a:solidFill>
-                <a:latin typeface="AdobeClean-LightIt"/>
-                <a:cs typeface="AdobeClean-LightIt"/>
-              </a:rPr>
-              <a:t>Customer </a:t>
-            </a:r>
-            <a:r>
-              <a:rPr sz="1100" i="1" spc="-20" dirty="0">
-                <a:solidFill>
-                  <a:srgbClr val="777879"/>
-                </a:solidFill>
-                <a:latin typeface="AdobeClean-LightIt"/>
-                <a:cs typeface="AdobeClean-LightIt"/>
-              </a:rPr>
-              <a:t>Success</a:t>
-            </a:r>
-            <a:r>
-              <a:rPr lang="en-US" sz="1100" i="1" spc="-20" dirty="0">
-                <a:solidFill>
-                  <a:srgbClr val="777879"/>
-                </a:solidFill>
-                <a:latin typeface="AdobeClean-LightIt"/>
-                <a:cs typeface="AdobeClean-LightIt"/>
-              </a:rPr>
-              <a:t> </a:t>
-            </a:r>
-            <a:r>
-              <a:rPr sz="1100" i="1" spc="-15" dirty="0">
-                <a:solidFill>
-                  <a:srgbClr val="777879"/>
-                </a:solidFill>
-                <a:latin typeface="AdobeClean-LightIt"/>
-                <a:cs typeface="AdobeClean-LightIt"/>
-              </a:rPr>
-              <a:t>Manager</a:t>
-            </a:r>
-            <a:r>
-              <a:rPr lang="en-US" sz="1100" i="1" spc="-15" dirty="0">
-                <a:solidFill>
-                  <a:srgbClr val="777879"/>
-                </a:solidFill>
-                <a:latin typeface="AdobeClean-LightIt"/>
-                <a:cs typeface="AdobeClean-LightIt"/>
-              </a:rPr>
-              <a:t> </a:t>
-            </a:r>
-            <a:r>
-              <a:rPr sz="1100" i="1" spc="-15" dirty="0">
-                <a:solidFill>
-                  <a:srgbClr val="777879"/>
-                </a:solidFill>
-                <a:latin typeface="AdobeClean-LightIt"/>
-                <a:cs typeface="AdobeClean-LightIt"/>
-              </a:rPr>
-              <a:t>(CSM)</a:t>
-            </a:r>
-            <a:endParaRPr sz="1100" dirty="0">
-              <a:latin typeface="AdobeClean-LightIt"/>
-              <a:cs typeface="AdobeClean-LightIt"/>
-            </a:endParaRPr>
           </a:p>
           <a:p>
             <a:pPr marL="34290">
@@ -11800,59 +10208,15 @@
               </a:spcBef>
             </a:pPr>
             <a:r>
-              <a:rPr sz="800" spc="-5" dirty="0">
+              <a:rPr lang="it-IT" sz="800">
                 <a:solidFill>
                   <a:srgbClr val="6D6D6D"/>
                 </a:solidFill>
                 <a:latin typeface="Adobe Clean"/>
                 <a:cs typeface="Adobe Clean"/>
               </a:rPr>
-              <a:t>©202</a:t>
+              <a:t>©2021 Adobe. All Rights Reserved. Adobe Confidential.</a:t>
             </a:r>
-            <a:r>
-              <a:rPr lang="en-US" sz="800" spc="-5" dirty="0">
-                <a:solidFill>
-                  <a:srgbClr val="6D6D6D"/>
-                </a:solidFill>
-                <a:latin typeface="Adobe Clean"/>
-                <a:cs typeface="Adobe Clean"/>
-              </a:rPr>
-              <a:t>1</a:t>
-            </a:r>
-            <a:r>
-              <a:rPr sz="800" spc="-5" dirty="0">
-                <a:solidFill>
-                  <a:srgbClr val="6D6D6D"/>
-                </a:solidFill>
-                <a:latin typeface="Adobe Clean"/>
-                <a:cs typeface="Adobe Clean"/>
-              </a:rPr>
-              <a:t> Adobe. All Rights Reserved. Adobe</a:t>
-            </a:r>
-            <a:r>
-              <a:rPr sz="800" spc="75" dirty="0">
-                <a:solidFill>
-                  <a:srgbClr val="6D6D6D"/>
-                </a:solidFill>
-                <a:latin typeface="Adobe Clean"/>
-                <a:cs typeface="Adobe Clean"/>
-              </a:rPr>
-              <a:t> </a:t>
-            </a:r>
-            <a:r>
-              <a:rPr sz="800" spc="-5" dirty="0">
-                <a:solidFill>
-                  <a:srgbClr val="6D6D6D"/>
-                </a:solidFill>
-                <a:latin typeface="Adobe Clean"/>
-                <a:cs typeface="Adobe Clean"/>
-              </a:rPr>
-              <a:t>Confidential.</a:t>
-            </a:r>
-            <a:endParaRPr sz="800" dirty="0">
-              <a:latin typeface="Adobe Clean"/>
-              <a:cs typeface="Adobe Clean"/>
-            </a:endParaRPr>
           </a:p>
         </p:txBody>
       </p:sp>
@@ -11889,14 +10253,14 @@
               </a:spcBef>
             </a:pPr>
             <a:r>
-              <a:rPr lang="en-US" sz="1400" b="1" spc="-15" dirty="0">
+              <a:rPr lang="it-IT" sz="1400" b="1" dirty="0">
                 <a:solidFill>
                   <a:srgbClr val="020302"/>
                 </a:solidFill>
                 <a:latin typeface="Adobe Clean"/>
                 <a:cs typeface="Adobe Clean"/>
               </a:rPr>
-              <a:t>Regional scope of Adobe Support, Local Hours Of Operation And Language Support</a:t>
+              <a:t>Supporto Adobe: aree geografiche, orari operativi e lingue</a:t>
             </a:r>
           </a:p>
           <a:p>
@@ -11906,13 +10270,30 @@
               </a:spcBef>
             </a:pPr>
             <a:r>
-              <a:rPr lang="en-US" sz="1000" spc="-15" dirty="0">
+              <a:rPr lang="it-IT" sz="1000" dirty="0">
                 <a:solidFill>
                   <a:srgbClr val="1F1F1F"/>
                 </a:solidFill>
                 <a:latin typeface="AdobeClean-Light"/>
               </a:rPr>
-              <a:t>The Regional scope of Adobe Support is established by aligning the customer's billing address (via the Sales Order or other Adobe Support purchasing document) to one of the following regions:</a:t>
+              <a:t>L’ambito del supporto Adobe è definito allineando l’indirizzo di fatturazione del cliente</a:t>
+            </a:r>
+            <a:br>
+              <a:rPr lang="sk-SK" sz="1000" dirty="0">
+                <a:solidFill>
+                  <a:srgbClr val="1F1F1F"/>
+                </a:solidFill>
+                <a:latin typeface="AdobeClean-Light"/>
+              </a:rPr>
+            </a:br>
+            <a:r>
+              <a:rPr lang="it-IT" sz="1000" dirty="0">
+                <a:solidFill>
+                  <a:srgbClr val="1F1F1F"/>
+                </a:solidFill>
+                <a:latin typeface="AdobeClean-Light"/>
+              </a:rPr>
+              <a:t>(in base all’ordine di vendita o altro documento di acquisto del servizio di supporto Adobe) a una delle seguenti aree geografiche:</a:t>
             </a:r>
           </a:p>
         </p:txBody>
@@ -11932,7 +10313,7 @@
           <p:nvPr>
             <p:extLst>
               <p:ext uri="{D42A27DB-BD31-4B8C-83A1-F6EECF244321}">
-                <p14:modId xmlns:p14="http://schemas.microsoft.com/office/powerpoint/2010/main" val="2846210228"/>
+                <p14:modId xmlns:p14="http://schemas.microsoft.com/office/powerpoint/2010/main" val="2089586474"/>
               </p:ext>
             </p:extLst>
           </p:nvPr>
@@ -11985,13 +10366,13 @@
                     <a:p>
                       <a:pPr algn="ctr"/>
                       <a:r>
-                        <a:rPr lang="en-US" sz="1100" dirty="0">
+                        <a:rPr lang="it-IT" sz="1100">
                           <a:solidFill>
                             <a:schemeClr val="tx1"/>
                           </a:solidFill>
                           <a:latin typeface="Adobe Clean" panose="020B0503020404020204" pitchFamily="34" charset="0"/>
                         </a:rPr>
-                        <a:t>Americas</a:t>
+                        <a:t>Americhe</a:t>
                       </a:r>
                     </a:p>
                   </a:txBody>
@@ -12050,13 +10431,30 @@
                     <a:p>
                       <a:pPr algn="ctr"/>
                       <a:r>
-                        <a:rPr lang="en-US" sz="1100" dirty="0">
+                        <a:rPr lang="it-IT" sz="1100" dirty="0">
                           <a:solidFill>
                             <a:schemeClr val="tx1"/>
                           </a:solidFill>
                           <a:latin typeface="Adobe Clean" panose="020B0503020404020204" pitchFamily="34" charset="0"/>
                         </a:rPr>
-                        <a:t>Europe, Middle East &amp; Africa</a:t>
+                        <a:t>Europa, Medio </a:t>
+                      </a:r>
+                      <a:br>
+                        <a:rPr lang="sk-SK" sz="1100" dirty="0">
+                          <a:solidFill>
+                            <a:schemeClr val="tx1"/>
+                          </a:solidFill>
+                          <a:latin typeface="Adobe Clean" panose="020B0503020404020204" pitchFamily="34" charset="0"/>
+                        </a:rPr>
+                      </a:br>
+                      <a:r>
+                        <a:rPr lang="it-IT" sz="1100" dirty="0">
+                          <a:solidFill>
+                            <a:schemeClr val="tx1"/>
+                          </a:solidFill>
+                          <a:latin typeface="Adobe Clean" panose="020B0503020404020204" pitchFamily="34" charset="0"/>
+                        </a:rPr>
+                        <a:t>Oriente e Africa</a:t>
                       </a:r>
                     </a:p>
                   </a:txBody>
@@ -12115,13 +10513,13 @@
                     <a:p>
                       <a:pPr algn="ctr"/>
                       <a:r>
-                        <a:rPr lang="en-US" sz="1100" dirty="0">
+                        <a:rPr lang="it-IT" sz="1100">
                           <a:solidFill>
                             <a:schemeClr val="tx1"/>
                           </a:solidFill>
                           <a:latin typeface="Adobe Clean" panose="020B0503020404020204" pitchFamily="34" charset="0"/>
                         </a:rPr>
-                        <a:t>Asia Pacific</a:t>
+                        <a:t>Asia-Pacifico</a:t>
                       </a:r>
                     </a:p>
                   </a:txBody>
@@ -12180,16 +10578,16 @@
                     <a:p>
                       <a:pPr algn="ctr"/>
                       <a:r>
-                        <a:rPr lang="en-US" sz="1100" dirty="0">
+                        <a:rPr lang="it-IT" sz="1100">
                           <a:solidFill>
                             <a:schemeClr val="tx1"/>
                           </a:solidFill>
                           <a:latin typeface="Adobe Clean"/>
                         </a:rPr>
-                        <a:t>Japan </a:t>
+                        <a:t>Giappone</a:t>
                       </a:r>
                       <a:r>
-                        <a:rPr lang="en-US" sz="1100" baseline="30000" dirty="0">
+                        <a:rPr lang="it-IT" sz="1100" baseline="30000">
                           <a:solidFill>
                             <a:schemeClr val="tx1"/>
                           </a:solidFill>
@@ -12197,12 +10595,6 @@
                         </a:rPr>
                         <a:t>1 </a:t>
                       </a:r>
-                      <a:endParaRPr lang="en-US" sz="1100" dirty="0">
-                        <a:solidFill>
-                          <a:schemeClr val="tx1"/>
-                        </a:solidFill>
-                        <a:latin typeface="Adobe Clean" panose="020B0503020404020204" pitchFamily="34" charset="0"/>
-                      </a:endParaRPr>
                     </a:p>
                   </a:txBody>
                   <a:tcPr anchor="ctr">
@@ -12267,13 +10659,13 @@
                     <a:p>
                       <a:pPr algn="ctr"/>
                       <a:r>
-                        <a:rPr lang="en-US" sz="1100" dirty="0">
+                        <a:rPr lang="it-IT" sz="1100">
                           <a:solidFill>
                             <a:schemeClr val="tx1"/>
                           </a:solidFill>
                           <a:latin typeface="Adobe Clean" panose="020B0503020404020204" pitchFamily="34" charset="0"/>
                         </a:rPr>
-                        <a:t>6 am – 5:30 pm</a:t>
+                        <a:t>06:00 – 17:30</a:t>
                       </a:r>
                     </a:p>
                   </a:txBody>
@@ -12332,13 +10724,13 @@
                     <a:p>
                       <a:pPr algn="ctr"/>
                       <a:r>
-                        <a:rPr lang="en-US" sz="1100" dirty="0">
+                        <a:rPr lang="it-IT" sz="1100">
                           <a:solidFill>
                             <a:schemeClr val="tx1"/>
                           </a:solidFill>
                           <a:latin typeface="Adobe Clean" panose="020B0503020404020204" pitchFamily="34" charset="0"/>
                         </a:rPr>
-                        <a:t>9 am – 5 pm</a:t>
+                        <a:t>09:00 – 17:00</a:t>
                       </a:r>
                     </a:p>
                   </a:txBody>
@@ -12397,13 +10789,13 @@
                     <a:p>
                       <a:pPr algn="ctr"/>
                       <a:r>
-                        <a:rPr lang="en-US" sz="1100" dirty="0">
+                        <a:rPr lang="it-IT" sz="1100">
                           <a:solidFill>
                             <a:schemeClr val="tx1"/>
                           </a:solidFill>
                           <a:latin typeface="Adobe Clean" panose="020B0503020404020204" pitchFamily="34" charset="0"/>
                         </a:rPr>
-                        <a:t>9 am – 5 pm</a:t>
+                        <a:t>09:00 – 17:00</a:t>
                       </a:r>
                     </a:p>
                   </a:txBody>
@@ -12462,13 +10854,13 @@
                     <a:p>
                       <a:pPr algn="ctr"/>
                       <a:r>
-                        <a:rPr lang="en-US" sz="1100" dirty="0">
+                        <a:rPr lang="it-IT" sz="1100">
                           <a:solidFill>
                             <a:schemeClr val="tx1"/>
                           </a:solidFill>
                           <a:latin typeface="Adobe Clean" panose="020B0503020404020204" pitchFamily="34" charset="0"/>
                         </a:rPr>
-                        <a:t>9 am – 5:30 pm</a:t>
+                        <a:t>09:00 – 17:30</a:t>
                       </a:r>
                     </a:p>
                   </a:txBody>
@@ -12548,20 +10940,14 @@
                         <a:buNone/>
                       </a:pPr>
                       <a:r>
-                        <a:rPr lang="en-US" sz="1100" dirty="0">
+                        <a:rPr lang="it-IT" sz="1100" dirty="0">
                           <a:solidFill>
                             <a:schemeClr val="tx1"/>
                           </a:solidFill>
                           <a:latin typeface="Adobe Clean"/>
                         </a:rPr>
-                        <a:t>Language support is only available in English and Japanese.</a:t>
+                        <a:t>Il supporto è disponibile solo in inglese e giapponese.</a:t>
                       </a:r>
-                      <a:endParaRPr lang="en-US" sz="1100" dirty="0">
-                        <a:solidFill>
-                          <a:schemeClr val="tx1"/>
-                        </a:solidFill>
-                        <a:latin typeface="Adobe Clean" panose="020B0503020404020204" pitchFamily="34" charset="0"/>
-                      </a:endParaRPr>
                     </a:p>
                     <a:p>
                       <a:pPr marL="0" marR="0" lvl="0" indent="0" algn="ctr" defTabSz="914400" eaLnBrk="1" fontAlgn="auto" latinLnBrk="0" hangingPunct="1">
@@ -12582,17 +10968,17 @@
                         <a:defRPr/>
                       </a:pPr>
                       <a:r>
-                        <a:rPr lang="en-US" sz="1100" i="1" dirty="0">
+                        <a:rPr lang="it-IT" sz="1100" i="1" dirty="0">
                           <a:solidFill>
                             <a:schemeClr val="tx1"/>
                           </a:solidFill>
                           <a:latin typeface="Adobe Clean"/>
                         </a:rPr>
-                        <a:t>*Adobe Commerce excludes Japanese language support.</a:t>
+                        <a:t>* Adobe Commerce non prevede il supporto in lingua giapponese.</a:t>
                       </a:r>
                     </a:p>
                     <a:p>
-                      <a:pPr algn="ctr"/>
+                      <a:pPr algn="l" rtl="0"/>
                       <a:endParaRPr kumimoji="0" lang="en-US" sz="1100" b="1" i="0" u="none" strike="noStrike" kern="0" cap="none" spc="0" normalizeH="0" baseline="30000" noProof="0" dirty="0">
                         <a:ln>
                           <a:noFill/>
@@ -12611,7 +10997,7 @@
                     <a:p>
                       <a:pPr algn="ctr"/>
                       <a:r>
-                        <a:rPr lang="en-US" sz="1100" i="0" dirty="0">
+                        <a:rPr lang="it-IT" sz="1100" i="0" dirty="0">
                           <a:solidFill>
                             <a:schemeClr val="tx1"/>
                           </a:solidFill>
@@ -12620,7 +11006,7 @@
                         <a:t> </a:t>
                       </a:r>
                       <a:r>
-                        <a:rPr lang="en-US" sz="1100" i="0" baseline="30000" dirty="0">
+                        <a:rPr lang="it-IT" sz="1100" i="0" baseline="30000" dirty="0">
                           <a:solidFill>
                             <a:schemeClr val="tx1"/>
                           </a:solidFill>
@@ -12629,23 +11015,17 @@
                         <a:t>1 </a:t>
                       </a:r>
                       <a:r>
-                        <a:rPr lang="en-US" sz="1100" i="0" dirty="0">
+                        <a:rPr lang="it-IT" sz="1100" i="0" dirty="0">
                           <a:solidFill>
                             <a:schemeClr val="tx1"/>
                           </a:solidFill>
                           <a:latin typeface="Adobe Clean"/>
                         </a:rPr>
-                        <a:t>P2, P3, P4 cases are limited to business hours only in Japan.</a:t>
+                        <a:t>In Giappone, i casi P2, P3 e P4 sono limitati al solo orario operativo.</a:t>
                       </a:r>
-                      <a:endParaRPr lang="en-US" sz="1100" b="1" i="0" dirty="0">
-                        <a:solidFill>
-                          <a:schemeClr val="tx1"/>
-                        </a:solidFill>
-                        <a:latin typeface="Adobe Clean"/>
-                      </a:endParaRPr>
-                    </a:p>
-                    <a:p>
-                      <a:pPr algn="ctr"/>
+                    </a:p>
+                    <a:p>
+                      <a:pPr algn="l" rtl="0"/>
                       <a:endParaRPr lang="en-US" sz="1100" dirty="0">
                         <a:solidFill>
                           <a:schemeClr val="tx1"/>
@@ -13015,129 +11395,15 @@
               </a:spcBef>
             </a:pPr>
             <a:r>
-              <a:rPr sz="1200" b="1" spc="-15" dirty="0">
+              <a:rPr lang="it-IT" sz="1200" b="1">
                 <a:solidFill>
                   <a:srgbClr val="FFFFFF"/>
                 </a:solidFill>
                 <a:latin typeface="Adobe Clean"/>
                 <a:cs typeface="Adobe Clean"/>
               </a:rPr>
-              <a:t>U</a:t>
+              <a:t>Eccellenza tecnica</a:t>
             </a:r>
-            <a:r>
-              <a:rPr sz="1200" b="1" spc="-20" dirty="0">
-                <a:solidFill>
-                  <a:srgbClr val="FFFFFF"/>
-                </a:solidFill>
-                <a:latin typeface="Adobe Clean"/>
-                <a:cs typeface="Adobe Clean"/>
-              </a:rPr>
-              <a:t>n</a:t>
-            </a:r>
-            <a:r>
-              <a:rPr sz="1200" b="1" spc="-25" dirty="0">
-                <a:solidFill>
-                  <a:srgbClr val="FFFFFF"/>
-                </a:solidFill>
-                <a:latin typeface="Adobe Clean"/>
-                <a:cs typeface="Adobe Clean"/>
-              </a:rPr>
-              <a:t>p</a:t>
-            </a:r>
-            <a:r>
-              <a:rPr sz="1200" b="1" spc="-15" dirty="0">
-                <a:solidFill>
-                  <a:srgbClr val="FFFFFF"/>
-                </a:solidFill>
-                <a:latin typeface="Adobe Clean"/>
-                <a:cs typeface="Adobe Clean"/>
-              </a:rPr>
-              <a:t>a</a:t>
-            </a:r>
-            <a:r>
-              <a:rPr sz="1200" b="1" spc="-25" dirty="0">
-                <a:solidFill>
-                  <a:srgbClr val="FFFFFF"/>
-                </a:solidFill>
-                <a:latin typeface="Adobe Clean"/>
-                <a:cs typeface="Adobe Clean"/>
-              </a:rPr>
-              <a:t>r</a:t>
-            </a:r>
-            <a:r>
-              <a:rPr sz="1200" b="1" spc="-15" dirty="0">
-                <a:solidFill>
-                  <a:srgbClr val="FFFFFF"/>
-                </a:solidFill>
-                <a:latin typeface="Adobe Clean"/>
-                <a:cs typeface="Adobe Clean"/>
-              </a:rPr>
-              <a:t>a</a:t>
-            </a:r>
-            <a:r>
-              <a:rPr sz="1200" b="1" spc="-30" dirty="0">
-                <a:solidFill>
-                  <a:srgbClr val="FFFFFF"/>
-                </a:solidFill>
-                <a:latin typeface="Adobe Clean"/>
-                <a:cs typeface="Adobe Clean"/>
-              </a:rPr>
-              <a:t>ll</a:t>
-            </a:r>
-            <a:r>
-              <a:rPr sz="1200" b="1" spc="-25" dirty="0">
-                <a:solidFill>
-                  <a:srgbClr val="FFFFFF"/>
-                </a:solidFill>
-                <a:latin typeface="Adobe Clean"/>
-                <a:cs typeface="Adobe Clean"/>
-              </a:rPr>
-              <a:t>e</a:t>
-            </a:r>
-            <a:r>
-              <a:rPr sz="1200" b="1" spc="-30" dirty="0">
-                <a:solidFill>
-                  <a:srgbClr val="FFFFFF"/>
-                </a:solidFill>
-                <a:latin typeface="Adobe Clean"/>
-                <a:cs typeface="Adobe Clean"/>
-              </a:rPr>
-              <a:t>l</a:t>
-            </a:r>
-            <a:r>
-              <a:rPr sz="1200" b="1" spc="-25" dirty="0">
-                <a:solidFill>
-                  <a:srgbClr val="FFFFFF"/>
-                </a:solidFill>
-                <a:latin typeface="Adobe Clean"/>
-                <a:cs typeface="Adobe Clean"/>
-              </a:rPr>
-              <a:t>e</a:t>
-            </a:r>
-            <a:r>
-              <a:rPr sz="1200" b="1" dirty="0">
-                <a:solidFill>
-                  <a:srgbClr val="FFFFFF"/>
-                </a:solidFill>
-                <a:latin typeface="Adobe Clean"/>
-                <a:cs typeface="Adobe Clean"/>
-              </a:rPr>
-              <a:t>d  </a:t>
-            </a:r>
-            <a:r>
-              <a:rPr sz="1200" b="1" spc="-25" dirty="0">
-                <a:solidFill>
-                  <a:srgbClr val="FFFFFF"/>
-                </a:solidFill>
-                <a:latin typeface="Adobe Clean"/>
-                <a:cs typeface="Adobe Clean"/>
-              </a:rPr>
-              <a:t>Expertise</a:t>
-            </a:r>
-            <a:endParaRPr sz="1200" dirty="0">
-              <a:latin typeface="Adobe Clean"/>
-              <a:cs typeface="Adobe Clean"/>
-            </a:endParaRPr>
           </a:p>
         </p:txBody>
       </p:sp>
@@ -13177,19 +11443,15 @@
               </a:spcBef>
             </a:pPr>
             <a:r>
-              <a:rPr lang="en-US" sz="1200" b="1" spc="-15" dirty="0">
+              <a:rPr lang="it-IT" sz="1200" b="1">
                 <a:solidFill>
                   <a:srgbClr val="FFFFFF"/>
                 </a:solidFill>
                 <a:latin typeface="Adobe Clean"/>
                 <a:cs typeface="Adobe Clean"/>
               </a:rPr>
-              <a:t>Accelerated Support</a:t>
+              <a:t>Supporto rapido</a:t>
             </a:r>
-            <a:endParaRPr sz="1200" dirty="0">
-              <a:latin typeface="Adobe Clean"/>
-              <a:cs typeface="Adobe Clean"/>
-            </a:endParaRPr>
           </a:p>
         </p:txBody>
       </p:sp>
@@ -13207,8 +11469,8 @@
         </p:nvSpPr>
         <p:spPr>
           <a:xfrm>
-            <a:off x="6624119" y="8543943"/>
-            <a:ext cx="510540" cy="385445"/>
+            <a:off x="6477000" y="8543943"/>
+            <a:ext cx="810895" cy="385445"/>
           </a:xfrm>
           <a:prstGeom prst="rect">
             <a:avLst/>
@@ -13220,7 +11482,7 @@
           </a:bodyPr>
           <a:lstStyle/>
           <a:p>
-            <a:pPr marL="50800" marR="5080" indent="-51435">
+            <a:pPr marL="50800" marR="5080" indent="-51435" algn="ctr">
               <a:lnSpc>
                 <a:spcPts val="1390"/>
               </a:lnSpc>
@@ -13229,109 +11491,15 @@
               </a:spcBef>
             </a:pPr>
             <a:r>
-              <a:rPr sz="1200" b="1" spc="-50" dirty="0">
+              <a:rPr lang="it-IT" sz="1200" b="1" dirty="0">
                 <a:solidFill>
                   <a:srgbClr val="FFFFFF"/>
                 </a:solidFill>
                 <a:latin typeface="Adobe Clean"/>
                 <a:cs typeface="Adobe Clean"/>
               </a:rPr>
-              <a:t>S</a:t>
+              <a:t>Consulenza strategica</a:t>
             </a:r>
-            <a:r>
-              <a:rPr sz="1200" b="1" spc="-20" dirty="0">
-                <a:solidFill>
-                  <a:srgbClr val="FFFFFF"/>
-                </a:solidFill>
-                <a:latin typeface="Adobe Clean"/>
-                <a:cs typeface="Adobe Clean"/>
-              </a:rPr>
-              <a:t>t</a:t>
-            </a:r>
-            <a:r>
-              <a:rPr sz="1200" b="1" spc="-75" dirty="0">
-                <a:solidFill>
-                  <a:srgbClr val="FFFFFF"/>
-                </a:solidFill>
-                <a:latin typeface="Adobe Clean"/>
-                <a:cs typeface="Adobe Clean"/>
-              </a:rPr>
-              <a:t>r</a:t>
-            </a:r>
-            <a:r>
-              <a:rPr sz="1200" b="1" spc="-90" dirty="0">
-                <a:solidFill>
-                  <a:srgbClr val="FFFFFF"/>
-                </a:solidFill>
-                <a:latin typeface="Adobe Clean"/>
-                <a:cs typeface="Adobe Clean"/>
-              </a:rPr>
-              <a:t>a</a:t>
-            </a:r>
-            <a:r>
-              <a:rPr sz="1200" b="1" spc="-55" dirty="0">
-                <a:solidFill>
-                  <a:srgbClr val="FFFFFF"/>
-                </a:solidFill>
-                <a:latin typeface="Adobe Clean"/>
-                <a:cs typeface="Adobe Clean"/>
-              </a:rPr>
-              <a:t>t</a:t>
-            </a:r>
-            <a:r>
-              <a:rPr sz="1200" b="1" spc="-100" dirty="0">
-                <a:solidFill>
-                  <a:srgbClr val="FFFFFF"/>
-                </a:solidFill>
-                <a:latin typeface="Adobe Clean"/>
-                <a:cs typeface="Adobe Clean"/>
-              </a:rPr>
-              <a:t>e</a:t>
-            </a:r>
-            <a:r>
-              <a:rPr sz="1200" b="1" spc="-80" dirty="0">
-                <a:solidFill>
-                  <a:srgbClr val="FFFFFF"/>
-                </a:solidFill>
-                <a:latin typeface="Adobe Clean"/>
-                <a:cs typeface="Adobe Clean"/>
-              </a:rPr>
-              <a:t>g</a:t>
-            </a:r>
-            <a:r>
-              <a:rPr sz="1200" b="1" spc="-35" dirty="0">
-                <a:solidFill>
-                  <a:srgbClr val="FFFFFF"/>
-                </a:solidFill>
-                <a:latin typeface="Adobe Clean"/>
-                <a:cs typeface="Adobe Clean"/>
-              </a:rPr>
-              <a:t>i</a:t>
-            </a:r>
-            <a:r>
-              <a:rPr sz="1200" b="1" dirty="0">
-                <a:solidFill>
-                  <a:srgbClr val="FFFFFF"/>
-                </a:solidFill>
-                <a:latin typeface="Adobe Clean"/>
-                <a:cs typeface="Adobe Clean"/>
-              </a:rPr>
-              <a:t>c  </a:t>
-            </a:r>
-            <a:r>
-              <a:rPr sz="1200" b="1" spc="-45" dirty="0">
-                <a:solidFill>
-                  <a:srgbClr val="FFFFFF"/>
-                </a:solidFill>
-                <a:latin typeface="Adobe Clean"/>
-                <a:cs typeface="Adobe Clean"/>
-              </a:rPr>
-              <a:t>Advice</a:t>
-            </a:r>
-            <a:endParaRPr sz="1200" dirty="0">
-              <a:latin typeface="Adobe Clean"/>
-              <a:cs typeface="Adobe Clean"/>
-            </a:endParaRPr>
           </a:p>
         </p:txBody>
       </p:sp>
@@ -13350,14 +11518,14 @@
           <p:nvPr>
             <p:extLst>
               <p:ext uri="{D42A27DB-BD31-4B8C-83A1-F6EECF244321}">
-                <p14:modId xmlns:p14="http://schemas.microsoft.com/office/powerpoint/2010/main" val="1366573891"/>
+                <p14:modId xmlns:p14="http://schemas.microsoft.com/office/powerpoint/2010/main" val="594227885"/>
               </p:ext>
             </p:extLst>
           </p:nvPr>
         </p:nvGraphicFramePr>
         <p:xfrm>
           <a:off x="194236" y="1059345"/>
-          <a:ext cx="7368291" cy="2931160"/>
+          <a:ext cx="7368291" cy="3235960"/>
         </p:xfrm>
         <a:graphic>
           <a:graphicData uri="http://schemas.openxmlformats.org/drawingml/2006/table">
@@ -13388,7 +11556,7 @@
                     <a:lstStyle/>
                     <a:p>
                       <a:r>
-                        <a:rPr lang="en-US" sz="1100" b="0" dirty="0">
+                        <a:rPr lang="it-IT" sz="1100" b="0">
                           <a:solidFill>
                             <a:schemeClr val="tx1"/>
                           </a:solidFill>
@@ -13399,14 +11567,6 @@
                         </a:rPr>
                         <a:t>Experience League</a:t>
                       </a:r>
-                      <a:endParaRPr lang="en-US" sz="1100" b="0" dirty="0">
-                        <a:solidFill>
-                          <a:schemeClr val="tx1"/>
-                        </a:solidFill>
-                        <a:latin typeface="Adobe Clean" panose="020B0503020404020204" pitchFamily="34" charset="0"/>
-                        <a:ea typeface="+mn-ea"/>
-                        <a:cs typeface="+mn-cs"/>
-                      </a:endParaRPr>
                     </a:p>
                   </a:txBody>
                   <a:tcPr marL="47625" marR="47625" marT="0" marB="0" anchor="ctr">
@@ -13480,7 +11640,7 @@
                         <a:defRPr/>
                       </a:pPr>
                       <a:r>
-                        <a:rPr lang="en-US" sz="1000" b="0" kern="1200" dirty="0">
+                        <a:rPr lang="it-IT" sz="1000" b="0" dirty="0">
                           <a:solidFill>
                             <a:srgbClr val="000000"/>
                           </a:solidFill>
@@ -13488,7 +11648,28 @@
                           <a:ea typeface="+mn-ea"/>
                           <a:cs typeface="+mn-cs"/>
                         </a:rPr>
-                        <a:t>Experience League is how Adobe helps businesses achieve the value they expect from their Adobe investment. It’s the unified place where customers can learn, connect, and grow along a personalized path to success that includes self-help tutorials, product documentation, instructor-led training, community and technical support. </a:t>
+                        <a:t>Con Experience League, Adobe aiuta le aziende a conseguire il valore che si aspettano dalle soluzioni Adobe in cui hanno investito. In questo portale unificato, puoi imparare, relazionarti con altri professionisti </a:t>
+                      </a:r>
+                      <a:br>
+                        <a:rPr lang="sk-SK" sz="1000" b="0" dirty="0">
+                          <a:solidFill>
+                            <a:srgbClr val="000000"/>
+                          </a:solidFill>
+                          <a:latin typeface="Adobe Clean Light" panose="020B0303020404020204" pitchFamily="34" charset="0"/>
+                          <a:ea typeface="+mn-ea"/>
+                          <a:cs typeface="+mn-cs"/>
+                        </a:rPr>
+                      </a:br>
+                      <a:r>
+                        <a:rPr lang="it-IT" sz="1000" b="0" dirty="0">
+                          <a:solidFill>
+                            <a:srgbClr val="000000"/>
+                          </a:solidFill>
+                          <a:latin typeface="Adobe Clean Light" panose="020B0303020404020204" pitchFamily="34" charset="0"/>
+                          <a:ea typeface="+mn-ea"/>
+                          <a:cs typeface="+mn-cs"/>
+                        </a:rPr>
+                        <a:t>e crescere seguendo un percorso personalizzato con tutorial, documentazione dei prodotti, formazione con istruttori, supporto tecnico e il sostegno dell’intera community. </a:t>
                       </a:r>
                     </a:p>
                   </a:txBody>
@@ -13570,39 +11751,28 @@
                         <a:defRPr/>
                       </a:pPr>
                       <a:r>
-                        <a:rPr lang="en-US" sz="1100" dirty="0">
+                        <a:rPr lang="it-IT" sz="1100">
                           <a:solidFill>
                             <a:schemeClr val="dk1"/>
                           </a:solidFill>
-                          <a:effectLst/>
                           <a:latin typeface="Adobe Clean" panose="020B0503020404020204" pitchFamily="34" charset="0"/>
                           <a:ea typeface="+mn-ea"/>
                           <a:cs typeface="+mn-cs"/>
                           <a:hlinkClick r:id="rId8"/>
                         </a:rPr>
-                        <a:t>Training</a:t>
+                        <a:t>Formazione</a:t>
                       </a:r>
                       <a:r>
-                        <a:rPr lang="en-US" sz="1100" dirty="0">
+                        <a:rPr lang="it-IT" sz="1100">
                           <a:solidFill>
                             <a:schemeClr val="dk1"/>
                           </a:solidFill>
-                          <a:effectLst/>
                           <a:latin typeface="Adobe Clean" panose="020B0503020404020204" pitchFamily="34" charset="0"/>
                           <a:ea typeface="+mn-ea"/>
                           <a:cs typeface="+mn-cs"/>
                         </a:rPr>
                         <a:t> </a:t>
                       </a:r>
-                      <a:endParaRPr lang="en-US" sz="1100" dirty="0">
-                        <a:solidFill>
-                          <a:schemeClr val="tx1"/>
-                        </a:solidFill>
-                        <a:effectLst/>
-                        <a:latin typeface="Adobe Clean" panose="020B0503020404020204" pitchFamily="34" charset="0"/>
-                        <a:ea typeface="+mn-ea"/>
-                        <a:cs typeface="+mn-cs"/>
-                      </a:endParaRPr>
                     </a:p>
                   </a:txBody>
                   <a:tcPr anchor="ctr">
@@ -13676,7 +11846,7 @@
                         <a:defRPr/>
                       </a:pPr>
                       <a:r>
-                        <a:rPr lang="en-US" sz="1000" kern="1200" dirty="0">
+                        <a:rPr lang="it-IT" sz="1000" dirty="0">
                           <a:solidFill>
                             <a:srgbClr val="000000"/>
                           </a:solidFill>
@@ -13684,7 +11854,28 @@
                           <a:ea typeface="+mn-ea"/>
                           <a:cs typeface="+mn-cs"/>
                         </a:rPr>
-                        <a:t>Adobe Digital Learning Services courses are accessible from Experience League. Learning courses integrate both on-demand and instructor-led lessons.  Here you can accrue skills that have recognized market value and position them to drive success in your organizations.</a:t>
+                        <a:t>I corsi Adobe Digital Learning Services sono accessibili da Experience League. I corsi di apprendimento comprendono lezioni sia on-demand che guidate da istruttori.  Potrai acquisire nuove competenze particolarmente ricercate nel settore e metterle in pratica nella </a:t>
+                      </a:r>
+                      <a:br>
+                        <a:rPr lang="sk-SK" sz="1000" dirty="0">
+                          <a:solidFill>
+                            <a:srgbClr val="000000"/>
+                          </a:solidFill>
+                          <a:latin typeface="Adobe Clean Light" panose="020B0303020404020204" pitchFamily="34" charset="0"/>
+                          <a:ea typeface="+mn-ea"/>
+                          <a:cs typeface="+mn-cs"/>
+                        </a:rPr>
+                      </a:br>
+                      <a:r>
+                        <a:rPr lang="it-IT" sz="1000" dirty="0">
+                          <a:solidFill>
+                            <a:srgbClr val="000000"/>
+                          </a:solidFill>
+                          <a:latin typeface="Adobe Clean Light" panose="020B0303020404020204" pitchFamily="34" charset="0"/>
+                          <a:ea typeface="+mn-ea"/>
+                          <a:cs typeface="+mn-cs"/>
+                        </a:rPr>
+                        <a:t>tua organizzazione, per favorirne il successo.</a:t>
                       </a:r>
                     </a:p>
                   </a:txBody>
@@ -13766,27 +11957,17 @@
                         <a:defRPr/>
                       </a:pPr>
                       <a:r>
-                        <a:rPr lang="en-US" sz="1100" dirty="0">
+                        <a:rPr lang="it-IT" sz="1100">
                           <a:solidFill>
                             <a:schemeClr val="tx1"/>
                           </a:solidFill>
-                          <a:effectLst/>
                           <a:latin typeface="Adobe Clean" panose="020B0503020404020204" pitchFamily="34" charset="0"/>
                           <a:ea typeface="+mn-ea"/>
                           <a:cs typeface="+mn-cs"/>
                           <a:hlinkClick r:id="rId9"/>
                         </a:rPr>
-                        <a:t>Production Issues &amp; System Outages</a:t>
+                        <a:t>Problemi di produzione e interruzioni del sistema</a:t>
                       </a:r>
-                      <a:endParaRPr lang="en-US" sz="1100" dirty="0">
-                        <a:solidFill>
-                          <a:schemeClr val="tx1"/>
-                        </a:solidFill>
-                        <a:effectLst/>
-                        <a:latin typeface="Adobe Clean" panose="020B0503020404020204" pitchFamily="34" charset="0"/>
-                        <a:ea typeface="+mn-ea"/>
-                        <a:cs typeface="+mn-cs"/>
-                      </a:endParaRPr>
                     </a:p>
                   </a:txBody>
                   <a:tcPr anchor="ctr">
@@ -13860,7 +12041,7 @@
                         <a:defRPr/>
                       </a:pPr>
                       <a:r>
-                        <a:rPr lang="en-US" sz="1000" kern="1200" dirty="0">
+                        <a:rPr lang="it-IT" sz="1000" dirty="0">
                           <a:solidFill>
                             <a:srgbClr val="000000"/>
                           </a:solidFill>
@@ -13868,7 +12049,70 @@
                           <a:ea typeface="+mn-ea"/>
                           <a:cs typeface="+mn-cs"/>
                         </a:rPr>
-                        <a:t>Status.adobe.com conveys the health information of all Adobe products and services that are deployed in multi-tenant environments. Customers can choose their subscription preferences to get email notifications whenever Adobe creates, updates or resolves a product event. This can include scheduled maintenance or service issues of varying levels of severity. </a:t>
+                        <a:t>Status.adobe.com trasmette informazioni sullo stato di tutti i prodotti </a:t>
+                      </a:r>
+                      <a:br>
+                        <a:rPr lang="sk-SK" sz="1000" dirty="0">
+                          <a:solidFill>
+                            <a:srgbClr val="000000"/>
+                          </a:solidFill>
+                          <a:latin typeface="Adobe Clean Light" panose="020B0303020404020204" pitchFamily="34" charset="0"/>
+                          <a:ea typeface="+mn-ea"/>
+                          <a:cs typeface="+mn-cs"/>
+                        </a:rPr>
+                      </a:br>
+                      <a:r>
+                        <a:rPr lang="it-IT" sz="1000" dirty="0">
+                          <a:solidFill>
+                            <a:srgbClr val="000000"/>
+                          </a:solidFill>
+                          <a:latin typeface="Adobe Clean Light" panose="020B0303020404020204" pitchFamily="34" charset="0"/>
+                          <a:ea typeface="+mn-ea"/>
+                          <a:cs typeface="+mn-cs"/>
+                        </a:rPr>
+                        <a:t>e i servizi Adobe implementati in ambienti multi-tenant. Puoi scegliere se ricevere notifiche e-mail ogni volta che Adobe segnala, aggiorna </a:t>
+                      </a:r>
+                      <a:br>
+                        <a:rPr lang="sk-SK" sz="1000" dirty="0">
+                          <a:solidFill>
+                            <a:srgbClr val="000000"/>
+                          </a:solidFill>
+                          <a:latin typeface="Adobe Clean Light" panose="020B0303020404020204" pitchFamily="34" charset="0"/>
+                          <a:ea typeface="+mn-ea"/>
+                          <a:cs typeface="+mn-cs"/>
+                        </a:rPr>
+                      </a:br>
+                      <a:r>
+                        <a:rPr lang="it-IT" sz="1000" dirty="0">
+                          <a:solidFill>
+                            <a:srgbClr val="000000"/>
+                          </a:solidFill>
+                          <a:latin typeface="Adobe Clean Light" panose="020B0303020404020204" pitchFamily="34" charset="0"/>
+                          <a:ea typeface="+mn-ea"/>
+                          <a:cs typeface="+mn-cs"/>
+                        </a:rPr>
+                        <a:t>o risolve un problema relativo a un prodotto. Vengono segnalate </a:t>
+                      </a:r>
+                      <a:br>
+                        <a:rPr lang="sk-SK" sz="1000" dirty="0">
+                          <a:solidFill>
+                            <a:srgbClr val="000000"/>
+                          </a:solidFill>
+                          <a:latin typeface="Adobe Clean Light" panose="020B0303020404020204" pitchFamily="34" charset="0"/>
+                          <a:ea typeface="+mn-ea"/>
+                          <a:cs typeface="+mn-cs"/>
+                        </a:rPr>
+                      </a:br>
+                      <a:r>
+                        <a:rPr lang="it-IT" sz="1000" dirty="0">
+                          <a:solidFill>
+                            <a:srgbClr val="000000"/>
+                          </a:solidFill>
+                          <a:latin typeface="Adobe Clean Light" panose="020B0303020404020204" pitchFamily="34" charset="0"/>
+                          <a:ea typeface="+mn-ea"/>
+                          <a:cs typeface="+mn-cs"/>
+                        </a:rPr>
+                        <a:t>ad esempio le interruzioni per manutenzione programmata o problemi relativi ai servizi con diversi livelli di gravità. </a:t>
                       </a:r>
                     </a:p>
                   </a:txBody>
@@ -13950,27 +12194,17 @@
                         <a:defRPr/>
                       </a:pPr>
                       <a:r>
-                        <a:rPr lang="en-US" sz="1100" dirty="0">
+                        <a:rPr lang="it-IT" sz="1100">
                           <a:solidFill>
                             <a:schemeClr val="tx1"/>
                           </a:solidFill>
-                          <a:effectLst/>
                           <a:latin typeface="Adobe Clean" panose="020B0503020404020204" pitchFamily="34" charset="0"/>
                           <a:ea typeface="+mn-ea"/>
                           <a:cs typeface="+mn-cs"/>
                           <a:hlinkClick r:id="rId10"/>
                         </a:rPr>
-                        <a:t>Terms and Conditions</a:t>
+                        <a:t>Termini e condizioni</a:t>
                       </a:r>
-                      <a:endParaRPr lang="en-US" sz="1100" dirty="0">
-                        <a:solidFill>
-                          <a:schemeClr val="tx1"/>
-                        </a:solidFill>
-                        <a:effectLst/>
-                        <a:latin typeface="Adobe Clean" panose="020B0503020404020204" pitchFamily="34" charset="0"/>
-                        <a:ea typeface="+mn-ea"/>
-                        <a:cs typeface="+mn-cs"/>
-                      </a:endParaRPr>
                     </a:p>
                   </a:txBody>
                   <a:tcPr anchor="ctr">
@@ -14027,7 +12261,7 @@
                     <a:lstStyle/>
                     <a:p>
                       <a:r>
-                        <a:rPr lang="en-US" sz="1000" kern="1200" dirty="0">
+                        <a:rPr lang="it-IT" sz="1000" dirty="0">
                           <a:solidFill>
                             <a:srgbClr val="000000"/>
                           </a:solidFill>
@@ -14035,7 +12269,7 @@
                           <a:ea typeface="+mn-ea"/>
                           <a:cs typeface="+mn-cs"/>
                         </a:rPr>
-                        <a:t>Terms and conditions detailing Support Services offerings.</a:t>
+                        <a:t>Termini e condizioni che descrivono i servizi di supporto disponibili</a:t>
                       </a:r>
                     </a:p>
                   </a:txBody>
@@ -14806,21 +13040,6 @@
 </file>
 
 <file path=customXml/item1.xml><?xml version="1.0" encoding="utf-8"?>
-<?mso-contentType ?>
-<FormTemplates xmlns="http://schemas.microsoft.com/sharepoint/v3/contenttype/forms">
-  <Display>DocumentLibraryForm</Display>
-  <Edit>DocumentLibraryForm</Edit>
-  <New>DocumentLibraryForm</New>
-</FormTemplates>
-</file>
-
-<file path=customXml/item2.xml><?xml version="1.0" encoding="utf-8"?>
-<p:properties xmlns:p="http://schemas.microsoft.com/office/2006/metadata/properties" xmlns:xsi="http://www.w3.org/2001/XMLSchema-instance" xmlns:pc="http://schemas.microsoft.com/office/infopath/2007/PartnerControls">
-  <documentManagement/>
-</p:properties>
-</file>
-
-<file path=customXml/item3.xml><?xml version="1.0" encoding="utf-8"?>
 <ct:contentTypeSchema xmlns:ct="http://schemas.microsoft.com/office/2006/metadata/contentType" xmlns:ma="http://schemas.microsoft.com/office/2006/metadata/properties/metaAttributes" ct:_="" ma:_="" ma:contentTypeName="Document" ma:contentTypeID="0x010100E783BF6876BCC646A459363AF21A7736" ma:contentTypeVersion="10" ma:contentTypeDescription="Create a new document." ma:contentTypeScope="" ma:versionID="c4ffda7f4f415767600769e454c2ea87">
   <xsd:schema xmlns:xsd="http://www.w3.org/2001/XMLSchema" xmlns:xs="http://www.w3.org/2001/XMLSchema" xmlns:p="http://schemas.microsoft.com/office/2006/metadata/properties" xmlns:ns2="8a053bff-88be-49e4-9a87-e748e18b8b62" xmlns:ns3="6c8368ec-3776-49b5-a5bb-90648cf9530f" targetNamespace="http://schemas.microsoft.com/office/2006/metadata/properties" ma:root="true" ma:fieldsID="df3ec33bccc23e23bce7bc897fad43d1" ns2:_="" ns3:_="">
     <xsd:import namespace="8a053bff-88be-49e4-9a87-e748e18b8b62"/>
@@ -15025,32 +13244,22 @@
 </ct:contentTypeSchema>
 </file>
 
-<file path=customXml/itemProps1.xml><?xml version="1.0" encoding="utf-8"?>
-<ds:datastoreItem xmlns:ds="http://schemas.openxmlformats.org/officeDocument/2006/customXml" ds:itemID="{AC92E7FA-19A2-4675-9C77-2C92D8A268D1}">
-  <ds:schemaRefs>
-    <ds:schemaRef ds:uri="http://schemas.microsoft.com/sharepoint/v3/contenttype/forms"/>
-  </ds:schemaRefs>
-</ds:datastoreItem>
+<file path=customXml/item2.xml><?xml version="1.0" encoding="utf-8"?>
+<p:properties xmlns:p="http://schemas.microsoft.com/office/2006/metadata/properties" xmlns:xsi="http://www.w3.org/2001/XMLSchema-instance" xmlns:pc="http://schemas.microsoft.com/office/infopath/2007/PartnerControls">
+  <documentManagement/>
+</p:properties>
 </file>
 
-<file path=customXml/itemProps2.xml><?xml version="1.0" encoding="utf-8"?>
-<ds:datastoreItem xmlns:ds="http://schemas.openxmlformats.org/officeDocument/2006/customXml" ds:itemID="{8D12BD98-169B-4BEE-86DF-4C9641DF23C4}">
-  <ds:schemaRefs>
-    <ds:schemaRef ds:uri="http://schemas.microsoft.com/office/2006/documentManagement/types"/>
-    <ds:schemaRef ds:uri="http://schemas.microsoft.com/office/2006/metadata/properties"/>
-    <ds:schemaRef ds:uri="http://www.w3.org/XML/1998/namespace"/>
-    <ds:schemaRef ds:uri="http://purl.org/dc/terms/"/>
-    <ds:schemaRef ds:uri="http://purl.org/dc/elements/1.1/"/>
-    <ds:schemaRef ds:uri="http://schemas.microsoft.com/office/infopath/2007/PartnerControls"/>
-    <ds:schemaRef ds:uri="http://schemas.openxmlformats.org/package/2006/metadata/core-properties"/>
-    <ds:schemaRef ds:uri="8a053bff-88be-49e4-9a87-e748e18b8b62"/>
-    <ds:schemaRef ds:uri="6c8368ec-3776-49b5-a5bb-90648cf9530f"/>
-    <ds:schemaRef ds:uri="http://purl.org/dc/dcmitype/"/>
-  </ds:schemaRefs>
-</ds:datastoreItem>
+<file path=customXml/item3.xml><?xml version="1.0" encoding="utf-8"?>
+<?mso-contentType ?>
+<FormTemplates xmlns="http://schemas.microsoft.com/sharepoint/v3/contenttype/forms">
+  <Display>DocumentLibraryForm</Display>
+  <Edit>DocumentLibraryForm</Edit>
+  <New>DocumentLibraryForm</New>
+</FormTemplates>
 </file>
 
-<file path=customXml/itemProps3.xml><?xml version="1.0" encoding="utf-8"?>
+<file path=customXml/itemProps1.xml><?xml version="1.0" encoding="utf-8"?>
 <ds:datastoreItem xmlns:ds="http://schemas.openxmlformats.org/officeDocument/2006/customXml" ds:itemID="{34863498-7BB7-4F09-9F4A-B99E97FDB0EB}">
   <ds:schemaRefs>
     <ds:schemaRef ds:uri="http://schemas.microsoft.com/office/2006/metadata/contentType"/>
@@ -15067,4 +13276,21 @@
     <ds:schemaRef ds:uri="http://schemas.microsoft.com/internal/obd"/>
   </ds:schemaRefs>
 </ds:datastoreItem>
+</file>
+
+<file path=customXml/itemProps2.xml><?xml version="1.0" encoding="utf-8"?>
+<ds:datastoreItem xmlns:ds="http://schemas.openxmlformats.org/officeDocument/2006/customXml" ds:itemID="{8D12BD98-169B-4BEE-86DF-4C9641DF23C4}">
+  <ds:schemaRefs>
+    <ds:schemaRef ds:uri="http://schemas.microsoft.com/office/2006/metadata/properties"/>
+    <ds:schemaRef ds:uri="http://schemas.microsoft.com/office/infopath/2007/PartnerControls"/>
+  </ds:schemaRefs>
+</ds:datastoreItem>
+</file>
+
+<file path=customXml/itemProps3.xml><?xml version="1.0" encoding="utf-8"?>
+<ds:datastoreItem xmlns:ds="http://schemas.openxmlformats.org/officeDocument/2006/customXml" ds:itemID="{AC92E7FA-19A2-4675-9C77-2C92D8A268D1}">
+  <ds:schemaRefs>
+    <ds:schemaRef ds:uri="http://schemas.microsoft.com/sharepoint/v3/contenttype/forms"/>
+  </ds:schemaRefs>
+</ds:datastoreItem>
 </file>
--- a/help/data-sheets/assets/OnlineSupportDatasheet.pptx
+++ b/help/data-sheets/assets/OnlineSupportDatasheet.pptx
@@ -131,13 +131,193 @@
 <file path=ppt/revisionInfo.xml><?xml version="1.0" encoding="utf-8"?>
 <p1510:revInfo xmlns:a="http://schemas.openxmlformats.org/drawingml/2006/main" xmlns:r="http://schemas.openxmlformats.org/officeDocument/2006/relationships" xmlns:p1510="http://schemas.microsoft.com/office/powerpoint/2015/10/main">
   <p1510:revLst>
-    <p1510:client id="{5343DD59-8FB2-7AAD-1875-255EDB54B98D}" v="367" dt="2021-09-22T18:47:16.489"/>
+    <p1510:client id="{096F7488-A26A-D845-83B0-BE2FC48D1AFD}" v="1" dt="2021-10-13T19:37:08.512"/>
   </p1510:revLst>
 </p1510:revInfo>
 </file>
 
 <file path=ppt/changesInfos/changesInfo1.xml><?xml version="1.0" encoding="utf-8"?>
 <pc:chgInfo xmlns:a="http://schemas.openxmlformats.org/drawingml/2006/main" xmlns:r="http://schemas.openxmlformats.org/officeDocument/2006/relationships" xmlns:ac="http://schemas.microsoft.com/office/drawing/2013/main/command" xmlns:pc="http://schemas.microsoft.com/office/powerpoint/2013/main/command">
+  <pc:docChgLst>
+    <pc:chgData name="Lauren Schutte" userId="6e08b2d3-447a-4d66-86be-444d50df187f" providerId="ADAL" clId="{096F7488-A26A-D845-83B0-BE2FC48D1AFD}"/>
+    <pc:docChg chg="modSld">
+      <pc:chgData name="Lauren Schutte" userId="6e08b2d3-447a-4d66-86be-444d50df187f" providerId="ADAL" clId="{096F7488-A26A-D845-83B0-BE2FC48D1AFD}" dt="2021-10-13T19:38:26.139" v="4" actId="20577"/>
+      <pc:docMkLst>
+        <pc:docMk/>
+      </pc:docMkLst>
+      <pc:sldChg chg="modSp mod">
+        <pc:chgData name="Lauren Schutte" userId="6e08b2d3-447a-4d66-86be-444d50df187f" providerId="ADAL" clId="{096F7488-A26A-D845-83B0-BE2FC48D1AFD}" dt="2021-10-13T19:37:16.686" v="2" actId="242"/>
+        <pc:sldMkLst>
+          <pc:docMk/>
+          <pc:sldMk cId="0" sldId="256"/>
+        </pc:sldMkLst>
+        <pc:graphicFrameChg chg="mod modGraphic">
+          <ac:chgData name="Lauren Schutte" userId="6e08b2d3-447a-4d66-86be-444d50df187f" providerId="ADAL" clId="{096F7488-A26A-D845-83B0-BE2FC48D1AFD}" dt="2021-10-13T19:37:16.686" v="2" actId="242"/>
+          <ac:graphicFrameMkLst>
+            <pc:docMk/>
+            <pc:sldMk cId="0" sldId="256"/>
+            <ac:graphicFrameMk id="9" creationId="{00000000-0000-0000-0000-000000000000}"/>
+          </ac:graphicFrameMkLst>
+        </pc:graphicFrameChg>
+      </pc:sldChg>
+      <pc:sldChg chg="modSp mod">
+        <pc:chgData name="Lauren Schutte" userId="6e08b2d3-447a-4d66-86be-444d50df187f" providerId="ADAL" clId="{096F7488-A26A-D845-83B0-BE2FC48D1AFD}" dt="2021-10-13T19:38:11.810" v="3" actId="20577"/>
+        <pc:sldMkLst>
+          <pc:docMk/>
+          <pc:sldMk cId="0" sldId="257"/>
+        </pc:sldMkLst>
+        <pc:spChg chg="mod">
+          <ac:chgData name="Lauren Schutte" userId="6e08b2d3-447a-4d66-86be-444d50df187f" providerId="ADAL" clId="{096F7488-A26A-D845-83B0-BE2FC48D1AFD}" dt="2021-10-13T19:38:11.810" v="3" actId="20577"/>
+          <ac:spMkLst>
+            <pc:docMk/>
+            <pc:sldMk cId="0" sldId="257"/>
+            <ac:spMk id="39" creationId="{00000000-0000-0000-0000-000000000000}"/>
+          </ac:spMkLst>
+        </pc:spChg>
+      </pc:sldChg>
+      <pc:sldChg chg="modSp mod">
+        <pc:chgData name="Lauren Schutte" userId="6e08b2d3-447a-4d66-86be-444d50df187f" providerId="ADAL" clId="{096F7488-A26A-D845-83B0-BE2FC48D1AFD}" dt="2021-10-13T19:38:26.139" v="4" actId="20577"/>
+        <pc:sldMkLst>
+          <pc:docMk/>
+          <pc:sldMk cId="799510854" sldId="260"/>
+        </pc:sldMkLst>
+        <pc:graphicFrameChg chg="modGraphic">
+          <ac:chgData name="Lauren Schutte" userId="6e08b2d3-447a-4d66-86be-444d50df187f" providerId="ADAL" clId="{096F7488-A26A-D845-83B0-BE2FC48D1AFD}" dt="2021-10-13T19:38:26.139" v="4" actId="20577"/>
+          <ac:graphicFrameMkLst>
+            <pc:docMk/>
+            <pc:sldMk cId="799510854" sldId="260"/>
+            <ac:graphicFrameMk id="111" creationId="{D8653CEC-4213-DE40-9BAF-D1E3318FF89C}"/>
+          </ac:graphicFrameMkLst>
+        </pc:graphicFrameChg>
+      </pc:sldChg>
+    </pc:docChg>
+  </pc:docChgLst>
+  <pc:docChgLst>
+    <pc:chgData name="Akilah Johnson" userId="S::akjohnso@adobe.com::2fa3aa60-0c9c-4d06-bae2-795983241227" providerId="AD" clId="Web-{57A486D7-8267-4044-450E-B1D42691F1A4}"/>
+    <pc:docChg chg="modSld">
+      <pc:chgData name="Akilah Johnson" userId="S::akjohnso@adobe.com::2fa3aa60-0c9c-4d06-bae2-795983241227" providerId="AD" clId="Web-{57A486D7-8267-4044-450E-B1D42691F1A4}" dt="2021-10-12T15:47:55.091" v="2" actId="20577"/>
+      <pc:docMkLst>
+        <pc:docMk/>
+      </pc:docMkLst>
+      <pc:sldChg chg="modSp">
+        <pc:chgData name="Akilah Johnson" userId="S::akjohnso@adobe.com::2fa3aa60-0c9c-4d06-bae2-795983241227" providerId="AD" clId="Web-{57A486D7-8267-4044-450E-B1D42691F1A4}" dt="2021-10-12T15:47:55.091" v="2" actId="20577"/>
+        <pc:sldMkLst>
+          <pc:docMk/>
+          <pc:sldMk cId="0" sldId="256"/>
+        </pc:sldMkLst>
+        <pc:spChg chg="mod">
+          <ac:chgData name="Akilah Johnson" userId="S::akjohnso@adobe.com::2fa3aa60-0c9c-4d06-bae2-795983241227" providerId="AD" clId="Web-{57A486D7-8267-4044-450E-B1D42691F1A4}" dt="2021-10-12T15:47:55.091" v="2" actId="20577"/>
+          <ac:spMkLst>
+            <pc:docMk/>
+            <pc:sldMk cId="0" sldId="256"/>
+            <ac:spMk id="5" creationId="{00000000-0000-0000-0000-000000000000}"/>
+          </ac:spMkLst>
+        </pc:spChg>
+      </pc:sldChg>
+    </pc:docChg>
+  </pc:docChgLst>
+  <pc:docChgLst>
+    <pc:chgData name="Akilah Johnson" userId="S::akjohnso@adobe.com::2fa3aa60-0c9c-4d06-bae2-795983241227" providerId="AD" clId="Web-{CF46E89E-48FC-BA32-13C5-654DDA452FDC}"/>
+    <pc:docChg chg="modSld">
+      <pc:chgData name="Akilah Johnson" userId="S::akjohnso@adobe.com::2fa3aa60-0c9c-4d06-bae2-795983241227" providerId="AD" clId="Web-{CF46E89E-48FC-BA32-13C5-654DDA452FDC}" dt="2021-10-12T17:00:50.675" v="21" actId="20577"/>
+      <pc:docMkLst>
+        <pc:docMk/>
+      </pc:docMkLst>
+      <pc:sldChg chg="modSp">
+        <pc:chgData name="Akilah Johnson" userId="S::akjohnso@adobe.com::2fa3aa60-0c9c-4d06-bae2-795983241227" providerId="AD" clId="Web-{CF46E89E-48FC-BA32-13C5-654DDA452FDC}" dt="2021-10-12T16:58:10.550" v="6" actId="20577"/>
+        <pc:sldMkLst>
+          <pc:docMk/>
+          <pc:sldMk cId="0" sldId="256"/>
+        </pc:sldMkLst>
+        <pc:spChg chg="mod">
+          <ac:chgData name="Akilah Johnson" userId="S::akjohnso@adobe.com::2fa3aa60-0c9c-4d06-bae2-795983241227" providerId="AD" clId="Web-{CF46E89E-48FC-BA32-13C5-654DDA452FDC}" dt="2021-10-12T16:58:10.550" v="6" actId="20577"/>
+          <ac:spMkLst>
+            <pc:docMk/>
+            <pc:sldMk cId="0" sldId="256"/>
+            <ac:spMk id="2" creationId="{00000000-0000-0000-0000-000000000000}"/>
+          </ac:spMkLst>
+        </pc:spChg>
+        <pc:graphicFrameChg chg="mod modGraphic">
+          <ac:chgData name="Akilah Johnson" userId="S::akjohnso@adobe.com::2fa3aa60-0c9c-4d06-bae2-795983241227" providerId="AD" clId="Web-{CF46E89E-48FC-BA32-13C5-654DDA452FDC}" dt="2021-10-12T16:57:07.113" v="1"/>
+          <ac:graphicFrameMkLst>
+            <pc:docMk/>
+            <pc:sldMk cId="0" sldId="256"/>
+            <ac:graphicFrameMk id="8" creationId="{00000000-0000-0000-0000-000000000000}"/>
+          </ac:graphicFrameMkLst>
+        </pc:graphicFrameChg>
+      </pc:sldChg>
+      <pc:sldChg chg="modSp">
+        <pc:chgData name="Akilah Johnson" userId="S::akjohnso@adobe.com::2fa3aa60-0c9c-4d06-bae2-795983241227" providerId="AD" clId="Web-{CF46E89E-48FC-BA32-13C5-654DDA452FDC}" dt="2021-10-12T16:59:59.628" v="14" actId="20577"/>
+        <pc:sldMkLst>
+          <pc:docMk/>
+          <pc:sldMk cId="0" sldId="257"/>
+        </pc:sldMkLst>
+        <pc:spChg chg="mod">
+          <ac:chgData name="Akilah Johnson" userId="S::akjohnso@adobe.com::2fa3aa60-0c9c-4d06-bae2-795983241227" providerId="AD" clId="Web-{CF46E89E-48FC-BA32-13C5-654DDA452FDC}" dt="2021-10-12T16:59:21.300" v="12" actId="20577"/>
+          <ac:spMkLst>
+            <pc:docMk/>
+            <pc:sldMk cId="0" sldId="257"/>
+            <ac:spMk id="39" creationId="{00000000-0000-0000-0000-000000000000}"/>
+          </ac:spMkLst>
+        </pc:spChg>
+        <pc:spChg chg="mod">
+          <ac:chgData name="Akilah Johnson" userId="S::akjohnso@adobe.com::2fa3aa60-0c9c-4d06-bae2-795983241227" providerId="AD" clId="Web-{CF46E89E-48FC-BA32-13C5-654DDA452FDC}" dt="2021-10-12T16:59:59.628" v="14" actId="20577"/>
+          <ac:spMkLst>
+            <pc:docMk/>
+            <pc:sldMk cId="0" sldId="257"/>
+            <ac:spMk id="46" creationId="{00000000-0000-0000-0000-000000000000}"/>
+          </ac:spMkLst>
+        </pc:spChg>
+      </pc:sldChg>
+      <pc:sldChg chg="modSp">
+        <pc:chgData name="Akilah Johnson" userId="S::akjohnso@adobe.com::2fa3aa60-0c9c-4d06-bae2-795983241227" providerId="AD" clId="Web-{CF46E89E-48FC-BA32-13C5-654DDA452FDC}" dt="2021-10-12T17:00:50.675" v="21" actId="20577"/>
+        <pc:sldMkLst>
+          <pc:docMk/>
+          <pc:sldMk cId="799510854" sldId="260"/>
+        </pc:sldMkLst>
+        <pc:spChg chg="mod">
+          <ac:chgData name="Akilah Johnson" userId="S::akjohnso@adobe.com::2fa3aa60-0c9c-4d06-bae2-795983241227" providerId="AD" clId="Web-{CF46E89E-48FC-BA32-13C5-654DDA452FDC}" dt="2021-10-12T17:00:50.675" v="21" actId="20577"/>
+          <ac:spMkLst>
+            <pc:docMk/>
+            <pc:sldMk cId="799510854" sldId="260"/>
+            <ac:spMk id="24" creationId="{00000000-0000-0000-0000-000000000000}"/>
+          </ac:spMkLst>
+        </pc:spChg>
+        <pc:spChg chg="mod">
+          <ac:chgData name="Akilah Johnson" userId="S::akjohnso@adobe.com::2fa3aa60-0c9c-4d06-bae2-795983241227" providerId="AD" clId="Web-{CF46E89E-48FC-BA32-13C5-654DDA452FDC}" dt="2021-10-12T17:00:45.784" v="19" actId="20577"/>
+          <ac:spMkLst>
+            <pc:docMk/>
+            <pc:sldMk cId="799510854" sldId="260"/>
+            <ac:spMk id="56" creationId="{00000000-0000-0000-0000-000000000000}"/>
+          </ac:spMkLst>
+        </pc:spChg>
+      </pc:sldChg>
+    </pc:docChg>
+  </pc:docChgLst>
+  <pc:docChgLst>
+    <pc:chgData name="Akilah Johnson" userId="S::akjohnso@adobe.com::2fa3aa60-0c9c-4d06-bae2-795983241227" providerId="AD" clId="Web-{19E88417-C612-7196-8214-73025F75FA84}"/>
+    <pc:docChg chg="modSld">
+      <pc:chgData name="Akilah Johnson" userId="S::akjohnso@adobe.com::2fa3aa60-0c9c-4d06-bae2-795983241227" providerId="AD" clId="Web-{19E88417-C612-7196-8214-73025F75FA84}" dt="2021-10-12T19:15:42.562" v="5" actId="20577"/>
+      <pc:docMkLst>
+        <pc:docMk/>
+      </pc:docMkLst>
+      <pc:sldChg chg="modSp">
+        <pc:chgData name="Akilah Johnson" userId="S::akjohnso@adobe.com::2fa3aa60-0c9c-4d06-bae2-795983241227" providerId="AD" clId="Web-{19E88417-C612-7196-8214-73025F75FA84}" dt="2021-10-12T19:15:42.562" v="5" actId="20577"/>
+        <pc:sldMkLst>
+          <pc:docMk/>
+          <pc:sldMk cId="0" sldId="256"/>
+        </pc:sldMkLst>
+        <pc:spChg chg="mod">
+          <ac:chgData name="Akilah Johnson" userId="S::akjohnso@adobe.com::2fa3aa60-0c9c-4d06-bae2-795983241227" providerId="AD" clId="Web-{19E88417-C612-7196-8214-73025F75FA84}" dt="2021-10-12T19:15:42.562" v="5" actId="20577"/>
+          <ac:spMkLst>
+            <pc:docMk/>
+            <pc:sldMk cId="0" sldId="256"/>
+            <ac:spMk id="13" creationId="{7979C0CC-523E-844A-96DC-75FC662E01AB}"/>
+          </ac:spMkLst>
+        </pc:spChg>
+      </pc:sldChg>
+    </pc:docChg>
+  </pc:docChgLst>
   <pc:docChgLst>
     <pc:chgData name="Akilah Johnson" userId="S::akjohnso@adobe.com::2fa3aa60-0c9c-4d06-bae2-795983241227" providerId="AD" clId="Web-{5343DD59-8FB2-7AAD-1875-255EDB54B98D}"/>
     <pc:docChg chg="modSld">
@@ -255,7 +435,7 @@
           <a:p>
             <a:fld id="{A438815C-EDE5-F947-A55F-7634403F36C4}" type="datetimeFigureOut">
               <a:rPr lang="en-US" smtClean="0"/>
-              <a:t>10/1/2021</a:t>
+              <a:t>11/12/2021</a:t>
             </a:fld>
             <a:endParaRPr lang="en-US"/>
           </a:p>
@@ -878,7 +1058,7 @@
           <a:p>
             <a:fld id="{1D8BD707-D9CF-40AE-B4C6-C98DA3205C09}" type="datetimeFigureOut">
               <a:rPr lang="en-US"/>
-              <a:t>10/1/2021</a:t>
+              <a:t>11/12/2021</a:t>
             </a:fld>
             <a:endParaRPr lang="en-US"/>
           </a:p>
@@ -1062,7 +1242,7 @@
           <a:p>
             <a:fld id="{1D8BD707-D9CF-40AE-B4C6-C98DA3205C09}" type="datetimeFigureOut">
               <a:rPr lang="en-US"/>
-              <a:t>10/1/2021</a:t>
+              <a:t>11/12/2021</a:t>
             </a:fld>
             <a:endParaRPr lang="en-US"/>
           </a:p>
@@ -1364,7 +1544,7 @@
           <a:p>
             <a:fld id="{1D8BD707-D9CF-40AE-B4C6-C98DA3205C09}" type="datetimeFigureOut">
               <a:rPr lang="en-US"/>
-              <a:t>10/1/2021</a:t>
+              <a:t>11/12/2021</a:t>
             </a:fld>
             <a:endParaRPr lang="en-US"/>
           </a:p>
@@ -1618,29 +1798,26 @@
         </p:nvSpPr>
         <p:spPr>
           <a:xfrm>
-            <a:off x="95250" y="7228840"/>
-            <a:ext cx="2800350" cy="238760"/>
+            <a:off x="95250" y="7010400"/>
+            <a:ext cx="2884717" cy="227626"/>
           </a:xfrm>
           <a:prstGeom prst="rect">
             <a:avLst/>
           </a:prstGeom>
         </p:spPr>
         <p:txBody>
-          <a:bodyPr vert="horz" wrap="square" lIns="0" tIns="12065" rIns="0" bIns="0" rtlCol="0">
+          <a:bodyPr vert="horz" wrap="square" lIns="0" tIns="12065" rIns="0" bIns="0" rtlCol="0" anchor="t">
             <a:spAutoFit/>
           </a:bodyPr>
           <a:lstStyle/>
           <a:p>
             <a:pPr marL="12700">
-              <a:lnSpc>
-                <a:spcPct val="100000"/>
-              </a:lnSpc>
               <a:spcBef>
                 <a:spcPts val="95"/>
               </a:spcBef>
             </a:pPr>
             <a:r>
-              <a:rPr lang="it-IT" sz="1400" b="1" u="heavy">
+              <a:rPr lang="it-IT" sz="1400" b="1" u="heavy" dirty="0">
                 <a:solidFill>
                   <a:srgbClr val="020302"/>
                 </a:solidFill>
@@ -1652,7 +1829,7 @@
                 <a:latin typeface="Adobe Clean"/>
                 <a:cs typeface="Adobe Clean"/>
               </a:rPr>
-              <a:t>Obiettivi del livello di servizio: risposta iniziale</a:t>
+              <a:t>Obiettivi del livello di servizio: Risposta iniziale</a:t>
             </a:r>
           </a:p>
         </p:txBody>
@@ -1694,7 +1871,7 @@
         </p:nvSpPr>
         <p:spPr>
           <a:xfrm>
-            <a:off x="136772" y="813361"/>
+            <a:off x="136772" y="739271"/>
             <a:ext cx="6035427" cy="1089529"/>
           </a:xfrm>
           <a:prstGeom prst="rect">
@@ -1702,7 +1879,7 @@
           </a:prstGeom>
         </p:spPr>
         <p:txBody>
-          <a:bodyPr vert="horz" wrap="square" lIns="0" tIns="24130" rIns="0" bIns="0" rtlCol="0">
+          <a:bodyPr vert="horz" wrap="square" lIns="0" tIns="24130" rIns="0" bIns="0" rtlCol="0" anchor="t">
             <a:spAutoFit/>
           </a:bodyPr>
           <a:lstStyle/>
@@ -1720,6 +1897,7 @@
                 <a:solidFill>
                   <a:schemeClr val="bg1"/>
                 </a:solidFill>
+                <a:latin typeface="Adobe Clean" panose="020B0503020404020204" pitchFamily="34" charset="0"/>
               </a:rPr>
               <a:t>Online</a:t>
             </a:r>
@@ -1728,15 +1906,12 @@
                 <a:solidFill>
                   <a:schemeClr val="bg1"/>
                 </a:solidFill>
-                <a:latin typeface="Adobe Clean Light" panose="020B0303020404020204" pitchFamily="34" charset="0"/>
+                <a:latin typeface="Adobe Clean Light"/>
               </a:rPr>
               <a:t> | Business | Enterprise | Elite</a:t>
             </a:r>
             <a:br>
               <a:rPr lang="it-IT" sz="900" dirty="0">
-                <a:solidFill>
-                  <a:schemeClr val="bg1"/>
-                </a:solidFill>
                 <a:latin typeface="Adobe Clean Light" panose="020B0303020404020204" pitchFamily="34" charset="0"/>
               </a:rPr>
             </a:br>
@@ -1745,16 +1920,16 @@
                 <a:solidFill>
                   <a:schemeClr val="bg1"/>
                 </a:solidFill>
-                <a:latin typeface="Adobe Clean SemiLight" panose="020B0403020404020204" pitchFamily="34" charset="0"/>
+                <a:latin typeface="Adobe Clean SemiLight"/>
               </a:rPr>
               <a:t>Adobe offre una gamma completa di risorse tecniche per assistere la tua azienda, incluse nell’abbonamento Experience Cloud. </a:t>
             </a:r>
             <a:br>
-              <a:rPr lang="sk-SK" sz="900" dirty="0">
+              <a:rPr lang="it-IT" sz="900" dirty="0">
                 <a:solidFill>
                   <a:schemeClr val="bg1"/>
                 </a:solidFill>
-                <a:latin typeface="Adobe Clean SemiLight" panose="020B0403020404020204" pitchFamily="34" charset="0"/>
+                <a:latin typeface="Adobe Clean SemiLight"/>
               </a:rPr>
             </a:br>
             <a:r>
@@ -1762,16 +1937,50 @@
                 <a:solidFill>
                   <a:schemeClr val="bg1"/>
                 </a:solidFill>
-                <a:latin typeface="Adobe Clean SemiLight" panose="020B0403020404020204" pitchFamily="34" charset="0"/>
+                <a:latin typeface="Adobe Clean SemiLight"/>
               </a:rPr>
-              <a:t>Il supporto Online include l’accesso a percorsi di apprendimento personalizzati e forum della community monitorati tramite Adobe Experience League. Puoi inoltre usufruire di documentazione tecnica dettagliata e note sulla versione sempre aggiornate pubblicate su </a:t>
+              <a:t>Il supporto Online include l’accesso a percorsi di apprendimento personalizzati e forum della community monitorati tramite </a:t>
+            </a:r>
+            <a:br>
+              <a:rPr lang="it-IT" sz="900" dirty="0">
+                <a:solidFill>
+                  <a:schemeClr val="bg1"/>
+                </a:solidFill>
+                <a:latin typeface="Adobe Clean SemiLight"/>
+              </a:rPr>
+            </a:br>
+            <a:r>
+              <a:rPr lang="it-IT" sz="900" dirty="0">
+                <a:solidFill>
+                  <a:schemeClr val="bg1"/>
+                </a:solidFill>
+                <a:latin typeface="Adobe Clean SemiLight"/>
+              </a:rPr>
+              <a:t>Adobe Experience League. Puoi usufruire di documentazione tecnica dettagliata e note sulla versione sempre aggiornate </a:t>
+            </a:r>
+            <a:br>
+              <a:rPr lang="it-IT" sz="900" dirty="0">
+                <a:solidFill>
+                  <a:schemeClr val="bg1"/>
+                </a:solidFill>
+                <a:latin typeface="Adobe Clean SemiLight"/>
+              </a:rPr>
+            </a:br>
+            <a:r>
+              <a:rPr lang="it-IT" sz="900" dirty="0">
+                <a:solidFill>
+                  <a:schemeClr val="bg1"/>
+                </a:solidFill>
+                <a:latin typeface="Adobe Clean SemiLight"/>
+              </a:rPr>
+              <a:t>pubblicate sul sito </a:t>
             </a:r>
             <a:r>
               <a:rPr lang="it-IT" sz="900" u="sng" dirty="0">
                 <a:solidFill>
                   <a:schemeClr val="bg1"/>
                 </a:solidFill>
-                <a:latin typeface="Adobe Clean SemiLight" panose="020B0403020404020204" pitchFamily="34" charset="0"/>
+                <a:latin typeface="Adobe Clean SemiLight"/>
                 <a:hlinkClick r:id="rId4">
                   <a:extLst>
                     <a:ext uri="{A12FA001-AC4F-418D-AE19-62706E023703}">
@@ -1780,23 +1989,23 @@
                   </a:extLst>
                 </a:hlinkClick>
               </a:rPr>
-              <a:t>http://www.adobe.com</a:t>
+              <a:t>http://www.adobe.com. </a:t>
             </a:r>
             <a:r>
               <a:rPr lang="it-IT" sz="900" dirty="0">
                 <a:solidFill>
                   <a:schemeClr val="bg1"/>
                 </a:solidFill>
-                <a:latin typeface="Adobe Clean SemiLight" panose="020B0403020404020204" pitchFamily="34" charset="0"/>
+                <a:latin typeface="Adobe Clean SemiLight"/>
               </a:rPr>
-              <a:t> Il pacchetto Online include inoltre l’accesso telefonico ai team addetti al supporto tecnico per eventuali problemi di livello P1, per ricevere assistenza nei momenti più critici. Per problemi di minore criticità, è possibile inviare richieste </a:t>
+              <a:t>Il pacchetto Online include inoltre l’accesso telefonico ai team addetti al supporto </a:t>
             </a:r>
             <a:br>
-              <a:rPr lang="sk-SK" sz="900" dirty="0">
+              <a:rPr lang="it-IT" sz="900" dirty="0">
                 <a:solidFill>
                   <a:schemeClr val="bg1"/>
                 </a:solidFill>
-                <a:latin typeface="Adobe Clean SemiLight" panose="020B0403020404020204" pitchFamily="34" charset="0"/>
+                <a:latin typeface="Adobe Clean SemiLight"/>
               </a:rPr>
             </a:br>
             <a:r>
@@ -1804,9 +2013,26 @@
                 <a:solidFill>
                   <a:schemeClr val="bg1"/>
                 </a:solidFill>
-                <a:latin typeface="Adobe Clean SemiLight" panose="020B0403020404020204" pitchFamily="34" charset="0"/>
+                <a:latin typeface="Adobe Clean SemiLight"/>
               </a:rPr>
-              <a:t>di supporto tramite il portale web.</a:t>
+              <a:t>tecnico per eventuali problemi di livello P1, per ricevere assistenza nei momenti più critici. Per problemi di minore criticità, </a:t>
+            </a:r>
+            <a:br>
+              <a:rPr lang="it-IT" sz="900" dirty="0">
+                <a:solidFill>
+                  <a:schemeClr val="bg1"/>
+                </a:solidFill>
+                <a:latin typeface="Adobe Clean SemiLight"/>
+              </a:rPr>
+            </a:br>
+            <a:r>
+              <a:rPr lang="it-IT" sz="900" dirty="0">
+                <a:solidFill>
+                  <a:schemeClr val="bg1"/>
+                </a:solidFill>
+                <a:latin typeface="Adobe Clean SemiLight"/>
+              </a:rPr>
+              <a:t>è possibile inviare richieste di supporto tramite il portale web.</a:t>
             </a:r>
           </a:p>
         </p:txBody>
@@ -1849,14 +2075,14 @@
           <p:nvPr>
             <p:extLst>
               <p:ext uri="{D42A27DB-BD31-4B8C-83A1-F6EECF244321}">
-                <p14:modId xmlns:p14="http://schemas.microsoft.com/office/powerpoint/2010/main" val="3836167592"/>
+                <p14:modId xmlns:p14="http://schemas.microsoft.com/office/powerpoint/2010/main" val="4009173320"/>
               </p:ext>
             </p:extLst>
           </p:nvPr>
         </p:nvGraphicFramePr>
         <p:xfrm>
-          <a:off x="0" y="1938946"/>
-          <a:ext cx="7705343" cy="5300593"/>
+          <a:off x="0" y="1938947"/>
+          <a:ext cx="7705343" cy="5075528"/>
         </p:xfrm>
         <a:graphic>
           <a:graphicData uri="http://schemas.openxmlformats.org/drawingml/2006/table">
@@ -1915,7 +2141,7 @@
                   </a:extLst>
                 </a:gridCol>
               </a:tblGrid>
-              <a:tr h="218820">
+              <a:tr h="364367">
                 <a:tc gridSpan="2">
                   <a:txBody>
                     <a:bodyPr/>
@@ -2175,7 +2401,7 @@
                   </a:ext>
                 </a:extLst>
               </a:tr>
-              <a:tr h="0">
+              <a:tr h="364367">
                 <a:tc gridSpan="2">
                   <a:txBody>
                     <a:bodyPr/>
@@ -2335,7 +2561,7 @@
                   </a:ext>
                 </a:extLst>
               </a:tr>
-              <a:tr h="264424">
+              <a:tr h="250359">
                 <a:tc rowSpan="3">
                   <a:txBody>
                     <a:bodyPr/>
@@ -2600,7 +2826,7 @@
                   </a:ext>
                 </a:extLst>
               </a:tr>
-              <a:tr h="264424">
+              <a:tr h="250359">
                 <a:tc vMerge="1">
                   <a:txBody>
                     <a:bodyPr/>
@@ -2811,7 +3037,7 @@
                   </a:ext>
                 </a:extLst>
               </a:tr>
-              <a:tr h="264424">
+              <a:tr h="250359">
                 <a:tc vMerge="1">
                   <a:txBody>
                     <a:bodyPr/>
@@ -3067,7 +3293,7 @@
                   </a:ext>
                 </a:extLst>
               </a:tr>
-              <a:tr h="264424">
+              <a:tr h="250359">
                 <a:tc rowSpan="12">
                   <a:txBody>
                     <a:bodyPr/>
@@ -3368,7 +3594,7 @@
                   </a:ext>
                 </a:extLst>
               </a:tr>
-              <a:tr h="264424">
+              <a:tr h="250359">
                 <a:tc vMerge="1">
                   <a:txBody>
                     <a:bodyPr/>
@@ -3603,7 +3829,7 @@
                   </a:ext>
                 </a:extLst>
               </a:tr>
-              <a:tr h="264424">
+              <a:tr h="250359">
                 <a:tc vMerge="1">
                   <a:txBody>
                     <a:bodyPr/>
@@ -3838,7 +4064,7 @@
                   </a:ext>
                 </a:extLst>
               </a:tr>
-              <a:tr h="264424">
+              <a:tr h="250359">
                 <a:tc vMerge="1">
                   <a:txBody>
                     <a:bodyPr/>
@@ -4064,7 +4290,7 @@
                   </a:ext>
                 </a:extLst>
               </a:tr>
-              <a:tr h="264424">
+              <a:tr h="250359">
                 <a:tc vMerge="1">
                   <a:txBody>
                     <a:bodyPr/>
@@ -4290,7 +4516,7 @@
                   </a:ext>
                 </a:extLst>
               </a:tr>
-              <a:tr h="264424">
+              <a:tr h="250359">
                 <a:tc vMerge="1">
                   <a:txBody>
                     <a:bodyPr/>
@@ -4504,7 +4730,7 @@
                   </a:ext>
                 </a:extLst>
               </a:tr>
-              <a:tr h="264424">
+              <a:tr h="250359">
                 <a:tc vMerge="1">
                   <a:txBody>
                     <a:bodyPr/>
@@ -4680,7 +4906,7 @@
                   </a:ext>
                 </a:extLst>
               </a:tr>
-              <a:tr h="264424">
+              <a:tr h="250359">
                 <a:tc vMerge="1">
                   <a:txBody>
                     <a:bodyPr/>
@@ -4880,7 +5106,7 @@
                   </a:ext>
                 </a:extLst>
               </a:tr>
-              <a:tr h="264424">
+              <a:tr h="250359">
                 <a:tc vMerge="1">
                   <a:txBody>
                     <a:bodyPr/>
@@ -5085,7 +5311,7 @@
                   </a:ext>
                 </a:extLst>
               </a:tr>
-              <a:tr h="264424">
+              <a:tr h="250359">
                 <a:tc vMerge="1">
                   <a:txBody>
                     <a:bodyPr/>
@@ -5308,7 +5534,7 @@
                   </a:ext>
                 </a:extLst>
               </a:tr>
-              <a:tr h="264424">
+              <a:tr h="336533">
                 <a:tc vMerge="1">
                   <a:txBody>
                     <a:bodyPr/>
@@ -5373,7 +5599,7 @@
                         <a:t>Valutazione della roadmap di prodotti, versioni, </a:t>
                       </a:r>
                       <a:br>
-                        <a:rPr lang="sk-SK" sz="900" dirty="0">
+                        <a:rPr lang="it-IT" sz="900" dirty="0">
                           <a:solidFill>
                             <a:srgbClr val="020302"/>
                           </a:solidFill>
@@ -5532,7 +5758,7 @@
                   </a:ext>
                 </a:extLst>
               </a:tr>
-              <a:tr h="264424">
+              <a:tr h="250359">
                 <a:tc vMerge="1">
                   <a:txBody>
                     <a:bodyPr/>
@@ -5794,7 +6020,7 @@
                   </a:ext>
                 </a:extLst>
               </a:tr>
-              <a:tr h="264424">
+              <a:tr h="250359">
                 <a:tc rowSpan="2">
                   <a:txBody>
                     <a:bodyPr/>
@@ -5870,7 +6096,7 @@
                         </a:spcBef>
                       </a:pPr>
                       <a:r>
-                        <a:rPr lang="it-IT" sz="900">
+                        <a:rPr lang="it-IT" sz="900" dirty="0">
                           <a:solidFill>
                             <a:srgbClr val="020302"/>
                           </a:solidFill>
@@ -5890,7 +6116,7 @@
                         </a:spcBef>
                       </a:pPr>
                       <a:r>
-                        <a:rPr lang="it-IT" sz="900">
+                        <a:rPr lang="it-IT" sz="900" dirty="0">
                           <a:latin typeface="AdobeClean-Light"/>
                           <a:cs typeface="AdobeClean-Light"/>
                         </a:rPr>
@@ -6094,7 +6320,7 @@
                   </a:ext>
                 </a:extLst>
               </a:tr>
-              <a:tr h="264893">
+              <a:tr h="250803">
                 <a:tc vMerge="1">
                   <a:txBody>
                     <a:bodyPr/>
@@ -6359,14 +6585,14 @@
           <p:nvPr>
             <p:extLst>
               <p:ext uri="{D42A27DB-BD31-4B8C-83A1-F6EECF244321}">
-                <p14:modId xmlns:p14="http://schemas.microsoft.com/office/powerpoint/2010/main" val="1241654959"/>
+                <p14:modId xmlns:p14="http://schemas.microsoft.com/office/powerpoint/2010/main" val="2121050393"/>
               </p:ext>
             </p:extLst>
           </p:nvPr>
         </p:nvGraphicFramePr>
         <p:xfrm>
-          <a:off x="33527" y="7483227"/>
-          <a:ext cx="7705343" cy="2166120"/>
+          <a:off x="33527" y="7264787"/>
+          <a:ext cx="7705343" cy="2527574"/>
         </p:xfrm>
         <a:graphic>
           <a:graphicData uri="http://schemas.openxmlformats.org/drawingml/2006/table">
@@ -6511,11 +6737,14 @@
                       </a:solidFill>
                       <a:prstDash val="solid"/>
                     </a:lnT>
-                    <a:lnB w="76200">
+                    <a:lnB w="76200" cap="flat" cmpd="sng" algn="ctr">
                       <a:solidFill>
                         <a:srgbClr val="858585"/>
                       </a:solidFill>
                       <a:prstDash val="solid"/>
+                      <a:round/>
+                      <a:headEnd type="none" w="med" len="med"/>
+                      <a:tailEnd type="none" w="med" len="med"/>
                     </a:lnB>
                     <a:solidFill>
                       <a:srgbClr val="D9D9D9"/>
@@ -6566,11 +6795,14 @@
                       </a:solidFill>
                       <a:prstDash val="solid"/>
                     </a:lnT>
-                    <a:lnB w="76200">
+                    <a:lnB w="76200" cap="flat" cmpd="sng" algn="ctr">
                       <a:solidFill>
                         <a:srgbClr val="ACD2FF"/>
                       </a:solidFill>
                       <a:prstDash val="solid"/>
+                      <a:round/>
+                      <a:headEnd type="none" w="med" len="med"/>
+                      <a:tailEnd type="none" w="med" len="med"/>
                     </a:lnB>
                     <a:solidFill>
                       <a:srgbClr val="7D7D7D"/>
@@ -6621,11 +6853,14 @@
                       </a:solidFill>
                       <a:prstDash val="solid"/>
                     </a:lnT>
-                    <a:lnB w="76200">
+                    <a:lnB w="76200" cap="flat" cmpd="sng" algn="ctr">
                       <a:solidFill>
                         <a:srgbClr val="2E8FFF"/>
                       </a:solidFill>
                       <a:prstDash val="solid"/>
+                      <a:round/>
+                      <a:headEnd type="none" w="med" len="med"/>
+                      <a:tailEnd type="none" w="med" len="med"/>
                     </a:lnB>
                     <a:solidFill>
                       <a:srgbClr val="404040"/>
@@ -6676,11 +6911,14 @@
                       </a:solidFill>
                       <a:prstDash val="solid"/>
                     </a:lnT>
-                    <a:lnB w="76200">
+                    <a:lnB w="76200" cap="flat" cmpd="sng" algn="ctr">
                       <a:solidFill>
                         <a:srgbClr val="0068E1"/>
                       </a:solidFill>
                       <a:prstDash val="solid"/>
+                      <a:round/>
+                      <a:headEnd type="none" w="med" len="med"/>
+                      <a:tailEnd type="none" w="med" len="med"/>
                     </a:lnB>
                     <a:solidFill>
                       <a:srgbClr val="000000"/>
@@ -6728,17 +6966,98 @@
                         </a:spcBef>
                       </a:pPr>
                       <a:r>
-                        <a:rPr lang="it-IT" sz="800" b="0" i="0" dirty="0">
+                        <a:rPr lang="it-IT" sz="900" b="0" i="0" dirty="0">
                           <a:solidFill>
                             <a:srgbClr val="000000"/>
                           </a:solidFill>
                           <a:latin typeface="Adobe Clean Light" panose="020B0303020404020204" pitchFamily="34" charset="0"/>
                         </a:rPr>
-                        <a:t>Le funzioni operative nell’ambiente di produzione del cliente non sono disponibili oppure si verificano problemi significativi di perdita di dati o deterioramento del servizio ed è richiesto un intervento immediato per ripristinare funzionalità e usabilità. </a:t>
+                        <a:t>Le funzioni operative nell’ambiente di produzione del cliente non sono disponibili oppure si verificano problemi significativi di perdita di dati </a:t>
                       </a:r>
-                    </a:p>
-                  </a:txBody>
-                  <a:tcPr marL="0" marR="0" marT="0" marB="0" anchor="ctr">
+                      <a:br>
+                        <a:rPr lang="it-IT" sz="900" b="0" i="0" dirty="0">
+                          <a:solidFill>
+                            <a:srgbClr val="000000"/>
+                          </a:solidFill>
+                          <a:latin typeface="Adobe Clean Light" panose="020B0303020404020204" pitchFamily="34" charset="0"/>
+                        </a:rPr>
+                      </a:br>
+                      <a:r>
+                        <a:rPr lang="it-IT" sz="900" b="0" i="0" dirty="0">
+                          <a:solidFill>
+                            <a:srgbClr val="000000"/>
+                          </a:solidFill>
+                          <a:latin typeface="Adobe Clean Light" panose="020B0303020404020204" pitchFamily="34" charset="0"/>
+                        </a:rPr>
+                        <a:t>o deterioramento del servizio ed è richiesto un intervento immediato </a:t>
+                      </a:r>
+                      <a:br>
+                        <a:rPr lang="it-IT" sz="900" b="0" i="0" dirty="0">
+                          <a:solidFill>
+                            <a:srgbClr val="000000"/>
+                          </a:solidFill>
+                          <a:latin typeface="Adobe Clean Light" panose="020B0303020404020204" pitchFamily="34" charset="0"/>
+                        </a:rPr>
+                      </a:br>
+                      <a:r>
+                        <a:rPr lang="it-IT" sz="900" b="0" i="0" dirty="0">
+                          <a:solidFill>
+                            <a:srgbClr val="000000"/>
+                          </a:solidFill>
+                          <a:latin typeface="Adobe Clean Light" panose="020B0303020404020204" pitchFamily="34" charset="0"/>
+                        </a:rPr>
+                        <a:t>per ripristinare funzionalità e usabilità. </a:t>
+                      </a:r>
+                    </a:p>
+                  </a:txBody>
+                  <a:tcPr marL="0" marR="0" marT="0" marB="18000" anchor="ctr">
+                    <a:lnL w="3175">
+                      <a:solidFill>
+                        <a:srgbClr val="B7B8B8"/>
+                      </a:solidFill>
+                      <a:prstDash val="solid"/>
+                    </a:lnL>
+                    <a:lnR w="3175" cap="flat" cmpd="sng" algn="ctr">
+                      <a:solidFill>
+                        <a:srgbClr val="B7B8B8"/>
+                      </a:solidFill>
+                      <a:prstDash val="solid"/>
+                      <a:round/>
+                      <a:headEnd type="none" w="med" len="med"/>
+                      <a:tailEnd type="none" w="med" len="med"/>
+                    </a:lnR>
+                    <a:lnT w="3175">
+                      <a:solidFill>
+                        <a:srgbClr val="B7B8B8"/>
+                      </a:solidFill>
+                      <a:prstDash val="solid"/>
+                    </a:lnT>
+                    <a:lnB w="3175">
+                      <a:solidFill>
+                        <a:srgbClr val="B7B8B8"/>
+                      </a:solidFill>
+                      <a:prstDash val="solid"/>
+                    </a:lnB>
+                  </a:tcPr>
+                </a:tc>
+                <a:tc>
+                  <a:txBody>
+                    <a:bodyPr/>
+                    <a:lstStyle/>
+                    <a:p>
+                      <a:pPr algn="ctr" fontAlgn="t"/>
+                      <a:r>
+                        <a:rPr lang="it-IT" sz="900" b="0" i="0" u="none" strike="noStrike">
+                          <a:solidFill>
+                            <a:srgbClr val="020302"/>
+                          </a:solidFill>
+                          <a:latin typeface="AdobeClean-Light" panose="020B0503020404020204" pitchFamily="34" charset="0"/>
+                        </a:rPr>
+                        <a:t>24x7/1 ora</a:t>
+                      </a:r>
+                    </a:p>
+                  </a:txBody>
+                  <a:tcPr marL="9525" marR="9525" marT="9525" marB="0" anchor="ctr">
                     <a:lnL w="3175">
                       <a:solidFill>
                         <a:srgbClr val="B7B8B8"/>
@@ -6751,9 +7070,9 @@
                       </a:solidFill>
                       <a:prstDash val="solid"/>
                     </a:lnR>
-                    <a:lnT w="3175">
-                      <a:solidFill>
-                        <a:srgbClr val="B7B8B8"/>
+                    <a:lnT w="76200">
+                      <a:solidFill>
+                        <a:srgbClr val="858585"/>
                       </a:solidFill>
                       <a:prstDash val="solid"/>
                     </a:lnT>
@@ -6770,46 +7089,19 @@
                     <a:bodyPr/>
                     <a:lstStyle/>
                     <a:p>
-                      <a:pPr marL="173038" marR="325120" indent="0" algn="ctr">
-                        <a:lnSpc>
-                          <a:spcPct val="100000"/>
-                        </a:lnSpc>
-                        <a:spcBef>
-                          <a:spcPts val="670"/>
-                        </a:spcBef>
-                      </a:pPr>
+                      <a:pPr algn="ctr" fontAlgn="t"/>
                       <a:r>
-                        <a:rPr lang="it-IT" sz="900" dirty="0">
+                        <a:rPr lang="it-IT" sz="900" b="0" i="0" u="none" strike="noStrike">
                           <a:solidFill>
                             <a:srgbClr val="020302"/>
                           </a:solidFill>
-                          <a:latin typeface="AdobeClean-Light"/>
-                          <a:cs typeface="AdobeClean-Light"/>
-                        </a:rPr>
-                        <a:t>24x7 /  </a:t>
+                          <a:latin typeface="AdobeClean-Light" panose="020B0503020404020204" pitchFamily="34" charset="0"/>
+                        </a:rPr>
+                        <a:t>24x7/1 ora</a:t>
                       </a:r>
-                      <a:br>
-                        <a:rPr lang="sk-SK" sz="900" dirty="0">
-                          <a:solidFill>
-                            <a:srgbClr val="020302"/>
-                          </a:solidFill>
-                          <a:latin typeface="AdobeClean-Light"/>
-                          <a:cs typeface="AdobeClean-Light"/>
-                        </a:rPr>
-                      </a:br>
-                      <a:r>
-                        <a:rPr lang="it-IT" sz="900" dirty="0">
-                          <a:solidFill>
-                            <a:srgbClr val="020302"/>
-                          </a:solidFill>
-                          <a:latin typeface="AdobeClean-Light"/>
-                          <a:cs typeface="AdobeClean-Light"/>
-                        </a:rPr>
-                        <a:t>1 ora</a:t>
-                      </a:r>
-                    </a:p>
-                  </a:txBody>
-                  <a:tcPr marL="0" marR="0" marT="0" marB="0" anchor="ctr">
+                    </a:p>
+                  </a:txBody>
+                  <a:tcPr marL="9525" marR="9525" marT="9525" marB="0" anchor="ctr">
                     <a:lnL w="3175">
                       <a:solidFill>
                         <a:srgbClr val="B7B8B8"/>
@@ -6824,7 +7116,7 @@
                     </a:lnR>
                     <a:lnT w="76200">
                       <a:solidFill>
-                        <a:srgbClr val="858585"/>
+                        <a:srgbClr val="ACD2FF"/>
                       </a:solidFill>
                       <a:prstDash val="solid"/>
                     </a:lnT>
@@ -6841,27 +7133,19 @@
                     <a:bodyPr/>
                     <a:lstStyle/>
                     <a:p>
-                      <a:pPr marL="0" marR="325755" indent="-3810" algn="ctr">
-                        <a:lnSpc>
-                          <a:spcPct val="100000"/>
-                        </a:lnSpc>
-                        <a:spcBef>
-                          <a:spcPts val="670"/>
-                        </a:spcBef>
-                      </a:pPr>
+                      <a:pPr algn="ctr" fontAlgn="t"/>
                       <a:r>
-                        <a:rPr lang="it-IT" sz="900" dirty="0">
+                        <a:rPr lang="it-IT" sz="900" b="0" i="0" u="none" strike="noStrike">
                           <a:solidFill>
                             <a:srgbClr val="020302"/>
                           </a:solidFill>
-                          <a:latin typeface="AdobeClean-Light"/>
-                          <a:cs typeface="AdobeClean-Light"/>
-                        </a:rPr>
-                        <a:t>24x7 /              1 ora</a:t>
+                          <a:latin typeface="AdobeClean-Light" panose="020B0503020404020204" pitchFamily="34" charset="0"/>
+                        </a:rPr>
+                        <a:t>24x7/30 minuti</a:t>
                       </a:r>
                     </a:p>
                   </a:txBody>
-                  <a:tcPr marL="0" marR="0" marT="0" marB="0" anchor="ctr">
+                  <a:tcPr marL="9525" marR="9525" marT="9525" marB="0" anchor="ctr">
                     <a:lnL w="3175">
                       <a:solidFill>
                         <a:srgbClr val="B7B8B8"/>
@@ -6876,7 +7160,7 @@
                     </a:lnR>
                     <a:lnT w="76200">
                       <a:solidFill>
-                        <a:srgbClr val="ACD2FF"/>
+                        <a:srgbClr val="2E8FFF"/>
                       </a:solidFill>
                       <a:prstDash val="solid"/>
                     </a:lnT>
@@ -6893,79 +7177,19 @@
                     <a:bodyPr/>
                     <a:lstStyle/>
                     <a:p>
-                      <a:pPr marL="0" marR="258445" indent="115570" algn="ctr">
-                        <a:lnSpc>
-                          <a:spcPct val="100000"/>
-                        </a:lnSpc>
-                        <a:spcBef>
-                          <a:spcPts val="670"/>
-                        </a:spcBef>
-                      </a:pPr>
+                      <a:pPr algn="ctr" fontAlgn="t"/>
                       <a:r>
-                        <a:rPr lang="it-IT" sz="900">
+                        <a:rPr lang="it-IT" sz="900" b="0" i="0" u="none" strike="noStrike">
                           <a:solidFill>
                             <a:srgbClr val="020302"/>
                           </a:solidFill>
-                          <a:latin typeface="AdobeClean-Light"/>
-                          <a:cs typeface="AdobeClean-Light"/>
-                        </a:rPr>
-                        <a:t>24x7 /           30 minuti</a:t>
+                          <a:latin typeface="AdobeClean-Light" panose="020B0503020404020204" pitchFamily="34" charset="0"/>
+                        </a:rPr>
+                        <a:t>24x7/15 minuti</a:t>
                       </a:r>
                     </a:p>
                   </a:txBody>
-                  <a:tcPr marL="0" marR="0" marT="0" marB="0" anchor="ctr">
-                    <a:lnL w="3175">
-                      <a:solidFill>
-                        <a:srgbClr val="B7B8B8"/>
-                      </a:solidFill>
-                      <a:prstDash val="solid"/>
-                    </a:lnL>
-                    <a:lnR w="3175">
-                      <a:solidFill>
-                        <a:srgbClr val="B7B8B8"/>
-                      </a:solidFill>
-                      <a:prstDash val="solid"/>
-                    </a:lnR>
-                    <a:lnT w="76200">
-                      <a:solidFill>
-                        <a:srgbClr val="2E8FFF"/>
-                      </a:solidFill>
-                      <a:prstDash val="solid"/>
-                    </a:lnT>
-                    <a:lnB w="3175">
-                      <a:solidFill>
-                        <a:srgbClr val="B7B8B8"/>
-                      </a:solidFill>
-                      <a:prstDash val="solid"/>
-                    </a:lnB>
-                  </a:tcPr>
-                </a:tc>
-                <a:tc>
-                  <a:txBody>
-                    <a:bodyPr/>
-                    <a:lstStyle/>
-                    <a:p>
-                      <a:pPr marL="0" marR="271780" indent="103505" algn="ctr">
-                        <a:lnSpc>
-                          <a:spcPct val="100000"/>
-                        </a:lnSpc>
-                        <a:spcBef>
-                          <a:spcPts val="670"/>
-                        </a:spcBef>
-                      </a:pPr>
-                      <a:r>
-                        <a:rPr lang="it-IT" sz="900">
-                          <a:solidFill>
-                            <a:srgbClr val="020302"/>
-                          </a:solidFill>
-                          <a:latin typeface="AdobeClean-Light"/>
-                          <a:cs typeface="AdobeClean-Light"/>
-                        </a:rPr>
-                        <a:t>24x7 /         15 minuti</a:t>
-                      </a:r>
-                    </a:p>
-                  </a:txBody>
-                  <a:tcPr marL="0" marR="0" marT="0" marB="0" anchor="ctr">
+                  <a:tcPr marL="9525" marR="9525" marT="9525" marB="0" anchor="ctr">
                     <a:lnL w="3175">
                       <a:solidFill>
                         <a:srgbClr val="B7B8B8"/>
@@ -7042,17 +7266,98 @@
                         <a:defRPr/>
                       </a:pPr>
                       <a:r>
-                        <a:rPr lang="it-IT" sz="800" b="0" i="0" dirty="0">
+                        <a:rPr lang="it-IT" sz="900" b="0" i="0" dirty="0">
                           <a:solidFill>
                             <a:srgbClr val="000000"/>
                           </a:solidFill>
                           <a:latin typeface="Adobe Clean Light" panose="020B0303020404020204" pitchFamily="34" charset="0"/>
                         </a:rPr>
-                        <a:t>Le funzioni operative del cliente hanno subìto un notevole deterioramento del servizio o potenziale perdita di dati, oppure un problema interessa una funzione importante. </a:t>
+                        <a:t>Le funzioni operative del cliente hanno subìto un notevole deterioramento </a:t>
                       </a:r>
-                    </a:p>
-                  </a:txBody>
-                  <a:tcPr marL="0" marR="0" marT="0" marB="0" anchor="ctr">
+                      <a:br>
+                        <a:rPr lang="it-IT" sz="900" b="0" i="0" dirty="0">
+                          <a:solidFill>
+                            <a:srgbClr val="000000"/>
+                          </a:solidFill>
+                          <a:latin typeface="Adobe Clean Light" panose="020B0303020404020204" pitchFamily="34" charset="0"/>
+                        </a:rPr>
+                      </a:br>
+                      <a:r>
+                        <a:rPr lang="it-IT" sz="900" b="0" i="0" dirty="0">
+                          <a:solidFill>
+                            <a:srgbClr val="000000"/>
+                          </a:solidFill>
+                          <a:latin typeface="Adobe Clean Light" panose="020B0303020404020204" pitchFamily="34" charset="0"/>
+                        </a:rPr>
+                        <a:t>del servizio o potenziale perdita di dati, oppure un problema interessa una funzione importante. </a:t>
+                      </a:r>
+                    </a:p>
+                  </a:txBody>
+                  <a:tcPr marL="0" marR="0" marT="0" marB="18000" anchor="ctr">
+                    <a:lnL w="3175">
+                      <a:solidFill>
+                        <a:srgbClr val="B7B8B8"/>
+                      </a:solidFill>
+                      <a:prstDash val="solid"/>
+                    </a:lnL>
+                    <a:lnR w="3175" cap="flat" cmpd="sng" algn="ctr">
+                      <a:solidFill>
+                        <a:srgbClr val="B7B8B8"/>
+                      </a:solidFill>
+                      <a:prstDash val="solid"/>
+                      <a:round/>
+                      <a:headEnd type="none" w="med" len="med"/>
+                      <a:tailEnd type="none" w="med" len="med"/>
+                    </a:lnR>
+                    <a:lnT w="3175">
+                      <a:solidFill>
+                        <a:srgbClr val="B7B8B8"/>
+                      </a:solidFill>
+                      <a:prstDash val="solid"/>
+                    </a:lnT>
+                    <a:lnB w="3175">
+                      <a:solidFill>
+                        <a:srgbClr val="B7B8B8"/>
+                      </a:solidFill>
+                      <a:prstDash val="solid"/>
+                    </a:lnB>
+                  </a:tcPr>
+                </a:tc>
+                <a:tc>
+                  <a:txBody>
+                    <a:bodyPr/>
+                    <a:lstStyle/>
+                    <a:p>
+                      <a:pPr algn="ctr" fontAlgn="t"/>
+                      <a:r>
+                        <a:rPr lang="it-IT" sz="900" b="0" i="0" u="none" strike="noStrike" dirty="0">
+                          <a:solidFill>
+                            <a:srgbClr val="020302"/>
+                          </a:solidFill>
+                          <a:latin typeface="AdobeClean-Light" panose="020B0503020404020204" pitchFamily="34" charset="0"/>
+                        </a:rPr>
+                        <a:t>Orario operativo/</a:t>
+                      </a:r>
+                      <a:br>
+                        <a:rPr lang="it-IT" sz="900" b="0" i="0" u="none" strike="noStrike" dirty="0">
+                          <a:solidFill>
+                            <a:srgbClr val="020302"/>
+                          </a:solidFill>
+                          <a:latin typeface="AdobeClean-Light" panose="020B0503020404020204" pitchFamily="34" charset="0"/>
+                        </a:rPr>
+                      </a:br>
+                      <a:r>
+                        <a:rPr lang="it-IT" sz="900" b="0" i="0" u="none" strike="noStrike" dirty="0">
+                          <a:solidFill>
+                            <a:srgbClr val="020302"/>
+                          </a:solidFill>
+                          <a:latin typeface="AdobeClean-Light" panose="020B0503020404020204" pitchFamily="34" charset="0"/>
+                        </a:rPr>
+                        <a:t>4 ore</a:t>
+                      </a:r>
+                    </a:p>
+                  </a:txBody>
+                  <a:tcPr marL="9525" marR="9525" marT="9525" marB="0" anchor="ctr">
                     <a:lnL w="3175">
                       <a:solidFill>
                         <a:srgbClr val="B7B8B8"/>
@@ -7084,27 +7389,36 @@
                     <a:bodyPr/>
                     <a:lstStyle/>
                     <a:p>
-                      <a:pPr marL="0" marR="184785" indent="-193675" algn="ctr">
-                        <a:lnSpc>
-                          <a:spcPct val="100000"/>
-                        </a:lnSpc>
-                        <a:spcBef>
-                          <a:spcPts val="670"/>
-                        </a:spcBef>
-                      </a:pPr>
+                      <a:pPr algn="ctr" fontAlgn="t"/>
                       <a:r>
-                        <a:rPr lang="it-IT" sz="900" dirty="0">
+                        <a:rPr lang="it-IT" sz="900" b="0" i="0" u="none" strike="noStrike" dirty="0">
                           <a:solidFill>
                             <a:srgbClr val="020302"/>
                           </a:solidFill>
-                          <a:latin typeface="AdobeClean-Light"/>
-                          <a:cs typeface="AdobeClean-Light"/>
-                        </a:rPr>
-                        <a:t>Orario operativo / 4 ore</a:t>
+                          <a:latin typeface="AdobeClean-Light" panose="020B0503020404020204" pitchFamily="34" charset="0"/>
+                        </a:rPr>
+                        <a:t>Orario operativo/</a:t>
                       </a:r>
-                    </a:p>
-                  </a:txBody>
-                  <a:tcPr marL="0" marR="0" marT="0" marB="0" anchor="ctr">
+                      <a:br>
+                        <a:rPr lang="it-IT" sz="900" b="0" i="0" u="none" strike="noStrike" dirty="0">
+                          <a:solidFill>
+                            <a:srgbClr val="020302"/>
+                          </a:solidFill>
+                          <a:latin typeface="AdobeClean-Light" panose="020B0503020404020204" pitchFamily="34" charset="0"/>
+                        </a:rPr>
+                      </a:br>
+                      <a:r>
+                        <a:rPr lang="it-IT" sz="900" b="0" i="0" u="none" strike="noStrike" dirty="0">
+                          <a:solidFill>
+                            <a:srgbClr val="020302"/>
+                          </a:solidFill>
+                          <a:latin typeface="AdobeClean-Light" panose="020B0503020404020204" pitchFamily="34" charset="0"/>
+                        </a:rPr>
+                        <a:t>2 ore</a:t>
+                      </a:r>
+                    </a:p>
+                  </a:txBody>
+                  <a:tcPr marL="9525" marR="9525" marT="9525" marB="0" anchor="ctr">
                     <a:lnL w="3175">
                       <a:solidFill>
                         <a:srgbClr val="B7B8B8"/>
@@ -7136,27 +7450,19 @@
                     <a:bodyPr/>
                     <a:lstStyle/>
                     <a:p>
-                      <a:pPr marL="0" marR="184785" indent="-194310" algn="ctr">
-                        <a:lnSpc>
-                          <a:spcPct val="100000"/>
-                        </a:lnSpc>
-                        <a:spcBef>
-                          <a:spcPts val="670"/>
-                        </a:spcBef>
-                      </a:pPr>
+                      <a:pPr algn="ctr" fontAlgn="t"/>
                       <a:r>
-                        <a:rPr lang="it-IT" sz="900">
+                        <a:rPr lang="it-IT" sz="900" b="0" i="0" u="none" strike="noStrike">
                           <a:solidFill>
                             <a:srgbClr val="020302"/>
                           </a:solidFill>
-                          <a:latin typeface="AdobeClean-Light"/>
-                          <a:cs typeface="AdobeClean-Light"/>
-                        </a:rPr>
-                        <a:t>Orario operativo /          2 ore</a:t>
+                          <a:latin typeface="AdobeClean-Light" panose="020B0503020404020204" pitchFamily="34" charset="0"/>
+                        </a:rPr>
+                        <a:t>24x5/1 ora</a:t>
                       </a:r>
                     </a:p>
                   </a:txBody>
-                  <a:tcPr marL="0" marR="0" marT="0" marB="0" anchor="ctr">
+                  <a:tcPr marL="9525" marR="9525" marT="9525" marB="0" anchor="ctr">
                     <a:lnL w="3175">
                       <a:solidFill>
                         <a:srgbClr val="B7B8B8"/>
@@ -7188,79 +7494,19 @@
                     <a:bodyPr/>
                     <a:lstStyle/>
                     <a:p>
-                      <a:pPr marL="0" marR="325755" indent="-5715" algn="ctr">
-                        <a:lnSpc>
-                          <a:spcPct val="100000"/>
-                        </a:lnSpc>
-                        <a:spcBef>
-                          <a:spcPts val="670"/>
-                        </a:spcBef>
-                      </a:pPr>
+                      <a:pPr algn="ctr" fontAlgn="t"/>
                       <a:r>
-                        <a:rPr lang="it-IT" sz="900">
+                        <a:rPr lang="it-IT" sz="900" b="0" i="0" u="none" strike="noStrike">
                           <a:solidFill>
                             <a:srgbClr val="020302"/>
                           </a:solidFill>
-                          <a:latin typeface="AdobeClean-Light"/>
-                          <a:cs typeface="AdobeClean-Light"/>
-                        </a:rPr>
-                        <a:t>24x5 /                1 ora</a:t>
+                          <a:latin typeface="AdobeClean-Light" panose="020B0503020404020204" pitchFamily="34" charset="0"/>
+                        </a:rPr>
+                        <a:t>24x5/30 minuti</a:t>
                       </a:r>
                     </a:p>
                   </a:txBody>
-                  <a:tcPr marL="0" marR="0" marT="0" marB="0" anchor="ctr">
-                    <a:lnL w="3175">
-                      <a:solidFill>
-                        <a:srgbClr val="B7B8B8"/>
-                      </a:solidFill>
-                      <a:prstDash val="solid"/>
-                    </a:lnL>
-                    <a:lnR w="3175">
-                      <a:solidFill>
-                        <a:srgbClr val="B7B8B8"/>
-                      </a:solidFill>
-                      <a:prstDash val="solid"/>
-                    </a:lnR>
-                    <a:lnT w="3175">
-                      <a:solidFill>
-                        <a:srgbClr val="B7B8B8"/>
-                      </a:solidFill>
-                      <a:prstDash val="solid"/>
-                    </a:lnT>
-                    <a:lnB w="3175">
-                      <a:solidFill>
-                        <a:srgbClr val="B7B8B8"/>
-                      </a:solidFill>
-                      <a:prstDash val="solid"/>
-                    </a:lnB>
-                  </a:tcPr>
-                </a:tc>
-                <a:tc>
-                  <a:txBody>
-                    <a:bodyPr/>
-                    <a:lstStyle/>
-                    <a:p>
-                      <a:pPr marL="0" marR="259079" indent="111760" algn="ctr">
-                        <a:lnSpc>
-                          <a:spcPct val="100000"/>
-                        </a:lnSpc>
-                        <a:spcBef>
-                          <a:spcPts val="670"/>
-                        </a:spcBef>
-                      </a:pPr>
-                      <a:r>
-                        <a:rPr lang="it-IT" sz="900">
-                          <a:solidFill>
-                            <a:srgbClr val="020302"/>
-                          </a:solidFill>
-                          <a:latin typeface="AdobeClean-Light"/>
-                          <a:cs typeface="AdobeClean-Light"/>
-                        </a:rPr>
-                        <a:t>24x5 /         30 minuti</a:t>
-                      </a:r>
-                    </a:p>
-                  </a:txBody>
-                  <a:tcPr marL="0" marR="0" marT="0" marB="0" anchor="ctr">
+                  <a:tcPr marL="9525" marR="9525" marT="9525" marB="0" anchor="ctr">
                     <a:lnL w="3175">
                       <a:solidFill>
                         <a:srgbClr val="B7B8B8"/>
@@ -7337,7 +7583,7 @@
                         <a:defRPr/>
                       </a:pPr>
                       <a:r>
-                        <a:rPr kumimoji="0" lang="it-IT" sz="800" b="0" i="0" u="none" strike="noStrike" cap="none" normalizeH="0" baseline="0" noProof="0" dirty="0">
+                        <a:rPr kumimoji="0" lang="it-IT" sz="900" b="0" i="0" u="none" strike="noStrike" cap="none" normalizeH="0" baseline="0" noProof="0" dirty="0">
                           <a:ln>
                             <a:noFill/>
                           </a:ln>
@@ -7361,11 +7607,14 @@
                       </a:solidFill>
                       <a:prstDash val="solid"/>
                     </a:lnL>
-                    <a:lnR w="3175">
+                    <a:lnR w="3175" cap="flat" cmpd="sng" algn="ctr">
                       <a:solidFill>
                         <a:srgbClr val="B7B8B8"/>
                       </a:solidFill>
                       <a:prstDash val="solid"/>
+                      <a:round/>
+                      <a:headEnd type="none" w="med" len="med"/>
+                      <a:tailEnd type="none" w="med" len="med"/>
                     </a:lnR>
                     <a:lnT w="3175">
                       <a:solidFill>
@@ -7386,46 +7635,36 @@
                     <a:bodyPr/>
                     <a:lstStyle/>
                     <a:p>
-                      <a:pPr marL="0" marR="184150" indent="61913" algn="ctr">
-                        <a:lnSpc>
-                          <a:spcPct val="100000"/>
-                        </a:lnSpc>
-                        <a:spcBef>
-                          <a:spcPts val="645"/>
-                        </a:spcBef>
-                      </a:pPr>
+                      <a:pPr algn="ctr" fontAlgn="t"/>
                       <a:r>
-                        <a:rPr lang="it-IT" sz="900" dirty="0">
+                        <a:rPr lang="it-IT" sz="900" b="0" i="0" u="none" strike="noStrike" dirty="0">
                           <a:solidFill>
                             <a:srgbClr val="020302"/>
                           </a:solidFill>
-                          <a:latin typeface="AdobeClean-Light"/>
-                          <a:cs typeface="AdobeClean-Light"/>
-                        </a:rPr>
-                        <a:t>Orario operativo / </a:t>
+                          <a:latin typeface="AdobeClean-Light" panose="020B0503020404020204" pitchFamily="34" charset="0"/>
+                        </a:rPr>
+                        <a:t>Orario operativo/</a:t>
                       </a:r>
                       <a:br>
-                        <a:rPr lang="sk-SK" sz="900" dirty="0">
+                        <a:rPr lang="it-IT" sz="900" b="0" i="0" u="none" strike="noStrike" dirty="0">
                           <a:solidFill>
                             <a:srgbClr val="020302"/>
                           </a:solidFill>
-                          <a:latin typeface="AdobeClean-Light"/>
-                          <a:cs typeface="AdobeClean-Light"/>
+                          <a:latin typeface="AdobeClean-Light" panose="020B0503020404020204" pitchFamily="34" charset="0"/>
                         </a:rPr>
                       </a:br>
                       <a:r>
-                        <a:rPr lang="it-IT" sz="900" dirty="0">
+                        <a:rPr lang="it-IT" sz="900" b="0" i="0" u="none" strike="noStrike" dirty="0">
                           <a:solidFill>
                             <a:srgbClr val="020302"/>
                           </a:solidFill>
-                          <a:latin typeface="AdobeClean-Light"/>
-                          <a:cs typeface="AdobeClean-Light"/>
+                          <a:latin typeface="AdobeClean-Light" panose="020B0503020404020204" pitchFamily="34" charset="0"/>
                         </a:rPr>
                         <a:t>6 ore</a:t>
                       </a:r>
                     </a:p>
                   </a:txBody>
-                  <a:tcPr marL="0" marR="0" marT="0" marB="0" anchor="ctr">
+                  <a:tcPr marL="9525" marR="9525" marT="9525" marB="0" anchor="ctr">
                     <a:lnL w="3175">
                       <a:solidFill>
                         <a:srgbClr val="B7B8B8"/>
@@ -7457,27 +7696,36 @@
                     <a:bodyPr/>
                     <a:lstStyle/>
                     <a:p>
-                      <a:pPr marL="0" marR="185420" indent="-193675" algn="ctr">
-                        <a:lnSpc>
-                          <a:spcPct val="100000"/>
-                        </a:lnSpc>
-                        <a:spcBef>
-                          <a:spcPts val="645"/>
-                        </a:spcBef>
-                      </a:pPr>
+                      <a:pPr algn="ctr" fontAlgn="t"/>
                       <a:r>
-                        <a:rPr lang="it-IT" sz="900">
+                        <a:rPr lang="it-IT" sz="900" b="0" i="0" u="none" strike="noStrike" dirty="0">
                           <a:solidFill>
                             <a:srgbClr val="020302"/>
                           </a:solidFill>
-                          <a:latin typeface="AdobeClean-Light"/>
-                          <a:cs typeface="AdobeClean-Light"/>
-                        </a:rPr>
-                        <a:t>Orario operativo /  4 ore</a:t>
+                          <a:latin typeface="AdobeClean-Light" panose="020B0503020404020204" pitchFamily="34" charset="0"/>
+                        </a:rPr>
+                        <a:t>Orario operativo/</a:t>
                       </a:r>
-                    </a:p>
-                  </a:txBody>
-                  <a:tcPr marL="0" marR="0" marT="0" marB="0" anchor="ctr">
+                      <a:br>
+                        <a:rPr lang="it-IT" sz="900" b="0" i="0" u="none" strike="noStrike" dirty="0">
+                          <a:solidFill>
+                            <a:srgbClr val="020302"/>
+                          </a:solidFill>
+                          <a:latin typeface="AdobeClean-Light" panose="020B0503020404020204" pitchFamily="34" charset="0"/>
+                        </a:rPr>
+                      </a:br>
+                      <a:r>
+                        <a:rPr lang="it-IT" sz="900" b="0" i="0" u="none" strike="noStrike" dirty="0">
+                          <a:solidFill>
+                            <a:srgbClr val="020302"/>
+                          </a:solidFill>
+                          <a:latin typeface="AdobeClean-Light" panose="020B0503020404020204" pitchFamily="34" charset="0"/>
+                        </a:rPr>
+                        <a:t>4 ore</a:t>
+                      </a:r>
+                    </a:p>
+                  </a:txBody>
+                  <a:tcPr marL="9525" marR="9525" marT="9525" marB="0" anchor="ctr">
                     <a:lnL w="3175">
                       <a:solidFill>
                         <a:srgbClr val="B7B8B8"/>
@@ -7509,27 +7757,36 @@
                     <a:bodyPr/>
                     <a:lstStyle/>
                     <a:p>
-                      <a:pPr marL="0" marR="184785" indent="-194310" algn="ctr">
-                        <a:lnSpc>
-                          <a:spcPct val="100000"/>
-                        </a:lnSpc>
-                        <a:spcBef>
-                          <a:spcPts val="645"/>
-                        </a:spcBef>
-                      </a:pPr>
+                      <a:pPr algn="ctr" fontAlgn="t"/>
                       <a:r>
-                        <a:rPr lang="it-IT" sz="900">
+                        <a:rPr lang="it-IT" sz="900" b="0" i="0" u="none" strike="noStrike" dirty="0">
                           <a:solidFill>
                             <a:srgbClr val="020302"/>
                           </a:solidFill>
-                          <a:latin typeface="AdobeClean-Light"/>
-                          <a:cs typeface="AdobeClean-Light"/>
-                        </a:rPr>
-                        <a:t>Orario operativo /     2 ore</a:t>
+                          <a:latin typeface="AdobeClean-Light" panose="020B0503020404020204" pitchFamily="34" charset="0"/>
+                        </a:rPr>
+                        <a:t>Orario operativo/</a:t>
                       </a:r>
-                    </a:p>
-                  </a:txBody>
-                  <a:tcPr marL="0" marR="0" marT="0" marB="0" anchor="ctr">
+                      <a:br>
+                        <a:rPr lang="it-IT" sz="900" b="0" i="0" u="none" strike="noStrike" dirty="0">
+                          <a:solidFill>
+                            <a:srgbClr val="020302"/>
+                          </a:solidFill>
+                          <a:latin typeface="AdobeClean-Light" panose="020B0503020404020204" pitchFamily="34" charset="0"/>
+                        </a:rPr>
+                      </a:br>
+                      <a:r>
+                        <a:rPr lang="it-IT" sz="900" b="0" i="0" u="none" strike="noStrike" dirty="0">
+                          <a:solidFill>
+                            <a:srgbClr val="020302"/>
+                          </a:solidFill>
+                          <a:latin typeface="AdobeClean-Light" panose="020B0503020404020204" pitchFamily="34" charset="0"/>
+                        </a:rPr>
+                        <a:t>2 ore</a:t>
+                      </a:r>
+                    </a:p>
+                  </a:txBody>
+                  <a:tcPr marL="9525" marR="9525" marT="9525" marB="0" anchor="ctr">
                     <a:lnL w="3175">
                       <a:solidFill>
                         <a:srgbClr val="B7B8B8"/>
@@ -7561,46 +7818,19 @@
                     <a:bodyPr/>
                     <a:lstStyle/>
                     <a:p>
-                      <a:pPr marL="173038" marR="326390" indent="0" algn="ctr">
-                        <a:lnSpc>
-                          <a:spcPct val="100000"/>
-                        </a:lnSpc>
-                        <a:spcBef>
-                          <a:spcPts val="645"/>
-                        </a:spcBef>
-                      </a:pPr>
+                      <a:pPr algn="ctr" fontAlgn="t"/>
                       <a:r>
-                        <a:rPr lang="it-IT" sz="900" dirty="0">
+                        <a:rPr lang="it-IT" sz="900" b="0" i="0" u="none" strike="noStrike">
                           <a:solidFill>
                             <a:srgbClr val="020302"/>
                           </a:solidFill>
-                          <a:latin typeface="AdobeClean-Light"/>
-                          <a:cs typeface="AdobeClean-Light"/>
-                        </a:rPr>
-                        <a:t>24x5 / </a:t>
+                          <a:latin typeface="AdobeClean-Light" panose="020B0503020404020204" pitchFamily="34" charset="0"/>
+                        </a:rPr>
+                        <a:t>24x5/1 ora</a:t>
                       </a:r>
-                      <a:br>
-                        <a:rPr lang="sk-SK" sz="900" dirty="0">
-                          <a:solidFill>
-                            <a:srgbClr val="020302"/>
-                          </a:solidFill>
-                          <a:latin typeface="AdobeClean-Light"/>
-                          <a:cs typeface="AdobeClean-Light"/>
-                        </a:rPr>
-                      </a:br>
-                      <a:r>
-                        <a:rPr lang="it-IT" sz="900" dirty="0">
-                          <a:solidFill>
-                            <a:srgbClr val="020302"/>
-                          </a:solidFill>
-                          <a:latin typeface="AdobeClean-Light"/>
-                          <a:cs typeface="AdobeClean-Light"/>
-                        </a:rPr>
-                        <a:t>1 ora</a:t>
-                      </a:r>
-                    </a:p>
-                  </a:txBody>
-                  <a:tcPr marL="0" marR="0" marT="0" marB="0" anchor="ctr">
+                    </a:p>
+                  </a:txBody>
+                  <a:tcPr marL="9525" marR="9525" marT="9525" marB="0" anchor="ctr">
                     <a:lnL w="3175">
                       <a:solidFill>
                         <a:srgbClr val="B7B8B8"/>
@@ -7677,17 +7907,98 @@
                         <a:defRPr/>
                       </a:pPr>
                       <a:r>
-                        <a:rPr lang="it-IT" sz="800" b="0" i="0" dirty="0">
+                        <a:rPr lang="it-IT" sz="900" b="0" i="0" dirty="0">
                           <a:solidFill>
                             <a:srgbClr val="000000"/>
                           </a:solidFill>
                           <a:latin typeface="Adobe Clean Light" panose="020B0303020404020204" pitchFamily="34" charset="0"/>
                         </a:rPr>
-                        <a:t>Domande generali sulle attuali funzionalità del prodotto o su una richiesta di miglioramento </a:t>
+                        <a:t>Domande generali sulle attuali funzionalità del prodotto o su una richiesta </a:t>
                       </a:r>
-                    </a:p>
-                  </a:txBody>
-                  <a:tcPr marL="0" marR="0" marT="0" marB="0" anchor="ctr">
+                      <a:br>
+                        <a:rPr lang="it-IT" sz="900" b="0" i="0" dirty="0">
+                          <a:solidFill>
+                            <a:srgbClr val="000000"/>
+                          </a:solidFill>
+                          <a:latin typeface="Adobe Clean Light" panose="020B0303020404020204" pitchFamily="34" charset="0"/>
+                        </a:rPr>
+                      </a:br>
+                      <a:r>
+                        <a:rPr lang="it-IT" sz="900" b="0" i="0" dirty="0">
+                          <a:solidFill>
+                            <a:srgbClr val="000000"/>
+                          </a:solidFill>
+                          <a:latin typeface="Adobe Clean Light" panose="020B0303020404020204" pitchFamily="34" charset="0"/>
+                        </a:rPr>
+                        <a:t>di miglioramento </a:t>
+                      </a:r>
+                    </a:p>
+                  </a:txBody>
+                  <a:tcPr marL="0" marR="0" marT="0" marB="18000" anchor="ctr">
+                    <a:lnL w="3175">
+                      <a:solidFill>
+                        <a:srgbClr val="B7B8B8"/>
+                      </a:solidFill>
+                      <a:prstDash val="solid"/>
+                    </a:lnL>
+                    <a:lnR w="3175" cap="flat" cmpd="sng" algn="ctr">
+                      <a:solidFill>
+                        <a:srgbClr val="B7B8B8"/>
+                      </a:solidFill>
+                      <a:prstDash val="solid"/>
+                      <a:round/>
+                      <a:headEnd type="none" w="med" len="med"/>
+                      <a:tailEnd type="none" w="med" len="med"/>
+                    </a:lnR>
+                    <a:lnT w="3175">
+                      <a:solidFill>
+                        <a:srgbClr val="B7B8B8"/>
+                      </a:solidFill>
+                      <a:prstDash val="solid"/>
+                    </a:lnT>
+                    <a:lnB w="3175">
+                      <a:solidFill>
+                        <a:srgbClr val="B7B8B8"/>
+                      </a:solidFill>
+                      <a:prstDash val="solid"/>
+                    </a:lnB>
+                  </a:tcPr>
+                </a:tc>
+                <a:tc>
+                  <a:txBody>
+                    <a:bodyPr/>
+                    <a:lstStyle/>
+                    <a:p>
+                      <a:pPr algn="ctr" fontAlgn="t"/>
+                      <a:r>
+                        <a:rPr lang="it-IT" sz="900" b="0" i="0" u="none" strike="noStrike" dirty="0">
+                          <a:solidFill>
+                            <a:srgbClr val="020302"/>
+                          </a:solidFill>
+                          <a:latin typeface="AdobeClean-Light" panose="020B0503020404020204" pitchFamily="34" charset="0"/>
+                        </a:rPr>
+                        <a:t>Giorni lavorativi/</a:t>
+                      </a:r>
+                      <a:br>
+                        <a:rPr lang="it-IT" sz="900" b="0" i="0" u="none" strike="noStrike" dirty="0">
+                          <a:solidFill>
+                            <a:srgbClr val="020302"/>
+                          </a:solidFill>
+                          <a:latin typeface="AdobeClean-Light" panose="020B0503020404020204" pitchFamily="34" charset="0"/>
+                        </a:rPr>
+                      </a:br>
+                      <a:r>
+                        <a:rPr lang="it-IT" sz="900" b="0" i="0" u="none" strike="noStrike" dirty="0">
+                          <a:solidFill>
+                            <a:srgbClr val="020302"/>
+                          </a:solidFill>
+                          <a:latin typeface="AdobeClean-Light" panose="020B0503020404020204" pitchFamily="34" charset="0"/>
+                        </a:rPr>
+                        <a:t>3 giorni</a:t>
+                      </a:r>
+                    </a:p>
+                  </a:txBody>
+                  <a:tcPr marL="9525" marR="9525" marT="9525" marB="0" anchor="ctr">
                     <a:lnL w="3175">
                       <a:solidFill>
                         <a:srgbClr val="B7B8B8"/>
@@ -7719,27 +8030,36 @@
                     <a:bodyPr/>
                     <a:lstStyle/>
                     <a:p>
-                      <a:pPr marL="0" marR="203200" indent="-193040" algn="ctr">
-                        <a:lnSpc>
-                          <a:spcPct val="100000"/>
-                        </a:lnSpc>
-                        <a:spcBef>
-                          <a:spcPts val="155"/>
-                        </a:spcBef>
-                      </a:pPr>
+                      <a:pPr algn="ctr" fontAlgn="t"/>
                       <a:r>
-                        <a:rPr lang="it-IT" sz="900" dirty="0">
+                        <a:rPr lang="it-IT" sz="900" b="0" i="0" u="none" strike="noStrike" dirty="0">
                           <a:solidFill>
                             <a:srgbClr val="020302"/>
                           </a:solidFill>
-                          <a:latin typeface="AdobeClean-Light"/>
-                          <a:cs typeface="AdobeClean-Light"/>
-                        </a:rPr>
-                        <a:t>Giorni lavorativi / 3 giorni</a:t>
+                          <a:latin typeface="AdobeClean-Light" panose="020B0503020404020204" pitchFamily="34" charset="0"/>
+                        </a:rPr>
+                        <a:t>Giorni lavorativi/</a:t>
                       </a:r>
-                    </a:p>
-                  </a:txBody>
-                  <a:tcPr marL="0" marR="0" marT="0" marB="0" anchor="ctr">
+                      <a:br>
+                        <a:rPr lang="it-IT" sz="900" b="0" i="0" u="none" strike="noStrike" dirty="0">
+                          <a:solidFill>
+                            <a:srgbClr val="020302"/>
+                          </a:solidFill>
+                          <a:latin typeface="AdobeClean-Light" panose="020B0503020404020204" pitchFamily="34" charset="0"/>
+                        </a:rPr>
+                      </a:br>
+                      <a:r>
+                        <a:rPr lang="it-IT" sz="900" b="0" i="0" u="none" strike="noStrike" dirty="0">
+                          <a:solidFill>
+                            <a:srgbClr val="020302"/>
+                          </a:solidFill>
+                          <a:latin typeface="AdobeClean-Light" panose="020B0503020404020204" pitchFamily="34" charset="0"/>
+                        </a:rPr>
+                        <a:t>1 giorno</a:t>
+                      </a:r>
+                    </a:p>
+                  </a:txBody>
+                  <a:tcPr marL="9525" marR="9525" marT="9525" marB="0" anchor="ctr">
                     <a:lnL w="3175">
                       <a:solidFill>
                         <a:srgbClr val="B7B8B8"/>
@@ -7771,46 +8091,36 @@
                     <a:bodyPr/>
                     <a:lstStyle/>
                     <a:p>
-                      <a:pPr marL="0" marR="223520" indent="-202565" algn="ctr">
-                        <a:lnSpc>
-                          <a:spcPct val="100000"/>
-                        </a:lnSpc>
-                        <a:spcBef>
-                          <a:spcPts val="155"/>
-                        </a:spcBef>
-                      </a:pPr>
+                      <a:pPr algn="ctr" fontAlgn="t"/>
                       <a:r>
-                        <a:rPr lang="it-IT" sz="900" dirty="0">
+                        <a:rPr lang="it-IT" sz="900" b="0" i="0" u="none" strike="noStrike" dirty="0">
                           <a:solidFill>
                             <a:srgbClr val="020302"/>
                           </a:solidFill>
-                          <a:latin typeface="AdobeClean-Light"/>
-                          <a:cs typeface="AdobeClean-Light"/>
-                        </a:rPr>
-                        <a:t>Giorni lavorativi </a:t>
+                          <a:latin typeface="AdobeClean-Light" panose="020B0503020404020204" pitchFamily="34" charset="0"/>
+                        </a:rPr>
+                        <a:t>Giorni lavorativi/</a:t>
                       </a:r>
                       <a:br>
-                        <a:rPr lang="sk-SK" sz="900" dirty="0">
+                        <a:rPr lang="it-IT" sz="900" b="0" i="0" u="none" strike="noStrike" dirty="0">
                           <a:solidFill>
                             <a:srgbClr val="020302"/>
                           </a:solidFill>
-                          <a:latin typeface="AdobeClean-Light"/>
-                          <a:cs typeface="AdobeClean-Light"/>
+                          <a:latin typeface="AdobeClean-Light" panose="020B0503020404020204" pitchFamily="34" charset="0"/>
                         </a:rPr>
                       </a:br>
                       <a:r>
-                        <a:rPr lang="it-IT" sz="900" dirty="0">
+                        <a:rPr lang="it-IT" sz="900" b="0" i="0" u="none" strike="noStrike" dirty="0">
                           <a:solidFill>
                             <a:srgbClr val="020302"/>
                           </a:solidFill>
-                          <a:latin typeface="AdobeClean-Light"/>
-                          <a:cs typeface="AdobeClean-Light"/>
-                        </a:rPr>
-                        <a:t>/ 1 giorno</a:t>
+                          <a:latin typeface="AdobeClean-Light" panose="020B0503020404020204" pitchFamily="34" charset="0"/>
+                        </a:rPr>
+                        <a:t>1 giorno</a:t>
                       </a:r>
                     </a:p>
                   </a:txBody>
-                  <a:tcPr marL="0" marR="0" marT="0" marB="0" anchor="ctr">
+                  <a:tcPr marL="9525" marR="9525" marT="9525" marB="0" anchor="ctr">
                     <a:lnL w="3175">
                       <a:solidFill>
                         <a:srgbClr val="B7B8B8"/>
@@ -7842,99 +8152,36 @@
                     <a:bodyPr/>
                     <a:lstStyle/>
                     <a:p>
-                      <a:pPr marL="0" marR="223520" indent="-202565" algn="ctr">
-                        <a:lnSpc>
-                          <a:spcPct val="100000"/>
-                        </a:lnSpc>
-                        <a:spcBef>
-                          <a:spcPts val="155"/>
-                        </a:spcBef>
-                      </a:pPr>
+                      <a:pPr algn="ctr" fontAlgn="t"/>
                       <a:r>
-                        <a:rPr lang="it-IT" sz="900">
+                        <a:rPr lang="it-IT" sz="900" b="0" i="0" u="none" strike="noStrike" dirty="0">
                           <a:solidFill>
                             <a:srgbClr val="020302"/>
                           </a:solidFill>
-                          <a:latin typeface="AdobeClean-Light"/>
-                          <a:cs typeface="AdobeClean-Light"/>
-                        </a:rPr>
-                        <a:t>Giorni lavorativi /      1 giorno</a:t>
+                          <a:latin typeface="AdobeClean-Light" panose="020B0503020404020204" pitchFamily="34" charset="0"/>
+                        </a:rPr>
+                        <a:t>Giorni lavorativi/</a:t>
                       </a:r>
-                    </a:p>
-                  </a:txBody>
-                  <a:tcPr marL="0" marR="0" marT="0" marB="0" anchor="ctr">
-                    <a:lnL w="3175">
-                      <a:solidFill>
-                        <a:srgbClr val="B7B8B8"/>
-                      </a:solidFill>
-                      <a:prstDash val="solid"/>
-                    </a:lnL>
-                    <a:lnR w="3175">
-                      <a:solidFill>
-                        <a:srgbClr val="B7B8B8"/>
-                      </a:solidFill>
-                      <a:prstDash val="solid"/>
-                    </a:lnR>
-                    <a:lnT w="3175">
-                      <a:solidFill>
-                        <a:srgbClr val="B7B8B8"/>
-                      </a:solidFill>
-                      <a:prstDash val="solid"/>
-                    </a:lnT>
-                    <a:lnB w="3175">
-                      <a:solidFill>
-                        <a:srgbClr val="B7B8B8"/>
-                      </a:solidFill>
-                      <a:prstDash val="solid"/>
-                    </a:lnB>
-                  </a:tcPr>
-                </a:tc>
-                <a:tc>
-                  <a:txBody>
-                    <a:bodyPr/>
-                    <a:lstStyle/>
-                    <a:p>
-                      <a:pPr marL="0" marR="223520" indent="-202565" algn="ctr">
-                        <a:lnSpc>
-                          <a:spcPct val="100000"/>
-                        </a:lnSpc>
-                        <a:spcBef>
-                          <a:spcPts val="155"/>
-                        </a:spcBef>
-                      </a:pPr>
+                      <a:br>
+                        <a:rPr lang="it-IT" sz="900" b="0" i="0" u="none" strike="noStrike" dirty="0">
+                          <a:solidFill>
+                            <a:srgbClr val="020302"/>
+                          </a:solidFill>
+                          <a:latin typeface="AdobeClean-Light" panose="020B0503020404020204" pitchFamily="34" charset="0"/>
+                        </a:rPr>
+                      </a:br>
                       <a:r>
-                        <a:rPr lang="it-IT" sz="900" dirty="0">
+                        <a:rPr lang="it-IT" sz="900" b="0" i="0" u="none" strike="noStrike" dirty="0">
                           <a:solidFill>
                             <a:srgbClr val="020302"/>
                           </a:solidFill>
-                          <a:latin typeface="AdobeClean-Light"/>
-                          <a:cs typeface="AdobeClean-Light"/>
-                        </a:rPr>
-                        <a:t>Giorni lavorativi / </a:t>
-                      </a:r>
-                      <a:r>
-                        <a:rPr lang="sk-SK" sz="900" dirty="0">
-                          <a:solidFill>
-                            <a:srgbClr val="020302"/>
-                          </a:solidFill>
-                          <a:latin typeface="AdobeClean-Light"/>
-                          <a:cs typeface="AdobeClean-Light"/>
-                        </a:rPr>
-                        <a:t> </a:t>
-                      </a:r>
-                      <a:r>
-                        <a:rPr lang="it-IT" sz="900" dirty="0">
-                          <a:solidFill>
-                            <a:srgbClr val="020302"/>
-                          </a:solidFill>
-                          <a:latin typeface="AdobeClean-Light"/>
-                          <a:cs typeface="AdobeClean-Light"/>
+                          <a:latin typeface="AdobeClean-Light" panose="020B0503020404020204" pitchFamily="34" charset="0"/>
                         </a:rPr>
                         <a:t>1 giorno</a:t>
                       </a:r>
                     </a:p>
                   </a:txBody>
-                  <a:tcPr marL="0" marR="0" marT="0" marB="0" anchor="ctr">
+                  <a:tcPr marL="9525" marR="9525" marT="9525" marB="0" anchor="ctr">
                     <a:lnL w="3175">
                       <a:solidFill>
                         <a:srgbClr val="B7B8B8"/>
@@ -7997,7 +8244,7 @@
           </a:prstGeom>
         </p:spPr>
         <p:txBody>
-          <a:bodyPr vert="horz" wrap="square" lIns="0" tIns="12700" rIns="0" bIns="0" rtlCol="0">
+          <a:bodyPr vert="horz" wrap="square" lIns="0" tIns="12700" rIns="0" bIns="0" rtlCol="0" anchor="t">
             <a:spAutoFit/>
           </a:bodyPr>
           <a:lstStyle/>
@@ -8012,9 +8259,9 @@
             </a:pPr>
             <a:r>
               <a:rPr lang="it-IT" sz="2300">
-                <a:latin typeface="Adobe Clean" panose="020B0503020404020204" pitchFamily="34" charset="0"/>
+                <a:latin typeface="Adobe Clean"/>
               </a:rPr>
-              <a:t>OPZIONI DI SUPPORTO ADOBE</a:t>
+              <a:t>PIANI DI SUPPORTO ADOBE</a:t>
             </a:r>
           </a:p>
         </p:txBody>
@@ -8200,8 +8447,8 @@
         </p:nvSpPr>
         <p:spPr>
           <a:xfrm>
-            <a:off x="296036" y="1370614"/>
-            <a:ext cx="1371600" cy="0"/>
+            <a:off x="296036" y="1370613"/>
+            <a:ext cx="1275849" cy="45719"/>
           </a:xfrm>
           <a:custGeom>
             <a:avLst/>
@@ -8285,14 +8532,14 @@
         <p:spPr>
           <a:xfrm>
             <a:off x="244598" y="1844378"/>
-            <a:ext cx="7070597" cy="379463"/>
+            <a:ext cx="7070597" cy="561244"/>
           </a:xfrm>
           <a:prstGeom prst="rect">
             <a:avLst/>
           </a:prstGeom>
         </p:spPr>
         <p:txBody>
-          <a:bodyPr vert="horz" wrap="square" lIns="0" tIns="35560" rIns="0" bIns="0" rtlCol="0">
+          <a:bodyPr vert="horz" wrap="square" lIns="0" tIns="35560" rIns="0" bIns="0" rtlCol="0" anchor="t">
             <a:spAutoFit/>
           </a:bodyPr>
           <a:lstStyle/>
@@ -8306,24 +8553,62 @@
               </a:spcBef>
             </a:pPr>
             <a:r>
-              <a:rPr lang="it-IT" sz="1000">
+              <a:rPr lang="it-IT" sz="1000" dirty="0">
                 <a:solidFill>
                   <a:srgbClr val="020302"/>
                 </a:solidFill>
                 <a:latin typeface="AdobeClean-Light"/>
                 <a:cs typeface="AdobeClean-Light"/>
               </a:rPr>
-              <a:t>Grazie all’Assistenza clienti di Adobe, è possibile accedere a risorse online per la documentazione, acquisire le best practice con l’aiuto di altri esperti e clienti e seguire la serie di webinar Office Hours con suggerimenti utili per la risoluzione di eventuali problemi. Sono disponibili diversi canali</a:t>
+              <a:t>Grazie all’Assistenza clienti di Adobe, è possibile accedere a risorse online per la documentazione, acquisire le best practice con l’aiuto </a:t>
+            </a:r>
+            <a:br>
+              <a:rPr lang="it-IT" sz="1000" dirty="0">
+                <a:solidFill>
+                  <a:srgbClr val="020302"/>
+                </a:solidFill>
+                <a:latin typeface="AdobeClean-Light"/>
+                <a:cs typeface="AdobeClean-Light"/>
+              </a:rPr>
+            </a:br>
+            <a:r>
+              <a:rPr lang="it-IT" sz="1000" dirty="0">
+                <a:solidFill>
+                  <a:srgbClr val="020302"/>
+                </a:solidFill>
+                <a:latin typeface="AdobeClean-Light"/>
+                <a:cs typeface="AdobeClean-Light"/>
+              </a:rPr>
+              <a:t>di altri esperti e clienti e seguire la serie di webinar Office Hours con suggerimenti utili per la risoluzione di eventuali problemi. </a:t>
+            </a:r>
+            <a:br>
+              <a:rPr lang="it-IT" sz="1000" dirty="0">
+                <a:solidFill>
+                  <a:srgbClr val="020302"/>
+                </a:solidFill>
+                <a:latin typeface="AdobeClean-Light"/>
+                <a:cs typeface="AdobeClean-Light"/>
+              </a:rPr>
+            </a:br>
+            <a:r>
+              <a:rPr lang="it-IT" sz="1000" dirty="0">
+                <a:solidFill>
+                  <a:srgbClr val="020302"/>
+                </a:solidFill>
+                <a:latin typeface="AdobeClean-Light"/>
+                <a:cs typeface="AdobeClean-Light"/>
+              </a:rPr>
+              <a:t>Sono disponibili diversi canali</a:t>
             </a:r>
             <a:r>
-              <a:rPr lang="it-IT" sz="1000">
+              <a:rPr lang="it-IT" sz="1000" dirty="0">
                 <a:latin typeface="AdobeClean-Light"/>
                 <a:cs typeface="AdobeClean-Light"/>
               </a:rPr>
               <a:t> </a:t>
             </a:r>
             <a:r>
-              <a:rPr lang="it-IT" sz="1000">
+              <a:rPr lang="it-IT" sz="1000" dirty="0">
                 <a:solidFill>
                   <a:srgbClr val="020302"/>
                 </a:solidFill>
@@ -8344,22 +8629,19 @@
         <p:spPr>
           <a:xfrm>
             <a:off x="206585" y="8494028"/>
-            <a:ext cx="3270885" cy="441146"/>
+            <a:ext cx="3270885" cy="302647"/>
           </a:xfrm>
           <a:prstGeom prst="rect">
             <a:avLst/>
           </a:prstGeom>
         </p:spPr>
         <p:txBody>
-          <a:bodyPr vert="horz" wrap="square" lIns="0" tIns="12700" rIns="0" bIns="0" rtlCol="0">
+          <a:bodyPr vert="horz" wrap="square" lIns="0" tIns="12700" rIns="0" bIns="0" rtlCol="0" anchor="t">
             <a:spAutoFit/>
           </a:bodyPr>
           <a:lstStyle/>
           <a:p>
             <a:pPr marL="33020" marR="159385">
-              <a:lnSpc>
-                <a:spcPct val="100000"/>
-              </a:lnSpc>
               <a:spcBef>
                 <a:spcPts val="100"/>
               </a:spcBef>
@@ -8375,26 +8657,7 @@
                 <a:latin typeface="AdobeClean-Light"/>
                 <a:cs typeface="AdobeClean-Light"/>
               </a:rPr>
-              <a:t>Avvia una sessione di chat per ottenere risposte </a:t>
-            </a:r>
-            <a:br>
-              <a:rPr lang="sk-SK" sz="900" dirty="0">
-                <a:solidFill>
-                  <a:srgbClr val="020302"/>
-                </a:solidFill>
-                <a:latin typeface="AdobeClean-Light"/>
-                <a:cs typeface="AdobeClean-Light"/>
-              </a:rPr>
-            </a:br>
-            <a:r>
-              <a:rPr lang="it-IT" sz="900" dirty="0">
-                <a:solidFill>
-                  <a:srgbClr val="020302"/>
-                </a:solidFill>
-                <a:latin typeface="AdobeClean-Light"/>
-                <a:cs typeface="AdobeClean-Light"/>
-              </a:rPr>
-              <a:t>e assistenza nell’invio di un caso.</a:t>
+              <a:t>Avvia una sessione di chat per ottenere risposte e assistenza nell’invio di un caso.</a:t>
             </a:r>
           </a:p>
           <a:p>
@@ -8614,8 +8877,8 @@
         </p:nvSpPr>
         <p:spPr>
           <a:xfrm>
-            <a:off x="244599" y="3893151"/>
-            <a:ext cx="3413002" cy="805349"/>
+            <a:off x="244598" y="3893151"/>
+            <a:ext cx="3421947" cy="805349"/>
           </a:xfrm>
           <a:prstGeom prst="rect">
             <a:avLst/>
@@ -8637,7 +8900,7 @@
               <a:t>Accesso online continuo a un database in continua crescita </a:t>
             </a:r>
             <a:br>
-              <a:rPr lang="sk-SK" sz="1000" dirty="0">
+              <a:rPr lang="it-IT" sz="1000" dirty="0">
                 <a:solidFill>
                   <a:srgbClr val="000000"/>
                 </a:solidFill>
@@ -8934,7 +9197,7 @@
               <a:t>Le sessioni Office Hours, guidate dal team di Assistenza clienti </a:t>
             </a:r>
             <a:br>
-              <a:rPr lang="sk-SK" sz="1000" dirty="0">
+              <a:rPr lang="it-IT" sz="1000" dirty="0">
                 <a:solidFill>
                   <a:srgbClr val="000000"/>
                 </a:solidFill>
@@ -8951,7 +9214,7 @@
               <a:t>di Adobe, sono pensate per informare e aiutare i partecipanti </a:t>
             </a:r>
             <a:br>
-              <a:rPr lang="sk-SK" sz="1000" dirty="0">
+              <a:rPr lang="it-IT" sz="1000" dirty="0">
                 <a:solidFill>
                   <a:srgbClr val="000000"/>
                 </a:solidFill>
@@ -8968,7 +9231,7 @@
               <a:t>a risolvere eventuali problemi e forniscono suggerimenti utili </a:t>
             </a:r>
             <a:br>
-              <a:rPr lang="sk-SK" sz="1000" dirty="0">
+              <a:rPr lang="it-IT" sz="1000" dirty="0">
                 <a:solidFill>
                   <a:srgbClr val="000000"/>
                 </a:solidFill>
@@ -9102,8 +9365,8 @@
         </p:nvSpPr>
         <p:spPr>
           <a:xfrm>
-            <a:off x="3849036" y="6132567"/>
-            <a:ext cx="3413002" cy="651460"/>
+            <a:off x="3849035" y="6132567"/>
+            <a:ext cx="3464531" cy="497572"/>
           </a:xfrm>
           <a:prstGeom prst="rect">
             <a:avLst/>
@@ -9122,24 +9385,7 @@
                 </a:solidFill>
                 <a:latin typeface="Adobe Clean Light" panose="020B0303020404020204" pitchFamily="34" charset="0"/>
               </a:rPr>
-              <a:t>Accesso on-demand al portale di assistenza autonoma per inviare richieste di supporto, esaminare lo stato dei casi e sfogliare altre risorse, come la knowledge base, notizie e avvisi, suggerimenti </a:t>
-            </a:r>
-            <a:br>
-              <a:rPr lang="sk-SK" sz="1000" dirty="0">
-                <a:solidFill>
-                  <a:srgbClr val="000000"/>
-                </a:solidFill>
-                <a:latin typeface="Adobe Clean Light" panose="020B0303020404020204" pitchFamily="34" charset="0"/>
-              </a:rPr>
-            </a:br>
-            <a:r>
-              <a:rPr lang="it-IT" sz="1000" dirty="0">
-                <a:solidFill>
-                  <a:srgbClr val="000000"/>
-                </a:solidFill>
-                <a:latin typeface="Adobe Clean Light" panose="020B0303020404020204" pitchFamily="34" charset="0"/>
-              </a:rPr>
-              <a:t>e altro ancora.</a:t>
+              <a:t>Accesso on-demand al portale di assistenza autonoma per inviare richieste di supporto, esaminare lo stato dei casi e sfogliare altre risorse, come la knowledge base, notizie e avvisi, suggerimenti e altro ancora.</a:t>
             </a:r>
           </a:p>
         </p:txBody>
@@ -9360,8 +9606,8 @@
         </p:nvSpPr>
         <p:spPr>
           <a:xfrm>
-            <a:off x="3833993" y="8494028"/>
-            <a:ext cx="3413002" cy="651460"/>
+            <a:off x="3833992" y="8494028"/>
+            <a:ext cx="3481207" cy="651460"/>
           </a:xfrm>
           <a:prstGeom prst="rect">
             <a:avLst/>
@@ -9380,27 +9626,10 @@
                 </a:solidFill>
                 <a:latin typeface="AdobeClean-Light"/>
               </a:rPr>
-              <a:t>Gli utenti autorizzati o i contatti interni per il supporto possono segnalare i problemi tramite tutti i canali disponibili (compreso </a:t>
+              <a:t>Gli utenti autorizzati o i contatti interni per il supporto possono segnalare i problemi tramite tutti i canali disponibili (compreso il supporto telefonico per casi P1) e interagire con il team Adobe </a:t>
             </a:r>
             <a:br>
-              <a:rPr lang="sk-SK" sz="1000" dirty="0">
-                <a:solidFill>
-                  <a:srgbClr val="020302"/>
-                </a:solidFill>
-                <a:latin typeface="AdobeClean-Light"/>
-              </a:rPr>
-            </a:br>
-            <a:r>
               <a:rPr lang="it-IT" sz="1000" dirty="0">
-                <a:solidFill>
-                  <a:srgbClr val="020302"/>
-                </a:solidFill>
-                <a:latin typeface="AdobeClean-Light"/>
-              </a:rPr>
-              <a:t>il supporto telefonico per casi P1) e interagire con il team Adobe </a:t>
-            </a:r>
-            <a:br>
-              <a:rPr lang="sk-SK" sz="1000" dirty="0">
                 <a:solidFill>
                   <a:srgbClr val="020302"/>
                 </a:solidFill>
@@ -9904,14 +10133,14 @@
         <p:spPr>
           <a:xfrm>
             <a:off x="6754821" y="9283729"/>
-            <a:ext cx="930275" cy="662305"/>
+            <a:ext cx="1017579" cy="643125"/>
           </a:xfrm>
           <a:prstGeom prst="rect">
             <a:avLst/>
           </a:prstGeom>
         </p:spPr>
         <p:txBody>
-          <a:bodyPr vert="horz" wrap="square" lIns="0" tIns="12065" rIns="0" bIns="0" rtlCol="0">
+          <a:bodyPr vert="horz" wrap="square" lIns="0" tIns="12065" rIns="0" bIns="0" rtlCol="0" anchor="t">
             <a:spAutoFit/>
           </a:bodyPr>
           <a:lstStyle/>
@@ -9925,7 +10154,7 @@
               </a:spcBef>
             </a:pPr>
             <a:r>
-              <a:rPr lang="it-IT" sz="800">
+              <a:rPr lang="it-IT" sz="800" dirty="0">
                 <a:solidFill>
                   <a:srgbClr val="777879"/>
                 </a:solidFill>
@@ -9942,7 +10171,7 @@
               </a:lnSpc>
             </a:pPr>
             <a:r>
-              <a:rPr lang="it-IT" sz="800">
+              <a:rPr lang="it-IT" sz="800" dirty="0">
                 <a:solidFill>
                   <a:srgbClr val="777879"/>
                 </a:solidFill>
@@ -9959,7 +10188,7 @@
               </a:lnSpc>
             </a:pPr>
             <a:r>
-              <a:rPr lang="it-IT" sz="800">
+              <a:rPr lang="it-IT" sz="800" dirty="0">
                 <a:solidFill>
                   <a:srgbClr val="777879"/>
                 </a:solidFill>
@@ -9979,7 +10208,7 @@
               </a:spcBef>
             </a:pPr>
             <a:r>
-              <a:rPr lang="it-IT" sz="800">
+              <a:rPr lang="it-IT" sz="800" dirty="0">
                 <a:solidFill>
                   <a:srgbClr val="777879"/>
                 </a:solidFill>
@@ -9999,7 +10228,7 @@
               </a:spcBef>
             </a:pPr>
             <a:r>
-              <a:rPr lang="it-IT" sz="800" u="sng">
+              <a:rPr lang="it-IT" sz="800" u="sng" dirty="0">
                 <a:solidFill>
                   <a:srgbClr val="5F5F5F"/>
                 </a:solidFill>
@@ -10174,7 +10403,7 @@
           </a:prstGeom>
         </p:spPr>
         <p:txBody>
-          <a:bodyPr vert="horz" wrap="square" lIns="0" tIns="29845" rIns="0" bIns="0" rtlCol="0">
+          <a:bodyPr vert="horz" wrap="square" lIns="0" tIns="29845" rIns="0" bIns="0" rtlCol="0" anchor="t">
             <a:spAutoFit/>
           </a:bodyPr>
           <a:lstStyle/>
@@ -10235,7 +10464,7 @@
         <p:spPr>
           <a:xfrm>
             <a:off x="171129" y="5057379"/>
-            <a:ext cx="6476646" cy="755976"/>
+            <a:ext cx="6610671" cy="755976"/>
           </a:xfrm>
           <a:prstGeom prst="rect">
             <a:avLst/>
@@ -10276,24 +10505,7 @@
                 </a:solidFill>
                 <a:latin typeface="AdobeClean-Light"/>
               </a:rPr>
-              <a:t>L’ambito del supporto Adobe è definito allineando l’indirizzo di fatturazione del cliente</a:t>
-            </a:r>
-            <a:br>
-              <a:rPr lang="sk-SK" sz="1000" dirty="0">
-                <a:solidFill>
-                  <a:srgbClr val="1F1F1F"/>
-                </a:solidFill>
-                <a:latin typeface="AdobeClean-Light"/>
-              </a:rPr>
-            </a:br>
-            <a:r>
-              <a:rPr lang="it-IT" sz="1000" dirty="0">
-                <a:solidFill>
-                  <a:srgbClr val="1F1F1F"/>
-                </a:solidFill>
-                <a:latin typeface="AdobeClean-Light"/>
-              </a:rPr>
-              <a:t>(in base all’ordine di vendita o altro documento di acquisto del servizio di supporto Adobe) a una delle seguenti aree geografiche:</a:t>
+              <a:t>L’ambito del supporto Adobe è definito allineando l’indirizzo di fatturazione del cliente (in base all’ordine di vendita o altro documento di acquisto del servizio di supporto Adobe) a una delle seguenti aree geografiche:</a:t>
             </a:r>
           </a:p>
         </p:txBody>
@@ -10313,7 +10525,7 @@
           <p:nvPr>
             <p:extLst>
               <p:ext uri="{D42A27DB-BD31-4B8C-83A1-F6EECF244321}">
-                <p14:modId xmlns:p14="http://schemas.microsoft.com/office/powerpoint/2010/main" val="2089586474"/>
+                <p14:modId xmlns:p14="http://schemas.microsoft.com/office/powerpoint/2010/main" val="3427860972"/>
               </p:ext>
             </p:extLst>
           </p:nvPr>
@@ -10437,10 +10649,10 @@
                           </a:solidFill>
                           <a:latin typeface="Adobe Clean" panose="020B0503020404020204" pitchFamily="34" charset="0"/>
                         </a:rPr>
-                        <a:t>Europa, Medio </a:t>
+                        <a:t>Europa, Medio Oriente </a:t>
                       </a:r>
                       <a:br>
-                        <a:rPr lang="sk-SK" sz="1100" dirty="0">
+                        <a:rPr lang="it-IT" sz="1100" dirty="0">
                           <a:solidFill>
                             <a:schemeClr val="tx1"/>
                           </a:solidFill>
@@ -10454,7 +10666,7 @@
                           </a:solidFill>
                           <a:latin typeface="Adobe Clean" panose="020B0503020404020204" pitchFamily="34" charset="0"/>
                         </a:rPr>
-                        <a:t>Oriente e Africa</a:t>
+                        <a:t>e Africa</a:t>
                       </a:r>
                     </a:p>
                   </a:txBody>
@@ -11386,7 +11598,7 @@
           </a:bodyPr>
           <a:lstStyle/>
           <a:p>
-            <a:pPr marL="139065" marR="5080" indent="-139065">
+            <a:pPr marR="5080" algn="ctr">
               <a:lnSpc>
                 <a:spcPts val="1390"/>
               </a:lnSpc>
@@ -11395,7 +11607,7 @@
               </a:spcBef>
             </a:pPr>
             <a:r>
-              <a:rPr lang="it-IT" sz="1200" b="1">
+              <a:rPr lang="it-IT" sz="1200" b="1" dirty="0">
                 <a:solidFill>
                   <a:srgbClr val="FFFFFF"/>
                 </a:solidFill>
@@ -11434,7 +11646,7 @@
           </a:bodyPr>
           <a:lstStyle/>
           <a:p>
-            <a:pPr marL="139065" marR="5080" indent="-139065">
+            <a:pPr marR="5080" algn="ctr">
               <a:lnSpc>
                 <a:spcPts val="1390"/>
               </a:lnSpc>
@@ -11443,7 +11655,7 @@
               </a:spcBef>
             </a:pPr>
             <a:r>
-              <a:rPr lang="it-IT" sz="1200" b="1">
+              <a:rPr lang="it-IT" sz="1200" b="1" dirty="0">
                 <a:solidFill>
                   <a:srgbClr val="FFFFFF"/>
                 </a:solidFill>
@@ -11470,7 +11682,7 @@
         <p:spPr>
           <a:xfrm>
             <a:off x="6477000" y="8543943"/>
-            <a:ext cx="810895" cy="385445"/>
+            <a:ext cx="804778" cy="385445"/>
           </a:xfrm>
           <a:prstGeom prst="rect">
             <a:avLst/>
@@ -11482,7 +11694,7 @@
           </a:bodyPr>
           <a:lstStyle/>
           <a:p>
-            <a:pPr marL="50800" marR="5080" indent="-51435" algn="ctr">
+            <a:pPr marR="5080" algn="ctr">
               <a:lnSpc>
                 <a:spcPts val="1390"/>
               </a:lnSpc>
@@ -11518,7 +11730,7 @@
           <p:nvPr>
             <p:extLst>
               <p:ext uri="{D42A27DB-BD31-4B8C-83A1-F6EECF244321}">
-                <p14:modId xmlns:p14="http://schemas.microsoft.com/office/powerpoint/2010/main" val="594227885"/>
+                <p14:modId xmlns:p14="http://schemas.microsoft.com/office/powerpoint/2010/main" val="2709449059"/>
               </p:ext>
             </p:extLst>
           </p:nvPr>
@@ -11651,7 +11863,7 @@
                         <a:t>Con Experience League, Adobe aiuta le aziende a conseguire il valore che si aspettano dalle soluzioni Adobe in cui hanno investito. In questo portale unificato, puoi imparare, relazionarti con altri professionisti </a:t>
                       </a:r>
                       <a:br>
-                        <a:rPr lang="sk-SK" sz="1000" b="0" dirty="0">
+                        <a:rPr lang="it-IT" sz="1000" b="0" dirty="0">
                           <a:solidFill>
                             <a:srgbClr val="000000"/>
                           </a:solidFill>
@@ -11846,7 +12058,7 @@
                         <a:defRPr/>
                       </a:pPr>
                       <a:r>
-                        <a:rPr lang="it-IT" sz="1000" dirty="0">
+                        <a:rPr lang="it-IT" sz="1000">
                           <a:solidFill>
                             <a:srgbClr val="000000"/>
                           </a:solidFill>
@@ -11854,28 +12066,7 @@
                           <a:ea typeface="+mn-ea"/>
                           <a:cs typeface="+mn-cs"/>
                         </a:rPr>
-                        <a:t>I corsi Adobe Digital Learning Services sono accessibili da Experience League. I corsi di apprendimento comprendono lezioni sia on-demand che guidate da istruttori.  Potrai acquisire nuove competenze particolarmente ricercate nel settore e metterle in pratica nella </a:t>
-                      </a:r>
-                      <a:br>
-                        <a:rPr lang="sk-SK" sz="1000" dirty="0">
-                          <a:solidFill>
-                            <a:srgbClr val="000000"/>
-                          </a:solidFill>
-                          <a:latin typeface="Adobe Clean Light" panose="020B0303020404020204" pitchFamily="34" charset="0"/>
-                          <a:ea typeface="+mn-ea"/>
-                          <a:cs typeface="+mn-cs"/>
-                        </a:rPr>
-                      </a:br>
-                      <a:r>
-                        <a:rPr lang="it-IT" sz="1000" dirty="0">
-                          <a:solidFill>
-                            <a:srgbClr val="000000"/>
-                          </a:solidFill>
-                          <a:latin typeface="Adobe Clean Light" panose="020B0303020404020204" pitchFamily="34" charset="0"/>
-                          <a:ea typeface="+mn-ea"/>
-                          <a:cs typeface="+mn-cs"/>
-                        </a:rPr>
-                        <a:t>tua organizzazione, per favorirne il successo.</a:t>
+                        <a:t>I corsi Adobe Digital Learning Services sono accessibili da Experience League. I corsi di apprendimento comprendono lezioni sia on-demand che guidate da istruttori.  Potrai acquisire nuove competenze particolarmente ricercate nel settore e metterle in pratica nella tua organizzazione, per favorirne il successo.</a:t>
                       </a:r>
                     </a:p>
                   </a:txBody>
@@ -12052,7 +12243,7 @@
                         <a:t>Status.adobe.com trasmette informazioni sullo stato di tutti i prodotti </a:t>
                       </a:r>
                       <a:br>
-                        <a:rPr lang="sk-SK" sz="1000" dirty="0">
+                        <a:rPr lang="it-IT" sz="1000" dirty="0">
                           <a:solidFill>
                             <a:srgbClr val="000000"/>
                           </a:solidFill>
@@ -12073,7 +12264,7 @@
                         <a:t>e i servizi Adobe implementati in ambienti multi-tenant. Puoi scegliere se ricevere notifiche e-mail ogni volta che Adobe segnala, aggiorna </a:t>
                       </a:r>
                       <a:br>
-                        <a:rPr lang="sk-SK" sz="1000" dirty="0">
+                        <a:rPr lang="it-IT" sz="1000" dirty="0">
                           <a:solidFill>
                             <a:srgbClr val="000000"/>
                           </a:solidFill>
@@ -12091,28 +12282,7 @@
                           <a:ea typeface="+mn-ea"/>
                           <a:cs typeface="+mn-cs"/>
                         </a:rPr>
-                        <a:t>o risolve un problema relativo a un prodotto. Vengono segnalate </a:t>
-                      </a:r>
-                      <a:br>
-                        <a:rPr lang="sk-SK" sz="1000" dirty="0">
-                          <a:solidFill>
-                            <a:srgbClr val="000000"/>
-                          </a:solidFill>
-                          <a:latin typeface="Adobe Clean Light" panose="020B0303020404020204" pitchFamily="34" charset="0"/>
-                          <a:ea typeface="+mn-ea"/>
-                          <a:cs typeface="+mn-cs"/>
-                        </a:rPr>
-                      </a:br>
-                      <a:r>
-                        <a:rPr lang="it-IT" sz="1000" dirty="0">
-                          <a:solidFill>
-                            <a:srgbClr val="000000"/>
-                          </a:solidFill>
-                          <a:latin typeface="Adobe Clean Light" panose="020B0303020404020204" pitchFamily="34" charset="0"/>
-                          <a:ea typeface="+mn-ea"/>
-                          <a:cs typeface="+mn-cs"/>
-                        </a:rPr>
-                        <a:t>ad esempio le interruzioni per manutenzione programmata o problemi relativi ai servizi con diversi livelli di gravità. </a:t>
+                        <a:t>o risolve un problema relativo a un prodotto. Vengono segnalate ad esempio le interruzioni per manutenzione programmata o problemi relativi ai servizi con diversi livelli di gravità. </a:t>
                       </a:r>
                     </a:p>
                   </a:txBody>
@@ -12269,7 +12439,7 @@
                           <a:ea typeface="+mn-ea"/>
                           <a:cs typeface="+mn-cs"/>
                         </a:rPr>
-                        <a:t>Termini e condizioni che descrivono i servizi di supporto disponibili</a:t>
+                        <a:t>Termini e condizioni che descrivono i servizi di supporto disponibili.</a:t>
                       </a:r>
                     </a:p>
                   </a:txBody>
@@ -13040,6 +13210,21 @@
 </file>
 
 <file path=customXml/item1.xml><?xml version="1.0" encoding="utf-8"?>
+<?mso-contentType ?>
+<FormTemplates xmlns="http://schemas.microsoft.com/sharepoint/v3/contenttype/forms">
+  <Display>DocumentLibraryForm</Display>
+  <Edit>DocumentLibraryForm</Edit>
+  <New>DocumentLibraryForm</New>
+</FormTemplates>
+</file>
+
+<file path=customXml/item2.xml><?xml version="1.0" encoding="utf-8"?>
+<p:properties xmlns:p="http://schemas.microsoft.com/office/2006/metadata/properties" xmlns:xsi="http://www.w3.org/2001/XMLSchema-instance" xmlns:pc="http://schemas.microsoft.com/office/infopath/2007/PartnerControls">
+  <documentManagement/>
+</p:properties>
+</file>
+
+<file path=customXml/item3.xml><?xml version="1.0" encoding="utf-8"?>
 <ct:contentTypeSchema xmlns:ct="http://schemas.microsoft.com/office/2006/metadata/contentType" xmlns:ma="http://schemas.microsoft.com/office/2006/metadata/properties/metaAttributes" ct:_="" ma:_="" ma:contentTypeName="Document" ma:contentTypeID="0x010100E783BF6876BCC646A459363AF21A7736" ma:contentTypeVersion="10" ma:contentTypeDescription="Create a new document." ma:contentTypeScope="" ma:versionID="c4ffda7f4f415767600769e454c2ea87">
   <xsd:schema xmlns:xsd="http://www.w3.org/2001/XMLSchema" xmlns:xs="http://www.w3.org/2001/XMLSchema" xmlns:p="http://schemas.microsoft.com/office/2006/metadata/properties" xmlns:ns2="8a053bff-88be-49e4-9a87-e748e18b8b62" xmlns:ns3="6c8368ec-3776-49b5-a5bb-90648cf9530f" targetNamespace="http://schemas.microsoft.com/office/2006/metadata/properties" ma:root="true" ma:fieldsID="df3ec33bccc23e23bce7bc897fad43d1" ns2:_="" ns3:_="">
     <xsd:import namespace="8a053bff-88be-49e4-9a87-e748e18b8b62"/>
@@ -13244,22 +13429,32 @@
 </ct:contentTypeSchema>
 </file>
 
-<file path=customXml/item2.xml><?xml version="1.0" encoding="utf-8"?>
-<p:properties xmlns:p="http://schemas.microsoft.com/office/2006/metadata/properties" xmlns:xsi="http://www.w3.org/2001/XMLSchema-instance" xmlns:pc="http://schemas.microsoft.com/office/infopath/2007/PartnerControls">
-  <documentManagement/>
-</p:properties>
+<file path=customXml/itemProps1.xml><?xml version="1.0" encoding="utf-8"?>
+<ds:datastoreItem xmlns:ds="http://schemas.openxmlformats.org/officeDocument/2006/customXml" ds:itemID="{AC92E7FA-19A2-4675-9C77-2C92D8A268D1}">
+  <ds:schemaRefs>
+    <ds:schemaRef ds:uri="http://schemas.microsoft.com/sharepoint/v3/contenttype/forms"/>
+  </ds:schemaRefs>
+</ds:datastoreItem>
 </file>
 
-<file path=customXml/item3.xml><?xml version="1.0" encoding="utf-8"?>
-<?mso-contentType ?>
-<FormTemplates xmlns="http://schemas.microsoft.com/sharepoint/v3/contenttype/forms">
-  <Display>DocumentLibraryForm</Display>
-  <Edit>DocumentLibraryForm</Edit>
-  <New>DocumentLibraryForm</New>
-</FormTemplates>
+<file path=customXml/itemProps2.xml><?xml version="1.0" encoding="utf-8"?>
+<ds:datastoreItem xmlns:ds="http://schemas.openxmlformats.org/officeDocument/2006/customXml" ds:itemID="{8D12BD98-169B-4BEE-86DF-4C9641DF23C4}">
+  <ds:schemaRefs>
+    <ds:schemaRef ds:uri="http://schemas.microsoft.com/office/2006/documentManagement/types"/>
+    <ds:schemaRef ds:uri="http://schemas.microsoft.com/office/2006/metadata/properties"/>
+    <ds:schemaRef ds:uri="http://www.w3.org/XML/1998/namespace"/>
+    <ds:schemaRef ds:uri="http://purl.org/dc/terms/"/>
+    <ds:schemaRef ds:uri="http://purl.org/dc/elements/1.1/"/>
+    <ds:schemaRef ds:uri="http://schemas.microsoft.com/office/infopath/2007/PartnerControls"/>
+    <ds:schemaRef ds:uri="http://schemas.openxmlformats.org/package/2006/metadata/core-properties"/>
+    <ds:schemaRef ds:uri="8a053bff-88be-49e4-9a87-e748e18b8b62"/>
+    <ds:schemaRef ds:uri="6c8368ec-3776-49b5-a5bb-90648cf9530f"/>
+    <ds:schemaRef ds:uri="http://purl.org/dc/dcmitype/"/>
+  </ds:schemaRefs>
+</ds:datastoreItem>
 </file>
 
-<file path=customXml/itemProps1.xml><?xml version="1.0" encoding="utf-8"?>
+<file path=customXml/itemProps3.xml><?xml version="1.0" encoding="utf-8"?>
 <ds:datastoreItem xmlns:ds="http://schemas.openxmlformats.org/officeDocument/2006/customXml" ds:itemID="{34863498-7BB7-4F09-9F4A-B99E97FDB0EB}">
   <ds:schemaRefs>
     <ds:schemaRef ds:uri="http://schemas.microsoft.com/office/2006/metadata/contentType"/>
@@ -13276,21 +13471,4 @@
     <ds:schemaRef ds:uri="http://schemas.microsoft.com/internal/obd"/>
   </ds:schemaRefs>
 </ds:datastoreItem>
-</file>
-
-<file path=customXml/itemProps2.xml><?xml version="1.0" encoding="utf-8"?>
-<ds:datastoreItem xmlns:ds="http://schemas.openxmlformats.org/officeDocument/2006/customXml" ds:itemID="{8D12BD98-169B-4BEE-86DF-4C9641DF23C4}">
-  <ds:schemaRefs>
-    <ds:schemaRef ds:uri="http://schemas.microsoft.com/office/2006/metadata/properties"/>
-    <ds:schemaRef ds:uri="http://schemas.microsoft.com/office/infopath/2007/PartnerControls"/>
-  </ds:schemaRefs>
-</ds:datastoreItem>
-</file>
-
-<file path=customXml/itemProps3.xml><?xml version="1.0" encoding="utf-8"?>
-<ds:datastoreItem xmlns:ds="http://schemas.openxmlformats.org/officeDocument/2006/customXml" ds:itemID="{AC92E7FA-19A2-4675-9C77-2C92D8A268D1}">
-  <ds:schemaRefs>
-    <ds:schemaRef ds:uri="http://schemas.microsoft.com/sharepoint/v3/contenttype/forms"/>
-  </ds:schemaRefs>
-</ds:datastoreItem>
 </file>